--- a/Presentazione/Presentazione 26-01-2018.pptx
+++ b/Presentazione/Presentazione 26-01-2018.pptx
@@ -149,6 +149,10 @@
     </p:ext>
   </p:extLst>
 </p:presentation>
+</file>
+
+<file path=ppt/revisionInfo.xml><?xml version="1.0" encoding="utf-8"?>
+<p1510:revInfo xmlns:a="http://schemas.openxmlformats.org/drawingml/2006/main" xmlns:r="http://schemas.openxmlformats.org/officeDocument/2006/relationships" xmlns:p1510="http://schemas.microsoft.com/office/powerpoint/2015/10/main"/>
 </file>
 
 <file path=ppt/changesInfos/changesInfo1.xml><?xml version="1.0" encoding="utf-8"?>
@@ -783,7 +787,7 @@
           <a:p>
             <a:fld id="{2A6D5493-5935-2C4F-8AB7-04879816AC21}" type="datetimeFigureOut">
               <a:rPr kumimoji="1" lang="zh-CN" altLang="en-US" smtClean="0"/>
-              <a:t>2018/1/23</a:t>
+              <a:t>2018/1/24</a:t>
             </a:fld>
             <a:endParaRPr kumimoji="1" lang="zh-CN" altLang="en-US"/>
           </a:p>
@@ -1048,6 +1052,90 @@
     </a:lvl9pPr>
   </p:notesStyle>
 </p:notesMaster>
+</file>
+
+<file path=ppt/notesSlides/notesSlide1.xml><?xml version="1.0" encoding="utf-8"?>
+<p:notes xmlns:a="http://schemas.openxmlformats.org/drawingml/2006/main" xmlns:r="http://schemas.openxmlformats.org/officeDocument/2006/relationships" xmlns:p="http://schemas.openxmlformats.org/presentationml/2006/main">
+  <p:cSld>
+    <p:spTree>
+      <p:nvGrpSpPr>
+        <p:cNvPr id="1" name=""/>
+        <p:cNvGrpSpPr/>
+        <p:nvPr/>
+      </p:nvGrpSpPr>
+      <p:grpSpPr>
+        <a:xfrm>
+          <a:off x="0" y="0"/>
+          <a:ext cx="0" cy="0"/>
+          <a:chOff x="0" y="0"/>
+          <a:chExt cx="0" cy="0"/>
+        </a:xfrm>
+      </p:grpSpPr>
+      <p:sp>
+        <p:nvSpPr>
+          <p:cNvPr id="2" name="Segnaposto immagine diapositiva 1"/>
+          <p:cNvSpPr>
+            <a:spLocks noGrp="1" noRot="1" noChangeAspect="1"/>
+          </p:cNvSpPr>
+          <p:nvPr>
+            <p:ph type="sldImg"/>
+          </p:nvPr>
+        </p:nvSpPr>
+        <p:spPr/>
+      </p:sp>
+      <p:sp>
+        <p:nvSpPr>
+          <p:cNvPr id="3" name="Segnaposto note 2"/>
+          <p:cNvSpPr>
+            <a:spLocks noGrp="1"/>
+          </p:cNvSpPr>
+          <p:nvPr>
+            <p:ph type="body" idx="1"/>
+          </p:nvPr>
+        </p:nvSpPr>
+        <p:spPr/>
+        <p:txBody>
+          <a:bodyPr/>
+          <a:lstStyle/>
+          <a:p>
+            <a:endParaRPr lang="it-IT" dirty="0"/>
+          </a:p>
+        </p:txBody>
+      </p:sp>
+      <p:sp>
+        <p:nvSpPr>
+          <p:cNvPr id="4" name="Segnaposto numero diapositiva 3"/>
+          <p:cNvSpPr>
+            <a:spLocks noGrp="1"/>
+          </p:cNvSpPr>
+          <p:nvPr>
+            <p:ph type="sldNum" sz="quarter" idx="10"/>
+          </p:nvPr>
+        </p:nvSpPr>
+        <p:spPr/>
+        <p:txBody>
+          <a:bodyPr/>
+          <a:lstStyle/>
+          <a:p>
+            <a:fld id="{CF0EE077-B1A6-2846-9E5F-7778F3169D7A}" type="slidenum">
+              <a:rPr kumimoji="1" lang="zh-CN" altLang="en-US" smtClean="0"/>
+              <a:t>18</a:t>
+            </a:fld>
+            <a:endParaRPr kumimoji="1" lang="zh-CN" altLang="en-US"/>
+          </a:p>
+        </p:txBody>
+      </p:sp>
+    </p:spTree>
+    <p:extLst>
+      <p:ext uri="{BB962C8B-B14F-4D97-AF65-F5344CB8AC3E}">
+        <p14:creationId xmlns:p14="http://schemas.microsoft.com/office/powerpoint/2010/main" val="1218883171"/>
+      </p:ext>
+    </p:extLst>
+  </p:cSld>
+  <p:clrMapOvr>
+    <a:masterClrMapping/>
+  </p:clrMapOvr>
+</p:notes>
 </file>
 
 <file path=ppt/slideLayouts/slideLayout1.xml><?xml version="1.0" encoding="utf-8"?>
@@ -1431,7 +1519,7 @@
           <a:p>
             <a:fld id="{625DEF7B-A403-4635-A96E-2BB07A00A0B8}" type="datetimeFigureOut">
               <a:rPr lang="zh-CN" altLang="en-US" smtClean="0"/>
-              <a:t>2018/1/23</a:t>
+              <a:t>2018/1/24</a:t>
             </a:fld>
             <a:endParaRPr lang="zh-CN" altLang="en-US"/>
           </a:p>
@@ -9187,7 +9275,7 @@
               </a:ln>
               <a:extLst>
                 <a:ext uri="{91240B29-F687-4f45-9708-019B960494DF}">
-                  <a14:hiddenLine xmlns:a14="http://schemas.microsoft.com/office/drawing/2010/main" xmlns="" w="9525">
+                  <a14:hiddenLine xmlns="" xmlns:a14="http://schemas.microsoft.com/office/drawing/2010/main" w="9525">
                     <a:solidFill>
                       <a:srgbClr val="000000"/>
                     </a:solidFill>
@@ -9322,7 +9410,7 @@
               </a:ln>
               <a:extLst>
                 <a:ext uri="{91240B29-F687-4f45-9708-019B960494DF}">
-                  <a14:hiddenLine xmlns:a14="http://schemas.microsoft.com/office/drawing/2010/main" xmlns="" w="9525">
+                  <a14:hiddenLine xmlns="" xmlns:a14="http://schemas.microsoft.com/office/drawing/2010/main" w="9525">
                     <a:solidFill>
                       <a:srgbClr val="000000"/>
                     </a:solidFill>
@@ -9425,7 +9513,7 @@
               </a:ln>
               <a:extLst>
                 <a:ext uri="{91240B29-F687-4f45-9708-019B960494DF}">
-                  <a14:hiddenLine xmlns:a14="http://schemas.microsoft.com/office/drawing/2010/main" xmlns="" w="9525">
+                  <a14:hiddenLine xmlns="" xmlns:a14="http://schemas.microsoft.com/office/drawing/2010/main" w="9525">
                     <a:solidFill>
                       <a:srgbClr val="000000"/>
                     </a:solidFill>
@@ -9569,7 +9657,7 @@
               </a:ln>
               <a:extLst>
                 <a:ext uri="{91240B29-F687-4f45-9708-019B960494DF}">
-                  <a14:hiddenLine xmlns:a14="http://schemas.microsoft.com/office/drawing/2010/main" xmlns="" w="9525">
+                  <a14:hiddenLine xmlns="" xmlns:a14="http://schemas.microsoft.com/office/drawing/2010/main" w="9525">
                     <a:solidFill>
                       <a:srgbClr val="000000"/>
                     </a:solidFill>
@@ -9759,7 +9847,7 @@
               </a:ln>
               <a:extLst>
                 <a:ext uri="{91240B29-F687-4f45-9708-019B960494DF}">
-                  <a14:hiddenLine xmlns:a14="http://schemas.microsoft.com/office/drawing/2010/main" xmlns="" w="9525">
+                  <a14:hiddenLine xmlns="" xmlns:a14="http://schemas.microsoft.com/office/drawing/2010/main" w="9525">
                     <a:solidFill>
                       <a:srgbClr val="000000"/>
                     </a:solidFill>
@@ -9987,7 +10075,7 @@
               </a:ln>
               <a:extLst>
                 <a:ext uri="{91240B29-F687-4f45-9708-019B960494DF}">
-                  <a14:hiddenLine xmlns:a14="http://schemas.microsoft.com/office/drawing/2010/main" xmlns="" w="9525">
+                  <a14:hiddenLine xmlns="" xmlns:a14="http://schemas.microsoft.com/office/drawing/2010/main" w="9525">
                     <a:solidFill>
                       <a:srgbClr val="000000"/>
                     </a:solidFill>
@@ -10122,7 +10210,7 @@
               </a:ln>
               <a:extLst>
                 <a:ext uri="{91240B29-F687-4f45-9708-019B960494DF}">
-                  <a14:hiddenLine xmlns:a14="http://schemas.microsoft.com/office/drawing/2010/main" xmlns="" w="9525">
+                  <a14:hiddenLine xmlns="" xmlns:a14="http://schemas.microsoft.com/office/drawing/2010/main" w="9525">
                     <a:solidFill>
                       <a:srgbClr val="000000"/>
                     </a:solidFill>
@@ -10225,7 +10313,7 @@
               </a:ln>
               <a:extLst>
                 <a:ext uri="{91240B29-F687-4f45-9708-019B960494DF}">
-                  <a14:hiddenLine xmlns:a14="http://schemas.microsoft.com/office/drawing/2010/main" xmlns="" w="9525">
+                  <a14:hiddenLine xmlns="" xmlns:a14="http://schemas.microsoft.com/office/drawing/2010/main" w="9525">
                     <a:solidFill>
                       <a:srgbClr val="000000"/>
                     </a:solidFill>
@@ -10369,7 +10457,7 @@
               </a:ln>
               <a:extLst>
                 <a:ext uri="{91240B29-F687-4f45-9708-019B960494DF}">
-                  <a14:hiddenLine xmlns:a14="http://schemas.microsoft.com/office/drawing/2010/main" xmlns="" w="9525">
+                  <a14:hiddenLine xmlns="" xmlns:a14="http://schemas.microsoft.com/office/drawing/2010/main" w="9525">
                     <a:solidFill>
                       <a:srgbClr val="000000"/>
                     </a:solidFill>
@@ -10559,7 +10647,7 @@
               </a:ln>
               <a:extLst>
                 <a:ext uri="{91240B29-F687-4f45-9708-019B960494DF}">
-                  <a14:hiddenLine xmlns:a14="http://schemas.microsoft.com/office/drawing/2010/main" xmlns="" w="9525">
+                  <a14:hiddenLine xmlns="" xmlns:a14="http://schemas.microsoft.com/office/drawing/2010/main" w="9525">
                     <a:solidFill>
                       <a:srgbClr val="000000"/>
                     </a:solidFill>
@@ -13531,7 +13619,7 @@
         <p:spPr>
           <a:xfrm>
             <a:off x="1577140" y="2244959"/>
-            <a:ext cx="7253382" cy="2862322"/>
+            <a:ext cx="7253382" cy="2554545"/>
           </a:xfrm>
           <a:prstGeom prst="rect">
             <a:avLst/>
@@ -13615,7 +13703,81 @@
                   <a:srgbClr val="1E1E1E"/>
                 </a:solidFill>
               </a:rPr>
-              <a:t>; </a:t>
+              <a:t>;</a:t>
+            </a:r>
+          </a:p>
+          <a:p>
+            <a:pPr marL="285750" indent="-285750">
+              <a:buFont typeface="Arial" charset="0"/>
+              <a:buChar char="•"/>
+            </a:pPr>
+            <a:r>
+              <a:rPr lang="it-IT" sz="2000" dirty="0">
+                <a:solidFill>
+                  <a:srgbClr val="1E1E1E"/>
+                </a:solidFill>
+              </a:rPr>
+              <a:t>Visualizzare passo </a:t>
+            </a:r>
+            <a:r>
+              <a:rPr lang="it-IT" sz="2000" dirty="0" err="1">
+                <a:solidFill>
+                  <a:srgbClr val="1E1E1E"/>
+                </a:solidFill>
+              </a:rPr>
+              <a:t>passo</a:t>
+            </a:r>
+            <a:r>
+              <a:rPr lang="it-IT" sz="2000" dirty="0">
+                <a:solidFill>
+                  <a:srgbClr val="1E1E1E"/>
+                </a:solidFill>
+              </a:rPr>
+              <a:t> i grafi delle varie </a:t>
+            </a:r>
+            <a:r>
+              <a:rPr lang="it-IT" sz="2000" dirty="0" err="1">
+                <a:solidFill>
+                  <a:srgbClr val="1E1E1E"/>
+                </a:solidFill>
+              </a:rPr>
+              <a:t>utterance</a:t>
+            </a:r>
+            <a:r>
+              <a:rPr lang="it-IT" sz="2000" dirty="0">
+                <a:solidFill>
+                  <a:srgbClr val="1E1E1E"/>
+                </a:solidFill>
+              </a:rPr>
+              <a:t> in modo sequenziale.</a:t>
+            </a:r>
+          </a:p>
+          <a:p>
+            <a:pPr marL="285750" indent="-285750">
+              <a:buFont typeface="Arial" charset="0"/>
+              <a:buChar char="•"/>
+            </a:pPr>
+            <a:r>
+              <a:rPr lang="it-IT" sz="2000" dirty="0">
+                <a:solidFill>
+                  <a:srgbClr val="1E1E1E"/>
+                </a:solidFill>
+              </a:rPr>
+              <a:t>Stampare i grafi su schermo;</a:t>
+            </a:r>
+          </a:p>
+          <a:p>
+            <a:pPr marL="285750" indent="-285750">
+              <a:buFont typeface="Arial" charset="0"/>
+              <a:buChar char="•"/>
+            </a:pPr>
+            <a:r>
+              <a:rPr lang="it-IT" sz="2000" dirty="0">
+                <a:solidFill>
+                  <a:srgbClr val="1E1E1E"/>
+                </a:solidFill>
+              </a:rPr>
+              <a:t>Disporre graficamente i nodi;</a:t>
             </a:r>
           </a:p>
           <a:p>
@@ -13630,20 +13792,6 @@
                 </a:solidFill>
               </a:rPr>
               <a:t>Modificare alcuni campi dei nodi;</a:t>
-            </a:r>
-          </a:p>
-          <a:p>
-            <a:pPr marL="285750" indent="-285750">
-              <a:buFont typeface="Arial" charset="0"/>
-              <a:buChar char="•"/>
-            </a:pPr>
-            <a:r>
-              <a:rPr lang="it-IT" sz="2000" dirty="0">
-                <a:solidFill>
-                  <a:srgbClr val="1E1E1E"/>
-                </a:solidFill>
-              </a:rPr>
-              <a:t>Disporre graficamente i nodi per permettere una lettura semplificata;</a:t>
             </a:r>
           </a:p>
           <a:p>
@@ -13673,51 +13821,7 @@
                   <a:srgbClr val="1E1E1E"/>
                 </a:solidFill>
               </a:rPr>
-              <a:t>;</a:t>
-            </a:r>
-          </a:p>
-          <a:p>
-            <a:pPr marL="285750" indent="-285750">
-              <a:buFont typeface="Arial" charset="0"/>
-              <a:buChar char="•"/>
-            </a:pPr>
-            <a:r>
-              <a:rPr lang="it-IT" sz="2000" dirty="0">
-                <a:solidFill>
-                  <a:srgbClr val="1E1E1E"/>
-                </a:solidFill>
-              </a:rPr>
-              <a:t>Stampare i grafi su schermo;</a:t>
-            </a:r>
-          </a:p>
-          <a:p>
-            <a:pPr marL="285750" indent="-285750">
-              <a:buFont typeface="Arial" charset="0"/>
-              <a:buChar char="•"/>
-            </a:pPr>
-            <a:r>
-              <a:rPr lang="it-IT" sz="2000" dirty="0">
-                <a:solidFill>
-                  <a:srgbClr val="1E1E1E"/>
-                </a:solidFill>
-              </a:rPr>
-              <a:t>Visualizzare passo passo i grafi delle varie </a:t>
-            </a:r>
-            <a:r>
-              <a:rPr lang="it-IT" sz="2000" dirty="0" err="1">
-                <a:solidFill>
-                  <a:srgbClr val="1E1E1E"/>
-                </a:solidFill>
-              </a:rPr>
-              <a:t>utterance</a:t>
-            </a:r>
-            <a:r>
-              <a:rPr lang="it-IT" sz="2000" dirty="0">
-                <a:solidFill>
-                  <a:srgbClr val="1E1E1E"/>
-                </a:solidFill>
-              </a:rPr>
-              <a:t> in modo sequenziale.</a:t>
+              <a:t>; </a:t>
             </a:r>
             <a:endParaRPr lang="it-IT" sz="2000" dirty="0"/>
           </a:p>
@@ -14819,7 +14923,7 @@
                 </a:ln>
                 <a:extLst>
                   <a:ext uri="{91240B29-F687-4f45-9708-019B960494DF}">
-                    <a14:hiddenLine xmlns:a14="http://schemas.microsoft.com/office/drawing/2010/main" xmlns="" w="9525">
+                    <a14:hiddenLine xmlns="" xmlns:a14="http://schemas.microsoft.com/office/drawing/2010/main" w="9525">
                       <a:solidFill>
                         <a:srgbClr val="000000"/>
                       </a:solidFill>
@@ -14871,7 +14975,7 @@
                 </a:ln>
                 <a:extLst>
                   <a:ext uri="{91240B29-F687-4f45-9708-019B960494DF}">
-                    <a14:hiddenLine xmlns:a14="http://schemas.microsoft.com/office/drawing/2010/main" xmlns="" w="9525">
+                    <a14:hiddenLine xmlns="" xmlns:a14="http://schemas.microsoft.com/office/drawing/2010/main" w="9525">
                       <a:solidFill>
                         <a:srgbClr val="000000"/>
                       </a:solidFill>
@@ -14923,7 +15027,7 @@
                 </a:ln>
                 <a:extLst>
                   <a:ext uri="{91240B29-F687-4f45-9708-019B960494DF}">
-                    <a14:hiddenLine xmlns:a14="http://schemas.microsoft.com/office/drawing/2010/main" xmlns="" w="9525">
+                    <a14:hiddenLine xmlns="" xmlns:a14="http://schemas.microsoft.com/office/drawing/2010/main" w="9525">
                       <a:solidFill>
                         <a:srgbClr val="000000"/>
                       </a:solidFill>
@@ -14975,7 +15079,7 @@
                 </a:ln>
                 <a:extLst>
                   <a:ext uri="{91240B29-F687-4f45-9708-019B960494DF}">
-                    <a14:hiddenLine xmlns:a14="http://schemas.microsoft.com/office/drawing/2010/main" xmlns="" w="9525">
+                    <a14:hiddenLine xmlns="" xmlns:a14="http://schemas.microsoft.com/office/drawing/2010/main" w="9525">
                       <a:solidFill>
                         <a:srgbClr val="000000"/>
                       </a:solidFill>
@@ -15027,7 +15131,7 @@
                 </a:ln>
                 <a:extLst>
                   <a:ext uri="{91240B29-F687-4f45-9708-019B960494DF}">
-                    <a14:hiddenLine xmlns:a14="http://schemas.microsoft.com/office/drawing/2010/main" xmlns="" w="9525">
+                    <a14:hiddenLine xmlns="" xmlns:a14="http://schemas.microsoft.com/office/drawing/2010/main" w="9525">
                       <a:solidFill>
                         <a:srgbClr val="000000"/>
                       </a:solidFill>
@@ -15162,7 +15266,7 @@
                 </a:ln>
                 <a:extLst>
                   <a:ext uri="{91240B29-F687-4f45-9708-019B960494DF}">
-                    <a14:hiddenLine xmlns:a14="http://schemas.microsoft.com/office/drawing/2010/main" xmlns="" w="9525">
+                    <a14:hiddenLine xmlns="" xmlns:a14="http://schemas.microsoft.com/office/drawing/2010/main" w="9525">
                       <a:solidFill>
                         <a:srgbClr val="000000"/>
                       </a:solidFill>
@@ -19061,7 +19165,7 @@
               </a:ln>
               <a:extLst>
                 <a:ext uri="{91240B29-F687-4f45-9708-019B960494DF}">
-                  <a14:hiddenLine xmlns:a14="http://schemas.microsoft.com/office/drawing/2010/main" xmlns="" w="9525">
+                  <a14:hiddenLine xmlns="" xmlns:a14="http://schemas.microsoft.com/office/drawing/2010/main" w="9525">
                     <a:solidFill>
                       <a:srgbClr val="000000"/>
                     </a:solidFill>
@@ -19196,7 +19300,7 @@
               </a:ln>
               <a:extLst>
                 <a:ext uri="{91240B29-F687-4f45-9708-019B960494DF}">
-                  <a14:hiddenLine xmlns:a14="http://schemas.microsoft.com/office/drawing/2010/main" xmlns="" w="9525">
+                  <a14:hiddenLine xmlns="" xmlns:a14="http://schemas.microsoft.com/office/drawing/2010/main" w="9525">
                     <a:solidFill>
                       <a:srgbClr val="000000"/>
                     </a:solidFill>
@@ -19299,7 +19403,7 @@
               </a:ln>
               <a:extLst>
                 <a:ext uri="{91240B29-F687-4f45-9708-019B960494DF}">
-                  <a14:hiddenLine xmlns:a14="http://schemas.microsoft.com/office/drawing/2010/main" xmlns="" w="9525">
+                  <a14:hiddenLine xmlns="" xmlns:a14="http://schemas.microsoft.com/office/drawing/2010/main" w="9525">
                     <a:solidFill>
                       <a:srgbClr val="000000"/>
                     </a:solidFill>
@@ -19443,7 +19547,7 @@
               </a:ln>
               <a:extLst>
                 <a:ext uri="{91240B29-F687-4f45-9708-019B960494DF}">
-                  <a14:hiddenLine xmlns:a14="http://schemas.microsoft.com/office/drawing/2010/main" xmlns="" w="9525">
+                  <a14:hiddenLine xmlns="" xmlns:a14="http://schemas.microsoft.com/office/drawing/2010/main" w="9525">
                     <a:solidFill>
                       <a:srgbClr val="000000"/>
                     </a:solidFill>
@@ -19633,7 +19737,7 @@
               </a:ln>
               <a:extLst>
                 <a:ext uri="{91240B29-F687-4f45-9708-019B960494DF}">
-                  <a14:hiddenLine xmlns:a14="http://schemas.microsoft.com/office/drawing/2010/main" xmlns="" w="9525">
+                  <a14:hiddenLine xmlns="" xmlns:a14="http://schemas.microsoft.com/office/drawing/2010/main" w="9525">
                     <a:solidFill>
                       <a:srgbClr val="000000"/>
                     </a:solidFill>
@@ -23708,7 +23812,7 @@
               </a:ln>
               <a:extLst>
                 <a:ext uri="{91240B29-F687-4f45-9708-019B960494DF}">
-                  <a14:hiddenLine xmlns:a14="http://schemas.microsoft.com/office/drawing/2010/main" xmlns="" w="9525">
+                  <a14:hiddenLine xmlns="" xmlns:a14="http://schemas.microsoft.com/office/drawing/2010/main" w="9525">
                     <a:solidFill>
                       <a:srgbClr val="000000"/>
                     </a:solidFill>
@@ -23843,7 +23947,7 @@
               </a:ln>
               <a:extLst>
                 <a:ext uri="{91240B29-F687-4f45-9708-019B960494DF}">
-                  <a14:hiddenLine xmlns:a14="http://schemas.microsoft.com/office/drawing/2010/main" xmlns="" w="9525">
+                  <a14:hiddenLine xmlns="" xmlns:a14="http://schemas.microsoft.com/office/drawing/2010/main" w="9525">
                     <a:solidFill>
                       <a:srgbClr val="000000"/>
                     </a:solidFill>
@@ -23946,7 +24050,7 @@
               </a:ln>
               <a:extLst>
                 <a:ext uri="{91240B29-F687-4f45-9708-019B960494DF}">
-                  <a14:hiddenLine xmlns:a14="http://schemas.microsoft.com/office/drawing/2010/main" xmlns="" w="9525">
+                  <a14:hiddenLine xmlns="" xmlns:a14="http://schemas.microsoft.com/office/drawing/2010/main" w="9525">
                     <a:solidFill>
                       <a:srgbClr val="000000"/>
                     </a:solidFill>
@@ -24090,7 +24194,7 @@
               </a:ln>
               <a:extLst>
                 <a:ext uri="{91240B29-F687-4f45-9708-019B960494DF}">
-                  <a14:hiddenLine xmlns:a14="http://schemas.microsoft.com/office/drawing/2010/main" xmlns="" w="9525">
+                  <a14:hiddenLine xmlns="" xmlns:a14="http://schemas.microsoft.com/office/drawing/2010/main" w="9525">
                     <a:solidFill>
                       <a:srgbClr val="000000"/>
                     </a:solidFill>
@@ -24280,7 +24384,7 @@
               </a:ln>
               <a:extLst>
                 <a:ext uri="{91240B29-F687-4f45-9708-019B960494DF}">
-                  <a14:hiddenLine xmlns:a14="http://schemas.microsoft.com/office/drawing/2010/main" xmlns="" w="9525">
+                  <a14:hiddenLine xmlns="" xmlns:a14="http://schemas.microsoft.com/office/drawing/2010/main" w="9525">
                     <a:solidFill>
                       <a:srgbClr val="000000"/>
                     </a:solidFill>
@@ -31448,7 +31552,7 @@
               </a:ln>
               <a:extLst>
                 <a:ext uri="{91240B29-F687-4f45-9708-019B960494DF}">
-                  <a14:hiddenLine xmlns:a14="http://schemas.microsoft.com/office/drawing/2010/main" xmlns="" w="9525">
+                  <a14:hiddenLine xmlns="" xmlns:a14="http://schemas.microsoft.com/office/drawing/2010/main" w="9525">
                     <a:solidFill>
                       <a:srgbClr val="000000"/>
                     </a:solidFill>
@@ -31500,7 +31604,7 @@
               </a:ln>
               <a:extLst>
                 <a:ext uri="{91240B29-F687-4f45-9708-019B960494DF}">
-                  <a14:hiddenLine xmlns:a14="http://schemas.microsoft.com/office/drawing/2010/main" xmlns="" w="9525">
+                  <a14:hiddenLine xmlns="" xmlns:a14="http://schemas.microsoft.com/office/drawing/2010/main" w="9525">
                     <a:solidFill>
                       <a:srgbClr val="000000"/>
                     </a:solidFill>
@@ -31552,7 +31656,7 @@
               </a:ln>
               <a:extLst>
                 <a:ext uri="{91240B29-F687-4f45-9708-019B960494DF}">
-                  <a14:hiddenLine xmlns:a14="http://schemas.microsoft.com/office/drawing/2010/main" xmlns="" w="9525">
+                  <a14:hiddenLine xmlns="" xmlns:a14="http://schemas.microsoft.com/office/drawing/2010/main" w="9525">
                     <a:solidFill>
                       <a:srgbClr val="000000"/>
                     </a:solidFill>
@@ -31604,7 +31708,7 @@
               </a:ln>
               <a:extLst>
                 <a:ext uri="{91240B29-F687-4f45-9708-019B960494DF}">
-                  <a14:hiddenLine xmlns:a14="http://schemas.microsoft.com/office/drawing/2010/main" xmlns="" w="9525">
+                  <a14:hiddenLine xmlns="" xmlns:a14="http://schemas.microsoft.com/office/drawing/2010/main" w="9525">
                     <a:solidFill>
                       <a:srgbClr val="000000"/>
                     </a:solidFill>
@@ -31656,7 +31760,7 @@
               </a:ln>
               <a:extLst>
                 <a:ext uri="{91240B29-F687-4f45-9708-019B960494DF}">
-                  <a14:hiddenLine xmlns:a14="http://schemas.microsoft.com/office/drawing/2010/main" xmlns="" w="9525">
+                  <a14:hiddenLine xmlns="" xmlns:a14="http://schemas.microsoft.com/office/drawing/2010/main" w="9525">
                     <a:solidFill>
                       <a:srgbClr val="000000"/>
                     </a:solidFill>
@@ -31791,7 +31895,7 @@
               </a:ln>
               <a:extLst>
                 <a:ext uri="{91240B29-F687-4f45-9708-019B960494DF}">
-                  <a14:hiddenLine xmlns:a14="http://schemas.microsoft.com/office/drawing/2010/main" xmlns="" w="9525">
+                  <a14:hiddenLine xmlns="" xmlns:a14="http://schemas.microsoft.com/office/drawing/2010/main" w="9525">
                     <a:solidFill>
                       <a:srgbClr val="000000"/>
                     </a:solidFill>
@@ -35690,7 +35794,7 @@
             </a:ln>
             <a:extLst>
               <a:ext uri="{91240B29-F687-4f45-9708-019B960494DF}">
-                <a14:hiddenLine xmlns:a14="http://schemas.microsoft.com/office/drawing/2010/main" xmlns="" w="9525">
+                <a14:hiddenLine xmlns="" xmlns:a14="http://schemas.microsoft.com/office/drawing/2010/main" w="9525">
                   <a:solidFill>
                     <a:srgbClr val="000000"/>
                   </a:solidFill>
@@ -35825,7 +35929,7 @@
             </a:ln>
             <a:extLst>
               <a:ext uri="{91240B29-F687-4f45-9708-019B960494DF}">
-                <a14:hiddenLine xmlns:a14="http://schemas.microsoft.com/office/drawing/2010/main" xmlns="" w="9525">
+                <a14:hiddenLine xmlns="" xmlns:a14="http://schemas.microsoft.com/office/drawing/2010/main" w="9525">
                   <a:solidFill>
                     <a:srgbClr val="000000"/>
                   </a:solidFill>
@@ -35928,7 +36032,7 @@
             </a:ln>
             <a:extLst>
               <a:ext uri="{91240B29-F687-4f45-9708-019B960494DF}">
-                <a14:hiddenLine xmlns:a14="http://schemas.microsoft.com/office/drawing/2010/main" xmlns="" w="9525">
+                <a14:hiddenLine xmlns="" xmlns:a14="http://schemas.microsoft.com/office/drawing/2010/main" w="9525">
                   <a:solidFill>
                     <a:srgbClr val="000000"/>
                   </a:solidFill>
@@ -36072,7 +36176,7 @@
             </a:ln>
             <a:extLst>
               <a:ext uri="{91240B29-F687-4f45-9708-019B960494DF}">
-                <a14:hiddenLine xmlns:a14="http://schemas.microsoft.com/office/drawing/2010/main" xmlns="" w="9525">
+                <a14:hiddenLine xmlns="" xmlns:a14="http://schemas.microsoft.com/office/drawing/2010/main" w="9525">
                   <a:solidFill>
                     <a:srgbClr val="000000"/>
                   </a:solidFill>
@@ -36262,7 +36366,7 @@
             </a:ln>
             <a:extLst>
               <a:ext uri="{91240B29-F687-4f45-9708-019B960494DF}">
-                <a14:hiddenLine xmlns:a14="http://schemas.microsoft.com/office/drawing/2010/main" xmlns="" w="9525">
+                <a14:hiddenLine xmlns="" xmlns:a14="http://schemas.microsoft.com/office/drawing/2010/main" w="9525">
                   <a:solidFill>
                     <a:srgbClr val="000000"/>
                   </a:solidFill>
@@ -40603,15 +40707,6 @@
 </file>
 
 <file path=customXml/item1.xml><?xml version="1.0" encoding="utf-8"?>
-<p:properties xmlns:p="http://schemas.microsoft.com/office/2006/metadata/properties" xmlns:xsi="http://www.w3.org/2001/XMLSchema-instance" xmlns:pc="http://schemas.microsoft.com/office/infopath/2007/PartnerControls">
-  <documentManagement>
-    <_Version xmlns="http://schemas.microsoft.com/sharepoint/v3/fields" xsi:nil="true"/>
-    <_Status xmlns="http://schemas.microsoft.com/sharepoint/v3/fields">Not Started</_Status>
-  </documentManagement>
-</p:properties>
-</file>
-
-<file path=customXml/item2.xml><?xml version="1.0" encoding="utf-8"?>
 <ct:contentTypeSchema xmlns:ct="http://schemas.microsoft.com/office/2006/metadata/contentType" xmlns:ma="http://schemas.microsoft.com/office/2006/metadata/properties/metaAttributes" ct:_="" ma:_="" ma:contentTypeName="Document" ma:contentTypeID="0x0101000DE64AEEDD9B7A4D93545ACBE97D4615" ma:contentTypeVersion="2" ma:contentTypeDescription="Create a new document." ma:contentTypeScope="" ma:versionID="f49002b78e3a4a71b814eef46a983816">
   <xsd:schema xmlns:xsd="http://www.w3.org/2001/XMLSchema" xmlns:xs="http://www.w3.org/2001/XMLSchema" xmlns:p="http://schemas.microsoft.com/office/2006/metadata/properties" xmlns:ns2="http://schemas.microsoft.com/sharepoint/v3/fields" targetNamespace="http://schemas.microsoft.com/office/2006/metadata/properties" ma:root="true" ma:fieldsID="38f6db2dd0d9a0cf6a8dc37be32b365b" ns2:_="">
     <xsd:import namespace="http://schemas.microsoft.com/sharepoint/v3/fields"/>
@@ -40755,6 +40850,15 @@
 </ct:contentTypeSchema>
 </file>
 
+<file path=customXml/item2.xml><?xml version="1.0" encoding="utf-8"?>
+<p:properties xmlns:p="http://schemas.microsoft.com/office/2006/metadata/properties" xmlns:xsi="http://www.w3.org/2001/XMLSchema-instance" xmlns:pc="http://schemas.microsoft.com/office/infopath/2007/PartnerControls">
+  <documentManagement>
+    <_Version xmlns="http://schemas.microsoft.com/sharepoint/v3/fields" xsi:nil="true"/>
+    <_Status xmlns="http://schemas.microsoft.com/sharepoint/v3/fields">Not Started</_Status>
+  </documentManagement>
+</p:properties>
+</file>
+
 <file path=customXml/item3.xml><?xml version="1.0" encoding="utf-8"?>
 <?mso-contentType ?>
 <FormTemplates xmlns="http://schemas.microsoft.com/sharepoint/v3/contenttype/forms">
@@ -40765,16 +40869,6 @@
 </file>
 
 <file path=customXml/itemProps1.xml><?xml version="1.0" encoding="utf-8"?>
-<ds:datastoreItem xmlns:ds="http://schemas.openxmlformats.org/officeDocument/2006/customXml" ds:itemID="{7B6F2769-7194-4217-93D3-3AF3A4742282}">
-  <ds:schemaRefs>
-    <ds:schemaRef ds:uri="http://schemas.microsoft.com/office/2006/metadata/properties"/>
-    <ds:schemaRef ds:uri="http://schemas.microsoft.com/office/infopath/2007/PartnerControls"/>
-    <ds:schemaRef ds:uri="http://schemas.microsoft.com/sharepoint/v3/fields"/>
-  </ds:schemaRefs>
-</ds:datastoreItem>
-</file>
-
-<file path=customXml/itemProps2.xml><?xml version="1.0" encoding="utf-8"?>
 <ds:datastoreItem xmlns:ds="http://schemas.openxmlformats.org/officeDocument/2006/customXml" ds:itemID="{E4214858-785C-42F7-BE66-6D0E79395FC8}">
   <ds:schemaRefs>
     <ds:schemaRef ds:uri="http://schemas.microsoft.com/office/2006/metadata/contentType"/>
@@ -40792,6 +40886,16 @@
 </ds:datastoreItem>
 </file>
 
+<file path=customXml/itemProps2.xml><?xml version="1.0" encoding="utf-8"?>
+<ds:datastoreItem xmlns:ds="http://schemas.openxmlformats.org/officeDocument/2006/customXml" ds:itemID="{7B6F2769-7194-4217-93D3-3AF3A4742282}">
+  <ds:schemaRefs>
+    <ds:schemaRef ds:uri="http://schemas.microsoft.com/office/2006/metadata/properties"/>
+    <ds:schemaRef ds:uri="http://schemas.microsoft.com/office/infopath/2007/PartnerControls"/>
+    <ds:schemaRef ds:uri="http://schemas.microsoft.com/sharepoint/v3/fields"/>
+  </ds:schemaRefs>
+</ds:datastoreItem>
+</file>
+
 <file path=customXml/itemProps3.xml><?xml version="1.0" encoding="utf-8"?>
 <ds:datastoreItem xmlns:ds="http://schemas.openxmlformats.org/officeDocument/2006/customXml" ds:itemID="{87D2A1B0-FF3E-4009-940D-AED0EB70AA20}">
   <ds:schemaRefs>

--- a/Presentazione/Presentazione 26-01-2018.pptx
+++ b/Presentazione/Presentazione 26-01-2018.pptx
@@ -31,8 +31,8 @@
     <p:sldId id="306" r:id="rId25"/>
     <p:sldId id="307" r:id="rId26"/>
     <p:sldId id="308" r:id="rId27"/>
-    <p:sldId id="309" r:id="rId28"/>
-    <p:sldId id="310" r:id="rId29"/>
+    <p:sldId id="311" r:id="rId28"/>
+    <p:sldId id="312" r:id="rId29"/>
     <p:sldId id="259" r:id="rId30"/>
   </p:sldIdLst>
   <p:sldSz cx="9144000" cy="6858000" type="screen4x3"/>
@@ -151,16 +151,12 @@
 </p:presentation>
 </file>
 
-<file path=ppt/revisionInfo.xml><?xml version="1.0" encoding="utf-8"?>
-<p1510:revInfo xmlns:a="http://schemas.openxmlformats.org/drawingml/2006/main" xmlns:r="http://schemas.openxmlformats.org/officeDocument/2006/relationships" xmlns:p1510="http://schemas.microsoft.com/office/powerpoint/2015/10/main"/>
-</file>
-
 <file path=ppt/changesInfos/changesInfo1.xml><?xml version="1.0" encoding="utf-8"?>
 <pc:chgInfo xmlns:a="http://schemas.openxmlformats.org/drawingml/2006/main" xmlns:r="http://schemas.openxmlformats.org/officeDocument/2006/relationships" xmlns:ac="http://schemas.microsoft.com/office/drawing/2013/main/command" xmlns:pc="http://schemas.microsoft.com/office/powerpoint/2013/main/command">
   <pc:docChgLst>
     <pc:chgData name="cristiano tessarolo" userId="c36b394d4ec160dc" providerId="LiveId" clId="{7AF579D0-4467-4C07-B5C6-9E169660DA9B}"/>
-    <pc:docChg chg="modSld">
-      <pc:chgData name="cristiano tessarolo" userId="c36b394d4ec160dc" providerId="LiveId" clId="{7AF579D0-4467-4C07-B5C6-9E169660DA9B}" dt="2018-01-23T12:45:25.914" v="39" actId="20577"/>
+    <pc:docChg chg="addSld delSld modSld">
+      <pc:chgData name="cristiano tessarolo" userId="c36b394d4ec160dc" providerId="LiveId" clId="{7AF579D0-4467-4C07-B5C6-9E169660DA9B}" dt="2018-01-24T10:37:30.679" v="47" actId="2696"/>
       <pc:docMkLst>
         <pc:docMk/>
       </pc:docMkLst>
@@ -196,19 +192,47 @@
         </pc:picChg>
       </pc:sldChg>
       <pc:sldChg chg="modSp">
-        <pc:chgData name="cristiano tessarolo" userId="c36b394d4ec160dc" providerId="LiveId" clId="{7AF579D0-4467-4C07-B5C6-9E169660DA9B}" dt="2018-01-23T12:45:25.914" v="39" actId="20577"/>
+        <pc:chgData name="cristiano tessarolo" userId="c36b394d4ec160dc" providerId="LiveId" clId="{7AF579D0-4467-4C07-B5C6-9E169660DA9B}" dt="2018-01-24T10:27:20.763" v="44" actId="20577"/>
         <pc:sldMkLst>
           <pc:docMk/>
           <pc:sldMk cId="16807" sldId="304"/>
         </pc:sldMkLst>
         <pc:spChg chg="mod">
-          <ac:chgData name="cristiano tessarolo" userId="c36b394d4ec160dc" providerId="LiveId" clId="{7AF579D0-4467-4C07-B5C6-9E169660DA9B}" dt="2018-01-23T12:45:25.914" v="39" actId="20577"/>
+          <ac:chgData name="cristiano tessarolo" userId="c36b394d4ec160dc" providerId="LiveId" clId="{7AF579D0-4467-4C07-B5C6-9E169660DA9B}" dt="2018-01-24T10:27:20.763" v="44" actId="20577"/>
           <ac:spMkLst>
             <pc:docMk/>
             <pc:sldMk cId="16807" sldId="304"/>
             <ac:spMk id="4" creationId="{00000000-0000-0000-0000-000000000000}"/>
           </ac:spMkLst>
         </pc:spChg>
+      </pc:sldChg>
+      <pc:sldChg chg="del">
+        <pc:chgData name="cristiano tessarolo" userId="c36b394d4ec160dc" providerId="LiveId" clId="{7AF579D0-4467-4C07-B5C6-9E169660DA9B}" dt="2018-01-24T10:37:30.679" v="47" actId="2696"/>
+        <pc:sldMkLst>
+          <pc:docMk/>
+          <pc:sldMk cId="16807" sldId="309"/>
+        </pc:sldMkLst>
+      </pc:sldChg>
+      <pc:sldChg chg="del">
+        <pc:chgData name="cristiano tessarolo" userId="c36b394d4ec160dc" providerId="LiveId" clId="{7AF579D0-4467-4C07-B5C6-9E169660DA9B}" dt="2018-01-24T10:37:29.085" v="46" actId="2696"/>
+        <pc:sldMkLst>
+          <pc:docMk/>
+          <pc:sldMk cId="16807" sldId="310"/>
+        </pc:sldMkLst>
+      </pc:sldChg>
+      <pc:sldChg chg="add">
+        <pc:chgData name="cristiano tessarolo" userId="c36b394d4ec160dc" providerId="LiveId" clId="{7AF579D0-4467-4C07-B5C6-9E169660DA9B}" dt="2018-01-24T10:37:10.500" v="45"/>
+        <pc:sldMkLst>
+          <pc:docMk/>
+          <pc:sldMk cId="740619066" sldId="311"/>
+        </pc:sldMkLst>
+      </pc:sldChg>
+      <pc:sldChg chg="add">
+        <pc:chgData name="cristiano tessarolo" userId="c36b394d4ec160dc" providerId="LiveId" clId="{7AF579D0-4467-4C07-B5C6-9E169660DA9B}" dt="2018-01-24T10:37:10.500" v="45"/>
+        <pc:sldMkLst>
+          <pc:docMk/>
+          <pc:sldMk cId="1195765674" sldId="312"/>
+        </pc:sldMkLst>
       </pc:sldChg>
     </pc:docChg>
   </pc:docChgLst>
@@ -13749,7 +13773,7 @@
                   <a:srgbClr val="1E1E1E"/>
                 </a:solidFill>
               </a:rPr>
-              <a:t> in modo sequenziale.</a:t>
+              <a:t> in modo sequenziale;</a:t>
             </a:r>
           </a:p>
           <a:p>
@@ -13816,12 +13840,12 @@
               <a:t>Speect</a:t>
             </a:r>
             <a:r>
-              <a:rPr lang="it-IT" sz="2000" dirty="0">
+              <a:rPr lang="it-IT" sz="2000">
                 <a:solidFill>
                   <a:srgbClr val="1E1E1E"/>
                 </a:solidFill>
               </a:rPr>
-              <a:t>; </a:t>
+              <a:t>.</a:t>
             </a:r>
             <a:endParaRPr lang="it-IT" sz="2000" dirty="0"/>
           </a:p>
@@ -21851,40 +21875,1162 @@
           </a:p>
         </p:txBody>
       </p:sp>
-      <p:pic>
-        <p:nvPicPr>
-          <p:cNvPr id="7" name="Immagine 6">
-            <a:extLst>
-              <a:ext uri="{FF2B5EF4-FFF2-40B4-BE49-F238E27FC236}">
-                <a16:creationId xmlns:a16="http://schemas.microsoft.com/office/drawing/2014/main" id="{3EB9FB0E-D7BB-44BC-9C33-D845D8997F22}"/>
-              </a:ext>
-            </a:extLst>
-          </p:cNvPr>
-          <p:cNvPicPr>
-            <a:picLocks noChangeAspect="1"/>
-          </p:cNvPicPr>
-          <p:nvPr/>
-        </p:nvPicPr>
-        <p:blipFill>
-          <a:blip r:embed="rId2"/>
-          <a:stretch>
-            <a:fillRect/>
-          </a:stretch>
-        </p:blipFill>
-        <p:spPr>
-          <a:xfrm>
-            <a:off x="263122" y="2558315"/>
-            <a:ext cx="8683170" cy="3628319"/>
-          </a:xfrm>
-          <a:prstGeom prst="rect">
-            <a:avLst/>
-          </a:prstGeom>
-        </p:spPr>
-      </p:pic>
+      <p:graphicFrame>
+        <p:nvGraphicFramePr>
+          <p:cNvPr id="2" name="Tabella 1"/>
+          <p:cNvGraphicFramePr>
+            <a:graphicFrameLocks noGrp="1"/>
+          </p:cNvGraphicFramePr>
+          <p:nvPr>
+            <p:extLst/>
+          </p:nvPr>
+        </p:nvGraphicFramePr>
+        <p:xfrm>
+          <a:off x="1624758" y="2538663"/>
+          <a:ext cx="7108710" cy="3606800"/>
+        </p:xfrm>
+        <a:graphic>
+          <a:graphicData uri="http://schemas.openxmlformats.org/drawingml/2006/table">
+            <a:tbl>
+              <a:tblPr firstRow="1" bandRow="1">
+                <a:tableStyleId>{5C22544A-7EE6-4342-B048-85BDC9FD1C3A}</a:tableStyleId>
+              </a:tblPr>
+              <a:tblGrid>
+                <a:gridCol w="2574757">
+                  <a:extLst>
+                    <a:ext uri="{9D8B030D-6E8A-4147-A177-3AD203B41FA5}">
+                      <a16:colId xmlns:a16="http://schemas.microsoft.com/office/drawing/2014/main" val="20000"/>
+                    </a:ext>
+                  </a:extLst>
+                </a:gridCol>
+                <a:gridCol w="553452">
+                  <a:extLst>
+                    <a:ext uri="{9D8B030D-6E8A-4147-A177-3AD203B41FA5}">
+                      <a16:colId xmlns:a16="http://schemas.microsoft.com/office/drawing/2014/main" val="20001"/>
+                    </a:ext>
+                  </a:extLst>
+                </a:gridCol>
+                <a:gridCol w="661911">
+                  <a:extLst>
+                    <a:ext uri="{9D8B030D-6E8A-4147-A177-3AD203B41FA5}">
+                      <a16:colId xmlns:a16="http://schemas.microsoft.com/office/drawing/2014/main" val="20002"/>
+                    </a:ext>
+                  </a:extLst>
+                </a:gridCol>
+                <a:gridCol w="617067">
+                  <a:extLst>
+                    <a:ext uri="{9D8B030D-6E8A-4147-A177-3AD203B41FA5}">
+                      <a16:colId xmlns:a16="http://schemas.microsoft.com/office/drawing/2014/main" val="20003"/>
+                    </a:ext>
+                  </a:extLst>
+                </a:gridCol>
+                <a:gridCol w="613611">
+                  <a:extLst>
+                    <a:ext uri="{9D8B030D-6E8A-4147-A177-3AD203B41FA5}">
+                      <a16:colId xmlns:a16="http://schemas.microsoft.com/office/drawing/2014/main" val="20004"/>
+                    </a:ext>
+                  </a:extLst>
+                </a:gridCol>
+                <a:gridCol w="601579">
+                  <a:extLst>
+                    <a:ext uri="{9D8B030D-6E8A-4147-A177-3AD203B41FA5}">
+                      <a16:colId xmlns:a16="http://schemas.microsoft.com/office/drawing/2014/main" val="20005"/>
+                    </a:ext>
+                  </a:extLst>
+                </a:gridCol>
+                <a:gridCol w="613610">
+                  <a:extLst>
+                    <a:ext uri="{9D8B030D-6E8A-4147-A177-3AD203B41FA5}">
+                      <a16:colId xmlns:a16="http://schemas.microsoft.com/office/drawing/2014/main" val="20006"/>
+                    </a:ext>
+                  </a:extLst>
+                </a:gridCol>
+                <a:gridCol w="872723">
+                  <a:extLst>
+                    <a:ext uri="{9D8B030D-6E8A-4147-A177-3AD203B41FA5}">
+                      <a16:colId xmlns:a16="http://schemas.microsoft.com/office/drawing/2014/main" val="20007"/>
+                    </a:ext>
+                  </a:extLst>
+                </a:gridCol>
+              </a:tblGrid>
+              <a:tr h="487546">
+                <a:tc>
+                  <a:txBody>
+                    <a:bodyPr/>
+                    <a:lstStyle/>
+                    <a:p>
+                      <a:pPr algn="l"/>
+                      <a:r>
+                        <a:rPr lang="it-IT" dirty="0"/>
+                        <a:t>Nominativo</a:t>
+                      </a:r>
+                    </a:p>
+                  </a:txBody>
+                  <a:tcPr anchor="ctr"/>
+                </a:tc>
+                <a:tc>
+                  <a:txBody>
+                    <a:bodyPr/>
+                    <a:lstStyle/>
+                    <a:p>
+                      <a:pPr algn="ctr"/>
+                      <a:r>
+                        <a:rPr lang="it-IT" dirty="0"/>
+                        <a:t>Re</a:t>
+                      </a:r>
+                    </a:p>
+                  </a:txBody>
+                  <a:tcPr anchor="ctr"/>
+                </a:tc>
+                <a:tc>
+                  <a:txBody>
+                    <a:bodyPr/>
+                    <a:lstStyle/>
+                    <a:p>
+                      <a:pPr algn="ctr"/>
+                      <a:r>
+                        <a:rPr lang="it-IT" dirty="0" err="1"/>
+                        <a:t>Am</a:t>
+                      </a:r>
+                      <a:endParaRPr lang="it-IT" dirty="0"/>
+                    </a:p>
+                  </a:txBody>
+                  <a:tcPr anchor="ctr"/>
+                </a:tc>
+                <a:tc>
+                  <a:txBody>
+                    <a:bodyPr/>
+                    <a:lstStyle/>
+                    <a:p>
+                      <a:pPr algn="ctr"/>
+                      <a:r>
+                        <a:rPr lang="it-IT" dirty="0"/>
+                        <a:t>An</a:t>
+                      </a:r>
+                    </a:p>
+                  </a:txBody>
+                  <a:tcPr anchor="ctr"/>
+                </a:tc>
+                <a:tc>
+                  <a:txBody>
+                    <a:bodyPr/>
+                    <a:lstStyle/>
+                    <a:p>
+                      <a:pPr algn="ctr"/>
+                      <a:r>
+                        <a:rPr lang="it-IT" dirty="0" err="1"/>
+                        <a:t>Pt</a:t>
+                      </a:r>
+                      <a:endParaRPr lang="it-IT" dirty="0"/>
+                    </a:p>
+                  </a:txBody>
+                  <a:tcPr anchor="ctr"/>
+                </a:tc>
+                <a:tc>
+                  <a:txBody>
+                    <a:bodyPr/>
+                    <a:lstStyle/>
+                    <a:p>
+                      <a:pPr algn="ctr"/>
+                      <a:r>
+                        <a:rPr lang="it-IT" dirty="0"/>
+                        <a:t>Pr</a:t>
+                      </a:r>
+                    </a:p>
+                  </a:txBody>
+                  <a:tcPr anchor="ctr"/>
+                </a:tc>
+                <a:tc>
+                  <a:txBody>
+                    <a:bodyPr/>
+                    <a:lstStyle/>
+                    <a:p>
+                      <a:pPr algn="ctr"/>
+                      <a:r>
+                        <a:rPr lang="it-IT" dirty="0"/>
+                        <a:t>Ve</a:t>
+                      </a:r>
+                    </a:p>
+                  </a:txBody>
+                  <a:tcPr anchor="ctr"/>
+                </a:tc>
+                <a:tc>
+                  <a:txBody>
+                    <a:bodyPr/>
+                    <a:lstStyle/>
+                    <a:p>
+                      <a:pPr algn="ctr"/>
+                      <a:r>
+                        <a:rPr lang="it-IT" dirty="0"/>
+                        <a:t>Ore totali</a:t>
+                      </a:r>
+                    </a:p>
+                  </a:txBody>
+                  <a:tcPr anchor="ctr"/>
+                </a:tc>
+                <a:extLst>
+                  <a:ext uri="{0D108BD9-81ED-4DB2-BD59-A6C34878D82A}">
+                    <a16:rowId xmlns:a16="http://schemas.microsoft.com/office/drawing/2014/main" val="10000"/>
+                  </a:ext>
+                </a:extLst>
+              </a:tr>
+              <a:tr h="370840">
+                <a:tc>
+                  <a:txBody>
+                    <a:bodyPr/>
+                    <a:lstStyle/>
+                    <a:p>
+                      <a:pPr algn="l"/>
+                      <a:r>
+                        <a:rPr lang="it-IT" dirty="0"/>
+                        <a:t>Marco </a:t>
+                      </a:r>
+                      <a:r>
+                        <a:rPr lang="it-IT" dirty="0" err="1"/>
+                        <a:t>Focchiati</a:t>
+                      </a:r>
+                      <a:endParaRPr lang="it-IT" dirty="0"/>
+                    </a:p>
+                  </a:txBody>
+                  <a:tcPr anchor="ctr"/>
+                </a:tc>
+                <a:tc>
+                  <a:txBody>
+                    <a:bodyPr/>
+                    <a:lstStyle/>
+                    <a:p>
+                      <a:pPr algn="ctr"/>
+                      <a:r>
+                        <a:rPr lang="it-IT" dirty="0"/>
+                        <a:t>5</a:t>
+                      </a:r>
+                    </a:p>
+                  </a:txBody>
+                  <a:tcPr anchor="ctr"/>
+                </a:tc>
+                <a:tc>
+                  <a:txBody>
+                    <a:bodyPr/>
+                    <a:lstStyle/>
+                    <a:p>
+                      <a:pPr algn="ctr"/>
+                      <a:endParaRPr lang="it-IT" dirty="0"/>
+                    </a:p>
+                  </a:txBody>
+                  <a:tcPr anchor="ctr"/>
+                </a:tc>
+                <a:tc>
+                  <a:txBody>
+                    <a:bodyPr/>
+                    <a:lstStyle/>
+                    <a:p>
+                      <a:pPr algn="ctr"/>
+                      <a:r>
+                        <a:rPr lang="it-IT" dirty="0"/>
+                        <a:t>16</a:t>
+                      </a:r>
+                    </a:p>
+                  </a:txBody>
+                  <a:tcPr anchor="ctr"/>
+                </a:tc>
+                <a:tc>
+                  <a:txBody>
+                    <a:bodyPr/>
+                    <a:lstStyle/>
+                    <a:p>
+                      <a:pPr algn="ctr"/>
+                      <a:endParaRPr lang="it-IT" dirty="0"/>
+                    </a:p>
+                  </a:txBody>
+                  <a:tcPr anchor="ctr"/>
+                </a:tc>
+                <a:tc>
+                  <a:txBody>
+                    <a:bodyPr/>
+                    <a:lstStyle/>
+                    <a:p>
+                      <a:pPr algn="ctr"/>
+                      <a:endParaRPr lang="it-IT" dirty="0"/>
+                    </a:p>
+                  </a:txBody>
+                  <a:tcPr anchor="ctr"/>
+                </a:tc>
+                <a:tc>
+                  <a:txBody>
+                    <a:bodyPr/>
+                    <a:lstStyle/>
+                    <a:p>
+                      <a:pPr algn="ctr"/>
+                      <a:endParaRPr lang="it-IT" dirty="0"/>
+                    </a:p>
+                  </a:txBody>
+                  <a:tcPr anchor="ctr"/>
+                </a:tc>
+                <a:tc>
+                  <a:txBody>
+                    <a:bodyPr/>
+                    <a:lstStyle/>
+                    <a:p>
+                      <a:pPr algn="ctr"/>
+                      <a:r>
+                        <a:rPr lang="it-IT" dirty="0"/>
+                        <a:t>21</a:t>
+                      </a:r>
+                    </a:p>
+                  </a:txBody>
+                  <a:tcPr anchor="ctr"/>
+                </a:tc>
+                <a:extLst>
+                  <a:ext uri="{0D108BD9-81ED-4DB2-BD59-A6C34878D82A}">
+                    <a16:rowId xmlns:a16="http://schemas.microsoft.com/office/drawing/2014/main" val="10001"/>
+                  </a:ext>
+                </a:extLst>
+              </a:tr>
+              <a:tr h="370840">
+                <a:tc>
+                  <a:txBody>
+                    <a:bodyPr/>
+                    <a:lstStyle/>
+                    <a:p>
+                      <a:pPr algn="l"/>
+                      <a:r>
+                        <a:rPr lang="it-IT" dirty="0"/>
+                        <a:t>Samuele Modena</a:t>
+                      </a:r>
+                    </a:p>
+                  </a:txBody>
+                  <a:tcPr anchor="ctr"/>
+                </a:tc>
+                <a:tc>
+                  <a:txBody>
+                    <a:bodyPr/>
+                    <a:lstStyle/>
+                    <a:p>
+                      <a:pPr algn="ctr"/>
+                      <a:r>
+                        <a:rPr lang="it-IT" dirty="0"/>
+                        <a:t>10</a:t>
+                      </a:r>
+                    </a:p>
+                  </a:txBody>
+                  <a:tcPr anchor="ctr"/>
+                </a:tc>
+                <a:tc>
+                  <a:txBody>
+                    <a:bodyPr/>
+                    <a:lstStyle/>
+                    <a:p>
+                      <a:pPr algn="ctr"/>
+                      <a:r>
+                        <a:rPr lang="it-IT" dirty="0"/>
+                        <a:t>4</a:t>
+                      </a:r>
+                    </a:p>
+                  </a:txBody>
+                  <a:tcPr anchor="ctr"/>
+                </a:tc>
+                <a:tc>
+                  <a:txBody>
+                    <a:bodyPr/>
+                    <a:lstStyle/>
+                    <a:p>
+                      <a:pPr algn="ctr"/>
+                      <a:endParaRPr lang="it-IT" dirty="0"/>
+                    </a:p>
+                  </a:txBody>
+                  <a:tcPr anchor="ctr"/>
+                </a:tc>
+                <a:tc>
+                  <a:txBody>
+                    <a:bodyPr/>
+                    <a:lstStyle/>
+                    <a:p>
+                      <a:pPr algn="ctr"/>
+                      <a:endParaRPr lang="it-IT"/>
+                    </a:p>
+                  </a:txBody>
+                  <a:tcPr anchor="ctr"/>
+                </a:tc>
+                <a:tc>
+                  <a:txBody>
+                    <a:bodyPr/>
+                    <a:lstStyle/>
+                    <a:p>
+                      <a:pPr algn="ctr"/>
+                      <a:endParaRPr lang="it-IT"/>
+                    </a:p>
+                  </a:txBody>
+                  <a:tcPr anchor="ctr"/>
+                </a:tc>
+                <a:tc>
+                  <a:txBody>
+                    <a:bodyPr/>
+                    <a:lstStyle/>
+                    <a:p>
+                      <a:pPr algn="ctr"/>
+                      <a:r>
+                        <a:rPr lang="it-IT" dirty="0"/>
+                        <a:t>8</a:t>
+                      </a:r>
+                    </a:p>
+                  </a:txBody>
+                  <a:tcPr anchor="ctr"/>
+                </a:tc>
+                <a:tc>
+                  <a:txBody>
+                    <a:bodyPr/>
+                    <a:lstStyle/>
+                    <a:p>
+                      <a:pPr algn="ctr"/>
+                      <a:r>
+                        <a:rPr lang="it-IT" dirty="0"/>
+                        <a:t>22</a:t>
+                      </a:r>
+                    </a:p>
+                  </a:txBody>
+                  <a:tcPr anchor="ctr"/>
+                </a:tc>
+                <a:extLst>
+                  <a:ext uri="{0D108BD9-81ED-4DB2-BD59-A6C34878D82A}">
+                    <a16:rowId xmlns:a16="http://schemas.microsoft.com/office/drawing/2014/main" val="10002"/>
+                  </a:ext>
+                </a:extLst>
+              </a:tr>
+              <a:tr h="370840">
+                <a:tc>
+                  <a:txBody>
+                    <a:bodyPr/>
+                    <a:lstStyle/>
+                    <a:p>
+                      <a:pPr algn="l"/>
+                      <a:r>
+                        <a:rPr lang="it-IT" dirty="0"/>
+                        <a:t>Matteo Rizzo</a:t>
+                      </a:r>
+                    </a:p>
+                  </a:txBody>
+                  <a:tcPr anchor="ctr"/>
+                </a:tc>
+                <a:tc>
+                  <a:txBody>
+                    <a:bodyPr/>
+                    <a:lstStyle/>
+                    <a:p>
+                      <a:pPr algn="ctr"/>
+                      <a:r>
+                        <a:rPr lang="it-IT" dirty="0"/>
+                        <a:t>9</a:t>
+                      </a:r>
+                    </a:p>
+                  </a:txBody>
+                  <a:tcPr anchor="ctr"/>
+                </a:tc>
+                <a:tc>
+                  <a:txBody>
+                    <a:bodyPr/>
+                    <a:lstStyle/>
+                    <a:p>
+                      <a:pPr algn="ctr"/>
+                      <a:endParaRPr lang="it-IT" dirty="0"/>
+                    </a:p>
+                  </a:txBody>
+                  <a:tcPr anchor="ctr"/>
+                </a:tc>
+                <a:tc>
+                  <a:txBody>
+                    <a:bodyPr/>
+                    <a:lstStyle/>
+                    <a:p>
+                      <a:pPr algn="ctr"/>
+                      <a:endParaRPr lang="it-IT" dirty="0"/>
+                    </a:p>
+                  </a:txBody>
+                  <a:tcPr anchor="ctr"/>
+                </a:tc>
+                <a:tc>
+                  <a:txBody>
+                    <a:bodyPr/>
+                    <a:lstStyle/>
+                    <a:p>
+                      <a:pPr algn="ctr"/>
+                      <a:endParaRPr lang="it-IT"/>
+                    </a:p>
+                  </a:txBody>
+                  <a:tcPr anchor="ctr"/>
+                </a:tc>
+                <a:tc>
+                  <a:txBody>
+                    <a:bodyPr/>
+                    <a:lstStyle/>
+                    <a:p>
+                      <a:pPr algn="ctr"/>
+                      <a:endParaRPr lang="it-IT"/>
+                    </a:p>
+                  </a:txBody>
+                  <a:tcPr anchor="ctr"/>
+                </a:tc>
+                <a:tc>
+                  <a:txBody>
+                    <a:bodyPr/>
+                    <a:lstStyle/>
+                    <a:p>
+                      <a:pPr algn="ctr"/>
+                      <a:r>
+                        <a:rPr lang="it-IT" dirty="0"/>
+                        <a:t>12</a:t>
+                      </a:r>
+                    </a:p>
+                  </a:txBody>
+                  <a:tcPr anchor="ctr"/>
+                </a:tc>
+                <a:tc>
+                  <a:txBody>
+                    <a:bodyPr/>
+                    <a:lstStyle/>
+                    <a:p>
+                      <a:pPr algn="ctr"/>
+                      <a:r>
+                        <a:rPr lang="it-IT" dirty="0"/>
+                        <a:t>21</a:t>
+                      </a:r>
+                    </a:p>
+                  </a:txBody>
+                  <a:tcPr anchor="ctr"/>
+                </a:tc>
+                <a:extLst>
+                  <a:ext uri="{0D108BD9-81ED-4DB2-BD59-A6C34878D82A}">
+                    <a16:rowId xmlns:a16="http://schemas.microsoft.com/office/drawing/2014/main" val="10003"/>
+                  </a:ext>
+                </a:extLst>
+              </a:tr>
+              <a:tr h="370840">
+                <a:tc>
+                  <a:txBody>
+                    <a:bodyPr/>
+                    <a:lstStyle/>
+                    <a:p>
+                      <a:pPr algn="l"/>
+                      <a:r>
+                        <a:rPr lang="it-IT" dirty="0"/>
+                        <a:t>Giulio</a:t>
+                      </a:r>
+                      <a:r>
+                        <a:rPr lang="it-IT" baseline="0" dirty="0"/>
+                        <a:t> Rossetti</a:t>
+                      </a:r>
+                      <a:endParaRPr lang="it-IT" dirty="0"/>
+                    </a:p>
+                  </a:txBody>
+                  <a:tcPr anchor="ctr"/>
+                </a:tc>
+                <a:tc>
+                  <a:txBody>
+                    <a:bodyPr/>
+                    <a:lstStyle/>
+                    <a:p>
+                      <a:pPr algn="ctr"/>
+                      <a:endParaRPr lang="it-IT"/>
+                    </a:p>
+                  </a:txBody>
+                  <a:tcPr anchor="ctr"/>
+                </a:tc>
+                <a:tc>
+                  <a:txBody>
+                    <a:bodyPr/>
+                    <a:lstStyle/>
+                    <a:p>
+                      <a:pPr algn="ctr"/>
+                      <a:r>
+                        <a:rPr lang="it-IT" dirty="0"/>
+                        <a:t>8</a:t>
+                      </a:r>
+                    </a:p>
+                  </a:txBody>
+                  <a:tcPr anchor="ctr"/>
+                </a:tc>
+                <a:tc>
+                  <a:txBody>
+                    <a:bodyPr/>
+                    <a:lstStyle/>
+                    <a:p>
+                      <a:pPr algn="ctr"/>
+                      <a:r>
+                        <a:rPr lang="it-IT" dirty="0"/>
+                        <a:t>6</a:t>
+                      </a:r>
+                    </a:p>
+                  </a:txBody>
+                  <a:tcPr anchor="ctr"/>
+                </a:tc>
+                <a:tc>
+                  <a:txBody>
+                    <a:bodyPr/>
+                    <a:lstStyle/>
+                    <a:p>
+                      <a:pPr algn="ctr"/>
+                      <a:endParaRPr lang="it-IT"/>
+                    </a:p>
+                  </a:txBody>
+                  <a:tcPr anchor="ctr"/>
+                </a:tc>
+                <a:tc>
+                  <a:txBody>
+                    <a:bodyPr/>
+                    <a:lstStyle/>
+                    <a:p>
+                      <a:pPr algn="ctr"/>
+                      <a:endParaRPr lang="it-IT"/>
+                    </a:p>
+                  </a:txBody>
+                  <a:tcPr anchor="ctr"/>
+                </a:tc>
+                <a:tc>
+                  <a:txBody>
+                    <a:bodyPr/>
+                    <a:lstStyle/>
+                    <a:p>
+                      <a:pPr algn="ctr"/>
+                      <a:r>
+                        <a:rPr lang="it-IT" dirty="0"/>
+                        <a:t>8</a:t>
+                      </a:r>
+                    </a:p>
+                  </a:txBody>
+                  <a:tcPr anchor="ctr"/>
+                </a:tc>
+                <a:tc>
+                  <a:txBody>
+                    <a:bodyPr/>
+                    <a:lstStyle/>
+                    <a:p>
+                      <a:pPr algn="ctr"/>
+                      <a:r>
+                        <a:rPr lang="it-IT" dirty="0"/>
+                        <a:t>22</a:t>
+                      </a:r>
+                    </a:p>
+                  </a:txBody>
+                  <a:tcPr anchor="ctr"/>
+                </a:tc>
+                <a:extLst>
+                  <a:ext uri="{0D108BD9-81ED-4DB2-BD59-A6C34878D82A}">
+                    <a16:rowId xmlns:a16="http://schemas.microsoft.com/office/drawing/2014/main" val="10004"/>
+                  </a:ext>
+                </a:extLst>
+              </a:tr>
+              <a:tr h="370840">
+                <a:tc>
+                  <a:txBody>
+                    <a:bodyPr/>
+                    <a:lstStyle/>
+                    <a:p>
+                      <a:pPr algn="l"/>
+                      <a:r>
+                        <a:rPr lang="it-IT" dirty="0"/>
+                        <a:t>Kevin</a:t>
+                      </a:r>
+                      <a:r>
+                        <a:rPr lang="it-IT" baseline="0" dirty="0"/>
+                        <a:t> Silvestri</a:t>
+                      </a:r>
+                      <a:endParaRPr lang="it-IT" dirty="0"/>
+                    </a:p>
+                  </a:txBody>
+                  <a:tcPr anchor="ctr"/>
+                </a:tc>
+                <a:tc>
+                  <a:txBody>
+                    <a:bodyPr/>
+                    <a:lstStyle/>
+                    <a:p>
+                      <a:pPr algn="ctr"/>
+                      <a:endParaRPr lang="it-IT"/>
+                    </a:p>
+                  </a:txBody>
+                  <a:tcPr anchor="ctr"/>
+                </a:tc>
+                <a:tc>
+                  <a:txBody>
+                    <a:bodyPr/>
+                    <a:lstStyle/>
+                    <a:p>
+                      <a:pPr algn="ctr"/>
+                      <a:endParaRPr lang="it-IT" dirty="0"/>
+                    </a:p>
+                  </a:txBody>
+                  <a:tcPr anchor="ctr"/>
+                </a:tc>
+                <a:tc>
+                  <a:txBody>
+                    <a:bodyPr/>
+                    <a:lstStyle/>
+                    <a:p>
+                      <a:pPr algn="ctr"/>
+                      <a:r>
+                        <a:rPr lang="it-IT" dirty="0"/>
+                        <a:t>11</a:t>
+                      </a:r>
+                    </a:p>
+                  </a:txBody>
+                  <a:tcPr anchor="ctr"/>
+                </a:tc>
+                <a:tc>
+                  <a:txBody>
+                    <a:bodyPr/>
+                    <a:lstStyle/>
+                    <a:p>
+                      <a:pPr algn="ctr"/>
+                      <a:endParaRPr lang="it-IT"/>
+                    </a:p>
+                  </a:txBody>
+                  <a:tcPr anchor="ctr"/>
+                </a:tc>
+                <a:tc>
+                  <a:txBody>
+                    <a:bodyPr/>
+                    <a:lstStyle/>
+                    <a:p>
+                      <a:pPr algn="ctr"/>
+                      <a:endParaRPr lang="it-IT"/>
+                    </a:p>
+                  </a:txBody>
+                  <a:tcPr anchor="ctr"/>
+                </a:tc>
+                <a:tc>
+                  <a:txBody>
+                    <a:bodyPr/>
+                    <a:lstStyle/>
+                    <a:p>
+                      <a:pPr algn="ctr"/>
+                      <a:r>
+                        <a:rPr lang="it-IT" dirty="0"/>
+                        <a:t>10</a:t>
+                      </a:r>
+                    </a:p>
+                  </a:txBody>
+                  <a:tcPr anchor="ctr"/>
+                </a:tc>
+                <a:tc>
+                  <a:txBody>
+                    <a:bodyPr/>
+                    <a:lstStyle/>
+                    <a:p>
+                      <a:pPr algn="ctr"/>
+                      <a:r>
+                        <a:rPr lang="it-IT" dirty="0"/>
+                        <a:t>21</a:t>
+                      </a:r>
+                    </a:p>
+                  </a:txBody>
+                  <a:tcPr anchor="ctr"/>
+                </a:tc>
+                <a:extLst>
+                  <a:ext uri="{0D108BD9-81ED-4DB2-BD59-A6C34878D82A}">
+                    <a16:rowId xmlns:a16="http://schemas.microsoft.com/office/drawing/2014/main" val="10005"/>
+                  </a:ext>
+                </a:extLst>
+              </a:tr>
+              <a:tr h="370840">
+                <a:tc>
+                  <a:txBody>
+                    <a:bodyPr/>
+                    <a:lstStyle/>
+                    <a:p>
+                      <a:pPr algn="l"/>
+                      <a:r>
+                        <a:rPr lang="it-IT" dirty="0"/>
+                        <a:t>Manfredi </a:t>
+                      </a:r>
+                      <a:r>
+                        <a:rPr lang="it-IT" dirty="0" err="1"/>
+                        <a:t>Smaniotto</a:t>
+                      </a:r>
+                      <a:endParaRPr lang="it-IT" dirty="0"/>
+                    </a:p>
+                  </a:txBody>
+                  <a:tcPr anchor="ctr"/>
+                </a:tc>
+                <a:tc>
+                  <a:txBody>
+                    <a:bodyPr/>
+                    <a:lstStyle/>
+                    <a:p>
+                      <a:pPr algn="ctr"/>
+                      <a:endParaRPr lang="it-IT"/>
+                    </a:p>
+                  </a:txBody>
+                  <a:tcPr anchor="ctr"/>
+                </a:tc>
+                <a:tc>
+                  <a:txBody>
+                    <a:bodyPr/>
+                    <a:lstStyle/>
+                    <a:p>
+                      <a:pPr algn="ctr"/>
+                      <a:endParaRPr lang="it-IT" dirty="0"/>
+                    </a:p>
+                  </a:txBody>
+                  <a:tcPr anchor="ctr"/>
+                </a:tc>
+                <a:tc>
+                  <a:txBody>
+                    <a:bodyPr/>
+                    <a:lstStyle/>
+                    <a:p>
+                      <a:pPr algn="ctr"/>
+                      <a:r>
+                        <a:rPr lang="it-IT" dirty="0"/>
+                        <a:t>14</a:t>
+                      </a:r>
+                    </a:p>
+                  </a:txBody>
+                  <a:tcPr anchor="ctr"/>
+                </a:tc>
+                <a:tc>
+                  <a:txBody>
+                    <a:bodyPr/>
+                    <a:lstStyle/>
+                    <a:p>
+                      <a:pPr algn="ctr"/>
+                      <a:endParaRPr lang="it-IT"/>
+                    </a:p>
+                  </a:txBody>
+                  <a:tcPr anchor="ctr"/>
+                </a:tc>
+                <a:tc>
+                  <a:txBody>
+                    <a:bodyPr/>
+                    <a:lstStyle/>
+                    <a:p>
+                      <a:pPr algn="ctr"/>
+                      <a:endParaRPr lang="it-IT"/>
+                    </a:p>
+                  </a:txBody>
+                  <a:tcPr anchor="ctr"/>
+                </a:tc>
+                <a:tc>
+                  <a:txBody>
+                    <a:bodyPr/>
+                    <a:lstStyle/>
+                    <a:p>
+                      <a:pPr algn="ctr"/>
+                      <a:r>
+                        <a:rPr lang="it-IT" dirty="0"/>
+                        <a:t>8</a:t>
+                      </a:r>
+                    </a:p>
+                  </a:txBody>
+                  <a:tcPr anchor="ctr"/>
+                </a:tc>
+                <a:tc>
+                  <a:txBody>
+                    <a:bodyPr/>
+                    <a:lstStyle/>
+                    <a:p>
+                      <a:pPr algn="ctr"/>
+                      <a:r>
+                        <a:rPr lang="it-IT" dirty="0"/>
+                        <a:t>22</a:t>
+                      </a:r>
+                    </a:p>
+                  </a:txBody>
+                  <a:tcPr anchor="ctr"/>
+                </a:tc>
+                <a:extLst>
+                  <a:ext uri="{0D108BD9-81ED-4DB2-BD59-A6C34878D82A}">
+                    <a16:rowId xmlns:a16="http://schemas.microsoft.com/office/drawing/2014/main" val="10006"/>
+                  </a:ext>
+                </a:extLst>
+              </a:tr>
+              <a:tr h="370840">
+                <a:tc>
+                  <a:txBody>
+                    <a:bodyPr/>
+                    <a:lstStyle/>
+                    <a:p>
+                      <a:pPr algn="l"/>
+                      <a:r>
+                        <a:rPr lang="it-IT" dirty="0"/>
+                        <a:t>Cristiano </a:t>
+                      </a:r>
+                      <a:r>
+                        <a:rPr lang="it-IT" dirty="0" err="1"/>
+                        <a:t>Tessarolo</a:t>
+                      </a:r>
+                      <a:endParaRPr lang="it-IT" dirty="0"/>
+                    </a:p>
+                  </a:txBody>
+                  <a:tcPr anchor="ctr"/>
+                </a:tc>
+                <a:tc>
+                  <a:txBody>
+                    <a:bodyPr/>
+                    <a:lstStyle/>
+                    <a:p>
+                      <a:pPr algn="ctr"/>
+                      <a:endParaRPr lang="it-IT"/>
+                    </a:p>
+                  </a:txBody>
+                  <a:tcPr anchor="ctr"/>
+                </a:tc>
+                <a:tc>
+                  <a:txBody>
+                    <a:bodyPr/>
+                    <a:lstStyle/>
+                    <a:p>
+                      <a:pPr algn="ctr"/>
+                      <a:r>
+                        <a:rPr lang="it-IT" dirty="0"/>
+                        <a:t>8</a:t>
+                      </a:r>
+                    </a:p>
+                  </a:txBody>
+                  <a:tcPr anchor="ctr"/>
+                </a:tc>
+                <a:tc>
+                  <a:txBody>
+                    <a:bodyPr/>
+                    <a:lstStyle/>
+                    <a:p>
+                      <a:pPr algn="ctr"/>
+                      <a:r>
+                        <a:rPr lang="it-IT" dirty="0"/>
+                        <a:t>14</a:t>
+                      </a:r>
+                    </a:p>
+                  </a:txBody>
+                  <a:tcPr anchor="ctr"/>
+                </a:tc>
+                <a:tc>
+                  <a:txBody>
+                    <a:bodyPr/>
+                    <a:lstStyle/>
+                    <a:p>
+                      <a:pPr algn="ctr"/>
+                      <a:endParaRPr lang="it-IT"/>
+                    </a:p>
+                  </a:txBody>
+                  <a:tcPr anchor="ctr"/>
+                </a:tc>
+                <a:tc>
+                  <a:txBody>
+                    <a:bodyPr/>
+                    <a:lstStyle/>
+                    <a:p>
+                      <a:pPr algn="ctr"/>
+                      <a:endParaRPr lang="it-IT"/>
+                    </a:p>
+                  </a:txBody>
+                  <a:tcPr anchor="ctr"/>
+                </a:tc>
+                <a:tc>
+                  <a:txBody>
+                    <a:bodyPr/>
+                    <a:lstStyle/>
+                    <a:p>
+                      <a:pPr algn="ctr"/>
+                      <a:endParaRPr lang="it-IT" dirty="0"/>
+                    </a:p>
+                  </a:txBody>
+                  <a:tcPr anchor="ctr"/>
+                </a:tc>
+                <a:tc>
+                  <a:txBody>
+                    <a:bodyPr/>
+                    <a:lstStyle/>
+                    <a:p>
+                      <a:pPr algn="ctr"/>
+                      <a:r>
+                        <a:rPr lang="it-IT" dirty="0"/>
+                        <a:t>22</a:t>
+                      </a:r>
+                    </a:p>
+                  </a:txBody>
+                  <a:tcPr anchor="ctr"/>
+                </a:tc>
+                <a:extLst>
+                  <a:ext uri="{0D108BD9-81ED-4DB2-BD59-A6C34878D82A}">
+                    <a16:rowId xmlns:a16="http://schemas.microsoft.com/office/drawing/2014/main" val="10007"/>
+                  </a:ext>
+                </a:extLst>
+              </a:tr>
+              <a:tr h="370840">
+                <a:tc>
+                  <a:txBody>
+                    <a:bodyPr/>
+                    <a:lstStyle/>
+                    <a:p>
+                      <a:pPr algn="l"/>
+                      <a:r>
+                        <a:rPr lang="it-IT" dirty="0"/>
+                        <a:t>Ore totali ruolo</a:t>
+                      </a:r>
+                    </a:p>
+                  </a:txBody>
+                  <a:tcPr anchor="ctr">
+                    <a:solidFill>
+                      <a:schemeClr val="accent1">
+                        <a:lumMod val="60000"/>
+                        <a:lumOff val="40000"/>
+                      </a:schemeClr>
+                    </a:solidFill>
+                  </a:tcPr>
+                </a:tc>
+                <a:tc>
+                  <a:txBody>
+                    <a:bodyPr/>
+                    <a:lstStyle/>
+                    <a:p>
+                      <a:pPr algn="ctr"/>
+                      <a:r>
+                        <a:rPr lang="it-IT" dirty="0"/>
+                        <a:t>24</a:t>
+                      </a:r>
+                    </a:p>
+                  </a:txBody>
+                  <a:tcPr anchor="ctr">
+                    <a:solidFill>
+                      <a:schemeClr val="accent1">
+                        <a:lumMod val="60000"/>
+                        <a:lumOff val="40000"/>
+                      </a:schemeClr>
+                    </a:solidFill>
+                  </a:tcPr>
+                </a:tc>
+                <a:tc>
+                  <a:txBody>
+                    <a:bodyPr/>
+                    <a:lstStyle/>
+                    <a:p>
+                      <a:pPr algn="ctr"/>
+                      <a:r>
+                        <a:rPr lang="it-IT" dirty="0"/>
+                        <a:t>20</a:t>
+                      </a:r>
+                    </a:p>
+                  </a:txBody>
+                  <a:tcPr anchor="ctr">
+                    <a:solidFill>
+                      <a:schemeClr val="accent1">
+                        <a:lumMod val="60000"/>
+                        <a:lumOff val="40000"/>
+                      </a:schemeClr>
+                    </a:solidFill>
+                  </a:tcPr>
+                </a:tc>
+                <a:tc>
+                  <a:txBody>
+                    <a:bodyPr/>
+                    <a:lstStyle/>
+                    <a:p>
+                      <a:pPr algn="ctr"/>
+                      <a:r>
+                        <a:rPr lang="it-IT" dirty="0"/>
+                        <a:t>61</a:t>
+                      </a:r>
+                    </a:p>
+                  </a:txBody>
+                  <a:tcPr anchor="ctr">
+                    <a:solidFill>
+                      <a:schemeClr val="accent1">
+                        <a:lumMod val="60000"/>
+                        <a:lumOff val="40000"/>
+                      </a:schemeClr>
+                    </a:solidFill>
+                  </a:tcPr>
+                </a:tc>
+                <a:tc>
+                  <a:txBody>
+                    <a:bodyPr/>
+                    <a:lstStyle/>
+                    <a:p>
+                      <a:pPr algn="ctr"/>
+                      <a:endParaRPr lang="it-IT" dirty="0"/>
+                    </a:p>
+                  </a:txBody>
+                  <a:tcPr anchor="ctr">
+                    <a:solidFill>
+                      <a:schemeClr val="accent1">
+                        <a:lumMod val="60000"/>
+                        <a:lumOff val="40000"/>
+                      </a:schemeClr>
+                    </a:solidFill>
+                  </a:tcPr>
+                </a:tc>
+                <a:tc>
+                  <a:txBody>
+                    <a:bodyPr/>
+                    <a:lstStyle/>
+                    <a:p>
+                      <a:pPr algn="ctr"/>
+                      <a:endParaRPr lang="it-IT" dirty="0"/>
+                    </a:p>
+                  </a:txBody>
+                  <a:tcPr anchor="ctr">
+                    <a:solidFill>
+                      <a:schemeClr val="accent1">
+                        <a:lumMod val="60000"/>
+                        <a:lumOff val="40000"/>
+                      </a:schemeClr>
+                    </a:solidFill>
+                  </a:tcPr>
+                </a:tc>
+                <a:tc>
+                  <a:txBody>
+                    <a:bodyPr/>
+                    <a:lstStyle/>
+                    <a:p>
+                      <a:pPr algn="ctr"/>
+                      <a:r>
+                        <a:rPr lang="it-IT" dirty="0"/>
+                        <a:t>46</a:t>
+                      </a:r>
+                    </a:p>
+                  </a:txBody>
+                  <a:tcPr anchor="ctr">
+                    <a:solidFill>
+                      <a:schemeClr val="accent1">
+                        <a:lumMod val="60000"/>
+                        <a:lumOff val="40000"/>
+                      </a:schemeClr>
+                    </a:solidFill>
+                  </a:tcPr>
+                </a:tc>
+                <a:tc>
+                  <a:txBody>
+                    <a:bodyPr/>
+                    <a:lstStyle/>
+                    <a:p>
+                      <a:pPr algn="ctr"/>
+                      <a:r>
+                        <a:rPr lang="it-IT" dirty="0"/>
+                        <a:t>151</a:t>
+                      </a:r>
+                    </a:p>
+                  </a:txBody>
+                  <a:tcPr anchor="ctr">
+                    <a:solidFill>
+                      <a:schemeClr val="accent1">
+                        <a:lumMod val="60000"/>
+                        <a:lumOff val="40000"/>
+                      </a:schemeClr>
+                    </a:solidFill>
+                  </a:tcPr>
+                </a:tc>
+                <a:extLst>
+                  <a:ext uri="{0D108BD9-81ED-4DB2-BD59-A6C34878D82A}">
+                    <a16:rowId xmlns:a16="http://schemas.microsoft.com/office/drawing/2014/main" val="10008"/>
+                  </a:ext>
+                </a:extLst>
+              </a:tr>
+            </a:tbl>
+          </a:graphicData>
+        </a:graphic>
+      </p:graphicFrame>
     </p:spTree>
     <p:extLst>
       <p:ext uri="{BB962C8B-B14F-4D97-AF65-F5344CB8AC3E}">
-        <p14:creationId xmlns:p14="http://schemas.microsoft.com/office/powerpoint/2010/main" val="16807"/>
+        <p14:creationId xmlns:p14="http://schemas.microsoft.com/office/powerpoint/2010/main" val="740619066"/>
       </p:ext>
     </p:extLst>
   </p:cSld>
@@ -22093,40 +23239,452 @@
           </a:p>
         </p:txBody>
       </p:sp>
-      <p:pic>
-        <p:nvPicPr>
-          <p:cNvPr id="6" name="Immagine 5">
-            <a:extLst>
-              <a:ext uri="{FF2B5EF4-FFF2-40B4-BE49-F238E27FC236}">
-                <a16:creationId xmlns:a16="http://schemas.microsoft.com/office/drawing/2014/main" id="{6DA9C154-4344-4097-A673-17D7CC2C6D75}"/>
-              </a:ext>
-            </a:extLst>
-          </p:cNvPr>
-          <p:cNvPicPr>
-            <a:picLocks noChangeAspect="1"/>
-          </p:cNvPicPr>
-          <p:nvPr/>
-        </p:nvPicPr>
-        <p:blipFill>
-          <a:blip r:embed="rId2"/>
-          <a:stretch>
-            <a:fillRect/>
-          </a:stretch>
-        </p:blipFill>
-        <p:spPr>
-          <a:xfrm>
-            <a:off x="2654769" y="2633474"/>
-            <a:ext cx="4744137" cy="3022597"/>
-          </a:xfrm>
-          <a:prstGeom prst="rect">
-            <a:avLst/>
-          </a:prstGeom>
-        </p:spPr>
-      </p:pic>
+      <p:graphicFrame>
+        <p:nvGraphicFramePr>
+          <p:cNvPr id="7" name="Tabella 6"/>
+          <p:cNvGraphicFramePr>
+            <a:graphicFrameLocks noGrp="1"/>
+          </p:cNvGraphicFramePr>
+          <p:nvPr>
+            <p:extLst/>
+          </p:nvPr>
+        </p:nvGraphicFramePr>
+        <p:xfrm>
+          <a:off x="2860387" y="3033695"/>
+          <a:ext cx="4767635" cy="2966720"/>
+        </p:xfrm>
+        <a:graphic>
+          <a:graphicData uri="http://schemas.openxmlformats.org/drawingml/2006/table">
+            <a:tbl>
+              <a:tblPr firstRow="1" bandRow="1">
+                <a:tableStyleId>{5C22544A-7EE6-4342-B048-85BDC9FD1C3A}</a:tableStyleId>
+              </a:tblPr>
+              <a:tblGrid>
+                <a:gridCol w="2695417">
+                  <a:extLst>
+                    <a:ext uri="{9D8B030D-6E8A-4147-A177-3AD203B41FA5}">
+                      <a16:colId xmlns:a16="http://schemas.microsoft.com/office/drawing/2014/main" val="20000"/>
+                    </a:ext>
+                  </a:extLst>
+                </a:gridCol>
+                <a:gridCol w="642365">
+                  <a:extLst>
+                    <a:ext uri="{9D8B030D-6E8A-4147-A177-3AD203B41FA5}">
+                      <a16:colId xmlns:a16="http://schemas.microsoft.com/office/drawing/2014/main" val="20001"/>
+                    </a:ext>
+                  </a:extLst>
+                </a:gridCol>
+                <a:gridCol w="1429853">
+                  <a:extLst>
+                    <a:ext uri="{9D8B030D-6E8A-4147-A177-3AD203B41FA5}">
+                      <a16:colId xmlns:a16="http://schemas.microsoft.com/office/drawing/2014/main" val="20002"/>
+                    </a:ext>
+                  </a:extLst>
+                </a:gridCol>
+              </a:tblGrid>
+              <a:tr h="370840">
+                <a:tc>
+                  <a:txBody>
+                    <a:bodyPr/>
+                    <a:lstStyle/>
+                    <a:p>
+                      <a:pPr algn="l"/>
+                      <a:r>
+                        <a:rPr lang="it-IT" dirty="0"/>
+                        <a:t>Ruolo</a:t>
+                      </a:r>
+                    </a:p>
+                  </a:txBody>
+                  <a:tcPr anchor="ctr"/>
+                </a:tc>
+                <a:tc>
+                  <a:txBody>
+                    <a:bodyPr/>
+                    <a:lstStyle/>
+                    <a:p>
+                      <a:pPr algn="ctr"/>
+                      <a:r>
+                        <a:rPr lang="it-IT" dirty="0"/>
+                        <a:t>Ore</a:t>
+                      </a:r>
+                    </a:p>
+                  </a:txBody>
+                  <a:tcPr anchor="ctr"/>
+                </a:tc>
+                <a:tc>
+                  <a:txBody>
+                    <a:bodyPr/>
+                    <a:lstStyle/>
+                    <a:p>
+                      <a:pPr algn="ctr"/>
+                      <a:r>
+                        <a:rPr lang="it-IT" dirty="0"/>
+                        <a:t>Costi in €</a:t>
+                      </a:r>
+                    </a:p>
+                  </a:txBody>
+                  <a:tcPr anchor="ctr"/>
+                </a:tc>
+                <a:extLst>
+                  <a:ext uri="{0D108BD9-81ED-4DB2-BD59-A6C34878D82A}">
+                    <a16:rowId xmlns:a16="http://schemas.microsoft.com/office/drawing/2014/main" val="10000"/>
+                  </a:ext>
+                </a:extLst>
+              </a:tr>
+              <a:tr h="370840">
+                <a:tc>
+                  <a:txBody>
+                    <a:bodyPr/>
+                    <a:lstStyle/>
+                    <a:p>
+                      <a:r>
+                        <a:rPr lang="it-IT" dirty="0"/>
+                        <a:t>Responsabile</a:t>
+                      </a:r>
+                    </a:p>
+                  </a:txBody>
+                  <a:tcPr/>
+                </a:tc>
+                <a:tc>
+                  <a:txBody>
+                    <a:bodyPr/>
+                    <a:lstStyle/>
+                    <a:p>
+                      <a:pPr algn="ctr"/>
+                      <a:r>
+                        <a:rPr lang="it-IT" dirty="0"/>
+                        <a:t>24</a:t>
+                      </a:r>
+                    </a:p>
+                  </a:txBody>
+                  <a:tcPr anchor="ctr"/>
+                </a:tc>
+                <a:tc>
+                  <a:txBody>
+                    <a:bodyPr/>
+                    <a:lstStyle/>
+                    <a:p>
+                      <a:pPr algn="r"/>
+                      <a:r>
+                        <a:rPr lang="it-IT" dirty="0"/>
+                        <a:t>720,00</a:t>
+                      </a:r>
+                    </a:p>
+                  </a:txBody>
+                  <a:tcPr anchor="ctr"/>
+                </a:tc>
+                <a:extLst>
+                  <a:ext uri="{0D108BD9-81ED-4DB2-BD59-A6C34878D82A}">
+                    <a16:rowId xmlns:a16="http://schemas.microsoft.com/office/drawing/2014/main" val="10001"/>
+                  </a:ext>
+                </a:extLst>
+              </a:tr>
+              <a:tr h="370840">
+                <a:tc>
+                  <a:txBody>
+                    <a:bodyPr/>
+                    <a:lstStyle/>
+                    <a:p>
+                      <a:r>
+                        <a:rPr lang="it-IT" dirty="0"/>
+                        <a:t>Amministratore</a:t>
+                      </a:r>
+                    </a:p>
+                  </a:txBody>
+                  <a:tcPr/>
+                </a:tc>
+                <a:tc>
+                  <a:txBody>
+                    <a:bodyPr/>
+                    <a:lstStyle/>
+                    <a:p>
+                      <a:pPr algn="ctr"/>
+                      <a:r>
+                        <a:rPr lang="it-IT" dirty="0"/>
+                        <a:t>20</a:t>
+                      </a:r>
+                    </a:p>
+                  </a:txBody>
+                  <a:tcPr anchor="ctr"/>
+                </a:tc>
+                <a:tc>
+                  <a:txBody>
+                    <a:bodyPr/>
+                    <a:lstStyle/>
+                    <a:p>
+                      <a:pPr algn="r"/>
+                      <a:r>
+                        <a:rPr lang="it-IT" dirty="0"/>
+                        <a:t>400,00</a:t>
+                      </a:r>
+                    </a:p>
+                  </a:txBody>
+                  <a:tcPr anchor="ctr"/>
+                </a:tc>
+                <a:extLst>
+                  <a:ext uri="{0D108BD9-81ED-4DB2-BD59-A6C34878D82A}">
+                    <a16:rowId xmlns:a16="http://schemas.microsoft.com/office/drawing/2014/main" val="10002"/>
+                  </a:ext>
+                </a:extLst>
+              </a:tr>
+              <a:tr h="370840">
+                <a:tc>
+                  <a:txBody>
+                    <a:bodyPr/>
+                    <a:lstStyle/>
+                    <a:p>
+                      <a:r>
+                        <a:rPr lang="it-IT" dirty="0"/>
+                        <a:t>Analista</a:t>
+                      </a:r>
+                    </a:p>
+                  </a:txBody>
+                  <a:tcPr/>
+                </a:tc>
+                <a:tc>
+                  <a:txBody>
+                    <a:bodyPr/>
+                    <a:lstStyle/>
+                    <a:p>
+                      <a:pPr algn="ctr"/>
+                      <a:r>
+                        <a:rPr lang="it-IT" dirty="0"/>
+                        <a:t>61</a:t>
+                      </a:r>
+                    </a:p>
+                  </a:txBody>
+                  <a:tcPr anchor="ctr"/>
+                </a:tc>
+                <a:tc>
+                  <a:txBody>
+                    <a:bodyPr/>
+                    <a:lstStyle/>
+                    <a:p>
+                      <a:pPr algn="r"/>
+                      <a:r>
+                        <a:rPr lang="it-IT" dirty="0"/>
+                        <a:t>1525,00</a:t>
+                      </a:r>
+                    </a:p>
+                  </a:txBody>
+                  <a:tcPr anchor="ctr"/>
+                </a:tc>
+                <a:extLst>
+                  <a:ext uri="{0D108BD9-81ED-4DB2-BD59-A6C34878D82A}">
+                    <a16:rowId xmlns:a16="http://schemas.microsoft.com/office/drawing/2014/main" val="10003"/>
+                  </a:ext>
+                </a:extLst>
+              </a:tr>
+              <a:tr h="370840">
+                <a:tc>
+                  <a:txBody>
+                    <a:bodyPr/>
+                    <a:lstStyle/>
+                    <a:p>
+                      <a:r>
+                        <a:rPr lang="it-IT" dirty="0"/>
+                        <a:t>Progettista</a:t>
+                      </a:r>
+                    </a:p>
+                  </a:txBody>
+                  <a:tcPr/>
+                </a:tc>
+                <a:tc>
+                  <a:txBody>
+                    <a:bodyPr/>
+                    <a:lstStyle/>
+                    <a:p>
+                      <a:pPr algn="ctr"/>
+                      <a:endParaRPr lang="it-IT" dirty="0"/>
+                    </a:p>
+                  </a:txBody>
+                  <a:tcPr anchor="ctr"/>
+                </a:tc>
+                <a:tc>
+                  <a:txBody>
+                    <a:bodyPr/>
+                    <a:lstStyle/>
+                    <a:p>
+                      <a:pPr algn="r"/>
+                      <a:endParaRPr lang="it-IT" dirty="0"/>
+                    </a:p>
+                  </a:txBody>
+                  <a:tcPr anchor="ctr"/>
+                </a:tc>
+                <a:extLst>
+                  <a:ext uri="{0D108BD9-81ED-4DB2-BD59-A6C34878D82A}">
+                    <a16:rowId xmlns:a16="http://schemas.microsoft.com/office/drawing/2014/main" val="10004"/>
+                  </a:ext>
+                </a:extLst>
+              </a:tr>
+              <a:tr h="370840">
+                <a:tc>
+                  <a:txBody>
+                    <a:bodyPr/>
+                    <a:lstStyle/>
+                    <a:p>
+                      <a:r>
+                        <a:rPr lang="it-IT" dirty="0" err="1"/>
+                        <a:t>Progammatore</a:t>
+                      </a:r>
+                      <a:endParaRPr lang="it-IT" dirty="0"/>
+                    </a:p>
+                  </a:txBody>
+                  <a:tcPr/>
+                </a:tc>
+                <a:tc>
+                  <a:txBody>
+                    <a:bodyPr/>
+                    <a:lstStyle/>
+                    <a:p>
+                      <a:pPr algn="ctr"/>
+                      <a:endParaRPr lang="it-IT" dirty="0"/>
+                    </a:p>
+                  </a:txBody>
+                  <a:tcPr anchor="ctr"/>
+                </a:tc>
+                <a:tc>
+                  <a:txBody>
+                    <a:bodyPr/>
+                    <a:lstStyle/>
+                    <a:p>
+                      <a:pPr algn="r"/>
+                      <a:endParaRPr lang="it-IT" dirty="0"/>
+                    </a:p>
+                  </a:txBody>
+                  <a:tcPr anchor="ctr"/>
+                </a:tc>
+                <a:extLst>
+                  <a:ext uri="{0D108BD9-81ED-4DB2-BD59-A6C34878D82A}">
+                    <a16:rowId xmlns:a16="http://schemas.microsoft.com/office/drawing/2014/main" val="10005"/>
+                  </a:ext>
+                </a:extLst>
+              </a:tr>
+              <a:tr h="370840">
+                <a:tc>
+                  <a:txBody>
+                    <a:bodyPr/>
+                    <a:lstStyle/>
+                    <a:p>
+                      <a:r>
+                        <a:rPr lang="it-IT" dirty="0"/>
+                        <a:t>Verificatore</a:t>
+                      </a:r>
+                    </a:p>
+                  </a:txBody>
+                  <a:tcPr/>
+                </a:tc>
+                <a:tc>
+                  <a:txBody>
+                    <a:bodyPr/>
+                    <a:lstStyle/>
+                    <a:p>
+                      <a:pPr algn="ctr"/>
+                      <a:r>
+                        <a:rPr lang="it-IT" dirty="0"/>
+                        <a:t>46</a:t>
+                      </a:r>
+                    </a:p>
+                  </a:txBody>
+                  <a:tcPr anchor="ctr"/>
+                </a:tc>
+                <a:tc>
+                  <a:txBody>
+                    <a:bodyPr/>
+                    <a:lstStyle/>
+                    <a:p>
+                      <a:pPr algn="r"/>
+                      <a:r>
+                        <a:rPr lang="it-IT" dirty="0"/>
+                        <a:t>690,00</a:t>
+                      </a:r>
+                    </a:p>
+                  </a:txBody>
+                  <a:tcPr anchor="ctr"/>
+                </a:tc>
+                <a:extLst>
+                  <a:ext uri="{0D108BD9-81ED-4DB2-BD59-A6C34878D82A}">
+                    <a16:rowId xmlns:a16="http://schemas.microsoft.com/office/drawing/2014/main" val="10006"/>
+                  </a:ext>
+                </a:extLst>
+              </a:tr>
+              <a:tr h="370840">
+                <a:tc>
+                  <a:txBody>
+                    <a:bodyPr/>
+                    <a:lstStyle/>
+                    <a:p>
+                      <a:r>
+                        <a:rPr lang="it-IT" dirty="0"/>
+                        <a:t>Totale</a:t>
+                      </a:r>
+                    </a:p>
+                  </a:txBody>
+                  <a:tcPr>
+                    <a:solidFill>
+                      <a:schemeClr val="accent1">
+                        <a:lumMod val="60000"/>
+                        <a:lumOff val="40000"/>
+                      </a:schemeClr>
+                    </a:solidFill>
+                  </a:tcPr>
+                </a:tc>
+                <a:tc>
+                  <a:txBody>
+                    <a:bodyPr/>
+                    <a:lstStyle/>
+                    <a:p>
+                      <a:pPr algn="ctr"/>
+                      <a:r>
+                        <a:rPr lang="it-IT" dirty="0"/>
+                        <a:t>46</a:t>
+                      </a:r>
+                    </a:p>
+                  </a:txBody>
+                  <a:tcPr anchor="ctr">
+                    <a:solidFill>
+                      <a:schemeClr val="accent1">
+                        <a:lumMod val="60000"/>
+                        <a:lumOff val="40000"/>
+                      </a:schemeClr>
+                    </a:solidFill>
+                  </a:tcPr>
+                </a:tc>
+                <a:tc>
+                  <a:txBody>
+                    <a:bodyPr/>
+                    <a:lstStyle/>
+                    <a:p>
+                      <a:pPr algn="r"/>
+                      <a:r>
+                        <a:rPr lang="it-IT" dirty="0"/>
+                        <a:t>3335,00</a:t>
+                      </a:r>
+                    </a:p>
+                  </a:txBody>
+                  <a:tcPr anchor="ctr">
+                    <a:solidFill>
+                      <a:schemeClr val="accent1">
+                        <a:lumMod val="60000"/>
+                        <a:lumOff val="40000"/>
+                      </a:schemeClr>
+                    </a:solidFill>
+                  </a:tcPr>
+                </a:tc>
+                <a:extLst>
+                  <a:ext uri="{0D108BD9-81ED-4DB2-BD59-A6C34878D82A}">
+                    <a16:rowId xmlns:a16="http://schemas.microsoft.com/office/drawing/2014/main" val="10007"/>
+                  </a:ext>
+                </a:extLst>
+              </a:tr>
+            </a:tbl>
+          </a:graphicData>
+        </a:graphic>
+      </p:graphicFrame>
     </p:spTree>
     <p:extLst>
       <p:ext uri="{BB962C8B-B14F-4D97-AF65-F5344CB8AC3E}">
-        <p14:creationId xmlns:p14="http://schemas.microsoft.com/office/powerpoint/2010/main" val="16807"/>
+        <p14:creationId xmlns:p14="http://schemas.microsoft.com/office/powerpoint/2010/main" val="1195765674"/>
       </p:ext>
     </p:extLst>
   </p:cSld>
@@ -40707,6 +42265,15 @@
 </file>
 
 <file path=customXml/item1.xml><?xml version="1.0" encoding="utf-8"?>
+<p:properties xmlns:p="http://schemas.microsoft.com/office/2006/metadata/properties" xmlns:xsi="http://www.w3.org/2001/XMLSchema-instance" xmlns:pc="http://schemas.microsoft.com/office/infopath/2007/PartnerControls">
+  <documentManagement>
+    <_Version xmlns="http://schemas.microsoft.com/sharepoint/v3/fields" xsi:nil="true"/>
+    <_Status xmlns="http://schemas.microsoft.com/sharepoint/v3/fields">Not Started</_Status>
+  </documentManagement>
+</p:properties>
+</file>
+
+<file path=customXml/item2.xml><?xml version="1.0" encoding="utf-8"?>
 <ct:contentTypeSchema xmlns:ct="http://schemas.microsoft.com/office/2006/metadata/contentType" xmlns:ma="http://schemas.microsoft.com/office/2006/metadata/properties/metaAttributes" ct:_="" ma:_="" ma:contentTypeName="Document" ma:contentTypeID="0x0101000DE64AEEDD9B7A4D93545ACBE97D4615" ma:contentTypeVersion="2" ma:contentTypeDescription="Create a new document." ma:contentTypeScope="" ma:versionID="f49002b78e3a4a71b814eef46a983816">
   <xsd:schema xmlns:xsd="http://www.w3.org/2001/XMLSchema" xmlns:xs="http://www.w3.org/2001/XMLSchema" xmlns:p="http://schemas.microsoft.com/office/2006/metadata/properties" xmlns:ns2="http://schemas.microsoft.com/sharepoint/v3/fields" targetNamespace="http://schemas.microsoft.com/office/2006/metadata/properties" ma:root="true" ma:fieldsID="38f6db2dd0d9a0cf6a8dc37be32b365b" ns2:_="">
     <xsd:import namespace="http://schemas.microsoft.com/sharepoint/v3/fields"/>
@@ -40850,15 +42417,6 @@
 </ct:contentTypeSchema>
 </file>
 
-<file path=customXml/item2.xml><?xml version="1.0" encoding="utf-8"?>
-<p:properties xmlns:p="http://schemas.microsoft.com/office/2006/metadata/properties" xmlns:xsi="http://www.w3.org/2001/XMLSchema-instance" xmlns:pc="http://schemas.microsoft.com/office/infopath/2007/PartnerControls">
-  <documentManagement>
-    <_Version xmlns="http://schemas.microsoft.com/sharepoint/v3/fields" xsi:nil="true"/>
-    <_Status xmlns="http://schemas.microsoft.com/sharepoint/v3/fields">Not Started</_Status>
-  </documentManagement>
-</p:properties>
-</file>
-
 <file path=customXml/item3.xml><?xml version="1.0" encoding="utf-8"?>
 <?mso-contentType ?>
 <FormTemplates xmlns="http://schemas.microsoft.com/sharepoint/v3/contenttype/forms">
@@ -40869,6 +42427,16 @@
 </file>
 
 <file path=customXml/itemProps1.xml><?xml version="1.0" encoding="utf-8"?>
+<ds:datastoreItem xmlns:ds="http://schemas.openxmlformats.org/officeDocument/2006/customXml" ds:itemID="{7B6F2769-7194-4217-93D3-3AF3A4742282}">
+  <ds:schemaRefs>
+    <ds:schemaRef ds:uri="http://schemas.microsoft.com/office/2006/metadata/properties"/>
+    <ds:schemaRef ds:uri="http://schemas.microsoft.com/office/infopath/2007/PartnerControls"/>
+    <ds:schemaRef ds:uri="http://schemas.microsoft.com/sharepoint/v3/fields"/>
+  </ds:schemaRefs>
+</ds:datastoreItem>
+</file>
+
+<file path=customXml/itemProps2.xml><?xml version="1.0" encoding="utf-8"?>
 <ds:datastoreItem xmlns:ds="http://schemas.openxmlformats.org/officeDocument/2006/customXml" ds:itemID="{E4214858-785C-42F7-BE66-6D0E79395FC8}">
   <ds:schemaRefs>
     <ds:schemaRef ds:uri="http://schemas.microsoft.com/office/2006/metadata/contentType"/>
@@ -40886,16 +42454,6 @@
 </ds:datastoreItem>
 </file>
 
-<file path=customXml/itemProps2.xml><?xml version="1.0" encoding="utf-8"?>
-<ds:datastoreItem xmlns:ds="http://schemas.openxmlformats.org/officeDocument/2006/customXml" ds:itemID="{7B6F2769-7194-4217-93D3-3AF3A4742282}">
-  <ds:schemaRefs>
-    <ds:schemaRef ds:uri="http://schemas.microsoft.com/office/2006/metadata/properties"/>
-    <ds:schemaRef ds:uri="http://schemas.microsoft.com/office/infopath/2007/PartnerControls"/>
-    <ds:schemaRef ds:uri="http://schemas.microsoft.com/sharepoint/v3/fields"/>
-  </ds:schemaRefs>
-</ds:datastoreItem>
-</file>
-
 <file path=customXml/itemProps3.xml><?xml version="1.0" encoding="utf-8"?>
 <ds:datastoreItem xmlns:ds="http://schemas.openxmlformats.org/officeDocument/2006/customXml" ds:itemID="{87D2A1B0-FF3E-4009-940D-AED0EB70AA20}">
   <ds:schemaRefs>

--- a/Presentazione/Presentazione 26-01-2018.pptx
+++ b/Presentazione/Presentazione 26-01-2018.pptx
@@ -151,6 +151,10 @@
 </p:presentation>
 </file>
 
+<file path=ppt/revisionInfo.xml><?xml version="1.0" encoding="utf-8"?>
+<p1510:revInfo xmlns:a="http://schemas.openxmlformats.org/drawingml/2006/main" xmlns:r="http://schemas.openxmlformats.org/officeDocument/2006/relationships" xmlns:p1510="http://schemas.microsoft.com/office/powerpoint/2015/10/main"/>
+</file>
+
 <file path=ppt/changesInfos/changesInfo1.xml><?xml version="1.0" encoding="utf-8"?>
 <pc:chgInfo xmlns:a="http://schemas.openxmlformats.org/drawingml/2006/main" xmlns:r="http://schemas.openxmlformats.org/officeDocument/2006/relationships" xmlns:ac="http://schemas.microsoft.com/office/drawing/2013/main/command" xmlns:pc="http://schemas.microsoft.com/office/powerpoint/2013/main/command">
   <pc:docChgLst>
@@ -221,14 +225,14 @@
         </pc:sldMkLst>
       </pc:sldChg>
       <pc:sldChg chg="add">
-        <pc:chgData name="cristiano tessarolo" userId="c36b394d4ec160dc" providerId="LiveId" clId="{7AF579D0-4467-4C07-B5C6-9E169660DA9B}" dt="2018-01-24T10:37:10.500" v="45"/>
+        <pc:chgData name="cristiano tessarolo" userId="c36b394d4ec160dc" providerId="LiveId" clId="{7AF579D0-4467-4C07-B5C6-9E169660DA9B}" dt="2018-01-24T10:37:10.500" v="45" actId="2696"/>
         <pc:sldMkLst>
           <pc:docMk/>
           <pc:sldMk cId="740619066" sldId="311"/>
         </pc:sldMkLst>
       </pc:sldChg>
       <pc:sldChg chg="add">
-        <pc:chgData name="cristiano tessarolo" userId="c36b394d4ec160dc" providerId="LiveId" clId="{7AF579D0-4467-4C07-B5C6-9E169660DA9B}" dt="2018-01-24T10:37:10.500" v="45"/>
+        <pc:chgData name="cristiano tessarolo" userId="c36b394d4ec160dc" providerId="LiveId" clId="{7AF579D0-4467-4C07-B5C6-9E169660DA9B}" dt="2018-01-24T10:37:10.500" v="45" actId="2696"/>
         <pc:sldMkLst>
           <pc:docMk/>
           <pc:sldMk cId="1195765674" sldId="312"/>
@@ -7462,20 +7466,12 @@
               <a:buChar char="•"/>
             </a:pPr>
             <a:r>
-              <a:rPr lang="it-IT" sz="2000" dirty="0" err="1">
-                <a:solidFill>
-                  <a:srgbClr val="1E1E1E"/>
-                </a:solidFill>
-              </a:rPr>
-              <a:t>Incrementazione</a:t>
-            </a:r>
-            <a:r>
               <a:rPr lang="it-IT" sz="2000" dirty="0">
                 <a:solidFill>
                   <a:srgbClr val="1E1E1E"/>
                 </a:solidFill>
               </a:rPr>
-              <a:t> e Verifica</a:t>
+              <a:t>Incremento e Verifica</a:t>
             </a:r>
           </a:p>
           <a:p>
@@ -9299,7 +9295,7 @@
               </a:ln>
               <a:extLst>
                 <a:ext uri="{91240B29-F687-4f45-9708-019B960494DF}">
-                  <a14:hiddenLine xmlns="" xmlns:a14="http://schemas.microsoft.com/office/drawing/2010/main" w="9525">
+                  <a14:hiddenLine xmlns:a14="http://schemas.microsoft.com/office/drawing/2010/main" xmlns="" w="9525">
                     <a:solidFill>
                       <a:srgbClr val="000000"/>
                     </a:solidFill>
@@ -9434,7 +9430,7 @@
               </a:ln>
               <a:extLst>
                 <a:ext uri="{91240B29-F687-4f45-9708-019B960494DF}">
-                  <a14:hiddenLine xmlns="" xmlns:a14="http://schemas.microsoft.com/office/drawing/2010/main" w="9525">
+                  <a14:hiddenLine xmlns:a14="http://schemas.microsoft.com/office/drawing/2010/main" xmlns="" w="9525">
                     <a:solidFill>
                       <a:srgbClr val="000000"/>
                     </a:solidFill>
@@ -9537,7 +9533,7 @@
               </a:ln>
               <a:extLst>
                 <a:ext uri="{91240B29-F687-4f45-9708-019B960494DF}">
-                  <a14:hiddenLine xmlns="" xmlns:a14="http://schemas.microsoft.com/office/drawing/2010/main" w="9525">
+                  <a14:hiddenLine xmlns:a14="http://schemas.microsoft.com/office/drawing/2010/main" xmlns="" w="9525">
                     <a:solidFill>
                       <a:srgbClr val="000000"/>
                     </a:solidFill>
@@ -9681,7 +9677,7 @@
               </a:ln>
               <a:extLst>
                 <a:ext uri="{91240B29-F687-4f45-9708-019B960494DF}">
-                  <a14:hiddenLine xmlns="" xmlns:a14="http://schemas.microsoft.com/office/drawing/2010/main" w="9525">
+                  <a14:hiddenLine xmlns:a14="http://schemas.microsoft.com/office/drawing/2010/main" xmlns="" w="9525">
                     <a:solidFill>
                       <a:srgbClr val="000000"/>
                     </a:solidFill>
@@ -9871,7 +9867,7 @@
               </a:ln>
               <a:extLst>
                 <a:ext uri="{91240B29-F687-4f45-9708-019B960494DF}">
-                  <a14:hiddenLine xmlns="" xmlns:a14="http://schemas.microsoft.com/office/drawing/2010/main" w="9525">
+                  <a14:hiddenLine xmlns:a14="http://schemas.microsoft.com/office/drawing/2010/main" xmlns="" w="9525">
                     <a:solidFill>
                       <a:srgbClr val="000000"/>
                     </a:solidFill>
@@ -10099,7 +10095,7 @@
               </a:ln>
               <a:extLst>
                 <a:ext uri="{91240B29-F687-4f45-9708-019B960494DF}">
-                  <a14:hiddenLine xmlns="" xmlns:a14="http://schemas.microsoft.com/office/drawing/2010/main" w="9525">
+                  <a14:hiddenLine xmlns:a14="http://schemas.microsoft.com/office/drawing/2010/main" xmlns="" w="9525">
                     <a:solidFill>
                       <a:srgbClr val="000000"/>
                     </a:solidFill>
@@ -10234,7 +10230,7 @@
               </a:ln>
               <a:extLst>
                 <a:ext uri="{91240B29-F687-4f45-9708-019B960494DF}">
-                  <a14:hiddenLine xmlns="" xmlns:a14="http://schemas.microsoft.com/office/drawing/2010/main" w="9525">
+                  <a14:hiddenLine xmlns:a14="http://schemas.microsoft.com/office/drawing/2010/main" xmlns="" w="9525">
                     <a:solidFill>
                       <a:srgbClr val="000000"/>
                     </a:solidFill>
@@ -10337,7 +10333,7 @@
               </a:ln>
               <a:extLst>
                 <a:ext uri="{91240B29-F687-4f45-9708-019B960494DF}">
-                  <a14:hiddenLine xmlns="" xmlns:a14="http://schemas.microsoft.com/office/drawing/2010/main" w="9525">
+                  <a14:hiddenLine xmlns:a14="http://schemas.microsoft.com/office/drawing/2010/main" xmlns="" w="9525">
                     <a:solidFill>
                       <a:srgbClr val="000000"/>
                     </a:solidFill>
@@ -10481,7 +10477,7 @@
               </a:ln>
               <a:extLst>
                 <a:ext uri="{91240B29-F687-4f45-9708-019B960494DF}">
-                  <a14:hiddenLine xmlns="" xmlns:a14="http://schemas.microsoft.com/office/drawing/2010/main" w="9525">
+                  <a14:hiddenLine xmlns:a14="http://schemas.microsoft.com/office/drawing/2010/main" xmlns="" w="9525">
                     <a:solidFill>
                       <a:srgbClr val="000000"/>
                     </a:solidFill>
@@ -10671,7 +10667,7 @@
               </a:ln>
               <a:extLst>
                 <a:ext uri="{91240B29-F687-4f45-9708-019B960494DF}">
-                  <a14:hiddenLine xmlns="" xmlns:a14="http://schemas.microsoft.com/office/drawing/2010/main" w="9525">
+                  <a14:hiddenLine xmlns:a14="http://schemas.microsoft.com/office/drawing/2010/main" xmlns="" w="9525">
                     <a:solidFill>
                       <a:srgbClr val="000000"/>
                     </a:solidFill>
@@ -14947,7 +14943,7 @@
                 </a:ln>
                 <a:extLst>
                   <a:ext uri="{91240B29-F687-4f45-9708-019B960494DF}">
-                    <a14:hiddenLine xmlns="" xmlns:a14="http://schemas.microsoft.com/office/drawing/2010/main" w="9525">
+                    <a14:hiddenLine xmlns:a14="http://schemas.microsoft.com/office/drawing/2010/main" xmlns="" w="9525">
                       <a:solidFill>
                         <a:srgbClr val="000000"/>
                       </a:solidFill>
@@ -14999,7 +14995,7 @@
                 </a:ln>
                 <a:extLst>
                   <a:ext uri="{91240B29-F687-4f45-9708-019B960494DF}">
-                    <a14:hiddenLine xmlns="" xmlns:a14="http://schemas.microsoft.com/office/drawing/2010/main" w="9525">
+                    <a14:hiddenLine xmlns:a14="http://schemas.microsoft.com/office/drawing/2010/main" xmlns="" w="9525">
                       <a:solidFill>
                         <a:srgbClr val="000000"/>
                       </a:solidFill>
@@ -15051,7 +15047,7 @@
                 </a:ln>
                 <a:extLst>
                   <a:ext uri="{91240B29-F687-4f45-9708-019B960494DF}">
-                    <a14:hiddenLine xmlns="" xmlns:a14="http://schemas.microsoft.com/office/drawing/2010/main" w="9525">
+                    <a14:hiddenLine xmlns:a14="http://schemas.microsoft.com/office/drawing/2010/main" xmlns="" w="9525">
                       <a:solidFill>
                         <a:srgbClr val="000000"/>
                       </a:solidFill>
@@ -15103,7 +15099,7 @@
                 </a:ln>
                 <a:extLst>
                   <a:ext uri="{91240B29-F687-4f45-9708-019B960494DF}">
-                    <a14:hiddenLine xmlns="" xmlns:a14="http://schemas.microsoft.com/office/drawing/2010/main" w="9525">
+                    <a14:hiddenLine xmlns:a14="http://schemas.microsoft.com/office/drawing/2010/main" xmlns="" w="9525">
                       <a:solidFill>
                         <a:srgbClr val="000000"/>
                       </a:solidFill>
@@ -15155,7 +15151,7 @@
                 </a:ln>
                 <a:extLst>
                   <a:ext uri="{91240B29-F687-4f45-9708-019B960494DF}">
-                    <a14:hiddenLine xmlns="" xmlns:a14="http://schemas.microsoft.com/office/drawing/2010/main" w="9525">
+                    <a14:hiddenLine xmlns:a14="http://schemas.microsoft.com/office/drawing/2010/main" xmlns="" w="9525">
                       <a:solidFill>
                         <a:srgbClr val="000000"/>
                       </a:solidFill>
@@ -15290,7 +15286,7 @@
                 </a:ln>
                 <a:extLst>
                   <a:ext uri="{91240B29-F687-4f45-9708-019B960494DF}">
-                    <a14:hiddenLine xmlns="" xmlns:a14="http://schemas.microsoft.com/office/drawing/2010/main" w="9525">
+                    <a14:hiddenLine xmlns:a14="http://schemas.microsoft.com/office/drawing/2010/main" xmlns="" w="9525">
                       <a:solidFill>
                         <a:srgbClr val="000000"/>
                       </a:solidFill>
@@ -19189,7 +19185,7 @@
               </a:ln>
               <a:extLst>
                 <a:ext uri="{91240B29-F687-4f45-9708-019B960494DF}">
-                  <a14:hiddenLine xmlns="" xmlns:a14="http://schemas.microsoft.com/office/drawing/2010/main" w="9525">
+                  <a14:hiddenLine xmlns:a14="http://schemas.microsoft.com/office/drawing/2010/main" xmlns="" w="9525">
                     <a:solidFill>
                       <a:srgbClr val="000000"/>
                     </a:solidFill>
@@ -19324,7 +19320,7 @@
               </a:ln>
               <a:extLst>
                 <a:ext uri="{91240B29-F687-4f45-9708-019B960494DF}">
-                  <a14:hiddenLine xmlns="" xmlns:a14="http://schemas.microsoft.com/office/drawing/2010/main" w="9525">
+                  <a14:hiddenLine xmlns:a14="http://schemas.microsoft.com/office/drawing/2010/main" xmlns="" w="9525">
                     <a:solidFill>
                       <a:srgbClr val="000000"/>
                     </a:solidFill>
@@ -19427,7 +19423,7 @@
               </a:ln>
               <a:extLst>
                 <a:ext uri="{91240B29-F687-4f45-9708-019B960494DF}">
-                  <a14:hiddenLine xmlns="" xmlns:a14="http://schemas.microsoft.com/office/drawing/2010/main" w="9525">
+                  <a14:hiddenLine xmlns:a14="http://schemas.microsoft.com/office/drawing/2010/main" xmlns="" w="9525">
                     <a:solidFill>
                       <a:srgbClr val="000000"/>
                     </a:solidFill>
@@ -19571,7 +19567,7 @@
               </a:ln>
               <a:extLst>
                 <a:ext uri="{91240B29-F687-4f45-9708-019B960494DF}">
-                  <a14:hiddenLine xmlns="" xmlns:a14="http://schemas.microsoft.com/office/drawing/2010/main" w="9525">
+                  <a14:hiddenLine xmlns:a14="http://schemas.microsoft.com/office/drawing/2010/main" xmlns="" w="9525">
                     <a:solidFill>
                       <a:srgbClr val="000000"/>
                     </a:solidFill>
@@ -19761,7 +19757,7 @@
               </a:ln>
               <a:extLst>
                 <a:ext uri="{91240B29-F687-4f45-9708-019B960494DF}">
-                  <a14:hiddenLine xmlns="" xmlns:a14="http://schemas.microsoft.com/office/drawing/2010/main" w="9525">
+                  <a14:hiddenLine xmlns:a14="http://schemas.microsoft.com/office/drawing/2010/main" xmlns="" w="9525">
                     <a:solidFill>
                       <a:srgbClr val="000000"/>
                     </a:solidFill>
@@ -20575,22 +20571,13 @@
             <a:p>
               <a:pPr algn="just"/>
               <a:r>
-                <a:rPr lang="it-IT" sz="2000" dirty="0" err="1">
-                  <a:solidFill>
-                    <a:schemeClr val="bg1"/>
-                  </a:solidFill>
-                  <a:latin typeface="+mj-lt"/>
-                </a:rPr>
-                <a:t>Vericatore</a:t>
-              </a:r>
-              <a:r>
                 <a:rPr lang="it-IT" sz="2000" dirty="0">
                   <a:solidFill>
                     <a:schemeClr val="bg1"/>
                   </a:solidFill>
                   <a:latin typeface="+mj-lt"/>
                 </a:rPr>
-                <a:t> 		277 	 4155,00</a:t>
+                <a:t>Verificatore 		277 	 4155,00</a:t>
               </a:r>
             </a:p>
             <a:p>
@@ -21275,22 +21262,13 @@
             <a:p>
               <a:pPr algn="just"/>
               <a:r>
-                <a:rPr lang="it-IT" sz="2000" dirty="0" err="1">
-                  <a:solidFill>
-                    <a:schemeClr val="bg1"/>
-                  </a:solidFill>
-                  <a:latin typeface="+mj-lt"/>
-                </a:rPr>
-                <a:t>Vericatore</a:t>
-              </a:r>
-              <a:r>
                 <a:rPr lang="it-IT" sz="2000" dirty="0">
                   <a:solidFill>
                     <a:schemeClr val="bg1"/>
                   </a:solidFill>
                   <a:latin typeface="+mj-lt"/>
                 </a:rPr>
-                <a:t> 		216 	3240,00</a:t>
+                <a:t>Verificatore 		216 	3240,00</a:t>
               </a:r>
             </a:p>
             <a:p>
@@ -23246,7 +23224,11 @@
             <a:graphicFrameLocks noGrp="1"/>
           </p:cNvGraphicFramePr>
           <p:nvPr>
-            <p:extLst/>
+            <p:extLst>
+              <p:ext uri="{D42A27DB-BD31-4B8C-83A1-F6EECF244321}">
+                <p14:modId xmlns:p14="http://schemas.microsoft.com/office/powerpoint/2010/main" val="3601715244"/>
+              </p:ext>
+            </p:extLst>
           </p:nvPr>
         </p:nvGraphicFramePr>
         <p:xfrm>
@@ -23524,10 +23506,9 @@
                     <a:lstStyle/>
                     <a:p>
                       <a:r>
-                        <a:rPr lang="it-IT" dirty="0" err="1"/>
-                        <a:t>Progammatore</a:t>
+                        <a:rPr lang="it-IT" dirty="0"/>
+                        <a:t>Programmatore</a:t>
                       </a:r>
-                      <a:endParaRPr lang="it-IT" dirty="0"/>
                     </a:p>
                   </a:txBody>
                   <a:tcPr/>
@@ -23637,7 +23618,7 @@
                       <a:pPr algn="ctr"/>
                       <a:r>
                         <a:rPr lang="it-IT" dirty="0"/>
-                        <a:t>46</a:t>
+                        <a:t>151</a:t>
                       </a:r>
                     </a:p>
                   </a:txBody>
@@ -25370,7 +25351,7 @@
               </a:ln>
               <a:extLst>
                 <a:ext uri="{91240B29-F687-4f45-9708-019B960494DF}">
-                  <a14:hiddenLine xmlns="" xmlns:a14="http://schemas.microsoft.com/office/drawing/2010/main" w="9525">
+                  <a14:hiddenLine xmlns:a14="http://schemas.microsoft.com/office/drawing/2010/main" xmlns="" w="9525">
                     <a:solidFill>
                       <a:srgbClr val="000000"/>
                     </a:solidFill>
@@ -25505,7 +25486,7 @@
               </a:ln>
               <a:extLst>
                 <a:ext uri="{91240B29-F687-4f45-9708-019B960494DF}">
-                  <a14:hiddenLine xmlns="" xmlns:a14="http://schemas.microsoft.com/office/drawing/2010/main" w="9525">
+                  <a14:hiddenLine xmlns:a14="http://schemas.microsoft.com/office/drawing/2010/main" xmlns="" w="9525">
                     <a:solidFill>
                       <a:srgbClr val="000000"/>
                     </a:solidFill>
@@ -25608,7 +25589,7 @@
               </a:ln>
               <a:extLst>
                 <a:ext uri="{91240B29-F687-4f45-9708-019B960494DF}">
-                  <a14:hiddenLine xmlns="" xmlns:a14="http://schemas.microsoft.com/office/drawing/2010/main" w="9525">
+                  <a14:hiddenLine xmlns:a14="http://schemas.microsoft.com/office/drawing/2010/main" xmlns="" w="9525">
                     <a:solidFill>
                       <a:srgbClr val="000000"/>
                     </a:solidFill>
@@ -25752,7 +25733,7 @@
               </a:ln>
               <a:extLst>
                 <a:ext uri="{91240B29-F687-4f45-9708-019B960494DF}">
-                  <a14:hiddenLine xmlns="" xmlns:a14="http://schemas.microsoft.com/office/drawing/2010/main" w="9525">
+                  <a14:hiddenLine xmlns:a14="http://schemas.microsoft.com/office/drawing/2010/main" xmlns="" w="9525">
                     <a:solidFill>
                       <a:srgbClr val="000000"/>
                     </a:solidFill>
@@ -25942,7 +25923,7 @@
               </a:ln>
               <a:extLst>
                 <a:ext uri="{91240B29-F687-4f45-9708-019B960494DF}">
-                  <a14:hiddenLine xmlns="" xmlns:a14="http://schemas.microsoft.com/office/drawing/2010/main" w="9525">
+                  <a14:hiddenLine xmlns:a14="http://schemas.microsoft.com/office/drawing/2010/main" xmlns="" w="9525">
                     <a:solidFill>
                       <a:srgbClr val="000000"/>
                     </a:solidFill>
@@ -33110,7 +33091,7 @@
               </a:ln>
               <a:extLst>
                 <a:ext uri="{91240B29-F687-4f45-9708-019B960494DF}">
-                  <a14:hiddenLine xmlns="" xmlns:a14="http://schemas.microsoft.com/office/drawing/2010/main" w="9525">
+                  <a14:hiddenLine xmlns:a14="http://schemas.microsoft.com/office/drawing/2010/main" xmlns="" w="9525">
                     <a:solidFill>
                       <a:srgbClr val="000000"/>
                     </a:solidFill>
@@ -33162,7 +33143,7 @@
               </a:ln>
               <a:extLst>
                 <a:ext uri="{91240B29-F687-4f45-9708-019B960494DF}">
-                  <a14:hiddenLine xmlns="" xmlns:a14="http://schemas.microsoft.com/office/drawing/2010/main" w="9525">
+                  <a14:hiddenLine xmlns:a14="http://schemas.microsoft.com/office/drawing/2010/main" xmlns="" w="9525">
                     <a:solidFill>
                       <a:srgbClr val="000000"/>
                     </a:solidFill>
@@ -33214,7 +33195,7 @@
               </a:ln>
               <a:extLst>
                 <a:ext uri="{91240B29-F687-4f45-9708-019B960494DF}">
-                  <a14:hiddenLine xmlns="" xmlns:a14="http://schemas.microsoft.com/office/drawing/2010/main" w="9525">
+                  <a14:hiddenLine xmlns:a14="http://schemas.microsoft.com/office/drawing/2010/main" xmlns="" w="9525">
                     <a:solidFill>
                       <a:srgbClr val="000000"/>
                     </a:solidFill>
@@ -33266,7 +33247,7 @@
               </a:ln>
               <a:extLst>
                 <a:ext uri="{91240B29-F687-4f45-9708-019B960494DF}">
-                  <a14:hiddenLine xmlns="" xmlns:a14="http://schemas.microsoft.com/office/drawing/2010/main" w="9525">
+                  <a14:hiddenLine xmlns:a14="http://schemas.microsoft.com/office/drawing/2010/main" xmlns="" w="9525">
                     <a:solidFill>
                       <a:srgbClr val="000000"/>
                     </a:solidFill>
@@ -33318,7 +33299,7 @@
               </a:ln>
               <a:extLst>
                 <a:ext uri="{91240B29-F687-4f45-9708-019B960494DF}">
-                  <a14:hiddenLine xmlns="" xmlns:a14="http://schemas.microsoft.com/office/drawing/2010/main" w="9525">
+                  <a14:hiddenLine xmlns:a14="http://schemas.microsoft.com/office/drawing/2010/main" xmlns="" w="9525">
                     <a:solidFill>
                       <a:srgbClr val="000000"/>
                     </a:solidFill>
@@ -33453,7 +33434,7 @@
               </a:ln>
               <a:extLst>
                 <a:ext uri="{91240B29-F687-4f45-9708-019B960494DF}">
-                  <a14:hiddenLine xmlns="" xmlns:a14="http://schemas.microsoft.com/office/drawing/2010/main" w="9525">
+                  <a14:hiddenLine xmlns:a14="http://schemas.microsoft.com/office/drawing/2010/main" xmlns="" w="9525">
                     <a:solidFill>
                       <a:srgbClr val="000000"/>
                     </a:solidFill>
@@ -37352,7 +37333,7 @@
             </a:ln>
             <a:extLst>
               <a:ext uri="{91240B29-F687-4f45-9708-019B960494DF}">
-                <a14:hiddenLine xmlns="" xmlns:a14="http://schemas.microsoft.com/office/drawing/2010/main" w="9525">
+                <a14:hiddenLine xmlns:a14="http://schemas.microsoft.com/office/drawing/2010/main" xmlns="" w="9525">
                   <a:solidFill>
                     <a:srgbClr val="000000"/>
                   </a:solidFill>
@@ -37487,7 +37468,7 @@
             </a:ln>
             <a:extLst>
               <a:ext uri="{91240B29-F687-4f45-9708-019B960494DF}">
-                <a14:hiddenLine xmlns="" xmlns:a14="http://schemas.microsoft.com/office/drawing/2010/main" w="9525">
+                <a14:hiddenLine xmlns:a14="http://schemas.microsoft.com/office/drawing/2010/main" xmlns="" w="9525">
                   <a:solidFill>
                     <a:srgbClr val="000000"/>
                   </a:solidFill>
@@ -37590,7 +37571,7 @@
             </a:ln>
             <a:extLst>
               <a:ext uri="{91240B29-F687-4f45-9708-019B960494DF}">
-                <a14:hiddenLine xmlns="" xmlns:a14="http://schemas.microsoft.com/office/drawing/2010/main" w="9525">
+                <a14:hiddenLine xmlns:a14="http://schemas.microsoft.com/office/drawing/2010/main" xmlns="" w="9525">
                   <a:solidFill>
                     <a:srgbClr val="000000"/>
                   </a:solidFill>
@@ -37734,7 +37715,7 @@
             </a:ln>
             <a:extLst>
               <a:ext uri="{91240B29-F687-4f45-9708-019B960494DF}">
-                <a14:hiddenLine xmlns="" xmlns:a14="http://schemas.microsoft.com/office/drawing/2010/main" w="9525">
+                <a14:hiddenLine xmlns:a14="http://schemas.microsoft.com/office/drawing/2010/main" xmlns="" w="9525">
                   <a:solidFill>
                     <a:srgbClr val="000000"/>
                   </a:solidFill>
@@ -37924,7 +37905,7 @@
             </a:ln>
             <a:extLst>
               <a:ext uri="{91240B29-F687-4f45-9708-019B960494DF}">
-                <a14:hiddenLine xmlns="" xmlns:a14="http://schemas.microsoft.com/office/drawing/2010/main" w="9525">
+                <a14:hiddenLine xmlns:a14="http://schemas.microsoft.com/office/drawing/2010/main" xmlns="" w="9525">
                   <a:solidFill>
                     <a:srgbClr val="000000"/>
                   </a:solidFill>
@@ -42265,15 +42246,6 @@
 </file>
 
 <file path=customXml/item1.xml><?xml version="1.0" encoding="utf-8"?>
-<p:properties xmlns:p="http://schemas.microsoft.com/office/2006/metadata/properties" xmlns:xsi="http://www.w3.org/2001/XMLSchema-instance" xmlns:pc="http://schemas.microsoft.com/office/infopath/2007/PartnerControls">
-  <documentManagement>
-    <_Version xmlns="http://schemas.microsoft.com/sharepoint/v3/fields" xsi:nil="true"/>
-    <_Status xmlns="http://schemas.microsoft.com/sharepoint/v3/fields">Not Started</_Status>
-  </documentManagement>
-</p:properties>
-</file>
-
-<file path=customXml/item2.xml><?xml version="1.0" encoding="utf-8"?>
 <ct:contentTypeSchema xmlns:ct="http://schemas.microsoft.com/office/2006/metadata/contentType" xmlns:ma="http://schemas.microsoft.com/office/2006/metadata/properties/metaAttributes" ct:_="" ma:_="" ma:contentTypeName="Document" ma:contentTypeID="0x0101000DE64AEEDD9B7A4D93545ACBE97D4615" ma:contentTypeVersion="2" ma:contentTypeDescription="Create a new document." ma:contentTypeScope="" ma:versionID="f49002b78e3a4a71b814eef46a983816">
   <xsd:schema xmlns:xsd="http://www.w3.org/2001/XMLSchema" xmlns:xs="http://www.w3.org/2001/XMLSchema" xmlns:p="http://schemas.microsoft.com/office/2006/metadata/properties" xmlns:ns2="http://schemas.microsoft.com/sharepoint/v3/fields" targetNamespace="http://schemas.microsoft.com/office/2006/metadata/properties" ma:root="true" ma:fieldsID="38f6db2dd0d9a0cf6a8dc37be32b365b" ns2:_="">
     <xsd:import namespace="http://schemas.microsoft.com/sharepoint/v3/fields"/>
@@ -42417,6 +42389,15 @@
 </ct:contentTypeSchema>
 </file>
 
+<file path=customXml/item2.xml><?xml version="1.0" encoding="utf-8"?>
+<p:properties xmlns:p="http://schemas.microsoft.com/office/2006/metadata/properties" xmlns:xsi="http://www.w3.org/2001/XMLSchema-instance" xmlns:pc="http://schemas.microsoft.com/office/infopath/2007/PartnerControls">
+  <documentManagement>
+    <_Version xmlns="http://schemas.microsoft.com/sharepoint/v3/fields" xsi:nil="true"/>
+    <_Status xmlns="http://schemas.microsoft.com/sharepoint/v3/fields">Not Started</_Status>
+  </documentManagement>
+</p:properties>
+</file>
+
 <file path=customXml/item3.xml><?xml version="1.0" encoding="utf-8"?>
 <?mso-contentType ?>
 <FormTemplates xmlns="http://schemas.microsoft.com/sharepoint/v3/contenttype/forms">
@@ -42427,16 +42408,6 @@
 </file>
 
 <file path=customXml/itemProps1.xml><?xml version="1.0" encoding="utf-8"?>
-<ds:datastoreItem xmlns:ds="http://schemas.openxmlformats.org/officeDocument/2006/customXml" ds:itemID="{7B6F2769-7194-4217-93D3-3AF3A4742282}">
-  <ds:schemaRefs>
-    <ds:schemaRef ds:uri="http://schemas.microsoft.com/office/2006/metadata/properties"/>
-    <ds:schemaRef ds:uri="http://schemas.microsoft.com/office/infopath/2007/PartnerControls"/>
-    <ds:schemaRef ds:uri="http://schemas.microsoft.com/sharepoint/v3/fields"/>
-  </ds:schemaRefs>
-</ds:datastoreItem>
-</file>
-
-<file path=customXml/itemProps2.xml><?xml version="1.0" encoding="utf-8"?>
 <ds:datastoreItem xmlns:ds="http://schemas.openxmlformats.org/officeDocument/2006/customXml" ds:itemID="{E4214858-785C-42F7-BE66-6D0E79395FC8}">
   <ds:schemaRefs>
     <ds:schemaRef ds:uri="http://schemas.microsoft.com/office/2006/metadata/contentType"/>
@@ -42454,6 +42425,16 @@
 </ds:datastoreItem>
 </file>
 
+<file path=customXml/itemProps2.xml><?xml version="1.0" encoding="utf-8"?>
+<ds:datastoreItem xmlns:ds="http://schemas.openxmlformats.org/officeDocument/2006/customXml" ds:itemID="{7B6F2769-7194-4217-93D3-3AF3A4742282}">
+  <ds:schemaRefs>
+    <ds:schemaRef ds:uri="http://schemas.microsoft.com/office/2006/metadata/properties"/>
+    <ds:schemaRef ds:uri="http://schemas.microsoft.com/office/infopath/2007/PartnerControls"/>
+    <ds:schemaRef ds:uri="http://schemas.microsoft.com/sharepoint/v3/fields"/>
+  </ds:schemaRefs>
+</ds:datastoreItem>
+</file>
+
 <file path=customXml/itemProps3.xml><?xml version="1.0" encoding="utf-8"?>
 <ds:datastoreItem xmlns:ds="http://schemas.openxmlformats.org/officeDocument/2006/customXml" ds:itemID="{87D2A1B0-FF3E-4009-940D-AED0EB70AA20}">
   <ds:schemaRefs>

--- a/Presentazione/Presentazione 26-01-2018.pptx
+++ b/Presentazione/Presentazione 26-01-2018.pptx
@@ -151,25 +151,214 @@
 </p:presentation>
 </file>
 
-<file path=ppt/revisionInfo.xml><?xml version="1.0" encoding="utf-8"?>
-<p1510:revInfo xmlns:a="http://schemas.openxmlformats.org/drawingml/2006/main" xmlns:r="http://schemas.openxmlformats.org/officeDocument/2006/relationships" xmlns:p1510="http://schemas.microsoft.com/office/powerpoint/2015/10/main"/>
-</file>
-
 <file path=ppt/changesInfos/changesInfo1.xml><?xml version="1.0" encoding="utf-8"?>
 <pc:chgInfo xmlns:a="http://schemas.openxmlformats.org/drawingml/2006/main" xmlns:r="http://schemas.openxmlformats.org/officeDocument/2006/relationships" xmlns:ac="http://schemas.microsoft.com/office/drawing/2013/main/command" xmlns:pc="http://schemas.microsoft.com/office/powerpoint/2013/main/command">
   <pc:docChgLst>
     <pc:chgData name="cristiano tessarolo" userId="c36b394d4ec160dc" providerId="LiveId" clId="{7AF579D0-4467-4C07-B5C6-9E169660DA9B}"/>
-    <pc:docChg chg="addSld delSld modSld">
-      <pc:chgData name="cristiano tessarolo" userId="c36b394d4ec160dc" providerId="LiveId" clId="{7AF579D0-4467-4C07-B5C6-9E169660DA9B}" dt="2018-01-24T10:37:30.679" v="47" actId="2696"/>
+    <pc:docChg chg="undo custSel addSld delSld modSld sldOrd">
+      <pc:chgData name="cristiano tessarolo" userId="c36b394d4ec160dc" providerId="LiveId" clId="{7AF579D0-4467-4C07-B5C6-9E169660DA9B}" dt="2018-01-24T21:39:56.798" v="431"/>
       <pc:docMkLst>
         <pc:docMk/>
       </pc:docMkLst>
+      <pc:sldChg chg="addSp">
+        <pc:chgData name="cristiano tessarolo" userId="c36b394d4ec160dc" providerId="LiveId" clId="{7AF579D0-4467-4C07-B5C6-9E169660DA9B}" dt="2018-01-24T21:39:56.798" v="431"/>
+        <pc:sldMkLst>
+          <pc:docMk/>
+          <pc:sldMk cId="4262530129" sldId="259"/>
+        </pc:sldMkLst>
+        <pc:spChg chg="add">
+          <ac:chgData name="cristiano tessarolo" userId="c36b394d4ec160dc" providerId="LiveId" clId="{7AF579D0-4467-4C07-B5C6-9E169660DA9B}" dt="2018-01-24T21:39:56.798" v="431"/>
+          <ac:spMkLst>
+            <pc:docMk/>
+            <pc:sldMk cId="4262530129" sldId="259"/>
+            <ac:spMk id="10" creationId="{FA827243-4C19-405D-967C-4182EC6F7DC7}"/>
+          </ac:spMkLst>
+        </pc:spChg>
+        <pc:spChg chg="add">
+          <ac:chgData name="cristiano tessarolo" userId="c36b394d4ec160dc" providerId="LiveId" clId="{7AF579D0-4467-4C07-B5C6-9E169660DA9B}" dt="2018-01-24T21:39:56.798" v="431"/>
+          <ac:spMkLst>
+            <pc:docMk/>
+            <pc:sldMk cId="4262530129" sldId="259"/>
+            <ac:spMk id="11" creationId="{54CC62D4-2D4F-4EF0-B935-7060381FD73A}"/>
+          </ac:spMkLst>
+        </pc:spChg>
+      </pc:sldChg>
+      <pc:sldChg chg="addSp">
+        <pc:chgData name="cristiano tessarolo" userId="c36b394d4ec160dc" providerId="LiveId" clId="{7AF579D0-4467-4C07-B5C6-9E169660DA9B}" dt="2018-01-24T21:38:53.203" v="401"/>
+        <pc:sldMkLst>
+          <pc:docMk/>
+          <pc:sldMk cId="3769355618" sldId="264"/>
+        </pc:sldMkLst>
+        <pc:spChg chg="add">
+          <ac:chgData name="cristiano tessarolo" userId="c36b394d4ec160dc" providerId="LiveId" clId="{7AF579D0-4467-4C07-B5C6-9E169660DA9B}" dt="2018-01-24T21:38:53.203" v="401"/>
+          <ac:spMkLst>
+            <pc:docMk/>
+            <pc:sldMk cId="3769355618" sldId="264"/>
+            <ac:spMk id="7" creationId="{8E0FA9C0-03B2-45B7-B85B-768204A9A9E2}"/>
+          </ac:spMkLst>
+        </pc:spChg>
+        <pc:spChg chg="add">
+          <ac:chgData name="cristiano tessarolo" userId="c36b394d4ec160dc" providerId="LiveId" clId="{7AF579D0-4467-4C07-B5C6-9E169660DA9B}" dt="2018-01-24T21:38:53.203" v="401"/>
+          <ac:spMkLst>
+            <pc:docMk/>
+            <pc:sldMk cId="3769355618" sldId="264"/>
+            <ac:spMk id="8" creationId="{D069E102-5C0B-4E7E-B3C9-317DF5E487E8}"/>
+          </ac:spMkLst>
+        </pc:spChg>
+      </pc:sldChg>
+      <pc:sldChg chg="addSp">
+        <pc:chgData name="cristiano tessarolo" userId="c36b394d4ec160dc" providerId="LiveId" clId="{7AF579D0-4467-4C07-B5C6-9E169660DA9B}" dt="2018-01-24T21:39:22.314" v="417"/>
+        <pc:sldMkLst>
+          <pc:docMk/>
+          <pc:sldMk cId="3377809729" sldId="265"/>
+        </pc:sldMkLst>
+        <pc:spChg chg="add">
+          <ac:chgData name="cristiano tessarolo" userId="c36b394d4ec160dc" providerId="LiveId" clId="{7AF579D0-4467-4C07-B5C6-9E169660DA9B}" dt="2018-01-24T21:39:22.314" v="417"/>
+          <ac:spMkLst>
+            <pc:docMk/>
+            <pc:sldMk cId="3377809729" sldId="265"/>
+            <ac:spMk id="6" creationId="{F4811C53-18E9-4E1F-BC09-C2A1E878D641}"/>
+          </ac:spMkLst>
+        </pc:spChg>
+        <pc:spChg chg="add">
+          <ac:chgData name="cristiano tessarolo" userId="c36b394d4ec160dc" providerId="LiveId" clId="{7AF579D0-4467-4C07-B5C6-9E169660DA9B}" dt="2018-01-24T21:39:22.314" v="417"/>
+          <ac:spMkLst>
+            <pc:docMk/>
+            <pc:sldMk cId="3377809729" sldId="265"/>
+            <ac:spMk id="7" creationId="{50287E6C-60F8-4711-9730-7EF370C18770}"/>
+          </ac:spMkLst>
+        </pc:spChg>
+      </pc:sldChg>
+      <pc:sldChg chg="addSp">
+        <pc:chgData name="cristiano tessarolo" userId="c36b394d4ec160dc" providerId="LiveId" clId="{7AF579D0-4467-4C07-B5C6-9E169660DA9B}" dt="2018-01-24T21:39:31.379" v="421"/>
+        <pc:sldMkLst>
+          <pc:docMk/>
+          <pc:sldMk cId="3249092174" sldId="266"/>
+        </pc:sldMkLst>
+        <pc:spChg chg="add">
+          <ac:chgData name="cristiano tessarolo" userId="c36b394d4ec160dc" providerId="LiveId" clId="{7AF579D0-4467-4C07-B5C6-9E169660DA9B}" dt="2018-01-24T21:39:31.379" v="421"/>
+          <ac:spMkLst>
+            <pc:docMk/>
+            <pc:sldMk cId="3249092174" sldId="266"/>
+            <ac:spMk id="5" creationId="{2A87FFD8-CCC3-45E0-91BF-802EFBA893A9}"/>
+          </ac:spMkLst>
+        </pc:spChg>
+        <pc:spChg chg="add">
+          <ac:chgData name="cristiano tessarolo" userId="c36b394d4ec160dc" providerId="LiveId" clId="{7AF579D0-4467-4C07-B5C6-9E169660DA9B}" dt="2018-01-24T21:39:31.379" v="421"/>
+          <ac:spMkLst>
+            <pc:docMk/>
+            <pc:sldMk cId="3249092174" sldId="266"/>
+            <ac:spMk id="6" creationId="{50563ADC-7238-40C1-91B6-FA96EE94FDB7}"/>
+          </ac:spMkLst>
+        </pc:spChg>
+      </pc:sldChg>
+      <pc:sldChg chg="addSp">
+        <pc:chgData name="cristiano tessarolo" userId="c36b394d4ec160dc" providerId="LiveId" clId="{7AF579D0-4467-4C07-B5C6-9E169660DA9B}" dt="2018-01-24T21:39:36.988" v="424"/>
+        <pc:sldMkLst>
+          <pc:docMk/>
+          <pc:sldMk cId="4070083652" sldId="267"/>
+        </pc:sldMkLst>
+        <pc:spChg chg="add">
+          <ac:chgData name="cristiano tessarolo" userId="c36b394d4ec160dc" providerId="LiveId" clId="{7AF579D0-4467-4C07-B5C6-9E169660DA9B}" dt="2018-01-24T21:39:36.988" v="424"/>
+          <ac:spMkLst>
+            <pc:docMk/>
+            <pc:sldMk cId="4070083652" sldId="267"/>
+            <ac:spMk id="4" creationId="{9E3BA82D-5331-47D4-AFE6-0AB554B0819B}"/>
+          </ac:spMkLst>
+        </pc:spChg>
+        <pc:spChg chg="add">
+          <ac:chgData name="cristiano tessarolo" userId="c36b394d4ec160dc" providerId="LiveId" clId="{7AF579D0-4467-4C07-B5C6-9E169660DA9B}" dt="2018-01-24T21:39:36.988" v="424"/>
+          <ac:spMkLst>
+            <pc:docMk/>
+            <pc:sldMk cId="4070083652" sldId="267"/>
+            <ac:spMk id="5" creationId="{A68F2F16-28EF-4D7F-BB78-DF83EA86A382}"/>
+          </ac:spMkLst>
+        </pc:spChg>
+      </pc:sldChg>
+      <pc:sldChg chg="addSp">
+        <pc:chgData name="cristiano tessarolo" userId="c36b394d4ec160dc" providerId="LiveId" clId="{7AF579D0-4467-4C07-B5C6-9E169660DA9B}" dt="2018-01-24T21:38:42.625" v="400"/>
+        <pc:sldMkLst>
+          <pc:docMk/>
+          <pc:sldMk cId="1840984257" sldId="271"/>
+        </pc:sldMkLst>
+        <pc:spChg chg="add">
+          <ac:chgData name="cristiano tessarolo" userId="c36b394d4ec160dc" providerId="LiveId" clId="{7AF579D0-4467-4C07-B5C6-9E169660DA9B}" dt="2018-01-24T21:38:42.625" v="400"/>
+          <ac:spMkLst>
+            <pc:docMk/>
+            <pc:sldMk cId="1840984257" sldId="271"/>
+            <ac:spMk id="73" creationId="{F06A42AC-3796-4738-9BD3-5E784390933B}"/>
+          </ac:spMkLst>
+        </pc:spChg>
+        <pc:spChg chg="add">
+          <ac:chgData name="cristiano tessarolo" userId="c36b394d4ec160dc" providerId="LiveId" clId="{7AF579D0-4467-4C07-B5C6-9E169660DA9B}" dt="2018-01-24T21:38:42.625" v="400"/>
+          <ac:spMkLst>
+            <pc:docMk/>
+            <pc:sldMk cId="1840984257" sldId="271"/>
+            <ac:spMk id="74" creationId="{58B16EDB-E9EE-45C2-8824-232000731AD5}"/>
+          </ac:spMkLst>
+        </pc:spChg>
+      </pc:sldChg>
+      <pc:sldChg chg="addSp modSp">
+        <pc:chgData name="cristiano tessarolo" userId="c36b394d4ec160dc" providerId="LiveId" clId="{7AF579D0-4467-4C07-B5C6-9E169660DA9B}" dt="2018-01-24T21:39:13.073" v="415" actId="1038"/>
+        <pc:sldMkLst>
+          <pc:docMk/>
+          <pc:sldMk cId="825880097" sldId="272"/>
+        </pc:sldMkLst>
+        <pc:spChg chg="add">
+          <ac:chgData name="cristiano tessarolo" userId="c36b394d4ec160dc" providerId="LiveId" clId="{7AF579D0-4467-4C07-B5C6-9E169660DA9B}" dt="2018-01-24T21:38:55.862" v="402"/>
+          <ac:spMkLst>
+            <pc:docMk/>
+            <pc:sldMk cId="825880097" sldId="272"/>
+            <ac:spMk id="10" creationId="{F0546063-D4FC-42B7-9FB3-3CF7EEE2239C}"/>
+          </ac:spMkLst>
+        </pc:spChg>
+        <pc:spChg chg="add mod">
+          <ac:chgData name="cristiano tessarolo" userId="c36b394d4ec160dc" providerId="LiveId" clId="{7AF579D0-4467-4C07-B5C6-9E169660DA9B}" dt="2018-01-24T21:39:13.073" v="415" actId="1038"/>
+          <ac:spMkLst>
+            <pc:docMk/>
+            <pc:sldMk cId="825880097" sldId="272"/>
+            <ac:spMk id="11" creationId="{4F59A709-7ECE-479B-B302-606E74E79B78}"/>
+          </ac:spMkLst>
+        </pc:spChg>
+      </pc:sldChg>
       <pc:sldChg chg="addSp delSp modSp modAnim">
-        <pc:chgData name="cristiano tessarolo" userId="c36b394d4ec160dc" providerId="LiveId" clId="{7AF579D0-4467-4C07-B5C6-9E169660DA9B}" dt="2018-01-23T10:42:46.500" v="36" actId="20577"/>
+        <pc:chgData name="cristiano tessarolo" userId="c36b394d4ec160dc" providerId="LiveId" clId="{7AF579D0-4467-4C07-B5C6-9E169660DA9B}" dt="2018-01-24T21:38:30.767" v="398"/>
         <pc:sldMkLst>
           <pc:docMk/>
           <pc:sldMk cId="944744598" sldId="288"/>
         </pc:sldMkLst>
+        <pc:spChg chg="add del">
+          <ac:chgData name="cristiano tessarolo" userId="c36b394d4ec160dc" providerId="LiveId" clId="{7AF579D0-4467-4C07-B5C6-9E169660DA9B}" dt="2018-01-24T21:38:30.014" v="397" actId="478"/>
+          <ac:spMkLst>
+            <pc:docMk/>
+            <pc:sldMk cId="944744598" sldId="288"/>
+            <ac:spMk id="30" creationId="{10BCA92A-3333-4B37-BB24-59A29AA4D48C}"/>
+          </ac:spMkLst>
+        </pc:spChg>
+        <pc:spChg chg="add del">
+          <ac:chgData name="cristiano tessarolo" userId="c36b394d4ec160dc" providerId="LiveId" clId="{7AF579D0-4467-4C07-B5C6-9E169660DA9B}" dt="2018-01-24T21:38:28.799" v="396" actId="478"/>
+          <ac:spMkLst>
+            <pc:docMk/>
+            <pc:sldMk cId="944744598" sldId="288"/>
+            <ac:spMk id="32" creationId="{DE06F405-249B-4D4E-9138-19941A0D428F}"/>
+          </ac:spMkLst>
+        </pc:spChg>
+        <pc:spChg chg="add">
+          <ac:chgData name="cristiano tessarolo" userId="c36b394d4ec160dc" providerId="LiveId" clId="{7AF579D0-4467-4C07-B5C6-9E169660DA9B}" dt="2018-01-24T21:38:30.767" v="398"/>
+          <ac:spMkLst>
+            <pc:docMk/>
+            <pc:sldMk cId="944744598" sldId="288"/>
+            <ac:spMk id="33" creationId="{21DADF2E-BE56-46F5-93AA-6CF311334060}"/>
+          </ac:spMkLst>
+        </pc:spChg>
+        <pc:spChg chg="add">
+          <ac:chgData name="cristiano tessarolo" userId="c36b394d4ec160dc" providerId="LiveId" clId="{7AF579D0-4467-4C07-B5C6-9E169660DA9B}" dt="2018-01-24T21:38:30.767" v="398"/>
+          <ac:spMkLst>
+            <pc:docMk/>
+            <pc:sldMk cId="944744598" sldId="288"/>
+            <ac:spMk id="35" creationId="{4AA8E067-8062-43A2-B816-4E48EA7B7BF2}"/>
+          </ac:spMkLst>
+        </pc:spChg>
         <pc:spChg chg="mod">
           <ac:chgData name="cristiano tessarolo" userId="c36b394d4ec160dc" providerId="LiveId" clId="{7AF579D0-4467-4C07-B5C6-9E169660DA9B}" dt="2018-01-23T10:42:14.957" v="34" actId="20577"/>
           <ac:spMkLst>
@@ -195,8 +384,357 @@
           </ac:picMkLst>
         </pc:picChg>
       </pc:sldChg>
-      <pc:sldChg chg="modSp">
-        <pc:chgData name="cristiano tessarolo" userId="c36b394d4ec160dc" providerId="LiveId" clId="{7AF579D0-4467-4C07-B5C6-9E169660DA9B}" dt="2018-01-24T10:27:20.763" v="44" actId="20577"/>
+      <pc:sldChg chg="addSp delSp modSp">
+        <pc:chgData name="cristiano tessarolo" userId="c36b394d4ec160dc" providerId="LiveId" clId="{7AF579D0-4467-4C07-B5C6-9E169660DA9B}" dt="2018-01-24T21:36:16.465" v="378" actId="1076"/>
+        <pc:sldMkLst>
+          <pc:docMk/>
+          <pc:sldMk cId="1788027839" sldId="290"/>
+        </pc:sldMkLst>
+        <pc:spChg chg="del">
+          <ac:chgData name="cristiano tessarolo" userId="c36b394d4ec160dc" providerId="LiveId" clId="{7AF579D0-4467-4C07-B5C6-9E169660DA9B}" dt="2018-01-24T21:28:22.720" v="57"/>
+          <ac:spMkLst>
+            <pc:docMk/>
+            <pc:sldMk cId="1788027839" sldId="290"/>
+            <ac:spMk id="2" creationId="{1803527A-1F1C-4BEB-9F8D-E9C872F5523A}"/>
+          </ac:spMkLst>
+        </pc:spChg>
+        <pc:spChg chg="mod ord">
+          <ac:chgData name="cristiano tessarolo" userId="c36b394d4ec160dc" providerId="LiveId" clId="{7AF579D0-4467-4C07-B5C6-9E169660DA9B}" dt="2018-01-24T21:35:12.939" v="374"/>
+          <ac:spMkLst>
+            <pc:docMk/>
+            <pc:sldMk cId="1788027839" sldId="290"/>
+            <ac:spMk id="11" creationId="{70D85DDB-88B2-499A-BE1B-42AC54A2B3EB}"/>
+          </ac:spMkLst>
+        </pc:spChg>
+        <pc:spChg chg="add mod">
+          <ac:chgData name="cristiano tessarolo" userId="c36b394d4ec160dc" providerId="LiveId" clId="{7AF579D0-4467-4C07-B5C6-9E169660DA9B}" dt="2018-01-24T21:35:02.118" v="372"/>
+          <ac:spMkLst>
+            <pc:docMk/>
+            <pc:sldMk cId="1788027839" sldId="290"/>
+            <ac:spMk id="12" creationId="{561CE458-15EF-432E-A780-F7607658207F}"/>
+          </ac:spMkLst>
+        </pc:spChg>
+        <pc:picChg chg="add mod ord">
+          <ac:chgData name="cristiano tessarolo" userId="c36b394d4ec160dc" providerId="LiveId" clId="{7AF579D0-4467-4C07-B5C6-9E169660DA9B}" dt="2018-01-24T21:36:16.465" v="378" actId="1076"/>
+          <ac:picMkLst>
+            <pc:docMk/>
+            <pc:sldMk cId="1788027839" sldId="290"/>
+            <ac:picMk id="18" creationId="{3E534187-B17F-4E75-8249-C326A33455CC}"/>
+          </ac:picMkLst>
+        </pc:picChg>
+        <pc:picChg chg="del mod">
+          <ac:chgData name="cristiano tessarolo" userId="c36b394d4ec160dc" providerId="LiveId" clId="{7AF579D0-4467-4C07-B5C6-9E169660DA9B}" dt="2018-01-24T21:31:25.271" v="169"/>
+          <ac:picMkLst>
+            <pc:docMk/>
+            <pc:sldMk cId="1788027839" sldId="290"/>
+            <ac:picMk id="1026" creationId="{00000000-0000-0000-0000-000000000000}"/>
+          </ac:picMkLst>
+        </pc:picChg>
+      </pc:sldChg>
+      <pc:sldChg chg="addSp delSp ord">
+        <pc:chgData name="cristiano tessarolo" userId="c36b394d4ec160dc" providerId="LiveId" clId="{7AF579D0-4467-4C07-B5C6-9E169660DA9B}" dt="2018-01-24T21:36:47.836" v="379"/>
+        <pc:sldMkLst>
+          <pc:docMk/>
+          <pc:sldMk cId="16807" sldId="293"/>
+        </pc:sldMkLst>
+        <pc:spChg chg="add">
+          <ac:chgData name="cristiano tessarolo" userId="c36b394d4ec160dc" providerId="LiveId" clId="{7AF579D0-4467-4C07-B5C6-9E169660DA9B}" dt="2018-01-24T21:36:47.836" v="379"/>
+          <ac:spMkLst>
+            <pc:docMk/>
+            <pc:sldMk cId="16807" sldId="293"/>
+            <ac:spMk id="55" creationId="{48BE0D64-894C-4F36-8057-913063AD1D02}"/>
+          </ac:spMkLst>
+        </pc:spChg>
+        <pc:spChg chg="add">
+          <ac:chgData name="cristiano tessarolo" userId="c36b394d4ec160dc" providerId="LiveId" clId="{7AF579D0-4467-4C07-B5C6-9E169660DA9B}" dt="2018-01-24T21:36:47.836" v="379"/>
+          <ac:spMkLst>
+            <pc:docMk/>
+            <pc:sldMk cId="16807" sldId="293"/>
+            <ac:spMk id="56" creationId="{17178B41-05A8-4BF1-B3C5-78A62782DAA3}"/>
+          </ac:spMkLst>
+        </pc:spChg>
+        <pc:picChg chg="add del">
+          <ac:chgData name="cristiano tessarolo" userId="c36b394d4ec160dc" providerId="LiveId" clId="{7AF579D0-4467-4C07-B5C6-9E169660DA9B}" dt="2018-01-24T21:36:04.921" v="376"/>
+          <ac:picMkLst>
+            <pc:docMk/>
+            <pc:sldMk cId="16807" sldId="293"/>
+            <ac:picMk id="53" creationId="{61B18038-2AB6-4E0E-9325-67622ACECA3C}"/>
+          </ac:picMkLst>
+        </pc:picChg>
+      </pc:sldChg>
+      <pc:sldChg chg="addSp delSp modSp">
+        <pc:chgData name="cristiano tessarolo" userId="c36b394d4ec160dc" providerId="LiveId" clId="{7AF579D0-4467-4C07-B5C6-9E169660DA9B}" dt="2018-01-24T21:38:02.660" v="389" actId="27309"/>
+        <pc:sldMkLst>
+          <pc:docMk/>
+          <pc:sldMk cId="585640194" sldId="294"/>
+        </pc:sldMkLst>
+        <pc:spChg chg="add del">
+          <ac:chgData name="cristiano tessarolo" userId="c36b394d4ec160dc" providerId="LiveId" clId="{7AF579D0-4467-4C07-B5C6-9E169660DA9B}" dt="2018-01-24T21:37:49.641" v="384" actId="478"/>
+          <ac:spMkLst>
+            <pc:docMk/>
+            <pc:sldMk cId="585640194" sldId="294"/>
+            <ac:spMk id="10" creationId="{93629381-1A64-44EA-9916-C9F1E951C666}"/>
+          </ac:spMkLst>
+        </pc:spChg>
+        <pc:spChg chg="add del">
+          <ac:chgData name="cristiano tessarolo" userId="c36b394d4ec160dc" providerId="LiveId" clId="{7AF579D0-4467-4C07-B5C6-9E169660DA9B}" dt="2018-01-24T21:37:55.567" v="385" actId="478"/>
+          <ac:spMkLst>
+            <pc:docMk/>
+            <pc:sldMk cId="585640194" sldId="294"/>
+            <ac:spMk id="11" creationId="{1FE67F7D-0BC0-454E-BA76-F4A6BA34F51D}"/>
+          </ac:spMkLst>
+        </pc:spChg>
+        <pc:spChg chg="add">
+          <ac:chgData name="cristiano tessarolo" userId="c36b394d4ec160dc" providerId="LiveId" clId="{7AF579D0-4467-4C07-B5C6-9E169660DA9B}" dt="2018-01-24T21:37:56.910" v="386"/>
+          <ac:spMkLst>
+            <pc:docMk/>
+            <pc:sldMk cId="585640194" sldId="294"/>
+            <ac:spMk id="12" creationId="{D50A4ADB-377A-4C7F-A063-73512827AF45}"/>
+          </ac:spMkLst>
+        </pc:spChg>
+        <pc:spChg chg="add">
+          <ac:chgData name="cristiano tessarolo" userId="c36b394d4ec160dc" providerId="LiveId" clId="{7AF579D0-4467-4C07-B5C6-9E169660DA9B}" dt="2018-01-24T21:37:56.910" v="386"/>
+          <ac:spMkLst>
+            <pc:docMk/>
+            <pc:sldMk cId="585640194" sldId="294"/>
+            <ac:spMk id="13" creationId="{336356C0-69D3-4F98-9BA3-D9CD427D3FB1}"/>
+          </ac:spMkLst>
+        </pc:spChg>
+        <pc:graphicFrameChg chg="add del modGraphic">
+          <ac:chgData name="cristiano tessarolo" userId="c36b394d4ec160dc" providerId="LiveId" clId="{7AF579D0-4467-4C07-B5C6-9E169660DA9B}" dt="2018-01-24T21:38:02.660" v="389" actId="27309"/>
+          <ac:graphicFrameMkLst>
+            <pc:docMk/>
+            <pc:sldMk cId="585640194" sldId="294"/>
+            <ac:graphicFrameMk id="4" creationId="{DB47B004-5B61-48B3-85F4-EB4566E28D18}"/>
+          </ac:graphicFrameMkLst>
+        </pc:graphicFrameChg>
+      </pc:sldChg>
+      <pc:sldChg chg="addSp delSp">
+        <pc:chgData name="cristiano tessarolo" userId="c36b394d4ec160dc" providerId="LiveId" clId="{7AF579D0-4467-4C07-B5C6-9E169660DA9B}" dt="2018-01-24T21:38:23.163" v="395"/>
+        <pc:sldMkLst>
+          <pc:docMk/>
+          <pc:sldMk cId="937186357" sldId="295"/>
+        </pc:sldMkLst>
+        <pc:spChg chg="add del">
+          <ac:chgData name="cristiano tessarolo" userId="c36b394d4ec160dc" providerId="LiveId" clId="{7AF579D0-4467-4C07-B5C6-9E169660DA9B}" dt="2018-01-24T21:38:18.556" v="393" actId="478"/>
+          <ac:spMkLst>
+            <pc:docMk/>
+            <pc:sldMk cId="937186357" sldId="295"/>
+            <ac:spMk id="16" creationId="{88EA1456-A383-45D3-9031-C96DAB5554B0}"/>
+          </ac:spMkLst>
+        </pc:spChg>
+        <pc:spChg chg="add del">
+          <ac:chgData name="cristiano tessarolo" userId="c36b394d4ec160dc" providerId="LiveId" clId="{7AF579D0-4467-4C07-B5C6-9E169660DA9B}" dt="2018-01-24T21:38:21.707" v="394" actId="478"/>
+          <ac:spMkLst>
+            <pc:docMk/>
+            <pc:sldMk cId="937186357" sldId="295"/>
+            <ac:spMk id="17" creationId="{C9684CEE-22E0-4457-8880-4AFDED110B1C}"/>
+          </ac:spMkLst>
+        </pc:spChg>
+        <pc:spChg chg="add">
+          <ac:chgData name="cristiano tessarolo" userId="c36b394d4ec160dc" providerId="LiveId" clId="{7AF579D0-4467-4C07-B5C6-9E169660DA9B}" dt="2018-01-24T21:38:23.163" v="395"/>
+          <ac:spMkLst>
+            <pc:docMk/>
+            <pc:sldMk cId="937186357" sldId="295"/>
+            <ac:spMk id="18" creationId="{B68FC554-5306-41FC-81B8-51C139A6A873}"/>
+          </ac:spMkLst>
+        </pc:spChg>
+        <pc:spChg chg="add">
+          <ac:chgData name="cristiano tessarolo" userId="c36b394d4ec160dc" providerId="LiveId" clId="{7AF579D0-4467-4C07-B5C6-9E169660DA9B}" dt="2018-01-24T21:38:23.163" v="395"/>
+          <ac:spMkLst>
+            <pc:docMk/>
+            <pc:sldMk cId="937186357" sldId="295"/>
+            <ac:spMk id="19" creationId="{0FAF21A0-BAC6-4352-92F9-C42232A50EE7}"/>
+          </ac:spMkLst>
+        </pc:spChg>
+      </pc:sldChg>
+      <pc:sldChg chg="addSp">
+        <pc:chgData name="cristiano tessarolo" userId="c36b394d4ec160dc" providerId="LiveId" clId="{7AF579D0-4467-4C07-B5C6-9E169660DA9B}" dt="2018-01-24T21:38:38.435" v="399"/>
+        <pc:sldMkLst>
+          <pc:docMk/>
+          <pc:sldMk cId="16807" sldId="296"/>
+        </pc:sldMkLst>
+        <pc:spChg chg="add">
+          <ac:chgData name="cristiano tessarolo" userId="c36b394d4ec160dc" providerId="LiveId" clId="{7AF579D0-4467-4C07-B5C6-9E169660DA9B}" dt="2018-01-24T21:38:38.435" v="399"/>
+          <ac:spMkLst>
+            <pc:docMk/>
+            <pc:sldMk cId="16807" sldId="296"/>
+            <ac:spMk id="20" creationId="{8CF9B273-C103-4D07-BF71-9B9AAEB1DFE3}"/>
+          </ac:spMkLst>
+        </pc:spChg>
+        <pc:spChg chg="add">
+          <ac:chgData name="cristiano tessarolo" userId="c36b394d4ec160dc" providerId="LiveId" clId="{7AF579D0-4467-4C07-B5C6-9E169660DA9B}" dt="2018-01-24T21:38:38.435" v="399"/>
+          <ac:spMkLst>
+            <pc:docMk/>
+            <pc:sldMk cId="16807" sldId="296"/>
+            <ac:spMk id="21" creationId="{AEF53ABF-FDB2-4278-9412-9FD436D2206E}"/>
+          </ac:spMkLst>
+        </pc:spChg>
+      </pc:sldChg>
+      <pc:sldChg chg="addSp delSp">
+        <pc:chgData name="cristiano tessarolo" userId="c36b394d4ec160dc" providerId="LiveId" clId="{7AF579D0-4467-4C07-B5C6-9E169660DA9B}" dt="2018-01-24T21:38:11.645" v="392"/>
+        <pc:sldMkLst>
+          <pc:docMk/>
+          <pc:sldMk cId="16807" sldId="297"/>
+        </pc:sldMkLst>
+        <pc:spChg chg="add del">
+          <ac:chgData name="cristiano tessarolo" userId="c36b394d4ec160dc" providerId="LiveId" clId="{7AF579D0-4467-4C07-B5C6-9E169660DA9B}" dt="2018-01-24T21:38:08.187" v="390" actId="478"/>
+          <ac:spMkLst>
+            <pc:docMk/>
+            <pc:sldMk cId="16807" sldId="297"/>
+            <ac:spMk id="6" creationId="{3F110DCB-410C-46E6-8D89-7F2A6EB23E0B}"/>
+          </ac:spMkLst>
+        </pc:spChg>
+        <pc:spChg chg="add del">
+          <ac:chgData name="cristiano tessarolo" userId="c36b394d4ec160dc" providerId="LiveId" clId="{7AF579D0-4467-4C07-B5C6-9E169660DA9B}" dt="2018-01-24T21:38:10.560" v="391" actId="478"/>
+          <ac:spMkLst>
+            <pc:docMk/>
+            <pc:sldMk cId="16807" sldId="297"/>
+            <ac:spMk id="7" creationId="{9A11A551-8B86-4334-9B6E-47FD6DF99FED}"/>
+          </ac:spMkLst>
+        </pc:spChg>
+        <pc:spChg chg="add">
+          <ac:chgData name="cristiano tessarolo" userId="c36b394d4ec160dc" providerId="LiveId" clId="{7AF579D0-4467-4C07-B5C6-9E169660DA9B}" dt="2018-01-24T21:38:11.645" v="392"/>
+          <ac:spMkLst>
+            <pc:docMk/>
+            <pc:sldMk cId="16807" sldId="297"/>
+            <ac:spMk id="8" creationId="{5731464A-34B6-46DD-B4D6-BC60B5D2CD73}"/>
+          </ac:spMkLst>
+        </pc:spChg>
+        <pc:spChg chg="add">
+          <ac:chgData name="cristiano tessarolo" userId="c36b394d4ec160dc" providerId="LiveId" clId="{7AF579D0-4467-4C07-B5C6-9E169660DA9B}" dt="2018-01-24T21:38:11.645" v="392"/>
+          <ac:spMkLst>
+            <pc:docMk/>
+            <pc:sldMk cId="16807" sldId="297"/>
+            <ac:spMk id="9" creationId="{0F91B99E-E673-4A93-AF45-AC74B5C1C33B}"/>
+          </ac:spMkLst>
+        </pc:spChg>
+      </pc:sldChg>
+      <pc:sldChg chg="addSp delSp modSp">
+        <pc:chgData name="cristiano tessarolo" userId="c36b394d4ec160dc" providerId="LiveId" clId="{7AF579D0-4467-4C07-B5C6-9E169660DA9B}" dt="2018-01-24T21:39:19.963" v="416"/>
+        <pc:sldMkLst>
+          <pc:docMk/>
+          <pc:sldMk cId="1137522503" sldId="298"/>
+        </pc:sldMkLst>
+        <pc:spChg chg="add">
+          <ac:chgData name="cristiano tessarolo" userId="c36b394d4ec160dc" providerId="LiveId" clId="{7AF579D0-4467-4C07-B5C6-9E169660DA9B}" dt="2018-01-24T21:39:19.963" v="416"/>
+          <ac:spMkLst>
+            <pc:docMk/>
+            <pc:sldMk cId="1137522503" sldId="298"/>
+            <ac:spMk id="11" creationId="{245B46A8-E2E4-4EB0-B1A4-13AEB3E51F28}"/>
+          </ac:spMkLst>
+        </pc:spChg>
+        <pc:spChg chg="add">
+          <ac:chgData name="cristiano tessarolo" userId="c36b394d4ec160dc" providerId="LiveId" clId="{7AF579D0-4467-4C07-B5C6-9E169660DA9B}" dt="2018-01-24T21:39:19.963" v="416"/>
+          <ac:spMkLst>
+            <pc:docMk/>
+            <pc:sldMk cId="1137522503" sldId="298"/>
+            <ac:spMk id="12" creationId="{D0A454A6-62DE-4B5F-9E88-95FDD8522D69}"/>
+          </ac:spMkLst>
+        </pc:spChg>
+        <pc:graphicFrameChg chg="add del modGraphic">
+          <ac:chgData name="cristiano tessarolo" userId="c36b394d4ec160dc" providerId="LiveId" clId="{7AF579D0-4467-4C07-B5C6-9E169660DA9B}" dt="2018-01-24T21:39:03.855" v="405" actId="27309"/>
+          <ac:graphicFrameMkLst>
+            <pc:docMk/>
+            <pc:sldMk cId="1137522503" sldId="298"/>
+            <ac:graphicFrameMk id="5" creationId="{06C0DE7B-96F3-469A-9FD1-DE88E3407FE1}"/>
+          </ac:graphicFrameMkLst>
+        </pc:graphicFrameChg>
+      </pc:sldChg>
+      <pc:sldChg chg="addSp">
+        <pc:chgData name="cristiano tessarolo" userId="c36b394d4ec160dc" providerId="LiveId" clId="{7AF579D0-4467-4C07-B5C6-9E169660DA9B}" dt="2018-01-24T21:39:24.805" v="418"/>
+        <pc:sldMkLst>
+          <pc:docMk/>
+          <pc:sldMk cId="16807" sldId="299"/>
+        </pc:sldMkLst>
+        <pc:spChg chg="add">
+          <ac:chgData name="cristiano tessarolo" userId="c36b394d4ec160dc" providerId="LiveId" clId="{7AF579D0-4467-4C07-B5C6-9E169660DA9B}" dt="2018-01-24T21:39:24.805" v="418"/>
+          <ac:spMkLst>
+            <pc:docMk/>
+            <pc:sldMk cId="16807" sldId="299"/>
+            <ac:spMk id="20" creationId="{AE83EB38-EF14-4100-94EC-FA57951964F8}"/>
+          </ac:spMkLst>
+        </pc:spChg>
+        <pc:spChg chg="add">
+          <ac:chgData name="cristiano tessarolo" userId="c36b394d4ec160dc" providerId="LiveId" clId="{7AF579D0-4467-4C07-B5C6-9E169660DA9B}" dt="2018-01-24T21:39:24.805" v="418"/>
+          <ac:spMkLst>
+            <pc:docMk/>
+            <pc:sldMk cId="16807" sldId="299"/>
+            <ac:spMk id="21" creationId="{AD799F3F-BFA0-486B-93F5-6C1EC26740E7}"/>
+          </ac:spMkLst>
+        </pc:spChg>
+      </pc:sldChg>
+      <pc:sldChg chg="addSp">
+        <pc:chgData name="cristiano tessarolo" userId="c36b394d4ec160dc" providerId="LiveId" clId="{7AF579D0-4467-4C07-B5C6-9E169660DA9B}" dt="2018-01-24T21:39:27.324" v="419"/>
+        <pc:sldMkLst>
+          <pc:docMk/>
+          <pc:sldMk cId="16807" sldId="300"/>
+        </pc:sldMkLst>
+        <pc:spChg chg="add">
+          <ac:chgData name="cristiano tessarolo" userId="c36b394d4ec160dc" providerId="LiveId" clId="{7AF579D0-4467-4C07-B5C6-9E169660DA9B}" dt="2018-01-24T21:39:27.324" v="419"/>
+          <ac:spMkLst>
+            <pc:docMk/>
+            <pc:sldMk cId="16807" sldId="300"/>
+            <ac:spMk id="12" creationId="{10D5894C-CFB7-44C5-A888-EA435AB12270}"/>
+          </ac:spMkLst>
+        </pc:spChg>
+        <pc:spChg chg="add">
+          <ac:chgData name="cristiano tessarolo" userId="c36b394d4ec160dc" providerId="LiveId" clId="{7AF579D0-4467-4C07-B5C6-9E169660DA9B}" dt="2018-01-24T21:39:27.324" v="419"/>
+          <ac:spMkLst>
+            <pc:docMk/>
+            <pc:sldMk cId="16807" sldId="300"/>
+            <ac:spMk id="13" creationId="{674CDBC2-0882-41A3-9BB5-AA6C0A0D9DDC}"/>
+          </ac:spMkLst>
+        </pc:spChg>
+      </pc:sldChg>
+      <pc:sldChg chg="addSp">
+        <pc:chgData name="cristiano tessarolo" userId="c36b394d4ec160dc" providerId="LiveId" clId="{7AF579D0-4467-4C07-B5C6-9E169660DA9B}" dt="2018-01-24T21:39:29.517" v="420"/>
+        <pc:sldMkLst>
+          <pc:docMk/>
+          <pc:sldMk cId="156091745" sldId="301"/>
+        </pc:sldMkLst>
+        <pc:spChg chg="add">
+          <ac:chgData name="cristiano tessarolo" userId="c36b394d4ec160dc" providerId="LiveId" clId="{7AF579D0-4467-4C07-B5C6-9E169660DA9B}" dt="2018-01-24T21:39:29.517" v="420"/>
+          <ac:spMkLst>
+            <pc:docMk/>
+            <pc:sldMk cId="156091745" sldId="301"/>
+            <ac:spMk id="13" creationId="{F934B7F0-0549-445F-ACB9-1ABA2DA8D6EC}"/>
+          </ac:spMkLst>
+        </pc:spChg>
+        <pc:spChg chg="add">
+          <ac:chgData name="cristiano tessarolo" userId="c36b394d4ec160dc" providerId="LiveId" clId="{7AF579D0-4467-4C07-B5C6-9E169660DA9B}" dt="2018-01-24T21:39:29.517" v="420"/>
+          <ac:spMkLst>
+            <pc:docMk/>
+            <pc:sldMk cId="156091745" sldId="301"/>
+            <ac:spMk id="16" creationId="{F42068EA-97C8-43E8-A93C-7C78BEBBE760}"/>
+          </ac:spMkLst>
+        </pc:spChg>
+      </pc:sldChg>
+      <pc:sldChg chg="addSp">
+        <pc:chgData name="cristiano tessarolo" userId="c36b394d4ec160dc" providerId="LiveId" clId="{7AF579D0-4467-4C07-B5C6-9E169660DA9B}" dt="2018-01-24T21:39:33.389" v="422"/>
+        <pc:sldMkLst>
+          <pc:docMk/>
+          <pc:sldMk cId="1622650073" sldId="302"/>
+        </pc:sldMkLst>
+        <pc:spChg chg="add">
+          <ac:chgData name="cristiano tessarolo" userId="c36b394d4ec160dc" providerId="LiveId" clId="{7AF579D0-4467-4C07-B5C6-9E169660DA9B}" dt="2018-01-24T21:39:33.389" v="422"/>
+          <ac:spMkLst>
+            <pc:docMk/>
+            <pc:sldMk cId="1622650073" sldId="302"/>
+            <ac:spMk id="30" creationId="{2DC95690-546E-4D14-8BDC-76D1B8FCFE6E}"/>
+          </ac:spMkLst>
+        </pc:spChg>
+        <pc:spChg chg="add">
+          <ac:chgData name="cristiano tessarolo" userId="c36b394d4ec160dc" providerId="LiveId" clId="{7AF579D0-4467-4C07-B5C6-9E169660DA9B}" dt="2018-01-24T21:39:33.389" v="422"/>
+          <ac:spMkLst>
+            <pc:docMk/>
+            <pc:sldMk cId="1622650073" sldId="302"/>
+            <ac:spMk id="31" creationId="{601B61F4-1C89-4337-A035-EF5718D4F47B}"/>
+          </ac:spMkLst>
+        </pc:spChg>
+      </pc:sldChg>
+      <pc:sldChg chg="addSp modSp">
+        <pc:chgData name="cristiano tessarolo" userId="c36b394d4ec160dc" providerId="LiveId" clId="{7AF579D0-4467-4C07-B5C6-9E169660DA9B}" dt="2018-01-24T21:39:35.203" v="423"/>
         <pc:sldMkLst>
           <pc:docMk/>
           <pc:sldMk cId="16807" sldId="304"/>
@@ -207,6 +745,130 @@
             <pc:docMk/>
             <pc:sldMk cId="16807" sldId="304"/>
             <ac:spMk id="4" creationId="{00000000-0000-0000-0000-000000000000}"/>
+          </ac:spMkLst>
+        </pc:spChg>
+        <pc:spChg chg="add">
+          <ac:chgData name="cristiano tessarolo" userId="c36b394d4ec160dc" providerId="LiveId" clId="{7AF579D0-4467-4C07-B5C6-9E169660DA9B}" dt="2018-01-24T21:39:35.203" v="423"/>
+          <ac:spMkLst>
+            <pc:docMk/>
+            <pc:sldMk cId="16807" sldId="304"/>
+            <ac:spMk id="17" creationId="{B4D2913E-060F-4B50-87F7-13E42BB17F91}"/>
+          </ac:spMkLst>
+        </pc:spChg>
+        <pc:spChg chg="add">
+          <ac:chgData name="cristiano tessarolo" userId="c36b394d4ec160dc" providerId="LiveId" clId="{7AF579D0-4467-4C07-B5C6-9E169660DA9B}" dt="2018-01-24T21:39:35.203" v="423"/>
+          <ac:spMkLst>
+            <pc:docMk/>
+            <pc:sldMk cId="16807" sldId="304"/>
+            <ac:spMk id="18" creationId="{3315F6DE-FF52-4406-B785-FF1B2EE88267}"/>
+          </ac:spMkLst>
+        </pc:spChg>
+      </pc:sldChg>
+      <pc:sldChg chg="addSp">
+        <pc:chgData name="cristiano tessarolo" userId="c36b394d4ec160dc" providerId="LiveId" clId="{7AF579D0-4467-4C07-B5C6-9E169660DA9B}" dt="2018-01-24T21:39:38.945" v="425"/>
+        <pc:sldMkLst>
+          <pc:docMk/>
+          <pc:sldMk cId="16807" sldId="305"/>
+        </pc:sldMkLst>
+        <pc:spChg chg="add">
+          <ac:chgData name="cristiano tessarolo" userId="c36b394d4ec160dc" providerId="LiveId" clId="{7AF579D0-4467-4C07-B5C6-9E169660DA9B}" dt="2018-01-24T21:39:38.945" v="425"/>
+          <ac:spMkLst>
+            <pc:docMk/>
+            <pc:sldMk cId="16807" sldId="305"/>
+            <ac:spMk id="6" creationId="{708EA82E-4FC4-4EF9-A5C7-3029AF7D5BE3}"/>
+          </ac:spMkLst>
+        </pc:spChg>
+        <pc:spChg chg="add">
+          <ac:chgData name="cristiano tessarolo" userId="c36b394d4ec160dc" providerId="LiveId" clId="{7AF579D0-4467-4C07-B5C6-9E169660DA9B}" dt="2018-01-24T21:39:38.945" v="425"/>
+          <ac:spMkLst>
+            <pc:docMk/>
+            <pc:sldMk cId="16807" sldId="305"/>
+            <ac:spMk id="7" creationId="{6BA64E11-DE94-4C87-8957-BD1E7BC04185}"/>
+          </ac:spMkLst>
+        </pc:spChg>
+      </pc:sldChg>
+      <pc:sldChg chg="addSp modSp">
+        <pc:chgData name="cristiano tessarolo" userId="c36b394d4ec160dc" providerId="LiveId" clId="{7AF579D0-4467-4C07-B5C6-9E169660DA9B}" dt="2018-01-24T21:39:40.989" v="426"/>
+        <pc:sldMkLst>
+          <pc:docMk/>
+          <pc:sldMk cId="16807" sldId="306"/>
+        </pc:sldMkLst>
+        <pc:spChg chg="mod">
+          <ac:chgData name="cristiano tessarolo" userId="c36b394d4ec160dc" providerId="LiveId" clId="{7AF579D0-4467-4C07-B5C6-9E169660DA9B}" dt="2018-01-24T21:23:17.444" v="56" actId="20577"/>
+          <ac:spMkLst>
+            <pc:docMk/>
+            <pc:sldMk cId="16807" sldId="306"/>
+            <ac:spMk id="11" creationId="{B275F4EB-FEE7-4985-B045-2CE74D43A1E4}"/>
+          </ac:spMkLst>
+        </pc:spChg>
+        <pc:spChg chg="add">
+          <ac:chgData name="cristiano tessarolo" userId="c36b394d4ec160dc" providerId="LiveId" clId="{7AF579D0-4467-4C07-B5C6-9E169660DA9B}" dt="2018-01-24T21:39:40.989" v="426"/>
+          <ac:spMkLst>
+            <pc:docMk/>
+            <pc:sldMk cId="16807" sldId="306"/>
+            <ac:spMk id="12" creationId="{69448F9A-6459-4874-8FE5-4F6291F4CCCC}"/>
+          </ac:spMkLst>
+        </pc:spChg>
+        <pc:spChg chg="add">
+          <ac:chgData name="cristiano tessarolo" userId="c36b394d4ec160dc" providerId="LiveId" clId="{7AF579D0-4467-4C07-B5C6-9E169660DA9B}" dt="2018-01-24T21:39:40.989" v="426"/>
+          <ac:spMkLst>
+            <pc:docMk/>
+            <pc:sldMk cId="16807" sldId="306"/>
+            <ac:spMk id="13" creationId="{1A13698B-F843-4084-A9CD-C063FF90455D}"/>
+          </ac:spMkLst>
+        </pc:spChg>
+      </pc:sldChg>
+      <pc:sldChg chg="addSp modSp">
+        <pc:chgData name="cristiano tessarolo" userId="c36b394d4ec160dc" providerId="LiveId" clId="{7AF579D0-4467-4C07-B5C6-9E169660DA9B}" dt="2018-01-24T21:39:42.807" v="427"/>
+        <pc:sldMkLst>
+          <pc:docMk/>
+          <pc:sldMk cId="16807" sldId="307"/>
+        </pc:sldMkLst>
+        <pc:spChg chg="mod">
+          <ac:chgData name="cristiano tessarolo" userId="c36b394d4ec160dc" providerId="LiveId" clId="{7AF579D0-4467-4C07-B5C6-9E169660DA9B}" dt="2018-01-24T21:22:57.439" v="50" actId="20577"/>
+          <ac:spMkLst>
+            <pc:docMk/>
+            <pc:sldMk cId="16807" sldId="307"/>
+            <ac:spMk id="11" creationId="{B275F4EB-FEE7-4985-B045-2CE74D43A1E4}"/>
+          </ac:spMkLst>
+        </pc:spChg>
+        <pc:spChg chg="add">
+          <ac:chgData name="cristiano tessarolo" userId="c36b394d4ec160dc" providerId="LiveId" clId="{7AF579D0-4467-4C07-B5C6-9E169660DA9B}" dt="2018-01-24T21:39:42.807" v="427"/>
+          <ac:spMkLst>
+            <pc:docMk/>
+            <pc:sldMk cId="16807" sldId="307"/>
+            <ac:spMk id="12" creationId="{CC033BB8-7834-47B3-88F5-BD0657240AF4}"/>
+          </ac:spMkLst>
+        </pc:spChg>
+        <pc:spChg chg="add">
+          <ac:chgData name="cristiano tessarolo" userId="c36b394d4ec160dc" providerId="LiveId" clId="{7AF579D0-4467-4C07-B5C6-9E169660DA9B}" dt="2018-01-24T21:39:42.807" v="427"/>
+          <ac:spMkLst>
+            <pc:docMk/>
+            <pc:sldMk cId="16807" sldId="307"/>
+            <ac:spMk id="19" creationId="{757E1710-85EC-4DFC-8758-79FA1B0660B9}"/>
+          </ac:spMkLst>
+        </pc:spChg>
+      </pc:sldChg>
+      <pc:sldChg chg="addSp">
+        <pc:chgData name="cristiano tessarolo" userId="c36b394d4ec160dc" providerId="LiveId" clId="{7AF579D0-4467-4C07-B5C6-9E169660DA9B}" dt="2018-01-24T21:39:44.595" v="428"/>
+        <pc:sldMkLst>
+          <pc:docMk/>
+          <pc:sldMk cId="1817129560" sldId="308"/>
+        </pc:sldMkLst>
+        <pc:spChg chg="add">
+          <ac:chgData name="cristiano tessarolo" userId="c36b394d4ec160dc" providerId="LiveId" clId="{7AF579D0-4467-4C07-B5C6-9E169660DA9B}" dt="2018-01-24T21:39:44.595" v="428"/>
+          <ac:spMkLst>
+            <pc:docMk/>
+            <pc:sldMk cId="1817129560" sldId="308"/>
+            <ac:spMk id="4" creationId="{CE947E0C-97C8-4D31-BDDD-6253C61BBBCD}"/>
+          </ac:spMkLst>
+        </pc:spChg>
+        <pc:spChg chg="add">
+          <ac:chgData name="cristiano tessarolo" userId="c36b394d4ec160dc" providerId="LiveId" clId="{7AF579D0-4467-4C07-B5C6-9E169660DA9B}" dt="2018-01-24T21:39:44.595" v="428"/>
+          <ac:spMkLst>
+            <pc:docMk/>
+            <pc:sldMk cId="1817129560" sldId="308"/>
+            <ac:spMk id="5" creationId="{9712F275-03EB-4332-B7E9-E5546C6124DD}"/>
           </ac:spMkLst>
         </pc:spChg>
       </pc:sldChg>
@@ -224,19 +886,51 @@
           <pc:sldMk cId="16807" sldId="310"/>
         </pc:sldMkLst>
       </pc:sldChg>
-      <pc:sldChg chg="add">
-        <pc:chgData name="cristiano tessarolo" userId="c36b394d4ec160dc" providerId="LiveId" clId="{7AF579D0-4467-4C07-B5C6-9E169660DA9B}" dt="2018-01-24T10:37:10.500" v="45" actId="2696"/>
+      <pc:sldChg chg="addSp add">
+        <pc:chgData name="cristiano tessarolo" userId="c36b394d4ec160dc" providerId="LiveId" clId="{7AF579D0-4467-4C07-B5C6-9E169660DA9B}" dt="2018-01-24T21:39:46.305" v="429"/>
         <pc:sldMkLst>
           <pc:docMk/>
           <pc:sldMk cId="740619066" sldId="311"/>
         </pc:sldMkLst>
+        <pc:spChg chg="add">
+          <ac:chgData name="cristiano tessarolo" userId="c36b394d4ec160dc" providerId="LiveId" clId="{7AF579D0-4467-4C07-B5C6-9E169660DA9B}" dt="2018-01-24T21:39:46.305" v="429"/>
+          <ac:spMkLst>
+            <pc:docMk/>
+            <pc:sldMk cId="740619066" sldId="311"/>
+            <ac:spMk id="6" creationId="{13031C59-E859-4579-AD91-91622DA7291C}"/>
+          </ac:spMkLst>
+        </pc:spChg>
+        <pc:spChg chg="add">
+          <ac:chgData name="cristiano tessarolo" userId="c36b394d4ec160dc" providerId="LiveId" clId="{7AF579D0-4467-4C07-B5C6-9E169660DA9B}" dt="2018-01-24T21:39:46.305" v="429"/>
+          <ac:spMkLst>
+            <pc:docMk/>
+            <pc:sldMk cId="740619066" sldId="311"/>
+            <ac:spMk id="7" creationId="{B718A68D-830C-454E-8B2D-BD4EB1813C17}"/>
+          </ac:spMkLst>
+        </pc:spChg>
       </pc:sldChg>
-      <pc:sldChg chg="add">
-        <pc:chgData name="cristiano tessarolo" userId="c36b394d4ec160dc" providerId="LiveId" clId="{7AF579D0-4467-4C07-B5C6-9E169660DA9B}" dt="2018-01-24T10:37:10.500" v="45" actId="2696"/>
+      <pc:sldChg chg="addSp add">
+        <pc:chgData name="cristiano tessarolo" userId="c36b394d4ec160dc" providerId="LiveId" clId="{7AF579D0-4467-4C07-B5C6-9E169660DA9B}" dt="2018-01-24T21:39:47.925" v="430"/>
         <pc:sldMkLst>
           <pc:docMk/>
           <pc:sldMk cId="1195765674" sldId="312"/>
         </pc:sldMkLst>
+        <pc:spChg chg="add">
+          <ac:chgData name="cristiano tessarolo" userId="c36b394d4ec160dc" providerId="LiveId" clId="{7AF579D0-4467-4C07-B5C6-9E169660DA9B}" dt="2018-01-24T21:39:47.925" v="430"/>
+          <ac:spMkLst>
+            <pc:docMk/>
+            <pc:sldMk cId="1195765674" sldId="312"/>
+            <ac:spMk id="6" creationId="{7B633744-0388-4BC3-A49E-7A9D67C5612B}"/>
+          </ac:spMkLst>
+        </pc:spChg>
+        <pc:spChg chg="add">
+          <ac:chgData name="cristiano tessarolo" userId="c36b394d4ec160dc" providerId="LiveId" clId="{7AF579D0-4467-4C07-B5C6-9E169660DA9B}" dt="2018-01-24T21:39:47.925" v="430"/>
+          <ac:spMkLst>
+            <pc:docMk/>
+            <pc:sldMk cId="1195765674" sldId="312"/>
+            <ac:spMk id="8" creationId="{622323D8-46BF-4815-959B-765DA801A1C3}"/>
+          </ac:spMkLst>
+        </pc:spChg>
       </pc:sldChg>
     </pc:docChg>
   </pc:docChgLst>
@@ -1545,10 +2239,6 @@
           <a:bodyPr/>
           <a:lstStyle/>
           <a:p>
-            <a:fld id="{625DEF7B-A403-4635-A96E-2BB07A00A0B8}" type="datetimeFigureOut">
-              <a:rPr lang="zh-CN" altLang="en-US" smtClean="0"/>
-              <a:t>2018/1/24</a:t>
-            </a:fld>
             <a:endParaRPr lang="zh-CN" altLang="en-US"/>
           </a:p>
         </p:txBody>
@@ -2080,6 +2770,7 @@
     <p:sldLayoutId id="2147493492" r:id="rId10"/>
     <p:sldLayoutId id="2147493494" r:id="rId11"/>
   </p:sldLayoutIdLst>
+  <p:hf hdr="0" ftr="0" dt="0"/>
   <p:txStyles>
     <p:titleStyle>
       <a:lvl1pPr algn="ctr" defTabSz="457124" rtl="0" eaLnBrk="1" latinLnBrk="0" hangingPunct="1">
@@ -2352,7 +3043,13 @@
       </p:grpSpPr>
       <p:pic>
         <p:nvPicPr>
-          <p:cNvPr id="1026" name="Picture 2"/>
+          <p:cNvPr id="18" name="Picture 2">
+            <a:extLst>
+              <a:ext uri="{FF2B5EF4-FFF2-40B4-BE49-F238E27FC236}">
+                <a16:creationId xmlns:a16="http://schemas.microsoft.com/office/drawing/2014/main" id="{3E534187-B17F-4E75-8249-C326A33455CC}"/>
+              </a:ext>
+            </a:extLst>
+          </p:cNvPr>
           <p:cNvPicPr>
             <a:picLocks noChangeAspect="1" noChangeArrowheads="1"/>
           </p:cNvPicPr>
@@ -2951,6 +3648,104 @@
           </a:prstGeom>
         </p:spPr>
       </p:pic>
+      <p:sp>
+        <p:nvSpPr>
+          <p:cNvPr id="12" name="Triangolo isoscele 11">
+            <a:extLst>
+              <a:ext uri="{FF2B5EF4-FFF2-40B4-BE49-F238E27FC236}">
+                <a16:creationId xmlns:a16="http://schemas.microsoft.com/office/drawing/2014/main" id="{561CE458-15EF-432E-A780-F7607658207F}"/>
+              </a:ext>
+            </a:extLst>
+          </p:cNvPr>
+          <p:cNvSpPr/>
+          <p:nvPr/>
+        </p:nvSpPr>
+        <p:spPr>
+          <a:xfrm>
+            <a:off x="8286750" y="6143437"/>
+            <a:ext cx="878889" cy="703983"/>
+          </a:xfrm>
+          <a:prstGeom prst="triangle">
+            <a:avLst>
+              <a:gd name="adj" fmla="val 100000"/>
+            </a:avLst>
+          </a:prstGeom>
+          <a:solidFill>
+            <a:schemeClr val="tx1">
+              <a:alpha val="18000"/>
+            </a:schemeClr>
+          </a:solidFill>
+          <a:ln>
+            <a:noFill/>
+          </a:ln>
+        </p:spPr>
+        <p:style>
+          <a:lnRef idx="1">
+            <a:schemeClr val="accent1"/>
+          </a:lnRef>
+          <a:fillRef idx="3">
+            <a:schemeClr val="accent1"/>
+          </a:fillRef>
+          <a:effectRef idx="2">
+            <a:schemeClr val="accent1"/>
+          </a:effectRef>
+          <a:fontRef idx="minor">
+            <a:schemeClr val="lt1"/>
+          </a:fontRef>
+        </p:style>
+        <p:txBody>
+          <a:bodyPr rtlCol="0" anchor="ctr"/>
+          <a:lstStyle/>
+          <a:p>
+            <a:pPr algn="ctr"/>
+            <a:endParaRPr lang="it-IT" dirty="0"/>
+          </a:p>
+        </p:txBody>
+      </p:sp>
+      <p:sp>
+        <p:nvSpPr>
+          <p:cNvPr id="11" name="Segnaposto numero diapositiva 10">
+            <a:extLst>
+              <a:ext uri="{FF2B5EF4-FFF2-40B4-BE49-F238E27FC236}">
+                <a16:creationId xmlns:a16="http://schemas.microsoft.com/office/drawing/2014/main" id="{70D85DDB-88B2-499A-BE1B-42AC54A2B3EB}"/>
+              </a:ext>
+            </a:extLst>
+          </p:cNvPr>
+          <p:cNvSpPr>
+            <a:spLocks noGrp="1"/>
+          </p:cNvSpPr>
+          <p:nvPr>
+            <p:ph type="sldNum" sz="quarter" idx="12"/>
+          </p:nvPr>
+        </p:nvSpPr>
+        <p:spPr>
+          <a:xfrm>
+            <a:off x="8443986" y="6391960"/>
+            <a:ext cx="637446" cy="365125"/>
+          </a:xfrm>
+        </p:spPr>
+        <p:txBody>
+          <a:bodyPr/>
+          <a:lstStyle/>
+          <a:p>
+            <a:pPr algn="r"/>
+            <a:fld id="{D02B8B2F-F691-4135-AF04-E5B2EA4DBD49}" type="slidenum">
+              <a:rPr lang="zh-CN" altLang="en-US" smtClean="0">
+                <a:solidFill>
+                  <a:schemeClr val="bg1"/>
+                </a:solidFill>
+              </a:rPr>
+              <a:pPr algn="r"/>
+              <a:t>1</a:t>
+            </a:fld>
+            <a:endParaRPr lang="zh-CN" altLang="en-US" dirty="0">
+              <a:solidFill>
+                <a:schemeClr val="bg1"/>
+              </a:solidFill>
+            </a:endParaRPr>
+          </a:p>
+        </p:txBody>
+      </p:sp>
     </p:spTree>
     <p:extLst>
       <p:ext uri="{BB962C8B-B14F-4D97-AF65-F5344CB8AC3E}">
@@ -3526,6 +4321,199 @@
           </a:p>
         </p:txBody>
       </p:sp>
+      <p:sp>
+        <p:nvSpPr>
+          <p:cNvPr id="10" name="Triangolo isoscele 9">
+            <a:extLst>
+              <a:ext uri="{FF2B5EF4-FFF2-40B4-BE49-F238E27FC236}">
+                <a16:creationId xmlns:a16="http://schemas.microsoft.com/office/drawing/2014/main" id="{F0546063-D4FC-42B7-9FB3-3CF7EEE2239C}"/>
+              </a:ext>
+            </a:extLst>
+          </p:cNvPr>
+          <p:cNvSpPr/>
+          <p:nvPr/>
+        </p:nvSpPr>
+        <p:spPr>
+          <a:xfrm>
+            <a:off x="8286750" y="6143437"/>
+            <a:ext cx="878889" cy="703983"/>
+          </a:xfrm>
+          <a:prstGeom prst="triangle">
+            <a:avLst>
+              <a:gd name="adj" fmla="val 100000"/>
+            </a:avLst>
+          </a:prstGeom>
+          <a:solidFill>
+            <a:schemeClr val="tx1">
+              <a:alpha val="18000"/>
+            </a:schemeClr>
+          </a:solidFill>
+          <a:ln>
+            <a:noFill/>
+          </a:ln>
+        </p:spPr>
+        <p:style>
+          <a:lnRef idx="1">
+            <a:schemeClr val="accent1"/>
+          </a:lnRef>
+          <a:fillRef idx="3">
+            <a:schemeClr val="accent1"/>
+          </a:fillRef>
+          <a:effectRef idx="2">
+            <a:schemeClr val="accent1"/>
+          </a:effectRef>
+          <a:fontRef idx="minor">
+            <a:schemeClr val="lt1"/>
+          </a:fontRef>
+        </p:style>
+        <p:txBody>
+          <a:bodyPr rtlCol="0" anchor="ctr"/>
+          <a:lstStyle/>
+          <a:p>
+            <a:pPr algn="ctr"/>
+            <a:endParaRPr lang="it-IT" dirty="0"/>
+          </a:p>
+        </p:txBody>
+      </p:sp>
+      <p:sp>
+        <p:nvSpPr>
+          <p:cNvPr id="11" name="Segnaposto numero diapositiva 10">
+            <a:extLst>
+              <a:ext uri="{FF2B5EF4-FFF2-40B4-BE49-F238E27FC236}">
+                <a16:creationId xmlns:a16="http://schemas.microsoft.com/office/drawing/2014/main" id="{4F59A709-7ECE-479B-B302-606E74E79B78}"/>
+              </a:ext>
+            </a:extLst>
+          </p:cNvPr>
+          <p:cNvSpPr txBox="1">
+            <a:spLocks/>
+          </p:cNvSpPr>
+          <p:nvPr/>
+        </p:nvSpPr>
+        <p:spPr>
+          <a:xfrm>
+            <a:off x="8539236" y="6391960"/>
+            <a:ext cx="637446" cy="365125"/>
+          </a:xfrm>
+          <a:prstGeom prst="rect">
+            <a:avLst/>
+          </a:prstGeom>
+        </p:spPr>
+        <p:txBody>
+          <a:bodyPr/>
+          <a:lstStyle>
+            <a:defPPr>
+              <a:defRPr lang="en-US"/>
+            </a:defPPr>
+            <a:lvl1pPr marL="0" algn="l" defTabSz="609630" rtl="0" eaLnBrk="1" latinLnBrk="0" hangingPunct="1">
+              <a:defRPr sz="2400" kern="1200">
+                <a:solidFill>
+                  <a:schemeClr val="tx1"/>
+                </a:solidFill>
+                <a:latin typeface="+mn-lt"/>
+                <a:ea typeface="+mn-ea"/>
+                <a:cs typeface="+mn-cs"/>
+              </a:defRPr>
+            </a:lvl1pPr>
+            <a:lvl2pPr marL="609630" algn="l" defTabSz="609630" rtl="0" eaLnBrk="1" latinLnBrk="0" hangingPunct="1">
+              <a:defRPr sz="2400" kern="1200">
+                <a:solidFill>
+                  <a:schemeClr val="tx1"/>
+                </a:solidFill>
+                <a:latin typeface="+mn-lt"/>
+                <a:ea typeface="+mn-ea"/>
+                <a:cs typeface="+mn-cs"/>
+              </a:defRPr>
+            </a:lvl2pPr>
+            <a:lvl3pPr marL="1219261" algn="l" defTabSz="609630" rtl="0" eaLnBrk="1" latinLnBrk="0" hangingPunct="1">
+              <a:defRPr sz="2400" kern="1200">
+                <a:solidFill>
+                  <a:schemeClr val="tx1"/>
+                </a:solidFill>
+                <a:latin typeface="+mn-lt"/>
+                <a:ea typeface="+mn-ea"/>
+                <a:cs typeface="+mn-cs"/>
+              </a:defRPr>
+            </a:lvl3pPr>
+            <a:lvl4pPr marL="1828891" algn="l" defTabSz="609630" rtl="0" eaLnBrk="1" latinLnBrk="0" hangingPunct="1">
+              <a:defRPr sz="2400" kern="1200">
+                <a:solidFill>
+                  <a:schemeClr val="tx1"/>
+                </a:solidFill>
+                <a:latin typeface="+mn-lt"/>
+                <a:ea typeface="+mn-ea"/>
+                <a:cs typeface="+mn-cs"/>
+              </a:defRPr>
+            </a:lvl4pPr>
+            <a:lvl5pPr marL="2438522" algn="l" defTabSz="609630" rtl="0" eaLnBrk="1" latinLnBrk="0" hangingPunct="1">
+              <a:defRPr sz="2400" kern="1200">
+                <a:solidFill>
+                  <a:schemeClr val="tx1"/>
+                </a:solidFill>
+                <a:latin typeface="+mn-lt"/>
+                <a:ea typeface="+mn-ea"/>
+                <a:cs typeface="+mn-cs"/>
+              </a:defRPr>
+            </a:lvl5pPr>
+            <a:lvl6pPr marL="3048152" algn="l" defTabSz="609630" rtl="0" eaLnBrk="1" latinLnBrk="0" hangingPunct="1">
+              <a:defRPr sz="2400" kern="1200">
+                <a:solidFill>
+                  <a:schemeClr val="tx1"/>
+                </a:solidFill>
+                <a:latin typeface="+mn-lt"/>
+                <a:ea typeface="+mn-ea"/>
+                <a:cs typeface="+mn-cs"/>
+              </a:defRPr>
+            </a:lvl6pPr>
+            <a:lvl7pPr marL="3657783" algn="l" defTabSz="609630" rtl="0" eaLnBrk="1" latinLnBrk="0" hangingPunct="1">
+              <a:defRPr sz="2400" kern="1200">
+                <a:solidFill>
+                  <a:schemeClr val="tx1"/>
+                </a:solidFill>
+                <a:latin typeface="+mn-lt"/>
+                <a:ea typeface="+mn-ea"/>
+                <a:cs typeface="+mn-cs"/>
+              </a:defRPr>
+            </a:lvl7pPr>
+            <a:lvl8pPr marL="4267413" algn="l" defTabSz="609630" rtl="0" eaLnBrk="1" latinLnBrk="0" hangingPunct="1">
+              <a:defRPr sz="2400" kern="1200">
+                <a:solidFill>
+                  <a:schemeClr val="tx1"/>
+                </a:solidFill>
+                <a:latin typeface="+mn-lt"/>
+                <a:ea typeface="+mn-ea"/>
+                <a:cs typeface="+mn-cs"/>
+              </a:defRPr>
+            </a:lvl8pPr>
+            <a:lvl9pPr marL="4877044" algn="l" defTabSz="609630" rtl="0" eaLnBrk="1" latinLnBrk="0" hangingPunct="1">
+              <a:defRPr sz="2400" kern="1200">
+                <a:solidFill>
+                  <a:schemeClr val="tx1"/>
+                </a:solidFill>
+                <a:latin typeface="+mn-lt"/>
+                <a:ea typeface="+mn-ea"/>
+                <a:cs typeface="+mn-cs"/>
+              </a:defRPr>
+            </a:lvl9pPr>
+          </a:lstStyle>
+          <a:p>
+            <a:pPr algn="r"/>
+            <a:fld id="{D02B8B2F-F691-4135-AF04-E5B2EA4DBD49}" type="slidenum">
+              <a:rPr lang="zh-CN" altLang="en-US" smtClean="0">
+                <a:solidFill>
+                  <a:schemeClr val="bg1"/>
+                </a:solidFill>
+              </a:rPr>
+              <a:pPr algn="r"/>
+              <a:t>10</a:t>
+            </a:fld>
+            <a:endParaRPr lang="zh-CN" altLang="en-US" dirty="0">
+              <a:solidFill>
+                <a:schemeClr val="bg1"/>
+              </a:solidFill>
+            </a:endParaRPr>
+          </a:p>
+        </p:txBody>
+      </p:sp>
     </p:spTree>
     <p:extLst>
       <p:ext uri="{BB962C8B-B14F-4D97-AF65-F5344CB8AC3E}">
@@ -3997,6 +4985,199 @@
                   </a:prstClr>
                 </a:innerShdw>
               </a:effectLst>
+            </a:endParaRPr>
+          </a:p>
+        </p:txBody>
+      </p:sp>
+      <p:sp>
+        <p:nvSpPr>
+          <p:cNvPr id="11" name="Triangolo isoscele 10">
+            <a:extLst>
+              <a:ext uri="{FF2B5EF4-FFF2-40B4-BE49-F238E27FC236}">
+                <a16:creationId xmlns:a16="http://schemas.microsoft.com/office/drawing/2014/main" id="{245B46A8-E2E4-4EB0-B1A4-13AEB3E51F28}"/>
+              </a:ext>
+            </a:extLst>
+          </p:cNvPr>
+          <p:cNvSpPr/>
+          <p:nvPr/>
+        </p:nvSpPr>
+        <p:spPr>
+          <a:xfrm>
+            <a:off x="8286750" y="6143437"/>
+            <a:ext cx="878889" cy="703983"/>
+          </a:xfrm>
+          <a:prstGeom prst="triangle">
+            <a:avLst>
+              <a:gd name="adj" fmla="val 100000"/>
+            </a:avLst>
+          </a:prstGeom>
+          <a:solidFill>
+            <a:schemeClr val="tx1">
+              <a:alpha val="18000"/>
+            </a:schemeClr>
+          </a:solidFill>
+          <a:ln>
+            <a:noFill/>
+          </a:ln>
+        </p:spPr>
+        <p:style>
+          <a:lnRef idx="1">
+            <a:schemeClr val="accent1"/>
+          </a:lnRef>
+          <a:fillRef idx="3">
+            <a:schemeClr val="accent1"/>
+          </a:fillRef>
+          <a:effectRef idx="2">
+            <a:schemeClr val="accent1"/>
+          </a:effectRef>
+          <a:fontRef idx="minor">
+            <a:schemeClr val="lt1"/>
+          </a:fontRef>
+        </p:style>
+        <p:txBody>
+          <a:bodyPr rtlCol="0" anchor="ctr"/>
+          <a:lstStyle/>
+          <a:p>
+            <a:pPr algn="ctr"/>
+            <a:endParaRPr lang="it-IT" dirty="0"/>
+          </a:p>
+        </p:txBody>
+      </p:sp>
+      <p:sp>
+        <p:nvSpPr>
+          <p:cNvPr id="12" name="Segnaposto numero diapositiva 10">
+            <a:extLst>
+              <a:ext uri="{FF2B5EF4-FFF2-40B4-BE49-F238E27FC236}">
+                <a16:creationId xmlns:a16="http://schemas.microsoft.com/office/drawing/2014/main" id="{D0A454A6-62DE-4B5F-9E88-95FDD8522D69}"/>
+              </a:ext>
+            </a:extLst>
+          </p:cNvPr>
+          <p:cNvSpPr txBox="1">
+            <a:spLocks/>
+          </p:cNvSpPr>
+          <p:nvPr/>
+        </p:nvSpPr>
+        <p:spPr>
+          <a:xfrm>
+            <a:off x="8539236" y="6391960"/>
+            <a:ext cx="637446" cy="365125"/>
+          </a:xfrm>
+          <a:prstGeom prst="rect">
+            <a:avLst/>
+          </a:prstGeom>
+        </p:spPr>
+        <p:txBody>
+          <a:bodyPr/>
+          <a:lstStyle>
+            <a:defPPr>
+              <a:defRPr lang="en-US"/>
+            </a:defPPr>
+            <a:lvl1pPr marL="0" algn="l" defTabSz="609630" rtl="0" eaLnBrk="1" latinLnBrk="0" hangingPunct="1">
+              <a:defRPr sz="2400" kern="1200">
+                <a:solidFill>
+                  <a:schemeClr val="tx1"/>
+                </a:solidFill>
+                <a:latin typeface="+mn-lt"/>
+                <a:ea typeface="+mn-ea"/>
+                <a:cs typeface="+mn-cs"/>
+              </a:defRPr>
+            </a:lvl1pPr>
+            <a:lvl2pPr marL="609630" algn="l" defTabSz="609630" rtl="0" eaLnBrk="1" latinLnBrk="0" hangingPunct="1">
+              <a:defRPr sz="2400" kern="1200">
+                <a:solidFill>
+                  <a:schemeClr val="tx1"/>
+                </a:solidFill>
+                <a:latin typeface="+mn-lt"/>
+                <a:ea typeface="+mn-ea"/>
+                <a:cs typeface="+mn-cs"/>
+              </a:defRPr>
+            </a:lvl2pPr>
+            <a:lvl3pPr marL="1219261" algn="l" defTabSz="609630" rtl="0" eaLnBrk="1" latinLnBrk="0" hangingPunct="1">
+              <a:defRPr sz="2400" kern="1200">
+                <a:solidFill>
+                  <a:schemeClr val="tx1"/>
+                </a:solidFill>
+                <a:latin typeface="+mn-lt"/>
+                <a:ea typeface="+mn-ea"/>
+                <a:cs typeface="+mn-cs"/>
+              </a:defRPr>
+            </a:lvl3pPr>
+            <a:lvl4pPr marL="1828891" algn="l" defTabSz="609630" rtl="0" eaLnBrk="1" latinLnBrk="0" hangingPunct="1">
+              <a:defRPr sz="2400" kern="1200">
+                <a:solidFill>
+                  <a:schemeClr val="tx1"/>
+                </a:solidFill>
+                <a:latin typeface="+mn-lt"/>
+                <a:ea typeface="+mn-ea"/>
+                <a:cs typeface="+mn-cs"/>
+              </a:defRPr>
+            </a:lvl4pPr>
+            <a:lvl5pPr marL="2438522" algn="l" defTabSz="609630" rtl="0" eaLnBrk="1" latinLnBrk="0" hangingPunct="1">
+              <a:defRPr sz="2400" kern="1200">
+                <a:solidFill>
+                  <a:schemeClr val="tx1"/>
+                </a:solidFill>
+                <a:latin typeface="+mn-lt"/>
+                <a:ea typeface="+mn-ea"/>
+                <a:cs typeface="+mn-cs"/>
+              </a:defRPr>
+            </a:lvl5pPr>
+            <a:lvl6pPr marL="3048152" algn="l" defTabSz="609630" rtl="0" eaLnBrk="1" latinLnBrk="0" hangingPunct="1">
+              <a:defRPr sz="2400" kern="1200">
+                <a:solidFill>
+                  <a:schemeClr val="tx1"/>
+                </a:solidFill>
+                <a:latin typeface="+mn-lt"/>
+                <a:ea typeface="+mn-ea"/>
+                <a:cs typeface="+mn-cs"/>
+              </a:defRPr>
+            </a:lvl6pPr>
+            <a:lvl7pPr marL="3657783" algn="l" defTabSz="609630" rtl="0" eaLnBrk="1" latinLnBrk="0" hangingPunct="1">
+              <a:defRPr sz="2400" kern="1200">
+                <a:solidFill>
+                  <a:schemeClr val="tx1"/>
+                </a:solidFill>
+                <a:latin typeface="+mn-lt"/>
+                <a:ea typeface="+mn-ea"/>
+                <a:cs typeface="+mn-cs"/>
+              </a:defRPr>
+            </a:lvl7pPr>
+            <a:lvl8pPr marL="4267413" algn="l" defTabSz="609630" rtl="0" eaLnBrk="1" latinLnBrk="0" hangingPunct="1">
+              <a:defRPr sz="2400" kern="1200">
+                <a:solidFill>
+                  <a:schemeClr val="tx1"/>
+                </a:solidFill>
+                <a:latin typeface="+mn-lt"/>
+                <a:ea typeface="+mn-ea"/>
+                <a:cs typeface="+mn-cs"/>
+              </a:defRPr>
+            </a:lvl8pPr>
+            <a:lvl9pPr marL="4877044" algn="l" defTabSz="609630" rtl="0" eaLnBrk="1" latinLnBrk="0" hangingPunct="1">
+              <a:defRPr sz="2400" kern="1200">
+                <a:solidFill>
+                  <a:schemeClr val="tx1"/>
+                </a:solidFill>
+                <a:latin typeface="+mn-lt"/>
+                <a:ea typeface="+mn-ea"/>
+                <a:cs typeface="+mn-cs"/>
+              </a:defRPr>
+            </a:lvl9pPr>
+          </a:lstStyle>
+          <a:p>
+            <a:pPr algn="r"/>
+            <a:fld id="{D02B8B2F-F691-4135-AF04-E5B2EA4DBD49}" type="slidenum">
+              <a:rPr lang="zh-CN" altLang="en-US" smtClean="0">
+                <a:solidFill>
+                  <a:schemeClr val="bg1"/>
+                </a:solidFill>
+              </a:rPr>
+              <a:pPr algn="r"/>
+              <a:t>11</a:t>
+            </a:fld>
+            <a:endParaRPr lang="zh-CN" altLang="en-US" dirty="0">
+              <a:solidFill>
+                <a:schemeClr val="bg1"/>
+              </a:solidFill>
             </a:endParaRPr>
           </a:p>
         </p:txBody>
@@ -4603,6 +5784,199 @@
               <a:t>lavoro</a:t>
             </a:r>
             <a:endParaRPr lang="en-US" altLang="zh-CN" sz="2800" dirty="0">
+              <a:solidFill>
+                <a:schemeClr val="bg1"/>
+              </a:solidFill>
+            </a:endParaRPr>
+          </a:p>
+        </p:txBody>
+      </p:sp>
+      <p:sp>
+        <p:nvSpPr>
+          <p:cNvPr id="6" name="Triangolo isoscele 5">
+            <a:extLst>
+              <a:ext uri="{FF2B5EF4-FFF2-40B4-BE49-F238E27FC236}">
+                <a16:creationId xmlns:a16="http://schemas.microsoft.com/office/drawing/2014/main" id="{F4811C53-18E9-4E1F-BC09-C2A1E878D641}"/>
+              </a:ext>
+            </a:extLst>
+          </p:cNvPr>
+          <p:cNvSpPr/>
+          <p:nvPr/>
+        </p:nvSpPr>
+        <p:spPr>
+          <a:xfrm>
+            <a:off x="8286750" y="6143437"/>
+            <a:ext cx="878889" cy="703983"/>
+          </a:xfrm>
+          <a:prstGeom prst="triangle">
+            <a:avLst>
+              <a:gd name="adj" fmla="val 100000"/>
+            </a:avLst>
+          </a:prstGeom>
+          <a:solidFill>
+            <a:schemeClr val="tx1">
+              <a:alpha val="18000"/>
+            </a:schemeClr>
+          </a:solidFill>
+          <a:ln>
+            <a:noFill/>
+          </a:ln>
+        </p:spPr>
+        <p:style>
+          <a:lnRef idx="1">
+            <a:schemeClr val="accent1"/>
+          </a:lnRef>
+          <a:fillRef idx="3">
+            <a:schemeClr val="accent1"/>
+          </a:fillRef>
+          <a:effectRef idx="2">
+            <a:schemeClr val="accent1"/>
+          </a:effectRef>
+          <a:fontRef idx="minor">
+            <a:schemeClr val="lt1"/>
+          </a:fontRef>
+        </p:style>
+        <p:txBody>
+          <a:bodyPr rtlCol="0" anchor="ctr"/>
+          <a:lstStyle/>
+          <a:p>
+            <a:pPr algn="ctr"/>
+            <a:endParaRPr lang="it-IT" dirty="0"/>
+          </a:p>
+        </p:txBody>
+      </p:sp>
+      <p:sp>
+        <p:nvSpPr>
+          <p:cNvPr id="7" name="Segnaposto numero diapositiva 10">
+            <a:extLst>
+              <a:ext uri="{FF2B5EF4-FFF2-40B4-BE49-F238E27FC236}">
+                <a16:creationId xmlns:a16="http://schemas.microsoft.com/office/drawing/2014/main" id="{50287E6C-60F8-4711-9730-7EF370C18770}"/>
+              </a:ext>
+            </a:extLst>
+          </p:cNvPr>
+          <p:cNvSpPr txBox="1">
+            <a:spLocks/>
+          </p:cNvSpPr>
+          <p:nvPr/>
+        </p:nvSpPr>
+        <p:spPr>
+          <a:xfrm>
+            <a:off x="8539236" y="6391960"/>
+            <a:ext cx="637446" cy="365125"/>
+          </a:xfrm>
+          <a:prstGeom prst="rect">
+            <a:avLst/>
+          </a:prstGeom>
+        </p:spPr>
+        <p:txBody>
+          <a:bodyPr/>
+          <a:lstStyle>
+            <a:defPPr>
+              <a:defRPr lang="en-US"/>
+            </a:defPPr>
+            <a:lvl1pPr marL="0" algn="l" defTabSz="609630" rtl="0" eaLnBrk="1" latinLnBrk="0" hangingPunct="1">
+              <a:defRPr sz="2400" kern="1200">
+                <a:solidFill>
+                  <a:schemeClr val="tx1"/>
+                </a:solidFill>
+                <a:latin typeface="+mn-lt"/>
+                <a:ea typeface="+mn-ea"/>
+                <a:cs typeface="+mn-cs"/>
+              </a:defRPr>
+            </a:lvl1pPr>
+            <a:lvl2pPr marL="609630" algn="l" defTabSz="609630" rtl="0" eaLnBrk="1" latinLnBrk="0" hangingPunct="1">
+              <a:defRPr sz="2400" kern="1200">
+                <a:solidFill>
+                  <a:schemeClr val="tx1"/>
+                </a:solidFill>
+                <a:latin typeface="+mn-lt"/>
+                <a:ea typeface="+mn-ea"/>
+                <a:cs typeface="+mn-cs"/>
+              </a:defRPr>
+            </a:lvl2pPr>
+            <a:lvl3pPr marL="1219261" algn="l" defTabSz="609630" rtl="0" eaLnBrk="1" latinLnBrk="0" hangingPunct="1">
+              <a:defRPr sz="2400" kern="1200">
+                <a:solidFill>
+                  <a:schemeClr val="tx1"/>
+                </a:solidFill>
+                <a:latin typeface="+mn-lt"/>
+                <a:ea typeface="+mn-ea"/>
+                <a:cs typeface="+mn-cs"/>
+              </a:defRPr>
+            </a:lvl3pPr>
+            <a:lvl4pPr marL="1828891" algn="l" defTabSz="609630" rtl="0" eaLnBrk="1" latinLnBrk="0" hangingPunct="1">
+              <a:defRPr sz="2400" kern="1200">
+                <a:solidFill>
+                  <a:schemeClr val="tx1"/>
+                </a:solidFill>
+                <a:latin typeface="+mn-lt"/>
+                <a:ea typeface="+mn-ea"/>
+                <a:cs typeface="+mn-cs"/>
+              </a:defRPr>
+            </a:lvl4pPr>
+            <a:lvl5pPr marL="2438522" algn="l" defTabSz="609630" rtl="0" eaLnBrk="1" latinLnBrk="0" hangingPunct="1">
+              <a:defRPr sz="2400" kern="1200">
+                <a:solidFill>
+                  <a:schemeClr val="tx1"/>
+                </a:solidFill>
+                <a:latin typeface="+mn-lt"/>
+                <a:ea typeface="+mn-ea"/>
+                <a:cs typeface="+mn-cs"/>
+              </a:defRPr>
+            </a:lvl5pPr>
+            <a:lvl6pPr marL="3048152" algn="l" defTabSz="609630" rtl="0" eaLnBrk="1" latinLnBrk="0" hangingPunct="1">
+              <a:defRPr sz="2400" kern="1200">
+                <a:solidFill>
+                  <a:schemeClr val="tx1"/>
+                </a:solidFill>
+                <a:latin typeface="+mn-lt"/>
+                <a:ea typeface="+mn-ea"/>
+                <a:cs typeface="+mn-cs"/>
+              </a:defRPr>
+            </a:lvl6pPr>
+            <a:lvl7pPr marL="3657783" algn="l" defTabSz="609630" rtl="0" eaLnBrk="1" latinLnBrk="0" hangingPunct="1">
+              <a:defRPr sz="2400" kern="1200">
+                <a:solidFill>
+                  <a:schemeClr val="tx1"/>
+                </a:solidFill>
+                <a:latin typeface="+mn-lt"/>
+                <a:ea typeface="+mn-ea"/>
+                <a:cs typeface="+mn-cs"/>
+              </a:defRPr>
+            </a:lvl7pPr>
+            <a:lvl8pPr marL="4267413" algn="l" defTabSz="609630" rtl="0" eaLnBrk="1" latinLnBrk="0" hangingPunct="1">
+              <a:defRPr sz="2400" kern="1200">
+                <a:solidFill>
+                  <a:schemeClr val="tx1"/>
+                </a:solidFill>
+                <a:latin typeface="+mn-lt"/>
+                <a:ea typeface="+mn-ea"/>
+                <a:cs typeface="+mn-cs"/>
+              </a:defRPr>
+            </a:lvl8pPr>
+            <a:lvl9pPr marL="4877044" algn="l" defTabSz="609630" rtl="0" eaLnBrk="1" latinLnBrk="0" hangingPunct="1">
+              <a:defRPr sz="2400" kern="1200">
+                <a:solidFill>
+                  <a:schemeClr val="tx1"/>
+                </a:solidFill>
+                <a:latin typeface="+mn-lt"/>
+                <a:ea typeface="+mn-ea"/>
+                <a:cs typeface="+mn-cs"/>
+              </a:defRPr>
+            </a:lvl9pPr>
+          </a:lstStyle>
+          <a:p>
+            <a:pPr algn="r"/>
+            <a:fld id="{D02B8B2F-F691-4135-AF04-E5B2EA4DBD49}" type="slidenum">
+              <a:rPr lang="zh-CN" altLang="en-US" smtClean="0">
+                <a:solidFill>
+                  <a:schemeClr val="bg1"/>
+                </a:solidFill>
+              </a:rPr>
+              <a:pPr algn="r"/>
+              <a:t>12</a:t>
+            </a:fld>
+            <a:endParaRPr lang="zh-CN" altLang="en-US" dirty="0">
               <a:solidFill>
                 <a:schemeClr val="bg1"/>
               </a:solidFill>
@@ -6090,6 +7464,199 @@
               <a:t>Wrike</a:t>
             </a:r>
             <a:endParaRPr lang="it-IT" sz="2000" dirty="0">
+              <a:solidFill>
+                <a:schemeClr val="bg1"/>
+              </a:solidFill>
+            </a:endParaRPr>
+          </a:p>
+        </p:txBody>
+      </p:sp>
+      <p:sp>
+        <p:nvSpPr>
+          <p:cNvPr id="20" name="Triangolo isoscele 19">
+            <a:extLst>
+              <a:ext uri="{FF2B5EF4-FFF2-40B4-BE49-F238E27FC236}">
+                <a16:creationId xmlns:a16="http://schemas.microsoft.com/office/drawing/2014/main" id="{AE83EB38-EF14-4100-94EC-FA57951964F8}"/>
+              </a:ext>
+            </a:extLst>
+          </p:cNvPr>
+          <p:cNvSpPr/>
+          <p:nvPr/>
+        </p:nvSpPr>
+        <p:spPr>
+          <a:xfrm>
+            <a:off x="8286750" y="6143437"/>
+            <a:ext cx="878889" cy="703983"/>
+          </a:xfrm>
+          <a:prstGeom prst="triangle">
+            <a:avLst>
+              <a:gd name="adj" fmla="val 100000"/>
+            </a:avLst>
+          </a:prstGeom>
+          <a:solidFill>
+            <a:schemeClr val="tx1">
+              <a:alpha val="18000"/>
+            </a:schemeClr>
+          </a:solidFill>
+          <a:ln>
+            <a:noFill/>
+          </a:ln>
+        </p:spPr>
+        <p:style>
+          <a:lnRef idx="1">
+            <a:schemeClr val="accent1"/>
+          </a:lnRef>
+          <a:fillRef idx="3">
+            <a:schemeClr val="accent1"/>
+          </a:fillRef>
+          <a:effectRef idx="2">
+            <a:schemeClr val="accent1"/>
+          </a:effectRef>
+          <a:fontRef idx="minor">
+            <a:schemeClr val="lt1"/>
+          </a:fontRef>
+        </p:style>
+        <p:txBody>
+          <a:bodyPr rtlCol="0" anchor="ctr"/>
+          <a:lstStyle/>
+          <a:p>
+            <a:pPr algn="ctr"/>
+            <a:endParaRPr lang="it-IT" dirty="0"/>
+          </a:p>
+        </p:txBody>
+      </p:sp>
+      <p:sp>
+        <p:nvSpPr>
+          <p:cNvPr id="21" name="Segnaposto numero diapositiva 10">
+            <a:extLst>
+              <a:ext uri="{FF2B5EF4-FFF2-40B4-BE49-F238E27FC236}">
+                <a16:creationId xmlns:a16="http://schemas.microsoft.com/office/drawing/2014/main" id="{AD799F3F-BFA0-486B-93F5-6C1EC26740E7}"/>
+              </a:ext>
+            </a:extLst>
+          </p:cNvPr>
+          <p:cNvSpPr txBox="1">
+            <a:spLocks/>
+          </p:cNvSpPr>
+          <p:nvPr/>
+        </p:nvSpPr>
+        <p:spPr>
+          <a:xfrm>
+            <a:off x="8539236" y="6391960"/>
+            <a:ext cx="637446" cy="365125"/>
+          </a:xfrm>
+          <a:prstGeom prst="rect">
+            <a:avLst/>
+          </a:prstGeom>
+        </p:spPr>
+        <p:txBody>
+          <a:bodyPr/>
+          <a:lstStyle>
+            <a:defPPr>
+              <a:defRPr lang="en-US"/>
+            </a:defPPr>
+            <a:lvl1pPr marL="0" algn="l" defTabSz="609630" rtl="0" eaLnBrk="1" latinLnBrk="0" hangingPunct="1">
+              <a:defRPr sz="2400" kern="1200">
+                <a:solidFill>
+                  <a:schemeClr val="tx1"/>
+                </a:solidFill>
+                <a:latin typeface="+mn-lt"/>
+                <a:ea typeface="+mn-ea"/>
+                <a:cs typeface="+mn-cs"/>
+              </a:defRPr>
+            </a:lvl1pPr>
+            <a:lvl2pPr marL="609630" algn="l" defTabSz="609630" rtl="0" eaLnBrk="1" latinLnBrk="0" hangingPunct="1">
+              <a:defRPr sz="2400" kern="1200">
+                <a:solidFill>
+                  <a:schemeClr val="tx1"/>
+                </a:solidFill>
+                <a:latin typeface="+mn-lt"/>
+                <a:ea typeface="+mn-ea"/>
+                <a:cs typeface="+mn-cs"/>
+              </a:defRPr>
+            </a:lvl2pPr>
+            <a:lvl3pPr marL="1219261" algn="l" defTabSz="609630" rtl="0" eaLnBrk="1" latinLnBrk="0" hangingPunct="1">
+              <a:defRPr sz="2400" kern="1200">
+                <a:solidFill>
+                  <a:schemeClr val="tx1"/>
+                </a:solidFill>
+                <a:latin typeface="+mn-lt"/>
+                <a:ea typeface="+mn-ea"/>
+                <a:cs typeface="+mn-cs"/>
+              </a:defRPr>
+            </a:lvl3pPr>
+            <a:lvl4pPr marL="1828891" algn="l" defTabSz="609630" rtl="0" eaLnBrk="1" latinLnBrk="0" hangingPunct="1">
+              <a:defRPr sz="2400" kern="1200">
+                <a:solidFill>
+                  <a:schemeClr val="tx1"/>
+                </a:solidFill>
+                <a:latin typeface="+mn-lt"/>
+                <a:ea typeface="+mn-ea"/>
+                <a:cs typeface="+mn-cs"/>
+              </a:defRPr>
+            </a:lvl4pPr>
+            <a:lvl5pPr marL="2438522" algn="l" defTabSz="609630" rtl="0" eaLnBrk="1" latinLnBrk="0" hangingPunct="1">
+              <a:defRPr sz="2400" kern="1200">
+                <a:solidFill>
+                  <a:schemeClr val="tx1"/>
+                </a:solidFill>
+                <a:latin typeface="+mn-lt"/>
+                <a:ea typeface="+mn-ea"/>
+                <a:cs typeface="+mn-cs"/>
+              </a:defRPr>
+            </a:lvl5pPr>
+            <a:lvl6pPr marL="3048152" algn="l" defTabSz="609630" rtl="0" eaLnBrk="1" latinLnBrk="0" hangingPunct="1">
+              <a:defRPr sz="2400" kern="1200">
+                <a:solidFill>
+                  <a:schemeClr val="tx1"/>
+                </a:solidFill>
+                <a:latin typeface="+mn-lt"/>
+                <a:ea typeface="+mn-ea"/>
+                <a:cs typeface="+mn-cs"/>
+              </a:defRPr>
+            </a:lvl6pPr>
+            <a:lvl7pPr marL="3657783" algn="l" defTabSz="609630" rtl="0" eaLnBrk="1" latinLnBrk="0" hangingPunct="1">
+              <a:defRPr sz="2400" kern="1200">
+                <a:solidFill>
+                  <a:schemeClr val="tx1"/>
+                </a:solidFill>
+                <a:latin typeface="+mn-lt"/>
+                <a:ea typeface="+mn-ea"/>
+                <a:cs typeface="+mn-cs"/>
+              </a:defRPr>
+            </a:lvl7pPr>
+            <a:lvl8pPr marL="4267413" algn="l" defTabSz="609630" rtl="0" eaLnBrk="1" latinLnBrk="0" hangingPunct="1">
+              <a:defRPr sz="2400" kern="1200">
+                <a:solidFill>
+                  <a:schemeClr val="tx1"/>
+                </a:solidFill>
+                <a:latin typeface="+mn-lt"/>
+                <a:ea typeface="+mn-ea"/>
+                <a:cs typeface="+mn-cs"/>
+              </a:defRPr>
+            </a:lvl8pPr>
+            <a:lvl9pPr marL="4877044" algn="l" defTabSz="609630" rtl="0" eaLnBrk="1" latinLnBrk="0" hangingPunct="1">
+              <a:defRPr sz="2400" kern="1200">
+                <a:solidFill>
+                  <a:schemeClr val="tx1"/>
+                </a:solidFill>
+                <a:latin typeface="+mn-lt"/>
+                <a:ea typeface="+mn-ea"/>
+                <a:cs typeface="+mn-cs"/>
+              </a:defRPr>
+            </a:lvl9pPr>
+          </a:lstStyle>
+          <a:p>
+            <a:pPr algn="r"/>
+            <a:fld id="{D02B8B2F-F691-4135-AF04-E5B2EA4DBD49}" type="slidenum">
+              <a:rPr lang="zh-CN" altLang="en-US" smtClean="0">
+                <a:solidFill>
+                  <a:schemeClr val="bg1"/>
+                </a:solidFill>
+              </a:rPr>
+              <a:pPr algn="r"/>
+              <a:t>13</a:t>
+            </a:fld>
+            <a:endParaRPr lang="zh-CN" altLang="en-US" dirty="0">
               <a:solidFill>
                 <a:schemeClr val="bg1"/>
               </a:solidFill>
@@ -7578,6 +9145,199 @@
           </a:p>
         </p:txBody>
       </p:sp>
+      <p:sp>
+        <p:nvSpPr>
+          <p:cNvPr id="12" name="Triangolo isoscele 11">
+            <a:extLst>
+              <a:ext uri="{FF2B5EF4-FFF2-40B4-BE49-F238E27FC236}">
+                <a16:creationId xmlns:a16="http://schemas.microsoft.com/office/drawing/2014/main" id="{10D5894C-CFB7-44C5-A888-EA435AB12270}"/>
+              </a:ext>
+            </a:extLst>
+          </p:cNvPr>
+          <p:cNvSpPr/>
+          <p:nvPr/>
+        </p:nvSpPr>
+        <p:spPr>
+          <a:xfrm>
+            <a:off x="8286750" y="6143437"/>
+            <a:ext cx="878889" cy="703983"/>
+          </a:xfrm>
+          <a:prstGeom prst="triangle">
+            <a:avLst>
+              <a:gd name="adj" fmla="val 100000"/>
+            </a:avLst>
+          </a:prstGeom>
+          <a:solidFill>
+            <a:schemeClr val="tx1">
+              <a:alpha val="18000"/>
+            </a:schemeClr>
+          </a:solidFill>
+          <a:ln>
+            <a:noFill/>
+          </a:ln>
+        </p:spPr>
+        <p:style>
+          <a:lnRef idx="1">
+            <a:schemeClr val="accent1"/>
+          </a:lnRef>
+          <a:fillRef idx="3">
+            <a:schemeClr val="accent1"/>
+          </a:fillRef>
+          <a:effectRef idx="2">
+            <a:schemeClr val="accent1"/>
+          </a:effectRef>
+          <a:fontRef idx="minor">
+            <a:schemeClr val="lt1"/>
+          </a:fontRef>
+        </p:style>
+        <p:txBody>
+          <a:bodyPr rtlCol="0" anchor="ctr"/>
+          <a:lstStyle/>
+          <a:p>
+            <a:pPr algn="ctr"/>
+            <a:endParaRPr lang="it-IT" dirty="0"/>
+          </a:p>
+        </p:txBody>
+      </p:sp>
+      <p:sp>
+        <p:nvSpPr>
+          <p:cNvPr id="13" name="Segnaposto numero diapositiva 10">
+            <a:extLst>
+              <a:ext uri="{FF2B5EF4-FFF2-40B4-BE49-F238E27FC236}">
+                <a16:creationId xmlns:a16="http://schemas.microsoft.com/office/drawing/2014/main" id="{674CDBC2-0882-41A3-9BB5-AA6C0A0D9DDC}"/>
+              </a:ext>
+            </a:extLst>
+          </p:cNvPr>
+          <p:cNvSpPr txBox="1">
+            <a:spLocks/>
+          </p:cNvSpPr>
+          <p:nvPr/>
+        </p:nvSpPr>
+        <p:spPr>
+          <a:xfrm>
+            <a:off x="8539236" y="6391960"/>
+            <a:ext cx="637446" cy="365125"/>
+          </a:xfrm>
+          <a:prstGeom prst="rect">
+            <a:avLst/>
+          </a:prstGeom>
+        </p:spPr>
+        <p:txBody>
+          <a:bodyPr/>
+          <a:lstStyle>
+            <a:defPPr>
+              <a:defRPr lang="en-US"/>
+            </a:defPPr>
+            <a:lvl1pPr marL="0" algn="l" defTabSz="609630" rtl="0" eaLnBrk="1" latinLnBrk="0" hangingPunct="1">
+              <a:defRPr sz="2400" kern="1200">
+                <a:solidFill>
+                  <a:schemeClr val="tx1"/>
+                </a:solidFill>
+                <a:latin typeface="+mn-lt"/>
+                <a:ea typeface="+mn-ea"/>
+                <a:cs typeface="+mn-cs"/>
+              </a:defRPr>
+            </a:lvl1pPr>
+            <a:lvl2pPr marL="609630" algn="l" defTabSz="609630" rtl="0" eaLnBrk="1" latinLnBrk="0" hangingPunct="1">
+              <a:defRPr sz="2400" kern="1200">
+                <a:solidFill>
+                  <a:schemeClr val="tx1"/>
+                </a:solidFill>
+                <a:latin typeface="+mn-lt"/>
+                <a:ea typeface="+mn-ea"/>
+                <a:cs typeface="+mn-cs"/>
+              </a:defRPr>
+            </a:lvl2pPr>
+            <a:lvl3pPr marL="1219261" algn="l" defTabSz="609630" rtl="0" eaLnBrk="1" latinLnBrk="0" hangingPunct="1">
+              <a:defRPr sz="2400" kern="1200">
+                <a:solidFill>
+                  <a:schemeClr val="tx1"/>
+                </a:solidFill>
+                <a:latin typeface="+mn-lt"/>
+                <a:ea typeface="+mn-ea"/>
+                <a:cs typeface="+mn-cs"/>
+              </a:defRPr>
+            </a:lvl3pPr>
+            <a:lvl4pPr marL="1828891" algn="l" defTabSz="609630" rtl="0" eaLnBrk="1" latinLnBrk="0" hangingPunct="1">
+              <a:defRPr sz="2400" kern="1200">
+                <a:solidFill>
+                  <a:schemeClr val="tx1"/>
+                </a:solidFill>
+                <a:latin typeface="+mn-lt"/>
+                <a:ea typeface="+mn-ea"/>
+                <a:cs typeface="+mn-cs"/>
+              </a:defRPr>
+            </a:lvl4pPr>
+            <a:lvl5pPr marL="2438522" algn="l" defTabSz="609630" rtl="0" eaLnBrk="1" latinLnBrk="0" hangingPunct="1">
+              <a:defRPr sz="2400" kern="1200">
+                <a:solidFill>
+                  <a:schemeClr val="tx1"/>
+                </a:solidFill>
+                <a:latin typeface="+mn-lt"/>
+                <a:ea typeface="+mn-ea"/>
+                <a:cs typeface="+mn-cs"/>
+              </a:defRPr>
+            </a:lvl5pPr>
+            <a:lvl6pPr marL="3048152" algn="l" defTabSz="609630" rtl="0" eaLnBrk="1" latinLnBrk="0" hangingPunct="1">
+              <a:defRPr sz="2400" kern="1200">
+                <a:solidFill>
+                  <a:schemeClr val="tx1"/>
+                </a:solidFill>
+                <a:latin typeface="+mn-lt"/>
+                <a:ea typeface="+mn-ea"/>
+                <a:cs typeface="+mn-cs"/>
+              </a:defRPr>
+            </a:lvl6pPr>
+            <a:lvl7pPr marL="3657783" algn="l" defTabSz="609630" rtl="0" eaLnBrk="1" latinLnBrk="0" hangingPunct="1">
+              <a:defRPr sz="2400" kern="1200">
+                <a:solidFill>
+                  <a:schemeClr val="tx1"/>
+                </a:solidFill>
+                <a:latin typeface="+mn-lt"/>
+                <a:ea typeface="+mn-ea"/>
+                <a:cs typeface="+mn-cs"/>
+              </a:defRPr>
+            </a:lvl7pPr>
+            <a:lvl8pPr marL="4267413" algn="l" defTabSz="609630" rtl="0" eaLnBrk="1" latinLnBrk="0" hangingPunct="1">
+              <a:defRPr sz="2400" kern="1200">
+                <a:solidFill>
+                  <a:schemeClr val="tx1"/>
+                </a:solidFill>
+                <a:latin typeface="+mn-lt"/>
+                <a:ea typeface="+mn-ea"/>
+                <a:cs typeface="+mn-cs"/>
+              </a:defRPr>
+            </a:lvl8pPr>
+            <a:lvl9pPr marL="4877044" algn="l" defTabSz="609630" rtl="0" eaLnBrk="1" latinLnBrk="0" hangingPunct="1">
+              <a:defRPr sz="2400" kern="1200">
+                <a:solidFill>
+                  <a:schemeClr val="tx1"/>
+                </a:solidFill>
+                <a:latin typeface="+mn-lt"/>
+                <a:ea typeface="+mn-ea"/>
+                <a:cs typeface="+mn-cs"/>
+              </a:defRPr>
+            </a:lvl9pPr>
+          </a:lstStyle>
+          <a:p>
+            <a:pPr algn="r"/>
+            <a:fld id="{D02B8B2F-F691-4135-AF04-E5B2EA4DBD49}" type="slidenum">
+              <a:rPr lang="zh-CN" altLang="en-US" smtClean="0">
+                <a:solidFill>
+                  <a:schemeClr val="bg1"/>
+                </a:solidFill>
+              </a:rPr>
+              <a:pPr algn="r"/>
+              <a:t>14</a:t>
+            </a:fld>
+            <a:endParaRPr lang="zh-CN" altLang="en-US" dirty="0">
+              <a:solidFill>
+                <a:schemeClr val="bg1"/>
+              </a:solidFill>
+            </a:endParaRPr>
+          </a:p>
+        </p:txBody>
+      </p:sp>
     </p:spTree>
     <p:extLst>
       <p:ext uri="{BB962C8B-B14F-4D97-AF65-F5344CB8AC3E}">
@@ -8421,6 +10181,199 @@
           </a:p>
         </p:txBody>
       </p:sp>
+      <p:sp>
+        <p:nvSpPr>
+          <p:cNvPr id="13" name="Triangolo isoscele 12">
+            <a:extLst>
+              <a:ext uri="{FF2B5EF4-FFF2-40B4-BE49-F238E27FC236}">
+                <a16:creationId xmlns:a16="http://schemas.microsoft.com/office/drawing/2014/main" id="{F934B7F0-0549-445F-ACB9-1ABA2DA8D6EC}"/>
+              </a:ext>
+            </a:extLst>
+          </p:cNvPr>
+          <p:cNvSpPr/>
+          <p:nvPr/>
+        </p:nvSpPr>
+        <p:spPr>
+          <a:xfrm>
+            <a:off x="8286750" y="6143437"/>
+            <a:ext cx="878889" cy="703983"/>
+          </a:xfrm>
+          <a:prstGeom prst="triangle">
+            <a:avLst>
+              <a:gd name="adj" fmla="val 100000"/>
+            </a:avLst>
+          </a:prstGeom>
+          <a:solidFill>
+            <a:schemeClr val="tx1">
+              <a:alpha val="18000"/>
+            </a:schemeClr>
+          </a:solidFill>
+          <a:ln>
+            <a:noFill/>
+          </a:ln>
+        </p:spPr>
+        <p:style>
+          <a:lnRef idx="1">
+            <a:schemeClr val="accent1"/>
+          </a:lnRef>
+          <a:fillRef idx="3">
+            <a:schemeClr val="accent1"/>
+          </a:fillRef>
+          <a:effectRef idx="2">
+            <a:schemeClr val="accent1"/>
+          </a:effectRef>
+          <a:fontRef idx="minor">
+            <a:schemeClr val="lt1"/>
+          </a:fontRef>
+        </p:style>
+        <p:txBody>
+          <a:bodyPr rtlCol="0" anchor="ctr"/>
+          <a:lstStyle/>
+          <a:p>
+            <a:pPr algn="ctr"/>
+            <a:endParaRPr lang="it-IT" dirty="0"/>
+          </a:p>
+        </p:txBody>
+      </p:sp>
+      <p:sp>
+        <p:nvSpPr>
+          <p:cNvPr id="16" name="Segnaposto numero diapositiva 10">
+            <a:extLst>
+              <a:ext uri="{FF2B5EF4-FFF2-40B4-BE49-F238E27FC236}">
+                <a16:creationId xmlns:a16="http://schemas.microsoft.com/office/drawing/2014/main" id="{F42068EA-97C8-43E8-A93C-7C78BEBBE760}"/>
+              </a:ext>
+            </a:extLst>
+          </p:cNvPr>
+          <p:cNvSpPr txBox="1">
+            <a:spLocks/>
+          </p:cNvSpPr>
+          <p:nvPr/>
+        </p:nvSpPr>
+        <p:spPr>
+          <a:xfrm>
+            <a:off x="8539236" y="6391960"/>
+            <a:ext cx="637446" cy="365125"/>
+          </a:xfrm>
+          <a:prstGeom prst="rect">
+            <a:avLst/>
+          </a:prstGeom>
+        </p:spPr>
+        <p:txBody>
+          <a:bodyPr/>
+          <a:lstStyle>
+            <a:defPPr>
+              <a:defRPr lang="en-US"/>
+            </a:defPPr>
+            <a:lvl1pPr marL="0" algn="l" defTabSz="609630" rtl="0" eaLnBrk="1" latinLnBrk="0" hangingPunct="1">
+              <a:defRPr sz="2400" kern="1200">
+                <a:solidFill>
+                  <a:schemeClr val="tx1"/>
+                </a:solidFill>
+                <a:latin typeface="+mn-lt"/>
+                <a:ea typeface="+mn-ea"/>
+                <a:cs typeface="+mn-cs"/>
+              </a:defRPr>
+            </a:lvl1pPr>
+            <a:lvl2pPr marL="609630" algn="l" defTabSz="609630" rtl="0" eaLnBrk="1" latinLnBrk="0" hangingPunct="1">
+              <a:defRPr sz="2400" kern="1200">
+                <a:solidFill>
+                  <a:schemeClr val="tx1"/>
+                </a:solidFill>
+                <a:latin typeface="+mn-lt"/>
+                <a:ea typeface="+mn-ea"/>
+                <a:cs typeface="+mn-cs"/>
+              </a:defRPr>
+            </a:lvl2pPr>
+            <a:lvl3pPr marL="1219261" algn="l" defTabSz="609630" rtl="0" eaLnBrk="1" latinLnBrk="0" hangingPunct="1">
+              <a:defRPr sz="2400" kern="1200">
+                <a:solidFill>
+                  <a:schemeClr val="tx1"/>
+                </a:solidFill>
+                <a:latin typeface="+mn-lt"/>
+                <a:ea typeface="+mn-ea"/>
+                <a:cs typeface="+mn-cs"/>
+              </a:defRPr>
+            </a:lvl3pPr>
+            <a:lvl4pPr marL="1828891" algn="l" defTabSz="609630" rtl="0" eaLnBrk="1" latinLnBrk="0" hangingPunct="1">
+              <a:defRPr sz="2400" kern="1200">
+                <a:solidFill>
+                  <a:schemeClr val="tx1"/>
+                </a:solidFill>
+                <a:latin typeface="+mn-lt"/>
+                <a:ea typeface="+mn-ea"/>
+                <a:cs typeface="+mn-cs"/>
+              </a:defRPr>
+            </a:lvl4pPr>
+            <a:lvl5pPr marL="2438522" algn="l" defTabSz="609630" rtl="0" eaLnBrk="1" latinLnBrk="0" hangingPunct="1">
+              <a:defRPr sz="2400" kern="1200">
+                <a:solidFill>
+                  <a:schemeClr val="tx1"/>
+                </a:solidFill>
+                <a:latin typeface="+mn-lt"/>
+                <a:ea typeface="+mn-ea"/>
+                <a:cs typeface="+mn-cs"/>
+              </a:defRPr>
+            </a:lvl5pPr>
+            <a:lvl6pPr marL="3048152" algn="l" defTabSz="609630" rtl="0" eaLnBrk="1" latinLnBrk="0" hangingPunct="1">
+              <a:defRPr sz="2400" kern="1200">
+                <a:solidFill>
+                  <a:schemeClr val="tx1"/>
+                </a:solidFill>
+                <a:latin typeface="+mn-lt"/>
+                <a:ea typeface="+mn-ea"/>
+                <a:cs typeface="+mn-cs"/>
+              </a:defRPr>
+            </a:lvl6pPr>
+            <a:lvl7pPr marL="3657783" algn="l" defTabSz="609630" rtl="0" eaLnBrk="1" latinLnBrk="0" hangingPunct="1">
+              <a:defRPr sz="2400" kern="1200">
+                <a:solidFill>
+                  <a:schemeClr val="tx1"/>
+                </a:solidFill>
+                <a:latin typeface="+mn-lt"/>
+                <a:ea typeface="+mn-ea"/>
+                <a:cs typeface="+mn-cs"/>
+              </a:defRPr>
+            </a:lvl7pPr>
+            <a:lvl8pPr marL="4267413" algn="l" defTabSz="609630" rtl="0" eaLnBrk="1" latinLnBrk="0" hangingPunct="1">
+              <a:defRPr sz="2400" kern="1200">
+                <a:solidFill>
+                  <a:schemeClr val="tx1"/>
+                </a:solidFill>
+                <a:latin typeface="+mn-lt"/>
+                <a:ea typeface="+mn-ea"/>
+                <a:cs typeface="+mn-cs"/>
+              </a:defRPr>
+            </a:lvl8pPr>
+            <a:lvl9pPr marL="4877044" algn="l" defTabSz="609630" rtl="0" eaLnBrk="1" latinLnBrk="0" hangingPunct="1">
+              <a:defRPr sz="2400" kern="1200">
+                <a:solidFill>
+                  <a:schemeClr val="tx1"/>
+                </a:solidFill>
+                <a:latin typeface="+mn-lt"/>
+                <a:ea typeface="+mn-ea"/>
+                <a:cs typeface="+mn-cs"/>
+              </a:defRPr>
+            </a:lvl9pPr>
+          </a:lstStyle>
+          <a:p>
+            <a:pPr algn="r"/>
+            <a:fld id="{D02B8B2F-F691-4135-AF04-E5B2EA4DBD49}" type="slidenum">
+              <a:rPr lang="zh-CN" altLang="en-US" smtClean="0">
+                <a:solidFill>
+                  <a:schemeClr val="bg1"/>
+                </a:solidFill>
+              </a:rPr>
+              <a:pPr algn="r"/>
+              <a:t>15</a:t>
+            </a:fld>
+            <a:endParaRPr lang="zh-CN" altLang="en-US" dirty="0">
+              <a:solidFill>
+                <a:schemeClr val="bg1"/>
+              </a:solidFill>
+            </a:endParaRPr>
+          </a:p>
+        </p:txBody>
+      </p:sp>
     </p:spTree>
     <p:extLst>
       <p:ext uri="{BB962C8B-B14F-4D97-AF65-F5344CB8AC3E}">
@@ -8608,6 +10561,199 @@
               <a:t>Requisiti</a:t>
             </a:r>
             <a:endParaRPr lang="en-US" altLang="zh-CN" sz="2800" dirty="0">
+              <a:solidFill>
+                <a:schemeClr val="bg1"/>
+              </a:solidFill>
+            </a:endParaRPr>
+          </a:p>
+        </p:txBody>
+      </p:sp>
+      <p:sp>
+        <p:nvSpPr>
+          <p:cNvPr id="5" name="Triangolo isoscele 4">
+            <a:extLst>
+              <a:ext uri="{FF2B5EF4-FFF2-40B4-BE49-F238E27FC236}">
+                <a16:creationId xmlns:a16="http://schemas.microsoft.com/office/drawing/2014/main" id="{2A87FFD8-CCC3-45E0-91BF-802EFBA893A9}"/>
+              </a:ext>
+            </a:extLst>
+          </p:cNvPr>
+          <p:cNvSpPr/>
+          <p:nvPr/>
+        </p:nvSpPr>
+        <p:spPr>
+          <a:xfrm>
+            <a:off x="8286750" y="6143437"/>
+            <a:ext cx="878889" cy="703983"/>
+          </a:xfrm>
+          <a:prstGeom prst="triangle">
+            <a:avLst>
+              <a:gd name="adj" fmla="val 100000"/>
+            </a:avLst>
+          </a:prstGeom>
+          <a:solidFill>
+            <a:schemeClr val="tx1">
+              <a:alpha val="18000"/>
+            </a:schemeClr>
+          </a:solidFill>
+          <a:ln>
+            <a:noFill/>
+          </a:ln>
+        </p:spPr>
+        <p:style>
+          <a:lnRef idx="1">
+            <a:schemeClr val="accent1"/>
+          </a:lnRef>
+          <a:fillRef idx="3">
+            <a:schemeClr val="accent1"/>
+          </a:fillRef>
+          <a:effectRef idx="2">
+            <a:schemeClr val="accent1"/>
+          </a:effectRef>
+          <a:fontRef idx="minor">
+            <a:schemeClr val="lt1"/>
+          </a:fontRef>
+        </p:style>
+        <p:txBody>
+          <a:bodyPr rtlCol="0" anchor="ctr"/>
+          <a:lstStyle/>
+          <a:p>
+            <a:pPr algn="ctr"/>
+            <a:endParaRPr lang="it-IT" dirty="0"/>
+          </a:p>
+        </p:txBody>
+      </p:sp>
+      <p:sp>
+        <p:nvSpPr>
+          <p:cNvPr id="6" name="Segnaposto numero diapositiva 10">
+            <a:extLst>
+              <a:ext uri="{FF2B5EF4-FFF2-40B4-BE49-F238E27FC236}">
+                <a16:creationId xmlns:a16="http://schemas.microsoft.com/office/drawing/2014/main" id="{50563ADC-7238-40C1-91B6-FA96EE94FDB7}"/>
+              </a:ext>
+            </a:extLst>
+          </p:cNvPr>
+          <p:cNvSpPr txBox="1">
+            <a:spLocks/>
+          </p:cNvSpPr>
+          <p:nvPr/>
+        </p:nvSpPr>
+        <p:spPr>
+          <a:xfrm>
+            <a:off x="8539236" y="6391960"/>
+            <a:ext cx="637446" cy="365125"/>
+          </a:xfrm>
+          <a:prstGeom prst="rect">
+            <a:avLst/>
+          </a:prstGeom>
+        </p:spPr>
+        <p:txBody>
+          <a:bodyPr/>
+          <a:lstStyle>
+            <a:defPPr>
+              <a:defRPr lang="en-US"/>
+            </a:defPPr>
+            <a:lvl1pPr marL="0" algn="l" defTabSz="609630" rtl="0" eaLnBrk="1" latinLnBrk="0" hangingPunct="1">
+              <a:defRPr sz="2400" kern="1200">
+                <a:solidFill>
+                  <a:schemeClr val="tx1"/>
+                </a:solidFill>
+                <a:latin typeface="+mn-lt"/>
+                <a:ea typeface="+mn-ea"/>
+                <a:cs typeface="+mn-cs"/>
+              </a:defRPr>
+            </a:lvl1pPr>
+            <a:lvl2pPr marL="609630" algn="l" defTabSz="609630" rtl="0" eaLnBrk="1" latinLnBrk="0" hangingPunct="1">
+              <a:defRPr sz="2400" kern="1200">
+                <a:solidFill>
+                  <a:schemeClr val="tx1"/>
+                </a:solidFill>
+                <a:latin typeface="+mn-lt"/>
+                <a:ea typeface="+mn-ea"/>
+                <a:cs typeface="+mn-cs"/>
+              </a:defRPr>
+            </a:lvl2pPr>
+            <a:lvl3pPr marL="1219261" algn="l" defTabSz="609630" rtl="0" eaLnBrk="1" latinLnBrk="0" hangingPunct="1">
+              <a:defRPr sz="2400" kern="1200">
+                <a:solidFill>
+                  <a:schemeClr val="tx1"/>
+                </a:solidFill>
+                <a:latin typeface="+mn-lt"/>
+                <a:ea typeface="+mn-ea"/>
+                <a:cs typeface="+mn-cs"/>
+              </a:defRPr>
+            </a:lvl3pPr>
+            <a:lvl4pPr marL="1828891" algn="l" defTabSz="609630" rtl="0" eaLnBrk="1" latinLnBrk="0" hangingPunct="1">
+              <a:defRPr sz="2400" kern="1200">
+                <a:solidFill>
+                  <a:schemeClr val="tx1"/>
+                </a:solidFill>
+                <a:latin typeface="+mn-lt"/>
+                <a:ea typeface="+mn-ea"/>
+                <a:cs typeface="+mn-cs"/>
+              </a:defRPr>
+            </a:lvl4pPr>
+            <a:lvl5pPr marL="2438522" algn="l" defTabSz="609630" rtl="0" eaLnBrk="1" latinLnBrk="0" hangingPunct="1">
+              <a:defRPr sz="2400" kern="1200">
+                <a:solidFill>
+                  <a:schemeClr val="tx1"/>
+                </a:solidFill>
+                <a:latin typeface="+mn-lt"/>
+                <a:ea typeface="+mn-ea"/>
+                <a:cs typeface="+mn-cs"/>
+              </a:defRPr>
+            </a:lvl5pPr>
+            <a:lvl6pPr marL="3048152" algn="l" defTabSz="609630" rtl="0" eaLnBrk="1" latinLnBrk="0" hangingPunct="1">
+              <a:defRPr sz="2400" kern="1200">
+                <a:solidFill>
+                  <a:schemeClr val="tx1"/>
+                </a:solidFill>
+                <a:latin typeface="+mn-lt"/>
+                <a:ea typeface="+mn-ea"/>
+                <a:cs typeface="+mn-cs"/>
+              </a:defRPr>
+            </a:lvl6pPr>
+            <a:lvl7pPr marL="3657783" algn="l" defTabSz="609630" rtl="0" eaLnBrk="1" latinLnBrk="0" hangingPunct="1">
+              <a:defRPr sz="2400" kern="1200">
+                <a:solidFill>
+                  <a:schemeClr val="tx1"/>
+                </a:solidFill>
+                <a:latin typeface="+mn-lt"/>
+                <a:ea typeface="+mn-ea"/>
+                <a:cs typeface="+mn-cs"/>
+              </a:defRPr>
+            </a:lvl7pPr>
+            <a:lvl8pPr marL="4267413" algn="l" defTabSz="609630" rtl="0" eaLnBrk="1" latinLnBrk="0" hangingPunct="1">
+              <a:defRPr sz="2400" kern="1200">
+                <a:solidFill>
+                  <a:schemeClr val="tx1"/>
+                </a:solidFill>
+                <a:latin typeface="+mn-lt"/>
+                <a:ea typeface="+mn-ea"/>
+                <a:cs typeface="+mn-cs"/>
+              </a:defRPr>
+            </a:lvl8pPr>
+            <a:lvl9pPr marL="4877044" algn="l" defTabSz="609630" rtl="0" eaLnBrk="1" latinLnBrk="0" hangingPunct="1">
+              <a:defRPr sz="2400" kern="1200">
+                <a:solidFill>
+                  <a:schemeClr val="tx1"/>
+                </a:solidFill>
+                <a:latin typeface="+mn-lt"/>
+                <a:ea typeface="+mn-ea"/>
+                <a:cs typeface="+mn-cs"/>
+              </a:defRPr>
+            </a:lvl9pPr>
+          </a:lstStyle>
+          <a:p>
+            <a:pPr algn="r"/>
+            <a:fld id="{D02B8B2F-F691-4135-AF04-E5B2EA4DBD49}" type="slidenum">
+              <a:rPr lang="zh-CN" altLang="en-US" smtClean="0">
+                <a:solidFill>
+                  <a:schemeClr val="bg1"/>
+                </a:solidFill>
+              </a:rPr>
+              <a:pPr algn="r"/>
+              <a:t>16</a:t>
+            </a:fld>
+            <a:endParaRPr lang="zh-CN" altLang="en-US" dirty="0">
               <a:solidFill>
                 <a:schemeClr val="bg1"/>
               </a:solidFill>
@@ -9295,7 +11441,7 @@
               </a:ln>
               <a:extLst>
                 <a:ext uri="{91240B29-F687-4f45-9708-019B960494DF}">
-                  <a14:hiddenLine xmlns:a14="http://schemas.microsoft.com/office/drawing/2010/main" xmlns="" w="9525">
+                  <a14:hiddenLine xmlns="" xmlns:a14="http://schemas.microsoft.com/office/drawing/2010/main" w="9525">
                     <a:solidFill>
                       <a:srgbClr val="000000"/>
                     </a:solidFill>
@@ -9430,7 +11576,7 @@
               </a:ln>
               <a:extLst>
                 <a:ext uri="{91240B29-F687-4f45-9708-019B960494DF}">
-                  <a14:hiddenLine xmlns:a14="http://schemas.microsoft.com/office/drawing/2010/main" xmlns="" w="9525">
+                  <a14:hiddenLine xmlns="" xmlns:a14="http://schemas.microsoft.com/office/drawing/2010/main" w="9525">
                     <a:solidFill>
                       <a:srgbClr val="000000"/>
                     </a:solidFill>
@@ -9533,7 +11679,7 @@
               </a:ln>
               <a:extLst>
                 <a:ext uri="{91240B29-F687-4f45-9708-019B960494DF}">
-                  <a14:hiddenLine xmlns:a14="http://schemas.microsoft.com/office/drawing/2010/main" xmlns="" w="9525">
+                  <a14:hiddenLine xmlns="" xmlns:a14="http://schemas.microsoft.com/office/drawing/2010/main" w="9525">
                     <a:solidFill>
                       <a:srgbClr val="000000"/>
                     </a:solidFill>
@@ -9677,7 +11823,7 @@
               </a:ln>
               <a:extLst>
                 <a:ext uri="{91240B29-F687-4f45-9708-019B960494DF}">
-                  <a14:hiddenLine xmlns:a14="http://schemas.microsoft.com/office/drawing/2010/main" xmlns="" w="9525">
+                  <a14:hiddenLine xmlns="" xmlns:a14="http://schemas.microsoft.com/office/drawing/2010/main" w="9525">
                     <a:solidFill>
                       <a:srgbClr val="000000"/>
                     </a:solidFill>
@@ -9867,7 +12013,7 @@
               </a:ln>
               <a:extLst>
                 <a:ext uri="{91240B29-F687-4f45-9708-019B960494DF}">
-                  <a14:hiddenLine xmlns:a14="http://schemas.microsoft.com/office/drawing/2010/main" xmlns="" w="9525">
+                  <a14:hiddenLine xmlns="" xmlns:a14="http://schemas.microsoft.com/office/drawing/2010/main" w="9525">
                     <a:solidFill>
                       <a:srgbClr val="000000"/>
                     </a:solidFill>
@@ -10095,7 +12241,7 @@
               </a:ln>
               <a:extLst>
                 <a:ext uri="{91240B29-F687-4f45-9708-019B960494DF}">
-                  <a14:hiddenLine xmlns:a14="http://schemas.microsoft.com/office/drawing/2010/main" xmlns="" w="9525">
+                  <a14:hiddenLine xmlns="" xmlns:a14="http://schemas.microsoft.com/office/drawing/2010/main" w="9525">
                     <a:solidFill>
                       <a:srgbClr val="000000"/>
                     </a:solidFill>
@@ -10230,7 +12376,7 @@
               </a:ln>
               <a:extLst>
                 <a:ext uri="{91240B29-F687-4f45-9708-019B960494DF}">
-                  <a14:hiddenLine xmlns:a14="http://schemas.microsoft.com/office/drawing/2010/main" xmlns="" w="9525">
+                  <a14:hiddenLine xmlns="" xmlns:a14="http://schemas.microsoft.com/office/drawing/2010/main" w="9525">
                     <a:solidFill>
                       <a:srgbClr val="000000"/>
                     </a:solidFill>
@@ -10333,7 +12479,7 @@
               </a:ln>
               <a:extLst>
                 <a:ext uri="{91240B29-F687-4f45-9708-019B960494DF}">
-                  <a14:hiddenLine xmlns:a14="http://schemas.microsoft.com/office/drawing/2010/main" xmlns="" w="9525">
+                  <a14:hiddenLine xmlns="" xmlns:a14="http://schemas.microsoft.com/office/drawing/2010/main" w="9525">
                     <a:solidFill>
                       <a:srgbClr val="000000"/>
                     </a:solidFill>
@@ -10477,7 +12623,7 @@
               </a:ln>
               <a:extLst>
                 <a:ext uri="{91240B29-F687-4f45-9708-019B960494DF}">
-                  <a14:hiddenLine xmlns:a14="http://schemas.microsoft.com/office/drawing/2010/main" xmlns="" w="9525">
+                  <a14:hiddenLine xmlns="" xmlns:a14="http://schemas.microsoft.com/office/drawing/2010/main" w="9525">
                     <a:solidFill>
                       <a:srgbClr val="000000"/>
                     </a:solidFill>
@@ -10667,7 +12813,7 @@
               </a:ln>
               <a:extLst>
                 <a:ext uri="{91240B29-F687-4f45-9708-019B960494DF}">
-                  <a14:hiddenLine xmlns:a14="http://schemas.microsoft.com/office/drawing/2010/main" xmlns="" w="9525">
+                  <a14:hiddenLine xmlns="" xmlns:a14="http://schemas.microsoft.com/office/drawing/2010/main" w="9525">
                     <a:solidFill>
                       <a:srgbClr val="000000"/>
                     </a:solidFill>
@@ -10839,6 +12985,199 @@
           </p:txBody>
         </p:sp>
       </p:grpSp>
+      <p:sp>
+        <p:nvSpPr>
+          <p:cNvPr id="30" name="Triangolo isoscele 29">
+            <a:extLst>
+              <a:ext uri="{FF2B5EF4-FFF2-40B4-BE49-F238E27FC236}">
+                <a16:creationId xmlns:a16="http://schemas.microsoft.com/office/drawing/2014/main" id="{2DC95690-546E-4D14-8BDC-76D1B8FCFE6E}"/>
+              </a:ext>
+            </a:extLst>
+          </p:cNvPr>
+          <p:cNvSpPr/>
+          <p:nvPr/>
+        </p:nvSpPr>
+        <p:spPr>
+          <a:xfrm>
+            <a:off x="8286750" y="6143437"/>
+            <a:ext cx="878889" cy="703983"/>
+          </a:xfrm>
+          <a:prstGeom prst="triangle">
+            <a:avLst>
+              <a:gd name="adj" fmla="val 100000"/>
+            </a:avLst>
+          </a:prstGeom>
+          <a:solidFill>
+            <a:schemeClr val="tx1">
+              <a:alpha val="18000"/>
+            </a:schemeClr>
+          </a:solidFill>
+          <a:ln>
+            <a:noFill/>
+          </a:ln>
+        </p:spPr>
+        <p:style>
+          <a:lnRef idx="1">
+            <a:schemeClr val="accent1"/>
+          </a:lnRef>
+          <a:fillRef idx="3">
+            <a:schemeClr val="accent1"/>
+          </a:fillRef>
+          <a:effectRef idx="2">
+            <a:schemeClr val="accent1"/>
+          </a:effectRef>
+          <a:fontRef idx="minor">
+            <a:schemeClr val="lt1"/>
+          </a:fontRef>
+        </p:style>
+        <p:txBody>
+          <a:bodyPr rtlCol="0" anchor="ctr"/>
+          <a:lstStyle/>
+          <a:p>
+            <a:pPr algn="ctr"/>
+            <a:endParaRPr lang="it-IT" dirty="0"/>
+          </a:p>
+        </p:txBody>
+      </p:sp>
+      <p:sp>
+        <p:nvSpPr>
+          <p:cNvPr id="31" name="Segnaposto numero diapositiva 10">
+            <a:extLst>
+              <a:ext uri="{FF2B5EF4-FFF2-40B4-BE49-F238E27FC236}">
+                <a16:creationId xmlns:a16="http://schemas.microsoft.com/office/drawing/2014/main" id="{601B61F4-1C89-4337-A035-EF5718D4F47B}"/>
+              </a:ext>
+            </a:extLst>
+          </p:cNvPr>
+          <p:cNvSpPr txBox="1">
+            <a:spLocks/>
+          </p:cNvSpPr>
+          <p:nvPr/>
+        </p:nvSpPr>
+        <p:spPr>
+          <a:xfrm>
+            <a:off x="8539236" y="6391960"/>
+            <a:ext cx="637446" cy="365125"/>
+          </a:xfrm>
+          <a:prstGeom prst="rect">
+            <a:avLst/>
+          </a:prstGeom>
+        </p:spPr>
+        <p:txBody>
+          <a:bodyPr/>
+          <a:lstStyle>
+            <a:defPPr>
+              <a:defRPr lang="en-US"/>
+            </a:defPPr>
+            <a:lvl1pPr marL="0" algn="l" defTabSz="609630" rtl="0" eaLnBrk="1" latinLnBrk="0" hangingPunct="1">
+              <a:defRPr sz="2400" kern="1200">
+                <a:solidFill>
+                  <a:schemeClr val="tx1"/>
+                </a:solidFill>
+                <a:latin typeface="+mn-lt"/>
+                <a:ea typeface="+mn-ea"/>
+                <a:cs typeface="+mn-cs"/>
+              </a:defRPr>
+            </a:lvl1pPr>
+            <a:lvl2pPr marL="609630" algn="l" defTabSz="609630" rtl="0" eaLnBrk="1" latinLnBrk="0" hangingPunct="1">
+              <a:defRPr sz="2400" kern="1200">
+                <a:solidFill>
+                  <a:schemeClr val="tx1"/>
+                </a:solidFill>
+                <a:latin typeface="+mn-lt"/>
+                <a:ea typeface="+mn-ea"/>
+                <a:cs typeface="+mn-cs"/>
+              </a:defRPr>
+            </a:lvl2pPr>
+            <a:lvl3pPr marL="1219261" algn="l" defTabSz="609630" rtl="0" eaLnBrk="1" latinLnBrk="0" hangingPunct="1">
+              <a:defRPr sz="2400" kern="1200">
+                <a:solidFill>
+                  <a:schemeClr val="tx1"/>
+                </a:solidFill>
+                <a:latin typeface="+mn-lt"/>
+                <a:ea typeface="+mn-ea"/>
+                <a:cs typeface="+mn-cs"/>
+              </a:defRPr>
+            </a:lvl3pPr>
+            <a:lvl4pPr marL="1828891" algn="l" defTabSz="609630" rtl="0" eaLnBrk="1" latinLnBrk="0" hangingPunct="1">
+              <a:defRPr sz="2400" kern="1200">
+                <a:solidFill>
+                  <a:schemeClr val="tx1"/>
+                </a:solidFill>
+                <a:latin typeface="+mn-lt"/>
+                <a:ea typeface="+mn-ea"/>
+                <a:cs typeface="+mn-cs"/>
+              </a:defRPr>
+            </a:lvl4pPr>
+            <a:lvl5pPr marL="2438522" algn="l" defTabSz="609630" rtl="0" eaLnBrk="1" latinLnBrk="0" hangingPunct="1">
+              <a:defRPr sz="2400" kern="1200">
+                <a:solidFill>
+                  <a:schemeClr val="tx1"/>
+                </a:solidFill>
+                <a:latin typeface="+mn-lt"/>
+                <a:ea typeface="+mn-ea"/>
+                <a:cs typeface="+mn-cs"/>
+              </a:defRPr>
+            </a:lvl5pPr>
+            <a:lvl6pPr marL="3048152" algn="l" defTabSz="609630" rtl="0" eaLnBrk="1" latinLnBrk="0" hangingPunct="1">
+              <a:defRPr sz="2400" kern="1200">
+                <a:solidFill>
+                  <a:schemeClr val="tx1"/>
+                </a:solidFill>
+                <a:latin typeface="+mn-lt"/>
+                <a:ea typeface="+mn-ea"/>
+                <a:cs typeface="+mn-cs"/>
+              </a:defRPr>
+            </a:lvl6pPr>
+            <a:lvl7pPr marL="3657783" algn="l" defTabSz="609630" rtl="0" eaLnBrk="1" latinLnBrk="0" hangingPunct="1">
+              <a:defRPr sz="2400" kern="1200">
+                <a:solidFill>
+                  <a:schemeClr val="tx1"/>
+                </a:solidFill>
+                <a:latin typeface="+mn-lt"/>
+                <a:ea typeface="+mn-ea"/>
+                <a:cs typeface="+mn-cs"/>
+              </a:defRPr>
+            </a:lvl7pPr>
+            <a:lvl8pPr marL="4267413" algn="l" defTabSz="609630" rtl="0" eaLnBrk="1" latinLnBrk="0" hangingPunct="1">
+              <a:defRPr sz="2400" kern="1200">
+                <a:solidFill>
+                  <a:schemeClr val="tx1"/>
+                </a:solidFill>
+                <a:latin typeface="+mn-lt"/>
+                <a:ea typeface="+mn-ea"/>
+                <a:cs typeface="+mn-cs"/>
+              </a:defRPr>
+            </a:lvl8pPr>
+            <a:lvl9pPr marL="4877044" algn="l" defTabSz="609630" rtl="0" eaLnBrk="1" latinLnBrk="0" hangingPunct="1">
+              <a:defRPr sz="2400" kern="1200">
+                <a:solidFill>
+                  <a:schemeClr val="tx1"/>
+                </a:solidFill>
+                <a:latin typeface="+mn-lt"/>
+                <a:ea typeface="+mn-ea"/>
+                <a:cs typeface="+mn-cs"/>
+              </a:defRPr>
+            </a:lvl9pPr>
+          </a:lstStyle>
+          <a:p>
+            <a:pPr algn="r"/>
+            <a:fld id="{D02B8B2F-F691-4135-AF04-E5B2EA4DBD49}" type="slidenum">
+              <a:rPr lang="zh-CN" altLang="en-US" smtClean="0">
+                <a:solidFill>
+                  <a:schemeClr val="bg1"/>
+                </a:solidFill>
+              </a:rPr>
+              <a:pPr algn="r"/>
+              <a:t>17</a:t>
+            </a:fld>
+            <a:endParaRPr lang="zh-CN" altLang="en-US" dirty="0">
+              <a:solidFill>
+                <a:schemeClr val="bg1"/>
+              </a:solidFill>
+            </a:endParaRPr>
+          </a:p>
+        </p:txBody>
+      </p:sp>
     </p:spTree>
     <p:extLst>
       <p:ext uri="{BB962C8B-B14F-4D97-AF65-F5344CB8AC3E}">
@@ -13847,6 +16186,199 @@
           </a:p>
         </p:txBody>
       </p:sp>
+      <p:sp>
+        <p:nvSpPr>
+          <p:cNvPr id="17" name="Triangolo isoscele 16">
+            <a:extLst>
+              <a:ext uri="{FF2B5EF4-FFF2-40B4-BE49-F238E27FC236}">
+                <a16:creationId xmlns:a16="http://schemas.microsoft.com/office/drawing/2014/main" id="{B4D2913E-060F-4B50-87F7-13E42BB17F91}"/>
+              </a:ext>
+            </a:extLst>
+          </p:cNvPr>
+          <p:cNvSpPr/>
+          <p:nvPr/>
+        </p:nvSpPr>
+        <p:spPr>
+          <a:xfrm>
+            <a:off x="8286750" y="6143437"/>
+            <a:ext cx="878889" cy="703983"/>
+          </a:xfrm>
+          <a:prstGeom prst="triangle">
+            <a:avLst>
+              <a:gd name="adj" fmla="val 100000"/>
+            </a:avLst>
+          </a:prstGeom>
+          <a:solidFill>
+            <a:schemeClr val="tx1">
+              <a:alpha val="18000"/>
+            </a:schemeClr>
+          </a:solidFill>
+          <a:ln>
+            <a:noFill/>
+          </a:ln>
+        </p:spPr>
+        <p:style>
+          <a:lnRef idx="1">
+            <a:schemeClr val="accent1"/>
+          </a:lnRef>
+          <a:fillRef idx="3">
+            <a:schemeClr val="accent1"/>
+          </a:fillRef>
+          <a:effectRef idx="2">
+            <a:schemeClr val="accent1"/>
+          </a:effectRef>
+          <a:fontRef idx="minor">
+            <a:schemeClr val="lt1"/>
+          </a:fontRef>
+        </p:style>
+        <p:txBody>
+          <a:bodyPr rtlCol="0" anchor="ctr"/>
+          <a:lstStyle/>
+          <a:p>
+            <a:pPr algn="ctr"/>
+            <a:endParaRPr lang="it-IT" dirty="0"/>
+          </a:p>
+        </p:txBody>
+      </p:sp>
+      <p:sp>
+        <p:nvSpPr>
+          <p:cNvPr id="18" name="Segnaposto numero diapositiva 10">
+            <a:extLst>
+              <a:ext uri="{FF2B5EF4-FFF2-40B4-BE49-F238E27FC236}">
+                <a16:creationId xmlns:a16="http://schemas.microsoft.com/office/drawing/2014/main" id="{3315F6DE-FF52-4406-B785-FF1B2EE88267}"/>
+              </a:ext>
+            </a:extLst>
+          </p:cNvPr>
+          <p:cNvSpPr txBox="1">
+            <a:spLocks/>
+          </p:cNvSpPr>
+          <p:nvPr/>
+        </p:nvSpPr>
+        <p:spPr>
+          <a:xfrm>
+            <a:off x="8539236" y="6391960"/>
+            <a:ext cx="637446" cy="365125"/>
+          </a:xfrm>
+          <a:prstGeom prst="rect">
+            <a:avLst/>
+          </a:prstGeom>
+        </p:spPr>
+        <p:txBody>
+          <a:bodyPr/>
+          <a:lstStyle>
+            <a:defPPr>
+              <a:defRPr lang="en-US"/>
+            </a:defPPr>
+            <a:lvl1pPr marL="0" algn="l" defTabSz="609630" rtl="0" eaLnBrk="1" latinLnBrk="0" hangingPunct="1">
+              <a:defRPr sz="2400" kern="1200">
+                <a:solidFill>
+                  <a:schemeClr val="tx1"/>
+                </a:solidFill>
+                <a:latin typeface="+mn-lt"/>
+                <a:ea typeface="+mn-ea"/>
+                <a:cs typeface="+mn-cs"/>
+              </a:defRPr>
+            </a:lvl1pPr>
+            <a:lvl2pPr marL="609630" algn="l" defTabSz="609630" rtl="0" eaLnBrk="1" latinLnBrk="0" hangingPunct="1">
+              <a:defRPr sz="2400" kern="1200">
+                <a:solidFill>
+                  <a:schemeClr val="tx1"/>
+                </a:solidFill>
+                <a:latin typeface="+mn-lt"/>
+                <a:ea typeface="+mn-ea"/>
+                <a:cs typeface="+mn-cs"/>
+              </a:defRPr>
+            </a:lvl2pPr>
+            <a:lvl3pPr marL="1219261" algn="l" defTabSz="609630" rtl="0" eaLnBrk="1" latinLnBrk="0" hangingPunct="1">
+              <a:defRPr sz="2400" kern="1200">
+                <a:solidFill>
+                  <a:schemeClr val="tx1"/>
+                </a:solidFill>
+                <a:latin typeface="+mn-lt"/>
+                <a:ea typeface="+mn-ea"/>
+                <a:cs typeface="+mn-cs"/>
+              </a:defRPr>
+            </a:lvl3pPr>
+            <a:lvl4pPr marL="1828891" algn="l" defTabSz="609630" rtl="0" eaLnBrk="1" latinLnBrk="0" hangingPunct="1">
+              <a:defRPr sz="2400" kern="1200">
+                <a:solidFill>
+                  <a:schemeClr val="tx1"/>
+                </a:solidFill>
+                <a:latin typeface="+mn-lt"/>
+                <a:ea typeface="+mn-ea"/>
+                <a:cs typeface="+mn-cs"/>
+              </a:defRPr>
+            </a:lvl4pPr>
+            <a:lvl5pPr marL="2438522" algn="l" defTabSz="609630" rtl="0" eaLnBrk="1" latinLnBrk="0" hangingPunct="1">
+              <a:defRPr sz="2400" kern="1200">
+                <a:solidFill>
+                  <a:schemeClr val="tx1"/>
+                </a:solidFill>
+                <a:latin typeface="+mn-lt"/>
+                <a:ea typeface="+mn-ea"/>
+                <a:cs typeface="+mn-cs"/>
+              </a:defRPr>
+            </a:lvl5pPr>
+            <a:lvl6pPr marL="3048152" algn="l" defTabSz="609630" rtl="0" eaLnBrk="1" latinLnBrk="0" hangingPunct="1">
+              <a:defRPr sz="2400" kern="1200">
+                <a:solidFill>
+                  <a:schemeClr val="tx1"/>
+                </a:solidFill>
+                <a:latin typeface="+mn-lt"/>
+                <a:ea typeface="+mn-ea"/>
+                <a:cs typeface="+mn-cs"/>
+              </a:defRPr>
+            </a:lvl6pPr>
+            <a:lvl7pPr marL="3657783" algn="l" defTabSz="609630" rtl="0" eaLnBrk="1" latinLnBrk="0" hangingPunct="1">
+              <a:defRPr sz="2400" kern="1200">
+                <a:solidFill>
+                  <a:schemeClr val="tx1"/>
+                </a:solidFill>
+                <a:latin typeface="+mn-lt"/>
+                <a:ea typeface="+mn-ea"/>
+                <a:cs typeface="+mn-cs"/>
+              </a:defRPr>
+            </a:lvl7pPr>
+            <a:lvl8pPr marL="4267413" algn="l" defTabSz="609630" rtl="0" eaLnBrk="1" latinLnBrk="0" hangingPunct="1">
+              <a:defRPr sz="2400" kern="1200">
+                <a:solidFill>
+                  <a:schemeClr val="tx1"/>
+                </a:solidFill>
+                <a:latin typeface="+mn-lt"/>
+                <a:ea typeface="+mn-ea"/>
+                <a:cs typeface="+mn-cs"/>
+              </a:defRPr>
+            </a:lvl8pPr>
+            <a:lvl9pPr marL="4877044" algn="l" defTabSz="609630" rtl="0" eaLnBrk="1" latinLnBrk="0" hangingPunct="1">
+              <a:defRPr sz="2400" kern="1200">
+                <a:solidFill>
+                  <a:schemeClr val="tx1"/>
+                </a:solidFill>
+                <a:latin typeface="+mn-lt"/>
+                <a:ea typeface="+mn-ea"/>
+                <a:cs typeface="+mn-cs"/>
+              </a:defRPr>
+            </a:lvl9pPr>
+          </a:lstStyle>
+          <a:p>
+            <a:pPr algn="r"/>
+            <a:fld id="{D02B8B2F-F691-4135-AF04-E5B2EA4DBD49}" type="slidenum">
+              <a:rPr lang="zh-CN" altLang="en-US" smtClean="0">
+                <a:solidFill>
+                  <a:schemeClr val="bg1"/>
+                </a:solidFill>
+              </a:rPr>
+              <a:pPr algn="r"/>
+              <a:t>18</a:t>
+            </a:fld>
+            <a:endParaRPr lang="zh-CN" altLang="en-US" dirty="0">
+              <a:solidFill>
+                <a:schemeClr val="bg1"/>
+              </a:solidFill>
+            </a:endParaRPr>
+          </a:p>
+        </p:txBody>
+      </p:sp>
     </p:spTree>
     <p:extLst>
       <p:ext uri="{BB962C8B-B14F-4D97-AF65-F5344CB8AC3E}">
@@ -14016,6 +16548,199 @@
               <a:t>costi</a:t>
             </a:r>
             <a:endParaRPr lang="en-US" altLang="zh-CN" sz="2800" dirty="0">
+              <a:solidFill>
+                <a:schemeClr val="bg1"/>
+              </a:solidFill>
+            </a:endParaRPr>
+          </a:p>
+        </p:txBody>
+      </p:sp>
+      <p:sp>
+        <p:nvSpPr>
+          <p:cNvPr id="4" name="Triangolo isoscele 3">
+            <a:extLst>
+              <a:ext uri="{FF2B5EF4-FFF2-40B4-BE49-F238E27FC236}">
+                <a16:creationId xmlns:a16="http://schemas.microsoft.com/office/drawing/2014/main" id="{9E3BA82D-5331-47D4-AFE6-0AB554B0819B}"/>
+              </a:ext>
+            </a:extLst>
+          </p:cNvPr>
+          <p:cNvSpPr/>
+          <p:nvPr/>
+        </p:nvSpPr>
+        <p:spPr>
+          <a:xfrm>
+            <a:off x="8286750" y="6143437"/>
+            <a:ext cx="878889" cy="703983"/>
+          </a:xfrm>
+          <a:prstGeom prst="triangle">
+            <a:avLst>
+              <a:gd name="adj" fmla="val 100000"/>
+            </a:avLst>
+          </a:prstGeom>
+          <a:solidFill>
+            <a:schemeClr val="tx1">
+              <a:alpha val="18000"/>
+            </a:schemeClr>
+          </a:solidFill>
+          <a:ln>
+            <a:noFill/>
+          </a:ln>
+        </p:spPr>
+        <p:style>
+          <a:lnRef idx="1">
+            <a:schemeClr val="accent1"/>
+          </a:lnRef>
+          <a:fillRef idx="3">
+            <a:schemeClr val="accent1"/>
+          </a:fillRef>
+          <a:effectRef idx="2">
+            <a:schemeClr val="accent1"/>
+          </a:effectRef>
+          <a:fontRef idx="minor">
+            <a:schemeClr val="lt1"/>
+          </a:fontRef>
+        </p:style>
+        <p:txBody>
+          <a:bodyPr rtlCol="0" anchor="ctr"/>
+          <a:lstStyle/>
+          <a:p>
+            <a:pPr algn="ctr"/>
+            <a:endParaRPr lang="it-IT" dirty="0"/>
+          </a:p>
+        </p:txBody>
+      </p:sp>
+      <p:sp>
+        <p:nvSpPr>
+          <p:cNvPr id="5" name="Segnaposto numero diapositiva 10">
+            <a:extLst>
+              <a:ext uri="{FF2B5EF4-FFF2-40B4-BE49-F238E27FC236}">
+                <a16:creationId xmlns:a16="http://schemas.microsoft.com/office/drawing/2014/main" id="{A68F2F16-28EF-4D7F-BB78-DF83EA86A382}"/>
+              </a:ext>
+            </a:extLst>
+          </p:cNvPr>
+          <p:cNvSpPr txBox="1">
+            <a:spLocks/>
+          </p:cNvSpPr>
+          <p:nvPr/>
+        </p:nvSpPr>
+        <p:spPr>
+          <a:xfrm>
+            <a:off x="8539236" y="6391960"/>
+            <a:ext cx="637446" cy="365125"/>
+          </a:xfrm>
+          <a:prstGeom prst="rect">
+            <a:avLst/>
+          </a:prstGeom>
+        </p:spPr>
+        <p:txBody>
+          <a:bodyPr/>
+          <a:lstStyle>
+            <a:defPPr>
+              <a:defRPr lang="en-US"/>
+            </a:defPPr>
+            <a:lvl1pPr marL="0" algn="l" defTabSz="609630" rtl="0" eaLnBrk="1" latinLnBrk="0" hangingPunct="1">
+              <a:defRPr sz="2400" kern="1200">
+                <a:solidFill>
+                  <a:schemeClr val="tx1"/>
+                </a:solidFill>
+                <a:latin typeface="+mn-lt"/>
+                <a:ea typeface="+mn-ea"/>
+                <a:cs typeface="+mn-cs"/>
+              </a:defRPr>
+            </a:lvl1pPr>
+            <a:lvl2pPr marL="609630" algn="l" defTabSz="609630" rtl="0" eaLnBrk="1" latinLnBrk="0" hangingPunct="1">
+              <a:defRPr sz="2400" kern="1200">
+                <a:solidFill>
+                  <a:schemeClr val="tx1"/>
+                </a:solidFill>
+                <a:latin typeface="+mn-lt"/>
+                <a:ea typeface="+mn-ea"/>
+                <a:cs typeface="+mn-cs"/>
+              </a:defRPr>
+            </a:lvl2pPr>
+            <a:lvl3pPr marL="1219261" algn="l" defTabSz="609630" rtl="0" eaLnBrk="1" latinLnBrk="0" hangingPunct="1">
+              <a:defRPr sz="2400" kern="1200">
+                <a:solidFill>
+                  <a:schemeClr val="tx1"/>
+                </a:solidFill>
+                <a:latin typeface="+mn-lt"/>
+                <a:ea typeface="+mn-ea"/>
+                <a:cs typeface="+mn-cs"/>
+              </a:defRPr>
+            </a:lvl3pPr>
+            <a:lvl4pPr marL="1828891" algn="l" defTabSz="609630" rtl="0" eaLnBrk="1" latinLnBrk="0" hangingPunct="1">
+              <a:defRPr sz="2400" kern="1200">
+                <a:solidFill>
+                  <a:schemeClr val="tx1"/>
+                </a:solidFill>
+                <a:latin typeface="+mn-lt"/>
+                <a:ea typeface="+mn-ea"/>
+                <a:cs typeface="+mn-cs"/>
+              </a:defRPr>
+            </a:lvl4pPr>
+            <a:lvl5pPr marL="2438522" algn="l" defTabSz="609630" rtl="0" eaLnBrk="1" latinLnBrk="0" hangingPunct="1">
+              <a:defRPr sz="2400" kern="1200">
+                <a:solidFill>
+                  <a:schemeClr val="tx1"/>
+                </a:solidFill>
+                <a:latin typeface="+mn-lt"/>
+                <a:ea typeface="+mn-ea"/>
+                <a:cs typeface="+mn-cs"/>
+              </a:defRPr>
+            </a:lvl5pPr>
+            <a:lvl6pPr marL="3048152" algn="l" defTabSz="609630" rtl="0" eaLnBrk="1" latinLnBrk="0" hangingPunct="1">
+              <a:defRPr sz="2400" kern="1200">
+                <a:solidFill>
+                  <a:schemeClr val="tx1"/>
+                </a:solidFill>
+                <a:latin typeface="+mn-lt"/>
+                <a:ea typeface="+mn-ea"/>
+                <a:cs typeface="+mn-cs"/>
+              </a:defRPr>
+            </a:lvl6pPr>
+            <a:lvl7pPr marL="3657783" algn="l" defTabSz="609630" rtl="0" eaLnBrk="1" latinLnBrk="0" hangingPunct="1">
+              <a:defRPr sz="2400" kern="1200">
+                <a:solidFill>
+                  <a:schemeClr val="tx1"/>
+                </a:solidFill>
+                <a:latin typeface="+mn-lt"/>
+                <a:ea typeface="+mn-ea"/>
+                <a:cs typeface="+mn-cs"/>
+              </a:defRPr>
+            </a:lvl7pPr>
+            <a:lvl8pPr marL="4267413" algn="l" defTabSz="609630" rtl="0" eaLnBrk="1" latinLnBrk="0" hangingPunct="1">
+              <a:defRPr sz="2400" kern="1200">
+                <a:solidFill>
+                  <a:schemeClr val="tx1"/>
+                </a:solidFill>
+                <a:latin typeface="+mn-lt"/>
+                <a:ea typeface="+mn-ea"/>
+                <a:cs typeface="+mn-cs"/>
+              </a:defRPr>
+            </a:lvl8pPr>
+            <a:lvl9pPr marL="4877044" algn="l" defTabSz="609630" rtl="0" eaLnBrk="1" latinLnBrk="0" hangingPunct="1">
+              <a:defRPr sz="2400" kern="1200">
+                <a:solidFill>
+                  <a:schemeClr val="tx1"/>
+                </a:solidFill>
+                <a:latin typeface="+mn-lt"/>
+                <a:ea typeface="+mn-ea"/>
+                <a:cs typeface="+mn-cs"/>
+              </a:defRPr>
+            </a:lvl9pPr>
+          </a:lstStyle>
+          <a:p>
+            <a:pPr algn="r"/>
+            <a:fld id="{D02B8B2F-F691-4135-AF04-E5B2EA4DBD49}" type="slidenum">
+              <a:rPr lang="zh-CN" altLang="en-US" smtClean="0">
+                <a:solidFill>
+                  <a:schemeClr val="bg1"/>
+                </a:solidFill>
+              </a:rPr>
+              <a:pPr algn="r"/>
+              <a:t>19</a:t>
+            </a:fld>
+            <a:endParaRPr lang="zh-CN" altLang="en-US" dirty="0">
               <a:solidFill>
                 <a:schemeClr val="bg1"/>
               </a:solidFill>
@@ -14943,7 +17668,7 @@
                 </a:ln>
                 <a:extLst>
                   <a:ext uri="{91240B29-F687-4f45-9708-019B960494DF}">
-                    <a14:hiddenLine xmlns:a14="http://schemas.microsoft.com/office/drawing/2010/main" xmlns="" w="9525">
+                    <a14:hiddenLine xmlns="" xmlns:a14="http://schemas.microsoft.com/office/drawing/2010/main" w="9525">
                       <a:solidFill>
                         <a:srgbClr val="000000"/>
                       </a:solidFill>
@@ -14995,7 +17720,7 @@
                 </a:ln>
                 <a:extLst>
                   <a:ext uri="{91240B29-F687-4f45-9708-019B960494DF}">
-                    <a14:hiddenLine xmlns:a14="http://schemas.microsoft.com/office/drawing/2010/main" xmlns="" w="9525">
+                    <a14:hiddenLine xmlns="" xmlns:a14="http://schemas.microsoft.com/office/drawing/2010/main" w="9525">
                       <a:solidFill>
                         <a:srgbClr val="000000"/>
                       </a:solidFill>
@@ -15047,7 +17772,7 @@
                 </a:ln>
                 <a:extLst>
                   <a:ext uri="{91240B29-F687-4f45-9708-019B960494DF}">
-                    <a14:hiddenLine xmlns:a14="http://schemas.microsoft.com/office/drawing/2010/main" xmlns="" w="9525">
+                    <a14:hiddenLine xmlns="" xmlns:a14="http://schemas.microsoft.com/office/drawing/2010/main" w="9525">
                       <a:solidFill>
                         <a:srgbClr val="000000"/>
                       </a:solidFill>
@@ -15099,7 +17824,7 @@
                 </a:ln>
                 <a:extLst>
                   <a:ext uri="{91240B29-F687-4f45-9708-019B960494DF}">
-                    <a14:hiddenLine xmlns:a14="http://schemas.microsoft.com/office/drawing/2010/main" xmlns="" w="9525">
+                    <a14:hiddenLine xmlns="" xmlns:a14="http://schemas.microsoft.com/office/drawing/2010/main" w="9525">
                       <a:solidFill>
                         <a:srgbClr val="000000"/>
                       </a:solidFill>
@@ -15151,7 +17876,7 @@
                 </a:ln>
                 <a:extLst>
                   <a:ext uri="{91240B29-F687-4f45-9708-019B960494DF}">
-                    <a14:hiddenLine xmlns:a14="http://schemas.microsoft.com/office/drawing/2010/main" xmlns="" w="9525">
+                    <a14:hiddenLine xmlns="" xmlns:a14="http://schemas.microsoft.com/office/drawing/2010/main" w="9525">
                       <a:solidFill>
                         <a:srgbClr val="000000"/>
                       </a:solidFill>
@@ -15286,7 +18011,7 @@
                 </a:ln>
                 <a:extLst>
                   <a:ext uri="{91240B29-F687-4f45-9708-019B960494DF}">
-                    <a14:hiddenLine xmlns:a14="http://schemas.microsoft.com/office/drawing/2010/main" xmlns="" w="9525">
+                    <a14:hiddenLine xmlns="" xmlns:a14="http://schemas.microsoft.com/office/drawing/2010/main" w="9525">
                       <a:solidFill>
                         <a:srgbClr val="000000"/>
                       </a:solidFill>
@@ -19185,7 +21910,7 @@
               </a:ln>
               <a:extLst>
                 <a:ext uri="{91240B29-F687-4f45-9708-019B960494DF}">
-                  <a14:hiddenLine xmlns:a14="http://schemas.microsoft.com/office/drawing/2010/main" xmlns="" w="9525">
+                  <a14:hiddenLine xmlns="" xmlns:a14="http://schemas.microsoft.com/office/drawing/2010/main" w="9525">
                     <a:solidFill>
                       <a:srgbClr val="000000"/>
                     </a:solidFill>
@@ -19320,7 +22045,7 @@
               </a:ln>
               <a:extLst>
                 <a:ext uri="{91240B29-F687-4f45-9708-019B960494DF}">
-                  <a14:hiddenLine xmlns:a14="http://schemas.microsoft.com/office/drawing/2010/main" xmlns="" w="9525">
+                  <a14:hiddenLine xmlns="" xmlns:a14="http://schemas.microsoft.com/office/drawing/2010/main" w="9525">
                     <a:solidFill>
                       <a:srgbClr val="000000"/>
                     </a:solidFill>
@@ -19423,7 +22148,7 @@
               </a:ln>
               <a:extLst>
                 <a:ext uri="{91240B29-F687-4f45-9708-019B960494DF}">
-                  <a14:hiddenLine xmlns:a14="http://schemas.microsoft.com/office/drawing/2010/main" xmlns="" w="9525">
+                  <a14:hiddenLine xmlns="" xmlns:a14="http://schemas.microsoft.com/office/drawing/2010/main" w="9525">
                     <a:solidFill>
                       <a:srgbClr val="000000"/>
                     </a:solidFill>
@@ -19567,7 +22292,7 @@
               </a:ln>
               <a:extLst>
                 <a:ext uri="{91240B29-F687-4f45-9708-019B960494DF}">
-                  <a14:hiddenLine xmlns:a14="http://schemas.microsoft.com/office/drawing/2010/main" xmlns="" w="9525">
+                  <a14:hiddenLine xmlns="" xmlns:a14="http://schemas.microsoft.com/office/drawing/2010/main" w="9525">
                     <a:solidFill>
                       <a:srgbClr val="000000"/>
                     </a:solidFill>
@@ -19757,7 +22482,7 @@
               </a:ln>
               <a:extLst>
                 <a:ext uri="{91240B29-F687-4f45-9708-019B960494DF}">
-                  <a14:hiddenLine xmlns:a14="http://schemas.microsoft.com/office/drawing/2010/main" xmlns="" w="9525">
+                  <a14:hiddenLine xmlns="" xmlns:a14="http://schemas.microsoft.com/office/drawing/2010/main" w="9525">
                     <a:solidFill>
                       <a:srgbClr val="000000"/>
                     </a:solidFill>
@@ -19831,6 +22556,199 @@
           <a:p>
             <a:pPr algn="ctr"/>
             <a:endParaRPr kumimoji="1" lang="zh-CN" altLang="en-US"/>
+          </a:p>
+        </p:txBody>
+      </p:sp>
+      <p:sp>
+        <p:nvSpPr>
+          <p:cNvPr id="55" name="Triangolo isoscele 54">
+            <a:extLst>
+              <a:ext uri="{FF2B5EF4-FFF2-40B4-BE49-F238E27FC236}">
+                <a16:creationId xmlns:a16="http://schemas.microsoft.com/office/drawing/2014/main" id="{48BE0D64-894C-4F36-8057-913063AD1D02}"/>
+              </a:ext>
+            </a:extLst>
+          </p:cNvPr>
+          <p:cNvSpPr/>
+          <p:nvPr/>
+        </p:nvSpPr>
+        <p:spPr>
+          <a:xfrm>
+            <a:off x="8286750" y="6143437"/>
+            <a:ext cx="878889" cy="703983"/>
+          </a:xfrm>
+          <a:prstGeom prst="triangle">
+            <a:avLst>
+              <a:gd name="adj" fmla="val 100000"/>
+            </a:avLst>
+          </a:prstGeom>
+          <a:solidFill>
+            <a:schemeClr val="tx1">
+              <a:alpha val="18000"/>
+            </a:schemeClr>
+          </a:solidFill>
+          <a:ln>
+            <a:noFill/>
+          </a:ln>
+        </p:spPr>
+        <p:style>
+          <a:lnRef idx="1">
+            <a:schemeClr val="accent1"/>
+          </a:lnRef>
+          <a:fillRef idx="3">
+            <a:schemeClr val="accent1"/>
+          </a:fillRef>
+          <a:effectRef idx="2">
+            <a:schemeClr val="accent1"/>
+          </a:effectRef>
+          <a:fontRef idx="minor">
+            <a:schemeClr val="lt1"/>
+          </a:fontRef>
+        </p:style>
+        <p:txBody>
+          <a:bodyPr rtlCol="0" anchor="ctr"/>
+          <a:lstStyle/>
+          <a:p>
+            <a:pPr algn="ctr"/>
+            <a:endParaRPr lang="it-IT" dirty="0"/>
+          </a:p>
+        </p:txBody>
+      </p:sp>
+      <p:sp>
+        <p:nvSpPr>
+          <p:cNvPr id="56" name="Segnaposto numero diapositiva 10">
+            <a:extLst>
+              <a:ext uri="{FF2B5EF4-FFF2-40B4-BE49-F238E27FC236}">
+                <a16:creationId xmlns:a16="http://schemas.microsoft.com/office/drawing/2014/main" id="{17178B41-05A8-4BF1-B3C5-78A62782DAA3}"/>
+              </a:ext>
+            </a:extLst>
+          </p:cNvPr>
+          <p:cNvSpPr txBox="1">
+            <a:spLocks/>
+          </p:cNvSpPr>
+          <p:nvPr/>
+        </p:nvSpPr>
+        <p:spPr>
+          <a:xfrm>
+            <a:off x="8443986" y="6391960"/>
+            <a:ext cx="637446" cy="365125"/>
+          </a:xfrm>
+          <a:prstGeom prst="rect">
+            <a:avLst/>
+          </a:prstGeom>
+        </p:spPr>
+        <p:txBody>
+          <a:bodyPr/>
+          <a:lstStyle>
+            <a:defPPr>
+              <a:defRPr lang="en-US"/>
+            </a:defPPr>
+            <a:lvl1pPr marL="0" algn="l" defTabSz="609630" rtl="0" eaLnBrk="1" latinLnBrk="0" hangingPunct="1">
+              <a:defRPr sz="2400" kern="1200">
+                <a:solidFill>
+                  <a:schemeClr val="tx1"/>
+                </a:solidFill>
+                <a:latin typeface="+mn-lt"/>
+                <a:ea typeface="+mn-ea"/>
+                <a:cs typeface="+mn-cs"/>
+              </a:defRPr>
+            </a:lvl1pPr>
+            <a:lvl2pPr marL="609630" algn="l" defTabSz="609630" rtl="0" eaLnBrk="1" latinLnBrk="0" hangingPunct="1">
+              <a:defRPr sz="2400" kern="1200">
+                <a:solidFill>
+                  <a:schemeClr val="tx1"/>
+                </a:solidFill>
+                <a:latin typeface="+mn-lt"/>
+                <a:ea typeface="+mn-ea"/>
+                <a:cs typeface="+mn-cs"/>
+              </a:defRPr>
+            </a:lvl2pPr>
+            <a:lvl3pPr marL="1219261" algn="l" defTabSz="609630" rtl="0" eaLnBrk="1" latinLnBrk="0" hangingPunct="1">
+              <a:defRPr sz="2400" kern="1200">
+                <a:solidFill>
+                  <a:schemeClr val="tx1"/>
+                </a:solidFill>
+                <a:latin typeface="+mn-lt"/>
+                <a:ea typeface="+mn-ea"/>
+                <a:cs typeface="+mn-cs"/>
+              </a:defRPr>
+            </a:lvl3pPr>
+            <a:lvl4pPr marL="1828891" algn="l" defTabSz="609630" rtl="0" eaLnBrk="1" latinLnBrk="0" hangingPunct="1">
+              <a:defRPr sz="2400" kern="1200">
+                <a:solidFill>
+                  <a:schemeClr val="tx1"/>
+                </a:solidFill>
+                <a:latin typeface="+mn-lt"/>
+                <a:ea typeface="+mn-ea"/>
+                <a:cs typeface="+mn-cs"/>
+              </a:defRPr>
+            </a:lvl4pPr>
+            <a:lvl5pPr marL="2438522" algn="l" defTabSz="609630" rtl="0" eaLnBrk="1" latinLnBrk="0" hangingPunct="1">
+              <a:defRPr sz="2400" kern="1200">
+                <a:solidFill>
+                  <a:schemeClr val="tx1"/>
+                </a:solidFill>
+                <a:latin typeface="+mn-lt"/>
+                <a:ea typeface="+mn-ea"/>
+                <a:cs typeface="+mn-cs"/>
+              </a:defRPr>
+            </a:lvl5pPr>
+            <a:lvl6pPr marL="3048152" algn="l" defTabSz="609630" rtl="0" eaLnBrk="1" latinLnBrk="0" hangingPunct="1">
+              <a:defRPr sz="2400" kern="1200">
+                <a:solidFill>
+                  <a:schemeClr val="tx1"/>
+                </a:solidFill>
+                <a:latin typeface="+mn-lt"/>
+                <a:ea typeface="+mn-ea"/>
+                <a:cs typeface="+mn-cs"/>
+              </a:defRPr>
+            </a:lvl6pPr>
+            <a:lvl7pPr marL="3657783" algn="l" defTabSz="609630" rtl="0" eaLnBrk="1" latinLnBrk="0" hangingPunct="1">
+              <a:defRPr sz="2400" kern="1200">
+                <a:solidFill>
+                  <a:schemeClr val="tx1"/>
+                </a:solidFill>
+                <a:latin typeface="+mn-lt"/>
+                <a:ea typeface="+mn-ea"/>
+                <a:cs typeface="+mn-cs"/>
+              </a:defRPr>
+            </a:lvl7pPr>
+            <a:lvl8pPr marL="4267413" algn="l" defTabSz="609630" rtl="0" eaLnBrk="1" latinLnBrk="0" hangingPunct="1">
+              <a:defRPr sz="2400" kern="1200">
+                <a:solidFill>
+                  <a:schemeClr val="tx1"/>
+                </a:solidFill>
+                <a:latin typeface="+mn-lt"/>
+                <a:ea typeface="+mn-ea"/>
+                <a:cs typeface="+mn-cs"/>
+              </a:defRPr>
+            </a:lvl8pPr>
+            <a:lvl9pPr marL="4877044" algn="l" defTabSz="609630" rtl="0" eaLnBrk="1" latinLnBrk="0" hangingPunct="1">
+              <a:defRPr sz="2400" kern="1200">
+                <a:solidFill>
+                  <a:schemeClr val="tx1"/>
+                </a:solidFill>
+                <a:latin typeface="+mn-lt"/>
+                <a:ea typeface="+mn-ea"/>
+                <a:cs typeface="+mn-cs"/>
+              </a:defRPr>
+            </a:lvl9pPr>
+          </a:lstStyle>
+          <a:p>
+            <a:pPr algn="r"/>
+            <a:fld id="{D02B8B2F-F691-4135-AF04-E5B2EA4DBD49}" type="slidenum">
+              <a:rPr lang="zh-CN" altLang="en-US" smtClean="0">
+                <a:solidFill>
+                  <a:schemeClr val="bg1"/>
+                </a:solidFill>
+              </a:rPr>
+              <a:pPr algn="r"/>
+              <a:t>2</a:t>
+            </a:fld>
+            <a:endParaRPr lang="zh-CN" altLang="en-US" dirty="0">
+              <a:solidFill>
+                <a:schemeClr val="bg1"/>
+              </a:solidFill>
+            </a:endParaRPr>
           </a:p>
         </p:txBody>
       </p:sp>
@@ -20138,6 +23056,199 @@
               </a:rPr>
               <a:t>Validazione e collaudo</a:t>
             </a:r>
+          </a:p>
+        </p:txBody>
+      </p:sp>
+      <p:sp>
+        <p:nvSpPr>
+          <p:cNvPr id="6" name="Triangolo isoscele 5">
+            <a:extLst>
+              <a:ext uri="{FF2B5EF4-FFF2-40B4-BE49-F238E27FC236}">
+                <a16:creationId xmlns:a16="http://schemas.microsoft.com/office/drawing/2014/main" id="{708EA82E-4FC4-4EF9-A5C7-3029AF7D5BE3}"/>
+              </a:ext>
+            </a:extLst>
+          </p:cNvPr>
+          <p:cNvSpPr/>
+          <p:nvPr/>
+        </p:nvSpPr>
+        <p:spPr>
+          <a:xfrm>
+            <a:off x="8286750" y="6143437"/>
+            <a:ext cx="878889" cy="703983"/>
+          </a:xfrm>
+          <a:prstGeom prst="triangle">
+            <a:avLst>
+              <a:gd name="adj" fmla="val 100000"/>
+            </a:avLst>
+          </a:prstGeom>
+          <a:solidFill>
+            <a:schemeClr val="tx1">
+              <a:alpha val="18000"/>
+            </a:schemeClr>
+          </a:solidFill>
+          <a:ln>
+            <a:noFill/>
+          </a:ln>
+        </p:spPr>
+        <p:style>
+          <a:lnRef idx="1">
+            <a:schemeClr val="accent1"/>
+          </a:lnRef>
+          <a:fillRef idx="3">
+            <a:schemeClr val="accent1"/>
+          </a:fillRef>
+          <a:effectRef idx="2">
+            <a:schemeClr val="accent1"/>
+          </a:effectRef>
+          <a:fontRef idx="minor">
+            <a:schemeClr val="lt1"/>
+          </a:fontRef>
+        </p:style>
+        <p:txBody>
+          <a:bodyPr rtlCol="0" anchor="ctr"/>
+          <a:lstStyle/>
+          <a:p>
+            <a:pPr algn="ctr"/>
+            <a:endParaRPr lang="it-IT" dirty="0"/>
+          </a:p>
+        </p:txBody>
+      </p:sp>
+      <p:sp>
+        <p:nvSpPr>
+          <p:cNvPr id="7" name="Segnaposto numero diapositiva 10">
+            <a:extLst>
+              <a:ext uri="{FF2B5EF4-FFF2-40B4-BE49-F238E27FC236}">
+                <a16:creationId xmlns:a16="http://schemas.microsoft.com/office/drawing/2014/main" id="{6BA64E11-DE94-4C87-8957-BD1E7BC04185}"/>
+              </a:ext>
+            </a:extLst>
+          </p:cNvPr>
+          <p:cNvSpPr txBox="1">
+            <a:spLocks/>
+          </p:cNvSpPr>
+          <p:nvPr/>
+        </p:nvSpPr>
+        <p:spPr>
+          <a:xfrm>
+            <a:off x="8539236" y="6391960"/>
+            <a:ext cx="637446" cy="365125"/>
+          </a:xfrm>
+          <a:prstGeom prst="rect">
+            <a:avLst/>
+          </a:prstGeom>
+        </p:spPr>
+        <p:txBody>
+          <a:bodyPr/>
+          <a:lstStyle>
+            <a:defPPr>
+              <a:defRPr lang="en-US"/>
+            </a:defPPr>
+            <a:lvl1pPr marL="0" algn="l" defTabSz="609630" rtl="0" eaLnBrk="1" latinLnBrk="0" hangingPunct="1">
+              <a:defRPr sz="2400" kern="1200">
+                <a:solidFill>
+                  <a:schemeClr val="tx1"/>
+                </a:solidFill>
+                <a:latin typeface="+mn-lt"/>
+                <a:ea typeface="+mn-ea"/>
+                <a:cs typeface="+mn-cs"/>
+              </a:defRPr>
+            </a:lvl1pPr>
+            <a:lvl2pPr marL="609630" algn="l" defTabSz="609630" rtl="0" eaLnBrk="1" latinLnBrk="0" hangingPunct="1">
+              <a:defRPr sz="2400" kern="1200">
+                <a:solidFill>
+                  <a:schemeClr val="tx1"/>
+                </a:solidFill>
+                <a:latin typeface="+mn-lt"/>
+                <a:ea typeface="+mn-ea"/>
+                <a:cs typeface="+mn-cs"/>
+              </a:defRPr>
+            </a:lvl2pPr>
+            <a:lvl3pPr marL="1219261" algn="l" defTabSz="609630" rtl="0" eaLnBrk="1" latinLnBrk="0" hangingPunct="1">
+              <a:defRPr sz="2400" kern="1200">
+                <a:solidFill>
+                  <a:schemeClr val="tx1"/>
+                </a:solidFill>
+                <a:latin typeface="+mn-lt"/>
+                <a:ea typeface="+mn-ea"/>
+                <a:cs typeface="+mn-cs"/>
+              </a:defRPr>
+            </a:lvl3pPr>
+            <a:lvl4pPr marL="1828891" algn="l" defTabSz="609630" rtl="0" eaLnBrk="1" latinLnBrk="0" hangingPunct="1">
+              <a:defRPr sz="2400" kern="1200">
+                <a:solidFill>
+                  <a:schemeClr val="tx1"/>
+                </a:solidFill>
+                <a:latin typeface="+mn-lt"/>
+                <a:ea typeface="+mn-ea"/>
+                <a:cs typeface="+mn-cs"/>
+              </a:defRPr>
+            </a:lvl4pPr>
+            <a:lvl5pPr marL="2438522" algn="l" defTabSz="609630" rtl="0" eaLnBrk="1" latinLnBrk="0" hangingPunct="1">
+              <a:defRPr sz="2400" kern="1200">
+                <a:solidFill>
+                  <a:schemeClr val="tx1"/>
+                </a:solidFill>
+                <a:latin typeface="+mn-lt"/>
+                <a:ea typeface="+mn-ea"/>
+                <a:cs typeface="+mn-cs"/>
+              </a:defRPr>
+            </a:lvl5pPr>
+            <a:lvl6pPr marL="3048152" algn="l" defTabSz="609630" rtl="0" eaLnBrk="1" latinLnBrk="0" hangingPunct="1">
+              <a:defRPr sz="2400" kern="1200">
+                <a:solidFill>
+                  <a:schemeClr val="tx1"/>
+                </a:solidFill>
+                <a:latin typeface="+mn-lt"/>
+                <a:ea typeface="+mn-ea"/>
+                <a:cs typeface="+mn-cs"/>
+              </a:defRPr>
+            </a:lvl6pPr>
+            <a:lvl7pPr marL="3657783" algn="l" defTabSz="609630" rtl="0" eaLnBrk="1" latinLnBrk="0" hangingPunct="1">
+              <a:defRPr sz="2400" kern="1200">
+                <a:solidFill>
+                  <a:schemeClr val="tx1"/>
+                </a:solidFill>
+                <a:latin typeface="+mn-lt"/>
+                <a:ea typeface="+mn-ea"/>
+                <a:cs typeface="+mn-cs"/>
+              </a:defRPr>
+            </a:lvl7pPr>
+            <a:lvl8pPr marL="4267413" algn="l" defTabSz="609630" rtl="0" eaLnBrk="1" latinLnBrk="0" hangingPunct="1">
+              <a:defRPr sz="2400" kern="1200">
+                <a:solidFill>
+                  <a:schemeClr val="tx1"/>
+                </a:solidFill>
+                <a:latin typeface="+mn-lt"/>
+                <a:ea typeface="+mn-ea"/>
+                <a:cs typeface="+mn-cs"/>
+              </a:defRPr>
+            </a:lvl8pPr>
+            <a:lvl9pPr marL="4877044" algn="l" defTabSz="609630" rtl="0" eaLnBrk="1" latinLnBrk="0" hangingPunct="1">
+              <a:defRPr sz="2400" kern="1200">
+                <a:solidFill>
+                  <a:schemeClr val="tx1"/>
+                </a:solidFill>
+                <a:latin typeface="+mn-lt"/>
+                <a:ea typeface="+mn-ea"/>
+                <a:cs typeface="+mn-cs"/>
+              </a:defRPr>
+            </a:lvl9pPr>
+          </a:lstStyle>
+          <a:p>
+            <a:pPr algn="r"/>
+            <a:fld id="{D02B8B2F-F691-4135-AF04-E5B2EA4DBD49}" type="slidenum">
+              <a:rPr lang="zh-CN" altLang="en-US" smtClean="0">
+                <a:solidFill>
+                  <a:schemeClr val="bg1"/>
+                </a:solidFill>
+              </a:rPr>
+              <a:pPr algn="r"/>
+              <a:t>20</a:t>
+            </a:fld>
+            <a:endParaRPr lang="zh-CN" altLang="en-US" dirty="0">
+              <a:solidFill>
+                <a:schemeClr val="bg1"/>
+              </a:solidFill>
+            </a:endParaRPr>
           </a:p>
         </p:txBody>
       </p:sp>
@@ -20505,7 +23616,7 @@
                   </a:solidFill>
                   <a:latin typeface="+mj-lt"/>
                 </a:rPr>
-                <a:t>Ruolo	 	      Ore   Costo in AC</a:t>
+                <a:t>Ruolo	 	      Ore   Costo in €</a:t>
               </a:r>
             </a:p>
             <a:p>
@@ -20595,6 +23706,199 @@
           </p:txBody>
         </p:sp>
       </p:grpSp>
+      <p:sp>
+        <p:nvSpPr>
+          <p:cNvPr id="12" name="Triangolo isoscele 11">
+            <a:extLst>
+              <a:ext uri="{FF2B5EF4-FFF2-40B4-BE49-F238E27FC236}">
+                <a16:creationId xmlns:a16="http://schemas.microsoft.com/office/drawing/2014/main" id="{69448F9A-6459-4874-8FE5-4F6291F4CCCC}"/>
+              </a:ext>
+            </a:extLst>
+          </p:cNvPr>
+          <p:cNvSpPr/>
+          <p:nvPr/>
+        </p:nvSpPr>
+        <p:spPr>
+          <a:xfrm>
+            <a:off x="8286750" y="6143437"/>
+            <a:ext cx="878889" cy="703983"/>
+          </a:xfrm>
+          <a:prstGeom prst="triangle">
+            <a:avLst>
+              <a:gd name="adj" fmla="val 100000"/>
+            </a:avLst>
+          </a:prstGeom>
+          <a:solidFill>
+            <a:schemeClr val="tx1">
+              <a:alpha val="18000"/>
+            </a:schemeClr>
+          </a:solidFill>
+          <a:ln>
+            <a:noFill/>
+          </a:ln>
+        </p:spPr>
+        <p:style>
+          <a:lnRef idx="1">
+            <a:schemeClr val="accent1"/>
+          </a:lnRef>
+          <a:fillRef idx="3">
+            <a:schemeClr val="accent1"/>
+          </a:fillRef>
+          <a:effectRef idx="2">
+            <a:schemeClr val="accent1"/>
+          </a:effectRef>
+          <a:fontRef idx="minor">
+            <a:schemeClr val="lt1"/>
+          </a:fontRef>
+        </p:style>
+        <p:txBody>
+          <a:bodyPr rtlCol="0" anchor="ctr"/>
+          <a:lstStyle/>
+          <a:p>
+            <a:pPr algn="ctr"/>
+            <a:endParaRPr lang="it-IT" dirty="0"/>
+          </a:p>
+        </p:txBody>
+      </p:sp>
+      <p:sp>
+        <p:nvSpPr>
+          <p:cNvPr id="13" name="Segnaposto numero diapositiva 10">
+            <a:extLst>
+              <a:ext uri="{FF2B5EF4-FFF2-40B4-BE49-F238E27FC236}">
+                <a16:creationId xmlns:a16="http://schemas.microsoft.com/office/drawing/2014/main" id="{1A13698B-F843-4084-A9CD-C063FF90455D}"/>
+              </a:ext>
+            </a:extLst>
+          </p:cNvPr>
+          <p:cNvSpPr txBox="1">
+            <a:spLocks/>
+          </p:cNvSpPr>
+          <p:nvPr/>
+        </p:nvSpPr>
+        <p:spPr>
+          <a:xfrm>
+            <a:off x="8539236" y="6391960"/>
+            <a:ext cx="637446" cy="365125"/>
+          </a:xfrm>
+          <a:prstGeom prst="rect">
+            <a:avLst/>
+          </a:prstGeom>
+        </p:spPr>
+        <p:txBody>
+          <a:bodyPr/>
+          <a:lstStyle>
+            <a:defPPr>
+              <a:defRPr lang="en-US"/>
+            </a:defPPr>
+            <a:lvl1pPr marL="0" algn="l" defTabSz="609630" rtl="0" eaLnBrk="1" latinLnBrk="0" hangingPunct="1">
+              <a:defRPr sz="2400" kern="1200">
+                <a:solidFill>
+                  <a:schemeClr val="tx1"/>
+                </a:solidFill>
+                <a:latin typeface="+mn-lt"/>
+                <a:ea typeface="+mn-ea"/>
+                <a:cs typeface="+mn-cs"/>
+              </a:defRPr>
+            </a:lvl1pPr>
+            <a:lvl2pPr marL="609630" algn="l" defTabSz="609630" rtl="0" eaLnBrk="1" latinLnBrk="0" hangingPunct="1">
+              <a:defRPr sz="2400" kern="1200">
+                <a:solidFill>
+                  <a:schemeClr val="tx1"/>
+                </a:solidFill>
+                <a:latin typeface="+mn-lt"/>
+                <a:ea typeface="+mn-ea"/>
+                <a:cs typeface="+mn-cs"/>
+              </a:defRPr>
+            </a:lvl2pPr>
+            <a:lvl3pPr marL="1219261" algn="l" defTabSz="609630" rtl="0" eaLnBrk="1" latinLnBrk="0" hangingPunct="1">
+              <a:defRPr sz="2400" kern="1200">
+                <a:solidFill>
+                  <a:schemeClr val="tx1"/>
+                </a:solidFill>
+                <a:latin typeface="+mn-lt"/>
+                <a:ea typeface="+mn-ea"/>
+                <a:cs typeface="+mn-cs"/>
+              </a:defRPr>
+            </a:lvl3pPr>
+            <a:lvl4pPr marL="1828891" algn="l" defTabSz="609630" rtl="0" eaLnBrk="1" latinLnBrk="0" hangingPunct="1">
+              <a:defRPr sz="2400" kern="1200">
+                <a:solidFill>
+                  <a:schemeClr val="tx1"/>
+                </a:solidFill>
+                <a:latin typeface="+mn-lt"/>
+                <a:ea typeface="+mn-ea"/>
+                <a:cs typeface="+mn-cs"/>
+              </a:defRPr>
+            </a:lvl4pPr>
+            <a:lvl5pPr marL="2438522" algn="l" defTabSz="609630" rtl="0" eaLnBrk="1" latinLnBrk="0" hangingPunct="1">
+              <a:defRPr sz="2400" kern="1200">
+                <a:solidFill>
+                  <a:schemeClr val="tx1"/>
+                </a:solidFill>
+                <a:latin typeface="+mn-lt"/>
+                <a:ea typeface="+mn-ea"/>
+                <a:cs typeface="+mn-cs"/>
+              </a:defRPr>
+            </a:lvl5pPr>
+            <a:lvl6pPr marL="3048152" algn="l" defTabSz="609630" rtl="0" eaLnBrk="1" latinLnBrk="0" hangingPunct="1">
+              <a:defRPr sz="2400" kern="1200">
+                <a:solidFill>
+                  <a:schemeClr val="tx1"/>
+                </a:solidFill>
+                <a:latin typeface="+mn-lt"/>
+                <a:ea typeface="+mn-ea"/>
+                <a:cs typeface="+mn-cs"/>
+              </a:defRPr>
+            </a:lvl6pPr>
+            <a:lvl7pPr marL="3657783" algn="l" defTabSz="609630" rtl="0" eaLnBrk="1" latinLnBrk="0" hangingPunct="1">
+              <a:defRPr sz="2400" kern="1200">
+                <a:solidFill>
+                  <a:schemeClr val="tx1"/>
+                </a:solidFill>
+                <a:latin typeface="+mn-lt"/>
+                <a:ea typeface="+mn-ea"/>
+                <a:cs typeface="+mn-cs"/>
+              </a:defRPr>
+            </a:lvl7pPr>
+            <a:lvl8pPr marL="4267413" algn="l" defTabSz="609630" rtl="0" eaLnBrk="1" latinLnBrk="0" hangingPunct="1">
+              <a:defRPr sz="2400" kern="1200">
+                <a:solidFill>
+                  <a:schemeClr val="tx1"/>
+                </a:solidFill>
+                <a:latin typeface="+mn-lt"/>
+                <a:ea typeface="+mn-ea"/>
+                <a:cs typeface="+mn-cs"/>
+              </a:defRPr>
+            </a:lvl8pPr>
+            <a:lvl9pPr marL="4877044" algn="l" defTabSz="609630" rtl="0" eaLnBrk="1" latinLnBrk="0" hangingPunct="1">
+              <a:defRPr sz="2400" kern="1200">
+                <a:solidFill>
+                  <a:schemeClr val="tx1"/>
+                </a:solidFill>
+                <a:latin typeface="+mn-lt"/>
+                <a:ea typeface="+mn-ea"/>
+                <a:cs typeface="+mn-cs"/>
+              </a:defRPr>
+            </a:lvl9pPr>
+          </a:lstStyle>
+          <a:p>
+            <a:pPr algn="r"/>
+            <a:fld id="{D02B8B2F-F691-4135-AF04-E5B2EA4DBD49}" type="slidenum">
+              <a:rPr lang="zh-CN" altLang="en-US" smtClean="0">
+                <a:solidFill>
+                  <a:schemeClr val="bg1"/>
+                </a:solidFill>
+              </a:rPr>
+              <a:pPr algn="r"/>
+              <a:t>21</a:t>
+            </a:fld>
+            <a:endParaRPr lang="zh-CN" altLang="en-US" dirty="0">
+              <a:solidFill>
+                <a:schemeClr val="bg1"/>
+              </a:solidFill>
+            </a:endParaRPr>
+          </a:p>
+        </p:txBody>
+      </p:sp>
     </p:spTree>
     <p:extLst>
       <p:ext uri="{BB962C8B-B14F-4D97-AF65-F5344CB8AC3E}">
@@ -21196,7 +24500,7 @@
                   </a:solidFill>
                   <a:latin typeface="+mj-lt"/>
                 </a:rPr>
-                <a:t>Ruolo	 	      Ore   Costo in AC</a:t>
+                <a:t>Ruolo	 	      Ore   Costo in €</a:t>
               </a:r>
             </a:p>
             <a:p>
@@ -21286,6 +24590,199 @@
           </p:txBody>
         </p:sp>
       </p:grpSp>
+      <p:sp>
+        <p:nvSpPr>
+          <p:cNvPr id="12" name="Triangolo isoscele 11">
+            <a:extLst>
+              <a:ext uri="{FF2B5EF4-FFF2-40B4-BE49-F238E27FC236}">
+                <a16:creationId xmlns:a16="http://schemas.microsoft.com/office/drawing/2014/main" id="{CC033BB8-7834-47B3-88F5-BD0657240AF4}"/>
+              </a:ext>
+            </a:extLst>
+          </p:cNvPr>
+          <p:cNvSpPr/>
+          <p:nvPr/>
+        </p:nvSpPr>
+        <p:spPr>
+          <a:xfrm>
+            <a:off x="8286750" y="6143437"/>
+            <a:ext cx="878889" cy="703983"/>
+          </a:xfrm>
+          <a:prstGeom prst="triangle">
+            <a:avLst>
+              <a:gd name="adj" fmla="val 100000"/>
+            </a:avLst>
+          </a:prstGeom>
+          <a:solidFill>
+            <a:schemeClr val="tx1">
+              <a:alpha val="18000"/>
+            </a:schemeClr>
+          </a:solidFill>
+          <a:ln>
+            <a:noFill/>
+          </a:ln>
+        </p:spPr>
+        <p:style>
+          <a:lnRef idx="1">
+            <a:schemeClr val="accent1"/>
+          </a:lnRef>
+          <a:fillRef idx="3">
+            <a:schemeClr val="accent1"/>
+          </a:fillRef>
+          <a:effectRef idx="2">
+            <a:schemeClr val="accent1"/>
+          </a:effectRef>
+          <a:fontRef idx="minor">
+            <a:schemeClr val="lt1"/>
+          </a:fontRef>
+        </p:style>
+        <p:txBody>
+          <a:bodyPr rtlCol="0" anchor="ctr"/>
+          <a:lstStyle/>
+          <a:p>
+            <a:pPr algn="ctr"/>
+            <a:endParaRPr lang="it-IT" dirty="0"/>
+          </a:p>
+        </p:txBody>
+      </p:sp>
+      <p:sp>
+        <p:nvSpPr>
+          <p:cNvPr id="19" name="Segnaposto numero diapositiva 10">
+            <a:extLst>
+              <a:ext uri="{FF2B5EF4-FFF2-40B4-BE49-F238E27FC236}">
+                <a16:creationId xmlns:a16="http://schemas.microsoft.com/office/drawing/2014/main" id="{757E1710-85EC-4DFC-8758-79FA1B0660B9}"/>
+              </a:ext>
+            </a:extLst>
+          </p:cNvPr>
+          <p:cNvSpPr txBox="1">
+            <a:spLocks/>
+          </p:cNvSpPr>
+          <p:nvPr/>
+        </p:nvSpPr>
+        <p:spPr>
+          <a:xfrm>
+            <a:off x="8539236" y="6391960"/>
+            <a:ext cx="637446" cy="365125"/>
+          </a:xfrm>
+          <a:prstGeom prst="rect">
+            <a:avLst/>
+          </a:prstGeom>
+        </p:spPr>
+        <p:txBody>
+          <a:bodyPr/>
+          <a:lstStyle>
+            <a:defPPr>
+              <a:defRPr lang="en-US"/>
+            </a:defPPr>
+            <a:lvl1pPr marL="0" algn="l" defTabSz="609630" rtl="0" eaLnBrk="1" latinLnBrk="0" hangingPunct="1">
+              <a:defRPr sz="2400" kern="1200">
+                <a:solidFill>
+                  <a:schemeClr val="tx1"/>
+                </a:solidFill>
+                <a:latin typeface="+mn-lt"/>
+                <a:ea typeface="+mn-ea"/>
+                <a:cs typeface="+mn-cs"/>
+              </a:defRPr>
+            </a:lvl1pPr>
+            <a:lvl2pPr marL="609630" algn="l" defTabSz="609630" rtl="0" eaLnBrk="1" latinLnBrk="0" hangingPunct="1">
+              <a:defRPr sz="2400" kern="1200">
+                <a:solidFill>
+                  <a:schemeClr val="tx1"/>
+                </a:solidFill>
+                <a:latin typeface="+mn-lt"/>
+                <a:ea typeface="+mn-ea"/>
+                <a:cs typeface="+mn-cs"/>
+              </a:defRPr>
+            </a:lvl2pPr>
+            <a:lvl3pPr marL="1219261" algn="l" defTabSz="609630" rtl="0" eaLnBrk="1" latinLnBrk="0" hangingPunct="1">
+              <a:defRPr sz="2400" kern="1200">
+                <a:solidFill>
+                  <a:schemeClr val="tx1"/>
+                </a:solidFill>
+                <a:latin typeface="+mn-lt"/>
+                <a:ea typeface="+mn-ea"/>
+                <a:cs typeface="+mn-cs"/>
+              </a:defRPr>
+            </a:lvl3pPr>
+            <a:lvl4pPr marL="1828891" algn="l" defTabSz="609630" rtl="0" eaLnBrk="1" latinLnBrk="0" hangingPunct="1">
+              <a:defRPr sz="2400" kern="1200">
+                <a:solidFill>
+                  <a:schemeClr val="tx1"/>
+                </a:solidFill>
+                <a:latin typeface="+mn-lt"/>
+                <a:ea typeface="+mn-ea"/>
+                <a:cs typeface="+mn-cs"/>
+              </a:defRPr>
+            </a:lvl4pPr>
+            <a:lvl5pPr marL="2438522" algn="l" defTabSz="609630" rtl="0" eaLnBrk="1" latinLnBrk="0" hangingPunct="1">
+              <a:defRPr sz="2400" kern="1200">
+                <a:solidFill>
+                  <a:schemeClr val="tx1"/>
+                </a:solidFill>
+                <a:latin typeface="+mn-lt"/>
+                <a:ea typeface="+mn-ea"/>
+                <a:cs typeface="+mn-cs"/>
+              </a:defRPr>
+            </a:lvl5pPr>
+            <a:lvl6pPr marL="3048152" algn="l" defTabSz="609630" rtl="0" eaLnBrk="1" latinLnBrk="0" hangingPunct="1">
+              <a:defRPr sz="2400" kern="1200">
+                <a:solidFill>
+                  <a:schemeClr val="tx1"/>
+                </a:solidFill>
+                <a:latin typeface="+mn-lt"/>
+                <a:ea typeface="+mn-ea"/>
+                <a:cs typeface="+mn-cs"/>
+              </a:defRPr>
+            </a:lvl6pPr>
+            <a:lvl7pPr marL="3657783" algn="l" defTabSz="609630" rtl="0" eaLnBrk="1" latinLnBrk="0" hangingPunct="1">
+              <a:defRPr sz="2400" kern="1200">
+                <a:solidFill>
+                  <a:schemeClr val="tx1"/>
+                </a:solidFill>
+                <a:latin typeface="+mn-lt"/>
+                <a:ea typeface="+mn-ea"/>
+                <a:cs typeface="+mn-cs"/>
+              </a:defRPr>
+            </a:lvl7pPr>
+            <a:lvl8pPr marL="4267413" algn="l" defTabSz="609630" rtl="0" eaLnBrk="1" latinLnBrk="0" hangingPunct="1">
+              <a:defRPr sz="2400" kern="1200">
+                <a:solidFill>
+                  <a:schemeClr val="tx1"/>
+                </a:solidFill>
+                <a:latin typeface="+mn-lt"/>
+                <a:ea typeface="+mn-ea"/>
+                <a:cs typeface="+mn-cs"/>
+              </a:defRPr>
+            </a:lvl8pPr>
+            <a:lvl9pPr marL="4877044" algn="l" defTabSz="609630" rtl="0" eaLnBrk="1" latinLnBrk="0" hangingPunct="1">
+              <a:defRPr sz="2400" kern="1200">
+                <a:solidFill>
+                  <a:schemeClr val="tx1"/>
+                </a:solidFill>
+                <a:latin typeface="+mn-lt"/>
+                <a:ea typeface="+mn-ea"/>
+                <a:cs typeface="+mn-cs"/>
+              </a:defRPr>
+            </a:lvl9pPr>
+          </a:lstStyle>
+          <a:p>
+            <a:pPr algn="r"/>
+            <a:fld id="{D02B8B2F-F691-4135-AF04-E5B2EA4DBD49}" type="slidenum">
+              <a:rPr lang="zh-CN" altLang="en-US" smtClean="0">
+                <a:solidFill>
+                  <a:schemeClr val="bg1"/>
+                </a:solidFill>
+              </a:rPr>
+              <a:pPr algn="r"/>
+              <a:t>22</a:t>
+            </a:fld>
+            <a:endParaRPr lang="zh-CN" altLang="en-US" dirty="0">
+              <a:solidFill>
+                <a:schemeClr val="bg1"/>
+              </a:solidFill>
+            </a:endParaRPr>
+          </a:p>
+        </p:txBody>
+      </p:sp>
     </p:spTree>
     <p:extLst>
       <p:ext uri="{BB962C8B-B14F-4D97-AF65-F5344CB8AC3E}">
@@ -21650,6 +25147,199 @@
               </a:rPr>
               <a:t> in RR</a:t>
             </a:r>
+          </a:p>
+        </p:txBody>
+      </p:sp>
+      <p:sp>
+        <p:nvSpPr>
+          <p:cNvPr id="4" name="Triangolo isoscele 3">
+            <a:extLst>
+              <a:ext uri="{FF2B5EF4-FFF2-40B4-BE49-F238E27FC236}">
+                <a16:creationId xmlns:a16="http://schemas.microsoft.com/office/drawing/2014/main" id="{CE947E0C-97C8-4D31-BDDD-6253C61BBBCD}"/>
+              </a:ext>
+            </a:extLst>
+          </p:cNvPr>
+          <p:cNvSpPr/>
+          <p:nvPr/>
+        </p:nvSpPr>
+        <p:spPr>
+          <a:xfrm>
+            <a:off x="8286750" y="6143437"/>
+            <a:ext cx="878889" cy="703983"/>
+          </a:xfrm>
+          <a:prstGeom prst="triangle">
+            <a:avLst>
+              <a:gd name="adj" fmla="val 100000"/>
+            </a:avLst>
+          </a:prstGeom>
+          <a:solidFill>
+            <a:schemeClr val="tx1">
+              <a:alpha val="18000"/>
+            </a:schemeClr>
+          </a:solidFill>
+          <a:ln>
+            <a:noFill/>
+          </a:ln>
+        </p:spPr>
+        <p:style>
+          <a:lnRef idx="1">
+            <a:schemeClr val="accent1"/>
+          </a:lnRef>
+          <a:fillRef idx="3">
+            <a:schemeClr val="accent1"/>
+          </a:fillRef>
+          <a:effectRef idx="2">
+            <a:schemeClr val="accent1"/>
+          </a:effectRef>
+          <a:fontRef idx="minor">
+            <a:schemeClr val="lt1"/>
+          </a:fontRef>
+        </p:style>
+        <p:txBody>
+          <a:bodyPr rtlCol="0" anchor="ctr"/>
+          <a:lstStyle/>
+          <a:p>
+            <a:pPr algn="ctr"/>
+            <a:endParaRPr lang="it-IT" dirty="0"/>
+          </a:p>
+        </p:txBody>
+      </p:sp>
+      <p:sp>
+        <p:nvSpPr>
+          <p:cNvPr id="5" name="Segnaposto numero diapositiva 10">
+            <a:extLst>
+              <a:ext uri="{FF2B5EF4-FFF2-40B4-BE49-F238E27FC236}">
+                <a16:creationId xmlns:a16="http://schemas.microsoft.com/office/drawing/2014/main" id="{9712F275-03EB-4332-B7E9-E5546C6124DD}"/>
+              </a:ext>
+            </a:extLst>
+          </p:cNvPr>
+          <p:cNvSpPr txBox="1">
+            <a:spLocks/>
+          </p:cNvSpPr>
+          <p:nvPr/>
+        </p:nvSpPr>
+        <p:spPr>
+          <a:xfrm>
+            <a:off x="8539236" y="6391960"/>
+            <a:ext cx="637446" cy="365125"/>
+          </a:xfrm>
+          <a:prstGeom prst="rect">
+            <a:avLst/>
+          </a:prstGeom>
+        </p:spPr>
+        <p:txBody>
+          <a:bodyPr/>
+          <a:lstStyle>
+            <a:defPPr>
+              <a:defRPr lang="en-US"/>
+            </a:defPPr>
+            <a:lvl1pPr marL="0" algn="l" defTabSz="609630" rtl="0" eaLnBrk="1" latinLnBrk="0" hangingPunct="1">
+              <a:defRPr sz="2400" kern="1200">
+                <a:solidFill>
+                  <a:schemeClr val="tx1"/>
+                </a:solidFill>
+                <a:latin typeface="+mn-lt"/>
+                <a:ea typeface="+mn-ea"/>
+                <a:cs typeface="+mn-cs"/>
+              </a:defRPr>
+            </a:lvl1pPr>
+            <a:lvl2pPr marL="609630" algn="l" defTabSz="609630" rtl="0" eaLnBrk="1" latinLnBrk="0" hangingPunct="1">
+              <a:defRPr sz="2400" kern="1200">
+                <a:solidFill>
+                  <a:schemeClr val="tx1"/>
+                </a:solidFill>
+                <a:latin typeface="+mn-lt"/>
+                <a:ea typeface="+mn-ea"/>
+                <a:cs typeface="+mn-cs"/>
+              </a:defRPr>
+            </a:lvl2pPr>
+            <a:lvl3pPr marL="1219261" algn="l" defTabSz="609630" rtl="0" eaLnBrk="1" latinLnBrk="0" hangingPunct="1">
+              <a:defRPr sz="2400" kern="1200">
+                <a:solidFill>
+                  <a:schemeClr val="tx1"/>
+                </a:solidFill>
+                <a:latin typeface="+mn-lt"/>
+                <a:ea typeface="+mn-ea"/>
+                <a:cs typeface="+mn-cs"/>
+              </a:defRPr>
+            </a:lvl3pPr>
+            <a:lvl4pPr marL="1828891" algn="l" defTabSz="609630" rtl="0" eaLnBrk="1" latinLnBrk="0" hangingPunct="1">
+              <a:defRPr sz="2400" kern="1200">
+                <a:solidFill>
+                  <a:schemeClr val="tx1"/>
+                </a:solidFill>
+                <a:latin typeface="+mn-lt"/>
+                <a:ea typeface="+mn-ea"/>
+                <a:cs typeface="+mn-cs"/>
+              </a:defRPr>
+            </a:lvl4pPr>
+            <a:lvl5pPr marL="2438522" algn="l" defTabSz="609630" rtl="0" eaLnBrk="1" latinLnBrk="0" hangingPunct="1">
+              <a:defRPr sz="2400" kern="1200">
+                <a:solidFill>
+                  <a:schemeClr val="tx1"/>
+                </a:solidFill>
+                <a:latin typeface="+mn-lt"/>
+                <a:ea typeface="+mn-ea"/>
+                <a:cs typeface="+mn-cs"/>
+              </a:defRPr>
+            </a:lvl5pPr>
+            <a:lvl6pPr marL="3048152" algn="l" defTabSz="609630" rtl="0" eaLnBrk="1" latinLnBrk="0" hangingPunct="1">
+              <a:defRPr sz="2400" kern="1200">
+                <a:solidFill>
+                  <a:schemeClr val="tx1"/>
+                </a:solidFill>
+                <a:latin typeface="+mn-lt"/>
+                <a:ea typeface="+mn-ea"/>
+                <a:cs typeface="+mn-cs"/>
+              </a:defRPr>
+            </a:lvl6pPr>
+            <a:lvl7pPr marL="3657783" algn="l" defTabSz="609630" rtl="0" eaLnBrk="1" latinLnBrk="0" hangingPunct="1">
+              <a:defRPr sz="2400" kern="1200">
+                <a:solidFill>
+                  <a:schemeClr val="tx1"/>
+                </a:solidFill>
+                <a:latin typeface="+mn-lt"/>
+                <a:ea typeface="+mn-ea"/>
+                <a:cs typeface="+mn-cs"/>
+              </a:defRPr>
+            </a:lvl7pPr>
+            <a:lvl8pPr marL="4267413" algn="l" defTabSz="609630" rtl="0" eaLnBrk="1" latinLnBrk="0" hangingPunct="1">
+              <a:defRPr sz="2400" kern="1200">
+                <a:solidFill>
+                  <a:schemeClr val="tx1"/>
+                </a:solidFill>
+                <a:latin typeface="+mn-lt"/>
+                <a:ea typeface="+mn-ea"/>
+                <a:cs typeface="+mn-cs"/>
+              </a:defRPr>
+            </a:lvl8pPr>
+            <a:lvl9pPr marL="4877044" algn="l" defTabSz="609630" rtl="0" eaLnBrk="1" latinLnBrk="0" hangingPunct="1">
+              <a:defRPr sz="2400" kern="1200">
+                <a:solidFill>
+                  <a:schemeClr val="tx1"/>
+                </a:solidFill>
+                <a:latin typeface="+mn-lt"/>
+                <a:ea typeface="+mn-ea"/>
+                <a:cs typeface="+mn-cs"/>
+              </a:defRPr>
+            </a:lvl9pPr>
+          </a:lstStyle>
+          <a:p>
+            <a:pPr algn="r"/>
+            <a:fld id="{D02B8B2F-F691-4135-AF04-E5B2EA4DBD49}" type="slidenum">
+              <a:rPr lang="zh-CN" altLang="en-US" smtClean="0">
+                <a:solidFill>
+                  <a:schemeClr val="bg1"/>
+                </a:solidFill>
+              </a:rPr>
+              <a:pPr algn="r"/>
+              <a:t>23</a:t>
+            </a:fld>
+            <a:endParaRPr lang="zh-CN" altLang="en-US" dirty="0">
+              <a:solidFill>
+                <a:schemeClr val="bg1"/>
+              </a:solidFill>
+            </a:endParaRPr>
           </a:p>
         </p:txBody>
       </p:sp>
@@ -23005,6 +26695,199 @@
           </a:graphicData>
         </a:graphic>
       </p:graphicFrame>
+      <p:sp>
+        <p:nvSpPr>
+          <p:cNvPr id="6" name="Triangolo isoscele 5">
+            <a:extLst>
+              <a:ext uri="{FF2B5EF4-FFF2-40B4-BE49-F238E27FC236}">
+                <a16:creationId xmlns:a16="http://schemas.microsoft.com/office/drawing/2014/main" id="{13031C59-E859-4579-AD91-91622DA7291C}"/>
+              </a:ext>
+            </a:extLst>
+          </p:cNvPr>
+          <p:cNvSpPr/>
+          <p:nvPr/>
+        </p:nvSpPr>
+        <p:spPr>
+          <a:xfrm>
+            <a:off x="8286750" y="6143437"/>
+            <a:ext cx="878889" cy="703983"/>
+          </a:xfrm>
+          <a:prstGeom prst="triangle">
+            <a:avLst>
+              <a:gd name="adj" fmla="val 100000"/>
+            </a:avLst>
+          </a:prstGeom>
+          <a:solidFill>
+            <a:schemeClr val="tx1">
+              <a:alpha val="18000"/>
+            </a:schemeClr>
+          </a:solidFill>
+          <a:ln>
+            <a:noFill/>
+          </a:ln>
+        </p:spPr>
+        <p:style>
+          <a:lnRef idx="1">
+            <a:schemeClr val="accent1"/>
+          </a:lnRef>
+          <a:fillRef idx="3">
+            <a:schemeClr val="accent1"/>
+          </a:fillRef>
+          <a:effectRef idx="2">
+            <a:schemeClr val="accent1"/>
+          </a:effectRef>
+          <a:fontRef idx="minor">
+            <a:schemeClr val="lt1"/>
+          </a:fontRef>
+        </p:style>
+        <p:txBody>
+          <a:bodyPr rtlCol="0" anchor="ctr"/>
+          <a:lstStyle/>
+          <a:p>
+            <a:pPr algn="ctr"/>
+            <a:endParaRPr lang="it-IT" dirty="0"/>
+          </a:p>
+        </p:txBody>
+      </p:sp>
+      <p:sp>
+        <p:nvSpPr>
+          <p:cNvPr id="7" name="Segnaposto numero diapositiva 10">
+            <a:extLst>
+              <a:ext uri="{FF2B5EF4-FFF2-40B4-BE49-F238E27FC236}">
+                <a16:creationId xmlns:a16="http://schemas.microsoft.com/office/drawing/2014/main" id="{B718A68D-830C-454E-8B2D-BD4EB1813C17}"/>
+              </a:ext>
+            </a:extLst>
+          </p:cNvPr>
+          <p:cNvSpPr txBox="1">
+            <a:spLocks/>
+          </p:cNvSpPr>
+          <p:nvPr/>
+        </p:nvSpPr>
+        <p:spPr>
+          <a:xfrm>
+            <a:off x="8539236" y="6391960"/>
+            <a:ext cx="637446" cy="365125"/>
+          </a:xfrm>
+          <a:prstGeom prst="rect">
+            <a:avLst/>
+          </a:prstGeom>
+        </p:spPr>
+        <p:txBody>
+          <a:bodyPr/>
+          <a:lstStyle>
+            <a:defPPr>
+              <a:defRPr lang="en-US"/>
+            </a:defPPr>
+            <a:lvl1pPr marL="0" algn="l" defTabSz="609630" rtl="0" eaLnBrk="1" latinLnBrk="0" hangingPunct="1">
+              <a:defRPr sz="2400" kern="1200">
+                <a:solidFill>
+                  <a:schemeClr val="tx1"/>
+                </a:solidFill>
+                <a:latin typeface="+mn-lt"/>
+                <a:ea typeface="+mn-ea"/>
+                <a:cs typeface="+mn-cs"/>
+              </a:defRPr>
+            </a:lvl1pPr>
+            <a:lvl2pPr marL="609630" algn="l" defTabSz="609630" rtl="0" eaLnBrk="1" latinLnBrk="0" hangingPunct="1">
+              <a:defRPr sz="2400" kern="1200">
+                <a:solidFill>
+                  <a:schemeClr val="tx1"/>
+                </a:solidFill>
+                <a:latin typeface="+mn-lt"/>
+                <a:ea typeface="+mn-ea"/>
+                <a:cs typeface="+mn-cs"/>
+              </a:defRPr>
+            </a:lvl2pPr>
+            <a:lvl3pPr marL="1219261" algn="l" defTabSz="609630" rtl="0" eaLnBrk="1" latinLnBrk="0" hangingPunct="1">
+              <a:defRPr sz="2400" kern="1200">
+                <a:solidFill>
+                  <a:schemeClr val="tx1"/>
+                </a:solidFill>
+                <a:latin typeface="+mn-lt"/>
+                <a:ea typeface="+mn-ea"/>
+                <a:cs typeface="+mn-cs"/>
+              </a:defRPr>
+            </a:lvl3pPr>
+            <a:lvl4pPr marL="1828891" algn="l" defTabSz="609630" rtl="0" eaLnBrk="1" latinLnBrk="0" hangingPunct="1">
+              <a:defRPr sz="2400" kern="1200">
+                <a:solidFill>
+                  <a:schemeClr val="tx1"/>
+                </a:solidFill>
+                <a:latin typeface="+mn-lt"/>
+                <a:ea typeface="+mn-ea"/>
+                <a:cs typeface="+mn-cs"/>
+              </a:defRPr>
+            </a:lvl4pPr>
+            <a:lvl5pPr marL="2438522" algn="l" defTabSz="609630" rtl="0" eaLnBrk="1" latinLnBrk="0" hangingPunct="1">
+              <a:defRPr sz="2400" kern="1200">
+                <a:solidFill>
+                  <a:schemeClr val="tx1"/>
+                </a:solidFill>
+                <a:latin typeface="+mn-lt"/>
+                <a:ea typeface="+mn-ea"/>
+                <a:cs typeface="+mn-cs"/>
+              </a:defRPr>
+            </a:lvl5pPr>
+            <a:lvl6pPr marL="3048152" algn="l" defTabSz="609630" rtl="0" eaLnBrk="1" latinLnBrk="0" hangingPunct="1">
+              <a:defRPr sz="2400" kern="1200">
+                <a:solidFill>
+                  <a:schemeClr val="tx1"/>
+                </a:solidFill>
+                <a:latin typeface="+mn-lt"/>
+                <a:ea typeface="+mn-ea"/>
+                <a:cs typeface="+mn-cs"/>
+              </a:defRPr>
+            </a:lvl6pPr>
+            <a:lvl7pPr marL="3657783" algn="l" defTabSz="609630" rtl="0" eaLnBrk="1" latinLnBrk="0" hangingPunct="1">
+              <a:defRPr sz="2400" kern="1200">
+                <a:solidFill>
+                  <a:schemeClr val="tx1"/>
+                </a:solidFill>
+                <a:latin typeface="+mn-lt"/>
+                <a:ea typeface="+mn-ea"/>
+                <a:cs typeface="+mn-cs"/>
+              </a:defRPr>
+            </a:lvl7pPr>
+            <a:lvl8pPr marL="4267413" algn="l" defTabSz="609630" rtl="0" eaLnBrk="1" latinLnBrk="0" hangingPunct="1">
+              <a:defRPr sz="2400" kern="1200">
+                <a:solidFill>
+                  <a:schemeClr val="tx1"/>
+                </a:solidFill>
+                <a:latin typeface="+mn-lt"/>
+                <a:ea typeface="+mn-ea"/>
+                <a:cs typeface="+mn-cs"/>
+              </a:defRPr>
+            </a:lvl8pPr>
+            <a:lvl9pPr marL="4877044" algn="l" defTabSz="609630" rtl="0" eaLnBrk="1" latinLnBrk="0" hangingPunct="1">
+              <a:defRPr sz="2400" kern="1200">
+                <a:solidFill>
+                  <a:schemeClr val="tx1"/>
+                </a:solidFill>
+                <a:latin typeface="+mn-lt"/>
+                <a:ea typeface="+mn-ea"/>
+                <a:cs typeface="+mn-cs"/>
+              </a:defRPr>
+            </a:lvl9pPr>
+          </a:lstStyle>
+          <a:p>
+            <a:pPr algn="r"/>
+            <a:fld id="{D02B8B2F-F691-4135-AF04-E5B2EA4DBD49}" type="slidenum">
+              <a:rPr lang="zh-CN" altLang="en-US" smtClean="0">
+                <a:solidFill>
+                  <a:schemeClr val="bg1"/>
+                </a:solidFill>
+              </a:rPr>
+              <a:pPr algn="r"/>
+              <a:t>24</a:t>
+            </a:fld>
+            <a:endParaRPr lang="zh-CN" altLang="en-US" dirty="0">
+              <a:solidFill>
+                <a:schemeClr val="bg1"/>
+              </a:solidFill>
+            </a:endParaRPr>
+          </a:p>
+        </p:txBody>
+      </p:sp>
     </p:spTree>
     <p:extLst>
       <p:ext uri="{BB962C8B-B14F-4D97-AF65-F5344CB8AC3E}">
@@ -23662,6 +27545,199 @@
           </a:graphicData>
         </a:graphic>
       </p:graphicFrame>
+      <p:sp>
+        <p:nvSpPr>
+          <p:cNvPr id="6" name="Triangolo isoscele 5">
+            <a:extLst>
+              <a:ext uri="{FF2B5EF4-FFF2-40B4-BE49-F238E27FC236}">
+                <a16:creationId xmlns:a16="http://schemas.microsoft.com/office/drawing/2014/main" id="{7B633744-0388-4BC3-A49E-7A9D67C5612B}"/>
+              </a:ext>
+            </a:extLst>
+          </p:cNvPr>
+          <p:cNvSpPr/>
+          <p:nvPr/>
+        </p:nvSpPr>
+        <p:spPr>
+          <a:xfrm>
+            <a:off x="8286750" y="6143437"/>
+            <a:ext cx="878889" cy="703983"/>
+          </a:xfrm>
+          <a:prstGeom prst="triangle">
+            <a:avLst>
+              <a:gd name="adj" fmla="val 100000"/>
+            </a:avLst>
+          </a:prstGeom>
+          <a:solidFill>
+            <a:schemeClr val="tx1">
+              <a:alpha val="18000"/>
+            </a:schemeClr>
+          </a:solidFill>
+          <a:ln>
+            <a:noFill/>
+          </a:ln>
+        </p:spPr>
+        <p:style>
+          <a:lnRef idx="1">
+            <a:schemeClr val="accent1"/>
+          </a:lnRef>
+          <a:fillRef idx="3">
+            <a:schemeClr val="accent1"/>
+          </a:fillRef>
+          <a:effectRef idx="2">
+            <a:schemeClr val="accent1"/>
+          </a:effectRef>
+          <a:fontRef idx="minor">
+            <a:schemeClr val="lt1"/>
+          </a:fontRef>
+        </p:style>
+        <p:txBody>
+          <a:bodyPr rtlCol="0" anchor="ctr"/>
+          <a:lstStyle/>
+          <a:p>
+            <a:pPr algn="ctr"/>
+            <a:endParaRPr lang="it-IT" dirty="0"/>
+          </a:p>
+        </p:txBody>
+      </p:sp>
+      <p:sp>
+        <p:nvSpPr>
+          <p:cNvPr id="8" name="Segnaposto numero diapositiva 10">
+            <a:extLst>
+              <a:ext uri="{FF2B5EF4-FFF2-40B4-BE49-F238E27FC236}">
+                <a16:creationId xmlns:a16="http://schemas.microsoft.com/office/drawing/2014/main" id="{622323D8-46BF-4815-959B-765DA801A1C3}"/>
+              </a:ext>
+            </a:extLst>
+          </p:cNvPr>
+          <p:cNvSpPr txBox="1">
+            <a:spLocks/>
+          </p:cNvSpPr>
+          <p:nvPr/>
+        </p:nvSpPr>
+        <p:spPr>
+          <a:xfrm>
+            <a:off x="8539236" y="6391960"/>
+            <a:ext cx="637446" cy="365125"/>
+          </a:xfrm>
+          <a:prstGeom prst="rect">
+            <a:avLst/>
+          </a:prstGeom>
+        </p:spPr>
+        <p:txBody>
+          <a:bodyPr/>
+          <a:lstStyle>
+            <a:defPPr>
+              <a:defRPr lang="en-US"/>
+            </a:defPPr>
+            <a:lvl1pPr marL="0" algn="l" defTabSz="609630" rtl="0" eaLnBrk="1" latinLnBrk="0" hangingPunct="1">
+              <a:defRPr sz="2400" kern="1200">
+                <a:solidFill>
+                  <a:schemeClr val="tx1"/>
+                </a:solidFill>
+                <a:latin typeface="+mn-lt"/>
+                <a:ea typeface="+mn-ea"/>
+                <a:cs typeface="+mn-cs"/>
+              </a:defRPr>
+            </a:lvl1pPr>
+            <a:lvl2pPr marL="609630" algn="l" defTabSz="609630" rtl="0" eaLnBrk="1" latinLnBrk="0" hangingPunct="1">
+              <a:defRPr sz="2400" kern="1200">
+                <a:solidFill>
+                  <a:schemeClr val="tx1"/>
+                </a:solidFill>
+                <a:latin typeface="+mn-lt"/>
+                <a:ea typeface="+mn-ea"/>
+                <a:cs typeface="+mn-cs"/>
+              </a:defRPr>
+            </a:lvl2pPr>
+            <a:lvl3pPr marL="1219261" algn="l" defTabSz="609630" rtl="0" eaLnBrk="1" latinLnBrk="0" hangingPunct="1">
+              <a:defRPr sz="2400" kern="1200">
+                <a:solidFill>
+                  <a:schemeClr val="tx1"/>
+                </a:solidFill>
+                <a:latin typeface="+mn-lt"/>
+                <a:ea typeface="+mn-ea"/>
+                <a:cs typeface="+mn-cs"/>
+              </a:defRPr>
+            </a:lvl3pPr>
+            <a:lvl4pPr marL="1828891" algn="l" defTabSz="609630" rtl="0" eaLnBrk="1" latinLnBrk="0" hangingPunct="1">
+              <a:defRPr sz="2400" kern="1200">
+                <a:solidFill>
+                  <a:schemeClr val="tx1"/>
+                </a:solidFill>
+                <a:latin typeface="+mn-lt"/>
+                <a:ea typeface="+mn-ea"/>
+                <a:cs typeface="+mn-cs"/>
+              </a:defRPr>
+            </a:lvl4pPr>
+            <a:lvl5pPr marL="2438522" algn="l" defTabSz="609630" rtl="0" eaLnBrk="1" latinLnBrk="0" hangingPunct="1">
+              <a:defRPr sz="2400" kern="1200">
+                <a:solidFill>
+                  <a:schemeClr val="tx1"/>
+                </a:solidFill>
+                <a:latin typeface="+mn-lt"/>
+                <a:ea typeface="+mn-ea"/>
+                <a:cs typeface="+mn-cs"/>
+              </a:defRPr>
+            </a:lvl5pPr>
+            <a:lvl6pPr marL="3048152" algn="l" defTabSz="609630" rtl="0" eaLnBrk="1" latinLnBrk="0" hangingPunct="1">
+              <a:defRPr sz="2400" kern="1200">
+                <a:solidFill>
+                  <a:schemeClr val="tx1"/>
+                </a:solidFill>
+                <a:latin typeface="+mn-lt"/>
+                <a:ea typeface="+mn-ea"/>
+                <a:cs typeface="+mn-cs"/>
+              </a:defRPr>
+            </a:lvl6pPr>
+            <a:lvl7pPr marL="3657783" algn="l" defTabSz="609630" rtl="0" eaLnBrk="1" latinLnBrk="0" hangingPunct="1">
+              <a:defRPr sz="2400" kern="1200">
+                <a:solidFill>
+                  <a:schemeClr val="tx1"/>
+                </a:solidFill>
+                <a:latin typeface="+mn-lt"/>
+                <a:ea typeface="+mn-ea"/>
+                <a:cs typeface="+mn-cs"/>
+              </a:defRPr>
+            </a:lvl7pPr>
+            <a:lvl8pPr marL="4267413" algn="l" defTabSz="609630" rtl="0" eaLnBrk="1" latinLnBrk="0" hangingPunct="1">
+              <a:defRPr sz="2400" kern="1200">
+                <a:solidFill>
+                  <a:schemeClr val="tx1"/>
+                </a:solidFill>
+                <a:latin typeface="+mn-lt"/>
+                <a:ea typeface="+mn-ea"/>
+                <a:cs typeface="+mn-cs"/>
+              </a:defRPr>
+            </a:lvl8pPr>
+            <a:lvl9pPr marL="4877044" algn="l" defTabSz="609630" rtl="0" eaLnBrk="1" latinLnBrk="0" hangingPunct="1">
+              <a:defRPr sz="2400" kern="1200">
+                <a:solidFill>
+                  <a:schemeClr val="tx1"/>
+                </a:solidFill>
+                <a:latin typeface="+mn-lt"/>
+                <a:ea typeface="+mn-ea"/>
+                <a:cs typeface="+mn-cs"/>
+              </a:defRPr>
+            </a:lvl9pPr>
+          </a:lstStyle>
+          <a:p>
+            <a:pPr algn="r"/>
+            <a:fld id="{D02B8B2F-F691-4135-AF04-E5B2EA4DBD49}" type="slidenum">
+              <a:rPr lang="zh-CN" altLang="en-US" smtClean="0">
+                <a:solidFill>
+                  <a:schemeClr val="bg1"/>
+                </a:solidFill>
+              </a:rPr>
+              <a:pPr algn="r"/>
+              <a:t>25</a:t>
+            </a:fld>
+            <a:endParaRPr lang="zh-CN" altLang="en-US" dirty="0">
+              <a:solidFill>
+                <a:schemeClr val="bg1"/>
+              </a:solidFill>
+            </a:endParaRPr>
+          </a:p>
+        </p:txBody>
+      </p:sp>
     </p:spTree>
     <p:extLst>
       <p:ext uri="{BB962C8B-B14F-4D97-AF65-F5344CB8AC3E}">
@@ -24061,6 +28137,199 @@
           </a:p>
         </p:txBody>
       </p:sp>
+      <p:sp>
+        <p:nvSpPr>
+          <p:cNvPr id="10" name="Triangolo isoscele 9">
+            <a:extLst>
+              <a:ext uri="{FF2B5EF4-FFF2-40B4-BE49-F238E27FC236}">
+                <a16:creationId xmlns:a16="http://schemas.microsoft.com/office/drawing/2014/main" id="{FA827243-4C19-405D-967C-4182EC6F7DC7}"/>
+              </a:ext>
+            </a:extLst>
+          </p:cNvPr>
+          <p:cNvSpPr/>
+          <p:nvPr/>
+        </p:nvSpPr>
+        <p:spPr>
+          <a:xfrm>
+            <a:off x="8286750" y="6143437"/>
+            <a:ext cx="878889" cy="703983"/>
+          </a:xfrm>
+          <a:prstGeom prst="triangle">
+            <a:avLst>
+              <a:gd name="adj" fmla="val 100000"/>
+            </a:avLst>
+          </a:prstGeom>
+          <a:solidFill>
+            <a:schemeClr val="tx1">
+              <a:alpha val="18000"/>
+            </a:schemeClr>
+          </a:solidFill>
+          <a:ln>
+            <a:noFill/>
+          </a:ln>
+        </p:spPr>
+        <p:style>
+          <a:lnRef idx="1">
+            <a:schemeClr val="accent1"/>
+          </a:lnRef>
+          <a:fillRef idx="3">
+            <a:schemeClr val="accent1"/>
+          </a:fillRef>
+          <a:effectRef idx="2">
+            <a:schemeClr val="accent1"/>
+          </a:effectRef>
+          <a:fontRef idx="minor">
+            <a:schemeClr val="lt1"/>
+          </a:fontRef>
+        </p:style>
+        <p:txBody>
+          <a:bodyPr rtlCol="0" anchor="ctr"/>
+          <a:lstStyle/>
+          <a:p>
+            <a:pPr algn="ctr"/>
+            <a:endParaRPr lang="it-IT" dirty="0"/>
+          </a:p>
+        </p:txBody>
+      </p:sp>
+      <p:sp>
+        <p:nvSpPr>
+          <p:cNvPr id="11" name="Segnaposto numero diapositiva 10">
+            <a:extLst>
+              <a:ext uri="{FF2B5EF4-FFF2-40B4-BE49-F238E27FC236}">
+                <a16:creationId xmlns:a16="http://schemas.microsoft.com/office/drawing/2014/main" id="{54CC62D4-2D4F-4EF0-B935-7060381FD73A}"/>
+              </a:ext>
+            </a:extLst>
+          </p:cNvPr>
+          <p:cNvSpPr txBox="1">
+            <a:spLocks/>
+          </p:cNvSpPr>
+          <p:nvPr/>
+        </p:nvSpPr>
+        <p:spPr>
+          <a:xfrm>
+            <a:off x="8539236" y="6391960"/>
+            <a:ext cx="637446" cy="365125"/>
+          </a:xfrm>
+          <a:prstGeom prst="rect">
+            <a:avLst/>
+          </a:prstGeom>
+        </p:spPr>
+        <p:txBody>
+          <a:bodyPr/>
+          <a:lstStyle>
+            <a:defPPr>
+              <a:defRPr lang="en-US"/>
+            </a:defPPr>
+            <a:lvl1pPr marL="0" algn="l" defTabSz="609630" rtl="0" eaLnBrk="1" latinLnBrk="0" hangingPunct="1">
+              <a:defRPr sz="2400" kern="1200">
+                <a:solidFill>
+                  <a:schemeClr val="tx1"/>
+                </a:solidFill>
+                <a:latin typeface="+mn-lt"/>
+                <a:ea typeface="+mn-ea"/>
+                <a:cs typeface="+mn-cs"/>
+              </a:defRPr>
+            </a:lvl1pPr>
+            <a:lvl2pPr marL="609630" algn="l" defTabSz="609630" rtl="0" eaLnBrk="1" latinLnBrk="0" hangingPunct="1">
+              <a:defRPr sz="2400" kern="1200">
+                <a:solidFill>
+                  <a:schemeClr val="tx1"/>
+                </a:solidFill>
+                <a:latin typeface="+mn-lt"/>
+                <a:ea typeface="+mn-ea"/>
+                <a:cs typeface="+mn-cs"/>
+              </a:defRPr>
+            </a:lvl2pPr>
+            <a:lvl3pPr marL="1219261" algn="l" defTabSz="609630" rtl="0" eaLnBrk="1" latinLnBrk="0" hangingPunct="1">
+              <a:defRPr sz="2400" kern="1200">
+                <a:solidFill>
+                  <a:schemeClr val="tx1"/>
+                </a:solidFill>
+                <a:latin typeface="+mn-lt"/>
+                <a:ea typeface="+mn-ea"/>
+                <a:cs typeface="+mn-cs"/>
+              </a:defRPr>
+            </a:lvl3pPr>
+            <a:lvl4pPr marL="1828891" algn="l" defTabSz="609630" rtl="0" eaLnBrk="1" latinLnBrk="0" hangingPunct="1">
+              <a:defRPr sz="2400" kern="1200">
+                <a:solidFill>
+                  <a:schemeClr val="tx1"/>
+                </a:solidFill>
+                <a:latin typeface="+mn-lt"/>
+                <a:ea typeface="+mn-ea"/>
+                <a:cs typeface="+mn-cs"/>
+              </a:defRPr>
+            </a:lvl4pPr>
+            <a:lvl5pPr marL="2438522" algn="l" defTabSz="609630" rtl="0" eaLnBrk="1" latinLnBrk="0" hangingPunct="1">
+              <a:defRPr sz="2400" kern="1200">
+                <a:solidFill>
+                  <a:schemeClr val="tx1"/>
+                </a:solidFill>
+                <a:latin typeface="+mn-lt"/>
+                <a:ea typeface="+mn-ea"/>
+                <a:cs typeface="+mn-cs"/>
+              </a:defRPr>
+            </a:lvl5pPr>
+            <a:lvl6pPr marL="3048152" algn="l" defTabSz="609630" rtl="0" eaLnBrk="1" latinLnBrk="0" hangingPunct="1">
+              <a:defRPr sz="2400" kern="1200">
+                <a:solidFill>
+                  <a:schemeClr val="tx1"/>
+                </a:solidFill>
+                <a:latin typeface="+mn-lt"/>
+                <a:ea typeface="+mn-ea"/>
+                <a:cs typeface="+mn-cs"/>
+              </a:defRPr>
+            </a:lvl6pPr>
+            <a:lvl7pPr marL="3657783" algn="l" defTabSz="609630" rtl="0" eaLnBrk="1" latinLnBrk="0" hangingPunct="1">
+              <a:defRPr sz="2400" kern="1200">
+                <a:solidFill>
+                  <a:schemeClr val="tx1"/>
+                </a:solidFill>
+                <a:latin typeface="+mn-lt"/>
+                <a:ea typeface="+mn-ea"/>
+                <a:cs typeface="+mn-cs"/>
+              </a:defRPr>
+            </a:lvl7pPr>
+            <a:lvl8pPr marL="4267413" algn="l" defTabSz="609630" rtl="0" eaLnBrk="1" latinLnBrk="0" hangingPunct="1">
+              <a:defRPr sz="2400" kern="1200">
+                <a:solidFill>
+                  <a:schemeClr val="tx1"/>
+                </a:solidFill>
+                <a:latin typeface="+mn-lt"/>
+                <a:ea typeface="+mn-ea"/>
+                <a:cs typeface="+mn-cs"/>
+              </a:defRPr>
+            </a:lvl8pPr>
+            <a:lvl9pPr marL="4877044" algn="l" defTabSz="609630" rtl="0" eaLnBrk="1" latinLnBrk="0" hangingPunct="1">
+              <a:defRPr sz="2400" kern="1200">
+                <a:solidFill>
+                  <a:schemeClr val="tx1"/>
+                </a:solidFill>
+                <a:latin typeface="+mn-lt"/>
+                <a:ea typeface="+mn-ea"/>
+                <a:cs typeface="+mn-cs"/>
+              </a:defRPr>
+            </a:lvl9pPr>
+          </a:lstStyle>
+          <a:p>
+            <a:pPr algn="r"/>
+            <a:fld id="{D02B8B2F-F691-4135-AF04-E5B2EA4DBD49}" type="slidenum">
+              <a:rPr lang="zh-CN" altLang="en-US" smtClean="0">
+                <a:solidFill>
+                  <a:schemeClr val="bg1"/>
+                </a:solidFill>
+              </a:rPr>
+              <a:pPr algn="r"/>
+              <a:t>26</a:t>
+            </a:fld>
+            <a:endParaRPr lang="zh-CN" altLang="en-US" dirty="0">
+              <a:solidFill>
+                <a:schemeClr val="bg1"/>
+              </a:solidFill>
+            </a:endParaRPr>
+          </a:p>
+        </p:txBody>
+      </p:sp>
     </p:spTree>
     <p:extLst>
       <p:ext uri="{BB962C8B-B14F-4D97-AF65-F5344CB8AC3E}">
@@ -24555,6 +28824,199 @@
               </a:rPr>
               <a:t>progettato cercando di consentire la massima portabilità su differenti piattaforme</a:t>
             </a:r>
+          </a:p>
+        </p:txBody>
+      </p:sp>
+      <p:sp>
+        <p:nvSpPr>
+          <p:cNvPr id="12" name="Triangolo isoscele 11">
+            <a:extLst>
+              <a:ext uri="{FF2B5EF4-FFF2-40B4-BE49-F238E27FC236}">
+                <a16:creationId xmlns:a16="http://schemas.microsoft.com/office/drawing/2014/main" id="{D50A4ADB-377A-4C7F-A063-73512827AF45}"/>
+              </a:ext>
+            </a:extLst>
+          </p:cNvPr>
+          <p:cNvSpPr/>
+          <p:nvPr/>
+        </p:nvSpPr>
+        <p:spPr>
+          <a:xfrm>
+            <a:off x="8286750" y="6143437"/>
+            <a:ext cx="878889" cy="703983"/>
+          </a:xfrm>
+          <a:prstGeom prst="triangle">
+            <a:avLst>
+              <a:gd name="adj" fmla="val 100000"/>
+            </a:avLst>
+          </a:prstGeom>
+          <a:solidFill>
+            <a:schemeClr val="tx1">
+              <a:alpha val="18000"/>
+            </a:schemeClr>
+          </a:solidFill>
+          <a:ln>
+            <a:noFill/>
+          </a:ln>
+        </p:spPr>
+        <p:style>
+          <a:lnRef idx="1">
+            <a:schemeClr val="accent1"/>
+          </a:lnRef>
+          <a:fillRef idx="3">
+            <a:schemeClr val="accent1"/>
+          </a:fillRef>
+          <a:effectRef idx="2">
+            <a:schemeClr val="accent1"/>
+          </a:effectRef>
+          <a:fontRef idx="minor">
+            <a:schemeClr val="lt1"/>
+          </a:fontRef>
+        </p:style>
+        <p:txBody>
+          <a:bodyPr rtlCol="0" anchor="ctr"/>
+          <a:lstStyle/>
+          <a:p>
+            <a:pPr algn="ctr"/>
+            <a:endParaRPr lang="it-IT" dirty="0"/>
+          </a:p>
+        </p:txBody>
+      </p:sp>
+      <p:sp>
+        <p:nvSpPr>
+          <p:cNvPr id="13" name="Segnaposto numero diapositiva 10">
+            <a:extLst>
+              <a:ext uri="{FF2B5EF4-FFF2-40B4-BE49-F238E27FC236}">
+                <a16:creationId xmlns:a16="http://schemas.microsoft.com/office/drawing/2014/main" id="{336356C0-69D3-4F98-9BA3-D9CD427D3FB1}"/>
+              </a:ext>
+            </a:extLst>
+          </p:cNvPr>
+          <p:cNvSpPr txBox="1">
+            <a:spLocks/>
+          </p:cNvSpPr>
+          <p:nvPr/>
+        </p:nvSpPr>
+        <p:spPr>
+          <a:xfrm>
+            <a:off x="8443986" y="6391960"/>
+            <a:ext cx="637446" cy="365125"/>
+          </a:xfrm>
+          <a:prstGeom prst="rect">
+            <a:avLst/>
+          </a:prstGeom>
+        </p:spPr>
+        <p:txBody>
+          <a:bodyPr/>
+          <a:lstStyle>
+            <a:defPPr>
+              <a:defRPr lang="en-US"/>
+            </a:defPPr>
+            <a:lvl1pPr marL="0" algn="l" defTabSz="609630" rtl="0" eaLnBrk="1" latinLnBrk="0" hangingPunct="1">
+              <a:defRPr sz="2400" kern="1200">
+                <a:solidFill>
+                  <a:schemeClr val="tx1"/>
+                </a:solidFill>
+                <a:latin typeface="+mn-lt"/>
+                <a:ea typeface="+mn-ea"/>
+                <a:cs typeface="+mn-cs"/>
+              </a:defRPr>
+            </a:lvl1pPr>
+            <a:lvl2pPr marL="609630" algn="l" defTabSz="609630" rtl="0" eaLnBrk="1" latinLnBrk="0" hangingPunct="1">
+              <a:defRPr sz="2400" kern="1200">
+                <a:solidFill>
+                  <a:schemeClr val="tx1"/>
+                </a:solidFill>
+                <a:latin typeface="+mn-lt"/>
+                <a:ea typeface="+mn-ea"/>
+                <a:cs typeface="+mn-cs"/>
+              </a:defRPr>
+            </a:lvl2pPr>
+            <a:lvl3pPr marL="1219261" algn="l" defTabSz="609630" rtl="0" eaLnBrk="1" latinLnBrk="0" hangingPunct="1">
+              <a:defRPr sz="2400" kern="1200">
+                <a:solidFill>
+                  <a:schemeClr val="tx1"/>
+                </a:solidFill>
+                <a:latin typeface="+mn-lt"/>
+                <a:ea typeface="+mn-ea"/>
+                <a:cs typeface="+mn-cs"/>
+              </a:defRPr>
+            </a:lvl3pPr>
+            <a:lvl4pPr marL="1828891" algn="l" defTabSz="609630" rtl="0" eaLnBrk="1" latinLnBrk="0" hangingPunct="1">
+              <a:defRPr sz="2400" kern="1200">
+                <a:solidFill>
+                  <a:schemeClr val="tx1"/>
+                </a:solidFill>
+                <a:latin typeface="+mn-lt"/>
+                <a:ea typeface="+mn-ea"/>
+                <a:cs typeface="+mn-cs"/>
+              </a:defRPr>
+            </a:lvl4pPr>
+            <a:lvl5pPr marL="2438522" algn="l" defTabSz="609630" rtl="0" eaLnBrk="1" latinLnBrk="0" hangingPunct="1">
+              <a:defRPr sz="2400" kern="1200">
+                <a:solidFill>
+                  <a:schemeClr val="tx1"/>
+                </a:solidFill>
+                <a:latin typeface="+mn-lt"/>
+                <a:ea typeface="+mn-ea"/>
+                <a:cs typeface="+mn-cs"/>
+              </a:defRPr>
+            </a:lvl5pPr>
+            <a:lvl6pPr marL="3048152" algn="l" defTabSz="609630" rtl="0" eaLnBrk="1" latinLnBrk="0" hangingPunct="1">
+              <a:defRPr sz="2400" kern="1200">
+                <a:solidFill>
+                  <a:schemeClr val="tx1"/>
+                </a:solidFill>
+                <a:latin typeface="+mn-lt"/>
+                <a:ea typeface="+mn-ea"/>
+                <a:cs typeface="+mn-cs"/>
+              </a:defRPr>
+            </a:lvl6pPr>
+            <a:lvl7pPr marL="3657783" algn="l" defTabSz="609630" rtl="0" eaLnBrk="1" latinLnBrk="0" hangingPunct="1">
+              <a:defRPr sz="2400" kern="1200">
+                <a:solidFill>
+                  <a:schemeClr val="tx1"/>
+                </a:solidFill>
+                <a:latin typeface="+mn-lt"/>
+                <a:ea typeface="+mn-ea"/>
+                <a:cs typeface="+mn-cs"/>
+              </a:defRPr>
+            </a:lvl7pPr>
+            <a:lvl8pPr marL="4267413" algn="l" defTabSz="609630" rtl="0" eaLnBrk="1" latinLnBrk="0" hangingPunct="1">
+              <a:defRPr sz="2400" kern="1200">
+                <a:solidFill>
+                  <a:schemeClr val="tx1"/>
+                </a:solidFill>
+                <a:latin typeface="+mn-lt"/>
+                <a:ea typeface="+mn-ea"/>
+                <a:cs typeface="+mn-cs"/>
+              </a:defRPr>
+            </a:lvl8pPr>
+            <a:lvl9pPr marL="4877044" algn="l" defTabSz="609630" rtl="0" eaLnBrk="1" latinLnBrk="0" hangingPunct="1">
+              <a:defRPr sz="2400" kern="1200">
+                <a:solidFill>
+                  <a:schemeClr val="tx1"/>
+                </a:solidFill>
+                <a:latin typeface="+mn-lt"/>
+                <a:ea typeface="+mn-ea"/>
+                <a:cs typeface="+mn-cs"/>
+              </a:defRPr>
+            </a:lvl9pPr>
+          </a:lstStyle>
+          <a:p>
+            <a:pPr algn="r"/>
+            <a:fld id="{D02B8B2F-F691-4135-AF04-E5B2EA4DBD49}" type="slidenum">
+              <a:rPr lang="zh-CN" altLang="en-US" smtClean="0">
+                <a:solidFill>
+                  <a:schemeClr val="bg1"/>
+                </a:solidFill>
+              </a:rPr>
+              <a:pPr algn="r"/>
+              <a:t>3</a:t>
+            </a:fld>
+            <a:endParaRPr lang="zh-CN" altLang="en-US" dirty="0">
+              <a:solidFill>
+                <a:schemeClr val="bg1"/>
+              </a:solidFill>
+            </a:endParaRPr>
           </a:p>
         </p:txBody>
       </p:sp>
@@ -24933,6 +29395,199 @@
               <a:t>utterance</a:t>
             </a:r>
             <a:endParaRPr lang="it-IT" b="0" dirty="0"/>
+          </a:p>
+        </p:txBody>
+      </p:sp>
+      <p:sp>
+        <p:nvSpPr>
+          <p:cNvPr id="8" name="Triangolo isoscele 7">
+            <a:extLst>
+              <a:ext uri="{FF2B5EF4-FFF2-40B4-BE49-F238E27FC236}">
+                <a16:creationId xmlns:a16="http://schemas.microsoft.com/office/drawing/2014/main" id="{5731464A-34B6-46DD-B4D6-BC60B5D2CD73}"/>
+              </a:ext>
+            </a:extLst>
+          </p:cNvPr>
+          <p:cNvSpPr/>
+          <p:nvPr/>
+        </p:nvSpPr>
+        <p:spPr>
+          <a:xfrm>
+            <a:off x="8286750" y="6143437"/>
+            <a:ext cx="878889" cy="703983"/>
+          </a:xfrm>
+          <a:prstGeom prst="triangle">
+            <a:avLst>
+              <a:gd name="adj" fmla="val 100000"/>
+            </a:avLst>
+          </a:prstGeom>
+          <a:solidFill>
+            <a:schemeClr val="tx1">
+              <a:alpha val="18000"/>
+            </a:schemeClr>
+          </a:solidFill>
+          <a:ln>
+            <a:noFill/>
+          </a:ln>
+        </p:spPr>
+        <p:style>
+          <a:lnRef idx="1">
+            <a:schemeClr val="accent1"/>
+          </a:lnRef>
+          <a:fillRef idx="3">
+            <a:schemeClr val="accent1"/>
+          </a:fillRef>
+          <a:effectRef idx="2">
+            <a:schemeClr val="accent1"/>
+          </a:effectRef>
+          <a:fontRef idx="minor">
+            <a:schemeClr val="lt1"/>
+          </a:fontRef>
+        </p:style>
+        <p:txBody>
+          <a:bodyPr rtlCol="0" anchor="ctr"/>
+          <a:lstStyle/>
+          <a:p>
+            <a:pPr algn="ctr"/>
+            <a:endParaRPr lang="it-IT" dirty="0"/>
+          </a:p>
+        </p:txBody>
+      </p:sp>
+      <p:sp>
+        <p:nvSpPr>
+          <p:cNvPr id="9" name="Segnaposto numero diapositiva 10">
+            <a:extLst>
+              <a:ext uri="{FF2B5EF4-FFF2-40B4-BE49-F238E27FC236}">
+                <a16:creationId xmlns:a16="http://schemas.microsoft.com/office/drawing/2014/main" id="{0F91B99E-E673-4A93-AF45-AC74B5C1C33B}"/>
+              </a:ext>
+            </a:extLst>
+          </p:cNvPr>
+          <p:cNvSpPr txBox="1">
+            <a:spLocks/>
+          </p:cNvSpPr>
+          <p:nvPr/>
+        </p:nvSpPr>
+        <p:spPr>
+          <a:xfrm>
+            <a:off x="8443986" y="6391960"/>
+            <a:ext cx="637446" cy="365125"/>
+          </a:xfrm>
+          <a:prstGeom prst="rect">
+            <a:avLst/>
+          </a:prstGeom>
+        </p:spPr>
+        <p:txBody>
+          <a:bodyPr/>
+          <a:lstStyle>
+            <a:defPPr>
+              <a:defRPr lang="en-US"/>
+            </a:defPPr>
+            <a:lvl1pPr marL="0" algn="l" defTabSz="609630" rtl="0" eaLnBrk="1" latinLnBrk="0" hangingPunct="1">
+              <a:defRPr sz="2400" kern="1200">
+                <a:solidFill>
+                  <a:schemeClr val="tx1"/>
+                </a:solidFill>
+                <a:latin typeface="+mn-lt"/>
+                <a:ea typeface="+mn-ea"/>
+                <a:cs typeface="+mn-cs"/>
+              </a:defRPr>
+            </a:lvl1pPr>
+            <a:lvl2pPr marL="609630" algn="l" defTabSz="609630" rtl="0" eaLnBrk="1" latinLnBrk="0" hangingPunct="1">
+              <a:defRPr sz="2400" kern="1200">
+                <a:solidFill>
+                  <a:schemeClr val="tx1"/>
+                </a:solidFill>
+                <a:latin typeface="+mn-lt"/>
+                <a:ea typeface="+mn-ea"/>
+                <a:cs typeface="+mn-cs"/>
+              </a:defRPr>
+            </a:lvl2pPr>
+            <a:lvl3pPr marL="1219261" algn="l" defTabSz="609630" rtl="0" eaLnBrk="1" latinLnBrk="0" hangingPunct="1">
+              <a:defRPr sz="2400" kern="1200">
+                <a:solidFill>
+                  <a:schemeClr val="tx1"/>
+                </a:solidFill>
+                <a:latin typeface="+mn-lt"/>
+                <a:ea typeface="+mn-ea"/>
+                <a:cs typeface="+mn-cs"/>
+              </a:defRPr>
+            </a:lvl3pPr>
+            <a:lvl4pPr marL="1828891" algn="l" defTabSz="609630" rtl="0" eaLnBrk="1" latinLnBrk="0" hangingPunct="1">
+              <a:defRPr sz="2400" kern="1200">
+                <a:solidFill>
+                  <a:schemeClr val="tx1"/>
+                </a:solidFill>
+                <a:latin typeface="+mn-lt"/>
+                <a:ea typeface="+mn-ea"/>
+                <a:cs typeface="+mn-cs"/>
+              </a:defRPr>
+            </a:lvl4pPr>
+            <a:lvl5pPr marL="2438522" algn="l" defTabSz="609630" rtl="0" eaLnBrk="1" latinLnBrk="0" hangingPunct="1">
+              <a:defRPr sz="2400" kern="1200">
+                <a:solidFill>
+                  <a:schemeClr val="tx1"/>
+                </a:solidFill>
+                <a:latin typeface="+mn-lt"/>
+                <a:ea typeface="+mn-ea"/>
+                <a:cs typeface="+mn-cs"/>
+              </a:defRPr>
+            </a:lvl5pPr>
+            <a:lvl6pPr marL="3048152" algn="l" defTabSz="609630" rtl="0" eaLnBrk="1" latinLnBrk="0" hangingPunct="1">
+              <a:defRPr sz="2400" kern="1200">
+                <a:solidFill>
+                  <a:schemeClr val="tx1"/>
+                </a:solidFill>
+                <a:latin typeface="+mn-lt"/>
+                <a:ea typeface="+mn-ea"/>
+                <a:cs typeface="+mn-cs"/>
+              </a:defRPr>
+            </a:lvl6pPr>
+            <a:lvl7pPr marL="3657783" algn="l" defTabSz="609630" rtl="0" eaLnBrk="1" latinLnBrk="0" hangingPunct="1">
+              <a:defRPr sz="2400" kern="1200">
+                <a:solidFill>
+                  <a:schemeClr val="tx1"/>
+                </a:solidFill>
+                <a:latin typeface="+mn-lt"/>
+                <a:ea typeface="+mn-ea"/>
+                <a:cs typeface="+mn-cs"/>
+              </a:defRPr>
+            </a:lvl7pPr>
+            <a:lvl8pPr marL="4267413" algn="l" defTabSz="609630" rtl="0" eaLnBrk="1" latinLnBrk="0" hangingPunct="1">
+              <a:defRPr sz="2400" kern="1200">
+                <a:solidFill>
+                  <a:schemeClr val="tx1"/>
+                </a:solidFill>
+                <a:latin typeface="+mn-lt"/>
+                <a:ea typeface="+mn-ea"/>
+                <a:cs typeface="+mn-cs"/>
+              </a:defRPr>
+            </a:lvl8pPr>
+            <a:lvl9pPr marL="4877044" algn="l" defTabSz="609630" rtl="0" eaLnBrk="1" latinLnBrk="0" hangingPunct="1">
+              <a:defRPr sz="2400" kern="1200">
+                <a:solidFill>
+                  <a:schemeClr val="tx1"/>
+                </a:solidFill>
+                <a:latin typeface="+mn-lt"/>
+                <a:ea typeface="+mn-ea"/>
+                <a:cs typeface="+mn-cs"/>
+              </a:defRPr>
+            </a:lvl9pPr>
+          </a:lstStyle>
+          <a:p>
+            <a:pPr algn="r"/>
+            <a:fld id="{D02B8B2F-F691-4135-AF04-E5B2EA4DBD49}" type="slidenum">
+              <a:rPr lang="zh-CN" altLang="en-US" smtClean="0">
+                <a:solidFill>
+                  <a:schemeClr val="bg1"/>
+                </a:solidFill>
+              </a:rPr>
+              <a:pPr algn="r"/>
+              <a:t>4</a:t>
+            </a:fld>
+            <a:endParaRPr lang="zh-CN" altLang="en-US" dirty="0">
+              <a:solidFill>
+                <a:schemeClr val="bg1"/>
+              </a:solidFill>
+            </a:endParaRPr>
           </a:p>
         </p:txBody>
       </p:sp>
@@ -25351,7 +30006,7 @@
               </a:ln>
               <a:extLst>
                 <a:ext uri="{91240B29-F687-4f45-9708-019B960494DF}">
-                  <a14:hiddenLine xmlns:a14="http://schemas.microsoft.com/office/drawing/2010/main" xmlns="" w="9525">
+                  <a14:hiddenLine xmlns="" xmlns:a14="http://schemas.microsoft.com/office/drawing/2010/main" w="9525">
                     <a:solidFill>
                       <a:srgbClr val="000000"/>
                     </a:solidFill>
@@ -25486,7 +30141,7 @@
               </a:ln>
               <a:extLst>
                 <a:ext uri="{91240B29-F687-4f45-9708-019B960494DF}">
-                  <a14:hiddenLine xmlns:a14="http://schemas.microsoft.com/office/drawing/2010/main" xmlns="" w="9525">
+                  <a14:hiddenLine xmlns="" xmlns:a14="http://schemas.microsoft.com/office/drawing/2010/main" w="9525">
                     <a:solidFill>
                       <a:srgbClr val="000000"/>
                     </a:solidFill>
@@ -25589,7 +30244,7 @@
               </a:ln>
               <a:extLst>
                 <a:ext uri="{91240B29-F687-4f45-9708-019B960494DF}">
-                  <a14:hiddenLine xmlns:a14="http://schemas.microsoft.com/office/drawing/2010/main" xmlns="" w="9525">
+                  <a14:hiddenLine xmlns="" xmlns:a14="http://schemas.microsoft.com/office/drawing/2010/main" w="9525">
                     <a:solidFill>
                       <a:srgbClr val="000000"/>
                     </a:solidFill>
@@ -25733,7 +30388,7 @@
               </a:ln>
               <a:extLst>
                 <a:ext uri="{91240B29-F687-4f45-9708-019B960494DF}">
-                  <a14:hiddenLine xmlns:a14="http://schemas.microsoft.com/office/drawing/2010/main" xmlns="" w="9525">
+                  <a14:hiddenLine xmlns="" xmlns:a14="http://schemas.microsoft.com/office/drawing/2010/main" w="9525">
                     <a:solidFill>
                       <a:srgbClr val="000000"/>
                     </a:solidFill>
@@ -25923,7 +30578,7 @@
               </a:ln>
               <a:extLst>
                 <a:ext uri="{91240B29-F687-4f45-9708-019B960494DF}">
-                  <a14:hiddenLine xmlns:a14="http://schemas.microsoft.com/office/drawing/2010/main" xmlns="" w="9525">
+                  <a14:hiddenLine xmlns="" xmlns:a14="http://schemas.microsoft.com/office/drawing/2010/main" w="9525">
                     <a:solidFill>
                       <a:srgbClr val="000000"/>
                     </a:solidFill>
@@ -26111,6 +30766,199 @@
           </a:prstGeom>
         </p:spPr>
       </p:pic>
+      <p:sp>
+        <p:nvSpPr>
+          <p:cNvPr id="18" name="Triangolo isoscele 17">
+            <a:extLst>
+              <a:ext uri="{FF2B5EF4-FFF2-40B4-BE49-F238E27FC236}">
+                <a16:creationId xmlns:a16="http://schemas.microsoft.com/office/drawing/2014/main" id="{B68FC554-5306-41FC-81B8-51C139A6A873}"/>
+              </a:ext>
+            </a:extLst>
+          </p:cNvPr>
+          <p:cNvSpPr/>
+          <p:nvPr/>
+        </p:nvSpPr>
+        <p:spPr>
+          <a:xfrm>
+            <a:off x="8286750" y="6143437"/>
+            <a:ext cx="878889" cy="703983"/>
+          </a:xfrm>
+          <a:prstGeom prst="triangle">
+            <a:avLst>
+              <a:gd name="adj" fmla="val 100000"/>
+            </a:avLst>
+          </a:prstGeom>
+          <a:solidFill>
+            <a:schemeClr val="tx1">
+              <a:alpha val="18000"/>
+            </a:schemeClr>
+          </a:solidFill>
+          <a:ln>
+            <a:noFill/>
+          </a:ln>
+        </p:spPr>
+        <p:style>
+          <a:lnRef idx="1">
+            <a:schemeClr val="accent1"/>
+          </a:lnRef>
+          <a:fillRef idx="3">
+            <a:schemeClr val="accent1"/>
+          </a:fillRef>
+          <a:effectRef idx="2">
+            <a:schemeClr val="accent1"/>
+          </a:effectRef>
+          <a:fontRef idx="minor">
+            <a:schemeClr val="lt1"/>
+          </a:fontRef>
+        </p:style>
+        <p:txBody>
+          <a:bodyPr rtlCol="0" anchor="ctr"/>
+          <a:lstStyle/>
+          <a:p>
+            <a:pPr algn="ctr"/>
+            <a:endParaRPr lang="it-IT" dirty="0"/>
+          </a:p>
+        </p:txBody>
+      </p:sp>
+      <p:sp>
+        <p:nvSpPr>
+          <p:cNvPr id="19" name="Segnaposto numero diapositiva 10">
+            <a:extLst>
+              <a:ext uri="{FF2B5EF4-FFF2-40B4-BE49-F238E27FC236}">
+                <a16:creationId xmlns:a16="http://schemas.microsoft.com/office/drawing/2014/main" id="{0FAF21A0-BAC6-4352-92F9-C42232A50EE7}"/>
+              </a:ext>
+            </a:extLst>
+          </p:cNvPr>
+          <p:cNvSpPr txBox="1">
+            <a:spLocks/>
+          </p:cNvSpPr>
+          <p:nvPr/>
+        </p:nvSpPr>
+        <p:spPr>
+          <a:xfrm>
+            <a:off x="8443986" y="6391960"/>
+            <a:ext cx="637446" cy="365125"/>
+          </a:xfrm>
+          <a:prstGeom prst="rect">
+            <a:avLst/>
+          </a:prstGeom>
+        </p:spPr>
+        <p:txBody>
+          <a:bodyPr/>
+          <a:lstStyle>
+            <a:defPPr>
+              <a:defRPr lang="en-US"/>
+            </a:defPPr>
+            <a:lvl1pPr marL="0" algn="l" defTabSz="609630" rtl="0" eaLnBrk="1" latinLnBrk="0" hangingPunct="1">
+              <a:defRPr sz="2400" kern="1200">
+                <a:solidFill>
+                  <a:schemeClr val="tx1"/>
+                </a:solidFill>
+                <a:latin typeface="+mn-lt"/>
+                <a:ea typeface="+mn-ea"/>
+                <a:cs typeface="+mn-cs"/>
+              </a:defRPr>
+            </a:lvl1pPr>
+            <a:lvl2pPr marL="609630" algn="l" defTabSz="609630" rtl="0" eaLnBrk="1" latinLnBrk="0" hangingPunct="1">
+              <a:defRPr sz="2400" kern="1200">
+                <a:solidFill>
+                  <a:schemeClr val="tx1"/>
+                </a:solidFill>
+                <a:latin typeface="+mn-lt"/>
+                <a:ea typeface="+mn-ea"/>
+                <a:cs typeface="+mn-cs"/>
+              </a:defRPr>
+            </a:lvl2pPr>
+            <a:lvl3pPr marL="1219261" algn="l" defTabSz="609630" rtl="0" eaLnBrk="1" latinLnBrk="0" hangingPunct="1">
+              <a:defRPr sz="2400" kern="1200">
+                <a:solidFill>
+                  <a:schemeClr val="tx1"/>
+                </a:solidFill>
+                <a:latin typeface="+mn-lt"/>
+                <a:ea typeface="+mn-ea"/>
+                <a:cs typeface="+mn-cs"/>
+              </a:defRPr>
+            </a:lvl3pPr>
+            <a:lvl4pPr marL="1828891" algn="l" defTabSz="609630" rtl="0" eaLnBrk="1" latinLnBrk="0" hangingPunct="1">
+              <a:defRPr sz="2400" kern="1200">
+                <a:solidFill>
+                  <a:schemeClr val="tx1"/>
+                </a:solidFill>
+                <a:latin typeface="+mn-lt"/>
+                <a:ea typeface="+mn-ea"/>
+                <a:cs typeface="+mn-cs"/>
+              </a:defRPr>
+            </a:lvl4pPr>
+            <a:lvl5pPr marL="2438522" algn="l" defTabSz="609630" rtl="0" eaLnBrk="1" latinLnBrk="0" hangingPunct="1">
+              <a:defRPr sz="2400" kern="1200">
+                <a:solidFill>
+                  <a:schemeClr val="tx1"/>
+                </a:solidFill>
+                <a:latin typeface="+mn-lt"/>
+                <a:ea typeface="+mn-ea"/>
+                <a:cs typeface="+mn-cs"/>
+              </a:defRPr>
+            </a:lvl5pPr>
+            <a:lvl6pPr marL="3048152" algn="l" defTabSz="609630" rtl="0" eaLnBrk="1" latinLnBrk="0" hangingPunct="1">
+              <a:defRPr sz="2400" kern="1200">
+                <a:solidFill>
+                  <a:schemeClr val="tx1"/>
+                </a:solidFill>
+                <a:latin typeface="+mn-lt"/>
+                <a:ea typeface="+mn-ea"/>
+                <a:cs typeface="+mn-cs"/>
+              </a:defRPr>
+            </a:lvl6pPr>
+            <a:lvl7pPr marL="3657783" algn="l" defTabSz="609630" rtl="0" eaLnBrk="1" latinLnBrk="0" hangingPunct="1">
+              <a:defRPr sz="2400" kern="1200">
+                <a:solidFill>
+                  <a:schemeClr val="tx1"/>
+                </a:solidFill>
+                <a:latin typeface="+mn-lt"/>
+                <a:ea typeface="+mn-ea"/>
+                <a:cs typeface="+mn-cs"/>
+              </a:defRPr>
+            </a:lvl7pPr>
+            <a:lvl8pPr marL="4267413" algn="l" defTabSz="609630" rtl="0" eaLnBrk="1" latinLnBrk="0" hangingPunct="1">
+              <a:defRPr sz="2400" kern="1200">
+                <a:solidFill>
+                  <a:schemeClr val="tx1"/>
+                </a:solidFill>
+                <a:latin typeface="+mn-lt"/>
+                <a:ea typeface="+mn-ea"/>
+                <a:cs typeface="+mn-cs"/>
+              </a:defRPr>
+            </a:lvl8pPr>
+            <a:lvl9pPr marL="4877044" algn="l" defTabSz="609630" rtl="0" eaLnBrk="1" latinLnBrk="0" hangingPunct="1">
+              <a:defRPr sz="2400" kern="1200">
+                <a:solidFill>
+                  <a:schemeClr val="tx1"/>
+                </a:solidFill>
+                <a:latin typeface="+mn-lt"/>
+                <a:ea typeface="+mn-ea"/>
+                <a:cs typeface="+mn-cs"/>
+              </a:defRPr>
+            </a:lvl9pPr>
+          </a:lstStyle>
+          <a:p>
+            <a:pPr algn="r"/>
+            <a:fld id="{D02B8B2F-F691-4135-AF04-E5B2EA4DBD49}" type="slidenum">
+              <a:rPr lang="zh-CN" altLang="en-US" smtClean="0">
+                <a:solidFill>
+                  <a:schemeClr val="bg1"/>
+                </a:solidFill>
+              </a:rPr>
+              <a:pPr algn="r"/>
+              <a:t>5</a:t>
+            </a:fld>
+            <a:endParaRPr lang="zh-CN" altLang="en-US" dirty="0">
+              <a:solidFill>
+                <a:schemeClr val="bg1"/>
+              </a:solidFill>
+            </a:endParaRPr>
+          </a:p>
+        </p:txBody>
+      </p:sp>
     </p:spTree>
     <p:extLst>
       <p:ext uri="{BB962C8B-B14F-4D97-AF65-F5344CB8AC3E}">
@@ -29001,6 +33849,199 @@
           </a:prstGeom>
         </p:spPr>
       </p:pic>
+      <p:sp>
+        <p:nvSpPr>
+          <p:cNvPr id="33" name="Triangolo isoscele 32">
+            <a:extLst>
+              <a:ext uri="{FF2B5EF4-FFF2-40B4-BE49-F238E27FC236}">
+                <a16:creationId xmlns:a16="http://schemas.microsoft.com/office/drawing/2014/main" id="{21DADF2E-BE56-46F5-93AA-6CF311334060}"/>
+              </a:ext>
+            </a:extLst>
+          </p:cNvPr>
+          <p:cNvSpPr/>
+          <p:nvPr/>
+        </p:nvSpPr>
+        <p:spPr>
+          <a:xfrm>
+            <a:off x="8286750" y="6143437"/>
+            <a:ext cx="878889" cy="703983"/>
+          </a:xfrm>
+          <a:prstGeom prst="triangle">
+            <a:avLst>
+              <a:gd name="adj" fmla="val 100000"/>
+            </a:avLst>
+          </a:prstGeom>
+          <a:solidFill>
+            <a:schemeClr val="tx1">
+              <a:alpha val="18000"/>
+            </a:schemeClr>
+          </a:solidFill>
+          <a:ln>
+            <a:noFill/>
+          </a:ln>
+        </p:spPr>
+        <p:style>
+          <a:lnRef idx="1">
+            <a:schemeClr val="accent1"/>
+          </a:lnRef>
+          <a:fillRef idx="3">
+            <a:schemeClr val="accent1"/>
+          </a:fillRef>
+          <a:effectRef idx="2">
+            <a:schemeClr val="accent1"/>
+          </a:effectRef>
+          <a:fontRef idx="minor">
+            <a:schemeClr val="lt1"/>
+          </a:fontRef>
+        </p:style>
+        <p:txBody>
+          <a:bodyPr rtlCol="0" anchor="ctr"/>
+          <a:lstStyle/>
+          <a:p>
+            <a:pPr algn="ctr"/>
+            <a:endParaRPr lang="it-IT" dirty="0"/>
+          </a:p>
+        </p:txBody>
+      </p:sp>
+      <p:sp>
+        <p:nvSpPr>
+          <p:cNvPr id="35" name="Segnaposto numero diapositiva 10">
+            <a:extLst>
+              <a:ext uri="{FF2B5EF4-FFF2-40B4-BE49-F238E27FC236}">
+                <a16:creationId xmlns:a16="http://schemas.microsoft.com/office/drawing/2014/main" id="{4AA8E067-8062-43A2-B816-4E48EA7B7BF2}"/>
+              </a:ext>
+            </a:extLst>
+          </p:cNvPr>
+          <p:cNvSpPr txBox="1">
+            <a:spLocks/>
+          </p:cNvSpPr>
+          <p:nvPr/>
+        </p:nvSpPr>
+        <p:spPr>
+          <a:xfrm>
+            <a:off x="8443986" y="6391960"/>
+            <a:ext cx="637446" cy="365125"/>
+          </a:xfrm>
+          <a:prstGeom prst="rect">
+            <a:avLst/>
+          </a:prstGeom>
+        </p:spPr>
+        <p:txBody>
+          <a:bodyPr/>
+          <a:lstStyle>
+            <a:defPPr>
+              <a:defRPr lang="en-US"/>
+            </a:defPPr>
+            <a:lvl1pPr marL="0" algn="l" defTabSz="609630" rtl="0" eaLnBrk="1" latinLnBrk="0" hangingPunct="1">
+              <a:defRPr sz="2400" kern="1200">
+                <a:solidFill>
+                  <a:schemeClr val="tx1"/>
+                </a:solidFill>
+                <a:latin typeface="+mn-lt"/>
+                <a:ea typeface="+mn-ea"/>
+                <a:cs typeface="+mn-cs"/>
+              </a:defRPr>
+            </a:lvl1pPr>
+            <a:lvl2pPr marL="609630" algn="l" defTabSz="609630" rtl="0" eaLnBrk="1" latinLnBrk="0" hangingPunct="1">
+              <a:defRPr sz="2400" kern="1200">
+                <a:solidFill>
+                  <a:schemeClr val="tx1"/>
+                </a:solidFill>
+                <a:latin typeface="+mn-lt"/>
+                <a:ea typeface="+mn-ea"/>
+                <a:cs typeface="+mn-cs"/>
+              </a:defRPr>
+            </a:lvl2pPr>
+            <a:lvl3pPr marL="1219261" algn="l" defTabSz="609630" rtl="0" eaLnBrk="1" latinLnBrk="0" hangingPunct="1">
+              <a:defRPr sz="2400" kern="1200">
+                <a:solidFill>
+                  <a:schemeClr val="tx1"/>
+                </a:solidFill>
+                <a:latin typeface="+mn-lt"/>
+                <a:ea typeface="+mn-ea"/>
+                <a:cs typeface="+mn-cs"/>
+              </a:defRPr>
+            </a:lvl3pPr>
+            <a:lvl4pPr marL="1828891" algn="l" defTabSz="609630" rtl="0" eaLnBrk="1" latinLnBrk="0" hangingPunct="1">
+              <a:defRPr sz="2400" kern="1200">
+                <a:solidFill>
+                  <a:schemeClr val="tx1"/>
+                </a:solidFill>
+                <a:latin typeface="+mn-lt"/>
+                <a:ea typeface="+mn-ea"/>
+                <a:cs typeface="+mn-cs"/>
+              </a:defRPr>
+            </a:lvl4pPr>
+            <a:lvl5pPr marL="2438522" algn="l" defTabSz="609630" rtl="0" eaLnBrk="1" latinLnBrk="0" hangingPunct="1">
+              <a:defRPr sz="2400" kern="1200">
+                <a:solidFill>
+                  <a:schemeClr val="tx1"/>
+                </a:solidFill>
+                <a:latin typeface="+mn-lt"/>
+                <a:ea typeface="+mn-ea"/>
+                <a:cs typeface="+mn-cs"/>
+              </a:defRPr>
+            </a:lvl5pPr>
+            <a:lvl6pPr marL="3048152" algn="l" defTabSz="609630" rtl="0" eaLnBrk="1" latinLnBrk="0" hangingPunct="1">
+              <a:defRPr sz="2400" kern="1200">
+                <a:solidFill>
+                  <a:schemeClr val="tx1"/>
+                </a:solidFill>
+                <a:latin typeface="+mn-lt"/>
+                <a:ea typeface="+mn-ea"/>
+                <a:cs typeface="+mn-cs"/>
+              </a:defRPr>
+            </a:lvl6pPr>
+            <a:lvl7pPr marL="3657783" algn="l" defTabSz="609630" rtl="0" eaLnBrk="1" latinLnBrk="0" hangingPunct="1">
+              <a:defRPr sz="2400" kern="1200">
+                <a:solidFill>
+                  <a:schemeClr val="tx1"/>
+                </a:solidFill>
+                <a:latin typeface="+mn-lt"/>
+                <a:ea typeface="+mn-ea"/>
+                <a:cs typeface="+mn-cs"/>
+              </a:defRPr>
+            </a:lvl7pPr>
+            <a:lvl8pPr marL="4267413" algn="l" defTabSz="609630" rtl="0" eaLnBrk="1" latinLnBrk="0" hangingPunct="1">
+              <a:defRPr sz="2400" kern="1200">
+                <a:solidFill>
+                  <a:schemeClr val="tx1"/>
+                </a:solidFill>
+                <a:latin typeface="+mn-lt"/>
+                <a:ea typeface="+mn-ea"/>
+                <a:cs typeface="+mn-cs"/>
+              </a:defRPr>
+            </a:lvl8pPr>
+            <a:lvl9pPr marL="4877044" algn="l" defTabSz="609630" rtl="0" eaLnBrk="1" latinLnBrk="0" hangingPunct="1">
+              <a:defRPr sz="2400" kern="1200">
+                <a:solidFill>
+                  <a:schemeClr val="tx1"/>
+                </a:solidFill>
+                <a:latin typeface="+mn-lt"/>
+                <a:ea typeface="+mn-ea"/>
+                <a:cs typeface="+mn-cs"/>
+              </a:defRPr>
+            </a:lvl9pPr>
+          </a:lstStyle>
+          <a:p>
+            <a:pPr algn="r"/>
+            <a:fld id="{D02B8B2F-F691-4135-AF04-E5B2EA4DBD49}" type="slidenum">
+              <a:rPr lang="zh-CN" altLang="en-US" smtClean="0">
+                <a:solidFill>
+                  <a:schemeClr val="bg1"/>
+                </a:solidFill>
+              </a:rPr>
+              <a:pPr algn="r"/>
+              <a:t>6</a:t>
+            </a:fld>
+            <a:endParaRPr lang="zh-CN" altLang="en-US" dirty="0">
+              <a:solidFill>
+                <a:schemeClr val="bg1"/>
+              </a:solidFill>
+            </a:endParaRPr>
+          </a:p>
+        </p:txBody>
+      </p:sp>
     </p:spTree>
     <p:extLst>
       <p:ext uri="{BB962C8B-B14F-4D97-AF65-F5344CB8AC3E}">
@@ -31822,6 +36863,199 @@
           </a:prstGeom>
         </p:spPr>
       </p:pic>
+      <p:sp>
+        <p:nvSpPr>
+          <p:cNvPr id="20" name="Triangolo isoscele 19">
+            <a:extLst>
+              <a:ext uri="{FF2B5EF4-FFF2-40B4-BE49-F238E27FC236}">
+                <a16:creationId xmlns:a16="http://schemas.microsoft.com/office/drawing/2014/main" id="{8CF9B273-C103-4D07-BF71-9B9AAEB1DFE3}"/>
+              </a:ext>
+            </a:extLst>
+          </p:cNvPr>
+          <p:cNvSpPr/>
+          <p:nvPr/>
+        </p:nvSpPr>
+        <p:spPr>
+          <a:xfrm>
+            <a:off x="8286750" y="6143437"/>
+            <a:ext cx="878889" cy="703983"/>
+          </a:xfrm>
+          <a:prstGeom prst="triangle">
+            <a:avLst>
+              <a:gd name="adj" fmla="val 100000"/>
+            </a:avLst>
+          </a:prstGeom>
+          <a:solidFill>
+            <a:schemeClr val="tx1">
+              <a:alpha val="18000"/>
+            </a:schemeClr>
+          </a:solidFill>
+          <a:ln>
+            <a:noFill/>
+          </a:ln>
+        </p:spPr>
+        <p:style>
+          <a:lnRef idx="1">
+            <a:schemeClr val="accent1"/>
+          </a:lnRef>
+          <a:fillRef idx="3">
+            <a:schemeClr val="accent1"/>
+          </a:fillRef>
+          <a:effectRef idx="2">
+            <a:schemeClr val="accent1"/>
+          </a:effectRef>
+          <a:fontRef idx="minor">
+            <a:schemeClr val="lt1"/>
+          </a:fontRef>
+        </p:style>
+        <p:txBody>
+          <a:bodyPr rtlCol="0" anchor="ctr"/>
+          <a:lstStyle/>
+          <a:p>
+            <a:pPr algn="ctr"/>
+            <a:endParaRPr lang="it-IT" dirty="0"/>
+          </a:p>
+        </p:txBody>
+      </p:sp>
+      <p:sp>
+        <p:nvSpPr>
+          <p:cNvPr id="21" name="Segnaposto numero diapositiva 10">
+            <a:extLst>
+              <a:ext uri="{FF2B5EF4-FFF2-40B4-BE49-F238E27FC236}">
+                <a16:creationId xmlns:a16="http://schemas.microsoft.com/office/drawing/2014/main" id="{AEF53ABF-FDB2-4278-9412-9FD436D2206E}"/>
+              </a:ext>
+            </a:extLst>
+          </p:cNvPr>
+          <p:cNvSpPr txBox="1">
+            <a:spLocks/>
+          </p:cNvSpPr>
+          <p:nvPr/>
+        </p:nvSpPr>
+        <p:spPr>
+          <a:xfrm>
+            <a:off x="8443986" y="6391960"/>
+            <a:ext cx="637446" cy="365125"/>
+          </a:xfrm>
+          <a:prstGeom prst="rect">
+            <a:avLst/>
+          </a:prstGeom>
+        </p:spPr>
+        <p:txBody>
+          <a:bodyPr/>
+          <a:lstStyle>
+            <a:defPPr>
+              <a:defRPr lang="en-US"/>
+            </a:defPPr>
+            <a:lvl1pPr marL="0" algn="l" defTabSz="609630" rtl="0" eaLnBrk="1" latinLnBrk="0" hangingPunct="1">
+              <a:defRPr sz="2400" kern="1200">
+                <a:solidFill>
+                  <a:schemeClr val="tx1"/>
+                </a:solidFill>
+                <a:latin typeface="+mn-lt"/>
+                <a:ea typeface="+mn-ea"/>
+                <a:cs typeface="+mn-cs"/>
+              </a:defRPr>
+            </a:lvl1pPr>
+            <a:lvl2pPr marL="609630" algn="l" defTabSz="609630" rtl="0" eaLnBrk="1" latinLnBrk="0" hangingPunct="1">
+              <a:defRPr sz="2400" kern="1200">
+                <a:solidFill>
+                  <a:schemeClr val="tx1"/>
+                </a:solidFill>
+                <a:latin typeface="+mn-lt"/>
+                <a:ea typeface="+mn-ea"/>
+                <a:cs typeface="+mn-cs"/>
+              </a:defRPr>
+            </a:lvl2pPr>
+            <a:lvl3pPr marL="1219261" algn="l" defTabSz="609630" rtl="0" eaLnBrk="1" latinLnBrk="0" hangingPunct="1">
+              <a:defRPr sz="2400" kern="1200">
+                <a:solidFill>
+                  <a:schemeClr val="tx1"/>
+                </a:solidFill>
+                <a:latin typeface="+mn-lt"/>
+                <a:ea typeface="+mn-ea"/>
+                <a:cs typeface="+mn-cs"/>
+              </a:defRPr>
+            </a:lvl3pPr>
+            <a:lvl4pPr marL="1828891" algn="l" defTabSz="609630" rtl="0" eaLnBrk="1" latinLnBrk="0" hangingPunct="1">
+              <a:defRPr sz="2400" kern="1200">
+                <a:solidFill>
+                  <a:schemeClr val="tx1"/>
+                </a:solidFill>
+                <a:latin typeface="+mn-lt"/>
+                <a:ea typeface="+mn-ea"/>
+                <a:cs typeface="+mn-cs"/>
+              </a:defRPr>
+            </a:lvl4pPr>
+            <a:lvl5pPr marL="2438522" algn="l" defTabSz="609630" rtl="0" eaLnBrk="1" latinLnBrk="0" hangingPunct="1">
+              <a:defRPr sz="2400" kern="1200">
+                <a:solidFill>
+                  <a:schemeClr val="tx1"/>
+                </a:solidFill>
+                <a:latin typeface="+mn-lt"/>
+                <a:ea typeface="+mn-ea"/>
+                <a:cs typeface="+mn-cs"/>
+              </a:defRPr>
+            </a:lvl5pPr>
+            <a:lvl6pPr marL="3048152" algn="l" defTabSz="609630" rtl="0" eaLnBrk="1" latinLnBrk="0" hangingPunct="1">
+              <a:defRPr sz="2400" kern="1200">
+                <a:solidFill>
+                  <a:schemeClr val="tx1"/>
+                </a:solidFill>
+                <a:latin typeface="+mn-lt"/>
+                <a:ea typeface="+mn-ea"/>
+                <a:cs typeface="+mn-cs"/>
+              </a:defRPr>
+            </a:lvl6pPr>
+            <a:lvl7pPr marL="3657783" algn="l" defTabSz="609630" rtl="0" eaLnBrk="1" latinLnBrk="0" hangingPunct="1">
+              <a:defRPr sz="2400" kern="1200">
+                <a:solidFill>
+                  <a:schemeClr val="tx1"/>
+                </a:solidFill>
+                <a:latin typeface="+mn-lt"/>
+                <a:ea typeface="+mn-ea"/>
+                <a:cs typeface="+mn-cs"/>
+              </a:defRPr>
+            </a:lvl7pPr>
+            <a:lvl8pPr marL="4267413" algn="l" defTabSz="609630" rtl="0" eaLnBrk="1" latinLnBrk="0" hangingPunct="1">
+              <a:defRPr sz="2400" kern="1200">
+                <a:solidFill>
+                  <a:schemeClr val="tx1"/>
+                </a:solidFill>
+                <a:latin typeface="+mn-lt"/>
+                <a:ea typeface="+mn-ea"/>
+                <a:cs typeface="+mn-cs"/>
+              </a:defRPr>
+            </a:lvl8pPr>
+            <a:lvl9pPr marL="4877044" algn="l" defTabSz="609630" rtl="0" eaLnBrk="1" latinLnBrk="0" hangingPunct="1">
+              <a:defRPr sz="2400" kern="1200">
+                <a:solidFill>
+                  <a:schemeClr val="tx1"/>
+                </a:solidFill>
+                <a:latin typeface="+mn-lt"/>
+                <a:ea typeface="+mn-ea"/>
+                <a:cs typeface="+mn-cs"/>
+              </a:defRPr>
+            </a:lvl9pPr>
+          </a:lstStyle>
+          <a:p>
+            <a:pPr algn="r"/>
+            <a:fld id="{D02B8B2F-F691-4135-AF04-E5B2EA4DBD49}" type="slidenum">
+              <a:rPr lang="zh-CN" altLang="en-US" smtClean="0">
+                <a:solidFill>
+                  <a:schemeClr val="bg1"/>
+                </a:solidFill>
+              </a:rPr>
+              <a:pPr algn="r"/>
+              <a:t>7</a:t>
+            </a:fld>
+            <a:endParaRPr lang="zh-CN" altLang="en-US" dirty="0">
+              <a:solidFill>
+                <a:schemeClr val="bg1"/>
+              </a:solidFill>
+            </a:endParaRPr>
+          </a:p>
+        </p:txBody>
+      </p:sp>
     </p:spTree>
     <p:extLst>
       <p:ext uri="{BB962C8B-B14F-4D97-AF65-F5344CB8AC3E}">
@@ -33091,7 +38325,7 @@
               </a:ln>
               <a:extLst>
                 <a:ext uri="{91240B29-F687-4f45-9708-019B960494DF}">
-                  <a14:hiddenLine xmlns:a14="http://schemas.microsoft.com/office/drawing/2010/main" xmlns="" w="9525">
+                  <a14:hiddenLine xmlns="" xmlns:a14="http://schemas.microsoft.com/office/drawing/2010/main" w="9525">
                     <a:solidFill>
                       <a:srgbClr val="000000"/>
                     </a:solidFill>
@@ -33143,7 +38377,7 @@
               </a:ln>
               <a:extLst>
                 <a:ext uri="{91240B29-F687-4f45-9708-019B960494DF}">
-                  <a14:hiddenLine xmlns:a14="http://schemas.microsoft.com/office/drawing/2010/main" xmlns="" w="9525">
+                  <a14:hiddenLine xmlns="" xmlns:a14="http://schemas.microsoft.com/office/drawing/2010/main" w="9525">
                     <a:solidFill>
                       <a:srgbClr val="000000"/>
                     </a:solidFill>
@@ -33195,7 +38429,7 @@
               </a:ln>
               <a:extLst>
                 <a:ext uri="{91240B29-F687-4f45-9708-019B960494DF}">
-                  <a14:hiddenLine xmlns:a14="http://schemas.microsoft.com/office/drawing/2010/main" xmlns="" w="9525">
+                  <a14:hiddenLine xmlns="" xmlns:a14="http://schemas.microsoft.com/office/drawing/2010/main" w="9525">
                     <a:solidFill>
                       <a:srgbClr val="000000"/>
                     </a:solidFill>
@@ -33247,7 +38481,7 @@
               </a:ln>
               <a:extLst>
                 <a:ext uri="{91240B29-F687-4f45-9708-019B960494DF}">
-                  <a14:hiddenLine xmlns:a14="http://schemas.microsoft.com/office/drawing/2010/main" xmlns="" w="9525">
+                  <a14:hiddenLine xmlns="" xmlns:a14="http://schemas.microsoft.com/office/drawing/2010/main" w="9525">
                     <a:solidFill>
                       <a:srgbClr val="000000"/>
                     </a:solidFill>
@@ -33299,7 +38533,7 @@
               </a:ln>
               <a:extLst>
                 <a:ext uri="{91240B29-F687-4f45-9708-019B960494DF}">
-                  <a14:hiddenLine xmlns:a14="http://schemas.microsoft.com/office/drawing/2010/main" xmlns="" w="9525">
+                  <a14:hiddenLine xmlns="" xmlns:a14="http://schemas.microsoft.com/office/drawing/2010/main" w="9525">
                     <a:solidFill>
                       <a:srgbClr val="000000"/>
                     </a:solidFill>
@@ -33434,7 +38668,7 @@
               </a:ln>
               <a:extLst>
                 <a:ext uri="{91240B29-F687-4f45-9708-019B960494DF}">
-                  <a14:hiddenLine xmlns:a14="http://schemas.microsoft.com/office/drawing/2010/main" xmlns="" w="9525">
+                  <a14:hiddenLine xmlns="" xmlns:a14="http://schemas.microsoft.com/office/drawing/2010/main" w="9525">
                     <a:solidFill>
                       <a:srgbClr val="000000"/>
                     </a:solidFill>
@@ -37333,7 +42567,7 @@
             </a:ln>
             <a:extLst>
               <a:ext uri="{91240B29-F687-4f45-9708-019B960494DF}">
-                <a14:hiddenLine xmlns:a14="http://schemas.microsoft.com/office/drawing/2010/main" xmlns="" w="9525">
+                <a14:hiddenLine xmlns="" xmlns:a14="http://schemas.microsoft.com/office/drawing/2010/main" w="9525">
                   <a:solidFill>
                     <a:srgbClr val="000000"/>
                   </a:solidFill>
@@ -37468,7 +42702,7 @@
             </a:ln>
             <a:extLst>
               <a:ext uri="{91240B29-F687-4f45-9708-019B960494DF}">
-                <a14:hiddenLine xmlns:a14="http://schemas.microsoft.com/office/drawing/2010/main" xmlns="" w="9525">
+                <a14:hiddenLine xmlns="" xmlns:a14="http://schemas.microsoft.com/office/drawing/2010/main" w="9525">
                   <a:solidFill>
                     <a:srgbClr val="000000"/>
                   </a:solidFill>
@@ -37571,7 +42805,7 @@
             </a:ln>
             <a:extLst>
               <a:ext uri="{91240B29-F687-4f45-9708-019B960494DF}">
-                <a14:hiddenLine xmlns:a14="http://schemas.microsoft.com/office/drawing/2010/main" xmlns="" w="9525">
+                <a14:hiddenLine xmlns="" xmlns:a14="http://schemas.microsoft.com/office/drawing/2010/main" w="9525">
                   <a:solidFill>
                     <a:srgbClr val="000000"/>
                   </a:solidFill>
@@ -37715,7 +42949,7 @@
             </a:ln>
             <a:extLst>
               <a:ext uri="{91240B29-F687-4f45-9708-019B960494DF}">
-                <a14:hiddenLine xmlns:a14="http://schemas.microsoft.com/office/drawing/2010/main" xmlns="" w="9525">
+                <a14:hiddenLine xmlns="" xmlns:a14="http://schemas.microsoft.com/office/drawing/2010/main" w="9525">
                   <a:solidFill>
                     <a:srgbClr val="000000"/>
                   </a:solidFill>
@@ -37905,7 +43139,7 @@
             </a:ln>
             <a:extLst>
               <a:ext uri="{91240B29-F687-4f45-9708-019B960494DF}">
-                <a14:hiddenLine xmlns:a14="http://schemas.microsoft.com/office/drawing/2010/main" xmlns="" w="9525">
+                <a14:hiddenLine xmlns="" xmlns:a14="http://schemas.microsoft.com/office/drawing/2010/main" w="9525">
                   <a:solidFill>
                     <a:srgbClr val="000000"/>
                   </a:solidFill>
@@ -39913,6 +45147,199 @@
               </a:rPr>
               <a:t>Ingresso in RR</a:t>
             </a:r>
+          </a:p>
+        </p:txBody>
+      </p:sp>
+      <p:sp>
+        <p:nvSpPr>
+          <p:cNvPr id="73" name="Triangolo isoscele 72">
+            <a:extLst>
+              <a:ext uri="{FF2B5EF4-FFF2-40B4-BE49-F238E27FC236}">
+                <a16:creationId xmlns:a16="http://schemas.microsoft.com/office/drawing/2014/main" id="{F06A42AC-3796-4738-9BD3-5E784390933B}"/>
+              </a:ext>
+            </a:extLst>
+          </p:cNvPr>
+          <p:cNvSpPr/>
+          <p:nvPr/>
+        </p:nvSpPr>
+        <p:spPr>
+          <a:xfrm>
+            <a:off x="8286750" y="6143437"/>
+            <a:ext cx="878889" cy="703983"/>
+          </a:xfrm>
+          <a:prstGeom prst="triangle">
+            <a:avLst>
+              <a:gd name="adj" fmla="val 100000"/>
+            </a:avLst>
+          </a:prstGeom>
+          <a:solidFill>
+            <a:schemeClr val="tx1">
+              <a:alpha val="18000"/>
+            </a:schemeClr>
+          </a:solidFill>
+          <a:ln>
+            <a:noFill/>
+          </a:ln>
+        </p:spPr>
+        <p:style>
+          <a:lnRef idx="1">
+            <a:schemeClr val="accent1"/>
+          </a:lnRef>
+          <a:fillRef idx="3">
+            <a:schemeClr val="accent1"/>
+          </a:fillRef>
+          <a:effectRef idx="2">
+            <a:schemeClr val="accent1"/>
+          </a:effectRef>
+          <a:fontRef idx="minor">
+            <a:schemeClr val="lt1"/>
+          </a:fontRef>
+        </p:style>
+        <p:txBody>
+          <a:bodyPr rtlCol="0" anchor="ctr"/>
+          <a:lstStyle/>
+          <a:p>
+            <a:pPr algn="ctr"/>
+            <a:endParaRPr lang="it-IT" dirty="0"/>
+          </a:p>
+        </p:txBody>
+      </p:sp>
+      <p:sp>
+        <p:nvSpPr>
+          <p:cNvPr id="74" name="Segnaposto numero diapositiva 10">
+            <a:extLst>
+              <a:ext uri="{FF2B5EF4-FFF2-40B4-BE49-F238E27FC236}">
+                <a16:creationId xmlns:a16="http://schemas.microsoft.com/office/drawing/2014/main" id="{58B16EDB-E9EE-45C2-8824-232000731AD5}"/>
+              </a:ext>
+            </a:extLst>
+          </p:cNvPr>
+          <p:cNvSpPr txBox="1">
+            <a:spLocks/>
+          </p:cNvSpPr>
+          <p:nvPr/>
+        </p:nvSpPr>
+        <p:spPr>
+          <a:xfrm>
+            <a:off x="8443986" y="6391960"/>
+            <a:ext cx="637446" cy="365125"/>
+          </a:xfrm>
+          <a:prstGeom prst="rect">
+            <a:avLst/>
+          </a:prstGeom>
+        </p:spPr>
+        <p:txBody>
+          <a:bodyPr/>
+          <a:lstStyle>
+            <a:defPPr>
+              <a:defRPr lang="en-US"/>
+            </a:defPPr>
+            <a:lvl1pPr marL="0" algn="l" defTabSz="609630" rtl="0" eaLnBrk="1" latinLnBrk="0" hangingPunct="1">
+              <a:defRPr sz="2400" kern="1200">
+                <a:solidFill>
+                  <a:schemeClr val="tx1"/>
+                </a:solidFill>
+                <a:latin typeface="+mn-lt"/>
+                <a:ea typeface="+mn-ea"/>
+                <a:cs typeface="+mn-cs"/>
+              </a:defRPr>
+            </a:lvl1pPr>
+            <a:lvl2pPr marL="609630" algn="l" defTabSz="609630" rtl="0" eaLnBrk="1" latinLnBrk="0" hangingPunct="1">
+              <a:defRPr sz="2400" kern="1200">
+                <a:solidFill>
+                  <a:schemeClr val="tx1"/>
+                </a:solidFill>
+                <a:latin typeface="+mn-lt"/>
+                <a:ea typeface="+mn-ea"/>
+                <a:cs typeface="+mn-cs"/>
+              </a:defRPr>
+            </a:lvl2pPr>
+            <a:lvl3pPr marL="1219261" algn="l" defTabSz="609630" rtl="0" eaLnBrk="1" latinLnBrk="0" hangingPunct="1">
+              <a:defRPr sz="2400" kern="1200">
+                <a:solidFill>
+                  <a:schemeClr val="tx1"/>
+                </a:solidFill>
+                <a:latin typeface="+mn-lt"/>
+                <a:ea typeface="+mn-ea"/>
+                <a:cs typeface="+mn-cs"/>
+              </a:defRPr>
+            </a:lvl3pPr>
+            <a:lvl4pPr marL="1828891" algn="l" defTabSz="609630" rtl="0" eaLnBrk="1" latinLnBrk="0" hangingPunct="1">
+              <a:defRPr sz="2400" kern="1200">
+                <a:solidFill>
+                  <a:schemeClr val="tx1"/>
+                </a:solidFill>
+                <a:latin typeface="+mn-lt"/>
+                <a:ea typeface="+mn-ea"/>
+                <a:cs typeface="+mn-cs"/>
+              </a:defRPr>
+            </a:lvl4pPr>
+            <a:lvl5pPr marL="2438522" algn="l" defTabSz="609630" rtl="0" eaLnBrk="1" latinLnBrk="0" hangingPunct="1">
+              <a:defRPr sz="2400" kern="1200">
+                <a:solidFill>
+                  <a:schemeClr val="tx1"/>
+                </a:solidFill>
+                <a:latin typeface="+mn-lt"/>
+                <a:ea typeface="+mn-ea"/>
+                <a:cs typeface="+mn-cs"/>
+              </a:defRPr>
+            </a:lvl5pPr>
+            <a:lvl6pPr marL="3048152" algn="l" defTabSz="609630" rtl="0" eaLnBrk="1" latinLnBrk="0" hangingPunct="1">
+              <a:defRPr sz="2400" kern="1200">
+                <a:solidFill>
+                  <a:schemeClr val="tx1"/>
+                </a:solidFill>
+                <a:latin typeface="+mn-lt"/>
+                <a:ea typeface="+mn-ea"/>
+                <a:cs typeface="+mn-cs"/>
+              </a:defRPr>
+            </a:lvl6pPr>
+            <a:lvl7pPr marL="3657783" algn="l" defTabSz="609630" rtl="0" eaLnBrk="1" latinLnBrk="0" hangingPunct="1">
+              <a:defRPr sz="2400" kern="1200">
+                <a:solidFill>
+                  <a:schemeClr val="tx1"/>
+                </a:solidFill>
+                <a:latin typeface="+mn-lt"/>
+                <a:ea typeface="+mn-ea"/>
+                <a:cs typeface="+mn-cs"/>
+              </a:defRPr>
+            </a:lvl7pPr>
+            <a:lvl8pPr marL="4267413" algn="l" defTabSz="609630" rtl="0" eaLnBrk="1" latinLnBrk="0" hangingPunct="1">
+              <a:defRPr sz="2400" kern="1200">
+                <a:solidFill>
+                  <a:schemeClr val="tx1"/>
+                </a:solidFill>
+                <a:latin typeface="+mn-lt"/>
+                <a:ea typeface="+mn-ea"/>
+                <a:cs typeface="+mn-cs"/>
+              </a:defRPr>
+            </a:lvl8pPr>
+            <a:lvl9pPr marL="4877044" algn="l" defTabSz="609630" rtl="0" eaLnBrk="1" latinLnBrk="0" hangingPunct="1">
+              <a:defRPr sz="2400" kern="1200">
+                <a:solidFill>
+                  <a:schemeClr val="tx1"/>
+                </a:solidFill>
+                <a:latin typeface="+mn-lt"/>
+                <a:ea typeface="+mn-ea"/>
+                <a:cs typeface="+mn-cs"/>
+              </a:defRPr>
+            </a:lvl9pPr>
+          </a:lstStyle>
+          <a:p>
+            <a:pPr algn="r"/>
+            <a:fld id="{D02B8B2F-F691-4135-AF04-E5B2EA4DBD49}" type="slidenum">
+              <a:rPr lang="zh-CN" altLang="en-US" smtClean="0">
+                <a:solidFill>
+                  <a:schemeClr val="bg1"/>
+                </a:solidFill>
+              </a:rPr>
+              <a:pPr algn="r"/>
+              <a:t>8</a:t>
+            </a:fld>
+            <a:endParaRPr lang="zh-CN" altLang="en-US" dirty="0">
+              <a:solidFill>
+                <a:schemeClr val="bg1"/>
+              </a:solidFill>
+            </a:endParaRPr>
           </a:p>
         </p:txBody>
       </p:sp>
@@ -41640,6 +47067,199 @@
           </p:txBody>
         </p:sp>
       </p:grpSp>
+      <p:sp>
+        <p:nvSpPr>
+          <p:cNvPr id="7" name="Triangolo isoscele 6">
+            <a:extLst>
+              <a:ext uri="{FF2B5EF4-FFF2-40B4-BE49-F238E27FC236}">
+                <a16:creationId xmlns:a16="http://schemas.microsoft.com/office/drawing/2014/main" id="{8E0FA9C0-03B2-45B7-B85B-768204A9A9E2}"/>
+              </a:ext>
+            </a:extLst>
+          </p:cNvPr>
+          <p:cNvSpPr/>
+          <p:nvPr/>
+        </p:nvSpPr>
+        <p:spPr>
+          <a:xfrm>
+            <a:off x="8286750" y="6143437"/>
+            <a:ext cx="878889" cy="703983"/>
+          </a:xfrm>
+          <a:prstGeom prst="triangle">
+            <a:avLst>
+              <a:gd name="adj" fmla="val 100000"/>
+            </a:avLst>
+          </a:prstGeom>
+          <a:solidFill>
+            <a:schemeClr val="tx1">
+              <a:alpha val="18000"/>
+            </a:schemeClr>
+          </a:solidFill>
+          <a:ln>
+            <a:noFill/>
+          </a:ln>
+        </p:spPr>
+        <p:style>
+          <a:lnRef idx="1">
+            <a:schemeClr val="accent1"/>
+          </a:lnRef>
+          <a:fillRef idx="3">
+            <a:schemeClr val="accent1"/>
+          </a:fillRef>
+          <a:effectRef idx="2">
+            <a:schemeClr val="accent1"/>
+          </a:effectRef>
+          <a:fontRef idx="minor">
+            <a:schemeClr val="lt1"/>
+          </a:fontRef>
+        </p:style>
+        <p:txBody>
+          <a:bodyPr rtlCol="0" anchor="ctr"/>
+          <a:lstStyle/>
+          <a:p>
+            <a:pPr algn="ctr"/>
+            <a:endParaRPr lang="it-IT" dirty="0"/>
+          </a:p>
+        </p:txBody>
+      </p:sp>
+      <p:sp>
+        <p:nvSpPr>
+          <p:cNvPr id="8" name="Segnaposto numero diapositiva 10">
+            <a:extLst>
+              <a:ext uri="{FF2B5EF4-FFF2-40B4-BE49-F238E27FC236}">
+                <a16:creationId xmlns:a16="http://schemas.microsoft.com/office/drawing/2014/main" id="{D069E102-5C0B-4E7E-B3C9-317DF5E487E8}"/>
+              </a:ext>
+            </a:extLst>
+          </p:cNvPr>
+          <p:cNvSpPr txBox="1">
+            <a:spLocks/>
+          </p:cNvSpPr>
+          <p:nvPr/>
+        </p:nvSpPr>
+        <p:spPr>
+          <a:xfrm>
+            <a:off x="8443986" y="6391960"/>
+            <a:ext cx="637446" cy="365125"/>
+          </a:xfrm>
+          <a:prstGeom prst="rect">
+            <a:avLst/>
+          </a:prstGeom>
+        </p:spPr>
+        <p:txBody>
+          <a:bodyPr/>
+          <a:lstStyle>
+            <a:defPPr>
+              <a:defRPr lang="en-US"/>
+            </a:defPPr>
+            <a:lvl1pPr marL="0" algn="l" defTabSz="609630" rtl="0" eaLnBrk="1" latinLnBrk="0" hangingPunct="1">
+              <a:defRPr sz="2400" kern="1200">
+                <a:solidFill>
+                  <a:schemeClr val="tx1"/>
+                </a:solidFill>
+                <a:latin typeface="+mn-lt"/>
+                <a:ea typeface="+mn-ea"/>
+                <a:cs typeface="+mn-cs"/>
+              </a:defRPr>
+            </a:lvl1pPr>
+            <a:lvl2pPr marL="609630" algn="l" defTabSz="609630" rtl="0" eaLnBrk="1" latinLnBrk="0" hangingPunct="1">
+              <a:defRPr sz="2400" kern="1200">
+                <a:solidFill>
+                  <a:schemeClr val="tx1"/>
+                </a:solidFill>
+                <a:latin typeface="+mn-lt"/>
+                <a:ea typeface="+mn-ea"/>
+                <a:cs typeface="+mn-cs"/>
+              </a:defRPr>
+            </a:lvl2pPr>
+            <a:lvl3pPr marL="1219261" algn="l" defTabSz="609630" rtl="0" eaLnBrk="1" latinLnBrk="0" hangingPunct="1">
+              <a:defRPr sz="2400" kern="1200">
+                <a:solidFill>
+                  <a:schemeClr val="tx1"/>
+                </a:solidFill>
+                <a:latin typeface="+mn-lt"/>
+                <a:ea typeface="+mn-ea"/>
+                <a:cs typeface="+mn-cs"/>
+              </a:defRPr>
+            </a:lvl3pPr>
+            <a:lvl4pPr marL="1828891" algn="l" defTabSz="609630" rtl="0" eaLnBrk="1" latinLnBrk="0" hangingPunct="1">
+              <a:defRPr sz="2400" kern="1200">
+                <a:solidFill>
+                  <a:schemeClr val="tx1"/>
+                </a:solidFill>
+                <a:latin typeface="+mn-lt"/>
+                <a:ea typeface="+mn-ea"/>
+                <a:cs typeface="+mn-cs"/>
+              </a:defRPr>
+            </a:lvl4pPr>
+            <a:lvl5pPr marL="2438522" algn="l" defTabSz="609630" rtl="0" eaLnBrk="1" latinLnBrk="0" hangingPunct="1">
+              <a:defRPr sz="2400" kern="1200">
+                <a:solidFill>
+                  <a:schemeClr val="tx1"/>
+                </a:solidFill>
+                <a:latin typeface="+mn-lt"/>
+                <a:ea typeface="+mn-ea"/>
+                <a:cs typeface="+mn-cs"/>
+              </a:defRPr>
+            </a:lvl5pPr>
+            <a:lvl6pPr marL="3048152" algn="l" defTabSz="609630" rtl="0" eaLnBrk="1" latinLnBrk="0" hangingPunct="1">
+              <a:defRPr sz="2400" kern="1200">
+                <a:solidFill>
+                  <a:schemeClr val="tx1"/>
+                </a:solidFill>
+                <a:latin typeface="+mn-lt"/>
+                <a:ea typeface="+mn-ea"/>
+                <a:cs typeface="+mn-cs"/>
+              </a:defRPr>
+            </a:lvl6pPr>
+            <a:lvl7pPr marL="3657783" algn="l" defTabSz="609630" rtl="0" eaLnBrk="1" latinLnBrk="0" hangingPunct="1">
+              <a:defRPr sz="2400" kern="1200">
+                <a:solidFill>
+                  <a:schemeClr val="tx1"/>
+                </a:solidFill>
+                <a:latin typeface="+mn-lt"/>
+                <a:ea typeface="+mn-ea"/>
+                <a:cs typeface="+mn-cs"/>
+              </a:defRPr>
+            </a:lvl7pPr>
+            <a:lvl8pPr marL="4267413" algn="l" defTabSz="609630" rtl="0" eaLnBrk="1" latinLnBrk="0" hangingPunct="1">
+              <a:defRPr sz="2400" kern="1200">
+                <a:solidFill>
+                  <a:schemeClr val="tx1"/>
+                </a:solidFill>
+                <a:latin typeface="+mn-lt"/>
+                <a:ea typeface="+mn-ea"/>
+                <a:cs typeface="+mn-cs"/>
+              </a:defRPr>
+            </a:lvl8pPr>
+            <a:lvl9pPr marL="4877044" algn="l" defTabSz="609630" rtl="0" eaLnBrk="1" latinLnBrk="0" hangingPunct="1">
+              <a:defRPr sz="2400" kern="1200">
+                <a:solidFill>
+                  <a:schemeClr val="tx1"/>
+                </a:solidFill>
+                <a:latin typeface="+mn-lt"/>
+                <a:ea typeface="+mn-ea"/>
+                <a:cs typeface="+mn-cs"/>
+              </a:defRPr>
+            </a:lvl9pPr>
+          </a:lstStyle>
+          <a:p>
+            <a:pPr algn="r"/>
+            <a:fld id="{D02B8B2F-F691-4135-AF04-E5B2EA4DBD49}" type="slidenum">
+              <a:rPr lang="zh-CN" altLang="en-US" smtClean="0">
+                <a:solidFill>
+                  <a:schemeClr val="bg1"/>
+                </a:solidFill>
+              </a:rPr>
+              <a:pPr algn="r"/>
+              <a:t>9</a:t>
+            </a:fld>
+            <a:endParaRPr lang="zh-CN" altLang="en-US" dirty="0">
+              <a:solidFill>
+                <a:schemeClr val="bg1"/>
+              </a:solidFill>
+            </a:endParaRPr>
+          </a:p>
+        </p:txBody>
+      </p:sp>
     </p:spTree>
     <p:extLst>
       <p:ext uri="{BB962C8B-B14F-4D97-AF65-F5344CB8AC3E}">
@@ -42246,6 +47866,15 @@
 </file>
 
 <file path=customXml/item1.xml><?xml version="1.0" encoding="utf-8"?>
+<p:properties xmlns:p="http://schemas.microsoft.com/office/2006/metadata/properties" xmlns:xsi="http://www.w3.org/2001/XMLSchema-instance" xmlns:pc="http://schemas.microsoft.com/office/infopath/2007/PartnerControls">
+  <documentManagement>
+    <_Version xmlns="http://schemas.microsoft.com/sharepoint/v3/fields" xsi:nil="true"/>
+    <_Status xmlns="http://schemas.microsoft.com/sharepoint/v3/fields">Not Started</_Status>
+  </documentManagement>
+</p:properties>
+</file>
+
+<file path=customXml/item2.xml><?xml version="1.0" encoding="utf-8"?>
 <ct:contentTypeSchema xmlns:ct="http://schemas.microsoft.com/office/2006/metadata/contentType" xmlns:ma="http://schemas.microsoft.com/office/2006/metadata/properties/metaAttributes" ct:_="" ma:_="" ma:contentTypeName="Document" ma:contentTypeID="0x0101000DE64AEEDD9B7A4D93545ACBE97D4615" ma:contentTypeVersion="2" ma:contentTypeDescription="Create a new document." ma:contentTypeScope="" ma:versionID="f49002b78e3a4a71b814eef46a983816">
   <xsd:schema xmlns:xsd="http://www.w3.org/2001/XMLSchema" xmlns:xs="http://www.w3.org/2001/XMLSchema" xmlns:p="http://schemas.microsoft.com/office/2006/metadata/properties" xmlns:ns2="http://schemas.microsoft.com/sharepoint/v3/fields" targetNamespace="http://schemas.microsoft.com/office/2006/metadata/properties" ma:root="true" ma:fieldsID="38f6db2dd0d9a0cf6a8dc37be32b365b" ns2:_="">
     <xsd:import namespace="http://schemas.microsoft.com/sharepoint/v3/fields"/>
@@ -42389,15 +48018,6 @@
 </ct:contentTypeSchema>
 </file>
 
-<file path=customXml/item2.xml><?xml version="1.0" encoding="utf-8"?>
-<p:properties xmlns:p="http://schemas.microsoft.com/office/2006/metadata/properties" xmlns:xsi="http://www.w3.org/2001/XMLSchema-instance" xmlns:pc="http://schemas.microsoft.com/office/infopath/2007/PartnerControls">
-  <documentManagement>
-    <_Version xmlns="http://schemas.microsoft.com/sharepoint/v3/fields" xsi:nil="true"/>
-    <_Status xmlns="http://schemas.microsoft.com/sharepoint/v3/fields">Not Started</_Status>
-  </documentManagement>
-</p:properties>
-</file>
-
 <file path=customXml/item3.xml><?xml version="1.0" encoding="utf-8"?>
 <?mso-contentType ?>
 <FormTemplates xmlns="http://schemas.microsoft.com/sharepoint/v3/contenttype/forms">
@@ -42408,6 +48028,22 @@
 </file>
 
 <file path=customXml/itemProps1.xml><?xml version="1.0" encoding="utf-8"?>
+<ds:datastoreItem xmlns:ds="http://schemas.openxmlformats.org/officeDocument/2006/customXml" ds:itemID="{7B6F2769-7194-4217-93D3-3AF3A4742282}">
+  <ds:schemaRefs>
+    <ds:schemaRef ds:uri="http://schemas.microsoft.com/office/2006/documentManagement/types"/>
+    <ds:schemaRef ds:uri="http://schemas.openxmlformats.org/package/2006/metadata/core-properties"/>
+    <ds:schemaRef ds:uri="http://purl.org/dc/dcmitype/"/>
+    <ds:schemaRef ds:uri="http://schemas.microsoft.com/office/infopath/2007/PartnerControls"/>
+    <ds:schemaRef ds:uri="http://purl.org/dc/elements/1.1/"/>
+    <ds:schemaRef ds:uri="http://schemas.microsoft.com/office/2006/metadata/properties"/>
+    <ds:schemaRef ds:uri="http://schemas.microsoft.com/sharepoint/v3/fields"/>
+    <ds:schemaRef ds:uri="http://www.w3.org/XML/1998/namespace"/>
+    <ds:schemaRef ds:uri="http://purl.org/dc/terms/"/>
+  </ds:schemaRefs>
+</ds:datastoreItem>
+</file>
+
+<file path=customXml/itemProps2.xml><?xml version="1.0" encoding="utf-8"?>
 <ds:datastoreItem xmlns:ds="http://schemas.openxmlformats.org/officeDocument/2006/customXml" ds:itemID="{E4214858-785C-42F7-BE66-6D0E79395FC8}">
   <ds:schemaRefs>
     <ds:schemaRef ds:uri="http://schemas.microsoft.com/office/2006/metadata/contentType"/>
@@ -42425,16 +48061,6 @@
 </ds:datastoreItem>
 </file>
 
-<file path=customXml/itemProps2.xml><?xml version="1.0" encoding="utf-8"?>
-<ds:datastoreItem xmlns:ds="http://schemas.openxmlformats.org/officeDocument/2006/customXml" ds:itemID="{7B6F2769-7194-4217-93D3-3AF3A4742282}">
-  <ds:schemaRefs>
-    <ds:schemaRef ds:uri="http://schemas.microsoft.com/office/2006/metadata/properties"/>
-    <ds:schemaRef ds:uri="http://schemas.microsoft.com/office/infopath/2007/PartnerControls"/>
-    <ds:schemaRef ds:uri="http://schemas.microsoft.com/sharepoint/v3/fields"/>
-  </ds:schemaRefs>
-</ds:datastoreItem>
-</file>
-
 <file path=customXml/itemProps3.xml><?xml version="1.0" encoding="utf-8"?>
 <ds:datastoreItem xmlns:ds="http://schemas.openxmlformats.org/officeDocument/2006/customXml" ds:itemID="{87D2A1B0-FF3E-4009-940D-AED0EB70AA20}">
   <ds:schemaRefs>

--- a/Presentazione/Presentazione 26-01-2018.pptx
+++ b/Presentazione/Presentazione 26-01-2018.pptx
@@ -149,6 +149,10 @@
     </p:ext>
   </p:extLst>
 </p:presentation>
+</file>
+
+<file path=ppt/revisionInfo.xml><?xml version="1.0" encoding="utf-8"?>
+<p1510:revInfo xmlns:a="http://schemas.openxmlformats.org/drawingml/2006/main" xmlns:r="http://schemas.openxmlformats.org/officeDocument/2006/relationships" xmlns:p1510="http://schemas.microsoft.com/office/powerpoint/2015/10/main"/>
 </file>
 
 <file path=ppt/changesInfos/changesInfo1.xml><?xml version="1.0" encoding="utf-8"?>
@@ -305,7 +309,7 @@
           <pc:sldMk cId="825880097" sldId="272"/>
         </pc:sldMkLst>
         <pc:spChg chg="add">
-          <ac:chgData name="cristiano tessarolo" userId="c36b394d4ec160dc" providerId="LiveId" clId="{7AF579D0-4467-4C07-B5C6-9E169660DA9B}" dt="2018-01-24T21:38:55.862" v="402"/>
+          <ac:chgData name="cristiano tessarolo" userId="c36b394d4ec160dc" providerId="LiveId" clId="{7AF579D0-4467-4C07-B5C6-9E169660DA9B}" dt="2018-01-24T21:38:55.862" v="402" actId="1038"/>
           <ac:spMkLst>
             <pc:docMk/>
             <pc:sldMk cId="825880097" sldId="272"/>
@@ -391,7 +395,7 @@
           <pc:sldMk cId="1788027839" sldId="290"/>
         </pc:sldMkLst>
         <pc:spChg chg="del">
-          <ac:chgData name="cristiano tessarolo" userId="c36b394d4ec160dc" providerId="LiveId" clId="{7AF579D0-4467-4C07-B5C6-9E169660DA9B}" dt="2018-01-24T21:28:22.720" v="57"/>
+          <ac:chgData name="cristiano tessarolo" userId="c36b394d4ec160dc" providerId="LiveId" clId="{7AF579D0-4467-4C07-B5C6-9E169660DA9B}" dt="2018-01-24T21:28:22.720" v="57" actId="1076"/>
           <ac:spMkLst>
             <pc:docMk/>
             <pc:sldMk cId="1788027839" sldId="290"/>
@@ -399,7 +403,7 @@
           </ac:spMkLst>
         </pc:spChg>
         <pc:spChg chg="mod ord">
-          <ac:chgData name="cristiano tessarolo" userId="c36b394d4ec160dc" providerId="LiveId" clId="{7AF579D0-4467-4C07-B5C6-9E169660DA9B}" dt="2018-01-24T21:35:12.939" v="374"/>
+          <ac:chgData name="cristiano tessarolo" userId="c36b394d4ec160dc" providerId="LiveId" clId="{7AF579D0-4467-4C07-B5C6-9E169660DA9B}" dt="2018-01-24T21:35:12.939" v="374" actId="1076"/>
           <ac:spMkLst>
             <pc:docMk/>
             <pc:sldMk cId="1788027839" sldId="290"/>
@@ -407,7 +411,7 @@
           </ac:spMkLst>
         </pc:spChg>
         <pc:spChg chg="add mod">
-          <ac:chgData name="cristiano tessarolo" userId="c36b394d4ec160dc" providerId="LiveId" clId="{7AF579D0-4467-4C07-B5C6-9E169660DA9B}" dt="2018-01-24T21:35:02.118" v="372"/>
+          <ac:chgData name="cristiano tessarolo" userId="c36b394d4ec160dc" providerId="LiveId" clId="{7AF579D0-4467-4C07-B5C6-9E169660DA9B}" dt="2018-01-24T21:35:02.118" v="372" actId="1076"/>
           <ac:spMkLst>
             <pc:docMk/>
             <pc:sldMk cId="1788027839" sldId="290"/>
@@ -423,7 +427,7 @@
           </ac:picMkLst>
         </pc:picChg>
         <pc:picChg chg="del mod">
-          <ac:chgData name="cristiano tessarolo" userId="c36b394d4ec160dc" providerId="LiveId" clId="{7AF579D0-4467-4C07-B5C6-9E169660DA9B}" dt="2018-01-24T21:31:25.271" v="169"/>
+          <ac:chgData name="cristiano tessarolo" userId="c36b394d4ec160dc" providerId="LiveId" clId="{7AF579D0-4467-4C07-B5C6-9E169660DA9B}" dt="2018-01-24T21:31:25.271" v="169" actId="1076"/>
           <ac:picMkLst>
             <pc:docMk/>
             <pc:sldMk cId="1788027839" sldId="290"/>
@@ -485,7 +489,7 @@
           </ac:spMkLst>
         </pc:spChg>
         <pc:spChg chg="add">
-          <ac:chgData name="cristiano tessarolo" userId="c36b394d4ec160dc" providerId="LiveId" clId="{7AF579D0-4467-4C07-B5C6-9E169660DA9B}" dt="2018-01-24T21:37:56.910" v="386"/>
+          <ac:chgData name="cristiano tessarolo" userId="c36b394d4ec160dc" providerId="LiveId" clId="{7AF579D0-4467-4C07-B5C6-9E169660DA9B}" dt="2018-01-24T21:37:56.910" v="386" actId="27309"/>
           <ac:spMkLst>
             <pc:docMk/>
             <pc:sldMk cId="585640194" sldId="294"/>
@@ -493,7 +497,7 @@
           </ac:spMkLst>
         </pc:spChg>
         <pc:spChg chg="add">
-          <ac:chgData name="cristiano tessarolo" userId="c36b394d4ec160dc" providerId="LiveId" clId="{7AF579D0-4467-4C07-B5C6-9E169660DA9B}" dt="2018-01-24T21:37:56.910" v="386"/>
+          <ac:chgData name="cristiano tessarolo" userId="c36b394d4ec160dc" providerId="LiveId" clId="{7AF579D0-4467-4C07-B5C6-9E169660DA9B}" dt="2018-01-24T21:37:56.910" v="386" actId="27309"/>
           <ac:spMkLst>
             <pc:docMk/>
             <pc:sldMk cId="585640194" sldId="294"/>
@@ -1509,7 +1513,7 @@
           <a:p>
             <a:fld id="{2A6D5493-5935-2C4F-8AB7-04879816AC21}" type="datetimeFigureOut">
               <a:rPr kumimoji="1" lang="zh-CN" altLang="en-US" smtClean="0"/>
-              <a:t>2018/1/24</a:t>
+              <a:t>2018/1/25</a:t>
             </a:fld>
             <a:endParaRPr kumimoji="1" lang="zh-CN" altLang="en-US"/>
           </a:p>
@@ -11006,8 +11010,8 @@
         </p:nvSpPr>
         <p:spPr>
           <a:xfrm>
-            <a:off x="2087668" y="1670173"/>
-            <a:ext cx="6858624" cy="4524315"/>
+            <a:off x="2087668" y="2571578"/>
+            <a:ext cx="6858624" cy="2308324"/>
           </a:xfrm>
           <a:prstGeom prst="rect">
             <a:avLst/>
@@ -11025,7 +11029,7 @@
                   <a:srgbClr val="1E1E1E"/>
                 </a:solidFill>
               </a:rPr>
-              <a:t>realizzazione di un’interfaccia grafica per </a:t>
+              <a:t>Realizzazione di un’interfaccia grafica per </a:t>
             </a:r>
             <a:r>
               <a:rPr lang="it-IT" dirty="0" err="1">
@@ -11058,115 +11062,7 @@
                   <a:srgbClr val="1E1E1E"/>
                 </a:solidFill>
               </a:rPr>
-              <a:t>possibilità di manipolare la struttura dati interna di </a:t>
-            </a:r>
-            <a:r>
-              <a:rPr lang="it-IT" dirty="0" err="1">
-                <a:solidFill>
-                  <a:srgbClr val="1E1E1E"/>
-                </a:solidFill>
-              </a:rPr>
-              <a:t>Speect</a:t>
-            </a:r>
-            <a:r>
-              <a:rPr lang="it-IT" dirty="0">
-                <a:solidFill>
-                  <a:srgbClr val="1E1E1E"/>
-                </a:solidFill>
-              </a:rPr>
-              <a:t>:</a:t>
-            </a:r>
-          </a:p>
-          <a:p>
-            <a:pPr marL="800089" lvl="1" indent="-342900">
-              <a:buFont typeface="Arial" charset="0"/>
-              <a:buChar char="•"/>
-            </a:pPr>
-            <a:r>
-              <a:rPr lang="zh-CN" altLang="en-US" dirty="0">
-                <a:solidFill>
-                  <a:srgbClr val="1E1E1E"/>
-                </a:solidFill>
-              </a:rPr>
-              <a:t>   </a:t>
-            </a:r>
-            <a:r>
-              <a:rPr lang="it-IT" dirty="0">
-                <a:solidFill>
-                  <a:srgbClr val="1E1E1E"/>
-                </a:solidFill>
-              </a:rPr>
-              <a:t>caricamento</a:t>
-            </a:r>
-          </a:p>
-          <a:p>
-            <a:pPr marL="800089" lvl="1" indent="-342900">
-              <a:buFont typeface="Arial" charset="0"/>
-              <a:buChar char="•"/>
-            </a:pPr>
-            <a:r>
-              <a:rPr lang="it-IT" dirty="0">
-                <a:solidFill>
-                  <a:srgbClr val="1E1E1E"/>
-                </a:solidFill>
-              </a:rPr>
-              <a:t> </a:t>
-            </a:r>
-            <a:r>
-              <a:rPr lang="zh-CN" altLang="en-US" dirty="0">
-                <a:solidFill>
-                  <a:srgbClr val="1E1E1E"/>
-                </a:solidFill>
-              </a:rPr>
-              <a:t>  </a:t>
-            </a:r>
-            <a:r>
-              <a:rPr lang="it-IT" dirty="0">
-                <a:solidFill>
-                  <a:srgbClr val="1E1E1E"/>
-                </a:solidFill>
-              </a:rPr>
-              <a:t>salvataggio </a:t>
-            </a:r>
-          </a:p>
-          <a:p>
-            <a:pPr marL="800089" lvl="1" indent="-342900">
-              <a:buFont typeface="Arial" charset="0"/>
-              <a:buChar char="•"/>
-            </a:pPr>
-            <a:r>
-              <a:rPr lang="zh-CN" altLang="en-US" dirty="0">
-                <a:solidFill>
-                  <a:srgbClr val="1E1E1E"/>
-                </a:solidFill>
-              </a:rPr>
-              <a:t>   </a:t>
-            </a:r>
-            <a:r>
-              <a:rPr lang="it-IT" dirty="0">
-                <a:solidFill>
-                  <a:srgbClr val="1E1E1E"/>
-                </a:solidFill>
-              </a:rPr>
-              <a:t>modifica manuale</a:t>
-            </a:r>
-          </a:p>
-          <a:p>
-            <a:pPr marL="457189" lvl="1"/>
-            <a:endParaRPr lang="it-IT" dirty="0">
-              <a:solidFill>
-                <a:srgbClr val="1E1E1E"/>
-              </a:solidFill>
-            </a:endParaRPr>
-          </a:p>
-          <a:p>
-            <a:r>
-              <a:rPr lang="it-IT" dirty="0">
-                <a:solidFill>
-                  <a:srgbClr val="1E1E1E"/>
-                </a:solidFill>
-              </a:rPr>
-              <a:t>possibilità di caricare ed eseguire manualmente singole componenti di analisi.</a:t>
+              <a:t>Documentazione del lavoro in fase di analisi e documentazione tecnica</a:t>
             </a:r>
           </a:p>
         </p:txBody>
@@ -11179,44 +11075,7 @@
         </p:nvCxnSpPr>
         <p:spPr>
           <a:xfrm flipH="1">
-            <a:off x="2087668" y="3039660"/>
-            <a:ext cx="4174023" cy="1"/>
-          </a:xfrm>
-          <a:prstGeom prst="line">
-            <a:avLst/>
-          </a:prstGeom>
-          <a:ln w="25400">
-            <a:solidFill>
-              <a:schemeClr val="tx1"/>
-            </a:solidFill>
-            <a:prstDash val="sysDot"/>
-            <a:headEnd type="oval"/>
-          </a:ln>
-        </p:spPr>
-        <p:style>
-          <a:lnRef idx="1">
-            <a:schemeClr val="accent1"/>
-          </a:lnRef>
-          <a:fillRef idx="0">
-            <a:schemeClr val="accent1"/>
-          </a:fillRef>
-          <a:effectRef idx="0">
-            <a:schemeClr val="accent1"/>
-          </a:effectRef>
-          <a:fontRef idx="minor">
-            <a:schemeClr val="tx1"/>
-          </a:fontRef>
-        </p:style>
-      </p:cxnSp>
-      <p:cxnSp>
-        <p:nvCxnSpPr>
-          <p:cNvPr id="21" name="直接连接符 84"/>
-          <p:cNvCxnSpPr/>
-          <p:nvPr/>
-        </p:nvCxnSpPr>
-        <p:spPr>
-          <a:xfrm flipH="1">
-            <a:off x="2087668" y="5251520"/>
+            <a:off x="2152006" y="3891916"/>
             <a:ext cx="4174023" cy="1"/>
           </a:xfrm>
           <a:prstGeom prst="line">
@@ -11247,7 +11106,7 @@
       </p:cxnSp>
       <p:grpSp>
         <p:nvGrpSpPr>
-          <p:cNvPr id="22" name="Gruppo 21"/>
+          <p:cNvPr id="38" name="Gruppo 37"/>
           <p:cNvGrpSpPr>
             <a:grpSpLocks noChangeAspect="1"/>
           </p:cNvGrpSpPr>
@@ -11255,7 +11114,7 @@
         </p:nvGrpSpPr>
         <p:grpSpPr>
           <a:xfrm>
-            <a:off x="1499288" y="4945520"/>
+            <a:off x="1557918" y="3580539"/>
             <a:ext cx="539137" cy="612000"/>
             <a:chOff x="182788" y="1226090"/>
             <a:chExt cx="1064103" cy="1234359"/>
@@ -11263,7 +11122,7 @@
         </p:grpSpPr>
         <p:sp>
           <p:nvSpPr>
-            <p:cNvPr id="23" name="六边形 43"/>
+            <p:cNvPr id="39" name="六边形 43"/>
             <p:cNvSpPr/>
             <p:nvPr/>
           </p:nvSpPr>
@@ -11319,7 +11178,7 @@
         </p:sp>
         <p:grpSp>
           <p:nvGrpSpPr>
-            <p:cNvPr id="24" name="组合 95"/>
+            <p:cNvPr id="40" name="组合 95"/>
             <p:cNvGrpSpPr>
               <a:grpSpLocks noChangeAspect="1"/>
             </p:cNvGrpSpPr>
@@ -11338,7 +11197,7 @@
           </p:grpSpPr>
           <p:sp>
             <p:nvSpPr>
-              <p:cNvPr id="25" name="Freeform 11"/>
+              <p:cNvPr id="41" name="Freeform 11"/>
               <p:cNvSpPr>
                 <a:spLocks/>
               </p:cNvSpPr>
@@ -11441,7 +11300,7 @@
               </a:ln>
               <a:extLst>
                 <a:ext uri="{91240B29-F687-4f45-9708-019B960494DF}">
-                  <a14:hiddenLine xmlns="" xmlns:a14="http://schemas.microsoft.com/office/drawing/2010/main" w="9525">
+                  <a14:hiddenLine xmlns:a14="http://schemas.microsoft.com/office/drawing/2010/main" xmlns="" w="9525">
                     <a:solidFill>
                       <a:srgbClr val="000000"/>
                     </a:solidFill>
@@ -11473,7 +11332,7 @@
           </p:sp>
           <p:sp>
             <p:nvSpPr>
-              <p:cNvPr id="26" name="Freeform 12"/>
+              <p:cNvPr id="42" name="Freeform 12"/>
               <p:cNvSpPr>
                 <a:spLocks/>
               </p:cNvSpPr>
@@ -11576,7 +11435,7 @@
               </a:ln>
               <a:extLst>
                 <a:ext uri="{91240B29-F687-4f45-9708-019B960494DF}">
-                  <a14:hiddenLine xmlns="" xmlns:a14="http://schemas.microsoft.com/office/drawing/2010/main" w="9525">
+                  <a14:hiddenLine xmlns:a14="http://schemas.microsoft.com/office/drawing/2010/main" xmlns="" w="9525">
                     <a:solidFill>
                       <a:srgbClr val="000000"/>
                     </a:solidFill>
@@ -11608,7 +11467,7 @@
           </p:sp>
           <p:sp>
             <p:nvSpPr>
-              <p:cNvPr id="27" name="Freeform 13"/>
+              <p:cNvPr id="43" name="Freeform 13"/>
               <p:cNvSpPr>
                 <a:spLocks/>
               </p:cNvSpPr>
@@ -11679,7 +11538,7 @@
               </a:ln>
               <a:extLst>
                 <a:ext uri="{91240B29-F687-4f45-9708-019B960494DF}">
-                  <a14:hiddenLine xmlns="" xmlns:a14="http://schemas.microsoft.com/office/drawing/2010/main" w="9525">
+                  <a14:hiddenLine xmlns:a14="http://schemas.microsoft.com/office/drawing/2010/main" xmlns="" w="9525">
                     <a:solidFill>
                       <a:srgbClr val="000000"/>
                     </a:solidFill>
@@ -11711,7 +11570,7 @@
           </p:sp>
           <p:sp>
             <p:nvSpPr>
-              <p:cNvPr id="28" name="Freeform 14"/>
+              <p:cNvPr id="44" name="Freeform 14"/>
               <p:cNvSpPr>
                 <a:spLocks noEditPoints="1"/>
               </p:cNvSpPr>
@@ -11823,7 +11682,7 @@
               </a:ln>
               <a:extLst>
                 <a:ext uri="{91240B29-F687-4f45-9708-019B960494DF}">
-                  <a14:hiddenLine xmlns="" xmlns:a14="http://schemas.microsoft.com/office/drawing/2010/main" w="9525">
+                  <a14:hiddenLine xmlns:a14="http://schemas.microsoft.com/office/drawing/2010/main" xmlns="" w="9525">
                     <a:solidFill>
                       <a:srgbClr val="000000"/>
                     </a:solidFill>
@@ -11855,7 +11714,7 @@
           </p:sp>
           <p:sp>
             <p:nvSpPr>
-              <p:cNvPr id="29" name="Freeform 15"/>
+              <p:cNvPr id="45" name="Freeform 15"/>
               <p:cNvSpPr>
                 <a:spLocks/>
               </p:cNvSpPr>
@@ -12013,807 +11872,7 @@
               </a:ln>
               <a:extLst>
                 <a:ext uri="{91240B29-F687-4f45-9708-019B960494DF}">
-                  <a14:hiddenLine xmlns="" xmlns:a14="http://schemas.microsoft.com/office/drawing/2010/main" w="9525">
-                    <a:solidFill>
-                      <a:srgbClr val="000000"/>
-                    </a:solidFill>
-                    <a:round/>
-                    <a:headEnd/>
-                    <a:tailEnd/>
-                  </a14:hiddenLine>
-                </a:ext>
-              </a:extLst>
-            </p:spPr>
-            <p:txBody>
-              <a:bodyPr vert="horz" wrap="square" lIns="121920" tIns="60960" rIns="121920" bIns="60960" numCol="1" anchor="t" anchorCtr="0" compatLnSpc="1">
-                <a:prstTxWarp prst="textNoShape">
-                  <a:avLst/>
-                </a:prstTxWarp>
-              </a:bodyPr>
-              <a:lstStyle/>
-              <a:p>
-                <a:endParaRPr lang="zh-CN" altLang="en-US" sz="2400">
-                  <a:solidFill>
-                    <a:schemeClr val="bg1"/>
-                  </a:solidFill>
-                  <a:latin typeface="Microsoft YaHei" charset="0"/>
-                  <a:ea typeface="Microsoft YaHei" charset="0"/>
-                  <a:cs typeface="Microsoft YaHei" charset="0"/>
-                </a:endParaRPr>
-              </a:p>
-            </p:txBody>
-          </p:sp>
-        </p:grpSp>
-      </p:grpSp>
-      <p:grpSp>
-        <p:nvGrpSpPr>
-          <p:cNvPr id="38" name="Gruppo 37"/>
-          <p:cNvGrpSpPr>
-            <a:grpSpLocks noChangeAspect="1"/>
-          </p:cNvGrpSpPr>
-          <p:nvPr/>
-        </p:nvGrpSpPr>
-        <p:grpSpPr>
-          <a:xfrm>
-            <a:off x="1502878" y="2745166"/>
-            <a:ext cx="539137" cy="612000"/>
-            <a:chOff x="182788" y="1226090"/>
-            <a:chExt cx="1064103" cy="1234359"/>
-          </a:xfrm>
-        </p:grpSpPr>
-        <p:sp>
-          <p:nvSpPr>
-            <p:cNvPr id="39" name="六边形 43"/>
-            <p:cNvSpPr/>
-            <p:nvPr/>
-          </p:nvSpPr>
-          <p:spPr>
-            <a:xfrm rot="3684182">
-              <a:off x="97660" y="1311218"/>
-              <a:ext cx="1234359" cy="1064103"/>
-            </a:xfrm>
-            <a:prstGeom prst="hexagon">
-              <a:avLst>
-                <a:gd name="adj" fmla="val 28663"/>
-                <a:gd name="vf" fmla="val 115470"/>
-              </a:avLst>
-            </a:prstGeom>
-            <a:solidFill>
-              <a:schemeClr val="accent4"/>
-            </a:solidFill>
-            <a:ln>
-              <a:noFill/>
-            </a:ln>
-          </p:spPr>
-          <p:style>
-            <a:lnRef idx="2">
-              <a:schemeClr val="accent1">
-                <a:shade val="50000"/>
-              </a:schemeClr>
-            </a:lnRef>
-            <a:fillRef idx="1">
-              <a:schemeClr val="accent1"/>
-            </a:fillRef>
-            <a:effectRef idx="0">
-              <a:schemeClr val="accent1"/>
-            </a:effectRef>
-            <a:fontRef idx="minor">
-              <a:schemeClr val="lt1"/>
-            </a:fontRef>
-          </p:style>
-          <p:txBody>
-            <a:bodyPr rtlCol="0" anchor="ctr"/>
-            <a:lstStyle/>
-            <a:p>
-              <a:pPr algn="ctr"/>
-              <a:endParaRPr lang="zh-CN" altLang="en-US" sz="2400">
-                <a:solidFill>
-                  <a:schemeClr val="bg1"/>
-                </a:solidFill>
-                <a:latin typeface="Microsoft YaHei" charset="0"/>
-                <a:ea typeface="Microsoft YaHei" charset="0"/>
-                <a:cs typeface="Microsoft YaHei" charset="0"/>
-              </a:endParaRPr>
-            </a:p>
-          </p:txBody>
-        </p:sp>
-        <p:grpSp>
-          <p:nvGrpSpPr>
-            <p:cNvPr id="40" name="组合 95"/>
-            <p:cNvGrpSpPr>
-              <a:grpSpLocks noChangeAspect="1"/>
-            </p:cNvGrpSpPr>
-            <p:nvPr/>
-          </p:nvGrpSpPr>
-          <p:grpSpPr>
-            <a:xfrm>
-              <a:off x="495645" y="1669607"/>
-              <a:ext cx="448697" cy="396000"/>
-              <a:chOff x="3889375" y="3302000"/>
-              <a:chExt cx="261938" cy="231776"/>
-            </a:xfrm>
-            <a:solidFill>
-              <a:schemeClr val="bg1"/>
-            </a:solidFill>
-          </p:grpSpPr>
-          <p:sp>
-            <p:nvSpPr>
-              <p:cNvPr id="41" name="Freeform 11"/>
-              <p:cNvSpPr>
-                <a:spLocks/>
-              </p:cNvSpPr>
-              <p:nvPr/>
-            </p:nvSpPr>
-            <p:spPr bwMode="auto">
-              <a:xfrm>
-                <a:off x="3956050" y="3354388"/>
-                <a:ext cx="57150" cy="98425"/>
-              </a:xfrm>
-              <a:custGeom>
-                <a:avLst/>
-                <a:gdLst>
-                  <a:gd name="T0" fmla="*/ 36 w 36"/>
-                  <a:gd name="T1" fmla="*/ 62 h 62"/>
-                  <a:gd name="T2" fmla="*/ 10 w 36"/>
-                  <a:gd name="T3" fmla="*/ 62 h 62"/>
-                  <a:gd name="T4" fmla="*/ 10 w 36"/>
-                  <a:gd name="T5" fmla="*/ 52 h 62"/>
-                  <a:gd name="T6" fmla="*/ 25 w 36"/>
-                  <a:gd name="T7" fmla="*/ 52 h 62"/>
-                  <a:gd name="T8" fmla="*/ 25 w 36"/>
-                  <a:gd name="T9" fmla="*/ 10 h 62"/>
-                  <a:gd name="T10" fmla="*/ 0 w 36"/>
-                  <a:gd name="T11" fmla="*/ 10 h 62"/>
-                  <a:gd name="T12" fmla="*/ 0 w 36"/>
-                  <a:gd name="T13" fmla="*/ 0 h 62"/>
-                  <a:gd name="T14" fmla="*/ 36 w 36"/>
-                  <a:gd name="T15" fmla="*/ 0 h 62"/>
-                  <a:gd name="T16" fmla="*/ 36 w 36"/>
-                  <a:gd name="T17" fmla="*/ 62 h 62"/>
-                </a:gdLst>
-                <a:ahLst/>
-                <a:cxnLst>
-                  <a:cxn ang="0">
-                    <a:pos x="T0" y="T1"/>
-                  </a:cxn>
-                  <a:cxn ang="0">
-                    <a:pos x="T2" y="T3"/>
-                  </a:cxn>
-                  <a:cxn ang="0">
-                    <a:pos x="T4" y="T5"/>
-                  </a:cxn>
-                  <a:cxn ang="0">
-                    <a:pos x="T6" y="T7"/>
-                  </a:cxn>
-                  <a:cxn ang="0">
-                    <a:pos x="T8" y="T9"/>
-                  </a:cxn>
-                  <a:cxn ang="0">
-                    <a:pos x="T10" y="T11"/>
-                  </a:cxn>
-                  <a:cxn ang="0">
-                    <a:pos x="T12" y="T13"/>
-                  </a:cxn>
-                  <a:cxn ang="0">
-                    <a:pos x="T14" y="T15"/>
-                  </a:cxn>
-                  <a:cxn ang="0">
-                    <a:pos x="T16" y="T17"/>
-                  </a:cxn>
-                </a:cxnLst>
-                <a:rect l="0" t="0" r="r" b="b"/>
-                <a:pathLst>
-                  <a:path w="36" h="62">
-                    <a:moveTo>
-                      <a:pt x="36" y="62"/>
-                    </a:moveTo>
-                    <a:lnTo>
-                      <a:pt x="10" y="62"/>
-                    </a:lnTo>
-                    <a:lnTo>
-                      <a:pt x="10" y="52"/>
-                    </a:lnTo>
-                    <a:lnTo>
-                      <a:pt x="25" y="52"/>
-                    </a:lnTo>
-                    <a:lnTo>
-                      <a:pt x="25" y="10"/>
-                    </a:lnTo>
-                    <a:lnTo>
-                      <a:pt x="0" y="10"/>
-                    </a:lnTo>
-                    <a:lnTo>
-                      <a:pt x="0" y="0"/>
-                    </a:lnTo>
-                    <a:lnTo>
-                      <a:pt x="36" y="0"/>
-                    </a:lnTo>
-                    <a:lnTo>
-                      <a:pt x="36" y="62"/>
-                    </a:lnTo>
-                    <a:close/>
-                  </a:path>
-                </a:pathLst>
-              </a:custGeom>
-              <a:grpFill/>
-              <a:ln>
-                <a:noFill/>
-              </a:ln>
-              <a:extLst>
-                <a:ext uri="{91240B29-F687-4f45-9708-019B960494DF}">
-                  <a14:hiddenLine xmlns="" xmlns:a14="http://schemas.microsoft.com/office/drawing/2010/main" w="9525">
-                    <a:solidFill>
-                      <a:srgbClr val="000000"/>
-                    </a:solidFill>
-                    <a:round/>
-                    <a:headEnd/>
-                    <a:tailEnd/>
-                  </a14:hiddenLine>
-                </a:ext>
-              </a:extLst>
-            </p:spPr>
-            <p:txBody>
-              <a:bodyPr vert="horz" wrap="square" lIns="121920" tIns="60960" rIns="121920" bIns="60960" numCol="1" anchor="t" anchorCtr="0" compatLnSpc="1">
-                <a:prstTxWarp prst="textNoShape">
-                  <a:avLst/>
-                </a:prstTxWarp>
-              </a:bodyPr>
-              <a:lstStyle/>
-              <a:p>
-                <a:endParaRPr lang="zh-CN" altLang="en-US" sz="2400">
-                  <a:solidFill>
-                    <a:schemeClr val="bg1"/>
-                  </a:solidFill>
-                  <a:latin typeface="Microsoft YaHei" charset="0"/>
-                  <a:ea typeface="Microsoft YaHei" charset="0"/>
-                  <a:cs typeface="Microsoft YaHei" charset="0"/>
-                </a:endParaRPr>
-              </a:p>
-            </p:txBody>
-          </p:sp>
-          <p:sp>
-            <p:nvSpPr>
-              <p:cNvPr id="42" name="Freeform 12"/>
-              <p:cNvSpPr>
-                <a:spLocks/>
-              </p:cNvSpPr>
-              <p:nvPr/>
-            </p:nvSpPr>
-            <p:spPr bwMode="auto">
-              <a:xfrm>
-                <a:off x="4002088" y="3302000"/>
-                <a:ext cx="149225" cy="203200"/>
-              </a:xfrm>
-              <a:custGeom>
-                <a:avLst/>
-                <a:gdLst>
-                  <a:gd name="T0" fmla="*/ 94 w 94"/>
-                  <a:gd name="T1" fmla="*/ 128 h 128"/>
-                  <a:gd name="T2" fmla="*/ 0 w 94"/>
-                  <a:gd name="T3" fmla="*/ 95 h 128"/>
-                  <a:gd name="T4" fmla="*/ 3 w 94"/>
-                  <a:gd name="T5" fmla="*/ 85 h 128"/>
-                  <a:gd name="T6" fmla="*/ 84 w 94"/>
-                  <a:gd name="T7" fmla="*/ 113 h 128"/>
-                  <a:gd name="T8" fmla="*/ 84 w 94"/>
-                  <a:gd name="T9" fmla="*/ 15 h 128"/>
-                  <a:gd name="T10" fmla="*/ 3 w 94"/>
-                  <a:gd name="T11" fmla="*/ 43 h 128"/>
-                  <a:gd name="T12" fmla="*/ 0 w 94"/>
-                  <a:gd name="T13" fmla="*/ 33 h 128"/>
-                  <a:gd name="T14" fmla="*/ 94 w 94"/>
-                  <a:gd name="T15" fmla="*/ 0 h 128"/>
-                  <a:gd name="T16" fmla="*/ 94 w 94"/>
-                  <a:gd name="T17" fmla="*/ 128 h 128"/>
-                </a:gdLst>
-                <a:ahLst/>
-                <a:cxnLst>
-                  <a:cxn ang="0">
-                    <a:pos x="T0" y="T1"/>
-                  </a:cxn>
-                  <a:cxn ang="0">
-                    <a:pos x="T2" y="T3"/>
-                  </a:cxn>
-                  <a:cxn ang="0">
-                    <a:pos x="T4" y="T5"/>
-                  </a:cxn>
-                  <a:cxn ang="0">
-                    <a:pos x="T6" y="T7"/>
-                  </a:cxn>
-                  <a:cxn ang="0">
-                    <a:pos x="T8" y="T9"/>
-                  </a:cxn>
-                  <a:cxn ang="0">
-                    <a:pos x="T10" y="T11"/>
-                  </a:cxn>
-                  <a:cxn ang="0">
-                    <a:pos x="T12" y="T13"/>
-                  </a:cxn>
-                  <a:cxn ang="0">
-                    <a:pos x="T14" y="T15"/>
-                  </a:cxn>
-                  <a:cxn ang="0">
-                    <a:pos x="T16" y="T17"/>
-                  </a:cxn>
-                </a:cxnLst>
-                <a:rect l="0" t="0" r="r" b="b"/>
-                <a:pathLst>
-                  <a:path w="94" h="128">
-                    <a:moveTo>
-                      <a:pt x="94" y="128"/>
-                    </a:moveTo>
-                    <a:lnTo>
-                      <a:pt x="0" y="95"/>
-                    </a:lnTo>
-                    <a:lnTo>
-                      <a:pt x="3" y="85"/>
-                    </a:lnTo>
-                    <a:lnTo>
-                      <a:pt x="84" y="113"/>
-                    </a:lnTo>
-                    <a:lnTo>
-                      <a:pt x="84" y="15"/>
-                    </a:lnTo>
-                    <a:lnTo>
-                      <a:pt x="3" y="43"/>
-                    </a:lnTo>
-                    <a:lnTo>
-                      <a:pt x="0" y="33"/>
-                    </a:lnTo>
-                    <a:lnTo>
-                      <a:pt x="94" y="0"/>
-                    </a:lnTo>
-                    <a:lnTo>
-                      <a:pt x="94" y="128"/>
-                    </a:lnTo>
-                    <a:close/>
-                  </a:path>
-                </a:pathLst>
-              </a:custGeom>
-              <a:grpFill/>
-              <a:ln>
-                <a:noFill/>
-              </a:ln>
-              <a:extLst>
-                <a:ext uri="{91240B29-F687-4f45-9708-019B960494DF}">
-                  <a14:hiddenLine xmlns="" xmlns:a14="http://schemas.microsoft.com/office/drawing/2010/main" w="9525">
-                    <a:solidFill>
-                      <a:srgbClr val="000000"/>
-                    </a:solidFill>
-                    <a:round/>
-                    <a:headEnd/>
-                    <a:tailEnd/>
-                  </a14:hiddenLine>
-                </a:ext>
-              </a:extLst>
-            </p:spPr>
-            <p:txBody>
-              <a:bodyPr vert="horz" wrap="square" lIns="121920" tIns="60960" rIns="121920" bIns="60960" numCol="1" anchor="t" anchorCtr="0" compatLnSpc="1">
-                <a:prstTxWarp prst="textNoShape">
-                  <a:avLst/>
-                </a:prstTxWarp>
-              </a:bodyPr>
-              <a:lstStyle/>
-              <a:p>
-                <a:endParaRPr lang="zh-CN" altLang="en-US" sz="2400">
-                  <a:solidFill>
-                    <a:schemeClr val="bg1"/>
-                  </a:solidFill>
-                  <a:latin typeface="Microsoft YaHei" charset="0"/>
-                  <a:ea typeface="Microsoft YaHei" charset="0"/>
-                  <a:cs typeface="Microsoft YaHei" charset="0"/>
-                </a:endParaRPr>
-              </a:p>
-            </p:txBody>
-          </p:sp>
-          <p:sp>
-            <p:nvSpPr>
-              <p:cNvPr id="43" name="Freeform 13"/>
-              <p:cNvSpPr>
-                <a:spLocks/>
-              </p:cNvSpPr>
-              <p:nvPr/>
-            </p:nvSpPr>
-            <p:spPr bwMode="auto">
-              <a:xfrm>
-                <a:off x="4035425" y="3352800"/>
-                <a:ext cx="77787" cy="42863"/>
-              </a:xfrm>
-              <a:custGeom>
-                <a:avLst/>
-                <a:gdLst>
-                  <a:gd name="T0" fmla="*/ 2 w 49"/>
-                  <a:gd name="T1" fmla="*/ 27 h 27"/>
-                  <a:gd name="T2" fmla="*/ 0 w 49"/>
-                  <a:gd name="T3" fmla="*/ 17 h 27"/>
-                  <a:gd name="T4" fmla="*/ 46 w 49"/>
-                  <a:gd name="T5" fmla="*/ 0 h 27"/>
-                  <a:gd name="T6" fmla="*/ 49 w 49"/>
-                  <a:gd name="T7" fmla="*/ 9 h 27"/>
-                  <a:gd name="T8" fmla="*/ 2 w 49"/>
-                  <a:gd name="T9" fmla="*/ 27 h 27"/>
-                </a:gdLst>
-                <a:ahLst/>
-                <a:cxnLst>
-                  <a:cxn ang="0">
-                    <a:pos x="T0" y="T1"/>
-                  </a:cxn>
-                  <a:cxn ang="0">
-                    <a:pos x="T2" y="T3"/>
-                  </a:cxn>
-                  <a:cxn ang="0">
-                    <a:pos x="T4" y="T5"/>
-                  </a:cxn>
-                  <a:cxn ang="0">
-                    <a:pos x="T6" y="T7"/>
-                  </a:cxn>
-                  <a:cxn ang="0">
-                    <a:pos x="T8" y="T9"/>
-                  </a:cxn>
-                </a:cxnLst>
-                <a:rect l="0" t="0" r="r" b="b"/>
-                <a:pathLst>
-                  <a:path w="49" h="27">
-                    <a:moveTo>
-                      <a:pt x="2" y="27"/>
-                    </a:moveTo>
-                    <a:lnTo>
-                      <a:pt x="0" y="17"/>
-                    </a:lnTo>
-                    <a:lnTo>
-                      <a:pt x="46" y="0"/>
-                    </a:lnTo>
-                    <a:lnTo>
-                      <a:pt x="49" y="9"/>
-                    </a:lnTo>
-                    <a:lnTo>
-                      <a:pt x="2" y="27"/>
-                    </a:lnTo>
-                    <a:close/>
-                  </a:path>
-                </a:pathLst>
-              </a:custGeom>
-              <a:grpFill/>
-              <a:ln>
-                <a:noFill/>
-              </a:ln>
-              <a:extLst>
-                <a:ext uri="{91240B29-F687-4f45-9708-019B960494DF}">
-                  <a14:hiddenLine xmlns="" xmlns:a14="http://schemas.microsoft.com/office/drawing/2010/main" w="9525">
-                    <a:solidFill>
-                      <a:srgbClr val="000000"/>
-                    </a:solidFill>
-                    <a:round/>
-                    <a:headEnd/>
-                    <a:tailEnd/>
-                  </a14:hiddenLine>
-                </a:ext>
-              </a:extLst>
-            </p:spPr>
-            <p:txBody>
-              <a:bodyPr vert="horz" wrap="square" lIns="121920" tIns="60960" rIns="121920" bIns="60960" numCol="1" anchor="t" anchorCtr="0" compatLnSpc="1">
-                <a:prstTxWarp prst="textNoShape">
-                  <a:avLst/>
-                </a:prstTxWarp>
-              </a:bodyPr>
-              <a:lstStyle/>
-              <a:p>
-                <a:endParaRPr lang="zh-CN" altLang="en-US" sz="2400">
-                  <a:solidFill>
-                    <a:schemeClr val="bg1"/>
-                  </a:solidFill>
-                  <a:latin typeface="Microsoft YaHei" charset="0"/>
-                  <a:ea typeface="Microsoft YaHei" charset="0"/>
-                  <a:cs typeface="Microsoft YaHei" charset="0"/>
-                </a:endParaRPr>
-              </a:p>
-            </p:txBody>
-          </p:sp>
-          <p:sp>
-            <p:nvSpPr>
-              <p:cNvPr id="44" name="Freeform 14"/>
-              <p:cNvSpPr>
-                <a:spLocks noEditPoints="1"/>
-              </p:cNvSpPr>
-              <p:nvPr/>
-            </p:nvSpPr>
-            <p:spPr bwMode="auto">
-              <a:xfrm>
-                <a:off x="3889375" y="3354388"/>
-                <a:ext cx="49212" cy="98425"/>
-              </a:xfrm>
-              <a:custGeom>
-                <a:avLst/>
-                <a:gdLst>
-                  <a:gd name="T0" fmla="*/ 31 w 31"/>
-                  <a:gd name="T1" fmla="*/ 62 h 62"/>
-                  <a:gd name="T2" fmla="*/ 0 w 31"/>
-                  <a:gd name="T3" fmla="*/ 62 h 62"/>
-                  <a:gd name="T4" fmla="*/ 0 w 31"/>
-                  <a:gd name="T5" fmla="*/ 0 h 62"/>
-                  <a:gd name="T6" fmla="*/ 31 w 31"/>
-                  <a:gd name="T7" fmla="*/ 0 h 62"/>
-                  <a:gd name="T8" fmla="*/ 31 w 31"/>
-                  <a:gd name="T9" fmla="*/ 62 h 62"/>
-                  <a:gd name="T10" fmla="*/ 11 w 31"/>
-                  <a:gd name="T11" fmla="*/ 52 h 62"/>
-                  <a:gd name="T12" fmla="*/ 21 w 31"/>
-                  <a:gd name="T13" fmla="*/ 52 h 62"/>
-                  <a:gd name="T14" fmla="*/ 21 w 31"/>
-                  <a:gd name="T15" fmla="*/ 10 h 62"/>
-                  <a:gd name="T16" fmla="*/ 11 w 31"/>
-                  <a:gd name="T17" fmla="*/ 10 h 62"/>
-                  <a:gd name="T18" fmla="*/ 11 w 31"/>
-                  <a:gd name="T19" fmla="*/ 52 h 62"/>
-                </a:gdLst>
-                <a:ahLst/>
-                <a:cxnLst>
-                  <a:cxn ang="0">
-                    <a:pos x="T0" y="T1"/>
-                  </a:cxn>
-                  <a:cxn ang="0">
-                    <a:pos x="T2" y="T3"/>
-                  </a:cxn>
-                  <a:cxn ang="0">
-                    <a:pos x="T4" y="T5"/>
-                  </a:cxn>
-                  <a:cxn ang="0">
-                    <a:pos x="T6" y="T7"/>
-                  </a:cxn>
-                  <a:cxn ang="0">
-                    <a:pos x="T8" y="T9"/>
-                  </a:cxn>
-                  <a:cxn ang="0">
-                    <a:pos x="T10" y="T11"/>
-                  </a:cxn>
-                  <a:cxn ang="0">
-                    <a:pos x="T12" y="T13"/>
-                  </a:cxn>
-                  <a:cxn ang="0">
-                    <a:pos x="T14" y="T15"/>
-                  </a:cxn>
-                  <a:cxn ang="0">
-                    <a:pos x="T16" y="T17"/>
-                  </a:cxn>
-                  <a:cxn ang="0">
-                    <a:pos x="T18" y="T19"/>
-                  </a:cxn>
-                </a:cxnLst>
-                <a:rect l="0" t="0" r="r" b="b"/>
-                <a:pathLst>
-                  <a:path w="31" h="62">
-                    <a:moveTo>
-                      <a:pt x="31" y="62"/>
-                    </a:moveTo>
-                    <a:lnTo>
-                      <a:pt x="0" y="62"/>
-                    </a:lnTo>
-                    <a:lnTo>
-                      <a:pt x="0" y="0"/>
-                    </a:lnTo>
-                    <a:lnTo>
-                      <a:pt x="31" y="0"/>
-                    </a:lnTo>
-                    <a:lnTo>
-                      <a:pt x="31" y="62"/>
-                    </a:lnTo>
-                    <a:close/>
-                    <a:moveTo>
-                      <a:pt x="11" y="52"/>
-                    </a:moveTo>
-                    <a:lnTo>
-                      <a:pt x="21" y="52"/>
-                    </a:lnTo>
-                    <a:lnTo>
-                      <a:pt x="21" y="10"/>
-                    </a:lnTo>
-                    <a:lnTo>
-                      <a:pt x="11" y="10"/>
-                    </a:lnTo>
-                    <a:lnTo>
-                      <a:pt x="11" y="52"/>
-                    </a:lnTo>
-                    <a:close/>
-                  </a:path>
-                </a:pathLst>
-              </a:custGeom>
-              <a:grpFill/>
-              <a:ln>
-                <a:noFill/>
-              </a:ln>
-              <a:extLst>
-                <a:ext uri="{91240B29-F687-4f45-9708-019B960494DF}">
-                  <a14:hiddenLine xmlns="" xmlns:a14="http://schemas.microsoft.com/office/drawing/2010/main" w="9525">
-                    <a:solidFill>
-                      <a:srgbClr val="000000"/>
-                    </a:solidFill>
-                    <a:round/>
-                    <a:headEnd/>
-                    <a:tailEnd/>
-                  </a14:hiddenLine>
-                </a:ext>
-              </a:extLst>
-            </p:spPr>
-            <p:txBody>
-              <a:bodyPr vert="horz" wrap="square" lIns="121920" tIns="60960" rIns="121920" bIns="60960" numCol="1" anchor="t" anchorCtr="0" compatLnSpc="1">
-                <a:prstTxWarp prst="textNoShape">
-                  <a:avLst/>
-                </a:prstTxWarp>
-              </a:bodyPr>
-              <a:lstStyle/>
-              <a:p>
-                <a:endParaRPr lang="zh-CN" altLang="en-US" sz="2400">
-                  <a:solidFill>
-                    <a:schemeClr val="bg1"/>
-                  </a:solidFill>
-                  <a:latin typeface="Microsoft YaHei" charset="0"/>
-                  <a:ea typeface="Microsoft YaHei" charset="0"/>
-                  <a:cs typeface="Microsoft YaHei" charset="0"/>
-                </a:endParaRPr>
-              </a:p>
-            </p:txBody>
-          </p:sp>
-          <p:sp>
-            <p:nvSpPr>
-              <p:cNvPr id="45" name="Freeform 15"/>
-              <p:cNvSpPr>
-                <a:spLocks/>
-              </p:cNvSpPr>
-              <p:nvPr/>
-            </p:nvSpPr>
-            <p:spPr bwMode="auto">
-              <a:xfrm>
-                <a:off x="3922713" y="3468688"/>
-                <a:ext cx="80962" cy="65088"/>
-              </a:xfrm>
-              <a:custGeom>
-                <a:avLst/>
-                <a:gdLst>
-                  <a:gd name="T0" fmla="*/ 16 w 40"/>
-                  <a:gd name="T1" fmla="*/ 32 h 32"/>
-                  <a:gd name="T2" fmla="*/ 0 w 40"/>
-                  <a:gd name="T3" fmla="*/ 16 h 32"/>
-                  <a:gd name="T4" fmla="*/ 0 w 40"/>
-                  <a:gd name="T5" fmla="*/ 0 h 32"/>
-                  <a:gd name="T6" fmla="*/ 8 w 40"/>
-                  <a:gd name="T7" fmla="*/ 0 h 32"/>
-                  <a:gd name="T8" fmla="*/ 8 w 40"/>
-                  <a:gd name="T9" fmla="*/ 16 h 32"/>
-                  <a:gd name="T10" fmla="*/ 16 w 40"/>
-                  <a:gd name="T11" fmla="*/ 24 h 32"/>
-                  <a:gd name="T12" fmla="*/ 24 w 40"/>
-                  <a:gd name="T13" fmla="*/ 16 h 32"/>
-                  <a:gd name="T14" fmla="*/ 24 w 40"/>
-                  <a:gd name="T15" fmla="*/ 0 h 32"/>
-                  <a:gd name="T16" fmla="*/ 40 w 40"/>
-                  <a:gd name="T17" fmla="*/ 0 h 32"/>
-                  <a:gd name="T18" fmla="*/ 40 w 40"/>
-                  <a:gd name="T19" fmla="*/ 8 h 32"/>
-                  <a:gd name="T20" fmla="*/ 32 w 40"/>
-                  <a:gd name="T21" fmla="*/ 8 h 32"/>
-                  <a:gd name="T22" fmla="*/ 32 w 40"/>
-                  <a:gd name="T23" fmla="*/ 16 h 32"/>
-                  <a:gd name="T24" fmla="*/ 16 w 40"/>
-                  <a:gd name="T25" fmla="*/ 32 h 32"/>
-                </a:gdLst>
-                <a:ahLst/>
-                <a:cxnLst>
-                  <a:cxn ang="0">
-                    <a:pos x="T0" y="T1"/>
-                  </a:cxn>
-                  <a:cxn ang="0">
-                    <a:pos x="T2" y="T3"/>
-                  </a:cxn>
-                  <a:cxn ang="0">
-                    <a:pos x="T4" y="T5"/>
-                  </a:cxn>
-                  <a:cxn ang="0">
-                    <a:pos x="T6" y="T7"/>
-                  </a:cxn>
-                  <a:cxn ang="0">
-                    <a:pos x="T8" y="T9"/>
-                  </a:cxn>
-                  <a:cxn ang="0">
-                    <a:pos x="T10" y="T11"/>
-                  </a:cxn>
-                  <a:cxn ang="0">
-                    <a:pos x="T12" y="T13"/>
-                  </a:cxn>
-                  <a:cxn ang="0">
-                    <a:pos x="T14" y="T15"/>
-                  </a:cxn>
-                  <a:cxn ang="0">
-                    <a:pos x="T16" y="T17"/>
-                  </a:cxn>
-                  <a:cxn ang="0">
-                    <a:pos x="T18" y="T19"/>
-                  </a:cxn>
-                  <a:cxn ang="0">
-                    <a:pos x="T20" y="T21"/>
-                  </a:cxn>
-                  <a:cxn ang="0">
-                    <a:pos x="T22" y="T23"/>
-                  </a:cxn>
-                  <a:cxn ang="0">
-                    <a:pos x="T24" y="T25"/>
-                  </a:cxn>
-                </a:cxnLst>
-                <a:rect l="0" t="0" r="r" b="b"/>
-                <a:pathLst>
-                  <a:path w="40" h="32">
-                    <a:moveTo>
-                      <a:pt x="16" y="32"/>
-                    </a:moveTo>
-                    <a:cubicBezTo>
-                      <a:pt x="7" y="32"/>
-                      <a:pt x="0" y="25"/>
-                      <a:pt x="0" y="16"/>
-                    </a:cubicBezTo>
-                    <a:cubicBezTo>
-                      <a:pt x="0" y="0"/>
-                      <a:pt x="0" y="0"/>
-                      <a:pt x="0" y="0"/>
-                    </a:cubicBezTo>
-                    <a:cubicBezTo>
-                      <a:pt x="8" y="0"/>
-                      <a:pt x="8" y="0"/>
-                      <a:pt x="8" y="0"/>
-                    </a:cubicBezTo>
-                    <a:cubicBezTo>
-                      <a:pt x="8" y="16"/>
-                      <a:pt x="8" y="16"/>
-                      <a:pt x="8" y="16"/>
-                    </a:cubicBezTo>
-                    <a:cubicBezTo>
-                      <a:pt x="8" y="20"/>
-                      <a:pt x="12" y="24"/>
-                      <a:pt x="16" y="24"/>
-                    </a:cubicBezTo>
-                    <a:cubicBezTo>
-                      <a:pt x="20" y="24"/>
-                      <a:pt x="24" y="20"/>
-                      <a:pt x="24" y="16"/>
-                    </a:cubicBezTo>
-                    <a:cubicBezTo>
-                      <a:pt x="24" y="0"/>
-                      <a:pt x="24" y="0"/>
-                      <a:pt x="24" y="0"/>
-                    </a:cubicBezTo>
-                    <a:cubicBezTo>
-                      <a:pt x="40" y="0"/>
-                      <a:pt x="40" y="0"/>
-                      <a:pt x="40" y="0"/>
-                    </a:cubicBezTo>
-                    <a:cubicBezTo>
-                      <a:pt x="40" y="8"/>
-                      <a:pt x="40" y="8"/>
-                      <a:pt x="40" y="8"/>
-                    </a:cubicBezTo>
-                    <a:cubicBezTo>
-                      <a:pt x="32" y="8"/>
-                      <a:pt x="32" y="8"/>
-                      <a:pt x="32" y="8"/>
-                    </a:cubicBezTo>
-                    <a:cubicBezTo>
-                      <a:pt x="32" y="16"/>
-                      <a:pt x="32" y="16"/>
-                      <a:pt x="32" y="16"/>
-                    </a:cubicBezTo>
-                    <a:cubicBezTo>
-                      <a:pt x="32" y="25"/>
-                      <a:pt x="25" y="32"/>
-                      <a:pt x="16" y="32"/>
-                    </a:cubicBezTo>
-                  </a:path>
-                </a:pathLst>
-              </a:custGeom>
-              <a:grpFill/>
-              <a:ln>
-                <a:noFill/>
-              </a:ln>
-              <a:extLst>
-                <a:ext uri="{91240B29-F687-4f45-9708-019B960494DF}">
-                  <a14:hiddenLine xmlns="" xmlns:a14="http://schemas.microsoft.com/office/drawing/2010/main" w="9525">
+                  <a14:hiddenLine xmlns:a14="http://schemas.microsoft.com/office/drawing/2010/main" xmlns="" w="9525">
                     <a:solidFill>
                       <a:srgbClr val="000000"/>
                     </a:solidFill>
@@ -13483,152 +12542,6 @@
                                   </p:childTnLst>
                                 </p:cTn>
                               </p:par>
-                              <p:par>
-                                <p:cTn id="22" presetID="2" presetClass="entr" presetSubtype="4" fill="hold" nodeType="withEffect">
-                                  <p:stCondLst>
-                                    <p:cond delay="0"/>
-                                  </p:stCondLst>
-                                  <p:childTnLst>
-                                    <p:set>
-                                      <p:cBhvr>
-                                        <p:cTn id="23" dur="1" fill="hold">
-                                          <p:stCondLst>
-                                            <p:cond delay="0"/>
-                                          </p:stCondLst>
-                                        </p:cTn>
-                                        <p:tgtEl>
-                                          <p:spTgt spid="22"/>
-                                        </p:tgtEl>
-                                        <p:attrNameLst>
-                                          <p:attrName>style.visibility</p:attrName>
-                                        </p:attrNameLst>
-                                      </p:cBhvr>
-                                      <p:to>
-                                        <p:strVal val="visible"/>
-                                      </p:to>
-                                    </p:set>
-                                    <p:anim calcmode="lin" valueType="num">
-                                      <p:cBhvr additive="base">
-                                        <p:cTn id="24" dur="500" fill="hold"/>
-                                        <p:tgtEl>
-                                          <p:spTgt spid="22"/>
-                                        </p:tgtEl>
-                                        <p:attrNameLst>
-                                          <p:attrName>ppt_x</p:attrName>
-                                        </p:attrNameLst>
-                                      </p:cBhvr>
-                                      <p:tavLst>
-                                        <p:tav tm="0">
-                                          <p:val>
-                                            <p:strVal val="#ppt_x"/>
-                                          </p:val>
-                                        </p:tav>
-                                        <p:tav tm="100000">
-                                          <p:val>
-                                            <p:strVal val="#ppt_x"/>
-                                          </p:val>
-                                        </p:tav>
-                                      </p:tavLst>
-                                    </p:anim>
-                                    <p:anim calcmode="lin" valueType="num">
-                                      <p:cBhvr additive="base">
-                                        <p:cTn id="25" dur="500" fill="hold"/>
-                                        <p:tgtEl>
-                                          <p:spTgt spid="22"/>
-                                        </p:tgtEl>
-                                        <p:attrNameLst>
-                                          <p:attrName>ppt_y</p:attrName>
-                                        </p:attrNameLst>
-                                      </p:cBhvr>
-                                      <p:tavLst>
-                                        <p:tav tm="0">
-                                          <p:val>
-                                            <p:strVal val="1+#ppt_h/2"/>
-                                          </p:val>
-                                        </p:tav>
-                                        <p:tav tm="100000">
-                                          <p:val>
-                                            <p:strVal val="#ppt_y"/>
-                                          </p:val>
-                                        </p:tav>
-                                      </p:tavLst>
-                                    </p:anim>
-                                  </p:childTnLst>
-                                </p:cTn>
-                              </p:par>
-                              <p:par>
-                                <p:cTn id="26" presetID="2" presetClass="entr" presetSubtype="4" fill="hold" nodeType="withEffect">
-                                  <p:stCondLst>
-                                    <p:cond delay="0"/>
-                                  </p:stCondLst>
-                                  <p:childTnLst>
-                                    <p:set>
-                                      <p:cBhvr>
-                                        <p:cTn id="27" dur="1" fill="hold">
-                                          <p:stCondLst>
-                                            <p:cond delay="0"/>
-                                          </p:stCondLst>
-                                        </p:cTn>
-                                        <p:tgtEl>
-                                          <p:spTgt spid="21"/>
-                                        </p:tgtEl>
-                                        <p:attrNameLst>
-                                          <p:attrName>style.visibility</p:attrName>
-                                        </p:attrNameLst>
-                                      </p:cBhvr>
-                                      <p:to>
-                                        <p:strVal val="visible"/>
-                                      </p:to>
-                                    </p:set>
-                                    <p:anim calcmode="lin" valueType="num">
-                                      <p:cBhvr additive="base">
-                                        <p:cTn id="28" dur="500" fill="hold"/>
-                                        <p:tgtEl>
-                                          <p:spTgt spid="21"/>
-                                        </p:tgtEl>
-                                        <p:attrNameLst>
-                                          <p:attrName>ppt_x</p:attrName>
-                                        </p:attrNameLst>
-                                      </p:cBhvr>
-                                      <p:tavLst>
-                                        <p:tav tm="0">
-                                          <p:val>
-                                            <p:strVal val="#ppt_x"/>
-                                          </p:val>
-                                        </p:tav>
-                                        <p:tav tm="100000">
-                                          <p:val>
-                                            <p:strVal val="#ppt_x"/>
-                                          </p:val>
-                                        </p:tav>
-                                      </p:tavLst>
-                                    </p:anim>
-                                    <p:anim calcmode="lin" valueType="num">
-                                      <p:cBhvr additive="base">
-                                        <p:cTn id="29" dur="500" fill="hold"/>
-                                        <p:tgtEl>
-                                          <p:spTgt spid="21"/>
-                                        </p:tgtEl>
-                                        <p:attrNameLst>
-                                          <p:attrName>ppt_y</p:attrName>
-                                        </p:attrNameLst>
-                                      </p:cBhvr>
-                                      <p:tavLst>
-                                        <p:tav tm="0">
-                                          <p:val>
-                                            <p:strVal val="1+#ppt_h/2"/>
-                                          </p:val>
-                                        </p:tav>
-                                        <p:tav tm="100000">
-                                          <p:val>
-                                            <p:strVal val="#ppt_y"/>
-                                          </p:val>
-                                        </p:tav>
-                                      </p:tavLst>
-                                    </p:anim>
-                                  </p:childTnLst>
-                                </p:cTn>
-                              </p:par>
                             </p:childTnLst>
                           </p:cTn>
                         </p:par>
@@ -15977,8 +14890,8 @@
         </p:nvSpPr>
         <p:spPr>
           <a:xfrm>
-            <a:off x="1577140" y="2244959"/>
-            <a:ext cx="7253382" cy="2554545"/>
+            <a:off x="1658834" y="3007955"/>
+            <a:ext cx="7253382" cy="1938992"/>
           </a:xfrm>
           <a:prstGeom prst="rect">
             <a:avLst/>
@@ -16046,7 +14959,21 @@
                   <a:srgbClr val="1E1E1E"/>
                 </a:solidFill>
               </a:rPr>
-              <a:t>Mostrare i grafi delle varie </a:t>
+              <a:t>Stampare i grafi su schermo;</a:t>
+            </a:r>
+          </a:p>
+          <a:p>
+            <a:pPr marL="285750" indent="-285750">
+              <a:buFont typeface="Arial" charset="0"/>
+              <a:buChar char="•"/>
+            </a:pPr>
+            <a:r>
+              <a:rPr lang="it-IT" sz="2000" dirty="0">
+                <a:solidFill>
+                  <a:srgbClr val="1E1E1E"/>
+                </a:solidFill>
+              </a:rPr>
+              <a:t>Visualizzare i grafi delle varie </a:t>
             </a:r>
             <a:r>
               <a:rPr lang="it-IT" sz="2000" dirty="0" err="1">
@@ -16076,66 +15003,6 @@
                   <a:srgbClr val="1E1E1E"/>
                 </a:solidFill>
               </a:rPr>
-              <a:t>Visualizzare passo </a:t>
-            </a:r>
-            <a:r>
-              <a:rPr lang="it-IT" sz="2000" dirty="0" err="1">
-                <a:solidFill>
-                  <a:srgbClr val="1E1E1E"/>
-                </a:solidFill>
-              </a:rPr>
-              <a:t>passo</a:t>
-            </a:r>
-            <a:r>
-              <a:rPr lang="it-IT" sz="2000" dirty="0">
-                <a:solidFill>
-                  <a:srgbClr val="1E1E1E"/>
-                </a:solidFill>
-              </a:rPr>
-              <a:t> i grafi delle varie </a:t>
-            </a:r>
-            <a:r>
-              <a:rPr lang="it-IT" sz="2000" dirty="0" err="1">
-                <a:solidFill>
-                  <a:srgbClr val="1E1E1E"/>
-                </a:solidFill>
-              </a:rPr>
-              <a:t>utterance</a:t>
-            </a:r>
-            <a:r>
-              <a:rPr lang="it-IT" sz="2000" dirty="0">
-                <a:solidFill>
-                  <a:srgbClr val="1E1E1E"/>
-                </a:solidFill>
-              </a:rPr>
-              <a:t> in modo sequenziale;</a:t>
-            </a:r>
-          </a:p>
-          <a:p>
-            <a:pPr marL="285750" indent="-285750">
-              <a:buFont typeface="Arial" charset="0"/>
-              <a:buChar char="•"/>
-            </a:pPr>
-            <a:r>
-              <a:rPr lang="it-IT" sz="2000" dirty="0">
-                <a:solidFill>
-                  <a:srgbClr val="1E1E1E"/>
-                </a:solidFill>
-              </a:rPr>
-              <a:t>Stampare i grafi su schermo;</a:t>
-            </a:r>
-          </a:p>
-          <a:p>
-            <a:pPr marL="285750" indent="-285750">
-              <a:buFont typeface="Arial" charset="0"/>
-              <a:buChar char="•"/>
-            </a:pPr>
-            <a:r>
-              <a:rPr lang="it-IT" sz="2000" dirty="0">
-                <a:solidFill>
-                  <a:srgbClr val="1E1E1E"/>
-                </a:solidFill>
-              </a:rPr>
               <a:t>Disporre graficamente i nodi;</a:t>
             </a:r>
           </a:p>
@@ -16150,7 +15017,23 @@
                   <a:srgbClr val="1E1E1E"/>
                 </a:solidFill>
               </a:rPr>
-              <a:t>Modificare alcuni campi dei nodi;</a:t>
+              <a:t>Visualizzare </a:t>
+            </a:r>
+            <a:r>
+              <a:rPr lang="it-IT" sz="2000">
+                <a:solidFill>
+                  <a:srgbClr val="1E1E1E"/>
+                </a:solidFill>
+              </a:rPr>
+              <a:t>le informazioni di </a:t>
+            </a:r>
+            <a:r>
+              <a:rPr lang="it-IT" sz="2000" dirty="0">
+                <a:solidFill>
+                  <a:srgbClr val="1E1E1E"/>
+                </a:solidFill>
+              </a:rPr>
+              <a:t>un nodo</a:t>
             </a:r>
           </a:p>
           <a:p>
@@ -16175,7 +15058,7 @@
               <a:t>Speect</a:t>
             </a:r>
             <a:r>
-              <a:rPr lang="it-IT" sz="2000">
+              <a:rPr lang="it-IT" sz="2000" dirty="0">
                 <a:solidFill>
                   <a:srgbClr val="1E1E1E"/>
                 </a:solidFill>
@@ -17668,7 +16551,7 @@
                 </a:ln>
                 <a:extLst>
                   <a:ext uri="{91240B29-F687-4f45-9708-019B960494DF}">
-                    <a14:hiddenLine xmlns="" xmlns:a14="http://schemas.microsoft.com/office/drawing/2010/main" w="9525">
+                    <a14:hiddenLine xmlns:a14="http://schemas.microsoft.com/office/drawing/2010/main" xmlns="" w="9525">
                       <a:solidFill>
                         <a:srgbClr val="000000"/>
                       </a:solidFill>
@@ -17720,7 +16603,7 @@
                 </a:ln>
                 <a:extLst>
                   <a:ext uri="{91240B29-F687-4f45-9708-019B960494DF}">
-                    <a14:hiddenLine xmlns="" xmlns:a14="http://schemas.microsoft.com/office/drawing/2010/main" w="9525">
+                    <a14:hiddenLine xmlns:a14="http://schemas.microsoft.com/office/drawing/2010/main" xmlns="" w="9525">
                       <a:solidFill>
                         <a:srgbClr val="000000"/>
                       </a:solidFill>
@@ -17772,7 +16655,7 @@
                 </a:ln>
                 <a:extLst>
                   <a:ext uri="{91240B29-F687-4f45-9708-019B960494DF}">
-                    <a14:hiddenLine xmlns="" xmlns:a14="http://schemas.microsoft.com/office/drawing/2010/main" w="9525">
+                    <a14:hiddenLine xmlns:a14="http://schemas.microsoft.com/office/drawing/2010/main" xmlns="" w="9525">
                       <a:solidFill>
                         <a:srgbClr val="000000"/>
                       </a:solidFill>
@@ -17824,7 +16707,7 @@
                 </a:ln>
                 <a:extLst>
                   <a:ext uri="{91240B29-F687-4f45-9708-019B960494DF}">
-                    <a14:hiddenLine xmlns="" xmlns:a14="http://schemas.microsoft.com/office/drawing/2010/main" w="9525">
+                    <a14:hiddenLine xmlns:a14="http://schemas.microsoft.com/office/drawing/2010/main" xmlns="" w="9525">
                       <a:solidFill>
                         <a:srgbClr val="000000"/>
                       </a:solidFill>
@@ -17876,7 +16759,7 @@
                 </a:ln>
                 <a:extLst>
                   <a:ext uri="{91240B29-F687-4f45-9708-019B960494DF}">
-                    <a14:hiddenLine xmlns="" xmlns:a14="http://schemas.microsoft.com/office/drawing/2010/main" w="9525">
+                    <a14:hiddenLine xmlns:a14="http://schemas.microsoft.com/office/drawing/2010/main" xmlns="" w="9525">
                       <a:solidFill>
                         <a:srgbClr val="000000"/>
                       </a:solidFill>
@@ -18011,7 +16894,7 @@
                 </a:ln>
                 <a:extLst>
                   <a:ext uri="{91240B29-F687-4f45-9708-019B960494DF}">
-                    <a14:hiddenLine xmlns="" xmlns:a14="http://schemas.microsoft.com/office/drawing/2010/main" w="9525">
+                    <a14:hiddenLine xmlns:a14="http://schemas.microsoft.com/office/drawing/2010/main" xmlns="" w="9525">
                       <a:solidFill>
                         <a:srgbClr val="000000"/>
                       </a:solidFill>
@@ -21910,7 +20793,7 @@
               </a:ln>
               <a:extLst>
                 <a:ext uri="{91240B29-F687-4f45-9708-019B960494DF}">
-                  <a14:hiddenLine xmlns="" xmlns:a14="http://schemas.microsoft.com/office/drawing/2010/main" w="9525">
+                  <a14:hiddenLine xmlns:a14="http://schemas.microsoft.com/office/drawing/2010/main" xmlns="" w="9525">
                     <a:solidFill>
                       <a:srgbClr val="000000"/>
                     </a:solidFill>
@@ -22045,7 +20928,7 @@
               </a:ln>
               <a:extLst>
                 <a:ext uri="{91240B29-F687-4f45-9708-019B960494DF}">
-                  <a14:hiddenLine xmlns="" xmlns:a14="http://schemas.microsoft.com/office/drawing/2010/main" w="9525">
+                  <a14:hiddenLine xmlns:a14="http://schemas.microsoft.com/office/drawing/2010/main" xmlns="" w="9525">
                     <a:solidFill>
                       <a:srgbClr val="000000"/>
                     </a:solidFill>
@@ -22148,7 +21031,7 @@
               </a:ln>
               <a:extLst>
                 <a:ext uri="{91240B29-F687-4f45-9708-019B960494DF}">
-                  <a14:hiddenLine xmlns="" xmlns:a14="http://schemas.microsoft.com/office/drawing/2010/main" w="9525">
+                  <a14:hiddenLine xmlns:a14="http://schemas.microsoft.com/office/drawing/2010/main" xmlns="" w="9525">
                     <a:solidFill>
                       <a:srgbClr val="000000"/>
                     </a:solidFill>
@@ -22292,7 +21175,7 @@
               </a:ln>
               <a:extLst>
                 <a:ext uri="{91240B29-F687-4f45-9708-019B960494DF}">
-                  <a14:hiddenLine xmlns="" xmlns:a14="http://schemas.microsoft.com/office/drawing/2010/main" w="9525">
+                  <a14:hiddenLine xmlns:a14="http://schemas.microsoft.com/office/drawing/2010/main" xmlns="" w="9525">
                     <a:solidFill>
                       <a:srgbClr val="000000"/>
                     </a:solidFill>
@@ -22482,7 +21365,7 @@
               </a:ln>
               <a:extLst>
                 <a:ext uri="{91240B29-F687-4f45-9708-019B960494DF}">
-                  <a14:hiddenLine xmlns="" xmlns:a14="http://schemas.microsoft.com/office/drawing/2010/main" w="9525">
+                  <a14:hiddenLine xmlns:a14="http://schemas.microsoft.com/office/drawing/2010/main" xmlns="" w="9525">
                     <a:solidFill>
                       <a:srgbClr val="000000"/>
                     </a:solidFill>
@@ -30006,7 +28889,7 @@
               </a:ln>
               <a:extLst>
                 <a:ext uri="{91240B29-F687-4f45-9708-019B960494DF}">
-                  <a14:hiddenLine xmlns="" xmlns:a14="http://schemas.microsoft.com/office/drawing/2010/main" w="9525">
+                  <a14:hiddenLine xmlns:a14="http://schemas.microsoft.com/office/drawing/2010/main" xmlns="" w="9525">
                     <a:solidFill>
                       <a:srgbClr val="000000"/>
                     </a:solidFill>
@@ -30141,7 +29024,7 @@
               </a:ln>
               <a:extLst>
                 <a:ext uri="{91240B29-F687-4f45-9708-019B960494DF}">
-                  <a14:hiddenLine xmlns="" xmlns:a14="http://schemas.microsoft.com/office/drawing/2010/main" w="9525">
+                  <a14:hiddenLine xmlns:a14="http://schemas.microsoft.com/office/drawing/2010/main" xmlns="" w="9525">
                     <a:solidFill>
                       <a:srgbClr val="000000"/>
                     </a:solidFill>
@@ -30244,7 +29127,7 @@
               </a:ln>
               <a:extLst>
                 <a:ext uri="{91240B29-F687-4f45-9708-019B960494DF}">
-                  <a14:hiddenLine xmlns="" xmlns:a14="http://schemas.microsoft.com/office/drawing/2010/main" w="9525">
+                  <a14:hiddenLine xmlns:a14="http://schemas.microsoft.com/office/drawing/2010/main" xmlns="" w="9525">
                     <a:solidFill>
                       <a:srgbClr val="000000"/>
                     </a:solidFill>
@@ -30388,7 +29271,7 @@
               </a:ln>
               <a:extLst>
                 <a:ext uri="{91240B29-F687-4f45-9708-019B960494DF}">
-                  <a14:hiddenLine xmlns="" xmlns:a14="http://schemas.microsoft.com/office/drawing/2010/main" w="9525">
+                  <a14:hiddenLine xmlns:a14="http://schemas.microsoft.com/office/drawing/2010/main" xmlns="" w="9525">
                     <a:solidFill>
                       <a:srgbClr val="000000"/>
                     </a:solidFill>
@@ -30578,7 +29461,7 @@
               </a:ln>
               <a:extLst>
                 <a:ext uri="{91240B29-F687-4f45-9708-019B960494DF}">
-                  <a14:hiddenLine xmlns="" xmlns:a14="http://schemas.microsoft.com/office/drawing/2010/main" w="9525">
+                  <a14:hiddenLine xmlns:a14="http://schemas.microsoft.com/office/drawing/2010/main" xmlns="" w="9525">
                     <a:solidFill>
                       <a:srgbClr val="000000"/>
                     </a:solidFill>
@@ -38325,7 +37208,7 @@
               </a:ln>
               <a:extLst>
                 <a:ext uri="{91240B29-F687-4f45-9708-019B960494DF}">
-                  <a14:hiddenLine xmlns="" xmlns:a14="http://schemas.microsoft.com/office/drawing/2010/main" w="9525">
+                  <a14:hiddenLine xmlns:a14="http://schemas.microsoft.com/office/drawing/2010/main" xmlns="" w="9525">
                     <a:solidFill>
                       <a:srgbClr val="000000"/>
                     </a:solidFill>
@@ -38377,7 +37260,7 @@
               </a:ln>
               <a:extLst>
                 <a:ext uri="{91240B29-F687-4f45-9708-019B960494DF}">
-                  <a14:hiddenLine xmlns="" xmlns:a14="http://schemas.microsoft.com/office/drawing/2010/main" w="9525">
+                  <a14:hiddenLine xmlns:a14="http://schemas.microsoft.com/office/drawing/2010/main" xmlns="" w="9525">
                     <a:solidFill>
                       <a:srgbClr val="000000"/>
                     </a:solidFill>
@@ -38429,7 +37312,7 @@
               </a:ln>
               <a:extLst>
                 <a:ext uri="{91240B29-F687-4f45-9708-019B960494DF}">
-                  <a14:hiddenLine xmlns="" xmlns:a14="http://schemas.microsoft.com/office/drawing/2010/main" w="9525">
+                  <a14:hiddenLine xmlns:a14="http://schemas.microsoft.com/office/drawing/2010/main" xmlns="" w="9525">
                     <a:solidFill>
                       <a:srgbClr val="000000"/>
                     </a:solidFill>
@@ -38481,7 +37364,7 @@
               </a:ln>
               <a:extLst>
                 <a:ext uri="{91240B29-F687-4f45-9708-019B960494DF}">
-                  <a14:hiddenLine xmlns="" xmlns:a14="http://schemas.microsoft.com/office/drawing/2010/main" w="9525">
+                  <a14:hiddenLine xmlns:a14="http://schemas.microsoft.com/office/drawing/2010/main" xmlns="" w="9525">
                     <a:solidFill>
                       <a:srgbClr val="000000"/>
                     </a:solidFill>
@@ -38533,7 +37416,7 @@
               </a:ln>
               <a:extLst>
                 <a:ext uri="{91240B29-F687-4f45-9708-019B960494DF}">
-                  <a14:hiddenLine xmlns="" xmlns:a14="http://schemas.microsoft.com/office/drawing/2010/main" w="9525">
+                  <a14:hiddenLine xmlns:a14="http://schemas.microsoft.com/office/drawing/2010/main" xmlns="" w="9525">
                     <a:solidFill>
                       <a:srgbClr val="000000"/>
                     </a:solidFill>
@@ -38668,7 +37551,7 @@
               </a:ln>
               <a:extLst>
                 <a:ext uri="{91240B29-F687-4f45-9708-019B960494DF}">
-                  <a14:hiddenLine xmlns="" xmlns:a14="http://schemas.microsoft.com/office/drawing/2010/main" w="9525">
+                  <a14:hiddenLine xmlns:a14="http://schemas.microsoft.com/office/drawing/2010/main" xmlns="" w="9525">
                     <a:solidFill>
                       <a:srgbClr val="000000"/>
                     </a:solidFill>
@@ -42567,7 +41450,7 @@
             </a:ln>
             <a:extLst>
               <a:ext uri="{91240B29-F687-4f45-9708-019B960494DF}">
-                <a14:hiddenLine xmlns="" xmlns:a14="http://schemas.microsoft.com/office/drawing/2010/main" w="9525">
+                <a14:hiddenLine xmlns:a14="http://schemas.microsoft.com/office/drawing/2010/main" xmlns="" w="9525">
                   <a:solidFill>
                     <a:srgbClr val="000000"/>
                   </a:solidFill>
@@ -42702,7 +41585,7 @@
             </a:ln>
             <a:extLst>
               <a:ext uri="{91240B29-F687-4f45-9708-019B960494DF}">
-                <a14:hiddenLine xmlns="" xmlns:a14="http://schemas.microsoft.com/office/drawing/2010/main" w="9525">
+                <a14:hiddenLine xmlns:a14="http://schemas.microsoft.com/office/drawing/2010/main" xmlns="" w="9525">
                   <a:solidFill>
                     <a:srgbClr val="000000"/>
                   </a:solidFill>
@@ -42805,7 +41688,7 @@
             </a:ln>
             <a:extLst>
               <a:ext uri="{91240B29-F687-4f45-9708-019B960494DF}">
-                <a14:hiddenLine xmlns="" xmlns:a14="http://schemas.microsoft.com/office/drawing/2010/main" w="9525">
+                <a14:hiddenLine xmlns:a14="http://schemas.microsoft.com/office/drawing/2010/main" xmlns="" w="9525">
                   <a:solidFill>
                     <a:srgbClr val="000000"/>
                   </a:solidFill>
@@ -42949,7 +41832,7 @@
             </a:ln>
             <a:extLst>
               <a:ext uri="{91240B29-F687-4f45-9708-019B960494DF}">
-                <a14:hiddenLine xmlns="" xmlns:a14="http://schemas.microsoft.com/office/drawing/2010/main" w="9525">
+                <a14:hiddenLine xmlns:a14="http://schemas.microsoft.com/office/drawing/2010/main" xmlns="" w="9525">
                   <a:solidFill>
                     <a:srgbClr val="000000"/>
                   </a:solidFill>
@@ -43139,7 +42022,7 @@
             </a:ln>
             <a:extLst>
               <a:ext uri="{91240B29-F687-4f45-9708-019B960494DF}">
-                <a14:hiddenLine xmlns="" xmlns:a14="http://schemas.microsoft.com/office/drawing/2010/main" w="9525">
+                <a14:hiddenLine xmlns:a14="http://schemas.microsoft.com/office/drawing/2010/main" xmlns="" w="9525">
                   <a:solidFill>
                     <a:srgbClr val="000000"/>
                   </a:solidFill>
@@ -47875,6 +46758,15 @@
 </file>
 
 <file path=customXml/item2.xml><?xml version="1.0" encoding="utf-8"?>
+<?mso-contentType ?>
+<FormTemplates xmlns="http://schemas.microsoft.com/sharepoint/v3/contenttype/forms">
+  <Display>DocumentLibraryForm</Display>
+  <Edit>DocumentLibraryForm</Edit>
+  <New>DocumentLibraryForm</New>
+</FormTemplates>
+</file>
+
+<file path=customXml/item3.xml><?xml version="1.0" encoding="utf-8"?>
 <ct:contentTypeSchema xmlns:ct="http://schemas.microsoft.com/office/2006/metadata/contentType" xmlns:ma="http://schemas.microsoft.com/office/2006/metadata/properties/metaAttributes" ct:_="" ma:_="" ma:contentTypeName="Document" ma:contentTypeID="0x0101000DE64AEEDD9B7A4D93545ACBE97D4615" ma:contentTypeVersion="2" ma:contentTypeDescription="Create a new document." ma:contentTypeScope="" ma:versionID="f49002b78e3a4a71b814eef46a983816">
   <xsd:schema xmlns:xsd="http://www.w3.org/2001/XMLSchema" xmlns:xs="http://www.w3.org/2001/XMLSchema" xmlns:p="http://schemas.microsoft.com/office/2006/metadata/properties" xmlns:ns2="http://schemas.microsoft.com/sharepoint/v3/fields" targetNamespace="http://schemas.microsoft.com/office/2006/metadata/properties" ma:root="true" ma:fieldsID="38f6db2dd0d9a0cf6a8dc37be32b365b" ns2:_="">
     <xsd:import namespace="http://schemas.microsoft.com/sharepoint/v3/fields"/>
@@ -48018,15 +46910,6 @@
 </ct:contentTypeSchema>
 </file>
 
-<file path=customXml/item3.xml><?xml version="1.0" encoding="utf-8"?>
-<?mso-contentType ?>
-<FormTemplates xmlns="http://schemas.microsoft.com/sharepoint/v3/contenttype/forms">
-  <Display>DocumentLibraryForm</Display>
-  <Edit>DocumentLibraryForm</Edit>
-  <New>DocumentLibraryForm</New>
-</FormTemplates>
-</file>
-
 <file path=customXml/itemProps1.xml><?xml version="1.0" encoding="utf-8"?>
 <ds:datastoreItem xmlns:ds="http://schemas.openxmlformats.org/officeDocument/2006/customXml" ds:itemID="{7B6F2769-7194-4217-93D3-3AF3A4742282}">
   <ds:schemaRefs>
@@ -48044,6 +46927,14 @@
 </file>
 
 <file path=customXml/itemProps2.xml><?xml version="1.0" encoding="utf-8"?>
+<ds:datastoreItem xmlns:ds="http://schemas.openxmlformats.org/officeDocument/2006/customXml" ds:itemID="{87D2A1B0-FF3E-4009-940D-AED0EB70AA20}">
+  <ds:schemaRefs>
+    <ds:schemaRef ds:uri="http://schemas.microsoft.com/sharepoint/v3/contenttype/forms"/>
+  </ds:schemaRefs>
+</ds:datastoreItem>
+</file>
+
+<file path=customXml/itemProps3.xml><?xml version="1.0" encoding="utf-8"?>
 <ds:datastoreItem xmlns:ds="http://schemas.openxmlformats.org/officeDocument/2006/customXml" ds:itemID="{E4214858-785C-42F7-BE66-6D0E79395FC8}">
   <ds:schemaRefs>
     <ds:schemaRef ds:uri="http://schemas.microsoft.com/office/2006/metadata/contentType"/>
@@ -48059,12 +46950,4 @@
     <ds:schemaRef ds:uri="http://schemas.microsoft.com/internal/obd"/>
   </ds:schemaRefs>
 </ds:datastoreItem>
-</file>
-
-<file path=customXml/itemProps3.xml><?xml version="1.0" encoding="utf-8"?>
-<ds:datastoreItem xmlns:ds="http://schemas.openxmlformats.org/officeDocument/2006/customXml" ds:itemID="{87D2A1B0-FF3E-4009-940D-AED0EB70AA20}">
-  <ds:schemaRefs>
-    <ds:schemaRef ds:uri="http://schemas.microsoft.com/sharepoint/v3/contenttype/forms"/>
-  </ds:schemaRefs>
-</ds:datastoreItem>
 </file>
--- a/Presentazione/Presentazione 26-01-2018.pptx
+++ b/Presentazione/Presentazione 26-01-2018.pptx
@@ -6231,7 +6231,7 @@
             </a:pPr>
             <a:r>
               <a:rPr lang="it-IT" sz="1800" dirty="0"/>
-              <a:t>Per permettere di tenere traccia del lavoro del team</a:t>
+              <a:t>Tracciamento del lavoro del team</a:t>
             </a:r>
           </a:p>
         </p:txBody>
@@ -6427,12 +6427,8 @@
               </a:spcBef>
             </a:pPr>
             <a:r>
-              <a:rPr lang="it-IT" sz="1800" dirty="0"/>
-              <a:t>Per </a:t>
-            </a:r>
-            <a:r>
               <a:rPr lang="it-IT" sz="1800" dirty="0" err="1"/>
-              <a:t>versionamento</a:t>
+              <a:t>Versionamento</a:t>
             </a:r>
             <a:r>
               <a:rPr lang="it-IT" sz="1800" dirty="0"/>
@@ -7361,7 +7357,7 @@
         </p:nvSpPr>
         <p:spPr>
           <a:xfrm>
-            <a:off x="5838641" y="3714586"/>
+            <a:off x="5986922" y="3714586"/>
             <a:ext cx="4895397" cy="400110"/>
           </a:xfrm>
           <a:prstGeom prst="rect">
@@ -9829,7 +9825,7 @@
         <p:spPr>
           <a:xfrm>
             <a:off x="1624758" y="302189"/>
-            <a:ext cx="7321534" cy="1061829"/>
+            <a:ext cx="7519242" cy="1077218"/>
           </a:xfrm>
           <a:prstGeom prst="rect">
             <a:avLst/>
@@ -9842,7 +9838,7 @@
           <a:lstStyle/>
           <a:p>
             <a:r>
-              <a:rPr lang="en-US" altLang="zh-CN" sz="3100" b="1" dirty="0" err="1">
+              <a:rPr lang="en-US" altLang="zh-CN" sz="3200" b="1" dirty="0" err="1">
                 <a:solidFill>
                   <a:srgbClr val="EE7633"/>
                 </a:solidFill>
@@ -9850,7 +9846,7 @@
               <a:t>Progettazione</a:t>
             </a:r>
             <a:r>
-              <a:rPr lang="zh-CN" altLang="en-US" sz="3100" b="1" dirty="0">
+              <a:rPr lang="zh-CN" altLang="en-US" sz="3200" b="1" dirty="0">
                 <a:solidFill>
                   <a:srgbClr val="EE7633"/>
                 </a:solidFill>
@@ -9858,7 +9854,7 @@
               <a:t> </a:t>
             </a:r>
             <a:r>
-              <a:rPr lang="it-IT" sz="3100" b="1" dirty="0">
+              <a:rPr lang="it-IT" sz="3200" b="1" dirty="0">
                 <a:solidFill>
                   <a:srgbClr val="EE7633"/>
                 </a:solidFill>
@@ -9866,7 +9862,7 @@
               <a:t>di dettaglio e Codi</a:t>
             </a:r>
             <a:r>
-              <a:rPr lang="en-US" altLang="zh-CN" sz="3100" b="1" dirty="0">
+              <a:rPr lang="en-US" altLang="zh-CN" sz="3200" b="1" dirty="0">
                 <a:solidFill>
                   <a:srgbClr val="EE7633"/>
                 </a:solidFill>
@@ -9874,14 +9870,14 @@
               <a:t>fi</a:t>
             </a:r>
             <a:r>
-              <a:rPr lang="it-IT" sz="3100" b="1" dirty="0" err="1">
+              <a:rPr lang="it-IT" sz="3200" b="1" dirty="0" err="1">
                 <a:solidFill>
                   <a:srgbClr val="EE7633"/>
                 </a:solidFill>
               </a:rPr>
               <a:t>ca</a:t>
             </a:r>
-            <a:endParaRPr lang="it-IT" sz="3100" b="1" dirty="0">
+            <a:endParaRPr lang="it-IT" sz="3200" b="1" dirty="0">
               <a:solidFill>
                 <a:srgbClr val="EE7633"/>
               </a:solidFill>
@@ -11300,7 +11296,7 @@
               </a:ln>
               <a:extLst>
                 <a:ext uri="{91240B29-F687-4f45-9708-019B960494DF}">
-                  <a14:hiddenLine xmlns:a14="http://schemas.microsoft.com/office/drawing/2010/main" xmlns="" w="9525">
+                  <a14:hiddenLine xmlns="" xmlns:a14="http://schemas.microsoft.com/office/drawing/2010/main" w="9525">
                     <a:solidFill>
                       <a:srgbClr val="000000"/>
                     </a:solidFill>
@@ -11435,7 +11431,7 @@
               </a:ln>
               <a:extLst>
                 <a:ext uri="{91240B29-F687-4f45-9708-019B960494DF}">
-                  <a14:hiddenLine xmlns:a14="http://schemas.microsoft.com/office/drawing/2010/main" xmlns="" w="9525">
+                  <a14:hiddenLine xmlns="" xmlns:a14="http://schemas.microsoft.com/office/drawing/2010/main" w="9525">
                     <a:solidFill>
                       <a:srgbClr val="000000"/>
                     </a:solidFill>
@@ -11538,7 +11534,7 @@
               </a:ln>
               <a:extLst>
                 <a:ext uri="{91240B29-F687-4f45-9708-019B960494DF}">
-                  <a14:hiddenLine xmlns:a14="http://schemas.microsoft.com/office/drawing/2010/main" xmlns="" w="9525">
+                  <a14:hiddenLine xmlns="" xmlns:a14="http://schemas.microsoft.com/office/drawing/2010/main" w="9525">
                     <a:solidFill>
                       <a:srgbClr val="000000"/>
                     </a:solidFill>
@@ -11682,7 +11678,7 @@
               </a:ln>
               <a:extLst>
                 <a:ext uri="{91240B29-F687-4f45-9708-019B960494DF}">
-                  <a14:hiddenLine xmlns:a14="http://schemas.microsoft.com/office/drawing/2010/main" xmlns="" w="9525">
+                  <a14:hiddenLine xmlns="" xmlns:a14="http://schemas.microsoft.com/office/drawing/2010/main" w="9525">
                     <a:solidFill>
                       <a:srgbClr val="000000"/>
                     </a:solidFill>
@@ -11872,7 +11868,7 @@
               </a:ln>
               <a:extLst>
                 <a:ext uri="{91240B29-F687-4f45-9708-019B960494DF}">
-                  <a14:hiddenLine xmlns:a14="http://schemas.microsoft.com/office/drawing/2010/main" xmlns="" w="9525">
+                  <a14:hiddenLine xmlns="" xmlns:a14="http://schemas.microsoft.com/office/drawing/2010/main" w="9525">
                     <a:solidFill>
                       <a:srgbClr val="000000"/>
                     </a:solidFill>
@@ -16551,7 +16547,7 @@
                 </a:ln>
                 <a:extLst>
                   <a:ext uri="{91240B29-F687-4f45-9708-019B960494DF}">
-                    <a14:hiddenLine xmlns:a14="http://schemas.microsoft.com/office/drawing/2010/main" xmlns="" w="9525">
+                    <a14:hiddenLine xmlns="" xmlns:a14="http://schemas.microsoft.com/office/drawing/2010/main" w="9525">
                       <a:solidFill>
                         <a:srgbClr val="000000"/>
                       </a:solidFill>
@@ -16603,7 +16599,7 @@
                 </a:ln>
                 <a:extLst>
                   <a:ext uri="{91240B29-F687-4f45-9708-019B960494DF}">
-                    <a14:hiddenLine xmlns:a14="http://schemas.microsoft.com/office/drawing/2010/main" xmlns="" w="9525">
+                    <a14:hiddenLine xmlns="" xmlns:a14="http://schemas.microsoft.com/office/drawing/2010/main" w="9525">
                       <a:solidFill>
                         <a:srgbClr val="000000"/>
                       </a:solidFill>
@@ -16655,7 +16651,7 @@
                 </a:ln>
                 <a:extLst>
                   <a:ext uri="{91240B29-F687-4f45-9708-019B960494DF}">
-                    <a14:hiddenLine xmlns:a14="http://schemas.microsoft.com/office/drawing/2010/main" xmlns="" w="9525">
+                    <a14:hiddenLine xmlns="" xmlns:a14="http://schemas.microsoft.com/office/drawing/2010/main" w="9525">
                       <a:solidFill>
                         <a:srgbClr val="000000"/>
                       </a:solidFill>
@@ -16707,7 +16703,7 @@
                 </a:ln>
                 <a:extLst>
                   <a:ext uri="{91240B29-F687-4f45-9708-019B960494DF}">
-                    <a14:hiddenLine xmlns:a14="http://schemas.microsoft.com/office/drawing/2010/main" xmlns="" w="9525">
+                    <a14:hiddenLine xmlns="" xmlns:a14="http://schemas.microsoft.com/office/drawing/2010/main" w="9525">
                       <a:solidFill>
                         <a:srgbClr val="000000"/>
                       </a:solidFill>
@@ -16759,7 +16755,7 @@
                 </a:ln>
                 <a:extLst>
                   <a:ext uri="{91240B29-F687-4f45-9708-019B960494DF}">
-                    <a14:hiddenLine xmlns:a14="http://schemas.microsoft.com/office/drawing/2010/main" xmlns="" w="9525">
+                    <a14:hiddenLine xmlns="" xmlns:a14="http://schemas.microsoft.com/office/drawing/2010/main" w="9525">
                       <a:solidFill>
                         <a:srgbClr val="000000"/>
                       </a:solidFill>
@@ -16894,7 +16890,7 @@
                 </a:ln>
                 <a:extLst>
                   <a:ext uri="{91240B29-F687-4f45-9708-019B960494DF}">
-                    <a14:hiddenLine xmlns:a14="http://schemas.microsoft.com/office/drawing/2010/main" xmlns="" w="9525">
+                    <a14:hiddenLine xmlns="" xmlns:a14="http://schemas.microsoft.com/office/drawing/2010/main" w="9525">
                       <a:solidFill>
                         <a:srgbClr val="000000"/>
                       </a:solidFill>
@@ -20793,7 +20789,7 @@
               </a:ln>
               <a:extLst>
                 <a:ext uri="{91240B29-F687-4f45-9708-019B960494DF}">
-                  <a14:hiddenLine xmlns:a14="http://schemas.microsoft.com/office/drawing/2010/main" xmlns="" w="9525">
+                  <a14:hiddenLine xmlns="" xmlns:a14="http://schemas.microsoft.com/office/drawing/2010/main" w="9525">
                     <a:solidFill>
                       <a:srgbClr val="000000"/>
                     </a:solidFill>
@@ -20928,7 +20924,7 @@
               </a:ln>
               <a:extLst>
                 <a:ext uri="{91240B29-F687-4f45-9708-019B960494DF}">
-                  <a14:hiddenLine xmlns:a14="http://schemas.microsoft.com/office/drawing/2010/main" xmlns="" w="9525">
+                  <a14:hiddenLine xmlns="" xmlns:a14="http://schemas.microsoft.com/office/drawing/2010/main" w="9525">
                     <a:solidFill>
                       <a:srgbClr val="000000"/>
                     </a:solidFill>
@@ -21031,7 +21027,7 @@
               </a:ln>
               <a:extLst>
                 <a:ext uri="{91240B29-F687-4f45-9708-019B960494DF}">
-                  <a14:hiddenLine xmlns:a14="http://schemas.microsoft.com/office/drawing/2010/main" xmlns="" w="9525">
+                  <a14:hiddenLine xmlns="" xmlns:a14="http://schemas.microsoft.com/office/drawing/2010/main" w="9525">
                     <a:solidFill>
                       <a:srgbClr val="000000"/>
                     </a:solidFill>
@@ -21175,7 +21171,7 @@
               </a:ln>
               <a:extLst>
                 <a:ext uri="{91240B29-F687-4f45-9708-019B960494DF}">
-                  <a14:hiddenLine xmlns:a14="http://schemas.microsoft.com/office/drawing/2010/main" xmlns="" w="9525">
+                  <a14:hiddenLine xmlns="" xmlns:a14="http://schemas.microsoft.com/office/drawing/2010/main" w="9525">
                     <a:solidFill>
                       <a:srgbClr val="000000"/>
                     </a:solidFill>
@@ -21365,7 +21361,7 @@
               </a:ln>
               <a:extLst>
                 <a:ext uri="{91240B29-F687-4f45-9708-019B960494DF}">
-                  <a14:hiddenLine xmlns:a14="http://schemas.microsoft.com/office/drawing/2010/main" xmlns="" w="9525">
+                  <a14:hiddenLine xmlns="" xmlns:a14="http://schemas.microsoft.com/office/drawing/2010/main" w="9525">
                     <a:solidFill>
                       <a:srgbClr val="000000"/>
                     </a:solidFill>
@@ -28889,7 +28885,7 @@
               </a:ln>
               <a:extLst>
                 <a:ext uri="{91240B29-F687-4f45-9708-019B960494DF}">
-                  <a14:hiddenLine xmlns:a14="http://schemas.microsoft.com/office/drawing/2010/main" xmlns="" w="9525">
+                  <a14:hiddenLine xmlns="" xmlns:a14="http://schemas.microsoft.com/office/drawing/2010/main" w="9525">
                     <a:solidFill>
                       <a:srgbClr val="000000"/>
                     </a:solidFill>
@@ -29024,7 +29020,7 @@
               </a:ln>
               <a:extLst>
                 <a:ext uri="{91240B29-F687-4f45-9708-019B960494DF}">
-                  <a14:hiddenLine xmlns:a14="http://schemas.microsoft.com/office/drawing/2010/main" xmlns="" w="9525">
+                  <a14:hiddenLine xmlns="" xmlns:a14="http://schemas.microsoft.com/office/drawing/2010/main" w="9525">
                     <a:solidFill>
                       <a:srgbClr val="000000"/>
                     </a:solidFill>
@@ -29127,7 +29123,7 @@
               </a:ln>
               <a:extLst>
                 <a:ext uri="{91240B29-F687-4f45-9708-019B960494DF}">
-                  <a14:hiddenLine xmlns:a14="http://schemas.microsoft.com/office/drawing/2010/main" xmlns="" w="9525">
+                  <a14:hiddenLine xmlns="" xmlns:a14="http://schemas.microsoft.com/office/drawing/2010/main" w="9525">
                     <a:solidFill>
                       <a:srgbClr val="000000"/>
                     </a:solidFill>
@@ -29271,7 +29267,7 @@
               </a:ln>
               <a:extLst>
                 <a:ext uri="{91240B29-F687-4f45-9708-019B960494DF}">
-                  <a14:hiddenLine xmlns:a14="http://schemas.microsoft.com/office/drawing/2010/main" xmlns="" w="9525">
+                  <a14:hiddenLine xmlns="" xmlns:a14="http://schemas.microsoft.com/office/drawing/2010/main" w="9525">
                     <a:solidFill>
                       <a:srgbClr val="000000"/>
                     </a:solidFill>
@@ -29461,7 +29457,7 @@
               </a:ln>
               <a:extLst>
                 <a:ext uri="{91240B29-F687-4f45-9708-019B960494DF}">
-                  <a14:hiddenLine xmlns:a14="http://schemas.microsoft.com/office/drawing/2010/main" xmlns="" w="9525">
+                  <a14:hiddenLine xmlns="" xmlns:a14="http://schemas.microsoft.com/office/drawing/2010/main" w="9525">
                     <a:solidFill>
                       <a:srgbClr val="000000"/>
                     </a:solidFill>
@@ -37208,7 +37204,7 @@
               </a:ln>
               <a:extLst>
                 <a:ext uri="{91240B29-F687-4f45-9708-019B960494DF}">
-                  <a14:hiddenLine xmlns:a14="http://schemas.microsoft.com/office/drawing/2010/main" xmlns="" w="9525">
+                  <a14:hiddenLine xmlns="" xmlns:a14="http://schemas.microsoft.com/office/drawing/2010/main" w="9525">
                     <a:solidFill>
                       <a:srgbClr val="000000"/>
                     </a:solidFill>
@@ -37260,7 +37256,7 @@
               </a:ln>
               <a:extLst>
                 <a:ext uri="{91240B29-F687-4f45-9708-019B960494DF}">
-                  <a14:hiddenLine xmlns:a14="http://schemas.microsoft.com/office/drawing/2010/main" xmlns="" w="9525">
+                  <a14:hiddenLine xmlns="" xmlns:a14="http://schemas.microsoft.com/office/drawing/2010/main" w="9525">
                     <a:solidFill>
                       <a:srgbClr val="000000"/>
                     </a:solidFill>
@@ -37312,7 +37308,7 @@
               </a:ln>
               <a:extLst>
                 <a:ext uri="{91240B29-F687-4f45-9708-019B960494DF}">
-                  <a14:hiddenLine xmlns:a14="http://schemas.microsoft.com/office/drawing/2010/main" xmlns="" w="9525">
+                  <a14:hiddenLine xmlns="" xmlns:a14="http://schemas.microsoft.com/office/drawing/2010/main" w="9525">
                     <a:solidFill>
                       <a:srgbClr val="000000"/>
                     </a:solidFill>
@@ -37364,7 +37360,7 @@
               </a:ln>
               <a:extLst>
                 <a:ext uri="{91240B29-F687-4f45-9708-019B960494DF}">
-                  <a14:hiddenLine xmlns:a14="http://schemas.microsoft.com/office/drawing/2010/main" xmlns="" w="9525">
+                  <a14:hiddenLine xmlns="" xmlns:a14="http://schemas.microsoft.com/office/drawing/2010/main" w="9525">
                     <a:solidFill>
                       <a:srgbClr val="000000"/>
                     </a:solidFill>
@@ -37416,7 +37412,7 @@
               </a:ln>
               <a:extLst>
                 <a:ext uri="{91240B29-F687-4f45-9708-019B960494DF}">
-                  <a14:hiddenLine xmlns:a14="http://schemas.microsoft.com/office/drawing/2010/main" xmlns="" w="9525">
+                  <a14:hiddenLine xmlns="" xmlns:a14="http://schemas.microsoft.com/office/drawing/2010/main" w="9525">
                     <a:solidFill>
                       <a:srgbClr val="000000"/>
                     </a:solidFill>
@@ -37551,7 +37547,7 @@
               </a:ln>
               <a:extLst>
                 <a:ext uri="{91240B29-F687-4f45-9708-019B960494DF}">
-                  <a14:hiddenLine xmlns:a14="http://schemas.microsoft.com/office/drawing/2010/main" xmlns="" w="9525">
+                  <a14:hiddenLine xmlns="" xmlns:a14="http://schemas.microsoft.com/office/drawing/2010/main" w="9525">
                     <a:solidFill>
                       <a:srgbClr val="000000"/>
                     </a:solidFill>
@@ -41450,7 +41446,7 @@
             </a:ln>
             <a:extLst>
               <a:ext uri="{91240B29-F687-4f45-9708-019B960494DF}">
-                <a14:hiddenLine xmlns:a14="http://schemas.microsoft.com/office/drawing/2010/main" xmlns="" w="9525">
+                <a14:hiddenLine xmlns="" xmlns:a14="http://schemas.microsoft.com/office/drawing/2010/main" w="9525">
                   <a:solidFill>
                     <a:srgbClr val="000000"/>
                   </a:solidFill>
@@ -41585,7 +41581,7 @@
             </a:ln>
             <a:extLst>
               <a:ext uri="{91240B29-F687-4f45-9708-019B960494DF}">
-                <a14:hiddenLine xmlns:a14="http://schemas.microsoft.com/office/drawing/2010/main" xmlns="" w="9525">
+                <a14:hiddenLine xmlns="" xmlns:a14="http://schemas.microsoft.com/office/drawing/2010/main" w="9525">
                   <a:solidFill>
                     <a:srgbClr val="000000"/>
                   </a:solidFill>
@@ -41688,7 +41684,7 @@
             </a:ln>
             <a:extLst>
               <a:ext uri="{91240B29-F687-4f45-9708-019B960494DF}">
-                <a14:hiddenLine xmlns:a14="http://schemas.microsoft.com/office/drawing/2010/main" xmlns="" w="9525">
+                <a14:hiddenLine xmlns="" xmlns:a14="http://schemas.microsoft.com/office/drawing/2010/main" w="9525">
                   <a:solidFill>
                     <a:srgbClr val="000000"/>
                   </a:solidFill>
@@ -41832,7 +41828,7 @@
             </a:ln>
             <a:extLst>
               <a:ext uri="{91240B29-F687-4f45-9708-019B960494DF}">
-                <a14:hiddenLine xmlns:a14="http://schemas.microsoft.com/office/drawing/2010/main" xmlns="" w="9525">
+                <a14:hiddenLine xmlns="" xmlns:a14="http://schemas.microsoft.com/office/drawing/2010/main" w="9525">
                   <a:solidFill>
                     <a:srgbClr val="000000"/>
                   </a:solidFill>
@@ -42022,7 +42018,7 @@
             </a:ln>
             <a:extLst>
               <a:ext uri="{91240B29-F687-4f45-9708-019B960494DF}">
-                <a14:hiddenLine xmlns:a14="http://schemas.microsoft.com/office/drawing/2010/main" xmlns="" w="9525">
+                <a14:hiddenLine xmlns="" xmlns:a14="http://schemas.microsoft.com/office/drawing/2010/main" w="9525">
                   <a:solidFill>
                     <a:srgbClr val="000000"/>
                   </a:solidFill>
@@ -46749,21 +46745,21 @@
 </file>
 
 <file path=customXml/item1.xml><?xml version="1.0" encoding="utf-8"?>
+<?mso-contentType ?>
+<FormTemplates xmlns="http://schemas.microsoft.com/sharepoint/v3/contenttype/forms">
+  <Display>DocumentLibraryForm</Display>
+  <Edit>DocumentLibraryForm</Edit>
+  <New>DocumentLibraryForm</New>
+</FormTemplates>
+</file>
+
+<file path=customXml/item2.xml><?xml version="1.0" encoding="utf-8"?>
 <p:properties xmlns:p="http://schemas.microsoft.com/office/2006/metadata/properties" xmlns:xsi="http://www.w3.org/2001/XMLSchema-instance" xmlns:pc="http://schemas.microsoft.com/office/infopath/2007/PartnerControls">
   <documentManagement>
     <_Version xmlns="http://schemas.microsoft.com/sharepoint/v3/fields" xsi:nil="true"/>
     <_Status xmlns="http://schemas.microsoft.com/sharepoint/v3/fields">Not Started</_Status>
   </documentManagement>
 </p:properties>
-</file>
-
-<file path=customXml/item2.xml><?xml version="1.0" encoding="utf-8"?>
-<?mso-contentType ?>
-<FormTemplates xmlns="http://schemas.microsoft.com/sharepoint/v3/contenttype/forms">
-  <Display>DocumentLibraryForm</Display>
-  <Edit>DocumentLibraryForm</Edit>
-  <New>DocumentLibraryForm</New>
-</FormTemplates>
 </file>
 
 <file path=customXml/item3.xml><?xml version="1.0" encoding="utf-8"?>
@@ -46911,6 +46907,14 @@
 </file>
 
 <file path=customXml/itemProps1.xml><?xml version="1.0" encoding="utf-8"?>
+<ds:datastoreItem xmlns:ds="http://schemas.openxmlformats.org/officeDocument/2006/customXml" ds:itemID="{87D2A1B0-FF3E-4009-940D-AED0EB70AA20}">
+  <ds:schemaRefs>
+    <ds:schemaRef ds:uri="http://schemas.microsoft.com/sharepoint/v3/contenttype/forms"/>
+  </ds:schemaRefs>
+</ds:datastoreItem>
+</file>
+
+<file path=customXml/itemProps2.xml><?xml version="1.0" encoding="utf-8"?>
 <ds:datastoreItem xmlns:ds="http://schemas.openxmlformats.org/officeDocument/2006/customXml" ds:itemID="{7B6F2769-7194-4217-93D3-3AF3A4742282}">
   <ds:schemaRefs>
     <ds:schemaRef ds:uri="http://schemas.microsoft.com/office/2006/documentManagement/types"/>
@@ -46922,14 +46926,6 @@
     <ds:schemaRef ds:uri="http://schemas.microsoft.com/sharepoint/v3/fields"/>
     <ds:schemaRef ds:uri="http://www.w3.org/XML/1998/namespace"/>
     <ds:schemaRef ds:uri="http://purl.org/dc/terms/"/>
-  </ds:schemaRefs>
-</ds:datastoreItem>
-</file>
-
-<file path=customXml/itemProps2.xml><?xml version="1.0" encoding="utf-8"?>
-<ds:datastoreItem xmlns:ds="http://schemas.openxmlformats.org/officeDocument/2006/customXml" ds:itemID="{87D2A1B0-FF3E-4009-940D-AED0EB70AA20}">
-  <ds:schemaRefs>
-    <ds:schemaRef ds:uri="http://schemas.microsoft.com/sharepoint/v3/contenttype/forms"/>
   </ds:schemaRefs>
 </ds:datastoreItem>
 </file>

--- a/Presentazione/Presentazione 26-01-2018.pptx
+++ b/Presentazione/Presentazione 26-01-2018.pptx
@@ -149,6 +149,10 @@
     </p:ext>
   </p:extLst>
 </p:presentation>
+</file>
+
+<file path=ppt/revisionInfo.xml><?xml version="1.0" encoding="utf-8"?>
+<p1510:revInfo xmlns:a="http://schemas.openxmlformats.org/drawingml/2006/main" xmlns:r="http://schemas.openxmlformats.org/officeDocument/2006/relationships" xmlns:p1510="http://schemas.microsoft.com/office/powerpoint/2015/10/main"/>
 </file>
 
 <file path=ppt/changesInfos/changesInfo1.xml><?xml version="1.0" encoding="utf-8"?>
@@ -305,7 +309,7 @@
           <pc:sldMk cId="825880097" sldId="272"/>
         </pc:sldMkLst>
         <pc:spChg chg="add">
-          <ac:chgData name="cristiano tessarolo" userId="c36b394d4ec160dc" providerId="LiveId" clId="{7AF579D0-4467-4C07-B5C6-9E169660DA9B}" dt="2018-01-24T21:38:55.862" v="402"/>
+          <ac:chgData name="cristiano tessarolo" userId="c36b394d4ec160dc" providerId="LiveId" clId="{7AF579D0-4467-4C07-B5C6-9E169660DA9B}" dt="2018-01-24T21:38:55.862" v="402" actId="1038"/>
           <ac:spMkLst>
             <pc:docMk/>
             <pc:sldMk cId="825880097" sldId="272"/>
@@ -391,7 +395,7 @@
           <pc:sldMk cId="1788027839" sldId="290"/>
         </pc:sldMkLst>
         <pc:spChg chg="del">
-          <ac:chgData name="cristiano tessarolo" userId="c36b394d4ec160dc" providerId="LiveId" clId="{7AF579D0-4467-4C07-B5C6-9E169660DA9B}" dt="2018-01-24T21:28:22.720" v="57"/>
+          <ac:chgData name="cristiano tessarolo" userId="c36b394d4ec160dc" providerId="LiveId" clId="{7AF579D0-4467-4C07-B5C6-9E169660DA9B}" dt="2018-01-24T21:28:22.720" v="57" actId="1076"/>
           <ac:spMkLst>
             <pc:docMk/>
             <pc:sldMk cId="1788027839" sldId="290"/>
@@ -399,7 +403,7 @@
           </ac:spMkLst>
         </pc:spChg>
         <pc:spChg chg="mod ord">
-          <ac:chgData name="cristiano tessarolo" userId="c36b394d4ec160dc" providerId="LiveId" clId="{7AF579D0-4467-4C07-B5C6-9E169660DA9B}" dt="2018-01-24T21:35:12.939" v="374"/>
+          <ac:chgData name="cristiano tessarolo" userId="c36b394d4ec160dc" providerId="LiveId" clId="{7AF579D0-4467-4C07-B5C6-9E169660DA9B}" dt="2018-01-24T21:35:12.939" v="374" actId="1076"/>
           <ac:spMkLst>
             <pc:docMk/>
             <pc:sldMk cId="1788027839" sldId="290"/>
@@ -407,7 +411,7 @@
           </ac:spMkLst>
         </pc:spChg>
         <pc:spChg chg="add mod">
-          <ac:chgData name="cristiano tessarolo" userId="c36b394d4ec160dc" providerId="LiveId" clId="{7AF579D0-4467-4C07-B5C6-9E169660DA9B}" dt="2018-01-24T21:35:02.118" v="372"/>
+          <ac:chgData name="cristiano tessarolo" userId="c36b394d4ec160dc" providerId="LiveId" clId="{7AF579D0-4467-4C07-B5C6-9E169660DA9B}" dt="2018-01-24T21:35:02.118" v="372" actId="1076"/>
           <ac:spMkLst>
             <pc:docMk/>
             <pc:sldMk cId="1788027839" sldId="290"/>
@@ -423,7 +427,7 @@
           </ac:picMkLst>
         </pc:picChg>
         <pc:picChg chg="del mod">
-          <ac:chgData name="cristiano tessarolo" userId="c36b394d4ec160dc" providerId="LiveId" clId="{7AF579D0-4467-4C07-B5C6-9E169660DA9B}" dt="2018-01-24T21:31:25.271" v="169"/>
+          <ac:chgData name="cristiano tessarolo" userId="c36b394d4ec160dc" providerId="LiveId" clId="{7AF579D0-4467-4C07-B5C6-9E169660DA9B}" dt="2018-01-24T21:31:25.271" v="169" actId="1076"/>
           <ac:picMkLst>
             <pc:docMk/>
             <pc:sldMk cId="1788027839" sldId="290"/>
@@ -485,7 +489,7 @@
           </ac:spMkLst>
         </pc:spChg>
         <pc:spChg chg="add">
-          <ac:chgData name="cristiano tessarolo" userId="c36b394d4ec160dc" providerId="LiveId" clId="{7AF579D0-4467-4C07-B5C6-9E169660DA9B}" dt="2018-01-24T21:37:56.910" v="386"/>
+          <ac:chgData name="cristiano tessarolo" userId="c36b394d4ec160dc" providerId="LiveId" clId="{7AF579D0-4467-4C07-B5C6-9E169660DA9B}" dt="2018-01-24T21:37:56.910" v="386" actId="27309"/>
           <ac:spMkLst>
             <pc:docMk/>
             <pc:sldMk cId="585640194" sldId="294"/>
@@ -493,7 +497,7 @@
           </ac:spMkLst>
         </pc:spChg>
         <pc:spChg chg="add">
-          <ac:chgData name="cristiano tessarolo" userId="c36b394d4ec160dc" providerId="LiveId" clId="{7AF579D0-4467-4C07-B5C6-9E169660DA9B}" dt="2018-01-24T21:37:56.910" v="386"/>
+          <ac:chgData name="cristiano tessarolo" userId="c36b394d4ec160dc" providerId="LiveId" clId="{7AF579D0-4467-4C07-B5C6-9E169660DA9B}" dt="2018-01-24T21:37:56.910" v="386" actId="27309"/>
           <ac:spMkLst>
             <pc:docMk/>
             <pc:sldMk cId="585640194" sldId="294"/>
@@ -1509,7 +1513,7 @@
           <a:p>
             <a:fld id="{2A6D5493-5935-2C4F-8AB7-04879816AC21}" type="datetimeFigureOut">
               <a:rPr kumimoji="1" lang="zh-CN" altLang="en-US" smtClean="0"/>
-              <a:t>2018/1/24</a:t>
+              <a:t>2018/1/25</a:t>
             </a:fld>
             <a:endParaRPr kumimoji="1" lang="zh-CN" altLang="en-US"/>
           </a:p>
@@ -11441,7 +11445,7 @@
               </a:ln>
               <a:extLst>
                 <a:ext uri="{91240B29-F687-4f45-9708-019B960494DF}">
-                  <a14:hiddenLine xmlns="" xmlns:a14="http://schemas.microsoft.com/office/drawing/2010/main" w="9525">
+                  <a14:hiddenLine xmlns:a14="http://schemas.microsoft.com/office/drawing/2010/main" xmlns="" w="9525">
                     <a:solidFill>
                       <a:srgbClr val="000000"/>
                     </a:solidFill>
@@ -11576,7 +11580,7 @@
               </a:ln>
               <a:extLst>
                 <a:ext uri="{91240B29-F687-4f45-9708-019B960494DF}">
-                  <a14:hiddenLine xmlns="" xmlns:a14="http://schemas.microsoft.com/office/drawing/2010/main" w="9525">
+                  <a14:hiddenLine xmlns:a14="http://schemas.microsoft.com/office/drawing/2010/main" xmlns="" w="9525">
                     <a:solidFill>
                       <a:srgbClr val="000000"/>
                     </a:solidFill>
@@ -11679,7 +11683,7 @@
               </a:ln>
               <a:extLst>
                 <a:ext uri="{91240B29-F687-4f45-9708-019B960494DF}">
-                  <a14:hiddenLine xmlns="" xmlns:a14="http://schemas.microsoft.com/office/drawing/2010/main" w="9525">
+                  <a14:hiddenLine xmlns:a14="http://schemas.microsoft.com/office/drawing/2010/main" xmlns="" w="9525">
                     <a:solidFill>
                       <a:srgbClr val="000000"/>
                     </a:solidFill>
@@ -11823,7 +11827,7 @@
               </a:ln>
               <a:extLst>
                 <a:ext uri="{91240B29-F687-4f45-9708-019B960494DF}">
-                  <a14:hiddenLine xmlns="" xmlns:a14="http://schemas.microsoft.com/office/drawing/2010/main" w="9525">
+                  <a14:hiddenLine xmlns:a14="http://schemas.microsoft.com/office/drawing/2010/main" xmlns="" w="9525">
                     <a:solidFill>
                       <a:srgbClr val="000000"/>
                     </a:solidFill>
@@ -12013,7 +12017,7 @@
               </a:ln>
               <a:extLst>
                 <a:ext uri="{91240B29-F687-4f45-9708-019B960494DF}">
-                  <a14:hiddenLine xmlns="" xmlns:a14="http://schemas.microsoft.com/office/drawing/2010/main" w="9525">
+                  <a14:hiddenLine xmlns:a14="http://schemas.microsoft.com/office/drawing/2010/main" xmlns="" w="9525">
                     <a:solidFill>
                       <a:srgbClr val="000000"/>
                     </a:solidFill>
@@ -12241,7 +12245,7 @@
               </a:ln>
               <a:extLst>
                 <a:ext uri="{91240B29-F687-4f45-9708-019B960494DF}">
-                  <a14:hiddenLine xmlns="" xmlns:a14="http://schemas.microsoft.com/office/drawing/2010/main" w="9525">
+                  <a14:hiddenLine xmlns:a14="http://schemas.microsoft.com/office/drawing/2010/main" xmlns="" w="9525">
                     <a:solidFill>
                       <a:srgbClr val="000000"/>
                     </a:solidFill>
@@ -12376,7 +12380,7 @@
               </a:ln>
               <a:extLst>
                 <a:ext uri="{91240B29-F687-4f45-9708-019B960494DF}">
-                  <a14:hiddenLine xmlns="" xmlns:a14="http://schemas.microsoft.com/office/drawing/2010/main" w="9525">
+                  <a14:hiddenLine xmlns:a14="http://schemas.microsoft.com/office/drawing/2010/main" xmlns="" w="9525">
                     <a:solidFill>
                       <a:srgbClr val="000000"/>
                     </a:solidFill>
@@ -12479,7 +12483,7 @@
               </a:ln>
               <a:extLst>
                 <a:ext uri="{91240B29-F687-4f45-9708-019B960494DF}">
-                  <a14:hiddenLine xmlns="" xmlns:a14="http://schemas.microsoft.com/office/drawing/2010/main" w="9525">
+                  <a14:hiddenLine xmlns:a14="http://schemas.microsoft.com/office/drawing/2010/main" xmlns="" w="9525">
                     <a:solidFill>
                       <a:srgbClr val="000000"/>
                     </a:solidFill>
@@ -12623,7 +12627,7 @@
               </a:ln>
               <a:extLst>
                 <a:ext uri="{91240B29-F687-4f45-9708-019B960494DF}">
-                  <a14:hiddenLine xmlns="" xmlns:a14="http://schemas.microsoft.com/office/drawing/2010/main" w="9525">
+                  <a14:hiddenLine xmlns:a14="http://schemas.microsoft.com/office/drawing/2010/main" xmlns="" w="9525">
                     <a:solidFill>
                       <a:srgbClr val="000000"/>
                     </a:solidFill>
@@ -12813,7 +12817,7 @@
               </a:ln>
               <a:extLst>
                 <a:ext uri="{91240B29-F687-4f45-9708-019B960494DF}">
-                  <a14:hiddenLine xmlns="" xmlns:a14="http://schemas.microsoft.com/office/drawing/2010/main" w="9525">
+                  <a14:hiddenLine xmlns:a14="http://schemas.microsoft.com/office/drawing/2010/main" xmlns="" w="9525">
                     <a:solidFill>
                       <a:srgbClr val="000000"/>
                     </a:solidFill>
@@ -17668,7 +17672,7 @@
                 </a:ln>
                 <a:extLst>
                   <a:ext uri="{91240B29-F687-4f45-9708-019B960494DF}">
-                    <a14:hiddenLine xmlns="" xmlns:a14="http://schemas.microsoft.com/office/drawing/2010/main" w="9525">
+                    <a14:hiddenLine xmlns:a14="http://schemas.microsoft.com/office/drawing/2010/main" xmlns="" w="9525">
                       <a:solidFill>
                         <a:srgbClr val="000000"/>
                       </a:solidFill>
@@ -17720,7 +17724,7 @@
                 </a:ln>
                 <a:extLst>
                   <a:ext uri="{91240B29-F687-4f45-9708-019B960494DF}">
-                    <a14:hiddenLine xmlns="" xmlns:a14="http://schemas.microsoft.com/office/drawing/2010/main" w="9525">
+                    <a14:hiddenLine xmlns:a14="http://schemas.microsoft.com/office/drawing/2010/main" xmlns="" w="9525">
                       <a:solidFill>
                         <a:srgbClr val="000000"/>
                       </a:solidFill>
@@ -17772,7 +17776,7 @@
                 </a:ln>
                 <a:extLst>
                   <a:ext uri="{91240B29-F687-4f45-9708-019B960494DF}">
-                    <a14:hiddenLine xmlns="" xmlns:a14="http://schemas.microsoft.com/office/drawing/2010/main" w="9525">
+                    <a14:hiddenLine xmlns:a14="http://schemas.microsoft.com/office/drawing/2010/main" xmlns="" w="9525">
                       <a:solidFill>
                         <a:srgbClr val="000000"/>
                       </a:solidFill>
@@ -17824,7 +17828,7 @@
                 </a:ln>
                 <a:extLst>
                   <a:ext uri="{91240B29-F687-4f45-9708-019B960494DF}">
-                    <a14:hiddenLine xmlns="" xmlns:a14="http://schemas.microsoft.com/office/drawing/2010/main" w="9525">
+                    <a14:hiddenLine xmlns:a14="http://schemas.microsoft.com/office/drawing/2010/main" xmlns="" w="9525">
                       <a:solidFill>
                         <a:srgbClr val="000000"/>
                       </a:solidFill>
@@ -17876,7 +17880,7 @@
                 </a:ln>
                 <a:extLst>
                   <a:ext uri="{91240B29-F687-4f45-9708-019B960494DF}">
-                    <a14:hiddenLine xmlns="" xmlns:a14="http://schemas.microsoft.com/office/drawing/2010/main" w="9525">
+                    <a14:hiddenLine xmlns:a14="http://schemas.microsoft.com/office/drawing/2010/main" xmlns="" w="9525">
                       <a:solidFill>
                         <a:srgbClr val="000000"/>
                       </a:solidFill>
@@ -18011,7 +18015,7 @@
                 </a:ln>
                 <a:extLst>
                   <a:ext uri="{91240B29-F687-4f45-9708-019B960494DF}">
-                    <a14:hiddenLine xmlns="" xmlns:a14="http://schemas.microsoft.com/office/drawing/2010/main" w="9525">
+                    <a14:hiddenLine xmlns:a14="http://schemas.microsoft.com/office/drawing/2010/main" xmlns="" w="9525">
                       <a:solidFill>
                         <a:srgbClr val="000000"/>
                       </a:solidFill>
@@ -21910,7 +21914,7 @@
               </a:ln>
               <a:extLst>
                 <a:ext uri="{91240B29-F687-4f45-9708-019B960494DF}">
-                  <a14:hiddenLine xmlns="" xmlns:a14="http://schemas.microsoft.com/office/drawing/2010/main" w="9525">
+                  <a14:hiddenLine xmlns:a14="http://schemas.microsoft.com/office/drawing/2010/main" xmlns="" w="9525">
                     <a:solidFill>
                       <a:srgbClr val="000000"/>
                     </a:solidFill>
@@ -22045,7 +22049,7 @@
               </a:ln>
               <a:extLst>
                 <a:ext uri="{91240B29-F687-4f45-9708-019B960494DF}">
-                  <a14:hiddenLine xmlns="" xmlns:a14="http://schemas.microsoft.com/office/drawing/2010/main" w="9525">
+                  <a14:hiddenLine xmlns:a14="http://schemas.microsoft.com/office/drawing/2010/main" xmlns="" w="9525">
                     <a:solidFill>
                       <a:srgbClr val="000000"/>
                     </a:solidFill>
@@ -22148,7 +22152,7 @@
               </a:ln>
               <a:extLst>
                 <a:ext uri="{91240B29-F687-4f45-9708-019B960494DF}">
-                  <a14:hiddenLine xmlns="" xmlns:a14="http://schemas.microsoft.com/office/drawing/2010/main" w="9525">
+                  <a14:hiddenLine xmlns:a14="http://schemas.microsoft.com/office/drawing/2010/main" xmlns="" w="9525">
                     <a:solidFill>
                       <a:srgbClr val="000000"/>
                     </a:solidFill>
@@ -22292,7 +22296,7 @@
               </a:ln>
               <a:extLst>
                 <a:ext uri="{91240B29-F687-4f45-9708-019B960494DF}">
-                  <a14:hiddenLine xmlns="" xmlns:a14="http://schemas.microsoft.com/office/drawing/2010/main" w="9525">
+                  <a14:hiddenLine xmlns:a14="http://schemas.microsoft.com/office/drawing/2010/main" xmlns="" w="9525">
                     <a:solidFill>
                       <a:srgbClr val="000000"/>
                     </a:solidFill>
@@ -22482,7 +22486,7 @@
               </a:ln>
               <a:extLst>
                 <a:ext uri="{91240B29-F687-4f45-9708-019B960494DF}">
-                  <a14:hiddenLine xmlns="" xmlns:a14="http://schemas.microsoft.com/office/drawing/2010/main" w="9525">
+                  <a14:hiddenLine xmlns:a14="http://schemas.microsoft.com/office/drawing/2010/main" xmlns="" w="9525">
                     <a:solidFill>
                       <a:srgbClr val="000000"/>
                     </a:solidFill>
@@ -25550,12 +25554,16 @@
             <a:graphicFrameLocks noGrp="1"/>
           </p:cNvGraphicFramePr>
           <p:nvPr>
-            <p:extLst/>
+            <p:extLst>
+              <p:ext uri="{D42A27DB-BD31-4B8C-83A1-F6EECF244321}">
+                <p14:modId xmlns:p14="http://schemas.microsoft.com/office/powerpoint/2010/main" val="2028247183"/>
+              </p:ext>
+            </p:extLst>
           </p:nvPr>
         </p:nvGraphicFramePr>
         <p:xfrm>
-          <a:off x="1624758" y="2538663"/>
-          <a:ext cx="7108710" cy="3606800"/>
+          <a:off x="1624758" y="2165797"/>
+          <a:ext cx="7108710" cy="3977640"/>
         </p:xfrm>
         <a:graphic>
           <a:graphicData uri="http://schemas.openxmlformats.org/drawingml/2006/table">
@@ -25795,7 +25803,7 @@
                       <a:pPr algn="ctr"/>
                       <a:r>
                         <a:rPr lang="it-IT" dirty="0"/>
-                        <a:t>16</a:t>
+                        <a:t>17</a:t>
                       </a:r>
                     </a:p>
                   </a:txBody>
@@ -25842,7 +25850,7 @@
                       <a:pPr algn="ctr"/>
                       <a:r>
                         <a:rPr lang="it-IT" dirty="0"/>
-                        <a:t>21</a:t>
+                        <a:t>22</a:t>
                       </a:r>
                     </a:p>
                   </a:txBody>
@@ -26010,7 +26018,10 @@
                     <a:lstStyle/>
                     <a:p>
                       <a:pPr algn="ctr"/>
-                      <a:endParaRPr lang="it-IT" dirty="0"/>
+                      <a:r>
+                        <a:rPr lang="it-IT" dirty="0"/>
+                        <a:t>2</a:t>
+                      </a:r>
                     </a:p>
                   </a:txBody>
                   <a:tcPr anchor="ctr"/>
@@ -26059,7 +26070,7 @@
                       <a:pPr algn="ctr"/>
                       <a:r>
                         <a:rPr lang="it-IT" dirty="0"/>
-                        <a:t>21</a:t>
+                        <a:t>23</a:t>
                       </a:r>
                     </a:p>
                   </a:txBody>
@@ -26110,7 +26121,7 @@
                       <a:pPr algn="ctr"/>
                       <a:r>
                         <a:rPr lang="it-IT" dirty="0"/>
-                        <a:t>8</a:t>
+                        <a:t>7</a:t>
                       </a:r>
                     </a:p>
                   </a:txBody>
@@ -26124,7 +26135,7 @@
                       <a:pPr algn="ctr"/>
                       <a:r>
                         <a:rPr lang="it-IT" dirty="0"/>
-                        <a:t>6</a:t>
+                        <a:t>7</a:t>
                       </a:r>
                     </a:p>
                   </a:txBody>
@@ -26236,7 +26247,7 @@
                       <a:pPr algn="ctr"/>
                       <a:r>
                         <a:rPr lang="it-IT" dirty="0"/>
-                        <a:t>11</a:t>
+                        <a:t>13</a:t>
                       </a:r>
                     </a:p>
                   </a:txBody>
@@ -26286,7 +26297,7 @@
                       <a:pPr algn="ctr"/>
                       <a:r>
                         <a:rPr lang="it-IT" dirty="0"/>
-                        <a:t>21</a:t>
+                        <a:t>23</a:t>
                       </a:r>
                     </a:p>
                   </a:txBody>
@@ -26531,7 +26542,176 @@
                       <a:pPr algn="l"/>
                       <a:r>
                         <a:rPr lang="it-IT" dirty="0"/>
-                        <a:t>Ore totali ruolo</a:t>
+                        <a:t>Ore totali effettive</a:t>
+                      </a:r>
+                    </a:p>
+                  </a:txBody>
+                  <a:tcPr anchor="ctr">
+                    <a:solidFill>
+                      <a:schemeClr val="accent1">
+                        <a:lumMod val="60000"/>
+                        <a:lumOff val="40000"/>
+                      </a:schemeClr>
+                    </a:solidFill>
+                  </a:tcPr>
+                </a:tc>
+                <a:tc>
+                  <a:txBody>
+                    <a:bodyPr/>
+                    <a:lstStyle/>
+                    <a:p>
+                      <a:pPr algn="ctr"/>
+                      <a:r>
+                        <a:rPr lang="it-IT" dirty="0"/>
+                        <a:t>24</a:t>
+                      </a:r>
+                    </a:p>
+                  </a:txBody>
+                  <a:tcPr anchor="ctr">
+                    <a:solidFill>
+                      <a:schemeClr val="accent1">
+                        <a:lumMod val="60000"/>
+                        <a:lumOff val="40000"/>
+                      </a:schemeClr>
+                    </a:solidFill>
+                  </a:tcPr>
+                </a:tc>
+                <a:tc>
+                  <a:txBody>
+                    <a:bodyPr/>
+                    <a:lstStyle/>
+                    <a:p>
+                      <a:pPr algn="ctr"/>
+                      <a:r>
+                        <a:rPr lang="it-IT" dirty="0"/>
+                        <a:t>19</a:t>
+                      </a:r>
+                    </a:p>
+                  </a:txBody>
+                  <a:tcPr anchor="ctr">
+                    <a:solidFill>
+                      <a:schemeClr val="accent1">
+                        <a:lumMod val="60000"/>
+                        <a:lumOff val="40000"/>
+                      </a:schemeClr>
+                    </a:solidFill>
+                  </a:tcPr>
+                </a:tc>
+                <a:tc>
+                  <a:txBody>
+                    <a:bodyPr/>
+                    <a:lstStyle/>
+                    <a:p>
+                      <a:pPr algn="ctr"/>
+                      <a:r>
+                        <a:rPr lang="it-IT" dirty="0"/>
+                        <a:t>67</a:t>
+                      </a:r>
+                    </a:p>
+                  </a:txBody>
+                  <a:tcPr anchor="ctr">
+                    <a:solidFill>
+                      <a:schemeClr val="accent1">
+                        <a:lumMod val="60000"/>
+                        <a:lumOff val="40000"/>
+                      </a:schemeClr>
+                    </a:solidFill>
+                  </a:tcPr>
+                </a:tc>
+                <a:tc>
+                  <a:txBody>
+                    <a:bodyPr/>
+                    <a:lstStyle/>
+                    <a:p>
+                      <a:pPr algn="ctr"/>
+                      <a:endParaRPr lang="it-IT" dirty="0"/>
+                    </a:p>
+                  </a:txBody>
+                  <a:tcPr anchor="ctr">
+                    <a:solidFill>
+                      <a:schemeClr val="accent1">
+                        <a:lumMod val="60000"/>
+                        <a:lumOff val="40000"/>
+                      </a:schemeClr>
+                    </a:solidFill>
+                  </a:tcPr>
+                </a:tc>
+                <a:tc>
+                  <a:txBody>
+                    <a:bodyPr/>
+                    <a:lstStyle/>
+                    <a:p>
+                      <a:pPr algn="ctr"/>
+                      <a:endParaRPr lang="it-IT" dirty="0"/>
+                    </a:p>
+                  </a:txBody>
+                  <a:tcPr anchor="ctr">
+                    <a:solidFill>
+                      <a:schemeClr val="accent1">
+                        <a:lumMod val="60000"/>
+                        <a:lumOff val="40000"/>
+                      </a:schemeClr>
+                    </a:solidFill>
+                  </a:tcPr>
+                </a:tc>
+                <a:tc>
+                  <a:txBody>
+                    <a:bodyPr/>
+                    <a:lstStyle/>
+                    <a:p>
+                      <a:pPr algn="ctr"/>
+                      <a:r>
+                        <a:rPr lang="it-IT" dirty="0"/>
+                        <a:t>46</a:t>
+                      </a:r>
+                    </a:p>
+                  </a:txBody>
+                  <a:tcPr anchor="ctr">
+                    <a:solidFill>
+                      <a:schemeClr val="accent1">
+                        <a:lumMod val="60000"/>
+                        <a:lumOff val="40000"/>
+                      </a:schemeClr>
+                    </a:solidFill>
+                  </a:tcPr>
+                </a:tc>
+                <a:tc>
+                  <a:txBody>
+                    <a:bodyPr/>
+                    <a:lstStyle/>
+                    <a:p>
+                      <a:pPr algn="ctr"/>
+                      <a:r>
+                        <a:rPr lang="it-IT" dirty="0"/>
+                        <a:t>156</a:t>
+                      </a:r>
+                    </a:p>
+                  </a:txBody>
+                  <a:tcPr anchor="ctr">
+                    <a:solidFill>
+                      <a:schemeClr val="accent1">
+                        <a:lumMod val="60000"/>
+                        <a:lumOff val="40000"/>
+                      </a:schemeClr>
+                    </a:solidFill>
+                  </a:tcPr>
+                </a:tc>
+                <a:extLst>
+                  <a:ext uri="{0D108BD9-81ED-4DB2-BD59-A6C34878D82A}">
+                    <a16:rowId xmlns:a16="http://schemas.microsoft.com/office/drawing/2014/main" val="10008"/>
+                  </a:ext>
+                </a:extLst>
+              </a:tr>
+              <a:tr h="370840">
+                <a:tc>
+                  <a:txBody>
+                    <a:bodyPr/>
+                    <a:lstStyle/>
+                    <a:p>
+                      <a:pPr algn="l"/>
+                      <a:r>
+                        <a:rPr lang="it-IT" dirty="0"/>
+                        <a:t>Ore totali previste</a:t>
                       </a:r>
                     </a:p>
                   </a:txBody>
@@ -26687,7 +26867,7 @@
                 </a:tc>
                 <a:extLst>
                   <a:ext uri="{0D108BD9-81ED-4DB2-BD59-A6C34878D82A}">
-                    <a16:rowId xmlns:a16="http://schemas.microsoft.com/office/drawing/2014/main" val="10008"/>
+                    <a16:rowId xmlns:a16="http://schemas.microsoft.com/office/drawing/2014/main" val="4035107283"/>
                   </a:ext>
                 </a:extLst>
               </a:tr>
@@ -26943,34 +27123,13 @@
           <a:lstStyle/>
           <a:p>
             <a:r>
-              <a:rPr lang="it-IT" sz="3100" b="1">
+              <a:rPr lang="it-IT" sz="3100" b="1" dirty="0">
                 <a:solidFill>
                   <a:srgbClr val="3E846F"/>
                 </a:solidFill>
               </a:rPr>
-              <a:t>Analisi </a:t>
+              <a:t>Analisi dei costi per ruolo in relazione all’ingresso in RR</a:t>
             </a:r>
-            <a:r>
-              <a:rPr lang="it-IT" sz="3100" b="1" dirty="0">
-                <a:solidFill>
-                  <a:srgbClr val="3E846F"/>
-                </a:solidFill>
-              </a:rPr>
-              <a:t>nel dettaglio delle ore suddivise per ruolo per l’ingresso </a:t>
-            </a:r>
-            <a:r>
-              <a:rPr lang="it-IT" sz="3100" b="1">
-                <a:solidFill>
-                  <a:srgbClr val="3E846F"/>
-                </a:solidFill>
-              </a:rPr>
-              <a:t>in RR</a:t>
-            </a:r>
-            <a:endParaRPr lang="it-IT" sz="3100" b="1" dirty="0">
-              <a:solidFill>
-                <a:srgbClr val="3E846F"/>
-              </a:solidFill>
-            </a:endParaRPr>
           </a:p>
         </p:txBody>
       </p:sp>
@@ -27109,14 +27268,14 @@
           <p:nvPr>
             <p:extLst>
               <p:ext uri="{D42A27DB-BD31-4B8C-83A1-F6EECF244321}">
-                <p14:modId xmlns:p14="http://schemas.microsoft.com/office/powerpoint/2010/main" val="3601715244"/>
+                <p14:modId xmlns:p14="http://schemas.microsoft.com/office/powerpoint/2010/main" val="3462257258"/>
               </p:ext>
             </p:extLst>
           </p:nvPr>
         </p:nvGraphicFramePr>
         <p:xfrm>
-          <a:off x="2860387" y="3033695"/>
-          <a:ext cx="4767635" cy="2966720"/>
+          <a:off x="1721011" y="2423977"/>
+          <a:ext cx="6818224" cy="3418840"/>
         </p:xfrm>
         <a:graphic>
           <a:graphicData uri="http://schemas.openxmlformats.org/drawingml/2006/table">
@@ -27125,24 +27284,31 @@
                 <a:tableStyleId>{5C22544A-7EE6-4342-B048-85BDC9FD1C3A}</a:tableStyleId>
               </a:tblPr>
               <a:tblGrid>
-                <a:gridCol w="2695417">
+                <a:gridCol w="2965388">
                   <a:extLst>
                     <a:ext uri="{9D8B030D-6E8A-4147-A177-3AD203B41FA5}">
                       <a16:colId xmlns:a16="http://schemas.microsoft.com/office/drawing/2014/main" val="20000"/>
                     </a:ext>
                   </a:extLst>
                 </a:gridCol>
-                <a:gridCol w="642365">
+                <a:gridCol w="706704">
                   <a:extLst>
                     <a:ext uri="{9D8B030D-6E8A-4147-A177-3AD203B41FA5}">
                       <a16:colId xmlns:a16="http://schemas.microsoft.com/office/drawing/2014/main" val="20001"/>
                     </a:ext>
                   </a:extLst>
                 </a:gridCol>
-                <a:gridCol w="1429853">
+                <a:gridCol w="1573066">
                   <a:extLst>
                     <a:ext uri="{9D8B030D-6E8A-4147-A177-3AD203B41FA5}">
                       <a16:colId xmlns:a16="http://schemas.microsoft.com/office/drawing/2014/main" val="20002"/>
+                    </a:ext>
+                  </a:extLst>
+                </a:gridCol>
+                <a:gridCol w="1573066">
+                  <a:extLst>
+                    <a:ext uri="{9D8B030D-6E8A-4147-A177-3AD203B41FA5}">
+                      <a16:colId xmlns:a16="http://schemas.microsoft.com/office/drawing/2014/main" val="1907140843"/>
                     </a:ext>
                   </a:extLst>
                 </a:gridCol>
@@ -27183,8 +27349,22 @@
                     <a:p>
                       <a:pPr algn="ctr"/>
                       <a:r>
-                        <a:rPr lang="it-IT" dirty="0"/>
-                        <a:t>Costi in €</a:t>
+                        <a:rPr lang="it-IT" sz="1600" dirty="0"/>
+                        <a:t>Costi effettivi in €</a:t>
+                      </a:r>
+                    </a:p>
+                  </a:txBody>
+                  <a:tcPr anchor="ctr"/>
+                </a:tc>
+                <a:tc>
+                  <a:txBody>
+                    <a:bodyPr/>
+                    <a:lstStyle/>
+                    <a:p>
+                      <a:pPr algn="ctr"/>
+                      <a:r>
+                        <a:rPr lang="it-IT" sz="1600" dirty="0"/>
+                        <a:t>Costi preventivati in €</a:t>
                       </a:r>
                     </a:p>
                   </a:txBody>
@@ -27238,6 +27418,20 @@
                   </a:txBody>
                   <a:tcPr anchor="ctr"/>
                 </a:tc>
+                <a:tc>
+                  <a:txBody>
+                    <a:bodyPr/>
+                    <a:lstStyle/>
+                    <a:p>
+                      <a:pPr algn="r"/>
+                      <a:r>
+                        <a:rPr lang="it-IT" dirty="0"/>
+                        <a:t>720,00</a:t>
+                      </a:r>
+                    </a:p>
+                  </a:txBody>
+                  <a:tcPr anchor="ctr"/>
+                </a:tc>
                 <a:extLst>
                   <a:ext uri="{0D108BD9-81ED-4DB2-BD59-A6C34878D82A}">
                     <a16:rowId xmlns:a16="http://schemas.microsoft.com/office/drawing/2014/main" val="10001"/>
@@ -27266,7 +27460,21 @@
                       <a:pPr algn="ctr"/>
                       <a:r>
                         <a:rPr lang="it-IT" dirty="0"/>
-                        <a:t>20</a:t>
+                        <a:t>19</a:t>
+                      </a:r>
+                    </a:p>
+                  </a:txBody>
+                  <a:tcPr anchor="ctr"/>
+                </a:tc>
+                <a:tc>
+                  <a:txBody>
+                    <a:bodyPr/>
+                    <a:lstStyle/>
+                    <a:p>
+                      <a:pPr algn="r"/>
+                      <a:r>
+                        <a:rPr lang="it-IT" dirty="0"/>
+                        <a:t>380,00</a:t>
                       </a:r>
                     </a:p>
                   </a:txBody>
@@ -27314,7 +27522,21 @@
                       <a:pPr algn="ctr"/>
                       <a:r>
                         <a:rPr lang="it-IT" dirty="0"/>
-                        <a:t>61</a:t>
+                        <a:t>67</a:t>
+                      </a:r>
+                    </a:p>
+                  </a:txBody>
+                  <a:tcPr anchor="ctr"/>
+                </a:tc>
+                <a:tc>
+                  <a:txBody>
+                    <a:bodyPr/>
+                    <a:lstStyle/>
+                    <a:p>
+                      <a:pPr algn="r"/>
+                      <a:r>
+                        <a:rPr lang="it-IT" dirty="0"/>
+                        <a:t>1675,00</a:t>
                       </a:r>
                     </a:p>
                   </a:txBody>
@@ -27376,6 +27598,17 @@
                   </a:txBody>
                   <a:tcPr anchor="ctr"/>
                 </a:tc>
+                <a:tc>
+                  <a:txBody>
+                    <a:bodyPr/>
+                    <a:lstStyle/>
+                    <a:p>
+                      <a:pPr algn="r"/>
+                      <a:endParaRPr lang="it-IT" dirty="0"/>
+                    </a:p>
+                  </a:txBody>
+                  <a:tcPr anchor="ctr"/>
+                </a:tc>
                 <a:extLst>
                   <a:ext uri="{0D108BD9-81ED-4DB2-BD59-A6C34878D82A}">
                     <a16:rowId xmlns:a16="http://schemas.microsoft.com/office/drawing/2014/main" val="10004"/>
@@ -27402,6 +27635,17 @@
                     <a:lstStyle/>
                     <a:p>
                       <a:pPr algn="ctr"/>
+                      <a:endParaRPr lang="it-IT" dirty="0"/>
+                    </a:p>
+                  </a:txBody>
+                  <a:tcPr anchor="ctr"/>
+                </a:tc>
+                <a:tc>
+                  <a:txBody>
+                    <a:bodyPr/>
+                    <a:lstStyle/>
+                    <a:p>
+                      <a:pPr algn="r"/>
                       <a:endParaRPr lang="it-IT" dirty="0"/>
                     </a:p>
                   </a:txBody>
@@ -27466,6 +27710,20 @@
                   </a:txBody>
                   <a:tcPr anchor="ctr"/>
                 </a:tc>
+                <a:tc>
+                  <a:txBody>
+                    <a:bodyPr/>
+                    <a:lstStyle/>
+                    <a:p>
+                      <a:pPr algn="r"/>
+                      <a:r>
+                        <a:rPr lang="it-IT" dirty="0"/>
+                        <a:t>690,00</a:t>
+                      </a:r>
+                    </a:p>
+                  </a:txBody>
+                  <a:tcPr anchor="ctr"/>
+                </a:tc>
                 <a:extLst>
                   <a:ext uri="{0D108BD9-81ED-4DB2-BD59-A6C34878D82A}">
                     <a16:rowId xmlns:a16="http://schemas.microsoft.com/office/drawing/2014/main" val="10006"/>
@@ -27502,6 +27760,27 @@
                       <a:r>
                         <a:rPr lang="it-IT" dirty="0"/>
                         <a:t>151</a:t>
+                      </a:r>
+                    </a:p>
+                  </a:txBody>
+                  <a:tcPr anchor="ctr">
+                    <a:solidFill>
+                      <a:schemeClr val="accent1">
+                        <a:lumMod val="60000"/>
+                        <a:lumOff val="40000"/>
+                      </a:schemeClr>
+                    </a:solidFill>
+                  </a:tcPr>
+                </a:tc>
+                <a:tc>
+                  <a:txBody>
+                    <a:bodyPr/>
+                    <a:lstStyle/>
+                    <a:p>
+                      <a:pPr algn="r"/>
+                      <a:r>
+                        <a:rPr lang="it-IT" dirty="0"/>
+                        <a:t>3465,00</a:t>
                       </a:r>
                     </a:p>
                   </a:txBody>
@@ -30006,7 +30285,7 @@
               </a:ln>
               <a:extLst>
                 <a:ext uri="{91240B29-F687-4f45-9708-019B960494DF}">
-                  <a14:hiddenLine xmlns="" xmlns:a14="http://schemas.microsoft.com/office/drawing/2010/main" w="9525">
+                  <a14:hiddenLine xmlns:a14="http://schemas.microsoft.com/office/drawing/2010/main" xmlns="" w="9525">
                     <a:solidFill>
                       <a:srgbClr val="000000"/>
                     </a:solidFill>
@@ -30141,7 +30420,7 @@
               </a:ln>
               <a:extLst>
                 <a:ext uri="{91240B29-F687-4f45-9708-019B960494DF}">
-                  <a14:hiddenLine xmlns="" xmlns:a14="http://schemas.microsoft.com/office/drawing/2010/main" w="9525">
+                  <a14:hiddenLine xmlns:a14="http://schemas.microsoft.com/office/drawing/2010/main" xmlns="" w="9525">
                     <a:solidFill>
                       <a:srgbClr val="000000"/>
                     </a:solidFill>
@@ -30244,7 +30523,7 @@
               </a:ln>
               <a:extLst>
                 <a:ext uri="{91240B29-F687-4f45-9708-019B960494DF}">
-                  <a14:hiddenLine xmlns="" xmlns:a14="http://schemas.microsoft.com/office/drawing/2010/main" w="9525">
+                  <a14:hiddenLine xmlns:a14="http://schemas.microsoft.com/office/drawing/2010/main" xmlns="" w="9525">
                     <a:solidFill>
                       <a:srgbClr val="000000"/>
                     </a:solidFill>
@@ -30388,7 +30667,7 @@
               </a:ln>
               <a:extLst>
                 <a:ext uri="{91240B29-F687-4f45-9708-019B960494DF}">
-                  <a14:hiddenLine xmlns="" xmlns:a14="http://schemas.microsoft.com/office/drawing/2010/main" w="9525">
+                  <a14:hiddenLine xmlns:a14="http://schemas.microsoft.com/office/drawing/2010/main" xmlns="" w="9525">
                     <a:solidFill>
                       <a:srgbClr val="000000"/>
                     </a:solidFill>
@@ -30578,7 +30857,7 @@
               </a:ln>
               <a:extLst>
                 <a:ext uri="{91240B29-F687-4f45-9708-019B960494DF}">
-                  <a14:hiddenLine xmlns="" xmlns:a14="http://schemas.microsoft.com/office/drawing/2010/main" w="9525">
+                  <a14:hiddenLine xmlns:a14="http://schemas.microsoft.com/office/drawing/2010/main" xmlns="" w="9525">
                     <a:solidFill>
                       <a:srgbClr val="000000"/>
                     </a:solidFill>
@@ -38325,7 +38604,7 @@
               </a:ln>
               <a:extLst>
                 <a:ext uri="{91240B29-F687-4f45-9708-019B960494DF}">
-                  <a14:hiddenLine xmlns="" xmlns:a14="http://schemas.microsoft.com/office/drawing/2010/main" w="9525">
+                  <a14:hiddenLine xmlns:a14="http://schemas.microsoft.com/office/drawing/2010/main" xmlns="" w="9525">
                     <a:solidFill>
                       <a:srgbClr val="000000"/>
                     </a:solidFill>
@@ -38377,7 +38656,7 @@
               </a:ln>
               <a:extLst>
                 <a:ext uri="{91240B29-F687-4f45-9708-019B960494DF}">
-                  <a14:hiddenLine xmlns="" xmlns:a14="http://schemas.microsoft.com/office/drawing/2010/main" w="9525">
+                  <a14:hiddenLine xmlns:a14="http://schemas.microsoft.com/office/drawing/2010/main" xmlns="" w="9525">
                     <a:solidFill>
                       <a:srgbClr val="000000"/>
                     </a:solidFill>
@@ -38429,7 +38708,7 @@
               </a:ln>
               <a:extLst>
                 <a:ext uri="{91240B29-F687-4f45-9708-019B960494DF}">
-                  <a14:hiddenLine xmlns="" xmlns:a14="http://schemas.microsoft.com/office/drawing/2010/main" w="9525">
+                  <a14:hiddenLine xmlns:a14="http://schemas.microsoft.com/office/drawing/2010/main" xmlns="" w="9525">
                     <a:solidFill>
                       <a:srgbClr val="000000"/>
                     </a:solidFill>
@@ -38481,7 +38760,7 @@
               </a:ln>
               <a:extLst>
                 <a:ext uri="{91240B29-F687-4f45-9708-019B960494DF}">
-                  <a14:hiddenLine xmlns="" xmlns:a14="http://schemas.microsoft.com/office/drawing/2010/main" w="9525">
+                  <a14:hiddenLine xmlns:a14="http://schemas.microsoft.com/office/drawing/2010/main" xmlns="" w="9525">
                     <a:solidFill>
                       <a:srgbClr val="000000"/>
                     </a:solidFill>
@@ -38533,7 +38812,7 @@
               </a:ln>
               <a:extLst>
                 <a:ext uri="{91240B29-F687-4f45-9708-019B960494DF}">
-                  <a14:hiddenLine xmlns="" xmlns:a14="http://schemas.microsoft.com/office/drawing/2010/main" w="9525">
+                  <a14:hiddenLine xmlns:a14="http://schemas.microsoft.com/office/drawing/2010/main" xmlns="" w="9525">
                     <a:solidFill>
                       <a:srgbClr val="000000"/>
                     </a:solidFill>
@@ -38668,7 +38947,7 @@
               </a:ln>
               <a:extLst>
                 <a:ext uri="{91240B29-F687-4f45-9708-019B960494DF}">
-                  <a14:hiddenLine xmlns="" xmlns:a14="http://schemas.microsoft.com/office/drawing/2010/main" w="9525">
+                  <a14:hiddenLine xmlns:a14="http://schemas.microsoft.com/office/drawing/2010/main" xmlns="" w="9525">
                     <a:solidFill>
                       <a:srgbClr val="000000"/>
                     </a:solidFill>
@@ -42567,7 +42846,7 @@
             </a:ln>
             <a:extLst>
               <a:ext uri="{91240B29-F687-4f45-9708-019B960494DF}">
-                <a14:hiddenLine xmlns="" xmlns:a14="http://schemas.microsoft.com/office/drawing/2010/main" w="9525">
+                <a14:hiddenLine xmlns:a14="http://schemas.microsoft.com/office/drawing/2010/main" xmlns="" w="9525">
                   <a:solidFill>
                     <a:srgbClr val="000000"/>
                   </a:solidFill>
@@ -42702,7 +42981,7 @@
             </a:ln>
             <a:extLst>
               <a:ext uri="{91240B29-F687-4f45-9708-019B960494DF}">
-                <a14:hiddenLine xmlns="" xmlns:a14="http://schemas.microsoft.com/office/drawing/2010/main" w="9525">
+                <a14:hiddenLine xmlns:a14="http://schemas.microsoft.com/office/drawing/2010/main" xmlns="" w="9525">
                   <a:solidFill>
                     <a:srgbClr val="000000"/>
                   </a:solidFill>
@@ -42805,7 +43084,7 @@
             </a:ln>
             <a:extLst>
               <a:ext uri="{91240B29-F687-4f45-9708-019B960494DF}">
-                <a14:hiddenLine xmlns="" xmlns:a14="http://schemas.microsoft.com/office/drawing/2010/main" w="9525">
+                <a14:hiddenLine xmlns:a14="http://schemas.microsoft.com/office/drawing/2010/main" xmlns="" w="9525">
                   <a:solidFill>
                     <a:srgbClr val="000000"/>
                   </a:solidFill>
@@ -42949,7 +43228,7 @@
             </a:ln>
             <a:extLst>
               <a:ext uri="{91240B29-F687-4f45-9708-019B960494DF}">
-                <a14:hiddenLine xmlns="" xmlns:a14="http://schemas.microsoft.com/office/drawing/2010/main" w="9525">
+                <a14:hiddenLine xmlns:a14="http://schemas.microsoft.com/office/drawing/2010/main" xmlns="" w="9525">
                   <a:solidFill>
                     <a:srgbClr val="000000"/>
                   </a:solidFill>
@@ -43139,7 +43418,7 @@
             </a:ln>
             <a:extLst>
               <a:ext uri="{91240B29-F687-4f45-9708-019B960494DF}">
-                <a14:hiddenLine xmlns="" xmlns:a14="http://schemas.microsoft.com/office/drawing/2010/main" w="9525">
+                <a14:hiddenLine xmlns:a14="http://schemas.microsoft.com/office/drawing/2010/main" xmlns="" w="9525">
                   <a:solidFill>
                     <a:srgbClr val="000000"/>
                   </a:solidFill>
@@ -47866,15 +48145,6 @@
 </file>
 
 <file path=customXml/item1.xml><?xml version="1.0" encoding="utf-8"?>
-<p:properties xmlns:p="http://schemas.microsoft.com/office/2006/metadata/properties" xmlns:xsi="http://www.w3.org/2001/XMLSchema-instance" xmlns:pc="http://schemas.microsoft.com/office/infopath/2007/PartnerControls">
-  <documentManagement>
-    <_Version xmlns="http://schemas.microsoft.com/sharepoint/v3/fields" xsi:nil="true"/>
-    <_Status xmlns="http://schemas.microsoft.com/sharepoint/v3/fields">Not Started</_Status>
-  </documentManagement>
-</p:properties>
-</file>
-
-<file path=customXml/item2.xml><?xml version="1.0" encoding="utf-8"?>
 <ct:contentTypeSchema xmlns:ct="http://schemas.microsoft.com/office/2006/metadata/contentType" xmlns:ma="http://schemas.microsoft.com/office/2006/metadata/properties/metaAttributes" ct:_="" ma:_="" ma:contentTypeName="Document" ma:contentTypeID="0x0101000DE64AEEDD9B7A4D93545ACBE97D4615" ma:contentTypeVersion="2" ma:contentTypeDescription="Create a new document." ma:contentTypeScope="" ma:versionID="f49002b78e3a4a71b814eef46a983816">
   <xsd:schema xmlns:xsd="http://www.w3.org/2001/XMLSchema" xmlns:xs="http://www.w3.org/2001/XMLSchema" xmlns:p="http://schemas.microsoft.com/office/2006/metadata/properties" xmlns:ns2="http://schemas.microsoft.com/sharepoint/v3/fields" targetNamespace="http://schemas.microsoft.com/office/2006/metadata/properties" ma:root="true" ma:fieldsID="38f6db2dd0d9a0cf6a8dc37be32b365b" ns2:_="">
     <xsd:import namespace="http://schemas.microsoft.com/sharepoint/v3/fields"/>
@@ -48018,6 +48288,15 @@
 </ct:contentTypeSchema>
 </file>
 
+<file path=customXml/item2.xml><?xml version="1.0" encoding="utf-8"?>
+<p:properties xmlns:p="http://schemas.microsoft.com/office/2006/metadata/properties" xmlns:xsi="http://www.w3.org/2001/XMLSchema-instance" xmlns:pc="http://schemas.microsoft.com/office/infopath/2007/PartnerControls">
+  <documentManagement>
+    <_Version xmlns="http://schemas.microsoft.com/sharepoint/v3/fields" xsi:nil="true"/>
+    <_Status xmlns="http://schemas.microsoft.com/sharepoint/v3/fields">Not Started</_Status>
+  </documentManagement>
+</p:properties>
+</file>
+
 <file path=customXml/item3.xml><?xml version="1.0" encoding="utf-8"?>
 <?mso-contentType ?>
 <FormTemplates xmlns="http://schemas.microsoft.com/sharepoint/v3/contenttype/forms">
@@ -48028,22 +48307,6 @@
 </file>
 
 <file path=customXml/itemProps1.xml><?xml version="1.0" encoding="utf-8"?>
-<ds:datastoreItem xmlns:ds="http://schemas.openxmlformats.org/officeDocument/2006/customXml" ds:itemID="{7B6F2769-7194-4217-93D3-3AF3A4742282}">
-  <ds:schemaRefs>
-    <ds:schemaRef ds:uri="http://schemas.microsoft.com/office/2006/documentManagement/types"/>
-    <ds:schemaRef ds:uri="http://schemas.openxmlformats.org/package/2006/metadata/core-properties"/>
-    <ds:schemaRef ds:uri="http://purl.org/dc/dcmitype/"/>
-    <ds:schemaRef ds:uri="http://schemas.microsoft.com/office/infopath/2007/PartnerControls"/>
-    <ds:schemaRef ds:uri="http://purl.org/dc/elements/1.1/"/>
-    <ds:schemaRef ds:uri="http://schemas.microsoft.com/office/2006/metadata/properties"/>
-    <ds:schemaRef ds:uri="http://schemas.microsoft.com/sharepoint/v3/fields"/>
-    <ds:schemaRef ds:uri="http://www.w3.org/XML/1998/namespace"/>
-    <ds:schemaRef ds:uri="http://purl.org/dc/terms/"/>
-  </ds:schemaRefs>
-</ds:datastoreItem>
-</file>
-
-<file path=customXml/itemProps2.xml><?xml version="1.0" encoding="utf-8"?>
 <ds:datastoreItem xmlns:ds="http://schemas.openxmlformats.org/officeDocument/2006/customXml" ds:itemID="{E4214858-785C-42F7-BE66-6D0E79395FC8}">
   <ds:schemaRefs>
     <ds:schemaRef ds:uri="http://schemas.microsoft.com/office/2006/metadata/contentType"/>
@@ -48061,6 +48324,22 @@
 </ds:datastoreItem>
 </file>
 
+<file path=customXml/itemProps2.xml><?xml version="1.0" encoding="utf-8"?>
+<ds:datastoreItem xmlns:ds="http://schemas.openxmlformats.org/officeDocument/2006/customXml" ds:itemID="{7B6F2769-7194-4217-93D3-3AF3A4742282}">
+  <ds:schemaRefs>
+    <ds:schemaRef ds:uri="http://schemas.microsoft.com/office/2006/documentManagement/types"/>
+    <ds:schemaRef ds:uri="http://schemas.openxmlformats.org/package/2006/metadata/core-properties"/>
+    <ds:schemaRef ds:uri="http://purl.org/dc/dcmitype/"/>
+    <ds:schemaRef ds:uri="http://schemas.microsoft.com/office/infopath/2007/PartnerControls"/>
+    <ds:schemaRef ds:uri="http://purl.org/dc/elements/1.1/"/>
+    <ds:schemaRef ds:uri="http://schemas.microsoft.com/office/2006/metadata/properties"/>
+    <ds:schemaRef ds:uri="http://schemas.microsoft.com/sharepoint/v3/fields"/>
+    <ds:schemaRef ds:uri="http://www.w3.org/XML/1998/namespace"/>
+    <ds:schemaRef ds:uri="http://purl.org/dc/terms/"/>
+  </ds:schemaRefs>
+</ds:datastoreItem>
+</file>
+
 <file path=customXml/itemProps3.xml><?xml version="1.0" encoding="utf-8"?>
 <ds:datastoreItem xmlns:ds="http://schemas.openxmlformats.org/officeDocument/2006/customXml" ds:itemID="{87D2A1B0-FF3E-4009-940D-AED0EB70AA20}">
   <ds:schemaRefs>

--- a/Presentazione/Presentazione 26-01-2018.pptx
+++ b/Presentazione/Presentazione 26-01-2018.pptx
@@ -6231,7 +6231,7 @@
             </a:pPr>
             <a:r>
               <a:rPr lang="it-IT" sz="1800" dirty="0"/>
-              <a:t>Per permettere di tenere traccia del lavoro del team</a:t>
+              <a:t>Tracciamento del lavoro del team</a:t>
             </a:r>
           </a:p>
         </p:txBody>
@@ -6427,12 +6427,8 @@
               </a:spcBef>
             </a:pPr>
             <a:r>
-              <a:rPr lang="it-IT" sz="1800" dirty="0"/>
-              <a:t>Per </a:t>
-            </a:r>
-            <a:r>
               <a:rPr lang="it-IT" sz="1800" dirty="0" err="1"/>
-              <a:t>versionamento</a:t>
+              <a:t>Versionamento</a:t>
             </a:r>
             <a:r>
               <a:rPr lang="it-IT" sz="1800" dirty="0"/>
@@ -6673,8 +6669,8 @@
         </p:nvSpPr>
         <p:spPr>
           <a:xfrm>
-            <a:off x="1472358" y="149789"/>
-            <a:ext cx="6250615" cy="1077218"/>
+            <a:off x="1573008" y="274806"/>
+            <a:ext cx="6250615" cy="584775"/>
           </a:xfrm>
           <a:prstGeom prst="rect">
             <a:avLst/>
@@ -6703,44 +6699,12 @@
               <a:t> </a:t>
             </a:r>
             <a:r>
-              <a:rPr lang="en-US" altLang="zh-CN" sz="3200" b="1" dirty="0">
+              <a:rPr lang="it-IT" altLang="zh-CN" sz="3200" b="1" dirty="0">
                 <a:solidFill>
                   <a:srgbClr val="EE7633"/>
                 </a:solidFill>
               </a:rPr>
-              <a:t>per</a:t>
-            </a:r>
-            <a:r>
-              <a:rPr lang="zh-CN" altLang="en-US" sz="3200" b="1" dirty="0">
-                <a:solidFill>
-                  <a:srgbClr val="EE7633"/>
-                </a:solidFill>
-              </a:rPr>
-              <a:t> </a:t>
-            </a:r>
-            <a:r>
-              <a:rPr lang="en-US" altLang="zh-CN" sz="3200" b="1" dirty="0" err="1">
-                <a:solidFill>
-                  <a:srgbClr val="EE7633"/>
-                </a:solidFill>
-              </a:rPr>
-              <a:t>l’organizzazione</a:t>
-            </a:r>
-            <a:r>
-              <a:rPr lang="en-US" altLang="zh-CN" sz="3200" b="1" dirty="0">
-                <a:solidFill>
-                  <a:srgbClr val="EE7633"/>
-                </a:solidFill>
-              </a:rPr>
-              <a:t> del </a:t>
-            </a:r>
-            <a:r>
-              <a:rPr lang="en-US" altLang="zh-CN" sz="3200" b="1" dirty="0" err="1">
-                <a:solidFill>
-                  <a:srgbClr val="EE7633"/>
-                </a:solidFill>
-              </a:rPr>
-              <a:t>lavoro</a:t>
+              <a:t>e strumenti</a:t>
             </a:r>
             <a:endParaRPr lang="it-IT" sz="3200" b="1" dirty="0">
               <a:solidFill>
@@ -7361,8 +7325,8 @@
         </p:nvSpPr>
         <p:spPr>
           <a:xfrm>
-            <a:off x="5838641" y="3714586"/>
-            <a:ext cx="4895397" cy="400110"/>
+            <a:off x="5965391" y="3714586"/>
+            <a:ext cx="4768647" cy="400110"/>
           </a:xfrm>
           <a:prstGeom prst="rect">
             <a:avLst/>
@@ -9829,7 +9793,7 @@
         <p:spPr>
           <a:xfrm>
             <a:off x="1624758" y="302189"/>
-            <a:ext cx="7321534" cy="1061829"/>
+            <a:ext cx="7321534" cy="1077218"/>
           </a:xfrm>
           <a:prstGeom prst="rect">
             <a:avLst/>
@@ -9842,7 +9806,7 @@
           <a:lstStyle/>
           <a:p>
             <a:r>
-              <a:rPr lang="en-US" altLang="zh-CN" sz="3100" b="1" dirty="0" err="1">
+              <a:rPr lang="en-US" altLang="zh-CN" sz="3200" b="1" dirty="0" err="1">
                 <a:solidFill>
                   <a:srgbClr val="EE7633"/>
                 </a:solidFill>
@@ -11445,7 +11409,7 @@
               </a:ln>
               <a:extLst>
                 <a:ext uri="{91240B29-F687-4f45-9708-019B960494DF}">
-                  <a14:hiddenLine xmlns:a14="http://schemas.microsoft.com/office/drawing/2010/main" xmlns="" w="9525">
+                  <a14:hiddenLine xmlns="" xmlns:a14="http://schemas.microsoft.com/office/drawing/2010/main" w="9525">
                     <a:solidFill>
                       <a:srgbClr val="000000"/>
                     </a:solidFill>
@@ -11580,7 +11544,7 @@
               </a:ln>
               <a:extLst>
                 <a:ext uri="{91240B29-F687-4f45-9708-019B960494DF}">
-                  <a14:hiddenLine xmlns:a14="http://schemas.microsoft.com/office/drawing/2010/main" xmlns="" w="9525">
+                  <a14:hiddenLine xmlns="" xmlns:a14="http://schemas.microsoft.com/office/drawing/2010/main" w="9525">
                     <a:solidFill>
                       <a:srgbClr val="000000"/>
                     </a:solidFill>
@@ -11683,7 +11647,7 @@
               </a:ln>
               <a:extLst>
                 <a:ext uri="{91240B29-F687-4f45-9708-019B960494DF}">
-                  <a14:hiddenLine xmlns:a14="http://schemas.microsoft.com/office/drawing/2010/main" xmlns="" w="9525">
+                  <a14:hiddenLine xmlns="" xmlns:a14="http://schemas.microsoft.com/office/drawing/2010/main" w="9525">
                     <a:solidFill>
                       <a:srgbClr val="000000"/>
                     </a:solidFill>
@@ -11827,7 +11791,7 @@
               </a:ln>
               <a:extLst>
                 <a:ext uri="{91240B29-F687-4f45-9708-019B960494DF}">
-                  <a14:hiddenLine xmlns:a14="http://schemas.microsoft.com/office/drawing/2010/main" xmlns="" w="9525">
+                  <a14:hiddenLine xmlns="" xmlns:a14="http://schemas.microsoft.com/office/drawing/2010/main" w="9525">
                     <a:solidFill>
                       <a:srgbClr val="000000"/>
                     </a:solidFill>
@@ -12017,7 +11981,7 @@
               </a:ln>
               <a:extLst>
                 <a:ext uri="{91240B29-F687-4f45-9708-019B960494DF}">
-                  <a14:hiddenLine xmlns:a14="http://schemas.microsoft.com/office/drawing/2010/main" xmlns="" w="9525">
+                  <a14:hiddenLine xmlns="" xmlns:a14="http://schemas.microsoft.com/office/drawing/2010/main" w="9525">
                     <a:solidFill>
                       <a:srgbClr val="000000"/>
                     </a:solidFill>
@@ -12245,7 +12209,7 @@
               </a:ln>
               <a:extLst>
                 <a:ext uri="{91240B29-F687-4f45-9708-019B960494DF}">
-                  <a14:hiddenLine xmlns:a14="http://schemas.microsoft.com/office/drawing/2010/main" xmlns="" w="9525">
+                  <a14:hiddenLine xmlns="" xmlns:a14="http://schemas.microsoft.com/office/drawing/2010/main" w="9525">
                     <a:solidFill>
                       <a:srgbClr val="000000"/>
                     </a:solidFill>
@@ -12380,7 +12344,7 @@
               </a:ln>
               <a:extLst>
                 <a:ext uri="{91240B29-F687-4f45-9708-019B960494DF}">
-                  <a14:hiddenLine xmlns:a14="http://schemas.microsoft.com/office/drawing/2010/main" xmlns="" w="9525">
+                  <a14:hiddenLine xmlns="" xmlns:a14="http://schemas.microsoft.com/office/drawing/2010/main" w="9525">
                     <a:solidFill>
                       <a:srgbClr val="000000"/>
                     </a:solidFill>
@@ -12483,7 +12447,7 @@
               </a:ln>
               <a:extLst>
                 <a:ext uri="{91240B29-F687-4f45-9708-019B960494DF}">
-                  <a14:hiddenLine xmlns:a14="http://schemas.microsoft.com/office/drawing/2010/main" xmlns="" w="9525">
+                  <a14:hiddenLine xmlns="" xmlns:a14="http://schemas.microsoft.com/office/drawing/2010/main" w="9525">
                     <a:solidFill>
                       <a:srgbClr val="000000"/>
                     </a:solidFill>
@@ -12627,7 +12591,7 @@
               </a:ln>
               <a:extLst>
                 <a:ext uri="{91240B29-F687-4f45-9708-019B960494DF}">
-                  <a14:hiddenLine xmlns:a14="http://schemas.microsoft.com/office/drawing/2010/main" xmlns="" w="9525">
+                  <a14:hiddenLine xmlns="" xmlns:a14="http://schemas.microsoft.com/office/drawing/2010/main" w="9525">
                     <a:solidFill>
                       <a:srgbClr val="000000"/>
                     </a:solidFill>
@@ -12817,7 +12781,7 @@
               </a:ln>
               <a:extLst>
                 <a:ext uri="{91240B29-F687-4f45-9708-019B960494DF}">
-                  <a14:hiddenLine xmlns:a14="http://schemas.microsoft.com/office/drawing/2010/main" xmlns="" w="9525">
+                  <a14:hiddenLine xmlns="" xmlns:a14="http://schemas.microsoft.com/office/drawing/2010/main" w="9525">
                     <a:solidFill>
                       <a:srgbClr val="000000"/>
                     </a:solidFill>
@@ -17672,7 +17636,7 @@
                 </a:ln>
                 <a:extLst>
                   <a:ext uri="{91240B29-F687-4f45-9708-019B960494DF}">
-                    <a14:hiddenLine xmlns:a14="http://schemas.microsoft.com/office/drawing/2010/main" xmlns="" w="9525">
+                    <a14:hiddenLine xmlns="" xmlns:a14="http://schemas.microsoft.com/office/drawing/2010/main" w="9525">
                       <a:solidFill>
                         <a:srgbClr val="000000"/>
                       </a:solidFill>
@@ -17724,7 +17688,7 @@
                 </a:ln>
                 <a:extLst>
                   <a:ext uri="{91240B29-F687-4f45-9708-019B960494DF}">
-                    <a14:hiddenLine xmlns:a14="http://schemas.microsoft.com/office/drawing/2010/main" xmlns="" w="9525">
+                    <a14:hiddenLine xmlns="" xmlns:a14="http://schemas.microsoft.com/office/drawing/2010/main" w="9525">
                       <a:solidFill>
                         <a:srgbClr val="000000"/>
                       </a:solidFill>
@@ -17776,7 +17740,7 @@
                 </a:ln>
                 <a:extLst>
                   <a:ext uri="{91240B29-F687-4f45-9708-019B960494DF}">
-                    <a14:hiddenLine xmlns:a14="http://schemas.microsoft.com/office/drawing/2010/main" xmlns="" w="9525">
+                    <a14:hiddenLine xmlns="" xmlns:a14="http://schemas.microsoft.com/office/drawing/2010/main" w="9525">
                       <a:solidFill>
                         <a:srgbClr val="000000"/>
                       </a:solidFill>
@@ -17828,7 +17792,7 @@
                 </a:ln>
                 <a:extLst>
                   <a:ext uri="{91240B29-F687-4f45-9708-019B960494DF}">
-                    <a14:hiddenLine xmlns:a14="http://schemas.microsoft.com/office/drawing/2010/main" xmlns="" w="9525">
+                    <a14:hiddenLine xmlns="" xmlns:a14="http://schemas.microsoft.com/office/drawing/2010/main" w="9525">
                       <a:solidFill>
                         <a:srgbClr val="000000"/>
                       </a:solidFill>
@@ -17880,7 +17844,7 @@
                 </a:ln>
                 <a:extLst>
                   <a:ext uri="{91240B29-F687-4f45-9708-019B960494DF}">
-                    <a14:hiddenLine xmlns:a14="http://schemas.microsoft.com/office/drawing/2010/main" xmlns="" w="9525">
+                    <a14:hiddenLine xmlns="" xmlns:a14="http://schemas.microsoft.com/office/drawing/2010/main" w="9525">
                       <a:solidFill>
                         <a:srgbClr val="000000"/>
                       </a:solidFill>
@@ -18015,7 +17979,7 @@
                 </a:ln>
                 <a:extLst>
                   <a:ext uri="{91240B29-F687-4f45-9708-019B960494DF}">
-                    <a14:hiddenLine xmlns:a14="http://schemas.microsoft.com/office/drawing/2010/main" xmlns="" w="9525">
+                    <a14:hiddenLine xmlns="" xmlns:a14="http://schemas.microsoft.com/office/drawing/2010/main" w="9525">
                       <a:solidFill>
                         <a:srgbClr val="000000"/>
                       </a:solidFill>
@@ -21914,7 +21878,7 @@
               </a:ln>
               <a:extLst>
                 <a:ext uri="{91240B29-F687-4f45-9708-019B960494DF}">
-                  <a14:hiddenLine xmlns:a14="http://schemas.microsoft.com/office/drawing/2010/main" xmlns="" w="9525">
+                  <a14:hiddenLine xmlns="" xmlns:a14="http://schemas.microsoft.com/office/drawing/2010/main" w="9525">
                     <a:solidFill>
                       <a:srgbClr val="000000"/>
                     </a:solidFill>
@@ -22049,7 +22013,7 @@
               </a:ln>
               <a:extLst>
                 <a:ext uri="{91240B29-F687-4f45-9708-019B960494DF}">
-                  <a14:hiddenLine xmlns:a14="http://schemas.microsoft.com/office/drawing/2010/main" xmlns="" w="9525">
+                  <a14:hiddenLine xmlns="" xmlns:a14="http://schemas.microsoft.com/office/drawing/2010/main" w="9525">
                     <a:solidFill>
                       <a:srgbClr val="000000"/>
                     </a:solidFill>
@@ -22152,7 +22116,7 @@
               </a:ln>
               <a:extLst>
                 <a:ext uri="{91240B29-F687-4f45-9708-019B960494DF}">
-                  <a14:hiddenLine xmlns:a14="http://schemas.microsoft.com/office/drawing/2010/main" xmlns="" w="9525">
+                  <a14:hiddenLine xmlns="" xmlns:a14="http://schemas.microsoft.com/office/drawing/2010/main" w="9525">
                     <a:solidFill>
                       <a:srgbClr val="000000"/>
                     </a:solidFill>
@@ -22296,7 +22260,7 @@
               </a:ln>
               <a:extLst>
                 <a:ext uri="{91240B29-F687-4f45-9708-019B960494DF}">
-                  <a14:hiddenLine xmlns:a14="http://schemas.microsoft.com/office/drawing/2010/main" xmlns="" w="9525">
+                  <a14:hiddenLine xmlns="" xmlns:a14="http://schemas.microsoft.com/office/drawing/2010/main" w="9525">
                     <a:solidFill>
                       <a:srgbClr val="000000"/>
                     </a:solidFill>
@@ -22486,7 +22450,7 @@
               </a:ln>
               <a:extLst>
                 <a:ext uri="{91240B29-F687-4f45-9708-019B960494DF}">
-                  <a14:hiddenLine xmlns:a14="http://schemas.microsoft.com/office/drawing/2010/main" xmlns="" w="9525">
+                  <a14:hiddenLine xmlns="" xmlns:a14="http://schemas.microsoft.com/office/drawing/2010/main" w="9525">
                     <a:solidFill>
                       <a:srgbClr val="000000"/>
                     </a:solidFill>
@@ -30285,7 +30249,7 @@
               </a:ln>
               <a:extLst>
                 <a:ext uri="{91240B29-F687-4f45-9708-019B960494DF}">
-                  <a14:hiddenLine xmlns:a14="http://schemas.microsoft.com/office/drawing/2010/main" xmlns="" w="9525">
+                  <a14:hiddenLine xmlns="" xmlns:a14="http://schemas.microsoft.com/office/drawing/2010/main" w="9525">
                     <a:solidFill>
                       <a:srgbClr val="000000"/>
                     </a:solidFill>
@@ -30420,7 +30384,7 @@
               </a:ln>
               <a:extLst>
                 <a:ext uri="{91240B29-F687-4f45-9708-019B960494DF}">
-                  <a14:hiddenLine xmlns:a14="http://schemas.microsoft.com/office/drawing/2010/main" xmlns="" w="9525">
+                  <a14:hiddenLine xmlns="" xmlns:a14="http://schemas.microsoft.com/office/drawing/2010/main" w="9525">
                     <a:solidFill>
                       <a:srgbClr val="000000"/>
                     </a:solidFill>
@@ -30523,7 +30487,7 @@
               </a:ln>
               <a:extLst>
                 <a:ext uri="{91240B29-F687-4f45-9708-019B960494DF}">
-                  <a14:hiddenLine xmlns:a14="http://schemas.microsoft.com/office/drawing/2010/main" xmlns="" w="9525">
+                  <a14:hiddenLine xmlns="" xmlns:a14="http://schemas.microsoft.com/office/drawing/2010/main" w="9525">
                     <a:solidFill>
                       <a:srgbClr val="000000"/>
                     </a:solidFill>
@@ -30667,7 +30631,7 @@
               </a:ln>
               <a:extLst>
                 <a:ext uri="{91240B29-F687-4f45-9708-019B960494DF}">
-                  <a14:hiddenLine xmlns:a14="http://schemas.microsoft.com/office/drawing/2010/main" xmlns="" w="9525">
+                  <a14:hiddenLine xmlns="" xmlns:a14="http://schemas.microsoft.com/office/drawing/2010/main" w="9525">
                     <a:solidFill>
                       <a:srgbClr val="000000"/>
                     </a:solidFill>
@@ -30857,7 +30821,7 @@
               </a:ln>
               <a:extLst>
                 <a:ext uri="{91240B29-F687-4f45-9708-019B960494DF}">
-                  <a14:hiddenLine xmlns:a14="http://schemas.microsoft.com/office/drawing/2010/main" xmlns="" w="9525">
+                  <a14:hiddenLine xmlns="" xmlns:a14="http://schemas.microsoft.com/office/drawing/2010/main" w="9525">
                     <a:solidFill>
                       <a:srgbClr val="000000"/>
                     </a:solidFill>
@@ -38604,7 +38568,7 @@
               </a:ln>
               <a:extLst>
                 <a:ext uri="{91240B29-F687-4f45-9708-019B960494DF}">
-                  <a14:hiddenLine xmlns:a14="http://schemas.microsoft.com/office/drawing/2010/main" xmlns="" w="9525">
+                  <a14:hiddenLine xmlns="" xmlns:a14="http://schemas.microsoft.com/office/drawing/2010/main" w="9525">
                     <a:solidFill>
                       <a:srgbClr val="000000"/>
                     </a:solidFill>
@@ -38656,7 +38620,7 @@
               </a:ln>
               <a:extLst>
                 <a:ext uri="{91240B29-F687-4f45-9708-019B960494DF}">
-                  <a14:hiddenLine xmlns:a14="http://schemas.microsoft.com/office/drawing/2010/main" xmlns="" w="9525">
+                  <a14:hiddenLine xmlns="" xmlns:a14="http://schemas.microsoft.com/office/drawing/2010/main" w="9525">
                     <a:solidFill>
                       <a:srgbClr val="000000"/>
                     </a:solidFill>
@@ -38708,7 +38672,7 @@
               </a:ln>
               <a:extLst>
                 <a:ext uri="{91240B29-F687-4f45-9708-019B960494DF}">
-                  <a14:hiddenLine xmlns:a14="http://schemas.microsoft.com/office/drawing/2010/main" xmlns="" w="9525">
+                  <a14:hiddenLine xmlns="" xmlns:a14="http://schemas.microsoft.com/office/drawing/2010/main" w="9525">
                     <a:solidFill>
                       <a:srgbClr val="000000"/>
                     </a:solidFill>
@@ -38760,7 +38724,7 @@
               </a:ln>
               <a:extLst>
                 <a:ext uri="{91240B29-F687-4f45-9708-019B960494DF}">
-                  <a14:hiddenLine xmlns:a14="http://schemas.microsoft.com/office/drawing/2010/main" xmlns="" w="9525">
+                  <a14:hiddenLine xmlns="" xmlns:a14="http://schemas.microsoft.com/office/drawing/2010/main" w="9525">
                     <a:solidFill>
                       <a:srgbClr val="000000"/>
                     </a:solidFill>
@@ -38812,7 +38776,7 @@
               </a:ln>
               <a:extLst>
                 <a:ext uri="{91240B29-F687-4f45-9708-019B960494DF}">
-                  <a14:hiddenLine xmlns:a14="http://schemas.microsoft.com/office/drawing/2010/main" xmlns="" w="9525">
+                  <a14:hiddenLine xmlns="" xmlns:a14="http://schemas.microsoft.com/office/drawing/2010/main" w="9525">
                     <a:solidFill>
                       <a:srgbClr val="000000"/>
                     </a:solidFill>
@@ -38947,7 +38911,7 @@
               </a:ln>
               <a:extLst>
                 <a:ext uri="{91240B29-F687-4f45-9708-019B960494DF}">
-                  <a14:hiddenLine xmlns:a14="http://schemas.microsoft.com/office/drawing/2010/main" xmlns="" w="9525">
+                  <a14:hiddenLine xmlns="" xmlns:a14="http://schemas.microsoft.com/office/drawing/2010/main" w="9525">
                     <a:solidFill>
                       <a:srgbClr val="000000"/>
                     </a:solidFill>
@@ -42846,7 +42810,7 @@
             </a:ln>
             <a:extLst>
               <a:ext uri="{91240B29-F687-4f45-9708-019B960494DF}">
-                <a14:hiddenLine xmlns:a14="http://schemas.microsoft.com/office/drawing/2010/main" xmlns="" w="9525">
+                <a14:hiddenLine xmlns="" xmlns:a14="http://schemas.microsoft.com/office/drawing/2010/main" w="9525">
                   <a:solidFill>
                     <a:srgbClr val="000000"/>
                   </a:solidFill>
@@ -42981,7 +42945,7 @@
             </a:ln>
             <a:extLst>
               <a:ext uri="{91240B29-F687-4f45-9708-019B960494DF}">
-                <a14:hiddenLine xmlns:a14="http://schemas.microsoft.com/office/drawing/2010/main" xmlns="" w="9525">
+                <a14:hiddenLine xmlns="" xmlns:a14="http://schemas.microsoft.com/office/drawing/2010/main" w="9525">
                   <a:solidFill>
                     <a:srgbClr val="000000"/>
                   </a:solidFill>
@@ -43084,7 +43048,7 @@
             </a:ln>
             <a:extLst>
               <a:ext uri="{91240B29-F687-4f45-9708-019B960494DF}">
-                <a14:hiddenLine xmlns:a14="http://schemas.microsoft.com/office/drawing/2010/main" xmlns="" w="9525">
+                <a14:hiddenLine xmlns="" xmlns:a14="http://schemas.microsoft.com/office/drawing/2010/main" w="9525">
                   <a:solidFill>
                     <a:srgbClr val="000000"/>
                   </a:solidFill>
@@ -43228,7 +43192,7 @@
             </a:ln>
             <a:extLst>
               <a:ext uri="{91240B29-F687-4f45-9708-019B960494DF}">
-                <a14:hiddenLine xmlns:a14="http://schemas.microsoft.com/office/drawing/2010/main" xmlns="" w="9525">
+                <a14:hiddenLine xmlns="" xmlns:a14="http://schemas.microsoft.com/office/drawing/2010/main" w="9525">
                   <a:solidFill>
                     <a:srgbClr val="000000"/>
                   </a:solidFill>
@@ -43418,7 +43382,7 @@
             </a:ln>
             <a:extLst>
               <a:ext uri="{91240B29-F687-4f45-9708-019B960494DF}">
-                <a14:hiddenLine xmlns:a14="http://schemas.microsoft.com/office/drawing/2010/main" xmlns="" w="9525">
+                <a14:hiddenLine xmlns="" xmlns:a14="http://schemas.microsoft.com/office/drawing/2010/main" w="9525">
                   <a:solidFill>
                     <a:srgbClr val="000000"/>
                   </a:solidFill>
@@ -48145,6 +48109,15 @@
 </file>
 
 <file path=customXml/item1.xml><?xml version="1.0" encoding="utf-8"?>
+<p:properties xmlns:p="http://schemas.microsoft.com/office/2006/metadata/properties" xmlns:xsi="http://www.w3.org/2001/XMLSchema-instance" xmlns:pc="http://schemas.microsoft.com/office/infopath/2007/PartnerControls">
+  <documentManagement>
+    <_Version xmlns="http://schemas.microsoft.com/sharepoint/v3/fields" xsi:nil="true"/>
+    <_Status xmlns="http://schemas.microsoft.com/sharepoint/v3/fields">Not Started</_Status>
+  </documentManagement>
+</p:properties>
+</file>
+
+<file path=customXml/item2.xml><?xml version="1.0" encoding="utf-8"?>
 <ct:contentTypeSchema xmlns:ct="http://schemas.microsoft.com/office/2006/metadata/contentType" xmlns:ma="http://schemas.microsoft.com/office/2006/metadata/properties/metaAttributes" ct:_="" ma:_="" ma:contentTypeName="Document" ma:contentTypeID="0x0101000DE64AEEDD9B7A4D93545ACBE97D4615" ma:contentTypeVersion="2" ma:contentTypeDescription="Create a new document." ma:contentTypeScope="" ma:versionID="f49002b78e3a4a71b814eef46a983816">
   <xsd:schema xmlns:xsd="http://www.w3.org/2001/XMLSchema" xmlns:xs="http://www.w3.org/2001/XMLSchema" xmlns:p="http://schemas.microsoft.com/office/2006/metadata/properties" xmlns:ns2="http://schemas.microsoft.com/sharepoint/v3/fields" targetNamespace="http://schemas.microsoft.com/office/2006/metadata/properties" ma:root="true" ma:fieldsID="38f6db2dd0d9a0cf6a8dc37be32b365b" ns2:_="">
     <xsd:import namespace="http://schemas.microsoft.com/sharepoint/v3/fields"/>
@@ -48288,15 +48261,6 @@
 </ct:contentTypeSchema>
 </file>
 
-<file path=customXml/item2.xml><?xml version="1.0" encoding="utf-8"?>
-<p:properties xmlns:p="http://schemas.microsoft.com/office/2006/metadata/properties" xmlns:xsi="http://www.w3.org/2001/XMLSchema-instance" xmlns:pc="http://schemas.microsoft.com/office/infopath/2007/PartnerControls">
-  <documentManagement>
-    <_Version xmlns="http://schemas.microsoft.com/sharepoint/v3/fields" xsi:nil="true"/>
-    <_Status xmlns="http://schemas.microsoft.com/sharepoint/v3/fields">Not Started</_Status>
-  </documentManagement>
-</p:properties>
-</file>
-
 <file path=customXml/item3.xml><?xml version="1.0" encoding="utf-8"?>
 <?mso-contentType ?>
 <FormTemplates xmlns="http://schemas.microsoft.com/sharepoint/v3/contenttype/forms">
@@ -48307,6 +48271,22 @@
 </file>
 
 <file path=customXml/itemProps1.xml><?xml version="1.0" encoding="utf-8"?>
+<ds:datastoreItem xmlns:ds="http://schemas.openxmlformats.org/officeDocument/2006/customXml" ds:itemID="{7B6F2769-7194-4217-93D3-3AF3A4742282}">
+  <ds:schemaRefs>
+    <ds:schemaRef ds:uri="http://schemas.microsoft.com/office/2006/documentManagement/types"/>
+    <ds:schemaRef ds:uri="http://schemas.openxmlformats.org/package/2006/metadata/core-properties"/>
+    <ds:schemaRef ds:uri="http://purl.org/dc/dcmitype/"/>
+    <ds:schemaRef ds:uri="http://schemas.microsoft.com/office/infopath/2007/PartnerControls"/>
+    <ds:schemaRef ds:uri="http://purl.org/dc/elements/1.1/"/>
+    <ds:schemaRef ds:uri="http://schemas.microsoft.com/office/2006/metadata/properties"/>
+    <ds:schemaRef ds:uri="http://schemas.microsoft.com/sharepoint/v3/fields"/>
+    <ds:schemaRef ds:uri="http://www.w3.org/XML/1998/namespace"/>
+    <ds:schemaRef ds:uri="http://purl.org/dc/terms/"/>
+  </ds:schemaRefs>
+</ds:datastoreItem>
+</file>
+
+<file path=customXml/itemProps2.xml><?xml version="1.0" encoding="utf-8"?>
 <ds:datastoreItem xmlns:ds="http://schemas.openxmlformats.org/officeDocument/2006/customXml" ds:itemID="{E4214858-785C-42F7-BE66-6D0E79395FC8}">
   <ds:schemaRefs>
     <ds:schemaRef ds:uri="http://schemas.microsoft.com/office/2006/metadata/contentType"/>
@@ -48324,22 +48304,6 @@
 </ds:datastoreItem>
 </file>
 
-<file path=customXml/itemProps2.xml><?xml version="1.0" encoding="utf-8"?>
-<ds:datastoreItem xmlns:ds="http://schemas.openxmlformats.org/officeDocument/2006/customXml" ds:itemID="{7B6F2769-7194-4217-93D3-3AF3A4742282}">
-  <ds:schemaRefs>
-    <ds:schemaRef ds:uri="http://schemas.microsoft.com/office/2006/documentManagement/types"/>
-    <ds:schemaRef ds:uri="http://schemas.openxmlformats.org/package/2006/metadata/core-properties"/>
-    <ds:schemaRef ds:uri="http://purl.org/dc/dcmitype/"/>
-    <ds:schemaRef ds:uri="http://schemas.microsoft.com/office/infopath/2007/PartnerControls"/>
-    <ds:schemaRef ds:uri="http://purl.org/dc/elements/1.1/"/>
-    <ds:schemaRef ds:uri="http://schemas.microsoft.com/office/2006/metadata/properties"/>
-    <ds:schemaRef ds:uri="http://schemas.microsoft.com/sharepoint/v3/fields"/>
-    <ds:schemaRef ds:uri="http://www.w3.org/XML/1998/namespace"/>
-    <ds:schemaRef ds:uri="http://purl.org/dc/terms/"/>
-  </ds:schemaRefs>
-</ds:datastoreItem>
-</file>
-
 <file path=customXml/itemProps3.xml><?xml version="1.0" encoding="utf-8"?>
 <ds:datastoreItem xmlns:ds="http://schemas.openxmlformats.org/officeDocument/2006/customXml" ds:itemID="{87D2A1B0-FF3E-4009-940D-AED0EB70AA20}">
   <ds:schemaRefs>

--- a/Presentazione/Presentazione 26-01-2018.pptx
+++ b/Presentazione/Presentazione 26-01-2018.pptx
@@ -10974,8 +10974,8 @@
         </p:nvSpPr>
         <p:spPr>
           <a:xfrm>
-            <a:off x="2087668" y="1670173"/>
-            <a:ext cx="6858624" cy="4524315"/>
+            <a:off x="2087668" y="2834470"/>
+            <a:ext cx="6858624" cy="2308324"/>
           </a:xfrm>
           <a:prstGeom prst="rect">
             <a:avLst/>
@@ -10993,7 +10993,7 @@
                   <a:srgbClr val="1E1E1E"/>
                 </a:solidFill>
               </a:rPr>
-              <a:t>realizzazione di un’interfaccia grafica per </a:t>
+              <a:t>Realizzazione di un’interfaccia grafica per </a:t>
             </a:r>
             <a:r>
               <a:rPr lang="it-IT" dirty="0" err="1">
@@ -11026,115 +11026,7 @@
                   <a:srgbClr val="1E1E1E"/>
                 </a:solidFill>
               </a:rPr>
-              <a:t>possibilità di manipolare la struttura dati interna di </a:t>
-            </a:r>
-            <a:r>
-              <a:rPr lang="it-IT" dirty="0" err="1">
-                <a:solidFill>
-                  <a:srgbClr val="1E1E1E"/>
-                </a:solidFill>
-              </a:rPr>
-              <a:t>Speect</a:t>
-            </a:r>
-            <a:r>
-              <a:rPr lang="it-IT" dirty="0">
-                <a:solidFill>
-                  <a:srgbClr val="1E1E1E"/>
-                </a:solidFill>
-              </a:rPr>
-              <a:t>:</a:t>
-            </a:r>
-          </a:p>
-          <a:p>
-            <a:pPr marL="800089" lvl="1" indent="-342900">
-              <a:buFont typeface="Arial" charset="0"/>
-              <a:buChar char="•"/>
-            </a:pPr>
-            <a:r>
-              <a:rPr lang="zh-CN" altLang="en-US" dirty="0">
-                <a:solidFill>
-                  <a:srgbClr val="1E1E1E"/>
-                </a:solidFill>
-              </a:rPr>
-              <a:t>   </a:t>
-            </a:r>
-            <a:r>
-              <a:rPr lang="it-IT" dirty="0">
-                <a:solidFill>
-                  <a:srgbClr val="1E1E1E"/>
-                </a:solidFill>
-              </a:rPr>
-              <a:t>caricamento</a:t>
-            </a:r>
-          </a:p>
-          <a:p>
-            <a:pPr marL="800089" lvl="1" indent="-342900">
-              <a:buFont typeface="Arial" charset="0"/>
-              <a:buChar char="•"/>
-            </a:pPr>
-            <a:r>
-              <a:rPr lang="it-IT" dirty="0">
-                <a:solidFill>
-                  <a:srgbClr val="1E1E1E"/>
-                </a:solidFill>
-              </a:rPr>
-              <a:t> </a:t>
-            </a:r>
-            <a:r>
-              <a:rPr lang="zh-CN" altLang="en-US" dirty="0">
-                <a:solidFill>
-                  <a:srgbClr val="1E1E1E"/>
-                </a:solidFill>
-              </a:rPr>
-              <a:t>  </a:t>
-            </a:r>
-            <a:r>
-              <a:rPr lang="it-IT" dirty="0">
-                <a:solidFill>
-                  <a:srgbClr val="1E1E1E"/>
-                </a:solidFill>
-              </a:rPr>
-              <a:t>salvataggio </a:t>
-            </a:r>
-          </a:p>
-          <a:p>
-            <a:pPr marL="800089" lvl="1" indent="-342900">
-              <a:buFont typeface="Arial" charset="0"/>
-              <a:buChar char="•"/>
-            </a:pPr>
-            <a:r>
-              <a:rPr lang="zh-CN" altLang="en-US" dirty="0">
-                <a:solidFill>
-                  <a:srgbClr val="1E1E1E"/>
-                </a:solidFill>
-              </a:rPr>
-              <a:t>   </a:t>
-            </a:r>
-            <a:r>
-              <a:rPr lang="it-IT" dirty="0">
-                <a:solidFill>
-                  <a:srgbClr val="1E1E1E"/>
-                </a:solidFill>
-              </a:rPr>
-              <a:t>modifica manuale</a:t>
-            </a:r>
-          </a:p>
-          <a:p>
-            <a:pPr marL="457189" lvl="1"/>
-            <a:endParaRPr lang="it-IT" dirty="0">
-              <a:solidFill>
-                <a:srgbClr val="1E1E1E"/>
-              </a:solidFill>
-            </a:endParaRPr>
-          </a:p>
-          <a:p>
-            <a:r>
-              <a:rPr lang="it-IT" dirty="0">
-                <a:solidFill>
-                  <a:srgbClr val="1E1E1E"/>
-                </a:solidFill>
-              </a:rPr>
-              <a:t>possibilità di caricare ed eseguire manualmente singole componenti di analisi.</a:t>
+              <a:t>Documentazione relativa ad analisi dei requisiti e descrizione tecnica</a:t>
             </a:r>
           </a:p>
         </p:txBody>
@@ -11147,7 +11039,7 @@
         </p:nvCxnSpPr>
         <p:spPr>
           <a:xfrm flipH="1">
-            <a:off x="2087668" y="3039660"/>
+            <a:off x="2087668" y="4203957"/>
             <a:ext cx="4174023" cy="1"/>
           </a:xfrm>
           <a:prstGeom prst="line">
@@ -11409,7 +11301,7 @@
               </a:ln>
               <a:extLst>
                 <a:ext uri="{91240B29-F687-4f45-9708-019B960494DF}">
-                  <a14:hiddenLine xmlns="" xmlns:a14="http://schemas.microsoft.com/office/drawing/2010/main" w="9525">
+                  <a14:hiddenLine xmlns:a14="http://schemas.microsoft.com/office/drawing/2010/main" xmlns="" w="9525">
                     <a:solidFill>
                       <a:srgbClr val="000000"/>
                     </a:solidFill>
@@ -11544,7 +11436,7 @@
               </a:ln>
               <a:extLst>
                 <a:ext uri="{91240B29-F687-4f45-9708-019B960494DF}">
-                  <a14:hiddenLine xmlns="" xmlns:a14="http://schemas.microsoft.com/office/drawing/2010/main" w="9525">
+                  <a14:hiddenLine xmlns:a14="http://schemas.microsoft.com/office/drawing/2010/main" xmlns="" w="9525">
                     <a:solidFill>
                       <a:srgbClr val="000000"/>
                     </a:solidFill>
@@ -11647,7 +11539,7 @@
               </a:ln>
               <a:extLst>
                 <a:ext uri="{91240B29-F687-4f45-9708-019B960494DF}">
-                  <a14:hiddenLine xmlns="" xmlns:a14="http://schemas.microsoft.com/office/drawing/2010/main" w="9525">
+                  <a14:hiddenLine xmlns:a14="http://schemas.microsoft.com/office/drawing/2010/main" xmlns="" w="9525">
                     <a:solidFill>
                       <a:srgbClr val="000000"/>
                     </a:solidFill>
@@ -11791,7 +11683,7 @@
               </a:ln>
               <a:extLst>
                 <a:ext uri="{91240B29-F687-4f45-9708-019B960494DF}">
-                  <a14:hiddenLine xmlns="" xmlns:a14="http://schemas.microsoft.com/office/drawing/2010/main" w="9525">
+                  <a14:hiddenLine xmlns:a14="http://schemas.microsoft.com/office/drawing/2010/main" xmlns="" w="9525">
                     <a:solidFill>
                       <a:srgbClr val="000000"/>
                     </a:solidFill>
@@ -11981,7 +11873,7 @@
               </a:ln>
               <a:extLst>
                 <a:ext uri="{91240B29-F687-4f45-9708-019B960494DF}">
-                  <a14:hiddenLine xmlns="" xmlns:a14="http://schemas.microsoft.com/office/drawing/2010/main" w="9525">
+                  <a14:hiddenLine xmlns:a14="http://schemas.microsoft.com/office/drawing/2010/main" xmlns="" w="9525">
                     <a:solidFill>
                       <a:srgbClr val="000000"/>
                     </a:solidFill>
@@ -12023,7 +11915,7 @@
         </p:nvGrpSpPr>
         <p:grpSpPr>
           <a:xfrm>
-            <a:off x="1502878" y="2745166"/>
+            <a:off x="1502878" y="3909463"/>
             <a:ext cx="539137" cy="612000"/>
             <a:chOff x="182788" y="1226090"/>
             <a:chExt cx="1064103" cy="1234359"/>
@@ -12209,7 +12101,7 @@
               </a:ln>
               <a:extLst>
                 <a:ext uri="{91240B29-F687-4f45-9708-019B960494DF}">
-                  <a14:hiddenLine xmlns="" xmlns:a14="http://schemas.microsoft.com/office/drawing/2010/main" w="9525">
+                  <a14:hiddenLine xmlns:a14="http://schemas.microsoft.com/office/drawing/2010/main" xmlns="" w="9525">
                     <a:solidFill>
                       <a:srgbClr val="000000"/>
                     </a:solidFill>
@@ -12344,7 +12236,7 @@
               </a:ln>
               <a:extLst>
                 <a:ext uri="{91240B29-F687-4f45-9708-019B960494DF}">
-                  <a14:hiddenLine xmlns="" xmlns:a14="http://schemas.microsoft.com/office/drawing/2010/main" w="9525">
+                  <a14:hiddenLine xmlns:a14="http://schemas.microsoft.com/office/drawing/2010/main" xmlns="" w="9525">
                     <a:solidFill>
                       <a:srgbClr val="000000"/>
                     </a:solidFill>
@@ -12447,7 +12339,7 @@
               </a:ln>
               <a:extLst>
                 <a:ext uri="{91240B29-F687-4f45-9708-019B960494DF}">
-                  <a14:hiddenLine xmlns="" xmlns:a14="http://schemas.microsoft.com/office/drawing/2010/main" w="9525">
+                  <a14:hiddenLine xmlns:a14="http://schemas.microsoft.com/office/drawing/2010/main" xmlns="" w="9525">
                     <a:solidFill>
                       <a:srgbClr val="000000"/>
                     </a:solidFill>
@@ -12591,7 +12483,7 @@
               </a:ln>
               <a:extLst>
                 <a:ext uri="{91240B29-F687-4f45-9708-019B960494DF}">
-                  <a14:hiddenLine xmlns="" xmlns:a14="http://schemas.microsoft.com/office/drawing/2010/main" w="9525">
+                  <a14:hiddenLine xmlns:a14="http://schemas.microsoft.com/office/drawing/2010/main" xmlns="" w="9525">
                     <a:solidFill>
                       <a:srgbClr val="000000"/>
                     </a:solidFill>
@@ -12781,7 +12673,7 @@
               </a:ln>
               <a:extLst>
                 <a:ext uri="{91240B29-F687-4f45-9708-019B960494DF}">
-                  <a14:hiddenLine xmlns="" xmlns:a14="http://schemas.microsoft.com/office/drawing/2010/main" w="9525">
+                  <a14:hiddenLine xmlns:a14="http://schemas.microsoft.com/office/drawing/2010/main" xmlns="" w="9525">
                     <a:solidFill>
                       <a:srgbClr val="000000"/>
                     </a:solidFill>
@@ -17636,7 +17528,7 @@
                 </a:ln>
                 <a:extLst>
                   <a:ext uri="{91240B29-F687-4f45-9708-019B960494DF}">
-                    <a14:hiddenLine xmlns="" xmlns:a14="http://schemas.microsoft.com/office/drawing/2010/main" w="9525">
+                    <a14:hiddenLine xmlns:a14="http://schemas.microsoft.com/office/drawing/2010/main" xmlns="" w="9525">
                       <a:solidFill>
                         <a:srgbClr val="000000"/>
                       </a:solidFill>
@@ -17688,7 +17580,7 @@
                 </a:ln>
                 <a:extLst>
                   <a:ext uri="{91240B29-F687-4f45-9708-019B960494DF}">
-                    <a14:hiddenLine xmlns="" xmlns:a14="http://schemas.microsoft.com/office/drawing/2010/main" w="9525">
+                    <a14:hiddenLine xmlns:a14="http://schemas.microsoft.com/office/drawing/2010/main" xmlns="" w="9525">
                       <a:solidFill>
                         <a:srgbClr val="000000"/>
                       </a:solidFill>
@@ -17740,7 +17632,7 @@
                 </a:ln>
                 <a:extLst>
                   <a:ext uri="{91240B29-F687-4f45-9708-019B960494DF}">
-                    <a14:hiddenLine xmlns="" xmlns:a14="http://schemas.microsoft.com/office/drawing/2010/main" w="9525">
+                    <a14:hiddenLine xmlns:a14="http://schemas.microsoft.com/office/drawing/2010/main" xmlns="" w="9525">
                       <a:solidFill>
                         <a:srgbClr val="000000"/>
                       </a:solidFill>
@@ -17792,7 +17684,7 @@
                 </a:ln>
                 <a:extLst>
                   <a:ext uri="{91240B29-F687-4f45-9708-019B960494DF}">
-                    <a14:hiddenLine xmlns="" xmlns:a14="http://schemas.microsoft.com/office/drawing/2010/main" w="9525">
+                    <a14:hiddenLine xmlns:a14="http://schemas.microsoft.com/office/drawing/2010/main" xmlns="" w="9525">
                       <a:solidFill>
                         <a:srgbClr val="000000"/>
                       </a:solidFill>
@@ -17844,7 +17736,7 @@
                 </a:ln>
                 <a:extLst>
                   <a:ext uri="{91240B29-F687-4f45-9708-019B960494DF}">
-                    <a14:hiddenLine xmlns="" xmlns:a14="http://schemas.microsoft.com/office/drawing/2010/main" w="9525">
+                    <a14:hiddenLine xmlns:a14="http://schemas.microsoft.com/office/drawing/2010/main" xmlns="" w="9525">
                       <a:solidFill>
                         <a:srgbClr val="000000"/>
                       </a:solidFill>
@@ -17979,7 +17871,7 @@
                 </a:ln>
                 <a:extLst>
                   <a:ext uri="{91240B29-F687-4f45-9708-019B960494DF}">
-                    <a14:hiddenLine xmlns="" xmlns:a14="http://schemas.microsoft.com/office/drawing/2010/main" w="9525">
+                    <a14:hiddenLine xmlns:a14="http://schemas.microsoft.com/office/drawing/2010/main" xmlns="" w="9525">
                       <a:solidFill>
                         <a:srgbClr val="000000"/>
                       </a:solidFill>
@@ -21878,7 +21770,7 @@
               </a:ln>
               <a:extLst>
                 <a:ext uri="{91240B29-F687-4f45-9708-019B960494DF}">
-                  <a14:hiddenLine xmlns="" xmlns:a14="http://schemas.microsoft.com/office/drawing/2010/main" w="9525">
+                  <a14:hiddenLine xmlns:a14="http://schemas.microsoft.com/office/drawing/2010/main" xmlns="" w="9525">
                     <a:solidFill>
                       <a:srgbClr val="000000"/>
                     </a:solidFill>
@@ -22013,7 +21905,7 @@
               </a:ln>
               <a:extLst>
                 <a:ext uri="{91240B29-F687-4f45-9708-019B960494DF}">
-                  <a14:hiddenLine xmlns="" xmlns:a14="http://schemas.microsoft.com/office/drawing/2010/main" w="9525">
+                  <a14:hiddenLine xmlns:a14="http://schemas.microsoft.com/office/drawing/2010/main" xmlns="" w="9525">
                     <a:solidFill>
                       <a:srgbClr val="000000"/>
                     </a:solidFill>
@@ -22116,7 +22008,7 @@
               </a:ln>
               <a:extLst>
                 <a:ext uri="{91240B29-F687-4f45-9708-019B960494DF}">
-                  <a14:hiddenLine xmlns="" xmlns:a14="http://schemas.microsoft.com/office/drawing/2010/main" w="9525">
+                  <a14:hiddenLine xmlns:a14="http://schemas.microsoft.com/office/drawing/2010/main" xmlns="" w="9525">
                     <a:solidFill>
                       <a:srgbClr val="000000"/>
                     </a:solidFill>
@@ -22260,7 +22152,7 @@
               </a:ln>
               <a:extLst>
                 <a:ext uri="{91240B29-F687-4f45-9708-019B960494DF}">
-                  <a14:hiddenLine xmlns="" xmlns:a14="http://schemas.microsoft.com/office/drawing/2010/main" w="9525">
+                  <a14:hiddenLine xmlns:a14="http://schemas.microsoft.com/office/drawing/2010/main" xmlns="" w="9525">
                     <a:solidFill>
                       <a:srgbClr val="000000"/>
                     </a:solidFill>
@@ -22450,7 +22342,7 @@
               </a:ln>
               <a:extLst>
                 <a:ext uri="{91240B29-F687-4f45-9708-019B960494DF}">
-                  <a14:hiddenLine xmlns="" xmlns:a14="http://schemas.microsoft.com/office/drawing/2010/main" w="9525">
+                  <a14:hiddenLine xmlns:a14="http://schemas.microsoft.com/office/drawing/2010/main" xmlns="" w="9525">
                     <a:solidFill>
                       <a:srgbClr val="000000"/>
                     </a:solidFill>
@@ -30249,7 +30141,7 @@
               </a:ln>
               <a:extLst>
                 <a:ext uri="{91240B29-F687-4f45-9708-019B960494DF}">
-                  <a14:hiddenLine xmlns="" xmlns:a14="http://schemas.microsoft.com/office/drawing/2010/main" w="9525">
+                  <a14:hiddenLine xmlns:a14="http://schemas.microsoft.com/office/drawing/2010/main" xmlns="" w="9525">
                     <a:solidFill>
                       <a:srgbClr val="000000"/>
                     </a:solidFill>
@@ -30384,7 +30276,7 @@
               </a:ln>
               <a:extLst>
                 <a:ext uri="{91240B29-F687-4f45-9708-019B960494DF}">
-                  <a14:hiddenLine xmlns="" xmlns:a14="http://schemas.microsoft.com/office/drawing/2010/main" w="9525">
+                  <a14:hiddenLine xmlns:a14="http://schemas.microsoft.com/office/drawing/2010/main" xmlns="" w="9525">
                     <a:solidFill>
                       <a:srgbClr val="000000"/>
                     </a:solidFill>
@@ -30487,7 +30379,7 @@
               </a:ln>
               <a:extLst>
                 <a:ext uri="{91240B29-F687-4f45-9708-019B960494DF}">
-                  <a14:hiddenLine xmlns="" xmlns:a14="http://schemas.microsoft.com/office/drawing/2010/main" w="9525">
+                  <a14:hiddenLine xmlns:a14="http://schemas.microsoft.com/office/drawing/2010/main" xmlns="" w="9525">
                     <a:solidFill>
                       <a:srgbClr val="000000"/>
                     </a:solidFill>
@@ -30631,7 +30523,7 @@
               </a:ln>
               <a:extLst>
                 <a:ext uri="{91240B29-F687-4f45-9708-019B960494DF}">
-                  <a14:hiddenLine xmlns="" xmlns:a14="http://schemas.microsoft.com/office/drawing/2010/main" w="9525">
+                  <a14:hiddenLine xmlns:a14="http://schemas.microsoft.com/office/drawing/2010/main" xmlns="" w="9525">
                     <a:solidFill>
                       <a:srgbClr val="000000"/>
                     </a:solidFill>
@@ -30821,7 +30713,7 @@
               </a:ln>
               <a:extLst>
                 <a:ext uri="{91240B29-F687-4f45-9708-019B960494DF}">
-                  <a14:hiddenLine xmlns="" xmlns:a14="http://schemas.microsoft.com/office/drawing/2010/main" w="9525">
+                  <a14:hiddenLine xmlns:a14="http://schemas.microsoft.com/office/drawing/2010/main" xmlns="" w="9525">
                     <a:solidFill>
                       <a:srgbClr val="000000"/>
                     </a:solidFill>
@@ -38568,7 +38460,7 @@
               </a:ln>
               <a:extLst>
                 <a:ext uri="{91240B29-F687-4f45-9708-019B960494DF}">
-                  <a14:hiddenLine xmlns="" xmlns:a14="http://schemas.microsoft.com/office/drawing/2010/main" w="9525">
+                  <a14:hiddenLine xmlns:a14="http://schemas.microsoft.com/office/drawing/2010/main" xmlns="" w="9525">
                     <a:solidFill>
                       <a:srgbClr val="000000"/>
                     </a:solidFill>
@@ -38620,7 +38512,7 @@
               </a:ln>
               <a:extLst>
                 <a:ext uri="{91240B29-F687-4f45-9708-019B960494DF}">
-                  <a14:hiddenLine xmlns="" xmlns:a14="http://schemas.microsoft.com/office/drawing/2010/main" w="9525">
+                  <a14:hiddenLine xmlns:a14="http://schemas.microsoft.com/office/drawing/2010/main" xmlns="" w="9525">
                     <a:solidFill>
                       <a:srgbClr val="000000"/>
                     </a:solidFill>
@@ -38672,7 +38564,7 @@
               </a:ln>
               <a:extLst>
                 <a:ext uri="{91240B29-F687-4f45-9708-019B960494DF}">
-                  <a14:hiddenLine xmlns="" xmlns:a14="http://schemas.microsoft.com/office/drawing/2010/main" w="9525">
+                  <a14:hiddenLine xmlns:a14="http://schemas.microsoft.com/office/drawing/2010/main" xmlns="" w="9525">
                     <a:solidFill>
                       <a:srgbClr val="000000"/>
                     </a:solidFill>
@@ -38724,7 +38616,7 @@
               </a:ln>
               <a:extLst>
                 <a:ext uri="{91240B29-F687-4f45-9708-019B960494DF}">
-                  <a14:hiddenLine xmlns="" xmlns:a14="http://schemas.microsoft.com/office/drawing/2010/main" w="9525">
+                  <a14:hiddenLine xmlns:a14="http://schemas.microsoft.com/office/drawing/2010/main" xmlns="" w="9525">
                     <a:solidFill>
                       <a:srgbClr val="000000"/>
                     </a:solidFill>
@@ -38776,7 +38668,7 @@
               </a:ln>
               <a:extLst>
                 <a:ext uri="{91240B29-F687-4f45-9708-019B960494DF}">
-                  <a14:hiddenLine xmlns="" xmlns:a14="http://schemas.microsoft.com/office/drawing/2010/main" w="9525">
+                  <a14:hiddenLine xmlns:a14="http://schemas.microsoft.com/office/drawing/2010/main" xmlns="" w="9525">
                     <a:solidFill>
                       <a:srgbClr val="000000"/>
                     </a:solidFill>
@@ -38911,7 +38803,7 @@
               </a:ln>
               <a:extLst>
                 <a:ext uri="{91240B29-F687-4f45-9708-019B960494DF}">
-                  <a14:hiddenLine xmlns="" xmlns:a14="http://schemas.microsoft.com/office/drawing/2010/main" w="9525">
+                  <a14:hiddenLine xmlns:a14="http://schemas.microsoft.com/office/drawing/2010/main" xmlns="" w="9525">
                     <a:solidFill>
                       <a:srgbClr val="000000"/>
                     </a:solidFill>
@@ -42810,7 +42702,7 @@
             </a:ln>
             <a:extLst>
               <a:ext uri="{91240B29-F687-4f45-9708-019B960494DF}">
-                <a14:hiddenLine xmlns="" xmlns:a14="http://schemas.microsoft.com/office/drawing/2010/main" w="9525">
+                <a14:hiddenLine xmlns:a14="http://schemas.microsoft.com/office/drawing/2010/main" xmlns="" w="9525">
                   <a:solidFill>
                     <a:srgbClr val="000000"/>
                   </a:solidFill>
@@ -42945,7 +42837,7 @@
             </a:ln>
             <a:extLst>
               <a:ext uri="{91240B29-F687-4f45-9708-019B960494DF}">
-                <a14:hiddenLine xmlns="" xmlns:a14="http://schemas.microsoft.com/office/drawing/2010/main" w="9525">
+                <a14:hiddenLine xmlns:a14="http://schemas.microsoft.com/office/drawing/2010/main" xmlns="" w="9525">
                   <a:solidFill>
                     <a:srgbClr val="000000"/>
                   </a:solidFill>
@@ -43048,7 +42940,7 @@
             </a:ln>
             <a:extLst>
               <a:ext uri="{91240B29-F687-4f45-9708-019B960494DF}">
-                <a14:hiddenLine xmlns="" xmlns:a14="http://schemas.microsoft.com/office/drawing/2010/main" w="9525">
+                <a14:hiddenLine xmlns:a14="http://schemas.microsoft.com/office/drawing/2010/main" xmlns="" w="9525">
                   <a:solidFill>
                     <a:srgbClr val="000000"/>
                   </a:solidFill>
@@ -43192,7 +43084,7 @@
             </a:ln>
             <a:extLst>
               <a:ext uri="{91240B29-F687-4f45-9708-019B960494DF}">
-                <a14:hiddenLine xmlns="" xmlns:a14="http://schemas.microsoft.com/office/drawing/2010/main" w="9525">
+                <a14:hiddenLine xmlns:a14="http://schemas.microsoft.com/office/drawing/2010/main" xmlns="" w="9525">
                   <a:solidFill>
                     <a:srgbClr val="000000"/>
                   </a:solidFill>
@@ -43382,7 +43274,7 @@
             </a:ln>
             <a:extLst>
               <a:ext uri="{91240B29-F687-4f45-9708-019B960494DF}">
-                <a14:hiddenLine xmlns="" xmlns:a14="http://schemas.microsoft.com/office/drawing/2010/main" w="9525">
+                <a14:hiddenLine xmlns:a14="http://schemas.microsoft.com/office/drawing/2010/main" xmlns="" w="9525">
                   <a:solidFill>
                     <a:srgbClr val="000000"/>
                   </a:solidFill>
@@ -48109,15 +48001,6 @@
 </file>
 
 <file path=customXml/item1.xml><?xml version="1.0" encoding="utf-8"?>
-<p:properties xmlns:p="http://schemas.microsoft.com/office/2006/metadata/properties" xmlns:xsi="http://www.w3.org/2001/XMLSchema-instance" xmlns:pc="http://schemas.microsoft.com/office/infopath/2007/PartnerControls">
-  <documentManagement>
-    <_Version xmlns="http://schemas.microsoft.com/sharepoint/v3/fields" xsi:nil="true"/>
-    <_Status xmlns="http://schemas.microsoft.com/sharepoint/v3/fields">Not Started</_Status>
-  </documentManagement>
-</p:properties>
-</file>
-
-<file path=customXml/item2.xml><?xml version="1.0" encoding="utf-8"?>
 <ct:contentTypeSchema xmlns:ct="http://schemas.microsoft.com/office/2006/metadata/contentType" xmlns:ma="http://schemas.microsoft.com/office/2006/metadata/properties/metaAttributes" ct:_="" ma:_="" ma:contentTypeName="Document" ma:contentTypeID="0x0101000DE64AEEDD9B7A4D93545ACBE97D4615" ma:contentTypeVersion="2" ma:contentTypeDescription="Create a new document." ma:contentTypeScope="" ma:versionID="f49002b78e3a4a71b814eef46a983816">
   <xsd:schema xmlns:xsd="http://www.w3.org/2001/XMLSchema" xmlns:xs="http://www.w3.org/2001/XMLSchema" xmlns:p="http://schemas.microsoft.com/office/2006/metadata/properties" xmlns:ns2="http://schemas.microsoft.com/sharepoint/v3/fields" targetNamespace="http://schemas.microsoft.com/office/2006/metadata/properties" ma:root="true" ma:fieldsID="38f6db2dd0d9a0cf6a8dc37be32b365b" ns2:_="">
     <xsd:import namespace="http://schemas.microsoft.com/sharepoint/v3/fields"/>
@@ -48261,6 +48144,15 @@
 </ct:contentTypeSchema>
 </file>
 
+<file path=customXml/item2.xml><?xml version="1.0" encoding="utf-8"?>
+<p:properties xmlns:p="http://schemas.microsoft.com/office/2006/metadata/properties" xmlns:xsi="http://www.w3.org/2001/XMLSchema-instance" xmlns:pc="http://schemas.microsoft.com/office/infopath/2007/PartnerControls">
+  <documentManagement>
+    <_Version xmlns="http://schemas.microsoft.com/sharepoint/v3/fields" xsi:nil="true"/>
+    <_Status xmlns="http://schemas.microsoft.com/sharepoint/v3/fields">Not Started</_Status>
+  </documentManagement>
+</p:properties>
+</file>
+
 <file path=customXml/item3.xml><?xml version="1.0" encoding="utf-8"?>
 <?mso-contentType ?>
 <FormTemplates xmlns="http://schemas.microsoft.com/sharepoint/v3/contenttype/forms">
@@ -48271,22 +48163,6 @@
 </file>
 
 <file path=customXml/itemProps1.xml><?xml version="1.0" encoding="utf-8"?>
-<ds:datastoreItem xmlns:ds="http://schemas.openxmlformats.org/officeDocument/2006/customXml" ds:itemID="{7B6F2769-7194-4217-93D3-3AF3A4742282}">
-  <ds:schemaRefs>
-    <ds:schemaRef ds:uri="http://schemas.microsoft.com/office/2006/documentManagement/types"/>
-    <ds:schemaRef ds:uri="http://schemas.openxmlformats.org/package/2006/metadata/core-properties"/>
-    <ds:schemaRef ds:uri="http://purl.org/dc/dcmitype/"/>
-    <ds:schemaRef ds:uri="http://schemas.microsoft.com/office/infopath/2007/PartnerControls"/>
-    <ds:schemaRef ds:uri="http://purl.org/dc/elements/1.1/"/>
-    <ds:schemaRef ds:uri="http://schemas.microsoft.com/office/2006/metadata/properties"/>
-    <ds:schemaRef ds:uri="http://schemas.microsoft.com/sharepoint/v3/fields"/>
-    <ds:schemaRef ds:uri="http://www.w3.org/XML/1998/namespace"/>
-    <ds:schemaRef ds:uri="http://purl.org/dc/terms/"/>
-  </ds:schemaRefs>
-</ds:datastoreItem>
-</file>
-
-<file path=customXml/itemProps2.xml><?xml version="1.0" encoding="utf-8"?>
 <ds:datastoreItem xmlns:ds="http://schemas.openxmlformats.org/officeDocument/2006/customXml" ds:itemID="{E4214858-785C-42F7-BE66-6D0E79395FC8}">
   <ds:schemaRefs>
     <ds:schemaRef ds:uri="http://schemas.microsoft.com/office/2006/metadata/contentType"/>
@@ -48304,6 +48180,22 @@
 </ds:datastoreItem>
 </file>
 
+<file path=customXml/itemProps2.xml><?xml version="1.0" encoding="utf-8"?>
+<ds:datastoreItem xmlns:ds="http://schemas.openxmlformats.org/officeDocument/2006/customXml" ds:itemID="{7B6F2769-7194-4217-93D3-3AF3A4742282}">
+  <ds:schemaRefs>
+    <ds:schemaRef ds:uri="http://schemas.microsoft.com/office/2006/documentManagement/types"/>
+    <ds:schemaRef ds:uri="http://schemas.openxmlformats.org/package/2006/metadata/core-properties"/>
+    <ds:schemaRef ds:uri="http://purl.org/dc/dcmitype/"/>
+    <ds:schemaRef ds:uri="http://schemas.microsoft.com/office/infopath/2007/PartnerControls"/>
+    <ds:schemaRef ds:uri="http://purl.org/dc/elements/1.1/"/>
+    <ds:schemaRef ds:uri="http://schemas.microsoft.com/office/2006/metadata/properties"/>
+    <ds:schemaRef ds:uri="http://schemas.microsoft.com/sharepoint/v3/fields"/>
+    <ds:schemaRef ds:uri="http://www.w3.org/XML/1998/namespace"/>
+    <ds:schemaRef ds:uri="http://purl.org/dc/terms/"/>
+  </ds:schemaRefs>
+</ds:datastoreItem>
+</file>
+
 <file path=customXml/itemProps3.xml><?xml version="1.0" encoding="utf-8"?>
 <ds:datastoreItem xmlns:ds="http://schemas.openxmlformats.org/officeDocument/2006/customXml" ds:itemID="{87D2A1B0-FF3E-4009-940D-AED0EB70AA20}">
   <ds:schemaRefs>

--- a/Presentazione/Presentazione 26-01-2018.pptx
+++ b/Presentazione/Presentazione 26-01-2018.pptx
@@ -20,7 +20,7 @@
     <p:sldId id="272" r:id="rId14"/>
     <p:sldId id="298" r:id="rId15"/>
     <p:sldId id="265" r:id="rId16"/>
-    <p:sldId id="299" r:id="rId17"/>
+    <p:sldId id="313" r:id="rId17"/>
     <p:sldId id="300" r:id="rId18"/>
     <p:sldId id="301" r:id="rId19"/>
     <p:sldId id="266" r:id="rId20"/>
@@ -149,796 +149,6 @@
     </p:ext>
   </p:extLst>
 </p:presentation>
-</file>
-
-<file path=ppt/revisionInfo.xml><?xml version="1.0" encoding="utf-8"?>
-<p1510:revInfo xmlns:a="http://schemas.openxmlformats.org/drawingml/2006/main" xmlns:r="http://schemas.openxmlformats.org/officeDocument/2006/relationships" xmlns:p1510="http://schemas.microsoft.com/office/powerpoint/2015/10/main"/>
-</file>
-
-<file path=ppt/changesInfos/changesInfo1.xml><?xml version="1.0" encoding="utf-8"?>
-<pc:chgInfo xmlns:a="http://schemas.openxmlformats.org/drawingml/2006/main" xmlns:r="http://schemas.openxmlformats.org/officeDocument/2006/relationships" xmlns:ac="http://schemas.microsoft.com/office/drawing/2013/main/command" xmlns:pc="http://schemas.microsoft.com/office/powerpoint/2013/main/command">
-  <pc:docChgLst>
-    <pc:chgData name="cristiano tessarolo" userId="c36b394d4ec160dc" providerId="LiveId" clId="{7AF579D0-4467-4C07-B5C6-9E169660DA9B}"/>
-    <pc:docChg chg="undo custSel addSld delSld modSld sldOrd">
-      <pc:chgData name="cristiano tessarolo" userId="c36b394d4ec160dc" providerId="LiveId" clId="{7AF579D0-4467-4C07-B5C6-9E169660DA9B}" dt="2018-01-24T21:39:56.798" v="431"/>
-      <pc:docMkLst>
-        <pc:docMk/>
-      </pc:docMkLst>
-      <pc:sldChg chg="addSp">
-        <pc:chgData name="cristiano tessarolo" userId="c36b394d4ec160dc" providerId="LiveId" clId="{7AF579D0-4467-4C07-B5C6-9E169660DA9B}" dt="2018-01-24T21:39:56.798" v="431"/>
-        <pc:sldMkLst>
-          <pc:docMk/>
-          <pc:sldMk cId="4262530129" sldId="259"/>
-        </pc:sldMkLst>
-        <pc:spChg chg="add">
-          <ac:chgData name="cristiano tessarolo" userId="c36b394d4ec160dc" providerId="LiveId" clId="{7AF579D0-4467-4C07-B5C6-9E169660DA9B}" dt="2018-01-24T21:39:56.798" v="431"/>
-          <ac:spMkLst>
-            <pc:docMk/>
-            <pc:sldMk cId="4262530129" sldId="259"/>
-            <ac:spMk id="10" creationId="{FA827243-4C19-405D-967C-4182EC6F7DC7}"/>
-          </ac:spMkLst>
-        </pc:spChg>
-        <pc:spChg chg="add">
-          <ac:chgData name="cristiano tessarolo" userId="c36b394d4ec160dc" providerId="LiveId" clId="{7AF579D0-4467-4C07-B5C6-9E169660DA9B}" dt="2018-01-24T21:39:56.798" v="431"/>
-          <ac:spMkLst>
-            <pc:docMk/>
-            <pc:sldMk cId="4262530129" sldId="259"/>
-            <ac:spMk id="11" creationId="{54CC62D4-2D4F-4EF0-B935-7060381FD73A}"/>
-          </ac:spMkLst>
-        </pc:spChg>
-      </pc:sldChg>
-      <pc:sldChg chg="addSp">
-        <pc:chgData name="cristiano tessarolo" userId="c36b394d4ec160dc" providerId="LiveId" clId="{7AF579D0-4467-4C07-B5C6-9E169660DA9B}" dt="2018-01-24T21:38:53.203" v="401"/>
-        <pc:sldMkLst>
-          <pc:docMk/>
-          <pc:sldMk cId="3769355618" sldId="264"/>
-        </pc:sldMkLst>
-        <pc:spChg chg="add">
-          <ac:chgData name="cristiano tessarolo" userId="c36b394d4ec160dc" providerId="LiveId" clId="{7AF579D0-4467-4C07-B5C6-9E169660DA9B}" dt="2018-01-24T21:38:53.203" v="401"/>
-          <ac:spMkLst>
-            <pc:docMk/>
-            <pc:sldMk cId="3769355618" sldId="264"/>
-            <ac:spMk id="7" creationId="{8E0FA9C0-03B2-45B7-B85B-768204A9A9E2}"/>
-          </ac:spMkLst>
-        </pc:spChg>
-        <pc:spChg chg="add">
-          <ac:chgData name="cristiano tessarolo" userId="c36b394d4ec160dc" providerId="LiveId" clId="{7AF579D0-4467-4C07-B5C6-9E169660DA9B}" dt="2018-01-24T21:38:53.203" v="401"/>
-          <ac:spMkLst>
-            <pc:docMk/>
-            <pc:sldMk cId="3769355618" sldId="264"/>
-            <ac:spMk id="8" creationId="{D069E102-5C0B-4E7E-B3C9-317DF5E487E8}"/>
-          </ac:spMkLst>
-        </pc:spChg>
-      </pc:sldChg>
-      <pc:sldChg chg="addSp">
-        <pc:chgData name="cristiano tessarolo" userId="c36b394d4ec160dc" providerId="LiveId" clId="{7AF579D0-4467-4C07-B5C6-9E169660DA9B}" dt="2018-01-24T21:39:22.314" v="417"/>
-        <pc:sldMkLst>
-          <pc:docMk/>
-          <pc:sldMk cId="3377809729" sldId="265"/>
-        </pc:sldMkLst>
-        <pc:spChg chg="add">
-          <ac:chgData name="cristiano tessarolo" userId="c36b394d4ec160dc" providerId="LiveId" clId="{7AF579D0-4467-4C07-B5C6-9E169660DA9B}" dt="2018-01-24T21:39:22.314" v="417"/>
-          <ac:spMkLst>
-            <pc:docMk/>
-            <pc:sldMk cId="3377809729" sldId="265"/>
-            <ac:spMk id="6" creationId="{F4811C53-18E9-4E1F-BC09-C2A1E878D641}"/>
-          </ac:spMkLst>
-        </pc:spChg>
-        <pc:spChg chg="add">
-          <ac:chgData name="cristiano tessarolo" userId="c36b394d4ec160dc" providerId="LiveId" clId="{7AF579D0-4467-4C07-B5C6-9E169660DA9B}" dt="2018-01-24T21:39:22.314" v="417"/>
-          <ac:spMkLst>
-            <pc:docMk/>
-            <pc:sldMk cId="3377809729" sldId="265"/>
-            <ac:spMk id="7" creationId="{50287E6C-60F8-4711-9730-7EF370C18770}"/>
-          </ac:spMkLst>
-        </pc:spChg>
-      </pc:sldChg>
-      <pc:sldChg chg="addSp">
-        <pc:chgData name="cristiano tessarolo" userId="c36b394d4ec160dc" providerId="LiveId" clId="{7AF579D0-4467-4C07-B5C6-9E169660DA9B}" dt="2018-01-24T21:39:31.379" v="421"/>
-        <pc:sldMkLst>
-          <pc:docMk/>
-          <pc:sldMk cId="3249092174" sldId="266"/>
-        </pc:sldMkLst>
-        <pc:spChg chg="add">
-          <ac:chgData name="cristiano tessarolo" userId="c36b394d4ec160dc" providerId="LiveId" clId="{7AF579D0-4467-4C07-B5C6-9E169660DA9B}" dt="2018-01-24T21:39:31.379" v="421"/>
-          <ac:spMkLst>
-            <pc:docMk/>
-            <pc:sldMk cId="3249092174" sldId="266"/>
-            <ac:spMk id="5" creationId="{2A87FFD8-CCC3-45E0-91BF-802EFBA893A9}"/>
-          </ac:spMkLst>
-        </pc:spChg>
-        <pc:spChg chg="add">
-          <ac:chgData name="cristiano tessarolo" userId="c36b394d4ec160dc" providerId="LiveId" clId="{7AF579D0-4467-4C07-B5C6-9E169660DA9B}" dt="2018-01-24T21:39:31.379" v="421"/>
-          <ac:spMkLst>
-            <pc:docMk/>
-            <pc:sldMk cId="3249092174" sldId="266"/>
-            <ac:spMk id="6" creationId="{50563ADC-7238-40C1-91B6-FA96EE94FDB7}"/>
-          </ac:spMkLst>
-        </pc:spChg>
-      </pc:sldChg>
-      <pc:sldChg chg="addSp">
-        <pc:chgData name="cristiano tessarolo" userId="c36b394d4ec160dc" providerId="LiveId" clId="{7AF579D0-4467-4C07-B5C6-9E169660DA9B}" dt="2018-01-24T21:39:36.988" v="424"/>
-        <pc:sldMkLst>
-          <pc:docMk/>
-          <pc:sldMk cId="4070083652" sldId="267"/>
-        </pc:sldMkLst>
-        <pc:spChg chg="add">
-          <ac:chgData name="cristiano tessarolo" userId="c36b394d4ec160dc" providerId="LiveId" clId="{7AF579D0-4467-4C07-B5C6-9E169660DA9B}" dt="2018-01-24T21:39:36.988" v="424"/>
-          <ac:spMkLst>
-            <pc:docMk/>
-            <pc:sldMk cId="4070083652" sldId="267"/>
-            <ac:spMk id="4" creationId="{9E3BA82D-5331-47D4-AFE6-0AB554B0819B}"/>
-          </ac:spMkLst>
-        </pc:spChg>
-        <pc:spChg chg="add">
-          <ac:chgData name="cristiano tessarolo" userId="c36b394d4ec160dc" providerId="LiveId" clId="{7AF579D0-4467-4C07-B5C6-9E169660DA9B}" dt="2018-01-24T21:39:36.988" v="424"/>
-          <ac:spMkLst>
-            <pc:docMk/>
-            <pc:sldMk cId="4070083652" sldId="267"/>
-            <ac:spMk id="5" creationId="{A68F2F16-28EF-4D7F-BB78-DF83EA86A382}"/>
-          </ac:spMkLst>
-        </pc:spChg>
-      </pc:sldChg>
-      <pc:sldChg chg="addSp">
-        <pc:chgData name="cristiano tessarolo" userId="c36b394d4ec160dc" providerId="LiveId" clId="{7AF579D0-4467-4C07-B5C6-9E169660DA9B}" dt="2018-01-24T21:38:42.625" v="400"/>
-        <pc:sldMkLst>
-          <pc:docMk/>
-          <pc:sldMk cId="1840984257" sldId="271"/>
-        </pc:sldMkLst>
-        <pc:spChg chg="add">
-          <ac:chgData name="cristiano tessarolo" userId="c36b394d4ec160dc" providerId="LiveId" clId="{7AF579D0-4467-4C07-B5C6-9E169660DA9B}" dt="2018-01-24T21:38:42.625" v="400"/>
-          <ac:spMkLst>
-            <pc:docMk/>
-            <pc:sldMk cId="1840984257" sldId="271"/>
-            <ac:spMk id="73" creationId="{F06A42AC-3796-4738-9BD3-5E784390933B}"/>
-          </ac:spMkLst>
-        </pc:spChg>
-        <pc:spChg chg="add">
-          <ac:chgData name="cristiano tessarolo" userId="c36b394d4ec160dc" providerId="LiveId" clId="{7AF579D0-4467-4C07-B5C6-9E169660DA9B}" dt="2018-01-24T21:38:42.625" v="400"/>
-          <ac:spMkLst>
-            <pc:docMk/>
-            <pc:sldMk cId="1840984257" sldId="271"/>
-            <ac:spMk id="74" creationId="{58B16EDB-E9EE-45C2-8824-232000731AD5}"/>
-          </ac:spMkLst>
-        </pc:spChg>
-      </pc:sldChg>
-      <pc:sldChg chg="addSp modSp">
-        <pc:chgData name="cristiano tessarolo" userId="c36b394d4ec160dc" providerId="LiveId" clId="{7AF579D0-4467-4C07-B5C6-9E169660DA9B}" dt="2018-01-24T21:39:13.073" v="415" actId="1038"/>
-        <pc:sldMkLst>
-          <pc:docMk/>
-          <pc:sldMk cId="825880097" sldId="272"/>
-        </pc:sldMkLst>
-        <pc:spChg chg="add">
-          <ac:chgData name="cristiano tessarolo" userId="c36b394d4ec160dc" providerId="LiveId" clId="{7AF579D0-4467-4C07-B5C6-9E169660DA9B}" dt="2018-01-24T21:38:55.862" v="402" actId="1038"/>
-          <ac:spMkLst>
-            <pc:docMk/>
-            <pc:sldMk cId="825880097" sldId="272"/>
-            <ac:spMk id="10" creationId="{F0546063-D4FC-42B7-9FB3-3CF7EEE2239C}"/>
-          </ac:spMkLst>
-        </pc:spChg>
-        <pc:spChg chg="add mod">
-          <ac:chgData name="cristiano tessarolo" userId="c36b394d4ec160dc" providerId="LiveId" clId="{7AF579D0-4467-4C07-B5C6-9E169660DA9B}" dt="2018-01-24T21:39:13.073" v="415" actId="1038"/>
-          <ac:spMkLst>
-            <pc:docMk/>
-            <pc:sldMk cId="825880097" sldId="272"/>
-            <ac:spMk id="11" creationId="{4F59A709-7ECE-479B-B302-606E74E79B78}"/>
-          </ac:spMkLst>
-        </pc:spChg>
-      </pc:sldChg>
-      <pc:sldChg chg="addSp delSp modSp modAnim">
-        <pc:chgData name="cristiano tessarolo" userId="c36b394d4ec160dc" providerId="LiveId" clId="{7AF579D0-4467-4C07-B5C6-9E169660DA9B}" dt="2018-01-24T21:38:30.767" v="398"/>
-        <pc:sldMkLst>
-          <pc:docMk/>
-          <pc:sldMk cId="944744598" sldId="288"/>
-        </pc:sldMkLst>
-        <pc:spChg chg="add del">
-          <ac:chgData name="cristiano tessarolo" userId="c36b394d4ec160dc" providerId="LiveId" clId="{7AF579D0-4467-4C07-B5C6-9E169660DA9B}" dt="2018-01-24T21:38:30.014" v="397" actId="478"/>
-          <ac:spMkLst>
-            <pc:docMk/>
-            <pc:sldMk cId="944744598" sldId="288"/>
-            <ac:spMk id="30" creationId="{10BCA92A-3333-4B37-BB24-59A29AA4D48C}"/>
-          </ac:spMkLst>
-        </pc:spChg>
-        <pc:spChg chg="add del">
-          <ac:chgData name="cristiano tessarolo" userId="c36b394d4ec160dc" providerId="LiveId" clId="{7AF579D0-4467-4C07-B5C6-9E169660DA9B}" dt="2018-01-24T21:38:28.799" v="396" actId="478"/>
-          <ac:spMkLst>
-            <pc:docMk/>
-            <pc:sldMk cId="944744598" sldId="288"/>
-            <ac:spMk id="32" creationId="{DE06F405-249B-4D4E-9138-19941A0D428F}"/>
-          </ac:spMkLst>
-        </pc:spChg>
-        <pc:spChg chg="add">
-          <ac:chgData name="cristiano tessarolo" userId="c36b394d4ec160dc" providerId="LiveId" clId="{7AF579D0-4467-4C07-B5C6-9E169660DA9B}" dt="2018-01-24T21:38:30.767" v="398"/>
-          <ac:spMkLst>
-            <pc:docMk/>
-            <pc:sldMk cId="944744598" sldId="288"/>
-            <ac:spMk id="33" creationId="{21DADF2E-BE56-46F5-93AA-6CF311334060}"/>
-          </ac:spMkLst>
-        </pc:spChg>
-        <pc:spChg chg="add">
-          <ac:chgData name="cristiano tessarolo" userId="c36b394d4ec160dc" providerId="LiveId" clId="{7AF579D0-4467-4C07-B5C6-9E169660DA9B}" dt="2018-01-24T21:38:30.767" v="398"/>
-          <ac:spMkLst>
-            <pc:docMk/>
-            <pc:sldMk cId="944744598" sldId="288"/>
-            <ac:spMk id="35" creationId="{4AA8E067-8062-43A2-B816-4E48EA7B7BF2}"/>
-          </ac:spMkLst>
-        </pc:spChg>
-        <pc:spChg chg="mod">
-          <ac:chgData name="cristiano tessarolo" userId="c36b394d4ec160dc" providerId="LiveId" clId="{7AF579D0-4467-4C07-B5C6-9E169660DA9B}" dt="2018-01-23T10:42:14.957" v="34" actId="20577"/>
-          <ac:spMkLst>
-            <pc:docMk/>
-            <pc:sldMk cId="944744598" sldId="288"/>
-            <ac:spMk id="61" creationId="{00000000-0000-0000-0000-000000000000}"/>
-          </ac:spMkLst>
-        </pc:spChg>
-        <pc:picChg chg="add">
-          <ac:chgData name="cristiano tessarolo" userId="c36b394d4ec160dc" providerId="LiveId" clId="{7AF579D0-4467-4C07-B5C6-9E169660DA9B}" dt="2018-01-23T10:42:18.352" v="35" actId="20577"/>
-          <ac:picMkLst>
-            <pc:docMk/>
-            <pc:sldMk cId="944744598" sldId="288"/>
-            <ac:picMk id="30" creationId="{1A90DC74-3E6A-4E67-A93F-3674B6705D54}"/>
-          </ac:picMkLst>
-        </pc:picChg>
-        <pc:picChg chg="del">
-          <ac:chgData name="cristiano tessarolo" userId="c36b394d4ec160dc" providerId="LiveId" clId="{7AF579D0-4467-4C07-B5C6-9E169660DA9B}" dt="2018-01-23T10:42:01.729" v="25" actId="20577"/>
-          <ac:picMkLst>
-            <pc:docMk/>
-            <pc:sldMk cId="944744598" sldId="288"/>
-            <ac:picMk id="77" creationId="{EB0CB100-333E-4D33-BF15-85FC102CAC21}"/>
-          </ac:picMkLst>
-        </pc:picChg>
-      </pc:sldChg>
-      <pc:sldChg chg="addSp delSp modSp">
-        <pc:chgData name="cristiano tessarolo" userId="c36b394d4ec160dc" providerId="LiveId" clId="{7AF579D0-4467-4C07-B5C6-9E169660DA9B}" dt="2018-01-24T21:36:16.465" v="378" actId="1076"/>
-        <pc:sldMkLst>
-          <pc:docMk/>
-          <pc:sldMk cId="1788027839" sldId="290"/>
-        </pc:sldMkLst>
-        <pc:spChg chg="del">
-          <ac:chgData name="cristiano tessarolo" userId="c36b394d4ec160dc" providerId="LiveId" clId="{7AF579D0-4467-4C07-B5C6-9E169660DA9B}" dt="2018-01-24T21:28:22.720" v="57" actId="1076"/>
-          <ac:spMkLst>
-            <pc:docMk/>
-            <pc:sldMk cId="1788027839" sldId="290"/>
-            <ac:spMk id="2" creationId="{1803527A-1F1C-4BEB-9F8D-E9C872F5523A}"/>
-          </ac:spMkLst>
-        </pc:spChg>
-        <pc:spChg chg="mod ord">
-          <ac:chgData name="cristiano tessarolo" userId="c36b394d4ec160dc" providerId="LiveId" clId="{7AF579D0-4467-4C07-B5C6-9E169660DA9B}" dt="2018-01-24T21:35:12.939" v="374" actId="1076"/>
-          <ac:spMkLst>
-            <pc:docMk/>
-            <pc:sldMk cId="1788027839" sldId="290"/>
-            <ac:spMk id="11" creationId="{70D85DDB-88B2-499A-BE1B-42AC54A2B3EB}"/>
-          </ac:spMkLst>
-        </pc:spChg>
-        <pc:spChg chg="add mod">
-          <ac:chgData name="cristiano tessarolo" userId="c36b394d4ec160dc" providerId="LiveId" clId="{7AF579D0-4467-4C07-B5C6-9E169660DA9B}" dt="2018-01-24T21:35:02.118" v="372" actId="1076"/>
-          <ac:spMkLst>
-            <pc:docMk/>
-            <pc:sldMk cId="1788027839" sldId="290"/>
-            <ac:spMk id="12" creationId="{561CE458-15EF-432E-A780-F7607658207F}"/>
-          </ac:spMkLst>
-        </pc:spChg>
-        <pc:picChg chg="add mod ord">
-          <ac:chgData name="cristiano tessarolo" userId="c36b394d4ec160dc" providerId="LiveId" clId="{7AF579D0-4467-4C07-B5C6-9E169660DA9B}" dt="2018-01-24T21:36:16.465" v="378" actId="1076"/>
-          <ac:picMkLst>
-            <pc:docMk/>
-            <pc:sldMk cId="1788027839" sldId="290"/>
-            <ac:picMk id="18" creationId="{3E534187-B17F-4E75-8249-C326A33455CC}"/>
-          </ac:picMkLst>
-        </pc:picChg>
-        <pc:picChg chg="del mod">
-          <ac:chgData name="cristiano tessarolo" userId="c36b394d4ec160dc" providerId="LiveId" clId="{7AF579D0-4467-4C07-B5C6-9E169660DA9B}" dt="2018-01-24T21:31:25.271" v="169" actId="1076"/>
-          <ac:picMkLst>
-            <pc:docMk/>
-            <pc:sldMk cId="1788027839" sldId="290"/>
-            <ac:picMk id="1026" creationId="{00000000-0000-0000-0000-000000000000}"/>
-          </ac:picMkLst>
-        </pc:picChg>
-      </pc:sldChg>
-      <pc:sldChg chg="addSp delSp ord">
-        <pc:chgData name="cristiano tessarolo" userId="c36b394d4ec160dc" providerId="LiveId" clId="{7AF579D0-4467-4C07-B5C6-9E169660DA9B}" dt="2018-01-24T21:36:47.836" v="379"/>
-        <pc:sldMkLst>
-          <pc:docMk/>
-          <pc:sldMk cId="16807" sldId="293"/>
-        </pc:sldMkLst>
-        <pc:spChg chg="add">
-          <ac:chgData name="cristiano tessarolo" userId="c36b394d4ec160dc" providerId="LiveId" clId="{7AF579D0-4467-4C07-B5C6-9E169660DA9B}" dt="2018-01-24T21:36:47.836" v="379"/>
-          <ac:spMkLst>
-            <pc:docMk/>
-            <pc:sldMk cId="16807" sldId="293"/>
-            <ac:spMk id="55" creationId="{48BE0D64-894C-4F36-8057-913063AD1D02}"/>
-          </ac:spMkLst>
-        </pc:spChg>
-        <pc:spChg chg="add">
-          <ac:chgData name="cristiano tessarolo" userId="c36b394d4ec160dc" providerId="LiveId" clId="{7AF579D0-4467-4C07-B5C6-9E169660DA9B}" dt="2018-01-24T21:36:47.836" v="379"/>
-          <ac:spMkLst>
-            <pc:docMk/>
-            <pc:sldMk cId="16807" sldId="293"/>
-            <ac:spMk id="56" creationId="{17178B41-05A8-4BF1-B3C5-78A62782DAA3}"/>
-          </ac:spMkLst>
-        </pc:spChg>
-        <pc:picChg chg="add del">
-          <ac:chgData name="cristiano tessarolo" userId="c36b394d4ec160dc" providerId="LiveId" clId="{7AF579D0-4467-4C07-B5C6-9E169660DA9B}" dt="2018-01-24T21:36:04.921" v="376"/>
-          <ac:picMkLst>
-            <pc:docMk/>
-            <pc:sldMk cId="16807" sldId="293"/>
-            <ac:picMk id="53" creationId="{61B18038-2AB6-4E0E-9325-67622ACECA3C}"/>
-          </ac:picMkLst>
-        </pc:picChg>
-      </pc:sldChg>
-      <pc:sldChg chg="addSp delSp modSp">
-        <pc:chgData name="cristiano tessarolo" userId="c36b394d4ec160dc" providerId="LiveId" clId="{7AF579D0-4467-4C07-B5C6-9E169660DA9B}" dt="2018-01-24T21:38:02.660" v="389" actId="27309"/>
-        <pc:sldMkLst>
-          <pc:docMk/>
-          <pc:sldMk cId="585640194" sldId="294"/>
-        </pc:sldMkLst>
-        <pc:spChg chg="add del">
-          <ac:chgData name="cristiano tessarolo" userId="c36b394d4ec160dc" providerId="LiveId" clId="{7AF579D0-4467-4C07-B5C6-9E169660DA9B}" dt="2018-01-24T21:37:49.641" v="384" actId="478"/>
-          <ac:spMkLst>
-            <pc:docMk/>
-            <pc:sldMk cId="585640194" sldId="294"/>
-            <ac:spMk id="10" creationId="{93629381-1A64-44EA-9916-C9F1E951C666}"/>
-          </ac:spMkLst>
-        </pc:spChg>
-        <pc:spChg chg="add del">
-          <ac:chgData name="cristiano tessarolo" userId="c36b394d4ec160dc" providerId="LiveId" clId="{7AF579D0-4467-4C07-B5C6-9E169660DA9B}" dt="2018-01-24T21:37:55.567" v="385" actId="478"/>
-          <ac:spMkLst>
-            <pc:docMk/>
-            <pc:sldMk cId="585640194" sldId="294"/>
-            <ac:spMk id="11" creationId="{1FE67F7D-0BC0-454E-BA76-F4A6BA34F51D}"/>
-          </ac:spMkLst>
-        </pc:spChg>
-        <pc:spChg chg="add">
-          <ac:chgData name="cristiano tessarolo" userId="c36b394d4ec160dc" providerId="LiveId" clId="{7AF579D0-4467-4C07-B5C6-9E169660DA9B}" dt="2018-01-24T21:37:56.910" v="386" actId="27309"/>
-          <ac:spMkLst>
-            <pc:docMk/>
-            <pc:sldMk cId="585640194" sldId="294"/>
-            <ac:spMk id="12" creationId="{D50A4ADB-377A-4C7F-A063-73512827AF45}"/>
-          </ac:spMkLst>
-        </pc:spChg>
-        <pc:spChg chg="add">
-          <ac:chgData name="cristiano tessarolo" userId="c36b394d4ec160dc" providerId="LiveId" clId="{7AF579D0-4467-4C07-B5C6-9E169660DA9B}" dt="2018-01-24T21:37:56.910" v="386" actId="27309"/>
-          <ac:spMkLst>
-            <pc:docMk/>
-            <pc:sldMk cId="585640194" sldId="294"/>
-            <ac:spMk id="13" creationId="{336356C0-69D3-4F98-9BA3-D9CD427D3FB1}"/>
-          </ac:spMkLst>
-        </pc:spChg>
-        <pc:graphicFrameChg chg="add del modGraphic">
-          <ac:chgData name="cristiano tessarolo" userId="c36b394d4ec160dc" providerId="LiveId" clId="{7AF579D0-4467-4C07-B5C6-9E169660DA9B}" dt="2018-01-24T21:38:02.660" v="389" actId="27309"/>
-          <ac:graphicFrameMkLst>
-            <pc:docMk/>
-            <pc:sldMk cId="585640194" sldId="294"/>
-            <ac:graphicFrameMk id="4" creationId="{DB47B004-5B61-48B3-85F4-EB4566E28D18}"/>
-          </ac:graphicFrameMkLst>
-        </pc:graphicFrameChg>
-      </pc:sldChg>
-      <pc:sldChg chg="addSp delSp">
-        <pc:chgData name="cristiano tessarolo" userId="c36b394d4ec160dc" providerId="LiveId" clId="{7AF579D0-4467-4C07-B5C6-9E169660DA9B}" dt="2018-01-24T21:38:23.163" v="395"/>
-        <pc:sldMkLst>
-          <pc:docMk/>
-          <pc:sldMk cId="937186357" sldId="295"/>
-        </pc:sldMkLst>
-        <pc:spChg chg="add del">
-          <ac:chgData name="cristiano tessarolo" userId="c36b394d4ec160dc" providerId="LiveId" clId="{7AF579D0-4467-4C07-B5C6-9E169660DA9B}" dt="2018-01-24T21:38:18.556" v="393" actId="478"/>
-          <ac:spMkLst>
-            <pc:docMk/>
-            <pc:sldMk cId="937186357" sldId="295"/>
-            <ac:spMk id="16" creationId="{88EA1456-A383-45D3-9031-C96DAB5554B0}"/>
-          </ac:spMkLst>
-        </pc:spChg>
-        <pc:spChg chg="add del">
-          <ac:chgData name="cristiano tessarolo" userId="c36b394d4ec160dc" providerId="LiveId" clId="{7AF579D0-4467-4C07-B5C6-9E169660DA9B}" dt="2018-01-24T21:38:21.707" v="394" actId="478"/>
-          <ac:spMkLst>
-            <pc:docMk/>
-            <pc:sldMk cId="937186357" sldId="295"/>
-            <ac:spMk id="17" creationId="{C9684CEE-22E0-4457-8880-4AFDED110B1C}"/>
-          </ac:spMkLst>
-        </pc:spChg>
-        <pc:spChg chg="add">
-          <ac:chgData name="cristiano tessarolo" userId="c36b394d4ec160dc" providerId="LiveId" clId="{7AF579D0-4467-4C07-B5C6-9E169660DA9B}" dt="2018-01-24T21:38:23.163" v="395"/>
-          <ac:spMkLst>
-            <pc:docMk/>
-            <pc:sldMk cId="937186357" sldId="295"/>
-            <ac:spMk id="18" creationId="{B68FC554-5306-41FC-81B8-51C139A6A873}"/>
-          </ac:spMkLst>
-        </pc:spChg>
-        <pc:spChg chg="add">
-          <ac:chgData name="cristiano tessarolo" userId="c36b394d4ec160dc" providerId="LiveId" clId="{7AF579D0-4467-4C07-B5C6-9E169660DA9B}" dt="2018-01-24T21:38:23.163" v="395"/>
-          <ac:spMkLst>
-            <pc:docMk/>
-            <pc:sldMk cId="937186357" sldId="295"/>
-            <ac:spMk id="19" creationId="{0FAF21A0-BAC6-4352-92F9-C42232A50EE7}"/>
-          </ac:spMkLst>
-        </pc:spChg>
-      </pc:sldChg>
-      <pc:sldChg chg="addSp">
-        <pc:chgData name="cristiano tessarolo" userId="c36b394d4ec160dc" providerId="LiveId" clId="{7AF579D0-4467-4C07-B5C6-9E169660DA9B}" dt="2018-01-24T21:38:38.435" v="399"/>
-        <pc:sldMkLst>
-          <pc:docMk/>
-          <pc:sldMk cId="16807" sldId="296"/>
-        </pc:sldMkLst>
-        <pc:spChg chg="add">
-          <ac:chgData name="cristiano tessarolo" userId="c36b394d4ec160dc" providerId="LiveId" clId="{7AF579D0-4467-4C07-B5C6-9E169660DA9B}" dt="2018-01-24T21:38:38.435" v="399"/>
-          <ac:spMkLst>
-            <pc:docMk/>
-            <pc:sldMk cId="16807" sldId="296"/>
-            <ac:spMk id="20" creationId="{8CF9B273-C103-4D07-BF71-9B9AAEB1DFE3}"/>
-          </ac:spMkLst>
-        </pc:spChg>
-        <pc:spChg chg="add">
-          <ac:chgData name="cristiano tessarolo" userId="c36b394d4ec160dc" providerId="LiveId" clId="{7AF579D0-4467-4C07-B5C6-9E169660DA9B}" dt="2018-01-24T21:38:38.435" v="399"/>
-          <ac:spMkLst>
-            <pc:docMk/>
-            <pc:sldMk cId="16807" sldId="296"/>
-            <ac:spMk id="21" creationId="{AEF53ABF-FDB2-4278-9412-9FD436D2206E}"/>
-          </ac:spMkLst>
-        </pc:spChg>
-      </pc:sldChg>
-      <pc:sldChg chg="addSp delSp">
-        <pc:chgData name="cristiano tessarolo" userId="c36b394d4ec160dc" providerId="LiveId" clId="{7AF579D0-4467-4C07-B5C6-9E169660DA9B}" dt="2018-01-24T21:38:11.645" v="392"/>
-        <pc:sldMkLst>
-          <pc:docMk/>
-          <pc:sldMk cId="16807" sldId="297"/>
-        </pc:sldMkLst>
-        <pc:spChg chg="add del">
-          <ac:chgData name="cristiano tessarolo" userId="c36b394d4ec160dc" providerId="LiveId" clId="{7AF579D0-4467-4C07-B5C6-9E169660DA9B}" dt="2018-01-24T21:38:08.187" v="390" actId="478"/>
-          <ac:spMkLst>
-            <pc:docMk/>
-            <pc:sldMk cId="16807" sldId="297"/>
-            <ac:spMk id="6" creationId="{3F110DCB-410C-46E6-8D89-7F2A6EB23E0B}"/>
-          </ac:spMkLst>
-        </pc:spChg>
-        <pc:spChg chg="add del">
-          <ac:chgData name="cristiano tessarolo" userId="c36b394d4ec160dc" providerId="LiveId" clId="{7AF579D0-4467-4C07-B5C6-9E169660DA9B}" dt="2018-01-24T21:38:10.560" v="391" actId="478"/>
-          <ac:spMkLst>
-            <pc:docMk/>
-            <pc:sldMk cId="16807" sldId="297"/>
-            <ac:spMk id="7" creationId="{9A11A551-8B86-4334-9B6E-47FD6DF99FED}"/>
-          </ac:spMkLst>
-        </pc:spChg>
-        <pc:spChg chg="add">
-          <ac:chgData name="cristiano tessarolo" userId="c36b394d4ec160dc" providerId="LiveId" clId="{7AF579D0-4467-4C07-B5C6-9E169660DA9B}" dt="2018-01-24T21:38:11.645" v="392"/>
-          <ac:spMkLst>
-            <pc:docMk/>
-            <pc:sldMk cId="16807" sldId="297"/>
-            <ac:spMk id="8" creationId="{5731464A-34B6-46DD-B4D6-BC60B5D2CD73}"/>
-          </ac:spMkLst>
-        </pc:spChg>
-        <pc:spChg chg="add">
-          <ac:chgData name="cristiano tessarolo" userId="c36b394d4ec160dc" providerId="LiveId" clId="{7AF579D0-4467-4C07-B5C6-9E169660DA9B}" dt="2018-01-24T21:38:11.645" v="392"/>
-          <ac:spMkLst>
-            <pc:docMk/>
-            <pc:sldMk cId="16807" sldId="297"/>
-            <ac:spMk id="9" creationId="{0F91B99E-E673-4A93-AF45-AC74B5C1C33B}"/>
-          </ac:spMkLst>
-        </pc:spChg>
-      </pc:sldChg>
-      <pc:sldChg chg="addSp delSp modSp">
-        <pc:chgData name="cristiano tessarolo" userId="c36b394d4ec160dc" providerId="LiveId" clId="{7AF579D0-4467-4C07-B5C6-9E169660DA9B}" dt="2018-01-24T21:39:19.963" v="416"/>
-        <pc:sldMkLst>
-          <pc:docMk/>
-          <pc:sldMk cId="1137522503" sldId="298"/>
-        </pc:sldMkLst>
-        <pc:spChg chg="add">
-          <ac:chgData name="cristiano tessarolo" userId="c36b394d4ec160dc" providerId="LiveId" clId="{7AF579D0-4467-4C07-B5C6-9E169660DA9B}" dt="2018-01-24T21:39:19.963" v="416"/>
-          <ac:spMkLst>
-            <pc:docMk/>
-            <pc:sldMk cId="1137522503" sldId="298"/>
-            <ac:spMk id="11" creationId="{245B46A8-E2E4-4EB0-B1A4-13AEB3E51F28}"/>
-          </ac:spMkLst>
-        </pc:spChg>
-        <pc:spChg chg="add">
-          <ac:chgData name="cristiano tessarolo" userId="c36b394d4ec160dc" providerId="LiveId" clId="{7AF579D0-4467-4C07-B5C6-9E169660DA9B}" dt="2018-01-24T21:39:19.963" v="416"/>
-          <ac:spMkLst>
-            <pc:docMk/>
-            <pc:sldMk cId="1137522503" sldId="298"/>
-            <ac:spMk id="12" creationId="{D0A454A6-62DE-4B5F-9E88-95FDD8522D69}"/>
-          </ac:spMkLst>
-        </pc:spChg>
-        <pc:graphicFrameChg chg="add del modGraphic">
-          <ac:chgData name="cristiano tessarolo" userId="c36b394d4ec160dc" providerId="LiveId" clId="{7AF579D0-4467-4C07-B5C6-9E169660DA9B}" dt="2018-01-24T21:39:03.855" v="405" actId="27309"/>
-          <ac:graphicFrameMkLst>
-            <pc:docMk/>
-            <pc:sldMk cId="1137522503" sldId="298"/>
-            <ac:graphicFrameMk id="5" creationId="{06C0DE7B-96F3-469A-9FD1-DE88E3407FE1}"/>
-          </ac:graphicFrameMkLst>
-        </pc:graphicFrameChg>
-      </pc:sldChg>
-      <pc:sldChg chg="addSp">
-        <pc:chgData name="cristiano tessarolo" userId="c36b394d4ec160dc" providerId="LiveId" clId="{7AF579D0-4467-4C07-B5C6-9E169660DA9B}" dt="2018-01-24T21:39:24.805" v="418"/>
-        <pc:sldMkLst>
-          <pc:docMk/>
-          <pc:sldMk cId="16807" sldId="299"/>
-        </pc:sldMkLst>
-        <pc:spChg chg="add">
-          <ac:chgData name="cristiano tessarolo" userId="c36b394d4ec160dc" providerId="LiveId" clId="{7AF579D0-4467-4C07-B5C6-9E169660DA9B}" dt="2018-01-24T21:39:24.805" v="418"/>
-          <ac:spMkLst>
-            <pc:docMk/>
-            <pc:sldMk cId="16807" sldId="299"/>
-            <ac:spMk id="20" creationId="{AE83EB38-EF14-4100-94EC-FA57951964F8}"/>
-          </ac:spMkLst>
-        </pc:spChg>
-        <pc:spChg chg="add">
-          <ac:chgData name="cristiano tessarolo" userId="c36b394d4ec160dc" providerId="LiveId" clId="{7AF579D0-4467-4C07-B5C6-9E169660DA9B}" dt="2018-01-24T21:39:24.805" v="418"/>
-          <ac:spMkLst>
-            <pc:docMk/>
-            <pc:sldMk cId="16807" sldId="299"/>
-            <ac:spMk id="21" creationId="{AD799F3F-BFA0-486B-93F5-6C1EC26740E7}"/>
-          </ac:spMkLst>
-        </pc:spChg>
-      </pc:sldChg>
-      <pc:sldChg chg="addSp">
-        <pc:chgData name="cristiano tessarolo" userId="c36b394d4ec160dc" providerId="LiveId" clId="{7AF579D0-4467-4C07-B5C6-9E169660DA9B}" dt="2018-01-24T21:39:27.324" v="419"/>
-        <pc:sldMkLst>
-          <pc:docMk/>
-          <pc:sldMk cId="16807" sldId="300"/>
-        </pc:sldMkLst>
-        <pc:spChg chg="add">
-          <ac:chgData name="cristiano tessarolo" userId="c36b394d4ec160dc" providerId="LiveId" clId="{7AF579D0-4467-4C07-B5C6-9E169660DA9B}" dt="2018-01-24T21:39:27.324" v="419"/>
-          <ac:spMkLst>
-            <pc:docMk/>
-            <pc:sldMk cId="16807" sldId="300"/>
-            <ac:spMk id="12" creationId="{10D5894C-CFB7-44C5-A888-EA435AB12270}"/>
-          </ac:spMkLst>
-        </pc:spChg>
-        <pc:spChg chg="add">
-          <ac:chgData name="cristiano tessarolo" userId="c36b394d4ec160dc" providerId="LiveId" clId="{7AF579D0-4467-4C07-B5C6-9E169660DA9B}" dt="2018-01-24T21:39:27.324" v="419"/>
-          <ac:spMkLst>
-            <pc:docMk/>
-            <pc:sldMk cId="16807" sldId="300"/>
-            <ac:spMk id="13" creationId="{674CDBC2-0882-41A3-9BB5-AA6C0A0D9DDC}"/>
-          </ac:spMkLst>
-        </pc:spChg>
-      </pc:sldChg>
-      <pc:sldChg chg="addSp">
-        <pc:chgData name="cristiano tessarolo" userId="c36b394d4ec160dc" providerId="LiveId" clId="{7AF579D0-4467-4C07-B5C6-9E169660DA9B}" dt="2018-01-24T21:39:29.517" v="420"/>
-        <pc:sldMkLst>
-          <pc:docMk/>
-          <pc:sldMk cId="156091745" sldId="301"/>
-        </pc:sldMkLst>
-        <pc:spChg chg="add">
-          <ac:chgData name="cristiano tessarolo" userId="c36b394d4ec160dc" providerId="LiveId" clId="{7AF579D0-4467-4C07-B5C6-9E169660DA9B}" dt="2018-01-24T21:39:29.517" v="420"/>
-          <ac:spMkLst>
-            <pc:docMk/>
-            <pc:sldMk cId="156091745" sldId="301"/>
-            <ac:spMk id="13" creationId="{F934B7F0-0549-445F-ACB9-1ABA2DA8D6EC}"/>
-          </ac:spMkLst>
-        </pc:spChg>
-        <pc:spChg chg="add">
-          <ac:chgData name="cristiano tessarolo" userId="c36b394d4ec160dc" providerId="LiveId" clId="{7AF579D0-4467-4C07-B5C6-9E169660DA9B}" dt="2018-01-24T21:39:29.517" v="420"/>
-          <ac:spMkLst>
-            <pc:docMk/>
-            <pc:sldMk cId="156091745" sldId="301"/>
-            <ac:spMk id="16" creationId="{F42068EA-97C8-43E8-A93C-7C78BEBBE760}"/>
-          </ac:spMkLst>
-        </pc:spChg>
-      </pc:sldChg>
-      <pc:sldChg chg="addSp">
-        <pc:chgData name="cristiano tessarolo" userId="c36b394d4ec160dc" providerId="LiveId" clId="{7AF579D0-4467-4C07-B5C6-9E169660DA9B}" dt="2018-01-24T21:39:33.389" v="422"/>
-        <pc:sldMkLst>
-          <pc:docMk/>
-          <pc:sldMk cId="1622650073" sldId="302"/>
-        </pc:sldMkLst>
-        <pc:spChg chg="add">
-          <ac:chgData name="cristiano tessarolo" userId="c36b394d4ec160dc" providerId="LiveId" clId="{7AF579D0-4467-4C07-B5C6-9E169660DA9B}" dt="2018-01-24T21:39:33.389" v="422"/>
-          <ac:spMkLst>
-            <pc:docMk/>
-            <pc:sldMk cId="1622650073" sldId="302"/>
-            <ac:spMk id="30" creationId="{2DC95690-546E-4D14-8BDC-76D1B8FCFE6E}"/>
-          </ac:spMkLst>
-        </pc:spChg>
-        <pc:spChg chg="add">
-          <ac:chgData name="cristiano tessarolo" userId="c36b394d4ec160dc" providerId="LiveId" clId="{7AF579D0-4467-4C07-B5C6-9E169660DA9B}" dt="2018-01-24T21:39:33.389" v="422"/>
-          <ac:spMkLst>
-            <pc:docMk/>
-            <pc:sldMk cId="1622650073" sldId="302"/>
-            <ac:spMk id="31" creationId="{601B61F4-1C89-4337-A035-EF5718D4F47B}"/>
-          </ac:spMkLst>
-        </pc:spChg>
-      </pc:sldChg>
-      <pc:sldChg chg="addSp modSp">
-        <pc:chgData name="cristiano tessarolo" userId="c36b394d4ec160dc" providerId="LiveId" clId="{7AF579D0-4467-4C07-B5C6-9E169660DA9B}" dt="2018-01-24T21:39:35.203" v="423"/>
-        <pc:sldMkLst>
-          <pc:docMk/>
-          <pc:sldMk cId="16807" sldId="304"/>
-        </pc:sldMkLst>
-        <pc:spChg chg="mod">
-          <ac:chgData name="cristiano tessarolo" userId="c36b394d4ec160dc" providerId="LiveId" clId="{7AF579D0-4467-4C07-B5C6-9E169660DA9B}" dt="2018-01-24T10:27:20.763" v="44" actId="20577"/>
-          <ac:spMkLst>
-            <pc:docMk/>
-            <pc:sldMk cId="16807" sldId="304"/>
-            <ac:spMk id="4" creationId="{00000000-0000-0000-0000-000000000000}"/>
-          </ac:spMkLst>
-        </pc:spChg>
-        <pc:spChg chg="add">
-          <ac:chgData name="cristiano tessarolo" userId="c36b394d4ec160dc" providerId="LiveId" clId="{7AF579D0-4467-4C07-B5C6-9E169660DA9B}" dt="2018-01-24T21:39:35.203" v="423"/>
-          <ac:spMkLst>
-            <pc:docMk/>
-            <pc:sldMk cId="16807" sldId="304"/>
-            <ac:spMk id="17" creationId="{B4D2913E-060F-4B50-87F7-13E42BB17F91}"/>
-          </ac:spMkLst>
-        </pc:spChg>
-        <pc:spChg chg="add">
-          <ac:chgData name="cristiano tessarolo" userId="c36b394d4ec160dc" providerId="LiveId" clId="{7AF579D0-4467-4C07-B5C6-9E169660DA9B}" dt="2018-01-24T21:39:35.203" v="423"/>
-          <ac:spMkLst>
-            <pc:docMk/>
-            <pc:sldMk cId="16807" sldId="304"/>
-            <ac:spMk id="18" creationId="{3315F6DE-FF52-4406-B785-FF1B2EE88267}"/>
-          </ac:spMkLst>
-        </pc:spChg>
-      </pc:sldChg>
-      <pc:sldChg chg="addSp">
-        <pc:chgData name="cristiano tessarolo" userId="c36b394d4ec160dc" providerId="LiveId" clId="{7AF579D0-4467-4C07-B5C6-9E169660DA9B}" dt="2018-01-24T21:39:38.945" v="425"/>
-        <pc:sldMkLst>
-          <pc:docMk/>
-          <pc:sldMk cId="16807" sldId="305"/>
-        </pc:sldMkLst>
-        <pc:spChg chg="add">
-          <ac:chgData name="cristiano tessarolo" userId="c36b394d4ec160dc" providerId="LiveId" clId="{7AF579D0-4467-4C07-B5C6-9E169660DA9B}" dt="2018-01-24T21:39:38.945" v="425"/>
-          <ac:spMkLst>
-            <pc:docMk/>
-            <pc:sldMk cId="16807" sldId="305"/>
-            <ac:spMk id="6" creationId="{708EA82E-4FC4-4EF9-A5C7-3029AF7D5BE3}"/>
-          </ac:spMkLst>
-        </pc:spChg>
-        <pc:spChg chg="add">
-          <ac:chgData name="cristiano tessarolo" userId="c36b394d4ec160dc" providerId="LiveId" clId="{7AF579D0-4467-4C07-B5C6-9E169660DA9B}" dt="2018-01-24T21:39:38.945" v="425"/>
-          <ac:spMkLst>
-            <pc:docMk/>
-            <pc:sldMk cId="16807" sldId="305"/>
-            <ac:spMk id="7" creationId="{6BA64E11-DE94-4C87-8957-BD1E7BC04185}"/>
-          </ac:spMkLst>
-        </pc:spChg>
-      </pc:sldChg>
-      <pc:sldChg chg="addSp modSp">
-        <pc:chgData name="cristiano tessarolo" userId="c36b394d4ec160dc" providerId="LiveId" clId="{7AF579D0-4467-4C07-B5C6-9E169660DA9B}" dt="2018-01-24T21:39:40.989" v="426"/>
-        <pc:sldMkLst>
-          <pc:docMk/>
-          <pc:sldMk cId="16807" sldId="306"/>
-        </pc:sldMkLst>
-        <pc:spChg chg="mod">
-          <ac:chgData name="cristiano tessarolo" userId="c36b394d4ec160dc" providerId="LiveId" clId="{7AF579D0-4467-4C07-B5C6-9E169660DA9B}" dt="2018-01-24T21:23:17.444" v="56" actId="20577"/>
-          <ac:spMkLst>
-            <pc:docMk/>
-            <pc:sldMk cId="16807" sldId="306"/>
-            <ac:spMk id="11" creationId="{B275F4EB-FEE7-4985-B045-2CE74D43A1E4}"/>
-          </ac:spMkLst>
-        </pc:spChg>
-        <pc:spChg chg="add">
-          <ac:chgData name="cristiano tessarolo" userId="c36b394d4ec160dc" providerId="LiveId" clId="{7AF579D0-4467-4C07-B5C6-9E169660DA9B}" dt="2018-01-24T21:39:40.989" v="426"/>
-          <ac:spMkLst>
-            <pc:docMk/>
-            <pc:sldMk cId="16807" sldId="306"/>
-            <ac:spMk id="12" creationId="{69448F9A-6459-4874-8FE5-4F6291F4CCCC}"/>
-          </ac:spMkLst>
-        </pc:spChg>
-        <pc:spChg chg="add">
-          <ac:chgData name="cristiano tessarolo" userId="c36b394d4ec160dc" providerId="LiveId" clId="{7AF579D0-4467-4C07-B5C6-9E169660DA9B}" dt="2018-01-24T21:39:40.989" v="426"/>
-          <ac:spMkLst>
-            <pc:docMk/>
-            <pc:sldMk cId="16807" sldId="306"/>
-            <ac:spMk id="13" creationId="{1A13698B-F843-4084-A9CD-C063FF90455D}"/>
-          </ac:spMkLst>
-        </pc:spChg>
-      </pc:sldChg>
-      <pc:sldChg chg="addSp modSp">
-        <pc:chgData name="cristiano tessarolo" userId="c36b394d4ec160dc" providerId="LiveId" clId="{7AF579D0-4467-4C07-B5C6-9E169660DA9B}" dt="2018-01-24T21:39:42.807" v="427"/>
-        <pc:sldMkLst>
-          <pc:docMk/>
-          <pc:sldMk cId="16807" sldId="307"/>
-        </pc:sldMkLst>
-        <pc:spChg chg="mod">
-          <ac:chgData name="cristiano tessarolo" userId="c36b394d4ec160dc" providerId="LiveId" clId="{7AF579D0-4467-4C07-B5C6-9E169660DA9B}" dt="2018-01-24T21:22:57.439" v="50" actId="20577"/>
-          <ac:spMkLst>
-            <pc:docMk/>
-            <pc:sldMk cId="16807" sldId="307"/>
-            <ac:spMk id="11" creationId="{B275F4EB-FEE7-4985-B045-2CE74D43A1E4}"/>
-          </ac:spMkLst>
-        </pc:spChg>
-        <pc:spChg chg="add">
-          <ac:chgData name="cristiano tessarolo" userId="c36b394d4ec160dc" providerId="LiveId" clId="{7AF579D0-4467-4C07-B5C6-9E169660DA9B}" dt="2018-01-24T21:39:42.807" v="427"/>
-          <ac:spMkLst>
-            <pc:docMk/>
-            <pc:sldMk cId="16807" sldId="307"/>
-            <ac:spMk id="12" creationId="{CC033BB8-7834-47B3-88F5-BD0657240AF4}"/>
-          </ac:spMkLst>
-        </pc:spChg>
-        <pc:spChg chg="add">
-          <ac:chgData name="cristiano tessarolo" userId="c36b394d4ec160dc" providerId="LiveId" clId="{7AF579D0-4467-4C07-B5C6-9E169660DA9B}" dt="2018-01-24T21:39:42.807" v="427"/>
-          <ac:spMkLst>
-            <pc:docMk/>
-            <pc:sldMk cId="16807" sldId="307"/>
-            <ac:spMk id="19" creationId="{757E1710-85EC-4DFC-8758-79FA1B0660B9}"/>
-          </ac:spMkLst>
-        </pc:spChg>
-      </pc:sldChg>
-      <pc:sldChg chg="addSp">
-        <pc:chgData name="cristiano tessarolo" userId="c36b394d4ec160dc" providerId="LiveId" clId="{7AF579D0-4467-4C07-B5C6-9E169660DA9B}" dt="2018-01-24T21:39:44.595" v="428"/>
-        <pc:sldMkLst>
-          <pc:docMk/>
-          <pc:sldMk cId="1817129560" sldId="308"/>
-        </pc:sldMkLst>
-        <pc:spChg chg="add">
-          <ac:chgData name="cristiano tessarolo" userId="c36b394d4ec160dc" providerId="LiveId" clId="{7AF579D0-4467-4C07-B5C6-9E169660DA9B}" dt="2018-01-24T21:39:44.595" v="428"/>
-          <ac:spMkLst>
-            <pc:docMk/>
-            <pc:sldMk cId="1817129560" sldId="308"/>
-            <ac:spMk id="4" creationId="{CE947E0C-97C8-4D31-BDDD-6253C61BBBCD}"/>
-          </ac:spMkLst>
-        </pc:spChg>
-        <pc:spChg chg="add">
-          <ac:chgData name="cristiano tessarolo" userId="c36b394d4ec160dc" providerId="LiveId" clId="{7AF579D0-4467-4C07-B5C6-9E169660DA9B}" dt="2018-01-24T21:39:44.595" v="428"/>
-          <ac:spMkLst>
-            <pc:docMk/>
-            <pc:sldMk cId="1817129560" sldId="308"/>
-            <ac:spMk id="5" creationId="{9712F275-03EB-4332-B7E9-E5546C6124DD}"/>
-          </ac:spMkLst>
-        </pc:spChg>
-      </pc:sldChg>
-      <pc:sldChg chg="del">
-        <pc:chgData name="cristiano tessarolo" userId="c36b394d4ec160dc" providerId="LiveId" clId="{7AF579D0-4467-4C07-B5C6-9E169660DA9B}" dt="2018-01-24T10:37:30.679" v="47" actId="2696"/>
-        <pc:sldMkLst>
-          <pc:docMk/>
-          <pc:sldMk cId="16807" sldId="309"/>
-        </pc:sldMkLst>
-      </pc:sldChg>
-      <pc:sldChg chg="del">
-        <pc:chgData name="cristiano tessarolo" userId="c36b394d4ec160dc" providerId="LiveId" clId="{7AF579D0-4467-4C07-B5C6-9E169660DA9B}" dt="2018-01-24T10:37:29.085" v="46" actId="2696"/>
-        <pc:sldMkLst>
-          <pc:docMk/>
-          <pc:sldMk cId="16807" sldId="310"/>
-        </pc:sldMkLst>
-      </pc:sldChg>
-      <pc:sldChg chg="addSp add">
-        <pc:chgData name="cristiano tessarolo" userId="c36b394d4ec160dc" providerId="LiveId" clId="{7AF579D0-4467-4C07-B5C6-9E169660DA9B}" dt="2018-01-24T21:39:46.305" v="429"/>
-        <pc:sldMkLst>
-          <pc:docMk/>
-          <pc:sldMk cId="740619066" sldId="311"/>
-        </pc:sldMkLst>
-        <pc:spChg chg="add">
-          <ac:chgData name="cristiano tessarolo" userId="c36b394d4ec160dc" providerId="LiveId" clId="{7AF579D0-4467-4C07-B5C6-9E169660DA9B}" dt="2018-01-24T21:39:46.305" v="429"/>
-          <ac:spMkLst>
-            <pc:docMk/>
-            <pc:sldMk cId="740619066" sldId="311"/>
-            <ac:spMk id="6" creationId="{13031C59-E859-4579-AD91-91622DA7291C}"/>
-          </ac:spMkLst>
-        </pc:spChg>
-        <pc:spChg chg="add">
-          <ac:chgData name="cristiano tessarolo" userId="c36b394d4ec160dc" providerId="LiveId" clId="{7AF579D0-4467-4C07-B5C6-9E169660DA9B}" dt="2018-01-24T21:39:46.305" v="429"/>
-          <ac:spMkLst>
-            <pc:docMk/>
-            <pc:sldMk cId="740619066" sldId="311"/>
-            <ac:spMk id="7" creationId="{B718A68D-830C-454E-8B2D-BD4EB1813C17}"/>
-          </ac:spMkLst>
-        </pc:spChg>
-      </pc:sldChg>
-      <pc:sldChg chg="addSp add">
-        <pc:chgData name="cristiano tessarolo" userId="c36b394d4ec160dc" providerId="LiveId" clId="{7AF579D0-4467-4C07-B5C6-9E169660DA9B}" dt="2018-01-24T21:39:47.925" v="430"/>
-        <pc:sldMkLst>
-          <pc:docMk/>
-          <pc:sldMk cId="1195765674" sldId="312"/>
-        </pc:sldMkLst>
-        <pc:spChg chg="add">
-          <ac:chgData name="cristiano tessarolo" userId="c36b394d4ec160dc" providerId="LiveId" clId="{7AF579D0-4467-4C07-B5C6-9E169660DA9B}" dt="2018-01-24T21:39:47.925" v="430"/>
-          <ac:spMkLst>
-            <pc:docMk/>
-            <pc:sldMk cId="1195765674" sldId="312"/>
-            <ac:spMk id="6" creationId="{7B633744-0388-4BC3-A49E-7A9D67C5612B}"/>
-          </ac:spMkLst>
-        </pc:spChg>
-        <pc:spChg chg="add">
-          <ac:chgData name="cristiano tessarolo" userId="c36b394d4ec160dc" providerId="LiveId" clId="{7AF579D0-4467-4C07-B5C6-9E169660DA9B}" dt="2018-01-24T21:39:47.925" v="430"/>
-          <ac:spMkLst>
-            <pc:docMk/>
-            <pc:sldMk cId="1195765674" sldId="312"/>
-            <ac:spMk id="8" creationId="{622323D8-46BF-4815-959B-765DA801A1C3}"/>
-          </ac:spMkLst>
-        </pc:spChg>
-      </pc:sldChg>
-    </pc:docChg>
-  </pc:docChgLst>
-</pc:chgInfo>
 </file>
 
 <file path=ppt/charts/chart1.xml><?xml version="1.0" encoding="utf-8"?>
@@ -3654,10 +2864,10 @@
       </p:pic>
       <p:sp>
         <p:nvSpPr>
-          <p:cNvPr id="12" name="Triangolo isoscele 11">
+          <p:cNvPr id="21" name="Triangolo isoscele 20">
             <a:extLst>
               <a:ext uri="{FF2B5EF4-FFF2-40B4-BE49-F238E27FC236}">
-                <a16:creationId xmlns:a16="http://schemas.microsoft.com/office/drawing/2014/main" id="{561CE458-15EF-432E-A780-F7607658207F}"/>
+                <a16:creationId xmlns:a16="http://schemas.microsoft.com/office/drawing/2014/main" id="{3013823C-F164-4F3B-8A49-D3130090FF79}"/>
               </a:ext>
             </a:extLst>
           </p:cNvPr>
@@ -3666,8 +2876,8 @@
         </p:nvSpPr>
         <p:spPr>
           <a:xfrm>
-            <a:off x="8286750" y="6143437"/>
-            <a:ext cx="878889" cy="703983"/>
+            <a:off x="6054570" y="6134734"/>
+            <a:ext cx="3093314" cy="714563"/>
           </a:xfrm>
           <a:prstGeom prst="triangle">
             <a:avLst>
@@ -3724,8 +2934,8 @@
         </p:nvSpPr>
         <p:spPr>
           <a:xfrm>
-            <a:off x="8443986" y="6391960"/>
-            <a:ext cx="637446" cy="365125"/>
+            <a:off x="8193386" y="6391960"/>
+            <a:ext cx="888046" cy="365125"/>
           </a:xfrm>
         </p:spPr>
         <p:txBody>
@@ -3742,6 +2952,14 @@
               <a:pPr algn="r"/>
               <a:t>1</a:t>
             </a:fld>
+            <a:r>
+              <a:rPr lang="it-IT" altLang="zh-CN" dirty="0">
+                <a:solidFill>
+                  <a:schemeClr val="bg1"/>
+                </a:solidFill>
+              </a:rPr>
+              <a:t>/26</a:t>
+            </a:r>
             <a:endParaRPr lang="zh-CN" altLang="en-US" dirty="0">
               <a:solidFill>
                 <a:schemeClr val="bg1"/>
@@ -4327,10 +3545,10 @@
       </p:sp>
       <p:sp>
         <p:nvSpPr>
-          <p:cNvPr id="10" name="Triangolo isoscele 9">
+          <p:cNvPr id="13" name="Triangolo isoscele 12">
             <a:extLst>
               <a:ext uri="{FF2B5EF4-FFF2-40B4-BE49-F238E27FC236}">
-                <a16:creationId xmlns:a16="http://schemas.microsoft.com/office/drawing/2014/main" id="{F0546063-D4FC-42B7-9FB3-3CF7EEE2239C}"/>
+                <a16:creationId xmlns:a16="http://schemas.microsoft.com/office/drawing/2014/main" id="{C2047045-4637-4B60-B6F2-CC2D6E7731EA}"/>
               </a:ext>
             </a:extLst>
           </p:cNvPr>
@@ -4339,8 +3557,8 @@
         </p:nvSpPr>
         <p:spPr>
           <a:xfrm>
-            <a:off x="8286750" y="6143437"/>
-            <a:ext cx="878889" cy="703983"/>
+            <a:off x="6054570" y="6134734"/>
+            <a:ext cx="3093314" cy="714563"/>
           </a:xfrm>
           <a:prstGeom prst="triangle">
             <a:avLst>
@@ -4381,10 +3599,10 @@
       </p:sp>
       <p:sp>
         <p:nvSpPr>
-          <p:cNvPr id="11" name="Segnaposto numero diapositiva 10">
+          <p:cNvPr id="14" name="Segnaposto numero diapositiva 10">
             <a:extLst>
               <a:ext uri="{FF2B5EF4-FFF2-40B4-BE49-F238E27FC236}">
-                <a16:creationId xmlns:a16="http://schemas.microsoft.com/office/drawing/2014/main" id="{4F59A709-7ECE-479B-B302-606E74E79B78}"/>
+                <a16:creationId xmlns:a16="http://schemas.microsoft.com/office/drawing/2014/main" id="{14D07D34-00F7-4FB5-A2F2-64506C882FC8}"/>
               </a:ext>
             </a:extLst>
           </p:cNvPr>
@@ -4395,8 +3613,8 @@
         </p:nvSpPr>
         <p:spPr>
           <a:xfrm>
-            <a:off x="8539236" y="6391960"/>
-            <a:ext cx="637446" cy="365125"/>
+            <a:off x="8007658" y="6391960"/>
+            <a:ext cx="1073774" cy="365125"/>
           </a:xfrm>
           <a:prstGeom prst="rect">
             <a:avLst/>
@@ -4510,6 +3728,14 @@
               <a:pPr algn="r"/>
               <a:t>10</a:t>
             </a:fld>
+            <a:r>
+              <a:rPr lang="it-IT" altLang="zh-CN" dirty="0">
+                <a:solidFill>
+                  <a:schemeClr val="bg1"/>
+                </a:solidFill>
+              </a:rPr>
+              <a:t>/26</a:t>
+            </a:r>
             <a:endParaRPr lang="zh-CN" altLang="en-US" dirty="0">
               <a:solidFill>
                 <a:schemeClr val="bg1"/>
@@ -4995,10 +4221,10 @@
       </p:sp>
       <p:sp>
         <p:nvSpPr>
-          <p:cNvPr id="11" name="Triangolo isoscele 10">
+          <p:cNvPr id="13" name="Triangolo isoscele 12">
             <a:extLst>
               <a:ext uri="{FF2B5EF4-FFF2-40B4-BE49-F238E27FC236}">
-                <a16:creationId xmlns:a16="http://schemas.microsoft.com/office/drawing/2014/main" id="{245B46A8-E2E4-4EB0-B1A4-13AEB3E51F28}"/>
+                <a16:creationId xmlns:a16="http://schemas.microsoft.com/office/drawing/2014/main" id="{E99791C5-8C48-4E5A-AABB-DBEC1CAB8AD5}"/>
               </a:ext>
             </a:extLst>
           </p:cNvPr>
@@ -5007,8 +4233,8 @@
         </p:nvSpPr>
         <p:spPr>
           <a:xfrm>
-            <a:off x="8286750" y="6143437"/>
-            <a:ext cx="878889" cy="703983"/>
+            <a:off x="6054570" y="6134734"/>
+            <a:ext cx="3093314" cy="714563"/>
           </a:xfrm>
           <a:prstGeom prst="triangle">
             <a:avLst>
@@ -5049,10 +4275,10 @@
       </p:sp>
       <p:sp>
         <p:nvSpPr>
-          <p:cNvPr id="12" name="Segnaposto numero diapositiva 10">
+          <p:cNvPr id="16" name="Segnaposto numero diapositiva 10">
             <a:extLst>
               <a:ext uri="{FF2B5EF4-FFF2-40B4-BE49-F238E27FC236}">
-                <a16:creationId xmlns:a16="http://schemas.microsoft.com/office/drawing/2014/main" id="{D0A454A6-62DE-4B5F-9E88-95FDD8522D69}"/>
+                <a16:creationId xmlns:a16="http://schemas.microsoft.com/office/drawing/2014/main" id="{6B92EF78-E9E7-480E-9CBC-6CEECDFFC60E}"/>
               </a:ext>
             </a:extLst>
           </p:cNvPr>
@@ -5063,8 +4289,8 @@
         </p:nvSpPr>
         <p:spPr>
           <a:xfrm>
-            <a:off x="8539236" y="6391960"/>
-            <a:ext cx="637446" cy="365125"/>
+            <a:off x="8007658" y="6391960"/>
+            <a:ext cx="1073774" cy="365125"/>
           </a:xfrm>
           <a:prstGeom prst="rect">
             <a:avLst/>
@@ -5178,6 +4404,14 @@
               <a:pPr algn="r"/>
               <a:t>11</a:t>
             </a:fld>
+            <a:r>
+              <a:rPr lang="it-IT" altLang="zh-CN" dirty="0">
+                <a:solidFill>
+                  <a:schemeClr val="bg1"/>
+                </a:solidFill>
+              </a:rPr>
+              <a:t>/26</a:t>
+            </a:r>
             <a:endParaRPr lang="zh-CN" altLang="en-US" dirty="0">
               <a:solidFill>
                 <a:schemeClr val="bg1"/>
@@ -5797,10 +5031,10 @@
       </p:sp>
       <p:sp>
         <p:nvSpPr>
-          <p:cNvPr id="6" name="Triangolo isoscele 5">
+          <p:cNvPr id="8" name="Triangolo isoscele 7">
             <a:extLst>
               <a:ext uri="{FF2B5EF4-FFF2-40B4-BE49-F238E27FC236}">
-                <a16:creationId xmlns:a16="http://schemas.microsoft.com/office/drawing/2014/main" id="{F4811C53-18E9-4E1F-BC09-C2A1E878D641}"/>
+                <a16:creationId xmlns:a16="http://schemas.microsoft.com/office/drawing/2014/main" id="{DA075087-4E0E-41BC-847B-05189B8D44C9}"/>
               </a:ext>
             </a:extLst>
           </p:cNvPr>
@@ -5809,8 +5043,8 @@
         </p:nvSpPr>
         <p:spPr>
           <a:xfrm>
-            <a:off x="8286750" y="6143437"/>
-            <a:ext cx="878889" cy="703983"/>
+            <a:off x="6054570" y="6134734"/>
+            <a:ext cx="3093314" cy="714563"/>
           </a:xfrm>
           <a:prstGeom prst="triangle">
             <a:avLst>
@@ -5851,10 +5085,10 @@
       </p:sp>
       <p:sp>
         <p:nvSpPr>
-          <p:cNvPr id="7" name="Segnaposto numero diapositiva 10">
+          <p:cNvPr id="13" name="Segnaposto numero diapositiva 10">
             <a:extLst>
               <a:ext uri="{FF2B5EF4-FFF2-40B4-BE49-F238E27FC236}">
-                <a16:creationId xmlns:a16="http://schemas.microsoft.com/office/drawing/2014/main" id="{50287E6C-60F8-4711-9730-7EF370C18770}"/>
+                <a16:creationId xmlns:a16="http://schemas.microsoft.com/office/drawing/2014/main" id="{651FE7BC-411F-4003-A363-FE8814FB7DF9}"/>
               </a:ext>
             </a:extLst>
           </p:cNvPr>
@@ -5865,8 +5099,8 @@
         </p:nvSpPr>
         <p:spPr>
           <a:xfrm>
-            <a:off x="8539236" y="6391960"/>
-            <a:ext cx="637446" cy="365125"/>
+            <a:off x="8007658" y="6391960"/>
+            <a:ext cx="1073774" cy="365125"/>
           </a:xfrm>
           <a:prstGeom prst="rect">
             <a:avLst/>
@@ -5980,6 +5214,14 @@
               <a:pPr algn="r"/>
               <a:t>12</a:t>
             </a:fld>
+            <a:r>
+              <a:rPr lang="it-IT" altLang="zh-CN" dirty="0">
+                <a:solidFill>
+                  <a:schemeClr val="bg1"/>
+                </a:solidFill>
+              </a:rPr>
+              <a:t>/26</a:t>
+            </a:r>
             <a:endParaRPr lang="zh-CN" altLang="en-US" dirty="0">
               <a:solidFill>
                 <a:schemeClr val="bg1"/>
@@ -6032,23 +5274,82 @@
       </p:grpSpPr>
       <p:sp>
         <p:nvSpPr>
-          <p:cNvPr id="47" name="Pentagono 46"/>
+          <p:cNvPr id="28" name="Rettangolo 27"/>
           <p:cNvSpPr/>
           <p:nvPr/>
         </p:nvSpPr>
         <p:spPr>
-          <a:xfrm flipH="1">
-            <a:off x="5643591" y="5551588"/>
-            <a:ext cx="3968625" cy="759600"/>
+          <a:xfrm>
+            <a:off x="1573008" y="274806"/>
+            <a:ext cx="6250615" cy="584775"/>
           </a:xfrm>
-          <a:prstGeom prst="homePlate">
+          <a:prstGeom prst="rect">
             <a:avLst/>
+          </a:prstGeom>
+        </p:spPr>
+        <p:txBody>
+          <a:bodyPr wrap="square">
+            <a:spAutoFit/>
+          </a:bodyPr>
+          <a:lstStyle/>
+          <a:p>
+            <a:r>
+              <a:rPr lang="en-US" altLang="zh-CN" sz="3200" b="1" dirty="0" err="1">
+                <a:solidFill>
+                  <a:srgbClr val="EE7633"/>
+                </a:solidFill>
+              </a:rPr>
+              <a:t>Norme</a:t>
+            </a:r>
+            <a:r>
+              <a:rPr lang="zh-CN" altLang="en-US" sz="3200" b="1" dirty="0">
+                <a:solidFill>
+                  <a:srgbClr val="EE7633"/>
+                </a:solidFill>
+              </a:rPr>
+              <a:t> </a:t>
+            </a:r>
+            <a:r>
+              <a:rPr lang="it-IT" altLang="zh-CN" sz="3200" b="1" dirty="0">
+                <a:solidFill>
+                  <a:srgbClr val="EE7633"/>
+                </a:solidFill>
+              </a:rPr>
+              <a:t>e strumenti</a:t>
+            </a:r>
+            <a:endParaRPr lang="it-IT" sz="3200" b="1" dirty="0">
+              <a:solidFill>
+                <a:srgbClr val="EE7633"/>
+              </a:solidFill>
+            </a:endParaRPr>
+          </a:p>
+        </p:txBody>
+      </p:sp>
+      <p:sp>
+        <p:nvSpPr>
+          <p:cNvPr id="23" name="Triangolo isoscele 22">
+            <a:extLst>
+              <a:ext uri="{FF2B5EF4-FFF2-40B4-BE49-F238E27FC236}">
+                <a16:creationId xmlns:a16="http://schemas.microsoft.com/office/drawing/2014/main" id="{FFC65234-5AB2-476B-BF74-538AD98B4255}"/>
+              </a:ext>
+            </a:extLst>
+          </p:cNvPr>
+          <p:cNvSpPr/>
+          <p:nvPr/>
+        </p:nvSpPr>
+        <p:spPr>
+          <a:xfrm>
+            <a:off x="6054570" y="6134734"/>
+            <a:ext cx="3093314" cy="714563"/>
+          </a:xfrm>
+          <a:prstGeom prst="triangle">
+            <a:avLst>
+              <a:gd name="adj" fmla="val 100000"/>
+            </a:avLst>
           </a:prstGeom>
           <a:solidFill>
             <a:schemeClr val="tx1">
-              <a:lumMod val="95000"/>
-              <a:lumOff val="5000"/>
-              <a:alpha val="37000"/>
+              <a:alpha val="18000"/>
             </a:schemeClr>
           </a:solidFill>
           <a:ln>
@@ -6074,20 +5375,317 @@
           <a:lstStyle/>
           <a:p>
             <a:pPr algn="ctr"/>
+            <a:endParaRPr lang="it-IT" dirty="0"/>
+          </a:p>
+        </p:txBody>
+      </p:sp>
+      <p:sp>
+        <p:nvSpPr>
+          <p:cNvPr id="24" name="Segnaposto numero diapositiva 10">
+            <a:extLst>
+              <a:ext uri="{FF2B5EF4-FFF2-40B4-BE49-F238E27FC236}">
+                <a16:creationId xmlns:a16="http://schemas.microsoft.com/office/drawing/2014/main" id="{D421F24E-C8AF-4EA4-9C6F-9C6C4067600B}"/>
+              </a:ext>
+            </a:extLst>
+          </p:cNvPr>
+          <p:cNvSpPr txBox="1">
+            <a:spLocks/>
+          </p:cNvSpPr>
+          <p:nvPr/>
+        </p:nvSpPr>
+        <p:spPr>
+          <a:xfrm>
+            <a:off x="8007658" y="6391960"/>
+            <a:ext cx="1073774" cy="365125"/>
+          </a:xfrm>
+          <a:prstGeom prst="rect">
+            <a:avLst/>
+          </a:prstGeom>
+        </p:spPr>
+        <p:txBody>
+          <a:bodyPr/>
+          <a:lstStyle>
+            <a:defPPr>
+              <a:defRPr lang="en-US"/>
+            </a:defPPr>
+            <a:lvl1pPr marL="0" algn="l" defTabSz="609630" rtl="0" eaLnBrk="1" latinLnBrk="0" hangingPunct="1">
+              <a:defRPr sz="2400" kern="1200">
+                <a:solidFill>
+                  <a:schemeClr val="tx1"/>
+                </a:solidFill>
+                <a:latin typeface="+mn-lt"/>
+                <a:ea typeface="+mn-ea"/>
+                <a:cs typeface="+mn-cs"/>
+              </a:defRPr>
+            </a:lvl1pPr>
+            <a:lvl2pPr marL="609630" algn="l" defTabSz="609630" rtl="0" eaLnBrk="1" latinLnBrk="0" hangingPunct="1">
+              <a:defRPr sz="2400" kern="1200">
+                <a:solidFill>
+                  <a:schemeClr val="tx1"/>
+                </a:solidFill>
+                <a:latin typeface="+mn-lt"/>
+                <a:ea typeface="+mn-ea"/>
+                <a:cs typeface="+mn-cs"/>
+              </a:defRPr>
+            </a:lvl2pPr>
+            <a:lvl3pPr marL="1219261" algn="l" defTabSz="609630" rtl="0" eaLnBrk="1" latinLnBrk="0" hangingPunct="1">
+              <a:defRPr sz="2400" kern="1200">
+                <a:solidFill>
+                  <a:schemeClr val="tx1"/>
+                </a:solidFill>
+                <a:latin typeface="+mn-lt"/>
+                <a:ea typeface="+mn-ea"/>
+                <a:cs typeface="+mn-cs"/>
+              </a:defRPr>
+            </a:lvl3pPr>
+            <a:lvl4pPr marL="1828891" algn="l" defTabSz="609630" rtl="0" eaLnBrk="1" latinLnBrk="0" hangingPunct="1">
+              <a:defRPr sz="2400" kern="1200">
+                <a:solidFill>
+                  <a:schemeClr val="tx1"/>
+                </a:solidFill>
+                <a:latin typeface="+mn-lt"/>
+                <a:ea typeface="+mn-ea"/>
+                <a:cs typeface="+mn-cs"/>
+              </a:defRPr>
+            </a:lvl4pPr>
+            <a:lvl5pPr marL="2438522" algn="l" defTabSz="609630" rtl="0" eaLnBrk="1" latinLnBrk="0" hangingPunct="1">
+              <a:defRPr sz="2400" kern="1200">
+                <a:solidFill>
+                  <a:schemeClr val="tx1"/>
+                </a:solidFill>
+                <a:latin typeface="+mn-lt"/>
+                <a:ea typeface="+mn-ea"/>
+                <a:cs typeface="+mn-cs"/>
+              </a:defRPr>
+            </a:lvl5pPr>
+            <a:lvl6pPr marL="3048152" algn="l" defTabSz="609630" rtl="0" eaLnBrk="1" latinLnBrk="0" hangingPunct="1">
+              <a:defRPr sz="2400" kern="1200">
+                <a:solidFill>
+                  <a:schemeClr val="tx1"/>
+                </a:solidFill>
+                <a:latin typeface="+mn-lt"/>
+                <a:ea typeface="+mn-ea"/>
+                <a:cs typeface="+mn-cs"/>
+              </a:defRPr>
+            </a:lvl6pPr>
+            <a:lvl7pPr marL="3657783" algn="l" defTabSz="609630" rtl="0" eaLnBrk="1" latinLnBrk="0" hangingPunct="1">
+              <a:defRPr sz="2400" kern="1200">
+                <a:solidFill>
+                  <a:schemeClr val="tx1"/>
+                </a:solidFill>
+                <a:latin typeface="+mn-lt"/>
+                <a:ea typeface="+mn-ea"/>
+                <a:cs typeface="+mn-cs"/>
+              </a:defRPr>
+            </a:lvl7pPr>
+            <a:lvl8pPr marL="4267413" algn="l" defTabSz="609630" rtl="0" eaLnBrk="1" latinLnBrk="0" hangingPunct="1">
+              <a:defRPr sz="2400" kern="1200">
+                <a:solidFill>
+                  <a:schemeClr val="tx1"/>
+                </a:solidFill>
+                <a:latin typeface="+mn-lt"/>
+                <a:ea typeface="+mn-ea"/>
+                <a:cs typeface="+mn-cs"/>
+              </a:defRPr>
+            </a:lvl8pPr>
+            <a:lvl9pPr marL="4877044" algn="l" defTabSz="609630" rtl="0" eaLnBrk="1" latinLnBrk="0" hangingPunct="1">
+              <a:defRPr sz="2400" kern="1200">
+                <a:solidFill>
+                  <a:schemeClr val="tx1"/>
+                </a:solidFill>
+                <a:latin typeface="+mn-lt"/>
+                <a:ea typeface="+mn-ea"/>
+                <a:cs typeface="+mn-cs"/>
+              </a:defRPr>
+            </a:lvl9pPr>
+          </a:lstStyle>
+          <a:p>
+            <a:pPr algn="r"/>
+            <a:fld id="{D02B8B2F-F691-4135-AF04-E5B2EA4DBD49}" type="slidenum">
+              <a:rPr lang="zh-CN" altLang="en-US" smtClean="0">
+                <a:solidFill>
+                  <a:schemeClr val="bg1"/>
+                </a:solidFill>
+              </a:rPr>
+              <a:pPr algn="r"/>
+              <a:t>13</a:t>
+            </a:fld>
+            <a:r>
+              <a:rPr lang="it-IT" altLang="zh-CN" dirty="0">
+                <a:solidFill>
+                  <a:schemeClr val="bg1"/>
+                </a:solidFill>
+              </a:rPr>
+              <a:t>/26</a:t>
+            </a:r>
+            <a:endParaRPr lang="zh-CN" altLang="en-US" dirty="0">
+              <a:solidFill>
+                <a:schemeClr val="bg1"/>
+              </a:solidFill>
+            </a:endParaRPr>
+          </a:p>
+        </p:txBody>
+      </p:sp>
+      <p:sp>
+        <p:nvSpPr>
+          <p:cNvPr id="52" name="Pentagono 46">
+            <a:extLst>
+              <a:ext uri="{FF2B5EF4-FFF2-40B4-BE49-F238E27FC236}">
+                <a16:creationId xmlns:a16="http://schemas.microsoft.com/office/drawing/2014/main" id="{7265E0B1-5A58-4E7A-B4F3-FE483F44BE05}"/>
+              </a:ext>
+            </a:extLst>
+          </p:cNvPr>
+          <p:cNvSpPr/>
+          <p:nvPr/>
+        </p:nvSpPr>
+        <p:spPr>
+          <a:xfrm>
+            <a:off x="1199113" y="5885176"/>
+            <a:ext cx="4397334" cy="759600"/>
+          </a:xfrm>
+          <a:prstGeom prst="homePlate">
+            <a:avLst/>
+          </a:prstGeom>
+          <a:solidFill>
+            <a:srgbClr val="558ED5"/>
+          </a:solidFill>
+          <a:ln>
+            <a:noFill/>
+          </a:ln>
+        </p:spPr>
+        <p:style>
+          <a:lnRef idx="1">
+            <a:schemeClr val="accent1"/>
+          </a:lnRef>
+          <a:fillRef idx="3">
+            <a:schemeClr val="accent1"/>
+          </a:fillRef>
+          <a:effectRef idx="2">
+            <a:schemeClr val="accent1"/>
+          </a:effectRef>
+          <a:fontRef idx="minor">
+            <a:schemeClr val="lt1"/>
+          </a:fontRef>
+        </p:style>
+        <p:txBody>
+          <a:bodyPr rtlCol="0" anchor="ctr"/>
+          <a:lstStyle>
+            <a:defPPr>
+              <a:defRPr lang="en-US"/>
+            </a:defPPr>
+            <a:lvl1pPr marL="0" algn="l" defTabSz="609630" rtl="0" eaLnBrk="1" latinLnBrk="0" hangingPunct="1">
+              <a:defRPr sz="2400" kern="1200">
+                <a:solidFill>
+                  <a:schemeClr val="lt1"/>
+                </a:solidFill>
+                <a:latin typeface="+mn-lt"/>
+                <a:ea typeface="+mn-ea"/>
+                <a:cs typeface="+mn-cs"/>
+              </a:defRPr>
+            </a:lvl1pPr>
+            <a:lvl2pPr marL="609630" algn="l" defTabSz="609630" rtl="0" eaLnBrk="1" latinLnBrk="0" hangingPunct="1">
+              <a:defRPr sz="2400" kern="1200">
+                <a:solidFill>
+                  <a:schemeClr val="lt1"/>
+                </a:solidFill>
+                <a:latin typeface="+mn-lt"/>
+                <a:ea typeface="+mn-ea"/>
+                <a:cs typeface="+mn-cs"/>
+              </a:defRPr>
+            </a:lvl2pPr>
+            <a:lvl3pPr marL="1219261" algn="l" defTabSz="609630" rtl="0" eaLnBrk="1" latinLnBrk="0" hangingPunct="1">
+              <a:defRPr sz="2400" kern="1200">
+                <a:solidFill>
+                  <a:schemeClr val="lt1"/>
+                </a:solidFill>
+                <a:latin typeface="+mn-lt"/>
+                <a:ea typeface="+mn-ea"/>
+                <a:cs typeface="+mn-cs"/>
+              </a:defRPr>
+            </a:lvl3pPr>
+            <a:lvl4pPr marL="1828891" algn="l" defTabSz="609630" rtl="0" eaLnBrk="1" latinLnBrk="0" hangingPunct="1">
+              <a:defRPr sz="2400" kern="1200">
+                <a:solidFill>
+                  <a:schemeClr val="lt1"/>
+                </a:solidFill>
+                <a:latin typeface="+mn-lt"/>
+                <a:ea typeface="+mn-ea"/>
+                <a:cs typeface="+mn-cs"/>
+              </a:defRPr>
+            </a:lvl4pPr>
+            <a:lvl5pPr marL="2438522" algn="l" defTabSz="609630" rtl="0" eaLnBrk="1" latinLnBrk="0" hangingPunct="1">
+              <a:defRPr sz="2400" kern="1200">
+                <a:solidFill>
+                  <a:schemeClr val="lt1"/>
+                </a:solidFill>
+                <a:latin typeface="+mn-lt"/>
+                <a:ea typeface="+mn-ea"/>
+                <a:cs typeface="+mn-cs"/>
+              </a:defRPr>
+            </a:lvl5pPr>
+            <a:lvl6pPr marL="3048152" algn="l" defTabSz="609630" rtl="0" eaLnBrk="1" latinLnBrk="0" hangingPunct="1">
+              <a:defRPr sz="2400" kern="1200">
+                <a:solidFill>
+                  <a:schemeClr val="lt1"/>
+                </a:solidFill>
+                <a:latin typeface="+mn-lt"/>
+                <a:ea typeface="+mn-ea"/>
+                <a:cs typeface="+mn-cs"/>
+              </a:defRPr>
+            </a:lvl6pPr>
+            <a:lvl7pPr marL="3657783" algn="l" defTabSz="609630" rtl="0" eaLnBrk="1" latinLnBrk="0" hangingPunct="1">
+              <a:defRPr sz="2400" kern="1200">
+                <a:solidFill>
+                  <a:schemeClr val="lt1"/>
+                </a:solidFill>
+                <a:latin typeface="+mn-lt"/>
+                <a:ea typeface="+mn-ea"/>
+                <a:cs typeface="+mn-cs"/>
+              </a:defRPr>
+            </a:lvl7pPr>
+            <a:lvl8pPr marL="4267413" algn="l" defTabSz="609630" rtl="0" eaLnBrk="1" latinLnBrk="0" hangingPunct="1">
+              <a:defRPr sz="2400" kern="1200">
+                <a:solidFill>
+                  <a:schemeClr val="lt1"/>
+                </a:solidFill>
+                <a:latin typeface="+mn-lt"/>
+                <a:ea typeface="+mn-ea"/>
+                <a:cs typeface="+mn-cs"/>
+              </a:defRPr>
+            </a:lvl8pPr>
+            <a:lvl9pPr marL="4877044" algn="l" defTabSz="609630" rtl="0" eaLnBrk="1" latinLnBrk="0" hangingPunct="1">
+              <a:defRPr sz="2400" kern="1200">
+                <a:solidFill>
+                  <a:schemeClr val="lt1"/>
+                </a:solidFill>
+                <a:latin typeface="+mn-lt"/>
+                <a:ea typeface="+mn-ea"/>
+                <a:cs typeface="+mn-cs"/>
+              </a:defRPr>
+            </a:lvl9pPr>
+          </a:lstStyle>
+          <a:p>
+            <a:pPr algn="ctr"/>
             <a:endParaRPr lang="it-IT"/>
           </a:p>
         </p:txBody>
       </p:sp>
       <p:sp>
         <p:nvSpPr>
-          <p:cNvPr id="38" name="任意多边形 22"/>
+          <p:cNvPr id="53" name="任意多边形 22">
+            <a:extLst>
+              <a:ext uri="{FF2B5EF4-FFF2-40B4-BE49-F238E27FC236}">
+                <a16:creationId xmlns:a16="http://schemas.microsoft.com/office/drawing/2014/main" id="{986014EF-5560-480C-8AE6-B150DA0E9695}"/>
+              </a:ext>
+            </a:extLst>
+          </p:cNvPr>
           <p:cNvSpPr/>
           <p:nvPr/>
         </p:nvSpPr>
         <p:spPr>
           <a:xfrm>
-            <a:off x="1749537" y="5645817"/>
-            <a:ext cx="3860428" cy="547774"/>
+            <a:off x="1199112" y="5874715"/>
+            <a:ext cx="4058687" cy="770061"/>
           </a:xfrm>
           <a:custGeom>
             <a:avLst/>
@@ -6183,12 +5781,7 @@
               </a:path>
             </a:pathLst>
           </a:custGeom>
-          <a:solidFill>
-            <a:schemeClr val="tx2">
-              <a:lumMod val="60000"/>
-              <a:lumOff val="40000"/>
-            </a:schemeClr>
-          </a:solidFill>
+          <a:noFill/>
           <a:ln>
             <a:noFill/>
           </a:ln>
@@ -6216,46 +5809,147 @@
           <a:bodyPr spcFirstLastPara="0" vert="horz" wrap="square" lIns="102568" tIns="102568" rIns="102568" bIns="102568" numCol="1" spcCol="1270" anchor="ctr" anchorCtr="0">
             <a:noAutofit/>
           </a:bodyPr>
-          <a:lstStyle/>
+          <a:lstStyle>
+            <a:defPPr>
+              <a:defRPr lang="en-US"/>
+            </a:defPPr>
+            <a:lvl1pPr marL="0" algn="l" defTabSz="609630" rtl="0" eaLnBrk="1" latinLnBrk="0" hangingPunct="1">
+              <a:defRPr sz="2400" kern="1200">
+                <a:solidFill>
+                  <a:schemeClr val="lt1"/>
+                </a:solidFill>
+                <a:latin typeface="+mn-lt"/>
+                <a:ea typeface="+mn-ea"/>
+                <a:cs typeface="+mn-cs"/>
+              </a:defRPr>
+            </a:lvl1pPr>
+            <a:lvl2pPr marL="609630" algn="l" defTabSz="609630" rtl="0" eaLnBrk="1" latinLnBrk="0" hangingPunct="1">
+              <a:defRPr sz="2400" kern="1200">
+                <a:solidFill>
+                  <a:schemeClr val="lt1"/>
+                </a:solidFill>
+                <a:latin typeface="+mn-lt"/>
+                <a:ea typeface="+mn-ea"/>
+                <a:cs typeface="+mn-cs"/>
+              </a:defRPr>
+            </a:lvl2pPr>
+            <a:lvl3pPr marL="1219261" algn="l" defTabSz="609630" rtl="0" eaLnBrk="1" latinLnBrk="0" hangingPunct="1">
+              <a:defRPr sz="2400" kern="1200">
+                <a:solidFill>
+                  <a:schemeClr val="lt1"/>
+                </a:solidFill>
+                <a:latin typeface="+mn-lt"/>
+                <a:ea typeface="+mn-ea"/>
+                <a:cs typeface="+mn-cs"/>
+              </a:defRPr>
+            </a:lvl3pPr>
+            <a:lvl4pPr marL="1828891" algn="l" defTabSz="609630" rtl="0" eaLnBrk="1" latinLnBrk="0" hangingPunct="1">
+              <a:defRPr sz="2400" kern="1200">
+                <a:solidFill>
+                  <a:schemeClr val="lt1"/>
+                </a:solidFill>
+                <a:latin typeface="+mn-lt"/>
+                <a:ea typeface="+mn-ea"/>
+                <a:cs typeface="+mn-cs"/>
+              </a:defRPr>
+            </a:lvl4pPr>
+            <a:lvl5pPr marL="2438522" algn="l" defTabSz="609630" rtl="0" eaLnBrk="1" latinLnBrk="0" hangingPunct="1">
+              <a:defRPr sz="2400" kern="1200">
+                <a:solidFill>
+                  <a:schemeClr val="lt1"/>
+                </a:solidFill>
+                <a:latin typeface="+mn-lt"/>
+                <a:ea typeface="+mn-ea"/>
+                <a:cs typeface="+mn-cs"/>
+              </a:defRPr>
+            </a:lvl5pPr>
+            <a:lvl6pPr marL="3048152" algn="l" defTabSz="609630" rtl="0" eaLnBrk="1" latinLnBrk="0" hangingPunct="1">
+              <a:defRPr sz="2400" kern="1200">
+                <a:solidFill>
+                  <a:schemeClr val="lt1"/>
+                </a:solidFill>
+                <a:latin typeface="+mn-lt"/>
+                <a:ea typeface="+mn-ea"/>
+                <a:cs typeface="+mn-cs"/>
+              </a:defRPr>
+            </a:lvl6pPr>
+            <a:lvl7pPr marL="3657783" algn="l" defTabSz="609630" rtl="0" eaLnBrk="1" latinLnBrk="0" hangingPunct="1">
+              <a:defRPr sz="2400" kern="1200">
+                <a:solidFill>
+                  <a:schemeClr val="lt1"/>
+                </a:solidFill>
+                <a:latin typeface="+mn-lt"/>
+                <a:ea typeface="+mn-ea"/>
+                <a:cs typeface="+mn-cs"/>
+              </a:defRPr>
+            </a:lvl7pPr>
+            <a:lvl8pPr marL="4267413" algn="l" defTabSz="609630" rtl="0" eaLnBrk="1" latinLnBrk="0" hangingPunct="1">
+              <a:defRPr sz="2400" kern="1200">
+                <a:solidFill>
+                  <a:schemeClr val="lt1"/>
+                </a:solidFill>
+                <a:latin typeface="+mn-lt"/>
+                <a:ea typeface="+mn-ea"/>
+                <a:cs typeface="+mn-cs"/>
+              </a:defRPr>
+            </a:lvl8pPr>
+            <a:lvl9pPr marL="4877044" algn="l" defTabSz="609630" rtl="0" eaLnBrk="1" latinLnBrk="0" hangingPunct="1">
+              <a:defRPr sz="2400" kern="1200">
+                <a:solidFill>
+                  <a:schemeClr val="lt1"/>
+                </a:solidFill>
+                <a:latin typeface="+mn-lt"/>
+                <a:ea typeface="+mn-ea"/>
+                <a:cs typeface="+mn-cs"/>
+              </a:defRPr>
+            </a:lvl9pPr>
+          </a:lstStyle>
           <a:p>
             <a:pPr algn="ctr" defTabSz="711081">
-              <a:lnSpc>
-                <a:spcPct val="90000"/>
-              </a:lnSpc>
               <a:spcBef>
                 <a:spcPct val="0"/>
               </a:spcBef>
-              <a:spcAft>
-                <a:spcPct val="35000"/>
-              </a:spcAft>
             </a:pPr>
             <a:r>
-              <a:rPr lang="it-IT" sz="1800" dirty="0"/>
-              <a:t>Tracciamento del lavoro del team</a:t>
+              <a:rPr lang="it-IT" sz="2000" b="1" dirty="0"/>
+              <a:t>Tracciamento del lavoro </a:t>
+            </a:r>
+          </a:p>
+          <a:p>
+            <a:pPr algn="ctr" defTabSz="711081">
+              <a:spcBef>
+                <a:spcPct val="0"/>
+              </a:spcBef>
+            </a:pPr>
+            <a:r>
+              <a:rPr lang="it-IT" sz="2000" b="1" dirty="0"/>
+              <a:t>del team</a:t>
             </a:r>
           </a:p>
         </p:txBody>
       </p:sp>
       <p:sp>
         <p:nvSpPr>
-          <p:cNvPr id="46" name="Pentagono 45"/>
+          <p:cNvPr id="54" name="Pentagono 45">
+            <a:extLst>
+              <a:ext uri="{FF2B5EF4-FFF2-40B4-BE49-F238E27FC236}">
+                <a16:creationId xmlns:a16="http://schemas.microsoft.com/office/drawing/2014/main" id="{393E7F06-0AA2-4536-BE8E-2F1C2E300B46}"/>
+              </a:ext>
+            </a:extLst>
+          </p:cNvPr>
           <p:cNvSpPr/>
           <p:nvPr/>
         </p:nvSpPr>
         <p:spPr>
-          <a:xfrm flipH="1">
-            <a:off x="5612586" y="4559423"/>
-            <a:ext cx="3968625" cy="759600"/>
+          <a:xfrm>
+            <a:off x="1204204" y="4893011"/>
+            <a:ext cx="4397334" cy="759600"/>
           </a:xfrm>
           <a:prstGeom prst="homePlate">
             <a:avLst/>
           </a:prstGeom>
           <a:solidFill>
-            <a:schemeClr val="tx1">
-              <a:lumMod val="95000"/>
-              <a:lumOff val="5000"/>
-              <a:alpha val="37000"/>
-            </a:schemeClr>
+            <a:srgbClr val="CCD351"/>
           </a:solidFill>
           <a:ln>
             <a:noFill/>
@@ -6277,7 +5971,101 @@
         </p:style>
         <p:txBody>
           <a:bodyPr rtlCol="0" anchor="ctr"/>
-          <a:lstStyle/>
+          <a:lstStyle>
+            <a:defPPr>
+              <a:defRPr lang="en-US"/>
+            </a:defPPr>
+            <a:lvl1pPr marL="0" algn="l" defTabSz="609630" rtl="0" eaLnBrk="1" latinLnBrk="0" hangingPunct="1">
+              <a:defRPr sz="2400" kern="1200">
+                <a:solidFill>
+                  <a:schemeClr val="lt1"/>
+                </a:solidFill>
+                <a:latin typeface="+mn-lt"/>
+                <a:ea typeface="+mn-ea"/>
+                <a:cs typeface="+mn-cs"/>
+              </a:defRPr>
+            </a:lvl1pPr>
+            <a:lvl2pPr marL="609630" algn="l" defTabSz="609630" rtl="0" eaLnBrk="1" latinLnBrk="0" hangingPunct="1">
+              <a:defRPr sz="2400" kern="1200">
+                <a:solidFill>
+                  <a:schemeClr val="lt1"/>
+                </a:solidFill>
+                <a:latin typeface="+mn-lt"/>
+                <a:ea typeface="+mn-ea"/>
+                <a:cs typeface="+mn-cs"/>
+              </a:defRPr>
+            </a:lvl2pPr>
+            <a:lvl3pPr marL="1219261" algn="l" defTabSz="609630" rtl="0" eaLnBrk="1" latinLnBrk="0" hangingPunct="1">
+              <a:defRPr sz="2400" kern="1200">
+                <a:solidFill>
+                  <a:schemeClr val="lt1"/>
+                </a:solidFill>
+                <a:latin typeface="+mn-lt"/>
+                <a:ea typeface="+mn-ea"/>
+                <a:cs typeface="+mn-cs"/>
+              </a:defRPr>
+            </a:lvl3pPr>
+            <a:lvl4pPr marL="1828891" algn="l" defTabSz="609630" rtl="0" eaLnBrk="1" latinLnBrk="0" hangingPunct="1">
+              <a:defRPr sz="2400" kern="1200">
+                <a:solidFill>
+                  <a:schemeClr val="lt1"/>
+                </a:solidFill>
+                <a:latin typeface="+mn-lt"/>
+                <a:ea typeface="+mn-ea"/>
+                <a:cs typeface="+mn-cs"/>
+              </a:defRPr>
+            </a:lvl4pPr>
+            <a:lvl5pPr marL="2438522" algn="l" defTabSz="609630" rtl="0" eaLnBrk="1" latinLnBrk="0" hangingPunct="1">
+              <a:defRPr sz="2400" kern="1200">
+                <a:solidFill>
+                  <a:schemeClr val="lt1"/>
+                </a:solidFill>
+                <a:latin typeface="+mn-lt"/>
+                <a:ea typeface="+mn-ea"/>
+                <a:cs typeface="+mn-cs"/>
+              </a:defRPr>
+            </a:lvl5pPr>
+            <a:lvl6pPr marL="3048152" algn="l" defTabSz="609630" rtl="0" eaLnBrk="1" latinLnBrk="0" hangingPunct="1">
+              <a:defRPr sz="2400" kern="1200">
+                <a:solidFill>
+                  <a:schemeClr val="lt1"/>
+                </a:solidFill>
+                <a:latin typeface="+mn-lt"/>
+                <a:ea typeface="+mn-ea"/>
+                <a:cs typeface="+mn-cs"/>
+              </a:defRPr>
+            </a:lvl6pPr>
+            <a:lvl7pPr marL="3657783" algn="l" defTabSz="609630" rtl="0" eaLnBrk="1" latinLnBrk="0" hangingPunct="1">
+              <a:defRPr sz="2400" kern="1200">
+                <a:solidFill>
+                  <a:schemeClr val="lt1"/>
+                </a:solidFill>
+                <a:latin typeface="+mn-lt"/>
+                <a:ea typeface="+mn-ea"/>
+                <a:cs typeface="+mn-cs"/>
+              </a:defRPr>
+            </a:lvl7pPr>
+            <a:lvl8pPr marL="4267413" algn="l" defTabSz="609630" rtl="0" eaLnBrk="1" latinLnBrk="0" hangingPunct="1">
+              <a:defRPr sz="2400" kern="1200">
+                <a:solidFill>
+                  <a:schemeClr val="lt1"/>
+                </a:solidFill>
+                <a:latin typeface="+mn-lt"/>
+                <a:ea typeface="+mn-ea"/>
+                <a:cs typeface="+mn-cs"/>
+              </a:defRPr>
+            </a:lvl8pPr>
+            <a:lvl9pPr marL="4877044" algn="l" defTabSz="609630" rtl="0" eaLnBrk="1" latinLnBrk="0" hangingPunct="1">
+              <a:defRPr sz="2400" kern="1200">
+                <a:solidFill>
+                  <a:schemeClr val="lt1"/>
+                </a:solidFill>
+                <a:latin typeface="+mn-lt"/>
+                <a:ea typeface="+mn-ea"/>
+                <a:cs typeface="+mn-cs"/>
+              </a:defRPr>
+            </a:lvl9pPr>
+          </a:lstStyle>
           <a:p>
             <a:pPr algn="ctr"/>
             <a:endParaRPr lang="it-IT"/>
@@ -6286,14 +6074,20 @@
       </p:sp>
       <p:sp>
         <p:nvSpPr>
-          <p:cNvPr id="43" name="任意多边形 22"/>
+          <p:cNvPr id="55" name="任意多边形 22">
+            <a:extLst>
+              <a:ext uri="{FF2B5EF4-FFF2-40B4-BE49-F238E27FC236}">
+                <a16:creationId xmlns:a16="http://schemas.microsoft.com/office/drawing/2014/main" id="{7C4466C0-7A82-4503-B791-EF2B535A6D44}"/>
+              </a:ext>
+            </a:extLst>
+          </p:cNvPr>
           <p:cNvSpPr/>
           <p:nvPr/>
         </p:nvSpPr>
         <p:spPr>
           <a:xfrm>
-            <a:off x="1749537" y="4661500"/>
-            <a:ext cx="3860428" cy="547774"/>
+            <a:off x="1129390" y="4872377"/>
+            <a:ext cx="4128409" cy="780234"/>
           </a:xfrm>
           <a:custGeom>
             <a:avLst/>
@@ -6389,9 +6183,7 @@
               </a:path>
             </a:pathLst>
           </a:custGeom>
-          <a:solidFill>
-            <a:srgbClr val="CBD351"/>
-          </a:solidFill>
+          <a:noFill/>
           <a:ln>
             <a:noFill/>
           </a:ln>
@@ -6419,7 +6211,101 @@
           <a:bodyPr spcFirstLastPara="0" vert="horz" wrap="square" lIns="102568" tIns="102568" rIns="102568" bIns="102568" numCol="1" spcCol="1270" anchor="ctr" anchorCtr="0">
             <a:noAutofit/>
           </a:bodyPr>
-          <a:lstStyle/>
+          <a:lstStyle>
+            <a:defPPr>
+              <a:defRPr lang="en-US"/>
+            </a:defPPr>
+            <a:lvl1pPr marL="0" algn="l" defTabSz="609630" rtl="0" eaLnBrk="1" latinLnBrk="0" hangingPunct="1">
+              <a:defRPr sz="2400" kern="1200">
+                <a:solidFill>
+                  <a:schemeClr val="lt1"/>
+                </a:solidFill>
+                <a:latin typeface="+mn-lt"/>
+                <a:ea typeface="+mn-ea"/>
+                <a:cs typeface="+mn-cs"/>
+              </a:defRPr>
+            </a:lvl1pPr>
+            <a:lvl2pPr marL="609630" algn="l" defTabSz="609630" rtl="0" eaLnBrk="1" latinLnBrk="0" hangingPunct="1">
+              <a:defRPr sz="2400" kern="1200">
+                <a:solidFill>
+                  <a:schemeClr val="lt1"/>
+                </a:solidFill>
+                <a:latin typeface="+mn-lt"/>
+                <a:ea typeface="+mn-ea"/>
+                <a:cs typeface="+mn-cs"/>
+              </a:defRPr>
+            </a:lvl2pPr>
+            <a:lvl3pPr marL="1219261" algn="l" defTabSz="609630" rtl="0" eaLnBrk="1" latinLnBrk="0" hangingPunct="1">
+              <a:defRPr sz="2400" kern="1200">
+                <a:solidFill>
+                  <a:schemeClr val="lt1"/>
+                </a:solidFill>
+                <a:latin typeface="+mn-lt"/>
+                <a:ea typeface="+mn-ea"/>
+                <a:cs typeface="+mn-cs"/>
+              </a:defRPr>
+            </a:lvl3pPr>
+            <a:lvl4pPr marL="1828891" algn="l" defTabSz="609630" rtl="0" eaLnBrk="1" latinLnBrk="0" hangingPunct="1">
+              <a:defRPr sz="2400" kern="1200">
+                <a:solidFill>
+                  <a:schemeClr val="lt1"/>
+                </a:solidFill>
+                <a:latin typeface="+mn-lt"/>
+                <a:ea typeface="+mn-ea"/>
+                <a:cs typeface="+mn-cs"/>
+              </a:defRPr>
+            </a:lvl4pPr>
+            <a:lvl5pPr marL="2438522" algn="l" defTabSz="609630" rtl="0" eaLnBrk="1" latinLnBrk="0" hangingPunct="1">
+              <a:defRPr sz="2400" kern="1200">
+                <a:solidFill>
+                  <a:schemeClr val="lt1"/>
+                </a:solidFill>
+                <a:latin typeface="+mn-lt"/>
+                <a:ea typeface="+mn-ea"/>
+                <a:cs typeface="+mn-cs"/>
+              </a:defRPr>
+            </a:lvl5pPr>
+            <a:lvl6pPr marL="3048152" algn="l" defTabSz="609630" rtl="0" eaLnBrk="1" latinLnBrk="0" hangingPunct="1">
+              <a:defRPr sz="2400" kern="1200">
+                <a:solidFill>
+                  <a:schemeClr val="lt1"/>
+                </a:solidFill>
+                <a:latin typeface="+mn-lt"/>
+                <a:ea typeface="+mn-ea"/>
+                <a:cs typeface="+mn-cs"/>
+              </a:defRPr>
+            </a:lvl6pPr>
+            <a:lvl7pPr marL="3657783" algn="l" defTabSz="609630" rtl="0" eaLnBrk="1" latinLnBrk="0" hangingPunct="1">
+              <a:defRPr sz="2400" kern="1200">
+                <a:solidFill>
+                  <a:schemeClr val="lt1"/>
+                </a:solidFill>
+                <a:latin typeface="+mn-lt"/>
+                <a:ea typeface="+mn-ea"/>
+                <a:cs typeface="+mn-cs"/>
+              </a:defRPr>
+            </a:lvl7pPr>
+            <a:lvl8pPr marL="4267413" algn="l" defTabSz="609630" rtl="0" eaLnBrk="1" latinLnBrk="0" hangingPunct="1">
+              <a:defRPr sz="2400" kern="1200">
+                <a:solidFill>
+                  <a:schemeClr val="lt1"/>
+                </a:solidFill>
+                <a:latin typeface="+mn-lt"/>
+                <a:ea typeface="+mn-ea"/>
+                <a:cs typeface="+mn-cs"/>
+              </a:defRPr>
+            </a:lvl8pPr>
+            <a:lvl9pPr marL="4877044" algn="l" defTabSz="609630" rtl="0" eaLnBrk="1" latinLnBrk="0" hangingPunct="1">
+              <a:defRPr sz="2400" kern="1200">
+                <a:solidFill>
+                  <a:schemeClr val="lt1"/>
+                </a:solidFill>
+                <a:latin typeface="+mn-lt"/>
+                <a:ea typeface="+mn-ea"/>
+                <a:cs typeface="+mn-cs"/>
+              </a:defRPr>
+            </a:lvl9pPr>
+          </a:lstStyle>
           <a:p>
             <a:pPr algn="ctr" defTabSz="711081">
               <a:spcBef>
@@ -6427,11 +6313,11 @@
               </a:spcBef>
             </a:pPr>
             <a:r>
-              <a:rPr lang="it-IT" sz="1800" dirty="0" err="1"/>
+              <a:rPr lang="it-IT" sz="2000" b="1" dirty="0" err="1"/>
               <a:t>Versionamento</a:t>
             </a:r>
             <a:r>
-              <a:rPr lang="it-IT" sz="1800" dirty="0"/>
+              <a:rPr lang="it-IT" sz="2000" b="1" dirty="0"/>
               <a:t> </a:t>
             </a:r>
           </a:p>
@@ -6442,33 +6328,35 @@
               </a:spcBef>
             </a:pPr>
             <a:r>
-              <a:rPr lang="it-IT" sz="1800" dirty="0"/>
+              <a:rPr lang="it-IT" sz="2000" b="1" dirty="0"/>
               <a:t>e salvataggio dei file</a:t>
             </a:r>
-            <a:endParaRPr lang="zh-CN" altLang="en-US" sz="1800" dirty="0"/>
+            <a:endParaRPr lang="zh-CN" altLang="en-US" sz="2000" b="1" dirty="0"/>
           </a:p>
         </p:txBody>
       </p:sp>
       <p:sp>
         <p:nvSpPr>
-          <p:cNvPr id="45" name="Pentagono 44"/>
+          <p:cNvPr id="56" name="Pentagono 44">
+            <a:extLst>
+              <a:ext uri="{FF2B5EF4-FFF2-40B4-BE49-F238E27FC236}">
+                <a16:creationId xmlns:a16="http://schemas.microsoft.com/office/drawing/2014/main" id="{3331875D-34D8-4D0E-82D9-56AE8FD32DEB}"/>
+              </a:ext>
+            </a:extLst>
+          </p:cNvPr>
           <p:cNvSpPr/>
           <p:nvPr/>
         </p:nvSpPr>
         <p:spPr>
-          <a:xfrm flipH="1">
-            <a:off x="5609965" y="3573791"/>
-            <a:ext cx="3968625" cy="759600"/>
+          <a:xfrm>
+            <a:off x="1129391" y="3907379"/>
+            <a:ext cx="4477325" cy="759600"/>
           </a:xfrm>
           <a:prstGeom prst="homePlate">
             <a:avLst/>
           </a:prstGeom>
           <a:solidFill>
-            <a:schemeClr val="tx1">
-              <a:lumMod val="95000"/>
-              <a:lumOff val="5000"/>
-              <a:alpha val="37000"/>
-            </a:schemeClr>
+            <a:srgbClr val="7F1D17"/>
           </a:solidFill>
           <a:ln>
             <a:noFill/>
@@ -6490,7 +6378,101 @@
         </p:style>
         <p:txBody>
           <a:bodyPr rtlCol="0" anchor="ctr"/>
-          <a:lstStyle/>
+          <a:lstStyle>
+            <a:defPPr>
+              <a:defRPr lang="en-US"/>
+            </a:defPPr>
+            <a:lvl1pPr marL="0" algn="l" defTabSz="609630" rtl="0" eaLnBrk="1" latinLnBrk="0" hangingPunct="1">
+              <a:defRPr sz="2400" kern="1200">
+                <a:solidFill>
+                  <a:schemeClr val="lt1"/>
+                </a:solidFill>
+                <a:latin typeface="+mn-lt"/>
+                <a:ea typeface="+mn-ea"/>
+                <a:cs typeface="+mn-cs"/>
+              </a:defRPr>
+            </a:lvl1pPr>
+            <a:lvl2pPr marL="609630" algn="l" defTabSz="609630" rtl="0" eaLnBrk="1" latinLnBrk="0" hangingPunct="1">
+              <a:defRPr sz="2400" kern="1200">
+                <a:solidFill>
+                  <a:schemeClr val="lt1"/>
+                </a:solidFill>
+                <a:latin typeface="+mn-lt"/>
+                <a:ea typeface="+mn-ea"/>
+                <a:cs typeface="+mn-cs"/>
+              </a:defRPr>
+            </a:lvl2pPr>
+            <a:lvl3pPr marL="1219261" algn="l" defTabSz="609630" rtl="0" eaLnBrk="1" latinLnBrk="0" hangingPunct="1">
+              <a:defRPr sz="2400" kern="1200">
+                <a:solidFill>
+                  <a:schemeClr val="lt1"/>
+                </a:solidFill>
+                <a:latin typeface="+mn-lt"/>
+                <a:ea typeface="+mn-ea"/>
+                <a:cs typeface="+mn-cs"/>
+              </a:defRPr>
+            </a:lvl3pPr>
+            <a:lvl4pPr marL="1828891" algn="l" defTabSz="609630" rtl="0" eaLnBrk="1" latinLnBrk="0" hangingPunct="1">
+              <a:defRPr sz="2400" kern="1200">
+                <a:solidFill>
+                  <a:schemeClr val="lt1"/>
+                </a:solidFill>
+                <a:latin typeface="+mn-lt"/>
+                <a:ea typeface="+mn-ea"/>
+                <a:cs typeface="+mn-cs"/>
+              </a:defRPr>
+            </a:lvl4pPr>
+            <a:lvl5pPr marL="2438522" algn="l" defTabSz="609630" rtl="0" eaLnBrk="1" latinLnBrk="0" hangingPunct="1">
+              <a:defRPr sz="2400" kern="1200">
+                <a:solidFill>
+                  <a:schemeClr val="lt1"/>
+                </a:solidFill>
+                <a:latin typeface="+mn-lt"/>
+                <a:ea typeface="+mn-ea"/>
+                <a:cs typeface="+mn-cs"/>
+              </a:defRPr>
+            </a:lvl5pPr>
+            <a:lvl6pPr marL="3048152" algn="l" defTabSz="609630" rtl="0" eaLnBrk="1" latinLnBrk="0" hangingPunct="1">
+              <a:defRPr sz="2400" kern="1200">
+                <a:solidFill>
+                  <a:schemeClr val="lt1"/>
+                </a:solidFill>
+                <a:latin typeface="+mn-lt"/>
+                <a:ea typeface="+mn-ea"/>
+                <a:cs typeface="+mn-cs"/>
+              </a:defRPr>
+            </a:lvl6pPr>
+            <a:lvl7pPr marL="3657783" algn="l" defTabSz="609630" rtl="0" eaLnBrk="1" latinLnBrk="0" hangingPunct="1">
+              <a:defRPr sz="2400" kern="1200">
+                <a:solidFill>
+                  <a:schemeClr val="lt1"/>
+                </a:solidFill>
+                <a:latin typeface="+mn-lt"/>
+                <a:ea typeface="+mn-ea"/>
+                <a:cs typeface="+mn-cs"/>
+              </a:defRPr>
+            </a:lvl7pPr>
+            <a:lvl8pPr marL="4267413" algn="l" defTabSz="609630" rtl="0" eaLnBrk="1" latinLnBrk="0" hangingPunct="1">
+              <a:defRPr sz="2400" kern="1200">
+                <a:solidFill>
+                  <a:schemeClr val="lt1"/>
+                </a:solidFill>
+                <a:latin typeface="+mn-lt"/>
+                <a:ea typeface="+mn-ea"/>
+                <a:cs typeface="+mn-cs"/>
+              </a:defRPr>
+            </a:lvl8pPr>
+            <a:lvl9pPr marL="4877044" algn="l" defTabSz="609630" rtl="0" eaLnBrk="1" latinLnBrk="0" hangingPunct="1">
+              <a:defRPr sz="2400" kern="1200">
+                <a:solidFill>
+                  <a:schemeClr val="lt1"/>
+                </a:solidFill>
+                <a:latin typeface="+mn-lt"/>
+                <a:ea typeface="+mn-ea"/>
+                <a:cs typeface="+mn-cs"/>
+              </a:defRPr>
+            </a:lvl9pPr>
+          </a:lstStyle>
           <a:p>
             <a:pPr algn="ctr"/>
             <a:endParaRPr lang="it-IT"/>
@@ -6499,14 +6481,20 @@
       </p:sp>
       <p:sp>
         <p:nvSpPr>
-          <p:cNvPr id="33" name="任意多边形 17"/>
+          <p:cNvPr id="57" name="任意多边形 17">
+            <a:extLst>
+              <a:ext uri="{FF2B5EF4-FFF2-40B4-BE49-F238E27FC236}">
+                <a16:creationId xmlns:a16="http://schemas.microsoft.com/office/drawing/2014/main" id="{D7C5A35F-0EC9-4DC2-B03D-06B886F471C8}"/>
+              </a:ext>
+            </a:extLst>
+          </p:cNvPr>
           <p:cNvSpPr/>
           <p:nvPr/>
         </p:nvSpPr>
         <p:spPr>
           <a:xfrm>
-            <a:off x="1749537" y="3672385"/>
-            <a:ext cx="3860429" cy="552572"/>
+            <a:off x="1199112" y="3884140"/>
+            <a:ext cx="4058688" cy="776306"/>
           </a:xfrm>
           <a:custGeom>
             <a:avLst/>
@@ -6602,9 +6590,7 @@
               </a:path>
             </a:pathLst>
           </a:custGeom>
-          <a:solidFill>
-            <a:srgbClr val="7F1D17"/>
-          </a:solidFill>
+          <a:noFill/>
           <a:ln>
             <a:noFill/>
           </a:ln>
@@ -6632,7 +6618,101 @@
           <a:bodyPr spcFirstLastPara="0" vert="horz" wrap="square" lIns="102568" tIns="102568" rIns="102568" bIns="102568" numCol="1" spcCol="1270" anchor="ctr" anchorCtr="0">
             <a:noAutofit/>
           </a:bodyPr>
-          <a:lstStyle/>
+          <a:lstStyle>
+            <a:defPPr>
+              <a:defRPr lang="en-US"/>
+            </a:defPPr>
+            <a:lvl1pPr marL="0" algn="l" defTabSz="609630" rtl="0" eaLnBrk="1" latinLnBrk="0" hangingPunct="1">
+              <a:defRPr sz="2400" kern="1200">
+                <a:solidFill>
+                  <a:schemeClr val="lt1"/>
+                </a:solidFill>
+                <a:latin typeface="+mn-lt"/>
+                <a:ea typeface="+mn-ea"/>
+                <a:cs typeface="+mn-cs"/>
+              </a:defRPr>
+            </a:lvl1pPr>
+            <a:lvl2pPr marL="609630" algn="l" defTabSz="609630" rtl="0" eaLnBrk="1" latinLnBrk="0" hangingPunct="1">
+              <a:defRPr sz="2400" kern="1200">
+                <a:solidFill>
+                  <a:schemeClr val="lt1"/>
+                </a:solidFill>
+                <a:latin typeface="+mn-lt"/>
+                <a:ea typeface="+mn-ea"/>
+                <a:cs typeface="+mn-cs"/>
+              </a:defRPr>
+            </a:lvl2pPr>
+            <a:lvl3pPr marL="1219261" algn="l" defTabSz="609630" rtl="0" eaLnBrk="1" latinLnBrk="0" hangingPunct="1">
+              <a:defRPr sz="2400" kern="1200">
+                <a:solidFill>
+                  <a:schemeClr val="lt1"/>
+                </a:solidFill>
+                <a:latin typeface="+mn-lt"/>
+                <a:ea typeface="+mn-ea"/>
+                <a:cs typeface="+mn-cs"/>
+              </a:defRPr>
+            </a:lvl3pPr>
+            <a:lvl4pPr marL="1828891" algn="l" defTabSz="609630" rtl="0" eaLnBrk="1" latinLnBrk="0" hangingPunct="1">
+              <a:defRPr sz="2400" kern="1200">
+                <a:solidFill>
+                  <a:schemeClr val="lt1"/>
+                </a:solidFill>
+                <a:latin typeface="+mn-lt"/>
+                <a:ea typeface="+mn-ea"/>
+                <a:cs typeface="+mn-cs"/>
+              </a:defRPr>
+            </a:lvl4pPr>
+            <a:lvl5pPr marL="2438522" algn="l" defTabSz="609630" rtl="0" eaLnBrk="1" latinLnBrk="0" hangingPunct="1">
+              <a:defRPr sz="2400" kern="1200">
+                <a:solidFill>
+                  <a:schemeClr val="lt1"/>
+                </a:solidFill>
+                <a:latin typeface="+mn-lt"/>
+                <a:ea typeface="+mn-ea"/>
+                <a:cs typeface="+mn-cs"/>
+              </a:defRPr>
+            </a:lvl5pPr>
+            <a:lvl6pPr marL="3048152" algn="l" defTabSz="609630" rtl="0" eaLnBrk="1" latinLnBrk="0" hangingPunct="1">
+              <a:defRPr sz="2400" kern="1200">
+                <a:solidFill>
+                  <a:schemeClr val="lt1"/>
+                </a:solidFill>
+                <a:latin typeface="+mn-lt"/>
+                <a:ea typeface="+mn-ea"/>
+                <a:cs typeface="+mn-cs"/>
+              </a:defRPr>
+            </a:lvl6pPr>
+            <a:lvl7pPr marL="3657783" algn="l" defTabSz="609630" rtl="0" eaLnBrk="1" latinLnBrk="0" hangingPunct="1">
+              <a:defRPr sz="2400" kern="1200">
+                <a:solidFill>
+                  <a:schemeClr val="lt1"/>
+                </a:solidFill>
+                <a:latin typeface="+mn-lt"/>
+                <a:ea typeface="+mn-ea"/>
+                <a:cs typeface="+mn-cs"/>
+              </a:defRPr>
+            </a:lvl7pPr>
+            <a:lvl8pPr marL="4267413" algn="l" defTabSz="609630" rtl="0" eaLnBrk="1" latinLnBrk="0" hangingPunct="1">
+              <a:defRPr sz="2400" kern="1200">
+                <a:solidFill>
+                  <a:schemeClr val="lt1"/>
+                </a:solidFill>
+                <a:latin typeface="+mn-lt"/>
+                <a:ea typeface="+mn-ea"/>
+                <a:cs typeface="+mn-cs"/>
+              </a:defRPr>
+            </a:lvl8pPr>
+            <a:lvl9pPr marL="4877044" algn="l" defTabSz="609630" rtl="0" eaLnBrk="1" latinLnBrk="0" hangingPunct="1">
+              <a:defRPr sz="2400" kern="1200">
+                <a:solidFill>
+                  <a:schemeClr val="lt1"/>
+                </a:solidFill>
+                <a:latin typeface="+mn-lt"/>
+                <a:ea typeface="+mn-ea"/>
+                <a:cs typeface="+mn-cs"/>
+              </a:defRPr>
+            </a:lvl9pPr>
+          </a:lstStyle>
           <a:p>
             <a:pPr algn="ctr" defTabSz="711081">
               <a:lnSpc>
@@ -6646,94 +6726,43 @@
               </a:spcAft>
             </a:pPr>
             <a:r>
-              <a:rPr lang="it-IT" sz="1800" dirty="0"/>
+              <a:rPr lang="it-IT" sz="2000" b="1" dirty="0"/>
               <a:t>Comunicazioni </a:t>
             </a:r>
             <a:r>
-              <a:rPr lang="en-US" altLang="zh-CN" sz="1800" dirty="0" err="1"/>
+              <a:rPr lang="en-US" altLang="zh-CN" sz="2000" b="1" dirty="0" err="1"/>
               <a:t>es</a:t>
             </a:r>
             <a:r>
-              <a:rPr lang="it-IT" sz="1800" dirty="0"/>
+              <a:rPr lang="it-IT" sz="2000" b="1" dirty="0"/>
               <a:t>terne</a:t>
             </a:r>
-            <a:endParaRPr lang="zh-CN" altLang="en-US" sz="1800" dirty="0"/>
+            <a:endParaRPr lang="zh-CN" altLang="en-US" sz="2000" b="1" dirty="0"/>
           </a:p>
         </p:txBody>
       </p:sp>
       <p:sp>
         <p:nvSpPr>
-          <p:cNvPr id="28" name="Rettangolo 27"/>
+          <p:cNvPr id="58" name="Pentagono 43">
+            <a:extLst>
+              <a:ext uri="{FF2B5EF4-FFF2-40B4-BE49-F238E27FC236}">
+                <a16:creationId xmlns:a16="http://schemas.microsoft.com/office/drawing/2014/main" id="{9B7C469F-E3BA-4F3E-B6A3-D14F94B482A2}"/>
+              </a:ext>
+            </a:extLst>
+          </p:cNvPr>
           <p:cNvSpPr/>
           <p:nvPr/>
         </p:nvSpPr>
         <p:spPr>
           <a:xfrm>
-            <a:off x="1573008" y="274806"/>
-            <a:ext cx="6250615" cy="584775"/>
-          </a:xfrm>
-          <a:prstGeom prst="rect">
-            <a:avLst/>
-          </a:prstGeom>
-        </p:spPr>
-        <p:txBody>
-          <a:bodyPr wrap="square">
-            <a:spAutoFit/>
-          </a:bodyPr>
-          <a:lstStyle/>
-          <a:p>
-            <a:r>
-              <a:rPr lang="en-US" altLang="zh-CN" sz="3200" b="1" dirty="0" err="1">
-                <a:solidFill>
-                  <a:srgbClr val="EE7633"/>
-                </a:solidFill>
-              </a:rPr>
-              <a:t>Norme</a:t>
-            </a:r>
-            <a:r>
-              <a:rPr lang="zh-CN" altLang="en-US" sz="3200" b="1" dirty="0">
-                <a:solidFill>
-                  <a:srgbClr val="EE7633"/>
-                </a:solidFill>
-              </a:rPr>
-              <a:t> </a:t>
-            </a:r>
-            <a:r>
-              <a:rPr lang="it-IT" altLang="zh-CN" sz="3200" b="1" dirty="0">
-                <a:solidFill>
-                  <a:srgbClr val="EE7633"/>
-                </a:solidFill>
-              </a:rPr>
-              <a:t>e strumenti</a:t>
-            </a:r>
-            <a:endParaRPr lang="it-IT" sz="3200" b="1" dirty="0">
-              <a:solidFill>
-                <a:srgbClr val="EE7633"/>
-              </a:solidFill>
-            </a:endParaRPr>
-          </a:p>
-        </p:txBody>
-      </p:sp>
-      <p:sp>
-        <p:nvSpPr>
-          <p:cNvPr id="44" name="Pentagono 43"/>
-          <p:cNvSpPr/>
-          <p:nvPr/>
-        </p:nvSpPr>
-        <p:spPr>
-          <a:xfrm flipH="1">
-            <a:off x="5609965" y="2585554"/>
-            <a:ext cx="3968625" cy="759600"/>
+            <a:off x="1201583" y="2919142"/>
+            <a:ext cx="4397334" cy="759600"/>
           </a:xfrm>
           <a:prstGeom prst="homePlate">
             <a:avLst/>
           </a:prstGeom>
           <a:solidFill>
-            <a:schemeClr val="tx1">
-              <a:lumMod val="95000"/>
-              <a:lumOff val="5000"/>
-              <a:alpha val="37000"/>
-            </a:schemeClr>
+            <a:srgbClr val="EE7633"/>
           </a:solidFill>
           <a:ln>
             <a:noFill/>
@@ -6755,10 +6784,1455 @@
         </p:style>
         <p:txBody>
           <a:bodyPr rtlCol="0" anchor="ctr"/>
-          <a:lstStyle/>
+          <a:lstStyle>
+            <a:defPPr>
+              <a:defRPr lang="en-US"/>
+            </a:defPPr>
+            <a:lvl1pPr marL="0" algn="l" defTabSz="609630" rtl="0" eaLnBrk="1" latinLnBrk="0" hangingPunct="1">
+              <a:defRPr sz="2400" kern="1200">
+                <a:solidFill>
+                  <a:schemeClr val="lt1"/>
+                </a:solidFill>
+                <a:latin typeface="+mn-lt"/>
+                <a:ea typeface="+mn-ea"/>
+                <a:cs typeface="+mn-cs"/>
+              </a:defRPr>
+            </a:lvl1pPr>
+            <a:lvl2pPr marL="609630" algn="l" defTabSz="609630" rtl="0" eaLnBrk="1" latinLnBrk="0" hangingPunct="1">
+              <a:defRPr sz="2400" kern="1200">
+                <a:solidFill>
+                  <a:schemeClr val="lt1"/>
+                </a:solidFill>
+                <a:latin typeface="+mn-lt"/>
+                <a:ea typeface="+mn-ea"/>
+                <a:cs typeface="+mn-cs"/>
+              </a:defRPr>
+            </a:lvl2pPr>
+            <a:lvl3pPr marL="1219261" algn="l" defTabSz="609630" rtl="0" eaLnBrk="1" latinLnBrk="0" hangingPunct="1">
+              <a:defRPr sz="2400" kern="1200">
+                <a:solidFill>
+                  <a:schemeClr val="lt1"/>
+                </a:solidFill>
+                <a:latin typeface="+mn-lt"/>
+                <a:ea typeface="+mn-ea"/>
+                <a:cs typeface="+mn-cs"/>
+              </a:defRPr>
+            </a:lvl3pPr>
+            <a:lvl4pPr marL="1828891" algn="l" defTabSz="609630" rtl="0" eaLnBrk="1" latinLnBrk="0" hangingPunct="1">
+              <a:defRPr sz="2400" kern="1200">
+                <a:solidFill>
+                  <a:schemeClr val="lt1"/>
+                </a:solidFill>
+                <a:latin typeface="+mn-lt"/>
+                <a:ea typeface="+mn-ea"/>
+                <a:cs typeface="+mn-cs"/>
+              </a:defRPr>
+            </a:lvl4pPr>
+            <a:lvl5pPr marL="2438522" algn="l" defTabSz="609630" rtl="0" eaLnBrk="1" latinLnBrk="0" hangingPunct="1">
+              <a:defRPr sz="2400" kern="1200">
+                <a:solidFill>
+                  <a:schemeClr val="lt1"/>
+                </a:solidFill>
+                <a:latin typeface="+mn-lt"/>
+                <a:ea typeface="+mn-ea"/>
+                <a:cs typeface="+mn-cs"/>
+              </a:defRPr>
+            </a:lvl5pPr>
+            <a:lvl6pPr marL="3048152" algn="l" defTabSz="609630" rtl="0" eaLnBrk="1" latinLnBrk="0" hangingPunct="1">
+              <a:defRPr sz="2400" kern="1200">
+                <a:solidFill>
+                  <a:schemeClr val="lt1"/>
+                </a:solidFill>
+                <a:latin typeface="+mn-lt"/>
+                <a:ea typeface="+mn-ea"/>
+                <a:cs typeface="+mn-cs"/>
+              </a:defRPr>
+            </a:lvl6pPr>
+            <a:lvl7pPr marL="3657783" algn="l" defTabSz="609630" rtl="0" eaLnBrk="1" latinLnBrk="0" hangingPunct="1">
+              <a:defRPr sz="2400" kern="1200">
+                <a:solidFill>
+                  <a:schemeClr val="lt1"/>
+                </a:solidFill>
+                <a:latin typeface="+mn-lt"/>
+                <a:ea typeface="+mn-ea"/>
+                <a:cs typeface="+mn-cs"/>
+              </a:defRPr>
+            </a:lvl7pPr>
+            <a:lvl8pPr marL="4267413" algn="l" defTabSz="609630" rtl="0" eaLnBrk="1" latinLnBrk="0" hangingPunct="1">
+              <a:defRPr sz="2400" kern="1200">
+                <a:solidFill>
+                  <a:schemeClr val="lt1"/>
+                </a:solidFill>
+                <a:latin typeface="+mn-lt"/>
+                <a:ea typeface="+mn-ea"/>
+                <a:cs typeface="+mn-cs"/>
+              </a:defRPr>
+            </a:lvl8pPr>
+            <a:lvl9pPr marL="4877044" algn="l" defTabSz="609630" rtl="0" eaLnBrk="1" latinLnBrk="0" hangingPunct="1">
+              <a:defRPr sz="2400" kern="1200">
+                <a:solidFill>
+                  <a:schemeClr val="lt1"/>
+                </a:solidFill>
+                <a:latin typeface="+mn-lt"/>
+                <a:ea typeface="+mn-ea"/>
+                <a:cs typeface="+mn-cs"/>
+              </a:defRPr>
+            </a:lvl9pPr>
+          </a:lstStyle>
           <a:p>
             <a:pPr algn="ctr"/>
             <a:endParaRPr lang="it-IT"/>
+          </a:p>
+        </p:txBody>
+      </p:sp>
+      <p:sp>
+        <p:nvSpPr>
+          <p:cNvPr id="59" name="任意多边形 17">
+            <a:extLst>
+              <a:ext uri="{FF2B5EF4-FFF2-40B4-BE49-F238E27FC236}">
+                <a16:creationId xmlns:a16="http://schemas.microsoft.com/office/drawing/2014/main" id="{91E0572F-6BF6-42B7-96F3-7690588A7D8E}"/>
+              </a:ext>
+            </a:extLst>
+          </p:cNvPr>
+          <p:cNvSpPr/>
+          <p:nvPr/>
+        </p:nvSpPr>
+        <p:spPr>
+          <a:xfrm>
+            <a:off x="1165488" y="2919141"/>
+            <a:ext cx="4128408" cy="738967"/>
+          </a:xfrm>
+          <a:custGeom>
+            <a:avLst/>
+            <a:gdLst>
+              <a:gd name="connsiteX0" fmla="*/ 0 w 1217846"/>
+              <a:gd name="connsiteY0" fmla="*/ 142104 h 852453"/>
+              <a:gd name="connsiteX1" fmla="*/ 142104 w 1217846"/>
+              <a:gd name="connsiteY1" fmla="*/ 0 h 852453"/>
+              <a:gd name="connsiteX2" fmla="*/ 1075742 w 1217846"/>
+              <a:gd name="connsiteY2" fmla="*/ 0 h 852453"/>
+              <a:gd name="connsiteX3" fmla="*/ 1217846 w 1217846"/>
+              <a:gd name="connsiteY3" fmla="*/ 142104 h 852453"/>
+              <a:gd name="connsiteX4" fmla="*/ 1217846 w 1217846"/>
+              <a:gd name="connsiteY4" fmla="*/ 710349 h 852453"/>
+              <a:gd name="connsiteX5" fmla="*/ 1075742 w 1217846"/>
+              <a:gd name="connsiteY5" fmla="*/ 852453 h 852453"/>
+              <a:gd name="connsiteX6" fmla="*/ 142104 w 1217846"/>
+              <a:gd name="connsiteY6" fmla="*/ 852453 h 852453"/>
+              <a:gd name="connsiteX7" fmla="*/ 0 w 1217846"/>
+              <a:gd name="connsiteY7" fmla="*/ 710349 h 852453"/>
+              <a:gd name="connsiteX8" fmla="*/ 0 w 1217846"/>
+              <a:gd name="connsiteY8" fmla="*/ 142104 h 852453"/>
+            </a:gdLst>
+            <a:ahLst/>
+            <a:cxnLst>
+              <a:cxn ang="0">
+                <a:pos x="connsiteX0" y="connsiteY0"/>
+              </a:cxn>
+              <a:cxn ang="0">
+                <a:pos x="connsiteX1" y="connsiteY1"/>
+              </a:cxn>
+              <a:cxn ang="0">
+                <a:pos x="connsiteX2" y="connsiteY2"/>
+              </a:cxn>
+              <a:cxn ang="0">
+                <a:pos x="connsiteX3" y="connsiteY3"/>
+              </a:cxn>
+              <a:cxn ang="0">
+                <a:pos x="connsiteX4" y="connsiteY4"/>
+              </a:cxn>
+              <a:cxn ang="0">
+                <a:pos x="connsiteX5" y="connsiteY5"/>
+              </a:cxn>
+              <a:cxn ang="0">
+                <a:pos x="connsiteX6" y="connsiteY6"/>
+              </a:cxn>
+              <a:cxn ang="0">
+                <a:pos x="connsiteX7" y="connsiteY7"/>
+              </a:cxn>
+              <a:cxn ang="0">
+                <a:pos x="connsiteX8" y="connsiteY8"/>
+              </a:cxn>
+            </a:cxnLst>
+            <a:rect l="l" t="t" r="r" b="b"/>
+            <a:pathLst>
+              <a:path w="1217846" h="852453">
+                <a:moveTo>
+                  <a:pt x="0" y="142104"/>
+                </a:moveTo>
+                <a:cubicBezTo>
+                  <a:pt x="0" y="63622"/>
+                  <a:pt x="63622" y="0"/>
+                  <a:pt x="142104" y="0"/>
+                </a:cubicBezTo>
+                <a:lnTo>
+                  <a:pt x="1075742" y="0"/>
+                </a:lnTo>
+                <a:cubicBezTo>
+                  <a:pt x="1154224" y="0"/>
+                  <a:pt x="1217846" y="63622"/>
+                  <a:pt x="1217846" y="142104"/>
+                </a:cubicBezTo>
+                <a:lnTo>
+                  <a:pt x="1217846" y="710349"/>
+                </a:lnTo>
+                <a:cubicBezTo>
+                  <a:pt x="1217846" y="788831"/>
+                  <a:pt x="1154224" y="852453"/>
+                  <a:pt x="1075742" y="852453"/>
+                </a:cubicBezTo>
+                <a:lnTo>
+                  <a:pt x="142104" y="852453"/>
+                </a:lnTo>
+                <a:cubicBezTo>
+                  <a:pt x="63622" y="852453"/>
+                  <a:pt x="0" y="788831"/>
+                  <a:pt x="0" y="710349"/>
+                </a:cubicBezTo>
+                <a:lnTo>
+                  <a:pt x="0" y="142104"/>
+                </a:lnTo>
+                <a:close/>
+              </a:path>
+            </a:pathLst>
+          </a:custGeom>
+          <a:noFill/>
+          <a:ln>
+            <a:noFill/>
+          </a:ln>
+        </p:spPr>
+        <p:style>
+          <a:lnRef idx="2">
+            <a:scrgbClr r="0" g="0" b="0"/>
+          </a:lnRef>
+          <a:fillRef idx="1">
+            <a:scrgbClr r="0" g="0" b="0"/>
+          </a:fillRef>
+          <a:effectRef idx="0">
+            <a:schemeClr val="accent1">
+              <a:hueOff val="0"/>
+              <a:satOff val="0"/>
+              <a:lumOff val="0"/>
+              <a:alphaOff val="0"/>
+            </a:schemeClr>
+          </a:effectRef>
+          <a:fontRef idx="minor">
+            <a:schemeClr val="lt1"/>
+          </a:fontRef>
+        </p:style>
+        <p:txBody>
+          <a:bodyPr spcFirstLastPara="0" vert="horz" wrap="square" lIns="102568" tIns="102568" rIns="102568" bIns="102568" numCol="1" spcCol="1270" anchor="ctr" anchorCtr="0">
+            <a:noAutofit/>
+          </a:bodyPr>
+          <a:lstStyle>
+            <a:defPPr>
+              <a:defRPr lang="en-US"/>
+            </a:defPPr>
+            <a:lvl1pPr marL="0" algn="l" defTabSz="609630" rtl="0" eaLnBrk="1" latinLnBrk="0" hangingPunct="1">
+              <a:defRPr sz="2400" kern="1200">
+                <a:solidFill>
+                  <a:schemeClr val="lt1"/>
+                </a:solidFill>
+                <a:latin typeface="+mn-lt"/>
+                <a:ea typeface="+mn-ea"/>
+                <a:cs typeface="+mn-cs"/>
+              </a:defRPr>
+            </a:lvl1pPr>
+            <a:lvl2pPr marL="609630" algn="l" defTabSz="609630" rtl="0" eaLnBrk="1" latinLnBrk="0" hangingPunct="1">
+              <a:defRPr sz="2400" kern="1200">
+                <a:solidFill>
+                  <a:schemeClr val="lt1"/>
+                </a:solidFill>
+                <a:latin typeface="+mn-lt"/>
+                <a:ea typeface="+mn-ea"/>
+                <a:cs typeface="+mn-cs"/>
+              </a:defRPr>
+            </a:lvl2pPr>
+            <a:lvl3pPr marL="1219261" algn="l" defTabSz="609630" rtl="0" eaLnBrk="1" latinLnBrk="0" hangingPunct="1">
+              <a:defRPr sz="2400" kern="1200">
+                <a:solidFill>
+                  <a:schemeClr val="lt1"/>
+                </a:solidFill>
+                <a:latin typeface="+mn-lt"/>
+                <a:ea typeface="+mn-ea"/>
+                <a:cs typeface="+mn-cs"/>
+              </a:defRPr>
+            </a:lvl3pPr>
+            <a:lvl4pPr marL="1828891" algn="l" defTabSz="609630" rtl="0" eaLnBrk="1" latinLnBrk="0" hangingPunct="1">
+              <a:defRPr sz="2400" kern="1200">
+                <a:solidFill>
+                  <a:schemeClr val="lt1"/>
+                </a:solidFill>
+                <a:latin typeface="+mn-lt"/>
+                <a:ea typeface="+mn-ea"/>
+                <a:cs typeface="+mn-cs"/>
+              </a:defRPr>
+            </a:lvl4pPr>
+            <a:lvl5pPr marL="2438522" algn="l" defTabSz="609630" rtl="0" eaLnBrk="1" latinLnBrk="0" hangingPunct="1">
+              <a:defRPr sz="2400" kern="1200">
+                <a:solidFill>
+                  <a:schemeClr val="lt1"/>
+                </a:solidFill>
+                <a:latin typeface="+mn-lt"/>
+                <a:ea typeface="+mn-ea"/>
+                <a:cs typeface="+mn-cs"/>
+              </a:defRPr>
+            </a:lvl5pPr>
+            <a:lvl6pPr marL="3048152" algn="l" defTabSz="609630" rtl="0" eaLnBrk="1" latinLnBrk="0" hangingPunct="1">
+              <a:defRPr sz="2400" kern="1200">
+                <a:solidFill>
+                  <a:schemeClr val="lt1"/>
+                </a:solidFill>
+                <a:latin typeface="+mn-lt"/>
+                <a:ea typeface="+mn-ea"/>
+                <a:cs typeface="+mn-cs"/>
+              </a:defRPr>
+            </a:lvl6pPr>
+            <a:lvl7pPr marL="3657783" algn="l" defTabSz="609630" rtl="0" eaLnBrk="1" latinLnBrk="0" hangingPunct="1">
+              <a:defRPr sz="2400" kern="1200">
+                <a:solidFill>
+                  <a:schemeClr val="lt1"/>
+                </a:solidFill>
+                <a:latin typeface="+mn-lt"/>
+                <a:ea typeface="+mn-ea"/>
+                <a:cs typeface="+mn-cs"/>
+              </a:defRPr>
+            </a:lvl7pPr>
+            <a:lvl8pPr marL="4267413" algn="l" defTabSz="609630" rtl="0" eaLnBrk="1" latinLnBrk="0" hangingPunct="1">
+              <a:defRPr sz="2400" kern="1200">
+                <a:solidFill>
+                  <a:schemeClr val="lt1"/>
+                </a:solidFill>
+                <a:latin typeface="+mn-lt"/>
+                <a:ea typeface="+mn-ea"/>
+                <a:cs typeface="+mn-cs"/>
+              </a:defRPr>
+            </a:lvl8pPr>
+            <a:lvl9pPr marL="4877044" algn="l" defTabSz="609630" rtl="0" eaLnBrk="1" latinLnBrk="0" hangingPunct="1">
+              <a:defRPr sz="2400" kern="1200">
+                <a:solidFill>
+                  <a:schemeClr val="lt1"/>
+                </a:solidFill>
+                <a:latin typeface="+mn-lt"/>
+                <a:ea typeface="+mn-ea"/>
+                <a:cs typeface="+mn-cs"/>
+              </a:defRPr>
+            </a:lvl9pPr>
+          </a:lstStyle>
+          <a:p>
+            <a:pPr algn="ctr" defTabSz="711081">
+              <a:lnSpc>
+                <a:spcPct val="90000"/>
+              </a:lnSpc>
+              <a:spcBef>
+                <a:spcPct val="0"/>
+              </a:spcBef>
+              <a:spcAft>
+                <a:spcPct val="35000"/>
+              </a:spcAft>
+            </a:pPr>
+            <a:r>
+              <a:rPr lang="it-IT" sz="2000" b="1" dirty="0"/>
+              <a:t>Comunicazioni interne informali</a:t>
+            </a:r>
+            <a:endParaRPr lang="zh-CN" altLang="en-US" sz="2000" b="1" dirty="0"/>
+          </a:p>
+        </p:txBody>
+      </p:sp>
+      <p:sp>
+        <p:nvSpPr>
+          <p:cNvPr id="60" name="Pentagono 6">
+            <a:extLst>
+              <a:ext uri="{FF2B5EF4-FFF2-40B4-BE49-F238E27FC236}">
+                <a16:creationId xmlns:a16="http://schemas.microsoft.com/office/drawing/2014/main" id="{F360B81A-ABD3-43F7-9C1F-9DA05E407545}"/>
+              </a:ext>
+            </a:extLst>
+          </p:cNvPr>
+          <p:cNvSpPr/>
+          <p:nvPr/>
+        </p:nvSpPr>
+        <p:spPr>
+          <a:xfrm>
+            <a:off x="1201584" y="1887388"/>
+            <a:ext cx="4397334" cy="759600"/>
+          </a:xfrm>
+          <a:prstGeom prst="homePlate">
+            <a:avLst/>
+          </a:prstGeom>
+          <a:solidFill>
+            <a:srgbClr val="3E846F"/>
+          </a:solidFill>
+          <a:ln>
+            <a:noFill/>
+          </a:ln>
+        </p:spPr>
+        <p:style>
+          <a:lnRef idx="1">
+            <a:schemeClr val="accent1"/>
+          </a:lnRef>
+          <a:fillRef idx="3">
+            <a:schemeClr val="accent1"/>
+          </a:fillRef>
+          <a:effectRef idx="2">
+            <a:schemeClr val="accent1"/>
+          </a:effectRef>
+          <a:fontRef idx="minor">
+            <a:schemeClr val="lt1"/>
+          </a:fontRef>
+        </p:style>
+        <p:txBody>
+          <a:bodyPr rtlCol="0" anchor="ctr"/>
+          <a:lstStyle>
+            <a:defPPr>
+              <a:defRPr lang="en-US"/>
+            </a:defPPr>
+            <a:lvl1pPr marL="0" algn="l" defTabSz="609630" rtl="0" eaLnBrk="1" latinLnBrk="0" hangingPunct="1">
+              <a:defRPr sz="2400" kern="1200">
+                <a:solidFill>
+                  <a:schemeClr val="lt1"/>
+                </a:solidFill>
+                <a:latin typeface="+mn-lt"/>
+                <a:ea typeface="+mn-ea"/>
+                <a:cs typeface="+mn-cs"/>
+              </a:defRPr>
+            </a:lvl1pPr>
+            <a:lvl2pPr marL="609630" algn="l" defTabSz="609630" rtl="0" eaLnBrk="1" latinLnBrk="0" hangingPunct="1">
+              <a:defRPr sz="2400" kern="1200">
+                <a:solidFill>
+                  <a:schemeClr val="lt1"/>
+                </a:solidFill>
+                <a:latin typeface="+mn-lt"/>
+                <a:ea typeface="+mn-ea"/>
+                <a:cs typeface="+mn-cs"/>
+              </a:defRPr>
+            </a:lvl2pPr>
+            <a:lvl3pPr marL="1219261" algn="l" defTabSz="609630" rtl="0" eaLnBrk="1" latinLnBrk="0" hangingPunct="1">
+              <a:defRPr sz="2400" kern="1200">
+                <a:solidFill>
+                  <a:schemeClr val="lt1"/>
+                </a:solidFill>
+                <a:latin typeface="+mn-lt"/>
+                <a:ea typeface="+mn-ea"/>
+                <a:cs typeface="+mn-cs"/>
+              </a:defRPr>
+            </a:lvl3pPr>
+            <a:lvl4pPr marL="1828891" algn="l" defTabSz="609630" rtl="0" eaLnBrk="1" latinLnBrk="0" hangingPunct="1">
+              <a:defRPr sz="2400" kern="1200">
+                <a:solidFill>
+                  <a:schemeClr val="lt1"/>
+                </a:solidFill>
+                <a:latin typeface="+mn-lt"/>
+                <a:ea typeface="+mn-ea"/>
+                <a:cs typeface="+mn-cs"/>
+              </a:defRPr>
+            </a:lvl4pPr>
+            <a:lvl5pPr marL="2438522" algn="l" defTabSz="609630" rtl="0" eaLnBrk="1" latinLnBrk="0" hangingPunct="1">
+              <a:defRPr sz="2400" kern="1200">
+                <a:solidFill>
+                  <a:schemeClr val="lt1"/>
+                </a:solidFill>
+                <a:latin typeface="+mn-lt"/>
+                <a:ea typeface="+mn-ea"/>
+                <a:cs typeface="+mn-cs"/>
+              </a:defRPr>
+            </a:lvl5pPr>
+            <a:lvl6pPr marL="3048152" algn="l" defTabSz="609630" rtl="0" eaLnBrk="1" latinLnBrk="0" hangingPunct="1">
+              <a:defRPr sz="2400" kern="1200">
+                <a:solidFill>
+                  <a:schemeClr val="lt1"/>
+                </a:solidFill>
+                <a:latin typeface="+mn-lt"/>
+                <a:ea typeface="+mn-ea"/>
+                <a:cs typeface="+mn-cs"/>
+              </a:defRPr>
+            </a:lvl6pPr>
+            <a:lvl7pPr marL="3657783" algn="l" defTabSz="609630" rtl="0" eaLnBrk="1" latinLnBrk="0" hangingPunct="1">
+              <a:defRPr sz="2400" kern="1200">
+                <a:solidFill>
+                  <a:schemeClr val="lt1"/>
+                </a:solidFill>
+                <a:latin typeface="+mn-lt"/>
+                <a:ea typeface="+mn-ea"/>
+                <a:cs typeface="+mn-cs"/>
+              </a:defRPr>
+            </a:lvl7pPr>
+            <a:lvl8pPr marL="4267413" algn="l" defTabSz="609630" rtl="0" eaLnBrk="1" latinLnBrk="0" hangingPunct="1">
+              <a:defRPr sz="2400" kern="1200">
+                <a:solidFill>
+                  <a:schemeClr val="lt1"/>
+                </a:solidFill>
+                <a:latin typeface="+mn-lt"/>
+                <a:ea typeface="+mn-ea"/>
+                <a:cs typeface="+mn-cs"/>
+              </a:defRPr>
+            </a:lvl8pPr>
+            <a:lvl9pPr marL="4877044" algn="l" defTabSz="609630" rtl="0" eaLnBrk="1" latinLnBrk="0" hangingPunct="1">
+              <a:defRPr sz="2400" kern="1200">
+                <a:solidFill>
+                  <a:schemeClr val="lt1"/>
+                </a:solidFill>
+                <a:latin typeface="+mn-lt"/>
+                <a:ea typeface="+mn-ea"/>
+                <a:cs typeface="+mn-cs"/>
+              </a:defRPr>
+            </a:lvl9pPr>
+          </a:lstStyle>
+          <a:p>
+            <a:pPr algn="ctr"/>
+            <a:endParaRPr lang="it-IT"/>
+          </a:p>
+        </p:txBody>
+      </p:sp>
+      <p:sp>
+        <p:nvSpPr>
+          <p:cNvPr id="61" name="任意多边形 14">
+            <a:extLst>
+              <a:ext uri="{FF2B5EF4-FFF2-40B4-BE49-F238E27FC236}">
+                <a16:creationId xmlns:a16="http://schemas.microsoft.com/office/drawing/2014/main" id="{56EE3A85-F087-455E-812C-12EE9CB9741A}"/>
+              </a:ext>
+            </a:extLst>
+          </p:cNvPr>
+          <p:cNvSpPr/>
+          <p:nvPr/>
+        </p:nvSpPr>
+        <p:spPr>
+          <a:xfrm>
+            <a:off x="1129392" y="1887388"/>
+            <a:ext cx="4128408" cy="759599"/>
+          </a:xfrm>
+          <a:custGeom>
+            <a:avLst/>
+            <a:gdLst>
+              <a:gd name="connsiteX0" fmla="*/ 0 w 1217846"/>
+              <a:gd name="connsiteY0" fmla="*/ 142104 h 852453"/>
+              <a:gd name="connsiteX1" fmla="*/ 142104 w 1217846"/>
+              <a:gd name="connsiteY1" fmla="*/ 0 h 852453"/>
+              <a:gd name="connsiteX2" fmla="*/ 1075742 w 1217846"/>
+              <a:gd name="connsiteY2" fmla="*/ 0 h 852453"/>
+              <a:gd name="connsiteX3" fmla="*/ 1217846 w 1217846"/>
+              <a:gd name="connsiteY3" fmla="*/ 142104 h 852453"/>
+              <a:gd name="connsiteX4" fmla="*/ 1217846 w 1217846"/>
+              <a:gd name="connsiteY4" fmla="*/ 710349 h 852453"/>
+              <a:gd name="connsiteX5" fmla="*/ 1075742 w 1217846"/>
+              <a:gd name="connsiteY5" fmla="*/ 852453 h 852453"/>
+              <a:gd name="connsiteX6" fmla="*/ 142104 w 1217846"/>
+              <a:gd name="connsiteY6" fmla="*/ 852453 h 852453"/>
+              <a:gd name="connsiteX7" fmla="*/ 0 w 1217846"/>
+              <a:gd name="connsiteY7" fmla="*/ 710349 h 852453"/>
+              <a:gd name="connsiteX8" fmla="*/ 0 w 1217846"/>
+              <a:gd name="connsiteY8" fmla="*/ 142104 h 852453"/>
+            </a:gdLst>
+            <a:ahLst/>
+            <a:cxnLst>
+              <a:cxn ang="0">
+                <a:pos x="connsiteX0" y="connsiteY0"/>
+              </a:cxn>
+              <a:cxn ang="0">
+                <a:pos x="connsiteX1" y="connsiteY1"/>
+              </a:cxn>
+              <a:cxn ang="0">
+                <a:pos x="connsiteX2" y="connsiteY2"/>
+              </a:cxn>
+              <a:cxn ang="0">
+                <a:pos x="connsiteX3" y="connsiteY3"/>
+              </a:cxn>
+              <a:cxn ang="0">
+                <a:pos x="connsiteX4" y="connsiteY4"/>
+              </a:cxn>
+              <a:cxn ang="0">
+                <a:pos x="connsiteX5" y="connsiteY5"/>
+              </a:cxn>
+              <a:cxn ang="0">
+                <a:pos x="connsiteX6" y="connsiteY6"/>
+              </a:cxn>
+              <a:cxn ang="0">
+                <a:pos x="connsiteX7" y="connsiteY7"/>
+              </a:cxn>
+              <a:cxn ang="0">
+                <a:pos x="connsiteX8" y="connsiteY8"/>
+              </a:cxn>
+            </a:cxnLst>
+            <a:rect l="l" t="t" r="r" b="b"/>
+            <a:pathLst>
+              <a:path w="1217846" h="852453">
+                <a:moveTo>
+                  <a:pt x="0" y="142104"/>
+                </a:moveTo>
+                <a:cubicBezTo>
+                  <a:pt x="0" y="63622"/>
+                  <a:pt x="63622" y="0"/>
+                  <a:pt x="142104" y="0"/>
+                </a:cubicBezTo>
+                <a:lnTo>
+                  <a:pt x="1075742" y="0"/>
+                </a:lnTo>
+                <a:cubicBezTo>
+                  <a:pt x="1154224" y="0"/>
+                  <a:pt x="1217846" y="63622"/>
+                  <a:pt x="1217846" y="142104"/>
+                </a:cubicBezTo>
+                <a:lnTo>
+                  <a:pt x="1217846" y="710349"/>
+                </a:lnTo>
+                <a:cubicBezTo>
+                  <a:pt x="1217846" y="788831"/>
+                  <a:pt x="1154224" y="852453"/>
+                  <a:pt x="1075742" y="852453"/>
+                </a:cubicBezTo>
+                <a:lnTo>
+                  <a:pt x="142104" y="852453"/>
+                </a:lnTo>
+                <a:cubicBezTo>
+                  <a:pt x="63622" y="852453"/>
+                  <a:pt x="0" y="788831"/>
+                  <a:pt x="0" y="710349"/>
+                </a:cubicBezTo>
+                <a:lnTo>
+                  <a:pt x="0" y="142104"/>
+                </a:lnTo>
+                <a:close/>
+              </a:path>
+            </a:pathLst>
+          </a:custGeom>
+          <a:noFill/>
+          <a:ln>
+            <a:noFill/>
+          </a:ln>
+        </p:spPr>
+        <p:style>
+          <a:lnRef idx="2">
+            <a:scrgbClr r="0" g="0" b="0"/>
+          </a:lnRef>
+          <a:fillRef idx="1">
+            <a:scrgbClr r="0" g="0" b="0"/>
+          </a:fillRef>
+          <a:effectRef idx="0">
+            <a:schemeClr val="accent1">
+              <a:hueOff val="0"/>
+              <a:satOff val="0"/>
+              <a:lumOff val="0"/>
+              <a:alphaOff val="0"/>
+            </a:schemeClr>
+          </a:effectRef>
+          <a:fontRef idx="minor">
+            <a:schemeClr val="lt1"/>
+          </a:fontRef>
+        </p:style>
+        <p:txBody>
+          <a:bodyPr spcFirstLastPara="0" vert="horz" wrap="square" lIns="102568" tIns="102568" rIns="102568" bIns="102568" numCol="1" spcCol="1270" anchor="ctr" anchorCtr="0">
+            <a:noAutofit/>
+          </a:bodyPr>
+          <a:lstStyle>
+            <a:defPPr>
+              <a:defRPr lang="en-US"/>
+            </a:defPPr>
+            <a:lvl1pPr marL="0" algn="l" defTabSz="609630" rtl="0" eaLnBrk="1" latinLnBrk="0" hangingPunct="1">
+              <a:defRPr sz="2400" kern="1200">
+                <a:solidFill>
+                  <a:schemeClr val="lt1"/>
+                </a:solidFill>
+                <a:latin typeface="+mn-lt"/>
+                <a:ea typeface="+mn-ea"/>
+                <a:cs typeface="+mn-cs"/>
+              </a:defRPr>
+            </a:lvl1pPr>
+            <a:lvl2pPr marL="609630" algn="l" defTabSz="609630" rtl="0" eaLnBrk="1" latinLnBrk="0" hangingPunct="1">
+              <a:defRPr sz="2400" kern="1200">
+                <a:solidFill>
+                  <a:schemeClr val="lt1"/>
+                </a:solidFill>
+                <a:latin typeface="+mn-lt"/>
+                <a:ea typeface="+mn-ea"/>
+                <a:cs typeface="+mn-cs"/>
+              </a:defRPr>
+            </a:lvl2pPr>
+            <a:lvl3pPr marL="1219261" algn="l" defTabSz="609630" rtl="0" eaLnBrk="1" latinLnBrk="0" hangingPunct="1">
+              <a:defRPr sz="2400" kern="1200">
+                <a:solidFill>
+                  <a:schemeClr val="lt1"/>
+                </a:solidFill>
+                <a:latin typeface="+mn-lt"/>
+                <a:ea typeface="+mn-ea"/>
+                <a:cs typeface="+mn-cs"/>
+              </a:defRPr>
+            </a:lvl3pPr>
+            <a:lvl4pPr marL="1828891" algn="l" defTabSz="609630" rtl="0" eaLnBrk="1" latinLnBrk="0" hangingPunct="1">
+              <a:defRPr sz="2400" kern="1200">
+                <a:solidFill>
+                  <a:schemeClr val="lt1"/>
+                </a:solidFill>
+                <a:latin typeface="+mn-lt"/>
+                <a:ea typeface="+mn-ea"/>
+                <a:cs typeface="+mn-cs"/>
+              </a:defRPr>
+            </a:lvl4pPr>
+            <a:lvl5pPr marL="2438522" algn="l" defTabSz="609630" rtl="0" eaLnBrk="1" latinLnBrk="0" hangingPunct="1">
+              <a:defRPr sz="2400" kern="1200">
+                <a:solidFill>
+                  <a:schemeClr val="lt1"/>
+                </a:solidFill>
+                <a:latin typeface="+mn-lt"/>
+                <a:ea typeface="+mn-ea"/>
+                <a:cs typeface="+mn-cs"/>
+              </a:defRPr>
+            </a:lvl5pPr>
+            <a:lvl6pPr marL="3048152" algn="l" defTabSz="609630" rtl="0" eaLnBrk="1" latinLnBrk="0" hangingPunct="1">
+              <a:defRPr sz="2400" kern="1200">
+                <a:solidFill>
+                  <a:schemeClr val="lt1"/>
+                </a:solidFill>
+                <a:latin typeface="+mn-lt"/>
+                <a:ea typeface="+mn-ea"/>
+                <a:cs typeface="+mn-cs"/>
+              </a:defRPr>
+            </a:lvl6pPr>
+            <a:lvl7pPr marL="3657783" algn="l" defTabSz="609630" rtl="0" eaLnBrk="1" latinLnBrk="0" hangingPunct="1">
+              <a:defRPr sz="2400" kern="1200">
+                <a:solidFill>
+                  <a:schemeClr val="lt1"/>
+                </a:solidFill>
+                <a:latin typeface="+mn-lt"/>
+                <a:ea typeface="+mn-ea"/>
+                <a:cs typeface="+mn-cs"/>
+              </a:defRPr>
+            </a:lvl7pPr>
+            <a:lvl8pPr marL="4267413" algn="l" defTabSz="609630" rtl="0" eaLnBrk="1" latinLnBrk="0" hangingPunct="1">
+              <a:defRPr sz="2400" kern="1200">
+                <a:solidFill>
+                  <a:schemeClr val="lt1"/>
+                </a:solidFill>
+                <a:latin typeface="+mn-lt"/>
+                <a:ea typeface="+mn-ea"/>
+                <a:cs typeface="+mn-cs"/>
+              </a:defRPr>
+            </a:lvl8pPr>
+            <a:lvl9pPr marL="4877044" algn="l" defTabSz="609630" rtl="0" eaLnBrk="1" latinLnBrk="0" hangingPunct="1">
+              <a:defRPr sz="2400" kern="1200">
+                <a:solidFill>
+                  <a:schemeClr val="lt1"/>
+                </a:solidFill>
+                <a:latin typeface="+mn-lt"/>
+                <a:ea typeface="+mn-ea"/>
+                <a:cs typeface="+mn-cs"/>
+              </a:defRPr>
+            </a:lvl9pPr>
+          </a:lstStyle>
+          <a:p>
+            <a:pPr algn="ctr" defTabSz="711081">
+              <a:lnSpc>
+                <a:spcPct val="90000"/>
+              </a:lnSpc>
+              <a:spcBef>
+                <a:spcPct val="0"/>
+              </a:spcBef>
+              <a:spcAft>
+                <a:spcPct val="35000"/>
+              </a:spcAft>
+            </a:pPr>
+            <a:r>
+              <a:rPr lang="it-IT" sz="2000" b="1" dirty="0"/>
+              <a:t>Comunicazioni interne formali</a:t>
+            </a:r>
+            <a:endParaRPr lang="zh-CN" altLang="en-US" sz="2000" b="1" dirty="0"/>
+          </a:p>
+        </p:txBody>
+      </p:sp>
+      <p:sp>
+        <p:nvSpPr>
+          <p:cNvPr id="62" name="Rettangolo 61">
+            <a:extLst>
+              <a:ext uri="{FF2B5EF4-FFF2-40B4-BE49-F238E27FC236}">
+                <a16:creationId xmlns:a16="http://schemas.microsoft.com/office/drawing/2014/main" id="{84F822BE-A18A-4AA9-A5D7-DF7EB422A1AA}"/>
+              </a:ext>
+            </a:extLst>
+          </p:cNvPr>
+          <p:cNvSpPr/>
+          <p:nvPr/>
+        </p:nvSpPr>
+        <p:spPr>
+          <a:xfrm>
+            <a:off x="5671110" y="2065941"/>
+            <a:ext cx="3125132" cy="400110"/>
+          </a:xfrm>
+          <a:prstGeom prst="rect">
+            <a:avLst/>
+          </a:prstGeom>
+        </p:spPr>
+        <p:txBody>
+          <a:bodyPr wrap="square">
+            <a:spAutoFit/>
+          </a:bodyPr>
+          <a:lstStyle>
+            <a:defPPr>
+              <a:defRPr lang="en-US"/>
+            </a:defPPr>
+            <a:lvl1pPr marL="0" algn="l" defTabSz="609630" rtl="0" eaLnBrk="1" latinLnBrk="0" hangingPunct="1">
+              <a:defRPr sz="2400" kern="1200">
+                <a:solidFill>
+                  <a:schemeClr val="tx1"/>
+                </a:solidFill>
+                <a:latin typeface="+mn-lt"/>
+                <a:ea typeface="+mn-ea"/>
+                <a:cs typeface="+mn-cs"/>
+              </a:defRPr>
+            </a:lvl1pPr>
+            <a:lvl2pPr marL="609630" algn="l" defTabSz="609630" rtl="0" eaLnBrk="1" latinLnBrk="0" hangingPunct="1">
+              <a:defRPr sz="2400" kern="1200">
+                <a:solidFill>
+                  <a:schemeClr val="tx1"/>
+                </a:solidFill>
+                <a:latin typeface="+mn-lt"/>
+                <a:ea typeface="+mn-ea"/>
+                <a:cs typeface="+mn-cs"/>
+              </a:defRPr>
+            </a:lvl2pPr>
+            <a:lvl3pPr marL="1219261" algn="l" defTabSz="609630" rtl="0" eaLnBrk="1" latinLnBrk="0" hangingPunct="1">
+              <a:defRPr sz="2400" kern="1200">
+                <a:solidFill>
+                  <a:schemeClr val="tx1"/>
+                </a:solidFill>
+                <a:latin typeface="+mn-lt"/>
+                <a:ea typeface="+mn-ea"/>
+                <a:cs typeface="+mn-cs"/>
+              </a:defRPr>
+            </a:lvl3pPr>
+            <a:lvl4pPr marL="1828891" algn="l" defTabSz="609630" rtl="0" eaLnBrk="1" latinLnBrk="0" hangingPunct="1">
+              <a:defRPr sz="2400" kern="1200">
+                <a:solidFill>
+                  <a:schemeClr val="tx1"/>
+                </a:solidFill>
+                <a:latin typeface="+mn-lt"/>
+                <a:ea typeface="+mn-ea"/>
+                <a:cs typeface="+mn-cs"/>
+              </a:defRPr>
+            </a:lvl4pPr>
+            <a:lvl5pPr marL="2438522" algn="l" defTabSz="609630" rtl="0" eaLnBrk="1" latinLnBrk="0" hangingPunct="1">
+              <a:defRPr sz="2400" kern="1200">
+                <a:solidFill>
+                  <a:schemeClr val="tx1"/>
+                </a:solidFill>
+                <a:latin typeface="+mn-lt"/>
+                <a:ea typeface="+mn-ea"/>
+                <a:cs typeface="+mn-cs"/>
+              </a:defRPr>
+            </a:lvl5pPr>
+            <a:lvl6pPr marL="3048152" algn="l" defTabSz="609630" rtl="0" eaLnBrk="1" latinLnBrk="0" hangingPunct="1">
+              <a:defRPr sz="2400" kern="1200">
+                <a:solidFill>
+                  <a:schemeClr val="tx1"/>
+                </a:solidFill>
+                <a:latin typeface="+mn-lt"/>
+                <a:ea typeface="+mn-ea"/>
+                <a:cs typeface="+mn-cs"/>
+              </a:defRPr>
+            </a:lvl6pPr>
+            <a:lvl7pPr marL="3657783" algn="l" defTabSz="609630" rtl="0" eaLnBrk="1" latinLnBrk="0" hangingPunct="1">
+              <a:defRPr sz="2400" kern="1200">
+                <a:solidFill>
+                  <a:schemeClr val="tx1"/>
+                </a:solidFill>
+                <a:latin typeface="+mn-lt"/>
+                <a:ea typeface="+mn-ea"/>
+                <a:cs typeface="+mn-cs"/>
+              </a:defRPr>
+            </a:lvl7pPr>
+            <a:lvl8pPr marL="4267413" algn="l" defTabSz="609630" rtl="0" eaLnBrk="1" latinLnBrk="0" hangingPunct="1">
+              <a:defRPr sz="2400" kern="1200">
+                <a:solidFill>
+                  <a:schemeClr val="tx1"/>
+                </a:solidFill>
+                <a:latin typeface="+mn-lt"/>
+                <a:ea typeface="+mn-ea"/>
+                <a:cs typeface="+mn-cs"/>
+              </a:defRPr>
+            </a:lvl8pPr>
+            <a:lvl9pPr marL="4877044" algn="l" defTabSz="609630" rtl="0" eaLnBrk="1" latinLnBrk="0" hangingPunct="1">
+              <a:defRPr sz="2400" kern="1200">
+                <a:solidFill>
+                  <a:schemeClr val="tx1"/>
+                </a:solidFill>
+                <a:latin typeface="+mn-lt"/>
+                <a:ea typeface="+mn-ea"/>
+                <a:cs typeface="+mn-cs"/>
+              </a:defRPr>
+            </a:lvl9pPr>
+          </a:lstStyle>
+          <a:p>
+            <a:r>
+              <a:rPr lang="it-IT" sz="2000" b="1" dirty="0">
+                <a:solidFill>
+                  <a:srgbClr val="1E1E1E"/>
+                </a:solidFill>
+              </a:rPr>
+              <a:t>SLACK </a:t>
+            </a:r>
+          </a:p>
+        </p:txBody>
+      </p:sp>
+      <p:sp>
+        <p:nvSpPr>
+          <p:cNvPr id="63" name="Rettangolo 62">
+            <a:extLst>
+              <a:ext uri="{FF2B5EF4-FFF2-40B4-BE49-F238E27FC236}">
+                <a16:creationId xmlns:a16="http://schemas.microsoft.com/office/drawing/2014/main" id="{49751DE8-51EF-4D76-920F-EF2E1CDB7630}"/>
+              </a:ext>
+            </a:extLst>
+          </p:cNvPr>
+          <p:cNvSpPr/>
+          <p:nvPr/>
+        </p:nvSpPr>
+        <p:spPr>
+          <a:xfrm>
+            <a:off x="5697967" y="3083959"/>
+            <a:ext cx="2426167" cy="400110"/>
+          </a:xfrm>
+          <a:prstGeom prst="rect">
+            <a:avLst/>
+          </a:prstGeom>
+        </p:spPr>
+        <p:txBody>
+          <a:bodyPr wrap="square">
+            <a:spAutoFit/>
+          </a:bodyPr>
+          <a:lstStyle>
+            <a:defPPr>
+              <a:defRPr lang="en-US"/>
+            </a:defPPr>
+            <a:lvl1pPr marL="0" algn="l" defTabSz="609630" rtl="0" eaLnBrk="1" latinLnBrk="0" hangingPunct="1">
+              <a:defRPr sz="2400" kern="1200">
+                <a:solidFill>
+                  <a:schemeClr val="tx1"/>
+                </a:solidFill>
+                <a:latin typeface="+mn-lt"/>
+                <a:ea typeface="+mn-ea"/>
+                <a:cs typeface="+mn-cs"/>
+              </a:defRPr>
+            </a:lvl1pPr>
+            <a:lvl2pPr marL="609630" algn="l" defTabSz="609630" rtl="0" eaLnBrk="1" latinLnBrk="0" hangingPunct="1">
+              <a:defRPr sz="2400" kern="1200">
+                <a:solidFill>
+                  <a:schemeClr val="tx1"/>
+                </a:solidFill>
+                <a:latin typeface="+mn-lt"/>
+                <a:ea typeface="+mn-ea"/>
+                <a:cs typeface="+mn-cs"/>
+              </a:defRPr>
+            </a:lvl2pPr>
+            <a:lvl3pPr marL="1219261" algn="l" defTabSz="609630" rtl="0" eaLnBrk="1" latinLnBrk="0" hangingPunct="1">
+              <a:defRPr sz="2400" kern="1200">
+                <a:solidFill>
+                  <a:schemeClr val="tx1"/>
+                </a:solidFill>
+                <a:latin typeface="+mn-lt"/>
+                <a:ea typeface="+mn-ea"/>
+                <a:cs typeface="+mn-cs"/>
+              </a:defRPr>
+            </a:lvl3pPr>
+            <a:lvl4pPr marL="1828891" algn="l" defTabSz="609630" rtl="0" eaLnBrk="1" latinLnBrk="0" hangingPunct="1">
+              <a:defRPr sz="2400" kern="1200">
+                <a:solidFill>
+                  <a:schemeClr val="tx1"/>
+                </a:solidFill>
+                <a:latin typeface="+mn-lt"/>
+                <a:ea typeface="+mn-ea"/>
+                <a:cs typeface="+mn-cs"/>
+              </a:defRPr>
+            </a:lvl4pPr>
+            <a:lvl5pPr marL="2438522" algn="l" defTabSz="609630" rtl="0" eaLnBrk="1" latinLnBrk="0" hangingPunct="1">
+              <a:defRPr sz="2400" kern="1200">
+                <a:solidFill>
+                  <a:schemeClr val="tx1"/>
+                </a:solidFill>
+                <a:latin typeface="+mn-lt"/>
+                <a:ea typeface="+mn-ea"/>
+                <a:cs typeface="+mn-cs"/>
+              </a:defRPr>
+            </a:lvl5pPr>
+            <a:lvl6pPr marL="3048152" algn="l" defTabSz="609630" rtl="0" eaLnBrk="1" latinLnBrk="0" hangingPunct="1">
+              <a:defRPr sz="2400" kern="1200">
+                <a:solidFill>
+                  <a:schemeClr val="tx1"/>
+                </a:solidFill>
+                <a:latin typeface="+mn-lt"/>
+                <a:ea typeface="+mn-ea"/>
+                <a:cs typeface="+mn-cs"/>
+              </a:defRPr>
+            </a:lvl6pPr>
+            <a:lvl7pPr marL="3657783" algn="l" defTabSz="609630" rtl="0" eaLnBrk="1" latinLnBrk="0" hangingPunct="1">
+              <a:defRPr sz="2400" kern="1200">
+                <a:solidFill>
+                  <a:schemeClr val="tx1"/>
+                </a:solidFill>
+                <a:latin typeface="+mn-lt"/>
+                <a:ea typeface="+mn-ea"/>
+                <a:cs typeface="+mn-cs"/>
+              </a:defRPr>
+            </a:lvl7pPr>
+            <a:lvl8pPr marL="4267413" algn="l" defTabSz="609630" rtl="0" eaLnBrk="1" latinLnBrk="0" hangingPunct="1">
+              <a:defRPr sz="2400" kern="1200">
+                <a:solidFill>
+                  <a:schemeClr val="tx1"/>
+                </a:solidFill>
+                <a:latin typeface="+mn-lt"/>
+                <a:ea typeface="+mn-ea"/>
+                <a:cs typeface="+mn-cs"/>
+              </a:defRPr>
+            </a:lvl8pPr>
+            <a:lvl9pPr marL="4877044" algn="l" defTabSz="609630" rtl="0" eaLnBrk="1" latinLnBrk="0" hangingPunct="1">
+              <a:defRPr sz="2400" kern="1200">
+                <a:solidFill>
+                  <a:schemeClr val="tx1"/>
+                </a:solidFill>
+                <a:latin typeface="+mn-lt"/>
+                <a:ea typeface="+mn-ea"/>
+                <a:cs typeface="+mn-cs"/>
+              </a:defRPr>
+            </a:lvl9pPr>
+          </a:lstStyle>
+          <a:p>
+            <a:r>
+              <a:rPr lang="en-US" altLang="zh-CN" sz="2000" b="1" dirty="0">
+                <a:solidFill>
+                  <a:srgbClr val="1E1E1E"/>
+                </a:solidFill>
+              </a:rPr>
+              <a:t>TELEGRAM</a:t>
+            </a:r>
+            <a:endParaRPr lang="it-IT" sz="1800" b="1" dirty="0">
+              <a:solidFill>
+                <a:srgbClr val="1E1E1E"/>
+              </a:solidFill>
+            </a:endParaRPr>
+          </a:p>
+        </p:txBody>
+      </p:sp>
+      <p:sp>
+        <p:nvSpPr>
+          <p:cNvPr id="64" name="Rettangolo 63">
+            <a:extLst>
+              <a:ext uri="{FF2B5EF4-FFF2-40B4-BE49-F238E27FC236}">
+                <a16:creationId xmlns:a16="http://schemas.microsoft.com/office/drawing/2014/main" id="{D33B0379-2839-4ACF-A5FB-07BA228161D7}"/>
+              </a:ext>
+            </a:extLst>
+          </p:cNvPr>
+          <p:cNvSpPr/>
+          <p:nvPr/>
+        </p:nvSpPr>
+        <p:spPr>
+          <a:xfrm>
+            <a:off x="5676436" y="4036829"/>
+            <a:ext cx="4895397" cy="400110"/>
+          </a:xfrm>
+          <a:prstGeom prst="rect">
+            <a:avLst/>
+          </a:prstGeom>
+        </p:spPr>
+        <p:txBody>
+          <a:bodyPr wrap="square">
+            <a:spAutoFit/>
+          </a:bodyPr>
+          <a:lstStyle>
+            <a:defPPr>
+              <a:defRPr lang="en-US"/>
+            </a:defPPr>
+            <a:lvl1pPr marL="0" algn="l" defTabSz="609630" rtl="0" eaLnBrk="1" latinLnBrk="0" hangingPunct="1">
+              <a:defRPr sz="2400" kern="1200">
+                <a:solidFill>
+                  <a:schemeClr val="tx1"/>
+                </a:solidFill>
+                <a:latin typeface="+mn-lt"/>
+                <a:ea typeface="+mn-ea"/>
+                <a:cs typeface="+mn-cs"/>
+              </a:defRPr>
+            </a:lvl1pPr>
+            <a:lvl2pPr marL="609630" algn="l" defTabSz="609630" rtl="0" eaLnBrk="1" latinLnBrk="0" hangingPunct="1">
+              <a:defRPr sz="2400" kern="1200">
+                <a:solidFill>
+                  <a:schemeClr val="tx1"/>
+                </a:solidFill>
+                <a:latin typeface="+mn-lt"/>
+                <a:ea typeface="+mn-ea"/>
+                <a:cs typeface="+mn-cs"/>
+              </a:defRPr>
+            </a:lvl2pPr>
+            <a:lvl3pPr marL="1219261" algn="l" defTabSz="609630" rtl="0" eaLnBrk="1" latinLnBrk="0" hangingPunct="1">
+              <a:defRPr sz="2400" kern="1200">
+                <a:solidFill>
+                  <a:schemeClr val="tx1"/>
+                </a:solidFill>
+                <a:latin typeface="+mn-lt"/>
+                <a:ea typeface="+mn-ea"/>
+                <a:cs typeface="+mn-cs"/>
+              </a:defRPr>
+            </a:lvl3pPr>
+            <a:lvl4pPr marL="1828891" algn="l" defTabSz="609630" rtl="0" eaLnBrk="1" latinLnBrk="0" hangingPunct="1">
+              <a:defRPr sz="2400" kern="1200">
+                <a:solidFill>
+                  <a:schemeClr val="tx1"/>
+                </a:solidFill>
+                <a:latin typeface="+mn-lt"/>
+                <a:ea typeface="+mn-ea"/>
+                <a:cs typeface="+mn-cs"/>
+              </a:defRPr>
+            </a:lvl4pPr>
+            <a:lvl5pPr marL="2438522" algn="l" defTabSz="609630" rtl="0" eaLnBrk="1" latinLnBrk="0" hangingPunct="1">
+              <a:defRPr sz="2400" kern="1200">
+                <a:solidFill>
+                  <a:schemeClr val="tx1"/>
+                </a:solidFill>
+                <a:latin typeface="+mn-lt"/>
+                <a:ea typeface="+mn-ea"/>
+                <a:cs typeface="+mn-cs"/>
+              </a:defRPr>
+            </a:lvl5pPr>
+            <a:lvl6pPr marL="3048152" algn="l" defTabSz="609630" rtl="0" eaLnBrk="1" latinLnBrk="0" hangingPunct="1">
+              <a:defRPr sz="2400" kern="1200">
+                <a:solidFill>
+                  <a:schemeClr val="tx1"/>
+                </a:solidFill>
+                <a:latin typeface="+mn-lt"/>
+                <a:ea typeface="+mn-ea"/>
+                <a:cs typeface="+mn-cs"/>
+              </a:defRPr>
+            </a:lvl6pPr>
+            <a:lvl7pPr marL="3657783" algn="l" defTabSz="609630" rtl="0" eaLnBrk="1" latinLnBrk="0" hangingPunct="1">
+              <a:defRPr sz="2400" kern="1200">
+                <a:solidFill>
+                  <a:schemeClr val="tx1"/>
+                </a:solidFill>
+                <a:latin typeface="+mn-lt"/>
+                <a:ea typeface="+mn-ea"/>
+                <a:cs typeface="+mn-cs"/>
+              </a:defRPr>
+            </a:lvl7pPr>
+            <a:lvl8pPr marL="4267413" algn="l" defTabSz="609630" rtl="0" eaLnBrk="1" latinLnBrk="0" hangingPunct="1">
+              <a:defRPr sz="2400" kern="1200">
+                <a:solidFill>
+                  <a:schemeClr val="tx1"/>
+                </a:solidFill>
+                <a:latin typeface="+mn-lt"/>
+                <a:ea typeface="+mn-ea"/>
+                <a:cs typeface="+mn-cs"/>
+              </a:defRPr>
+            </a:lvl8pPr>
+            <a:lvl9pPr marL="4877044" algn="l" defTabSz="609630" rtl="0" eaLnBrk="1" latinLnBrk="0" hangingPunct="1">
+              <a:defRPr sz="2400" kern="1200">
+                <a:solidFill>
+                  <a:schemeClr val="tx1"/>
+                </a:solidFill>
+                <a:latin typeface="+mn-lt"/>
+                <a:ea typeface="+mn-ea"/>
+                <a:cs typeface="+mn-cs"/>
+              </a:defRPr>
+            </a:lvl9pPr>
+          </a:lstStyle>
+          <a:p>
+            <a:r>
+              <a:rPr lang="it-IT" sz="2000" b="1" dirty="0" err="1">
+                <a:solidFill>
+                  <a:srgbClr val="1E1E1E"/>
+                </a:solidFill>
+              </a:rPr>
+              <a:t>graphite.swe@gmail.com</a:t>
+            </a:r>
+            <a:endParaRPr lang="it-IT" sz="2000" b="1" dirty="0">
+              <a:solidFill>
+                <a:srgbClr val="1E1E1E"/>
+              </a:solidFill>
+            </a:endParaRPr>
+          </a:p>
+        </p:txBody>
+      </p:sp>
+      <p:sp>
+        <p:nvSpPr>
+          <p:cNvPr id="65" name="Rettangolo 64">
+            <a:extLst>
+              <a:ext uri="{FF2B5EF4-FFF2-40B4-BE49-F238E27FC236}">
+                <a16:creationId xmlns:a16="http://schemas.microsoft.com/office/drawing/2014/main" id="{81CA7597-B500-45D8-AA2A-07949C6B7155}"/>
+              </a:ext>
+            </a:extLst>
+          </p:cNvPr>
+          <p:cNvSpPr/>
+          <p:nvPr/>
+        </p:nvSpPr>
+        <p:spPr>
+          <a:xfrm>
+            <a:off x="5697967" y="5072756"/>
+            <a:ext cx="3103601" cy="400110"/>
+          </a:xfrm>
+          <a:prstGeom prst="rect">
+            <a:avLst/>
+          </a:prstGeom>
+        </p:spPr>
+        <p:txBody>
+          <a:bodyPr wrap="square">
+            <a:spAutoFit/>
+          </a:bodyPr>
+          <a:lstStyle>
+            <a:defPPr>
+              <a:defRPr lang="en-US"/>
+            </a:defPPr>
+            <a:lvl1pPr marL="0" algn="l" defTabSz="609630" rtl="0" eaLnBrk="1" latinLnBrk="0" hangingPunct="1">
+              <a:defRPr sz="2400" kern="1200">
+                <a:solidFill>
+                  <a:schemeClr val="tx1"/>
+                </a:solidFill>
+                <a:latin typeface="+mn-lt"/>
+                <a:ea typeface="+mn-ea"/>
+                <a:cs typeface="+mn-cs"/>
+              </a:defRPr>
+            </a:lvl1pPr>
+            <a:lvl2pPr marL="609630" algn="l" defTabSz="609630" rtl="0" eaLnBrk="1" latinLnBrk="0" hangingPunct="1">
+              <a:defRPr sz="2400" kern="1200">
+                <a:solidFill>
+                  <a:schemeClr val="tx1"/>
+                </a:solidFill>
+                <a:latin typeface="+mn-lt"/>
+                <a:ea typeface="+mn-ea"/>
+                <a:cs typeface="+mn-cs"/>
+              </a:defRPr>
+            </a:lvl2pPr>
+            <a:lvl3pPr marL="1219261" algn="l" defTabSz="609630" rtl="0" eaLnBrk="1" latinLnBrk="0" hangingPunct="1">
+              <a:defRPr sz="2400" kern="1200">
+                <a:solidFill>
+                  <a:schemeClr val="tx1"/>
+                </a:solidFill>
+                <a:latin typeface="+mn-lt"/>
+                <a:ea typeface="+mn-ea"/>
+                <a:cs typeface="+mn-cs"/>
+              </a:defRPr>
+            </a:lvl3pPr>
+            <a:lvl4pPr marL="1828891" algn="l" defTabSz="609630" rtl="0" eaLnBrk="1" latinLnBrk="0" hangingPunct="1">
+              <a:defRPr sz="2400" kern="1200">
+                <a:solidFill>
+                  <a:schemeClr val="tx1"/>
+                </a:solidFill>
+                <a:latin typeface="+mn-lt"/>
+                <a:ea typeface="+mn-ea"/>
+                <a:cs typeface="+mn-cs"/>
+              </a:defRPr>
+            </a:lvl4pPr>
+            <a:lvl5pPr marL="2438522" algn="l" defTabSz="609630" rtl="0" eaLnBrk="1" latinLnBrk="0" hangingPunct="1">
+              <a:defRPr sz="2400" kern="1200">
+                <a:solidFill>
+                  <a:schemeClr val="tx1"/>
+                </a:solidFill>
+                <a:latin typeface="+mn-lt"/>
+                <a:ea typeface="+mn-ea"/>
+                <a:cs typeface="+mn-cs"/>
+              </a:defRPr>
+            </a:lvl5pPr>
+            <a:lvl6pPr marL="3048152" algn="l" defTabSz="609630" rtl="0" eaLnBrk="1" latinLnBrk="0" hangingPunct="1">
+              <a:defRPr sz="2400" kern="1200">
+                <a:solidFill>
+                  <a:schemeClr val="tx1"/>
+                </a:solidFill>
+                <a:latin typeface="+mn-lt"/>
+                <a:ea typeface="+mn-ea"/>
+                <a:cs typeface="+mn-cs"/>
+              </a:defRPr>
+            </a:lvl6pPr>
+            <a:lvl7pPr marL="3657783" algn="l" defTabSz="609630" rtl="0" eaLnBrk="1" latinLnBrk="0" hangingPunct="1">
+              <a:defRPr sz="2400" kern="1200">
+                <a:solidFill>
+                  <a:schemeClr val="tx1"/>
+                </a:solidFill>
+                <a:latin typeface="+mn-lt"/>
+                <a:ea typeface="+mn-ea"/>
+                <a:cs typeface="+mn-cs"/>
+              </a:defRPr>
+            </a:lvl7pPr>
+            <a:lvl8pPr marL="4267413" algn="l" defTabSz="609630" rtl="0" eaLnBrk="1" latinLnBrk="0" hangingPunct="1">
+              <a:defRPr sz="2400" kern="1200">
+                <a:solidFill>
+                  <a:schemeClr val="tx1"/>
+                </a:solidFill>
+                <a:latin typeface="+mn-lt"/>
+                <a:ea typeface="+mn-ea"/>
+                <a:cs typeface="+mn-cs"/>
+              </a:defRPr>
+            </a:lvl8pPr>
+            <a:lvl9pPr marL="4877044" algn="l" defTabSz="609630" rtl="0" eaLnBrk="1" latinLnBrk="0" hangingPunct="1">
+              <a:defRPr sz="2400" kern="1200">
+                <a:solidFill>
+                  <a:schemeClr val="tx1"/>
+                </a:solidFill>
+                <a:latin typeface="+mn-lt"/>
+                <a:ea typeface="+mn-ea"/>
+                <a:cs typeface="+mn-cs"/>
+              </a:defRPr>
+            </a:lvl9pPr>
+          </a:lstStyle>
+          <a:p>
+            <a:r>
+              <a:rPr lang="it-IT" sz="2000" b="1" dirty="0" err="1">
+                <a:solidFill>
+                  <a:srgbClr val="1E1E1E"/>
+                </a:solidFill>
+              </a:rPr>
+              <a:t>GitHub</a:t>
+            </a:r>
+            <a:r>
+              <a:rPr lang="it-IT" sz="1800" b="1" dirty="0">
+                <a:solidFill>
+                  <a:srgbClr val="1E1E1E"/>
+                </a:solidFill>
+              </a:rPr>
+              <a:t> </a:t>
+            </a:r>
+            <a:endParaRPr lang="zh-CN" altLang="en-US" sz="1800" b="1" dirty="0">
+              <a:solidFill>
+                <a:srgbClr val="1E1E1E"/>
+              </a:solidFill>
+            </a:endParaRPr>
+          </a:p>
+        </p:txBody>
+      </p:sp>
+      <p:sp>
+        <p:nvSpPr>
+          <p:cNvPr id="66" name="Rettangolo 65">
+            <a:extLst>
+              <a:ext uri="{FF2B5EF4-FFF2-40B4-BE49-F238E27FC236}">
+                <a16:creationId xmlns:a16="http://schemas.microsoft.com/office/drawing/2014/main" id="{BC567753-4F1D-4F3B-8425-D5CA9E1DC9E8}"/>
+              </a:ext>
+            </a:extLst>
+          </p:cNvPr>
+          <p:cNvSpPr/>
+          <p:nvPr/>
+        </p:nvSpPr>
+        <p:spPr>
+          <a:xfrm>
+            <a:off x="5697967" y="6071814"/>
+            <a:ext cx="3325029" cy="369332"/>
+          </a:xfrm>
+          <a:prstGeom prst="rect">
+            <a:avLst/>
+          </a:prstGeom>
+        </p:spPr>
+        <p:txBody>
+          <a:bodyPr wrap="square">
+            <a:spAutoFit/>
+          </a:bodyPr>
+          <a:lstStyle>
+            <a:defPPr>
+              <a:defRPr lang="en-US"/>
+            </a:defPPr>
+            <a:lvl1pPr marL="0" algn="l" defTabSz="609630" rtl="0" eaLnBrk="1" latinLnBrk="0" hangingPunct="1">
+              <a:defRPr sz="2400" kern="1200">
+                <a:solidFill>
+                  <a:schemeClr val="tx1"/>
+                </a:solidFill>
+                <a:latin typeface="+mn-lt"/>
+                <a:ea typeface="+mn-ea"/>
+                <a:cs typeface="+mn-cs"/>
+              </a:defRPr>
+            </a:lvl1pPr>
+            <a:lvl2pPr marL="609630" algn="l" defTabSz="609630" rtl="0" eaLnBrk="1" latinLnBrk="0" hangingPunct="1">
+              <a:defRPr sz="2400" kern="1200">
+                <a:solidFill>
+                  <a:schemeClr val="tx1"/>
+                </a:solidFill>
+                <a:latin typeface="+mn-lt"/>
+                <a:ea typeface="+mn-ea"/>
+                <a:cs typeface="+mn-cs"/>
+              </a:defRPr>
+            </a:lvl2pPr>
+            <a:lvl3pPr marL="1219261" algn="l" defTabSz="609630" rtl="0" eaLnBrk="1" latinLnBrk="0" hangingPunct="1">
+              <a:defRPr sz="2400" kern="1200">
+                <a:solidFill>
+                  <a:schemeClr val="tx1"/>
+                </a:solidFill>
+                <a:latin typeface="+mn-lt"/>
+                <a:ea typeface="+mn-ea"/>
+                <a:cs typeface="+mn-cs"/>
+              </a:defRPr>
+            </a:lvl3pPr>
+            <a:lvl4pPr marL="1828891" algn="l" defTabSz="609630" rtl="0" eaLnBrk="1" latinLnBrk="0" hangingPunct="1">
+              <a:defRPr sz="2400" kern="1200">
+                <a:solidFill>
+                  <a:schemeClr val="tx1"/>
+                </a:solidFill>
+                <a:latin typeface="+mn-lt"/>
+                <a:ea typeface="+mn-ea"/>
+                <a:cs typeface="+mn-cs"/>
+              </a:defRPr>
+            </a:lvl4pPr>
+            <a:lvl5pPr marL="2438522" algn="l" defTabSz="609630" rtl="0" eaLnBrk="1" latinLnBrk="0" hangingPunct="1">
+              <a:defRPr sz="2400" kern="1200">
+                <a:solidFill>
+                  <a:schemeClr val="tx1"/>
+                </a:solidFill>
+                <a:latin typeface="+mn-lt"/>
+                <a:ea typeface="+mn-ea"/>
+                <a:cs typeface="+mn-cs"/>
+              </a:defRPr>
+            </a:lvl5pPr>
+            <a:lvl6pPr marL="3048152" algn="l" defTabSz="609630" rtl="0" eaLnBrk="1" latinLnBrk="0" hangingPunct="1">
+              <a:defRPr sz="2400" kern="1200">
+                <a:solidFill>
+                  <a:schemeClr val="tx1"/>
+                </a:solidFill>
+                <a:latin typeface="+mn-lt"/>
+                <a:ea typeface="+mn-ea"/>
+                <a:cs typeface="+mn-cs"/>
+              </a:defRPr>
+            </a:lvl6pPr>
+            <a:lvl7pPr marL="3657783" algn="l" defTabSz="609630" rtl="0" eaLnBrk="1" latinLnBrk="0" hangingPunct="1">
+              <a:defRPr sz="2400" kern="1200">
+                <a:solidFill>
+                  <a:schemeClr val="tx1"/>
+                </a:solidFill>
+                <a:latin typeface="+mn-lt"/>
+                <a:ea typeface="+mn-ea"/>
+                <a:cs typeface="+mn-cs"/>
+              </a:defRPr>
+            </a:lvl7pPr>
+            <a:lvl8pPr marL="4267413" algn="l" defTabSz="609630" rtl="0" eaLnBrk="1" latinLnBrk="0" hangingPunct="1">
+              <a:defRPr sz="2400" kern="1200">
+                <a:solidFill>
+                  <a:schemeClr val="tx1"/>
+                </a:solidFill>
+                <a:latin typeface="+mn-lt"/>
+                <a:ea typeface="+mn-ea"/>
+                <a:cs typeface="+mn-cs"/>
+              </a:defRPr>
+            </a:lvl8pPr>
+            <a:lvl9pPr marL="4877044" algn="l" defTabSz="609630" rtl="0" eaLnBrk="1" latinLnBrk="0" hangingPunct="1">
+              <a:defRPr sz="2400" kern="1200">
+                <a:solidFill>
+                  <a:schemeClr val="tx1"/>
+                </a:solidFill>
+                <a:latin typeface="+mn-lt"/>
+                <a:ea typeface="+mn-ea"/>
+                <a:cs typeface="+mn-cs"/>
+              </a:defRPr>
+            </a:lvl9pPr>
+          </a:lstStyle>
+          <a:p>
+            <a:pPr defTabSz="711081">
+              <a:lnSpc>
+                <a:spcPct val="90000"/>
+              </a:lnSpc>
+              <a:spcBef>
+                <a:spcPct val="0"/>
+              </a:spcBef>
+              <a:spcAft>
+                <a:spcPct val="35000"/>
+              </a:spcAft>
+            </a:pPr>
+            <a:r>
+              <a:rPr lang="it-IT" sz="2000" b="1" dirty="0" err="1">
+                <a:solidFill>
+                  <a:srgbClr val="1E1E1E"/>
+                </a:solidFill>
+              </a:rPr>
+              <a:t>Wrike</a:t>
+            </a:r>
+            <a:endParaRPr lang="it-IT" sz="2000" b="1" dirty="0">
+              <a:solidFill>
+                <a:srgbClr val="1E1E1E"/>
+              </a:solidFill>
+            </a:endParaRPr>
           </a:p>
         </p:txBody>
       </p:sp>
@@ -6888,754 +8362,10 @@
           </a:p>
         </p:txBody>
       </p:sp>
-      <p:sp>
-        <p:nvSpPr>
-          <p:cNvPr id="22" name="任意多边形 17"/>
-          <p:cNvSpPr/>
-          <p:nvPr/>
-        </p:nvSpPr>
-        <p:spPr>
-          <a:xfrm>
-            <a:off x="1751656" y="2652665"/>
-            <a:ext cx="3858309" cy="583177"/>
-          </a:xfrm>
-          <a:custGeom>
-            <a:avLst/>
-            <a:gdLst>
-              <a:gd name="connsiteX0" fmla="*/ 0 w 1217846"/>
-              <a:gd name="connsiteY0" fmla="*/ 142104 h 852453"/>
-              <a:gd name="connsiteX1" fmla="*/ 142104 w 1217846"/>
-              <a:gd name="connsiteY1" fmla="*/ 0 h 852453"/>
-              <a:gd name="connsiteX2" fmla="*/ 1075742 w 1217846"/>
-              <a:gd name="connsiteY2" fmla="*/ 0 h 852453"/>
-              <a:gd name="connsiteX3" fmla="*/ 1217846 w 1217846"/>
-              <a:gd name="connsiteY3" fmla="*/ 142104 h 852453"/>
-              <a:gd name="connsiteX4" fmla="*/ 1217846 w 1217846"/>
-              <a:gd name="connsiteY4" fmla="*/ 710349 h 852453"/>
-              <a:gd name="connsiteX5" fmla="*/ 1075742 w 1217846"/>
-              <a:gd name="connsiteY5" fmla="*/ 852453 h 852453"/>
-              <a:gd name="connsiteX6" fmla="*/ 142104 w 1217846"/>
-              <a:gd name="connsiteY6" fmla="*/ 852453 h 852453"/>
-              <a:gd name="connsiteX7" fmla="*/ 0 w 1217846"/>
-              <a:gd name="connsiteY7" fmla="*/ 710349 h 852453"/>
-              <a:gd name="connsiteX8" fmla="*/ 0 w 1217846"/>
-              <a:gd name="connsiteY8" fmla="*/ 142104 h 852453"/>
-            </a:gdLst>
-            <a:ahLst/>
-            <a:cxnLst>
-              <a:cxn ang="0">
-                <a:pos x="connsiteX0" y="connsiteY0"/>
-              </a:cxn>
-              <a:cxn ang="0">
-                <a:pos x="connsiteX1" y="connsiteY1"/>
-              </a:cxn>
-              <a:cxn ang="0">
-                <a:pos x="connsiteX2" y="connsiteY2"/>
-              </a:cxn>
-              <a:cxn ang="0">
-                <a:pos x="connsiteX3" y="connsiteY3"/>
-              </a:cxn>
-              <a:cxn ang="0">
-                <a:pos x="connsiteX4" y="connsiteY4"/>
-              </a:cxn>
-              <a:cxn ang="0">
-                <a:pos x="connsiteX5" y="connsiteY5"/>
-              </a:cxn>
-              <a:cxn ang="0">
-                <a:pos x="connsiteX6" y="connsiteY6"/>
-              </a:cxn>
-              <a:cxn ang="0">
-                <a:pos x="connsiteX7" y="connsiteY7"/>
-              </a:cxn>
-              <a:cxn ang="0">
-                <a:pos x="connsiteX8" y="connsiteY8"/>
-              </a:cxn>
-            </a:cxnLst>
-            <a:rect l="l" t="t" r="r" b="b"/>
-            <a:pathLst>
-              <a:path w="1217846" h="852453">
-                <a:moveTo>
-                  <a:pt x="0" y="142104"/>
-                </a:moveTo>
-                <a:cubicBezTo>
-                  <a:pt x="0" y="63622"/>
-                  <a:pt x="63622" y="0"/>
-                  <a:pt x="142104" y="0"/>
-                </a:cubicBezTo>
-                <a:lnTo>
-                  <a:pt x="1075742" y="0"/>
-                </a:lnTo>
-                <a:cubicBezTo>
-                  <a:pt x="1154224" y="0"/>
-                  <a:pt x="1217846" y="63622"/>
-                  <a:pt x="1217846" y="142104"/>
-                </a:cubicBezTo>
-                <a:lnTo>
-                  <a:pt x="1217846" y="710349"/>
-                </a:lnTo>
-                <a:cubicBezTo>
-                  <a:pt x="1217846" y="788831"/>
-                  <a:pt x="1154224" y="852453"/>
-                  <a:pt x="1075742" y="852453"/>
-                </a:cubicBezTo>
-                <a:lnTo>
-                  <a:pt x="142104" y="852453"/>
-                </a:lnTo>
-                <a:cubicBezTo>
-                  <a:pt x="63622" y="852453"/>
-                  <a:pt x="0" y="788831"/>
-                  <a:pt x="0" y="710349"/>
-                </a:cubicBezTo>
-                <a:lnTo>
-                  <a:pt x="0" y="142104"/>
-                </a:lnTo>
-                <a:close/>
-              </a:path>
-            </a:pathLst>
-          </a:custGeom>
-          <a:solidFill>
-            <a:srgbClr val="F4772A"/>
-          </a:solidFill>
-          <a:ln>
-            <a:noFill/>
-          </a:ln>
-        </p:spPr>
-        <p:style>
-          <a:lnRef idx="2">
-            <a:scrgbClr r="0" g="0" b="0"/>
-          </a:lnRef>
-          <a:fillRef idx="1">
-            <a:scrgbClr r="0" g="0" b="0"/>
-          </a:fillRef>
-          <a:effectRef idx="0">
-            <a:schemeClr val="accent1">
-              <a:hueOff val="0"/>
-              <a:satOff val="0"/>
-              <a:lumOff val="0"/>
-              <a:alphaOff val="0"/>
-            </a:schemeClr>
-          </a:effectRef>
-          <a:fontRef idx="minor">
-            <a:schemeClr val="lt1"/>
-          </a:fontRef>
-        </p:style>
-        <p:txBody>
-          <a:bodyPr spcFirstLastPara="0" vert="horz" wrap="square" lIns="102568" tIns="102568" rIns="102568" bIns="102568" numCol="1" spcCol="1270" anchor="ctr" anchorCtr="0">
-            <a:noAutofit/>
-          </a:bodyPr>
-          <a:lstStyle/>
-          <a:p>
-            <a:pPr algn="ctr" defTabSz="711081">
-              <a:lnSpc>
-                <a:spcPct val="90000"/>
-              </a:lnSpc>
-              <a:spcBef>
-                <a:spcPct val="0"/>
-              </a:spcBef>
-              <a:spcAft>
-                <a:spcPct val="35000"/>
-              </a:spcAft>
-            </a:pPr>
-            <a:r>
-              <a:rPr lang="it-IT" sz="1800" dirty="0"/>
-              <a:t>Comunicazioni interne informali</a:t>
-            </a:r>
-            <a:endParaRPr lang="zh-CN" altLang="en-US" sz="1800" dirty="0"/>
-          </a:p>
-        </p:txBody>
-      </p:sp>
-      <p:sp>
-        <p:nvSpPr>
-          <p:cNvPr id="7" name="Pentagono 6"/>
-          <p:cNvSpPr/>
-          <p:nvPr/>
-        </p:nvSpPr>
-        <p:spPr>
-          <a:xfrm flipH="1">
-            <a:off x="5609966" y="1553800"/>
-            <a:ext cx="3968625" cy="759600"/>
-          </a:xfrm>
-          <a:prstGeom prst="homePlate">
-            <a:avLst/>
-          </a:prstGeom>
-          <a:solidFill>
-            <a:schemeClr val="tx1">
-              <a:lumMod val="95000"/>
-              <a:lumOff val="5000"/>
-              <a:alpha val="37000"/>
-            </a:schemeClr>
-          </a:solidFill>
-          <a:ln>
-            <a:noFill/>
-          </a:ln>
-        </p:spPr>
-        <p:style>
-          <a:lnRef idx="1">
-            <a:schemeClr val="accent1"/>
-          </a:lnRef>
-          <a:fillRef idx="3">
-            <a:schemeClr val="accent1"/>
-          </a:fillRef>
-          <a:effectRef idx="2">
-            <a:schemeClr val="accent1"/>
-          </a:effectRef>
-          <a:fontRef idx="minor">
-            <a:schemeClr val="lt1"/>
-          </a:fontRef>
-        </p:style>
-        <p:txBody>
-          <a:bodyPr rtlCol="0" anchor="ctr"/>
-          <a:lstStyle/>
-          <a:p>
-            <a:pPr algn="ctr"/>
-            <a:endParaRPr lang="it-IT"/>
-          </a:p>
-        </p:txBody>
-      </p:sp>
-      <p:sp>
-        <p:nvSpPr>
-          <p:cNvPr id="17" name="任意多边形 14"/>
-          <p:cNvSpPr/>
-          <p:nvPr/>
-        </p:nvSpPr>
-        <p:spPr>
-          <a:xfrm>
-            <a:off x="1751657" y="1618272"/>
-            <a:ext cx="3858309" cy="597850"/>
-          </a:xfrm>
-          <a:custGeom>
-            <a:avLst/>
-            <a:gdLst>
-              <a:gd name="connsiteX0" fmla="*/ 0 w 1217846"/>
-              <a:gd name="connsiteY0" fmla="*/ 142104 h 852453"/>
-              <a:gd name="connsiteX1" fmla="*/ 142104 w 1217846"/>
-              <a:gd name="connsiteY1" fmla="*/ 0 h 852453"/>
-              <a:gd name="connsiteX2" fmla="*/ 1075742 w 1217846"/>
-              <a:gd name="connsiteY2" fmla="*/ 0 h 852453"/>
-              <a:gd name="connsiteX3" fmla="*/ 1217846 w 1217846"/>
-              <a:gd name="connsiteY3" fmla="*/ 142104 h 852453"/>
-              <a:gd name="connsiteX4" fmla="*/ 1217846 w 1217846"/>
-              <a:gd name="connsiteY4" fmla="*/ 710349 h 852453"/>
-              <a:gd name="connsiteX5" fmla="*/ 1075742 w 1217846"/>
-              <a:gd name="connsiteY5" fmla="*/ 852453 h 852453"/>
-              <a:gd name="connsiteX6" fmla="*/ 142104 w 1217846"/>
-              <a:gd name="connsiteY6" fmla="*/ 852453 h 852453"/>
-              <a:gd name="connsiteX7" fmla="*/ 0 w 1217846"/>
-              <a:gd name="connsiteY7" fmla="*/ 710349 h 852453"/>
-              <a:gd name="connsiteX8" fmla="*/ 0 w 1217846"/>
-              <a:gd name="connsiteY8" fmla="*/ 142104 h 852453"/>
-            </a:gdLst>
-            <a:ahLst/>
-            <a:cxnLst>
-              <a:cxn ang="0">
-                <a:pos x="connsiteX0" y="connsiteY0"/>
-              </a:cxn>
-              <a:cxn ang="0">
-                <a:pos x="connsiteX1" y="connsiteY1"/>
-              </a:cxn>
-              <a:cxn ang="0">
-                <a:pos x="connsiteX2" y="connsiteY2"/>
-              </a:cxn>
-              <a:cxn ang="0">
-                <a:pos x="connsiteX3" y="connsiteY3"/>
-              </a:cxn>
-              <a:cxn ang="0">
-                <a:pos x="connsiteX4" y="connsiteY4"/>
-              </a:cxn>
-              <a:cxn ang="0">
-                <a:pos x="connsiteX5" y="connsiteY5"/>
-              </a:cxn>
-              <a:cxn ang="0">
-                <a:pos x="connsiteX6" y="connsiteY6"/>
-              </a:cxn>
-              <a:cxn ang="0">
-                <a:pos x="connsiteX7" y="connsiteY7"/>
-              </a:cxn>
-              <a:cxn ang="0">
-                <a:pos x="connsiteX8" y="connsiteY8"/>
-              </a:cxn>
-            </a:cxnLst>
-            <a:rect l="l" t="t" r="r" b="b"/>
-            <a:pathLst>
-              <a:path w="1217846" h="852453">
-                <a:moveTo>
-                  <a:pt x="0" y="142104"/>
-                </a:moveTo>
-                <a:cubicBezTo>
-                  <a:pt x="0" y="63622"/>
-                  <a:pt x="63622" y="0"/>
-                  <a:pt x="142104" y="0"/>
-                </a:cubicBezTo>
-                <a:lnTo>
-                  <a:pt x="1075742" y="0"/>
-                </a:lnTo>
-                <a:cubicBezTo>
-                  <a:pt x="1154224" y="0"/>
-                  <a:pt x="1217846" y="63622"/>
-                  <a:pt x="1217846" y="142104"/>
-                </a:cubicBezTo>
-                <a:lnTo>
-                  <a:pt x="1217846" y="710349"/>
-                </a:lnTo>
-                <a:cubicBezTo>
-                  <a:pt x="1217846" y="788831"/>
-                  <a:pt x="1154224" y="852453"/>
-                  <a:pt x="1075742" y="852453"/>
-                </a:cubicBezTo>
-                <a:lnTo>
-                  <a:pt x="142104" y="852453"/>
-                </a:lnTo>
-                <a:cubicBezTo>
-                  <a:pt x="63622" y="852453"/>
-                  <a:pt x="0" y="788831"/>
-                  <a:pt x="0" y="710349"/>
-                </a:cubicBezTo>
-                <a:lnTo>
-                  <a:pt x="0" y="142104"/>
-                </a:lnTo>
-                <a:close/>
-              </a:path>
-            </a:pathLst>
-          </a:custGeom>
-          <a:solidFill>
-            <a:srgbClr val="3C846F"/>
-          </a:solidFill>
-          <a:ln>
-            <a:noFill/>
-          </a:ln>
-        </p:spPr>
-        <p:style>
-          <a:lnRef idx="2">
-            <a:scrgbClr r="0" g="0" b="0"/>
-          </a:lnRef>
-          <a:fillRef idx="1">
-            <a:scrgbClr r="0" g="0" b="0"/>
-          </a:fillRef>
-          <a:effectRef idx="0">
-            <a:schemeClr val="accent1">
-              <a:hueOff val="0"/>
-              <a:satOff val="0"/>
-              <a:lumOff val="0"/>
-              <a:alphaOff val="0"/>
-            </a:schemeClr>
-          </a:effectRef>
-          <a:fontRef idx="minor">
-            <a:schemeClr val="lt1"/>
-          </a:fontRef>
-        </p:style>
-        <p:txBody>
-          <a:bodyPr spcFirstLastPara="0" vert="horz" wrap="square" lIns="102568" tIns="102568" rIns="102568" bIns="102568" numCol="1" spcCol="1270" anchor="ctr" anchorCtr="0">
-            <a:noAutofit/>
-          </a:bodyPr>
-          <a:lstStyle/>
-          <a:p>
-            <a:pPr algn="ctr" defTabSz="711081">
-              <a:lnSpc>
-                <a:spcPct val="90000"/>
-              </a:lnSpc>
-              <a:spcBef>
-                <a:spcPct val="0"/>
-              </a:spcBef>
-              <a:spcAft>
-                <a:spcPct val="35000"/>
-              </a:spcAft>
-            </a:pPr>
-            <a:r>
-              <a:rPr lang="it-IT" sz="1800" dirty="0"/>
-              <a:t>Comunicazioni interne formali</a:t>
-            </a:r>
-            <a:endParaRPr lang="zh-CN" altLang="en-US" sz="1800" dirty="0"/>
-          </a:p>
-        </p:txBody>
-      </p:sp>
-      <p:sp>
-        <p:nvSpPr>
-          <p:cNvPr id="5" name="Rettangolo 4"/>
-          <p:cNvSpPr/>
-          <p:nvPr/>
-        </p:nvSpPr>
-        <p:spPr>
-          <a:xfrm>
-            <a:off x="5965391" y="1711366"/>
-            <a:ext cx="3125132" cy="400110"/>
-          </a:xfrm>
-          <a:prstGeom prst="rect">
-            <a:avLst/>
-          </a:prstGeom>
-        </p:spPr>
-        <p:txBody>
-          <a:bodyPr wrap="square">
-            <a:spAutoFit/>
-          </a:bodyPr>
-          <a:lstStyle/>
-          <a:p>
-            <a:r>
-              <a:rPr lang="it-IT" sz="2000" dirty="0">
-                <a:solidFill>
-                  <a:schemeClr val="bg1"/>
-                </a:solidFill>
-              </a:rPr>
-              <a:t>SLACK </a:t>
-            </a:r>
-          </a:p>
-        </p:txBody>
-      </p:sp>
-      <p:sp>
-        <p:nvSpPr>
-          <p:cNvPr id="39" name="Rettangolo 38"/>
-          <p:cNvSpPr/>
-          <p:nvPr/>
-        </p:nvSpPr>
-        <p:spPr>
-          <a:xfrm>
-            <a:off x="5986922" y="2765299"/>
-            <a:ext cx="2426167" cy="400110"/>
-          </a:xfrm>
-          <a:prstGeom prst="rect">
-            <a:avLst/>
-          </a:prstGeom>
-        </p:spPr>
-        <p:txBody>
-          <a:bodyPr wrap="square">
-            <a:spAutoFit/>
-          </a:bodyPr>
-          <a:lstStyle/>
-          <a:p>
-            <a:r>
-              <a:rPr lang="en-US" altLang="zh-CN" sz="2000" dirty="0">
-                <a:solidFill>
-                  <a:schemeClr val="bg1"/>
-                </a:solidFill>
-              </a:rPr>
-              <a:t>TELEGRAM</a:t>
-            </a:r>
-            <a:endParaRPr lang="it-IT" sz="1800" dirty="0">
-              <a:solidFill>
-                <a:schemeClr val="bg1"/>
-              </a:solidFill>
-            </a:endParaRPr>
-          </a:p>
-        </p:txBody>
-      </p:sp>
-      <p:sp>
-        <p:nvSpPr>
-          <p:cNvPr id="40" name="Rettangolo 39"/>
-          <p:cNvSpPr/>
-          <p:nvPr/>
-        </p:nvSpPr>
-        <p:spPr>
-          <a:xfrm>
-            <a:off x="5965391" y="3714586"/>
-            <a:ext cx="4768647" cy="400110"/>
-          </a:xfrm>
-          <a:prstGeom prst="rect">
-            <a:avLst/>
-          </a:prstGeom>
-        </p:spPr>
-        <p:txBody>
-          <a:bodyPr wrap="square">
-            <a:spAutoFit/>
-          </a:bodyPr>
-          <a:lstStyle/>
-          <a:p>
-            <a:r>
-              <a:rPr lang="it-IT" sz="2000" dirty="0" err="1">
-                <a:solidFill>
-                  <a:schemeClr val="bg1"/>
-                </a:solidFill>
-              </a:rPr>
-              <a:t>graphite.swe@gmail.com</a:t>
-            </a:r>
-            <a:endParaRPr lang="it-IT" sz="2000" dirty="0">
-              <a:solidFill>
-                <a:schemeClr val="bg1"/>
-              </a:solidFill>
-            </a:endParaRPr>
-          </a:p>
-        </p:txBody>
-      </p:sp>
-      <p:sp>
-        <p:nvSpPr>
-          <p:cNvPr id="41" name="Rettangolo 40"/>
-          <p:cNvSpPr/>
-          <p:nvPr/>
-        </p:nvSpPr>
-        <p:spPr>
-          <a:xfrm>
-            <a:off x="5986922" y="4702823"/>
-            <a:ext cx="3103601" cy="400110"/>
-          </a:xfrm>
-          <a:prstGeom prst="rect">
-            <a:avLst/>
-          </a:prstGeom>
-        </p:spPr>
-        <p:txBody>
-          <a:bodyPr wrap="square">
-            <a:spAutoFit/>
-          </a:bodyPr>
-          <a:lstStyle/>
-          <a:p>
-            <a:r>
-              <a:rPr lang="it-IT" sz="2000" dirty="0" err="1">
-                <a:solidFill>
-                  <a:schemeClr val="bg1"/>
-                </a:solidFill>
-              </a:rPr>
-              <a:t>GitHub</a:t>
-            </a:r>
-            <a:r>
-              <a:rPr lang="it-IT" sz="1800" b="1" dirty="0"/>
-              <a:t> </a:t>
-            </a:r>
-            <a:endParaRPr lang="zh-CN" altLang="en-US" sz="1800" b="1" dirty="0"/>
-          </a:p>
-        </p:txBody>
-      </p:sp>
-      <p:sp>
-        <p:nvSpPr>
-          <p:cNvPr id="42" name="Rettangolo 41"/>
-          <p:cNvSpPr/>
-          <p:nvPr/>
-        </p:nvSpPr>
-        <p:spPr>
-          <a:xfrm>
-            <a:off x="5986922" y="5746722"/>
-            <a:ext cx="3325029" cy="369332"/>
-          </a:xfrm>
-          <a:prstGeom prst="rect">
-            <a:avLst/>
-          </a:prstGeom>
-        </p:spPr>
-        <p:txBody>
-          <a:bodyPr wrap="square">
-            <a:spAutoFit/>
-          </a:bodyPr>
-          <a:lstStyle/>
-          <a:p>
-            <a:pPr defTabSz="711081">
-              <a:lnSpc>
-                <a:spcPct val="90000"/>
-              </a:lnSpc>
-              <a:spcBef>
-                <a:spcPct val="0"/>
-              </a:spcBef>
-              <a:spcAft>
-                <a:spcPct val="35000"/>
-              </a:spcAft>
-            </a:pPr>
-            <a:r>
-              <a:rPr lang="it-IT" sz="2000" dirty="0" err="1">
-                <a:solidFill>
-                  <a:schemeClr val="bg1"/>
-                </a:solidFill>
-              </a:rPr>
-              <a:t>Wrike</a:t>
-            </a:r>
-            <a:endParaRPr lang="it-IT" sz="2000" dirty="0">
-              <a:solidFill>
-                <a:schemeClr val="bg1"/>
-              </a:solidFill>
-            </a:endParaRPr>
-          </a:p>
-        </p:txBody>
-      </p:sp>
-      <p:sp>
-        <p:nvSpPr>
-          <p:cNvPr id="20" name="Triangolo isoscele 19">
-            <a:extLst>
-              <a:ext uri="{FF2B5EF4-FFF2-40B4-BE49-F238E27FC236}">
-                <a16:creationId xmlns:a16="http://schemas.microsoft.com/office/drawing/2014/main" id="{AE83EB38-EF14-4100-94EC-FA57951964F8}"/>
-              </a:ext>
-            </a:extLst>
-          </p:cNvPr>
-          <p:cNvSpPr/>
-          <p:nvPr/>
-        </p:nvSpPr>
-        <p:spPr>
-          <a:xfrm>
-            <a:off x="8286750" y="6143437"/>
-            <a:ext cx="878889" cy="703983"/>
-          </a:xfrm>
-          <a:prstGeom prst="triangle">
-            <a:avLst>
-              <a:gd name="adj" fmla="val 100000"/>
-            </a:avLst>
-          </a:prstGeom>
-          <a:solidFill>
-            <a:schemeClr val="tx1">
-              <a:alpha val="18000"/>
-            </a:schemeClr>
-          </a:solidFill>
-          <a:ln>
-            <a:noFill/>
-          </a:ln>
-        </p:spPr>
-        <p:style>
-          <a:lnRef idx="1">
-            <a:schemeClr val="accent1"/>
-          </a:lnRef>
-          <a:fillRef idx="3">
-            <a:schemeClr val="accent1"/>
-          </a:fillRef>
-          <a:effectRef idx="2">
-            <a:schemeClr val="accent1"/>
-          </a:effectRef>
-          <a:fontRef idx="minor">
-            <a:schemeClr val="lt1"/>
-          </a:fontRef>
-        </p:style>
-        <p:txBody>
-          <a:bodyPr rtlCol="0" anchor="ctr"/>
-          <a:lstStyle/>
-          <a:p>
-            <a:pPr algn="ctr"/>
-            <a:endParaRPr lang="it-IT" dirty="0"/>
-          </a:p>
-        </p:txBody>
-      </p:sp>
-      <p:sp>
-        <p:nvSpPr>
-          <p:cNvPr id="21" name="Segnaposto numero diapositiva 10">
-            <a:extLst>
-              <a:ext uri="{FF2B5EF4-FFF2-40B4-BE49-F238E27FC236}">
-                <a16:creationId xmlns:a16="http://schemas.microsoft.com/office/drawing/2014/main" id="{AD799F3F-BFA0-486B-93F5-6C1EC26740E7}"/>
-              </a:ext>
-            </a:extLst>
-          </p:cNvPr>
-          <p:cNvSpPr txBox="1">
-            <a:spLocks/>
-          </p:cNvSpPr>
-          <p:nvPr/>
-        </p:nvSpPr>
-        <p:spPr>
-          <a:xfrm>
-            <a:off x="8539236" y="6391960"/>
-            <a:ext cx="637446" cy="365125"/>
-          </a:xfrm>
-          <a:prstGeom prst="rect">
-            <a:avLst/>
-          </a:prstGeom>
-        </p:spPr>
-        <p:txBody>
-          <a:bodyPr/>
-          <a:lstStyle>
-            <a:defPPr>
-              <a:defRPr lang="en-US"/>
-            </a:defPPr>
-            <a:lvl1pPr marL="0" algn="l" defTabSz="609630" rtl="0" eaLnBrk="1" latinLnBrk="0" hangingPunct="1">
-              <a:defRPr sz="2400" kern="1200">
-                <a:solidFill>
-                  <a:schemeClr val="tx1"/>
-                </a:solidFill>
-                <a:latin typeface="+mn-lt"/>
-                <a:ea typeface="+mn-ea"/>
-                <a:cs typeface="+mn-cs"/>
-              </a:defRPr>
-            </a:lvl1pPr>
-            <a:lvl2pPr marL="609630" algn="l" defTabSz="609630" rtl="0" eaLnBrk="1" latinLnBrk="0" hangingPunct="1">
-              <a:defRPr sz="2400" kern="1200">
-                <a:solidFill>
-                  <a:schemeClr val="tx1"/>
-                </a:solidFill>
-                <a:latin typeface="+mn-lt"/>
-                <a:ea typeface="+mn-ea"/>
-                <a:cs typeface="+mn-cs"/>
-              </a:defRPr>
-            </a:lvl2pPr>
-            <a:lvl3pPr marL="1219261" algn="l" defTabSz="609630" rtl="0" eaLnBrk="1" latinLnBrk="0" hangingPunct="1">
-              <a:defRPr sz="2400" kern="1200">
-                <a:solidFill>
-                  <a:schemeClr val="tx1"/>
-                </a:solidFill>
-                <a:latin typeface="+mn-lt"/>
-                <a:ea typeface="+mn-ea"/>
-                <a:cs typeface="+mn-cs"/>
-              </a:defRPr>
-            </a:lvl3pPr>
-            <a:lvl4pPr marL="1828891" algn="l" defTabSz="609630" rtl="0" eaLnBrk="1" latinLnBrk="0" hangingPunct="1">
-              <a:defRPr sz="2400" kern="1200">
-                <a:solidFill>
-                  <a:schemeClr val="tx1"/>
-                </a:solidFill>
-                <a:latin typeface="+mn-lt"/>
-                <a:ea typeface="+mn-ea"/>
-                <a:cs typeface="+mn-cs"/>
-              </a:defRPr>
-            </a:lvl4pPr>
-            <a:lvl5pPr marL="2438522" algn="l" defTabSz="609630" rtl="0" eaLnBrk="1" latinLnBrk="0" hangingPunct="1">
-              <a:defRPr sz="2400" kern="1200">
-                <a:solidFill>
-                  <a:schemeClr val="tx1"/>
-                </a:solidFill>
-                <a:latin typeface="+mn-lt"/>
-                <a:ea typeface="+mn-ea"/>
-                <a:cs typeface="+mn-cs"/>
-              </a:defRPr>
-            </a:lvl5pPr>
-            <a:lvl6pPr marL="3048152" algn="l" defTabSz="609630" rtl="0" eaLnBrk="1" latinLnBrk="0" hangingPunct="1">
-              <a:defRPr sz="2400" kern="1200">
-                <a:solidFill>
-                  <a:schemeClr val="tx1"/>
-                </a:solidFill>
-                <a:latin typeface="+mn-lt"/>
-                <a:ea typeface="+mn-ea"/>
-                <a:cs typeface="+mn-cs"/>
-              </a:defRPr>
-            </a:lvl6pPr>
-            <a:lvl7pPr marL="3657783" algn="l" defTabSz="609630" rtl="0" eaLnBrk="1" latinLnBrk="0" hangingPunct="1">
-              <a:defRPr sz="2400" kern="1200">
-                <a:solidFill>
-                  <a:schemeClr val="tx1"/>
-                </a:solidFill>
-                <a:latin typeface="+mn-lt"/>
-                <a:ea typeface="+mn-ea"/>
-                <a:cs typeface="+mn-cs"/>
-              </a:defRPr>
-            </a:lvl7pPr>
-            <a:lvl8pPr marL="4267413" algn="l" defTabSz="609630" rtl="0" eaLnBrk="1" latinLnBrk="0" hangingPunct="1">
-              <a:defRPr sz="2400" kern="1200">
-                <a:solidFill>
-                  <a:schemeClr val="tx1"/>
-                </a:solidFill>
-                <a:latin typeface="+mn-lt"/>
-                <a:ea typeface="+mn-ea"/>
-                <a:cs typeface="+mn-cs"/>
-              </a:defRPr>
-            </a:lvl8pPr>
-            <a:lvl9pPr marL="4877044" algn="l" defTabSz="609630" rtl="0" eaLnBrk="1" latinLnBrk="0" hangingPunct="1">
-              <a:defRPr sz="2400" kern="1200">
-                <a:solidFill>
-                  <a:schemeClr val="tx1"/>
-                </a:solidFill>
-                <a:latin typeface="+mn-lt"/>
-                <a:ea typeface="+mn-ea"/>
-                <a:cs typeface="+mn-cs"/>
-              </a:defRPr>
-            </a:lvl9pPr>
-          </a:lstStyle>
-          <a:p>
-            <a:pPr algn="r"/>
-            <a:fld id="{D02B8B2F-F691-4135-AF04-E5B2EA4DBD49}" type="slidenum">
-              <a:rPr lang="zh-CN" altLang="en-US" smtClean="0">
-                <a:solidFill>
-                  <a:schemeClr val="bg1"/>
-                </a:solidFill>
-              </a:rPr>
-              <a:pPr algn="r"/>
-              <a:t>13</a:t>
-            </a:fld>
-            <a:endParaRPr lang="zh-CN" altLang="en-US" dirty="0">
-              <a:solidFill>
-                <a:schemeClr val="bg1"/>
-              </a:solidFill>
-            </a:endParaRPr>
-          </a:p>
-        </p:txBody>
-      </p:sp>
     </p:spTree>
     <p:extLst>
       <p:ext uri="{BB962C8B-B14F-4D97-AF65-F5344CB8AC3E}">
-        <p14:creationId xmlns:p14="http://schemas.microsoft.com/office/powerpoint/2010/main" val="16807"/>
+        <p14:creationId xmlns:p14="http://schemas.microsoft.com/office/powerpoint/2010/main" val="2856718351"/>
       </p:ext>
     </p:extLst>
   </p:cSld>
@@ -7679,7 +8409,7 @@
                                           </p:stCondLst>
                                         </p:cTn>
                                         <p:tgtEl>
-                                          <p:spTgt spid="17"/>
+                                          <p:spTgt spid="61"/>
                                         </p:tgtEl>
                                         <p:attrNameLst>
                                           <p:attrName>style.visibility</p:attrName>
@@ -7693,7 +8423,7 @@
                                       <p:cBhvr additive="base">
                                         <p:cTn id="7" dur="500" fill="hold"/>
                                         <p:tgtEl>
-                                          <p:spTgt spid="17"/>
+                                          <p:spTgt spid="61"/>
                                         </p:tgtEl>
                                         <p:attrNameLst>
                                           <p:attrName>ppt_x</p:attrName>
@@ -7716,7 +8446,7 @@
                                       <p:cBhvr additive="base">
                                         <p:cTn id="8" dur="500" fill="hold"/>
                                         <p:tgtEl>
-                                          <p:spTgt spid="17"/>
+                                          <p:spTgt spid="61"/>
                                         </p:tgtEl>
                                         <p:attrNameLst>
                                           <p:attrName>ppt_y</p:attrName>
@@ -7738,127 +8468,21 @@
                                   </p:childTnLst>
                                 </p:cTn>
                               </p:par>
-                            </p:childTnLst>
-                          </p:cTn>
-                        </p:par>
-                      </p:childTnLst>
-                    </p:cTn>
-                  </p:par>
-                  <p:par>
-                    <p:cTn id="9" fill="hold">
-                      <p:stCondLst>
-                        <p:cond delay="indefinite"/>
-                      </p:stCondLst>
-                      <p:childTnLst>
-                        <p:par>
-                          <p:cTn id="10" fill="hold">
-                            <p:stCondLst>
-                              <p:cond delay="0"/>
-                            </p:stCondLst>
-                            <p:childTnLst>
                               <p:par>
-                                <p:cTn id="11" presetID="9" presetClass="entr" presetSubtype="0" fill="hold" grpId="0" nodeType="clickEffect">
+                                <p:cTn id="9" presetID="2" presetClass="entr" presetSubtype="4" fill="hold" grpId="0" nodeType="withEffect">
                                   <p:stCondLst>
                                     <p:cond delay="0"/>
                                   </p:stCondLst>
                                   <p:childTnLst>
                                     <p:set>
                                       <p:cBhvr>
-                                        <p:cTn id="12" dur="1" fill="hold">
+                                        <p:cTn id="10" dur="1" fill="hold">
                                           <p:stCondLst>
                                             <p:cond delay="0"/>
                                           </p:stCondLst>
                                         </p:cTn>
                                         <p:tgtEl>
-                                          <p:spTgt spid="5"/>
-                                        </p:tgtEl>
-                                        <p:attrNameLst>
-                                          <p:attrName>style.visibility</p:attrName>
-                                        </p:attrNameLst>
-                                      </p:cBhvr>
-                                      <p:to>
-                                        <p:strVal val="visible"/>
-                                      </p:to>
-                                    </p:set>
-                                    <p:animEffect transition="in" filter="dissolve">
-                                      <p:cBhvr>
-                                        <p:cTn id="13" dur="500"/>
-                                        <p:tgtEl>
-                                          <p:spTgt spid="5"/>
-                                        </p:tgtEl>
-                                      </p:cBhvr>
-                                    </p:animEffect>
-                                  </p:childTnLst>
-                                </p:cTn>
-                              </p:par>
-                              <p:par>
-                                <p:cTn id="14" presetID="9" presetClass="entr" presetSubtype="0" fill="hold" grpId="0" nodeType="withEffect">
-                                  <p:stCondLst>
-                                    <p:cond delay="0"/>
-                                  </p:stCondLst>
-                                  <p:childTnLst>
-                                    <p:set>
-                                      <p:cBhvr>
-                                        <p:cTn id="15" dur="1" fill="hold">
-                                          <p:stCondLst>
-                                            <p:cond delay="0"/>
-                                          </p:stCondLst>
-                                        </p:cTn>
-                                        <p:tgtEl>
-                                          <p:spTgt spid="7"/>
-                                        </p:tgtEl>
-                                        <p:attrNameLst>
-                                          <p:attrName>style.visibility</p:attrName>
-                                        </p:attrNameLst>
-                                      </p:cBhvr>
-                                      <p:to>
-                                        <p:strVal val="visible"/>
-                                      </p:to>
-                                    </p:set>
-                                    <p:animEffect transition="in" filter="dissolve">
-                                      <p:cBhvr>
-                                        <p:cTn id="16" dur="500"/>
-                                        <p:tgtEl>
-                                          <p:spTgt spid="7"/>
-                                        </p:tgtEl>
-                                      </p:cBhvr>
-                                    </p:animEffect>
-                                  </p:childTnLst>
-                                </p:cTn>
-                              </p:par>
-                            </p:childTnLst>
-                          </p:cTn>
-                        </p:par>
-                      </p:childTnLst>
-                    </p:cTn>
-                  </p:par>
-                  <p:par>
-                    <p:cTn id="17" fill="hold">
-                      <p:stCondLst>
-                        <p:cond delay="indefinite"/>
-                      </p:stCondLst>
-                      <p:childTnLst>
-                        <p:par>
-                          <p:cTn id="18" fill="hold">
-                            <p:stCondLst>
-                              <p:cond delay="0"/>
-                            </p:stCondLst>
-                            <p:childTnLst>
-                              <p:par>
-                                <p:cTn id="19" presetID="2" presetClass="entr" presetSubtype="4" fill="hold" grpId="0" nodeType="clickEffect">
-                                  <p:stCondLst>
-                                    <p:cond delay="0"/>
-                                  </p:stCondLst>
-                                  <p:childTnLst>
-                                    <p:set>
-                                      <p:cBhvr>
-                                        <p:cTn id="20" dur="1" fill="hold">
-                                          <p:stCondLst>
-                                            <p:cond delay="0"/>
-                                          </p:stCondLst>
-                                        </p:cTn>
-                                        <p:tgtEl>
-                                          <p:spTgt spid="22"/>
+                                          <p:spTgt spid="60"/>
                                         </p:tgtEl>
                                         <p:attrNameLst>
                                           <p:attrName>style.visibility</p:attrName>
@@ -7870,9 +8494,9 @@
                                     </p:set>
                                     <p:anim calcmode="lin" valueType="num">
                                       <p:cBhvr additive="base">
-                                        <p:cTn id="21" dur="500" fill="hold"/>
+                                        <p:cTn id="11" dur="500" fill="hold"/>
                                         <p:tgtEl>
-                                          <p:spTgt spid="22"/>
+                                          <p:spTgt spid="60"/>
                                         </p:tgtEl>
                                         <p:attrNameLst>
                                           <p:attrName>ppt_x</p:attrName>
@@ -7893,9 +8517,9 @@
                                     </p:anim>
                                     <p:anim calcmode="lin" valueType="num">
                                       <p:cBhvr additive="base">
-                                        <p:cTn id="22" dur="500" fill="hold"/>
+                                        <p:cTn id="12" dur="500" fill="hold"/>
                                         <p:tgtEl>
-                                          <p:spTgt spid="22"/>
+                                          <p:spTgt spid="60"/>
                                         </p:tgtEl>
                                         <p:attrNameLst>
                                           <p:attrName>ppt_y</p:attrName>
@@ -7917,39 +8541,21 @@
                                   </p:childTnLst>
                                 </p:cTn>
                               </p:par>
-                            </p:childTnLst>
-                          </p:cTn>
-                        </p:par>
-                      </p:childTnLst>
-                    </p:cTn>
-                  </p:par>
-                  <p:par>
-                    <p:cTn id="23" fill="hold">
-                      <p:stCondLst>
-                        <p:cond delay="indefinite"/>
-                      </p:stCondLst>
-                      <p:childTnLst>
-                        <p:par>
-                          <p:cTn id="24" fill="hold">
-                            <p:stCondLst>
-                              <p:cond delay="0"/>
-                            </p:stCondLst>
-                            <p:childTnLst>
                               <p:par>
-                                <p:cTn id="25" presetID="9" presetClass="entr" presetSubtype="0" fill="hold" grpId="0" nodeType="clickEffect">
+                                <p:cTn id="13" presetID="10" presetClass="entr" presetSubtype="0" fill="hold" grpId="0" nodeType="withEffect">
                                   <p:stCondLst>
                                     <p:cond delay="0"/>
                                   </p:stCondLst>
                                   <p:childTnLst>
                                     <p:set>
                                       <p:cBhvr>
-                                        <p:cTn id="26" dur="1" fill="hold">
+                                        <p:cTn id="14" dur="1" fill="hold">
                                           <p:stCondLst>
                                             <p:cond delay="0"/>
                                           </p:stCondLst>
                                         </p:cTn>
                                         <p:tgtEl>
-                                          <p:spTgt spid="44"/>
+                                          <p:spTgt spid="62"/>
                                         </p:tgtEl>
                                         <p:attrNameLst>
                                           <p:attrName>style.visibility</p:attrName>
@@ -7959,46 +8565,11 @@
                                         <p:strVal val="visible"/>
                                       </p:to>
                                     </p:set>
-                                    <p:animEffect transition="in" filter="dissolve">
+                                    <p:animEffect transition="in" filter="fade">
                                       <p:cBhvr>
-                                        <p:cTn id="27" dur="500"/>
+                                        <p:cTn id="15" dur="500"/>
                                         <p:tgtEl>
-                                          <p:spTgt spid="44"/>
-                                        </p:tgtEl>
-                                      </p:cBhvr>
-                                    </p:animEffect>
-                                  </p:childTnLst>
-                                </p:cTn>
-                              </p:par>
-                              <p:par>
-                                <p:cTn id="28" presetID="9" presetClass="entr" presetSubtype="0" fill="hold" grpId="0" nodeType="withEffect">
-                                  <p:stCondLst>
-                                    <p:cond delay="0"/>
-                                  </p:stCondLst>
-                                  <p:childTnLst>
-                                    <p:set>
-                                      <p:cBhvr>
-                                        <p:cTn id="29" dur="1" fill="hold">
-                                          <p:stCondLst>
-                                            <p:cond delay="0"/>
-                                          </p:stCondLst>
-                                        </p:cTn>
-                                        <p:tgtEl>
-                                          <p:spTgt spid="39"/>
-                                        </p:tgtEl>
-                                        <p:attrNameLst>
-                                          <p:attrName>style.visibility</p:attrName>
-                                        </p:attrNameLst>
-                                      </p:cBhvr>
-                                      <p:to>
-                                        <p:strVal val="visible"/>
-                                      </p:to>
-                                    </p:set>
-                                    <p:animEffect transition="in" filter="dissolve">
-                                      <p:cBhvr>
-                                        <p:cTn id="30" dur="500"/>
-                                        <p:tgtEl>
-                                          <p:spTgt spid="39"/>
+                                          <p:spTgt spid="62"/>
                                         </p:tgtEl>
                                       </p:cBhvr>
                                     </p:animEffect>
@@ -8012,32 +8583,32 @@
                     </p:cTn>
                   </p:par>
                   <p:par>
-                    <p:cTn id="31" fill="hold">
+                    <p:cTn id="16" fill="hold">
                       <p:stCondLst>
                         <p:cond delay="indefinite"/>
                       </p:stCondLst>
                       <p:childTnLst>
                         <p:par>
-                          <p:cTn id="32" fill="hold">
+                          <p:cTn id="17" fill="hold">
                             <p:stCondLst>
                               <p:cond delay="0"/>
                             </p:stCondLst>
                             <p:childTnLst>
                               <p:par>
-                                <p:cTn id="33" presetID="2" presetClass="entr" presetSubtype="4" fill="hold" grpId="0" nodeType="clickEffect">
+                                <p:cTn id="18" presetID="2" presetClass="entr" presetSubtype="4" fill="hold" grpId="0" nodeType="clickEffect">
                                   <p:stCondLst>
                                     <p:cond delay="0"/>
                                   </p:stCondLst>
                                   <p:childTnLst>
                                     <p:set>
                                       <p:cBhvr>
-                                        <p:cTn id="34" dur="1" fill="hold">
+                                        <p:cTn id="19" dur="1" fill="hold">
                                           <p:stCondLst>
                                             <p:cond delay="0"/>
                                           </p:stCondLst>
                                         </p:cTn>
                                         <p:tgtEl>
-                                          <p:spTgt spid="33"/>
+                                          <p:spTgt spid="59"/>
                                         </p:tgtEl>
                                         <p:attrNameLst>
                                           <p:attrName>style.visibility</p:attrName>
@@ -8049,9 +8620,9 @@
                                     </p:set>
                                     <p:anim calcmode="lin" valueType="num">
                                       <p:cBhvr additive="base">
-                                        <p:cTn id="35" dur="500" fill="hold"/>
+                                        <p:cTn id="20" dur="500" fill="hold"/>
                                         <p:tgtEl>
-                                          <p:spTgt spid="33"/>
+                                          <p:spTgt spid="59"/>
                                         </p:tgtEl>
                                         <p:attrNameLst>
                                           <p:attrName>ppt_x</p:attrName>
@@ -8072,9 +8643,9 @@
                                     </p:anim>
                                     <p:anim calcmode="lin" valueType="num">
                                       <p:cBhvr additive="base">
-                                        <p:cTn id="36" dur="500" fill="hold"/>
+                                        <p:cTn id="21" dur="500" fill="hold"/>
                                         <p:tgtEl>
-                                          <p:spTgt spid="33"/>
+                                          <p:spTgt spid="59"/>
                                         </p:tgtEl>
                                         <p:attrNameLst>
                                           <p:attrName>ppt_y</p:attrName>
@@ -8096,127 +8667,21 @@
                                   </p:childTnLst>
                                 </p:cTn>
                               </p:par>
-                            </p:childTnLst>
-                          </p:cTn>
-                        </p:par>
-                      </p:childTnLst>
-                    </p:cTn>
-                  </p:par>
-                  <p:par>
-                    <p:cTn id="37" fill="hold">
-                      <p:stCondLst>
-                        <p:cond delay="indefinite"/>
-                      </p:stCondLst>
-                      <p:childTnLst>
-                        <p:par>
-                          <p:cTn id="38" fill="hold">
-                            <p:stCondLst>
-                              <p:cond delay="0"/>
-                            </p:stCondLst>
-                            <p:childTnLst>
                               <p:par>
-                                <p:cTn id="39" presetID="9" presetClass="entr" presetSubtype="0" fill="hold" grpId="0" nodeType="clickEffect">
+                                <p:cTn id="22" presetID="2" presetClass="entr" presetSubtype="4" fill="hold" grpId="0" nodeType="withEffect">
                                   <p:stCondLst>
                                     <p:cond delay="0"/>
                                   </p:stCondLst>
                                   <p:childTnLst>
                                     <p:set>
                                       <p:cBhvr>
-                                        <p:cTn id="40" dur="1" fill="hold">
+                                        <p:cTn id="23" dur="1" fill="hold">
                                           <p:stCondLst>
                                             <p:cond delay="0"/>
                                           </p:stCondLst>
                                         </p:cTn>
                                         <p:tgtEl>
-                                          <p:spTgt spid="40"/>
-                                        </p:tgtEl>
-                                        <p:attrNameLst>
-                                          <p:attrName>style.visibility</p:attrName>
-                                        </p:attrNameLst>
-                                      </p:cBhvr>
-                                      <p:to>
-                                        <p:strVal val="visible"/>
-                                      </p:to>
-                                    </p:set>
-                                    <p:animEffect transition="in" filter="dissolve">
-                                      <p:cBhvr>
-                                        <p:cTn id="41" dur="500"/>
-                                        <p:tgtEl>
-                                          <p:spTgt spid="40"/>
-                                        </p:tgtEl>
-                                      </p:cBhvr>
-                                    </p:animEffect>
-                                  </p:childTnLst>
-                                </p:cTn>
-                              </p:par>
-                              <p:par>
-                                <p:cTn id="42" presetID="9" presetClass="entr" presetSubtype="0" fill="hold" grpId="0" nodeType="withEffect">
-                                  <p:stCondLst>
-                                    <p:cond delay="0"/>
-                                  </p:stCondLst>
-                                  <p:childTnLst>
-                                    <p:set>
-                                      <p:cBhvr>
-                                        <p:cTn id="43" dur="1" fill="hold">
-                                          <p:stCondLst>
-                                            <p:cond delay="0"/>
-                                          </p:stCondLst>
-                                        </p:cTn>
-                                        <p:tgtEl>
-                                          <p:spTgt spid="45"/>
-                                        </p:tgtEl>
-                                        <p:attrNameLst>
-                                          <p:attrName>style.visibility</p:attrName>
-                                        </p:attrNameLst>
-                                      </p:cBhvr>
-                                      <p:to>
-                                        <p:strVal val="visible"/>
-                                      </p:to>
-                                    </p:set>
-                                    <p:animEffect transition="in" filter="dissolve">
-                                      <p:cBhvr>
-                                        <p:cTn id="44" dur="500"/>
-                                        <p:tgtEl>
-                                          <p:spTgt spid="45"/>
-                                        </p:tgtEl>
-                                      </p:cBhvr>
-                                    </p:animEffect>
-                                  </p:childTnLst>
-                                </p:cTn>
-                              </p:par>
-                            </p:childTnLst>
-                          </p:cTn>
-                        </p:par>
-                      </p:childTnLst>
-                    </p:cTn>
-                  </p:par>
-                  <p:par>
-                    <p:cTn id="45" fill="hold">
-                      <p:stCondLst>
-                        <p:cond delay="indefinite"/>
-                      </p:stCondLst>
-                      <p:childTnLst>
-                        <p:par>
-                          <p:cTn id="46" fill="hold">
-                            <p:stCondLst>
-                              <p:cond delay="0"/>
-                            </p:stCondLst>
-                            <p:childTnLst>
-                              <p:par>
-                                <p:cTn id="47" presetID="2" presetClass="entr" presetSubtype="4" fill="hold" grpId="0" nodeType="clickEffect">
-                                  <p:stCondLst>
-                                    <p:cond delay="0"/>
-                                  </p:stCondLst>
-                                  <p:childTnLst>
-                                    <p:set>
-                                      <p:cBhvr>
-                                        <p:cTn id="48" dur="1" fill="hold">
-                                          <p:stCondLst>
-                                            <p:cond delay="0"/>
-                                          </p:stCondLst>
-                                        </p:cTn>
-                                        <p:tgtEl>
-                                          <p:spTgt spid="43"/>
+                                          <p:spTgt spid="58"/>
                                         </p:tgtEl>
                                         <p:attrNameLst>
                                           <p:attrName>style.visibility</p:attrName>
@@ -8228,9 +8693,9 @@
                                     </p:set>
                                     <p:anim calcmode="lin" valueType="num">
                                       <p:cBhvr additive="base">
-                                        <p:cTn id="49" dur="500" fill="hold"/>
+                                        <p:cTn id="24" dur="500" fill="hold"/>
                                         <p:tgtEl>
-                                          <p:spTgt spid="43"/>
+                                          <p:spTgt spid="58"/>
                                         </p:tgtEl>
                                         <p:attrNameLst>
                                           <p:attrName>ppt_x</p:attrName>
@@ -8251,9 +8716,9 @@
                                     </p:anim>
                                     <p:anim calcmode="lin" valueType="num">
                                       <p:cBhvr additive="base">
-                                        <p:cTn id="50" dur="500" fill="hold"/>
+                                        <p:cTn id="25" dur="500" fill="hold"/>
                                         <p:tgtEl>
-                                          <p:spTgt spid="43"/>
+                                          <p:spTgt spid="58"/>
                                         </p:tgtEl>
                                         <p:attrNameLst>
                                           <p:attrName>ppt_y</p:attrName>
@@ -8275,39 +8740,21 @@
                                   </p:childTnLst>
                                 </p:cTn>
                               </p:par>
-                            </p:childTnLst>
-                          </p:cTn>
-                        </p:par>
-                      </p:childTnLst>
-                    </p:cTn>
-                  </p:par>
-                  <p:par>
-                    <p:cTn id="51" fill="hold">
-                      <p:stCondLst>
-                        <p:cond delay="indefinite"/>
-                      </p:stCondLst>
-                      <p:childTnLst>
-                        <p:par>
-                          <p:cTn id="52" fill="hold">
-                            <p:stCondLst>
-                              <p:cond delay="0"/>
-                            </p:stCondLst>
-                            <p:childTnLst>
                               <p:par>
-                                <p:cTn id="53" presetID="9" presetClass="entr" presetSubtype="0" fill="hold" grpId="0" nodeType="clickEffect">
+                                <p:cTn id="26" presetID="10" presetClass="entr" presetSubtype="0" fill="hold" grpId="0" nodeType="withEffect">
                                   <p:stCondLst>
                                     <p:cond delay="0"/>
                                   </p:stCondLst>
                                   <p:childTnLst>
                                     <p:set>
                                       <p:cBhvr>
-                                        <p:cTn id="54" dur="1" fill="hold">
+                                        <p:cTn id="27" dur="1" fill="hold">
                                           <p:stCondLst>
                                             <p:cond delay="0"/>
                                           </p:stCondLst>
                                         </p:cTn>
                                         <p:tgtEl>
-                                          <p:spTgt spid="41"/>
+                                          <p:spTgt spid="63"/>
                                         </p:tgtEl>
                                         <p:attrNameLst>
                                           <p:attrName>style.visibility</p:attrName>
@@ -8317,46 +8764,11 @@
                                         <p:strVal val="visible"/>
                                       </p:to>
                                     </p:set>
-                                    <p:animEffect transition="in" filter="dissolve">
+                                    <p:animEffect transition="in" filter="fade">
                                       <p:cBhvr>
-                                        <p:cTn id="55" dur="500"/>
+                                        <p:cTn id="28" dur="500"/>
                                         <p:tgtEl>
-                                          <p:spTgt spid="41"/>
-                                        </p:tgtEl>
-                                      </p:cBhvr>
-                                    </p:animEffect>
-                                  </p:childTnLst>
-                                </p:cTn>
-                              </p:par>
-                              <p:par>
-                                <p:cTn id="56" presetID="9" presetClass="entr" presetSubtype="0" fill="hold" grpId="0" nodeType="withEffect">
-                                  <p:stCondLst>
-                                    <p:cond delay="0"/>
-                                  </p:stCondLst>
-                                  <p:childTnLst>
-                                    <p:set>
-                                      <p:cBhvr>
-                                        <p:cTn id="57" dur="1" fill="hold">
-                                          <p:stCondLst>
-                                            <p:cond delay="0"/>
-                                          </p:stCondLst>
-                                        </p:cTn>
-                                        <p:tgtEl>
-                                          <p:spTgt spid="46"/>
-                                        </p:tgtEl>
-                                        <p:attrNameLst>
-                                          <p:attrName>style.visibility</p:attrName>
-                                        </p:attrNameLst>
-                                      </p:cBhvr>
-                                      <p:to>
-                                        <p:strVal val="visible"/>
-                                      </p:to>
-                                    </p:set>
-                                    <p:animEffect transition="in" filter="dissolve">
-                                      <p:cBhvr>
-                                        <p:cTn id="58" dur="500"/>
-                                        <p:tgtEl>
-                                          <p:spTgt spid="46"/>
+                                          <p:spTgt spid="63"/>
                                         </p:tgtEl>
                                       </p:cBhvr>
                                     </p:animEffect>
@@ -8370,19 +8782,490 @@
                     </p:cTn>
                   </p:par>
                   <p:par>
-                    <p:cTn id="59" fill="hold">
+                    <p:cTn id="29" fill="hold">
                       <p:stCondLst>
                         <p:cond delay="indefinite"/>
                       </p:stCondLst>
                       <p:childTnLst>
                         <p:par>
-                          <p:cTn id="60" fill="hold">
+                          <p:cTn id="30" fill="hold">
                             <p:stCondLst>
                               <p:cond delay="0"/>
                             </p:stCondLst>
                             <p:childTnLst>
                               <p:par>
-                                <p:cTn id="61" presetID="2" presetClass="entr" presetSubtype="4" fill="hold" grpId="0" nodeType="clickEffect">
+                                <p:cTn id="31" presetID="2" presetClass="entr" presetSubtype="4" fill="hold" grpId="0" nodeType="clickEffect">
+                                  <p:stCondLst>
+                                    <p:cond delay="0"/>
+                                  </p:stCondLst>
+                                  <p:childTnLst>
+                                    <p:set>
+                                      <p:cBhvr>
+                                        <p:cTn id="32" dur="1" fill="hold">
+                                          <p:stCondLst>
+                                            <p:cond delay="0"/>
+                                          </p:stCondLst>
+                                        </p:cTn>
+                                        <p:tgtEl>
+                                          <p:spTgt spid="56"/>
+                                        </p:tgtEl>
+                                        <p:attrNameLst>
+                                          <p:attrName>style.visibility</p:attrName>
+                                        </p:attrNameLst>
+                                      </p:cBhvr>
+                                      <p:to>
+                                        <p:strVal val="visible"/>
+                                      </p:to>
+                                    </p:set>
+                                    <p:anim calcmode="lin" valueType="num">
+                                      <p:cBhvr additive="base">
+                                        <p:cTn id="33" dur="500" fill="hold"/>
+                                        <p:tgtEl>
+                                          <p:spTgt spid="56"/>
+                                        </p:tgtEl>
+                                        <p:attrNameLst>
+                                          <p:attrName>ppt_x</p:attrName>
+                                        </p:attrNameLst>
+                                      </p:cBhvr>
+                                      <p:tavLst>
+                                        <p:tav tm="0">
+                                          <p:val>
+                                            <p:strVal val="#ppt_x"/>
+                                          </p:val>
+                                        </p:tav>
+                                        <p:tav tm="100000">
+                                          <p:val>
+                                            <p:strVal val="#ppt_x"/>
+                                          </p:val>
+                                        </p:tav>
+                                      </p:tavLst>
+                                    </p:anim>
+                                    <p:anim calcmode="lin" valueType="num">
+                                      <p:cBhvr additive="base">
+                                        <p:cTn id="34" dur="500" fill="hold"/>
+                                        <p:tgtEl>
+                                          <p:spTgt spid="56"/>
+                                        </p:tgtEl>
+                                        <p:attrNameLst>
+                                          <p:attrName>ppt_y</p:attrName>
+                                        </p:attrNameLst>
+                                      </p:cBhvr>
+                                      <p:tavLst>
+                                        <p:tav tm="0">
+                                          <p:val>
+                                            <p:strVal val="1+#ppt_h/2"/>
+                                          </p:val>
+                                        </p:tav>
+                                        <p:tav tm="100000">
+                                          <p:val>
+                                            <p:strVal val="#ppt_y"/>
+                                          </p:val>
+                                        </p:tav>
+                                      </p:tavLst>
+                                    </p:anim>
+                                  </p:childTnLst>
+                                </p:cTn>
+                              </p:par>
+                              <p:par>
+                                <p:cTn id="35" presetID="2" presetClass="entr" presetSubtype="4" fill="hold" grpId="0" nodeType="withEffect">
+                                  <p:stCondLst>
+                                    <p:cond delay="0"/>
+                                  </p:stCondLst>
+                                  <p:childTnLst>
+                                    <p:set>
+                                      <p:cBhvr>
+                                        <p:cTn id="36" dur="1" fill="hold">
+                                          <p:stCondLst>
+                                            <p:cond delay="0"/>
+                                          </p:stCondLst>
+                                        </p:cTn>
+                                        <p:tgtEl>
+                                          <p:spTgt spid="57"/>
+                                        </p:tgtEl>
+                                        <p:attrNameLst>
+                                          <p:attrName>style.visibility</p:attrName>
+                                        </p:attrNameLst>
+                                      </p:cBhvr>
+                                      <p:to>
+                                        <p:strVal val="visible"/>
+                                      </p:to>
+                                    </p:set>
+                                    <p:anim calcmode="lin" valueType="num">
+                                      <p:cBhvr additive="base">
+                                        <p:cTn id="37" dur="500" fill="hold"/>
+                                        <p:tgtEl>
+                                          <p:spTgt spid="57"/>
+                                        </p:tgtEl>
+                                        <p:attrNameLst>
+                                          <p:attrName>ppt_x</p:attrName>
+                                        </p:attrNameLst>
+                                      </p:cBhvr>
+                                      <p:tavLst>
+                                        <p:tav tm="0">
+                                          <p:val>
+                                            <p:strVal val="#ppt_x"/>
+                                          </p:val>
+                                        </p:tav>
+                                        <p:tav tm="100000">
+                                          <p:val>
+                                            <p:strVal val="#ppt_x"/>
+                                          </p:val>
+                                        </p:tav>
+                                      </p:tavLst>
+                                    </p:anim>
+                                    <p:anim calcmode="lin" valueType="num">
+                                      <p:cBhvr additive="base">
+                                        <p:cTn id="38" dur="500" fill="hold"/>
+                                        <p:tgtEl>
+                                          <p:spTgt spid="57"/>
+                                        </p:tgtEl>
+                                        <p:attrNameLst>
+                                          <p:attrName>ppt_y</p:attrName>
+                                        </p:attrNameLst>
+                                      </p:cBhvr>
+                                      <p:tavLst>
+                                        <p:tav tm="0">
+                                          <p:val>
+                                            <p:strVal val="1+#ppt_h/2"/>
+                                          </p:val>
+                                        </p:tav>
+                                        <p:tav tm="100000">
+                                          <p:val>
+                                            <p:strVal val="#ppt_y"/>
+                                          </p:val>
+                                        </p:tav>
+                                      </p:tavLst>
+                                    </p:anim>
+                                  </p:childTnLst>
+                                </p:cTn>
+                              </p:par>
+                              <p:par>
+                                <p:cTn id="39" presetID="10" presetClass="entr" presetSubtype="0" fill="hold" grpId="0" nodeType="withEffect">
+                                  <p:stCondLst>
+                                    <p:cond delay="0"/>
+                                  </p:stCondLst>
+                                  <p:childTnLst>
+                                    <p:set>
+                                      <p:cBhvr>
+                                        <p:cTn id="40" dur="1" fill="hold">
+                                          <p:stCondLst>
+                                            <p:cond delay="0"/>
+                                          </p:stCondLst>
+                                        </p:cTn>
+                                        <p:tgtEl>
+                                          <p:spTgt spid="64"/>
+                                        </p:tgtEl>
+                                        <p:attrNameLst>
+                                          <p:attrName>style.visibility</p:attrName>
+                                        </p:attrNameLst>
+                                      </p:cBhvr>
+                                      <p:to>
+                                        <p:strVal val="visible"/>
+                                      </p:to>
+                                    </p:set>
+                                    <p:animEffect transition="in" filter="fade">
+                                      <p:cBhvr>
+                                        <p:cTn id="41" dur="500"/>
+                                        <p:tgtEl>
+                                          <p:spTgt spid="64"/>
+                                        </p:tgtEl>
+                                      </p:cBhvr>
+                                    </p:animEffect>
+                                  </p:childTnLst>
+                                </p:cTn>
+                              </p:par>
+                            </p:childTnLst>
+                          </p:cTn>
+                        </p:par>
+                      </p:childTnLst>
+                    </p:cTn>
+                  </p:par>
+                  <p:par>
+                    <p:cTn id="42" fill="hold">
+                      <p:stCondLst>
+                        <p:cond delay="indefinite"/>
+                      </p:stCondLst>
+                      <p:childTnLst>
+                        <p:par>
+                          <p:cTn id="43" fill="hold">
+                            <p:stCondLst>
+                              <p:cond delay="0"/>
+                            </p:stCondLst>
+                            <p:childTnLst>
+                              <p:par>
+                                <p:cTn id="44" presetID="2" presetClass="entr" presetSubtype="4" fill="hold" grpId="0" nodeType="clickEffect">
+                                  <p:stCondLst>
+                                    <p:cond delay="0"/>
+                                  </p:stCondLst>
+                                  <p:childTnLst>
+                                    <p:set>
+                                      <p:cBhvr>
+                                        <p:cTn id="45" dur="1" fill="hold">
+                                          <p:stCondLst>
+                                            <p:cond delay="0"/>
+                                          </p:stCondLst>
+                                        </p:cTn>
+                                        <p:tgtEl>
+                                          <p:spTgt spid="55"/>
+                                        </p:tgtEl>
+                                        <p:attrNameLst>
+                                          <p:attrName>style.visibility</p:attrName>
+                                        </p:attrNameLst>
+                                      </p:cBhvr>
+                                      <p:to>
+                                        <p:strVal val="visible"/>
+                                      </p:to>
+                                    </p:set>
+                                    <p:anim calcmode="lin" valueType="num">
+                                      <p:cBhvr additive="base">
+                                        <p:cTn id="46" dur="500" fill="hold"/>
+                                        <p:tgtEl>
+                                          <p:spTgt spid="55"/>
+                                        </p:tgtEl>
+                                        <p:attrNameLst>
+                                          <p:attrName>ppt_x</p:attrName>
+                                        </p:attrNameLst>
+                                      </p:cBhvr>
+                                      <p:tavLst>
+                                        <p:tav tm="0">
+                                          <p:val>
+                                            <p:strVal val="#ppt_x"/>
+                                          </p:val>
+                                        </p:tav>
+                                        <p:tav tm="100000">
+                                          <p:val>
+                                            <p:strVal val="#ppt_x"/>
+                                          </p:val>
+                                        </p:tav>
+                                      </p:tavLst>
+                                    </p:anim>
+                                    <p:anim calcmode="lin" valueType="num">
+                                      <p:cBhvr additive="base">
+                                        <p:cTn id="47" dur="500" fill="hold"/>
+                                        <p:tgtEl>
+                                          <p:spTgt spid="55"/>
+                                        </p:tgtEl>
+                                        <p:attrNameLst>
+                                          <p:attrName>ppt_y</p:attrName>
+                                        </p:attrNameLst>
+                                      </p:cBhvr>
+                                      <p:tavLst>
+                                        <p:tav tm="0">
+                                          <p:val>
+                                            <p:strVal val="1+#ppt_h/2"/>
+                                          </p:val>
+                                        </p:tav>
+                                        <p:tav tm="100000">
+                                          <p:val>
+                                            <p:strVal val="#ppt_y"/>
+                                          </p:val>
+                                        </p:tav>
+                                      </p:tavLst>
+                                    </p:anim>
+                                  </p:childTnLst>
+                                </p:cTn>
+                              </p:par>
+                              <p:par>
+                                <p:cTn id="48" presetID="2" presetClass="entr" presetSubtype="4" fill="hold" grpId="0" nodeType="withEffect">
+                                  <p:stCondLst>
+                                    <p:cond delay="0"/>
+                                  </p:stCondLst>
+                                  <p:childTnLst>
+                                    <p:set>
+                                      <p:cBhvr>
+                                        <p:cTn id="49" dur="1" fill="hold">
+                                          <p:stCondLst>
+                                            <p:cond delay="0"/>
+                                          </p:stCondLst>
+                                        </p:cTn>
+                                        <p:tgtEl>
+                                          <p:spTgt spid="54"/>
+                                        </p:tgtEl>
+                                        <p:attrNameLst>
+                                          <p:attrName>style.visibility</p:attrName>
+                                        </p:attrNameLst>
+                                      </p:cBhvr>
+                                      <p:to>
+                                        <p:strVal val="visible"/>
+                                      </p:to>
+                                    </p:set>
+                                    <p:anim calcmode="lin" valueType="num">
+                                      <p:cBhvr additive="base">
+                                        <p:cTn id="50" dur="500" fill="hold"/>
+                                        <p:tgtEl>
+                                          <p:spTgt spid="54"/>
+                                        </p:tgtEl>
+                                        <p:attrNameLst>
+                                          <p:attrName>ppt_x</p:attrName>
+                                        </p:attrNameLst>
+                                      </p:cBhvr>
+                                      <p:tavLst>
+                                        <p:tav tm="0">
+                                          <p:val>
+                                            <p:strVal val="#ppt_x"/>
+                                          </p:val>
+                                        </p:tav>
+                                        <p:tav tm="100000">
+                                          <p:val>
+                                            <p:strVal val="#ppt_x"/>
+                                          </p:val>
+                                        </p:tav>
+                                      </p:tavLst>
+                                    </p:anim>
+                                    <p:anim calcmode="lin" valueType="num">
+                                      <p:cBhvr additive="base">
+                                        <p:cTn id="51" dur="500" fill="hold"/>
+                                        <p:tgtEl>
+                                          <p:spTgt spid="54"/>
+                                        </p:tgtEl>
+                                        <p:attrNameLst>
+                                          <p:attrName>ppt_y</p:attrName>
+                                        </p:attrNameLst>
+                                      </p:cBhvr>
+                                      <p:tavLst>
+                                        <p:tav tm="0">
+                                          <p:val>
+                                            <p:strVal val="1+#ppt_h/2"/>
+                                          </p:val>
+                                        </p:tav>
+                                        <p:tav tm="100000">
+                                          <p:val>
+                                            <p:strVal val="#ppt_y"/>
+                                          </p:val>
+                                        </p:tav>
+                                      </p:tavLst>
+                                    </p:anim>
+                                  </p:childTnLst>
+                                </p:cTn>
+                              </p:par>
+                              <p:par>
+                                <p:cTn id="52" presetID="10" presetClass="entr" presetSubtype="0" fill="hold" grpId="0" nodeType="withEffect">
+                                  <p:stCondLst>
+                                    <p:cond delay="0"/>
+                                  </p:stCondLst>
+                                  <p:childTnLst>
+                                    <p:set>
+                                      <p:cBhvr>
+                                        <p:cTn id="53" dur="1" fill="hold">
+                                          <p:stCondLst>
+                                            <p:cond delay="0"/>
+                                          </p:stCondLst>
+                                        </p:cTn>
+                                        <p:tgtEl>
+                                          <p:spTgt spid="65"/>
+                                        </p:tgtEl>
+                                        <p:attrNameLst>
+                                          <p:attrName>style.visibility</p:attrName>
+                                        </p:attrNameLst>
+                                      </p:cBhvr>
+                                      <p:to>
+                                        <p:strVal val="visible"/>
+                                      </p:to>
+                                    </p:set>
+                                    <p:animEffect transition="in" filter="fade">
+                                      <p:cBhvr>
+                                        <p:cTn id="54" dur="500"/>
+                                        <p:tgtEl>
+                                          <p:spTgt spid="65"/>
+                                        </p:tgtEl>
+                                      </p:cBhvr>
+                                    </p:animEffect>
+                                  </p:childTnLst>
+                                </p:cTn>
+                              </p:par>
+                            </p:childTnLst>
+                          </p:cTn>
+                        </p:par>
+                      </p:childTnLst>
+                    </p:cTn>
+                  </p:par>
+                  <p:par>
+                    <p:cTn id="55" fill="hold">
+                      <p:stCondLst>
+                        <p:cond delay="indefinite"/>
+                      </p:stCondLst>
+                      <p:childTnLst>
+                        <p:par>
+                          <p:cTn id="56" fill="hold">
+                            <p:stCondLst>
+                              <p:cond delay="0"/>
+                            </p:stCondLst>
+                            <p:childTnLst>
+                              <p:par>
+                                <p:cTn id="57" presetID="2" presetClass="entr" presetSubtype="4" fill="hold" grpId="0" nodeType="clickEffect">
+                                  <p:stCondLst>
+                                    <p:cond delay="0"/>
+                                  </p:stCondLst>
+                                  <p:childTnLst>
+                                    <p:set>
+                                      <p:cBhvr>
+                                        <p:cTn id="58" dur="1" fill="hold">
+                                          <p:stCondLst>
+                                            <p:cond delay="0"/>
+                                          </p:stCondLst>
+                                        </p:cTn>
+                                        <p:tgtEl>
+                                          <p:spTgt spid="52"/>
+                                        </p:tgtEl>
+                                        <p:attrNameLst>
+                                          <p:attrName>style.visibility</p:attrName>
+                                        </p:attrNameLst>
+                                      </p:cBhvr>
+                                      <p:to>
+                                        <p:strVal val="visible"/>
+                                      </p:to>
+                                    </p:set>
+                                    <p:anim calcmode="lin" valueType="num">
+                                      <p:cBhvr additive="base">
+                                        <p:cTn id="59" dur="500" fill="hold"/>
+                                        <p:tgtEl>
+                                          <p:spTgt spid="52"/>
+                                        </p:tgtEl>
+                                        <p:attrNameLst>
+                                          <p:attrName>ppt_x</p:attrName>
+                                        </p:attrNameLst>
+                                      </p:cBhvr>
+                                      <p:tavLst>
+                                        <p:tav tm="0">
+                                          <p:val>
+                                            <p:strVal val="#ppt_x"/>
+                                          </p:val>
+                                        </p:tav>
+                                        <p:tav tm="100000">
+                                          <p:val>
+                                            <p:strVal val="#ppt_x"/>
+                                          </p:val>
+                                        </p:tav>
+                                      </p:tavLst>
+                                    </p:anim>
+                                    <p:anim calcmode="lin" valueType="num">
+                                      <p:cBhvr additive="base">
+                                        <p:cTn id="60" dur="500" fill="hold"/>
+                                        <p:tgtEl>
+                                          <p:spTgt spid="52"/>
+                                        </p:tgtEl>
+                                        <p:attrNameLst>
+                                          <p:attrName>ppt_y</p:attrName>
+                                        </p:attrNameLst>
+                                      </p:cBhvr>
+                                      <p:tavLst>
+                                        <p:tav tm="0">
+                                          <p:val>
+                                            <p:strVal val="1+#ppt_h/2"/>
+                                          </p:val>
+                                        </p:tav>
+                                        <p:tav tm="100000">
+                                          <p:val>
+                                            <p:strVal val="#ppt_y"/>
+                                          </p:val>
+                                        </p:tav>
+                                      </p:tavLst>
+                                    </p:anim>
+                                  </p:childTnLst>
+                                </p:cTn>
+                              </p:par>
+                              <p:par>
+                                <p:cTn id="61" presetID="2" presetClass="entr" presetSubtype="4" fill="hold" grpId="0" nodeType="withEffect">
                                   <p:stCondLst>
                                     <p:cond delay="0"/>
                                   </p:stCondLst>
@@ -8395,7 +9278,7 @@
                                           </p:stCondLst>
                                         </p:cTn>
                                         <p:tgtEl>
-                                          <p:spTgt spid="38"/>
+                                          <p:spTgt spid="53"/>
                                         </p:tgtEl>
                                         <p:attrNameLst>
                                           <p:attrName>style.visibility</p:attrName>
@@ -8409,7 +9292,7 @@
                                       <p:cBhvr additive="base">
                                         <p:cTn id="63" dur="500" fill="hold"/>
                                         <p:tgtEl>
-                                          <p:spTgt spid="38"/>
+                                          <p:spTgt spid="53"/>
                                         </p:tgtEl>
                                         <p:attrNameLst>
                                           <p:attrName>ppt_x</p:attrName>
@@ -8432,7 +9315,7 @@
                                       <p:cBhvr additive="base">
                                         <p:cTn id="64" dur="500" fill="hold"/>
                                         <p:tgtEl>
-                                          <p:spTgt spid="38"/>
+                                          <p:spTgt spid="53"/>
                                         </p:tgtEl>
                                         <p:attrNameLst>
                                           <p:attrName>ppt_y</p:attrName>
@@ -8454,39 +9337,21 @@
                                   </p:childTnLst>
                                 </p:cTn>
                               </p:par>
-                            </p:childTnLst>
-                          </p:cTn>
-                        </p:par>
-                      </p:childTnLst>
-                    </p:cTn>
-                  </p:par>
-                  <p:par>
-                    <p:cTn id="65" fill="hold">
-                      <p:stCondLst>
-                        <p:cond delay="indefinite"/>
-                      </p:stCondLst>
-                      <p:childTnLst>
-                        <p:par>
-                          <p:cTn id="66" fill="hold">
-                            <p:stCondLst>
-                              <p:cond delay="0"/>
-                            </p:stCondLst>
-                            <p:childTnLst>
                               <p:par>
-                                <p:cTn id="67" presetID="9" presetClass="entr" presetSubtype="0" fill="hold" grpId="0" nodeType="clickEffect">
+                                <p:cTn id="65" presetID="10" presetClass="entr" presetSubtype="0" fill="hold" grpId="0" nodeType="withEffect">
                                   <p:stCondLst>
                                     <p:cond delay="0"/>
                                   </p:stCondLst>
                                   <p:childTnLst>
                                     <p:set>
                                       <p:cBhvr>
-                                        <p:cTn id="68" dur="1" fill="hold">
+                                        <p:cTn id="66" dur="1" fill="hold">
                                           <p:stCondLst>
                                             <p:cond delay="0"/>
                                           </p:stCondLst>
                                         </p:cTn>
                                         <p:tgtEl>
-                                          <p:spTgt spid="47"/>
+                                          <p:spTgt spid="66"/>
                                         </p:tgtEl>
                                         <p:attrNameLst>
                                           <p:attrName>style.visibility</p:attrName>
@@ -8496,46 +9361,11 @@
                                         <p:strVal val="visible"/>
                                       </p:to>
                                     </p:set>
-                                    <p:animEffect transition="in" filter="dissolve">
+                                    <p:animEffect transition="in" filter="fade">
                                       <p:cBhvr>
-                                        <p:cTn id="69" dur="500"/>
+                                        <p:cTn id="67" dur="500"/>
                                         <p:tgtEl>
-                                          <p:spTgt spid="47"/>
-                                        </p:tgtEl>
-                                      </p:cBhvr>
-                                    </p:animEffect>
-                                  </p:childTnLst>
-                                </p:cTn>
-                              </p:par>
-                              <p:par>
-                                <p:cTn id="70" presetID="9" presetClass="entr" presetSubtype="0" fill="hold" grpId="0" nodeType="withEffect">
-                                  <p:stCondLst>
-                                    <p:cond delay="0"/>
-                                  </p:stCondLst>
-                                  <p:childTnLst>
-                                    <p:set>
-                                      <p:cBhvr>
-                                        <p:cTn id="71" dur="1" fill="hold">
-                                          <p:stCondLst>
-                                            <p:cond delay="0"/>
-                                          </p:stCondLst>
-                                        </p:cTn>
-                                        <p:tgtEl>
-                                          <p:spTgt spid="42"/>
-                                        </p:tgtEl>
-                                        <p:attrNameLst>
-                                          <p:attrName>style.visibility</p:attrName>
-                                        </p:attrNameLst>
-                                      </p:cBhvr>
-                                      <p:to>
-                                        <p:strVal val="visible"/>
-                                      </p:to>
-                                    </p:set>
-                                    <p:animEffect transition="in" filter="dissolve">
-                                      <p:cBhvr>
-                                        <p:cTn id="72" dur="500"/>
-                                        <p:tgtEl>
-                                          <p:spTgt spid="42"/>
+                                          <p:spTgt spid="66"/>
                                         </p:tgtEl>
                                       </p:cBhvr>
                                     </p:animEffect>
@@ -8570,21 +9400,21 @@
       </p:par>
     </p:tnLst>
     <p:bldLst>
-      <p:bldP spid="47" grpId="0" animBg="1"/>
-      <p:bldP spid="38" grpId="0" animBg="1"/>
-      <p:bldP spid="46" grpId="0" animBg="1"/>
-      <p:bldP spid="43" grpId="0" animBg="1"/>
-      <p:bldP spid="45" grpId="0" animBg="1"/>
-      <p:bldP spid="33" grpId="0" animBg="1"/>
-      <p:bldP spid="44" grpId="0" animBg="1"/>
-      <p:bldP spid="22" grpId="0" animBg="1"/>
-      <p:bldP spid="7" grpId="0" animBg="1"/>
-      <p:bldP spid="17" grpId="0" animBg="1"/>
-      <p:bldP spid="5" grpId="0"/>
-      <p:bldP spid="39" grpId="0"/>
-      <p:bldP spid="40" grpId="0"/>
-      <p:bldP spid="41" grpId="0"/>
-      <p:bldP spid="42" grpId="0"/>
+      <p:bldP spid="52" grpId="0" animBg="1"/>
+      <p:bldP spid="53" grpId="0"/>
+      <p:bldP spid="54" grpId="0" animBg="1"/>
+      <p:bldP spid="55" grpId="0"/>
+      <p:bldP spid="56" grpId="0" animBg="1"/>
+      <p:bldP spid="57" grpId="0"/>
+      <p:bldP spid="58" grpId="0" animBg="1"/>
+      <p:bldP spid="59" grpId="0"/>
+      <p:bldP spid="60" grpId="0" animBg="1"/>
+      <p:bldP spid="61" grpId="0"/>
+      <p:bldP spid="62" grpId="0"/>
+      <p:bldP spid="63" grpId="0"/>
+      <p:bldP spid="64" grpId="0"/>
+      <p:bldP spid="65" grpId="0"/>
+      <p:bldP spid="66" grpId="0"/>
     </p:bldLst>
   </p:timing>
 </p:sld>
@@ -9115,10 +9945,10 @@
       </p:sp>
       <p:sp>
         <p:nvSpPr>
-          <p:cNvPr id="12" name="Triangolo isoscele 11">
+          <p:cNvPr id="14" name="Triangolo isoscele 13">
             <a:extLst>
               <a:ext uri="{FF2B5EF4-FFF2-40B4-BE49-F238E27FC236}">
-                <a16:creationId xmlns:a16="http://schemas.microsoft.com/office/drawing/2014/main" id="{10D5894C-CFB7-44C5-A888-EA435AB12270}"/>
+                <a16:creationId xmlns:a16="http://schemas.microsoft.com/office/drawing/2014/main" id="{4C85B484-EC70-4C48-94DB-21C33C00F1CD}"/>
               </a:ext>
             </a:extLst>
           </p:cNvPr>
@@ -9127,8 +9957,8 @@
         </p:nvSpPr>
         <p:spPr>
           <a:xfrm>
-            <a:off x="8286750" y="6143437"/>
-            <a:ext cx="878889" cy="703983"/>
+            <a:off x="6054570" y="6134734"/>
+            <a:ext cx="3093314" cy="714563"/>
           </a:xfrm>
           <a:prstGeom prst="triangle">
             <a:avLst>
@@ -9169,10 +9999,10 @@
       </p:sp>
       <p:sp>
         <p:nvSpPr>
-          <p:cNvPr id="13" name="Segnaposto numero diapositiva 10">
+          <p:cNvPr id="15" name="Segnaposto numero diapositiva 10">
             <a:extLst>
               <a:ext uri="{FF2B5EF4-FFF2-40B4-BE49-F238E27FC236}">
-                <a16:creationId xmlns:a16="http://schemas.microsoft.com/office/drawing/2014/main" id="{674CDBC2-0882-41A3-9BB5-AA6C0A0D9DDC}"/>
+                <a16:creationId xmlns:a16="http://schemas.microsoft.com/office/drawing/2014/main" id="{77089209-9FF5-45AC-BAFB-ACA5350D71BF}"/>
               </a:ext>
             </a:extLst>
           </p:cNvPr>
@@ -9183,8 +10013,8 @@
         </p:nvSpPr>
         <p:spPr>
           <a:xfrm>
-            <a:off x="8539236" y="6391960"/>
-            <a:ext cx="637446" cy="365125"/>
+            <a:off x="8007658" y="6391960"/>
+            <a:ext cx="1073774" cy="365125"/>
           </a:xfrm>
           <a:prstGeom prst="rect">
             <a:avLst/>
@@ -9298,6 +10128,14 @@
               <a:pPr algn="r"/>
               <a:t>14</a:t>
             </a:fld>
+            <a:r>
+              <a:rPr lang="it-IT" altLang="zh-CN" dirty="0">
+                <a:solidFill>
+                  <a:schemeClr val="bg1"/>
+                </a:solidFill>
+              </a:rPr>
+              <a:t>/26</a:t>
+            </a:r>
             <a:endParaRPr lang="zh-CN" altLang="en-US" dirty="0">
               <a:solidFill>
                 <a:schemeClr val="bg1"/>
@@ -10151,10 +10989,10 @@
       </p:sp>
       <p:sp>
         <p:nvSpPr>
-          <p:cNvPr id="13" name="Triangolo isoscele 12">
+          <p:cNvPr id="19" name="Triangolo isoscele 18">
             <a:extLst>
               <a:ext uri="{FF2B5EF4-FFF2-40B4-BE49-F238E27FC236}">
-                <a16:creationId xmlns:a16="http://schemas.microsoft.com/office/drawing/2014/main" id="{F934B7F0-0549-445F-ACB9-1ABA2DA8D6EC}"/>
+                <a16:creationId xmlns:a16="http://schemas.microsoft.com/office/drawing/2014/main" id="{B8665903-757F-46EF-A756-358F9DA3A9BD}"/>
               </a:ext>
             </a:extLst>
           </p:cNvPr>
@@ -10163,8 +11001,8 @@
         </p:nvSpPr>
         <p:spPr>
           <a:xfrm>
-            <a:off x="8286750" y="6143437"/>
-            <a:ext cx="878889" cy="703983"/>
+            <a:off x="6054570" y="6134734"/>
+            <a:ext cx="3093314" cy="714563"/>
           </a:xfrm>
           <a:prstGeom prst="triangle">
             <a:avLst>
@@ -10205,10 +11043,10 @@
       </p:sp>
       <p:sp>
         <p:nvSpPr>
-          <p:cNvPr id="16" name="Segnaposto numero diapositiva 10">
+          <p:cNvPr id="20" name="Segnaposto numero diapositiva 10">
             <a:extLst>
               <a:ext uri="{FF2B5EF4-FFF2-40B4-BE49-F238E27FC236}">
-                <a16:creationId xmlns:a16="http://schemas.microsoft.com/office/drawing/2014/main" id="{F42068EA-97C8-43E8-A93C-7C78BEBBE760}"/>
+                <a16:creationId xmlns:a16="http://schemas.microsoft.com/office/drawing/2014/main" id="{046ED5AF-7148-4103-AC94-1953EE41B5C1}"/>
               </a:ext>
             </a:extLst>
           </p:cNvPr>
@@ -10219,8 +11057,8 @@
         </p:nvSpPr>
         <p:spPr>
           <a:xfrm>
-            <a:off x="8539236" y="6391960"/>
-            <a:ext cx="637446" cy="365125"/>
+            <a:off x="8007658" y="6391960"/>
+            <a:ext cx="1073774" cy="365125"/>
           </a:xfrm>
           <a:prstGeom prst="rect">
             <a:avLst/>
@@ -10334,6 +11172,14 @@
               <a:pPr algn="r"/>
               <a:t>15</a:t>
             </a:fld>
+            <a:r>
+              <a:rPr lang="it-IT" altLang="zh-CN" dirty="0">
+                <a:solidFill>
+                  <a:schemeClr val="bg1"/>
+                </a:solidFill>
+              </a:rPr>
+              <a:t>/26</a:t>
+            </a:r>
             <a:endParaRPr lang="zh-CN" altLang="en-US" dirty="0">
               <a:solidFill>
                 <a:schemeClr val="bg1"/>
@@ -10538,10 +11384,10 @@
       </p:sp>
       <p:sp>
         <p:nvSpPr>
-          <p:cNvPr id="5" name="Triangolo isoscele 4">
+          <p:cNvPr id="8" name="Triangolo isoscele 7">
             <a:extLst>
               <a:ext uri="{FF2B5EF4-FFF2-40B4-BE49-F238E27FC236}">
-                <a16:creationId xmlns:a16="http://schemas.microsoft.com/office/drawing/2014/main" id="{2A87FFD8-CCC3-45E0-91BF-802EFBA893A9}"/>
+                <a16:creationId xmlns:a16="http://schemas.microsoft.com/office/drawing/2014/main" id="{B83BD053-BFC4-48B6-95FA-42AB0A97C6B6}"/>
               </a:ext>
             </a:extLst>
           </p:cNvPr>
@@ -10550,8 +11396,8 @@
         </p:nvSpPr>
         <p:spPr>
           <a:xfrm>
-            <a:off x="8286750" y="6143437"/>
-            <a:ext cx="878889" cy="703983"/>
+            <a:off x="6054570" y="6134734"/>
+            <a:ext cx="3093314" cy="714563"/>
           </a:xfrm>
           <a:prstGeom prst="triangle">
             <a:avLst>
@@ -10592,10 +11438,10 @@
       </p:sp>
       <p:sp>
         <p:nvSpPr>
-          <p:cNvPr id="6" name="Segnaposto numero diapositiva 10">
+          <p:cNvPr id="11" name="Segnaposto numero diapositiva 10">
             <a:extLst>
               <a:ext uri="{FF2B5EF4-FFF2-40B4-BE49-F238E27FC236}">
-                <a16:creationId xmlns:a16="http://schemas.microsoft.com/office/drawing/2014/main" id="{50563ADC-7238-40C1-91B6-FA96EE94FDB7}"/>
+                <a16:creationId xmlns:a16="http://schemas.microsoft.com/office/drawing/2014/main" id="{E84FE69E-3EFD-4C57-9B87-049DB7B0DBEB}"/>
               </a:ext>
             </a:extLst>
           </p:cNvPr>
@@ -10606,8 +11452,8 @@
         </p:nvSpPr>
         <p:spPr>
           <a:xfrm>
-            <a:off x="8539236" y="6391960"/>
-            <a:ext cx="637446" cy="365125"/>
+            <a:off x="8007658" y="6391960"/>
+            <a:ext cx="1073774" cy="365125"/>
           </a:xfrm>
           <a:prstGeom prst="rect">
             <a:avLst/>
@@ -10721,6 +11567,14 @@
               <a:pPr algn="r"/>
               <a:t>16</a:t>
             </a:fld>
+            <a:r>
+              <a:rPr lang="it-IT" altLang="zh-CN" dirty="0">
+                <a:solidFill>
+                  <a:schemeClr val="bg1"/>
+                </a:solidFill>
+              </a:rPr>
+              <a:t>/26</a:t>
+            </a:r>
             <a:endParaRPr lang="zh-CN" altLang="en-US" dirty="0">
               <a:solidFill>
                 <a:schemeClr val="bg1"/>
@@ -10974,7 +11828,7 @@
         </p:nvSpPr>
         <p:spPr>
           <a:xfrm>
-            <a:off x="2087668" y="2834470"/>
+            <a:off x="1981699" y="1663236"/>
             <a:ext cx="6858624" cy="2308324"/>
           </a:xfrm>
           <a:prstGeom prst="rect">
@@ -10993,7 +11847,17 @@
                   <a:srgbClr val="1E1E1E"/>
                 </a:solidFill>
               </a:rPr>
-              <a:t>Realizzazione di un’interfaccia grafica per </a:t>
+              <a:t>Realizzazione di un’interfaccia grafica </a:t>
+            </a:r>
+          </a:p>
+          <a:p>
+            <a:r>
+              <a:rPr lang="it-IT" dirty="0">
+                <a:solidFill>
+                  <a:srgbClr val="1E1E1E"/>
+                </a:solidFill>
+              </a:rPr>
+              <a:t>per </a:t>
             </a:r>
             <a:r>
               <a:rPr lang="it-IT" dirty="0" err="1">
@@ -11034,49 +11898,14 @@
       <p:cxnSp>
         <p:nvCxnSpPr>
           <p:cNvPr id="20" name="直接连接符 84"/>
-          <p:cNvCxnSpPr/>
+          <p:cNvCxnSpPr>
+            <a:cxnSpLocks/>
+          </p:cNvCxnSpPr>
           <p:nvPr/>
         </p:nvCxnSpPr>
         <p:spPr>
-          <a:xfrm flipH="1">
-            <a:off x="2087668" y="4203957"/>
-            <a:ext cx="4174023" cy="1"/>
-          </a:xfrm>
-          <a:prstGeom prst="line">
-            <a:avLst/>
-          </a:prstGeom>
-          <a:ln w="25400">
-            <a:solidFill>
-              <a:schemeClr val="tx1"/>
-            </a:solidFill>
-            <a:prstDash val="sysDot"/>
-            <a:headEnd type="oval"/>
-          </a:ln>
-        </p:spPr>
-        <p:style>
-          <a:lnRef idx="1">
-            <a:schemeClr val="accent1"/>
-          </a:lnRef>
-          <a:fillRef idx="0">
-            <a:schemeClr val="accent1"/>
-          </a:fillRef>
-          <a:effectRef idx="0">
-            <a:schemeClr val="accent1"/>
-          </a:effectRef>
-          <a:fontRef idx="minor">
-            <a:schemeClr val="tx1"/>
-          </a:fontRef>
-        </p:style>
-      </p:cxnSp>
-      <p:cxnSp>
-        <p:nvCxnSpPr>
-          <p:cNvPr id="21" name="直接连接符 84"/>
-          <p:cNvCxnSpPr/>
-          <p:nvPr/>
-        </p:nvCxnSpPr>
-        <p:spPr>
-          <a:xfrm flipH="1">
-            <a:off x="2087668" y="5251520"/>
+          <a:xfrm>
+            <a:off x="4031504" y="1472421"/>
             <a:ext cx="4174023" cy="1"/>
           </a:xfrm>
           <a:prstGeom prst="line">
@@ -11107,15 +11936,15 @@
       </p:cxnSp>
       <p:grpSp>
         <p:nvGrpSpPr>
-          <p:cNvPr id="22" name="Gruppo 21"/>
+          <p:cNvPr id="38" name="Gruppo 37"/>
           <p:cNvGrpSpPr>
             <a:grpSpLocks noChangeAspect="1"/>
           </p:cNvGrpSpPr>
           <p:nvPr/>
         </p:nvGrpSpPr>
         <p:grpSpPr>
-          <a:xfrm>
-            <a:off x="1499288" y="4945520"/>
+          <a:xfrm flipH="1">
+            <a:off x="8229582" y="1171166"/>
             <a:ext cx="539137" cy="612000"/>
             <a:chOff x="182788" y="1226090"/>
             <a:chExt cx="1064103" cy="1234359"/>
@@ -11123,7 +11952,7 @@
         </p:grpSpPr>
         <p:sp>
           <p:nvSpPr>
-            <p:cNvPr id="23" name="六边形 43"/>
+            <p:cNvPr id="39" name="六边形 43"/>
             <p:cNvSpPr/>
             <p:nvPr/>
           </p:nvSpPr>
@@ -11179,7 +12008,7 @@
         </p:sp>
         <p:grpSp>
           <p:nvGrpSpPr>
-            <p:cNvPr id="24" name="组合 95"/>
+            <p:cNvPr id="40" name="组合 95"/>
             <p:cNvGrpSpPr>
               <a:grpSpLocks noChangeAspect="1"/>
             </p:cNvGrpSpPr>
@@ -11198,7 +12027,7 @@
           </p:grpSpPr>
           <p:sp>
             <p:nvSpPr>
-              <p:cNvPr id="25" name="Freeform 11"/>
+              <p:cNvPr id="41" name="Freeform 11"/>
               <p:cNvSpPr>
                 <a:spLocks/>
               </p:cNvSpPr>
@@ -11333,7 +12162,7 @@
           </p:sp>
           <p:sp>
             <p:nvSpPr>
-              <p:cNvPr id="26" name="Freeform 12"/>
+              <p:cNvPr id="42" name="Freeform 12"/>
               <p:cNvSpPr>
                 <a:spLocks/>
               </p:cNvSpPr>
@@ -11468,7 +12297,7 @@
           </p:sp>
           <p:sp>
             <p:nvSpPr>
-              <p:cNvPr id="27" name="Freeform 13"/>
+              <p:cNvPr id="43" name="Freeform 13"/>
               <p:cNvSpPr>
                 <a:spLocks/>
               </p:cNvSpPr>
@@ -11571,7 +12400,7 @@
           </p:sp>
           <p:sp>
             <p:nvSpPr>
-              <p:cNvPr id="28" name="Freeform 14"/>
+              <p:cNvPr id="44" name="Freeform 14"/>
               <p:cNvSpPr>
                 <a:spLocks noEditPoints="1"/>
               </p:cNvSpPr>
@@ -11715,7 +12544,7 @@
           </p:sp>
           <p:sp>
             <p:nvSpPr>
-              <p:cNvPr id="29" name="Freeform 15"/>
+              <p:cNvPr id="45" name="Freeform 15"/>
               <p:cNvSpPr>
                 <a:spLocks/>
               </p:cNvSpPr>
@@ -11905,17 +12734,406 @@
           </p:sp>
         </p:grpSp>
       </p:grpSp>
+      <p:sp>
+        <p:nvSpPr>
+          <p:cNvPr id="32" name="Triangolo isoscele 31">
+            <a:extLst>
+              <a:ext uri="{FF2B5EF4-FFF2-40B4-BE49-F238E27FC236}">
+                <a16:creationId xmlns:a16="http://schemas.microsoft.com/office/drawing/2014/main" id="{5FAB0AC4-7A91-45A4-995A-8D3A329932D0}"/>
+              </a:ext>
+            </a:extLst>
+          </p:cNvPr>
+          <p:cNvSpPr/>
+          <p:nvPr/>
+        </p:nvSpPr>
+        <p:spPr>
+          <a:xfrm>
+            <a:off x="6054570" y="6134734"/>
+            <a:ext cx="3093314" cy="714563"/>
+          </a:xfrm>
+          <a:prstGeom prst="triangle">
+            <a:avLst>
+              <a:gd name="adj" fmla="val 100000"/>
+            </a:avLst>
+          </a:prstGeom>
+          <a:solidFill>
+            <a:schemeClr val="tx1">
+              <a:alpha val="18000"/>
+            </a:schemeClr>
+          </a:solidFill>
+          <a:ln>
+            <a:noFill/>
+          </a:ln>
+        </p:spPr>
+        <p:style>
+          <a:lnRef idx="1">
+            <a:schemeClr val="accent1"/>
+          </a:lnRef>
+          <a:fillRef idx="3">
+            <a:schemeClr val="accent1"/>
+          </a:fillRef>
+          <a:effectRef idx="2">
+            <a:schemeClr val="accent1"/>
+          </a:effectRef>
+          <a:fontRef idx="minor">
+            <a:schemeClr val="lt1"/>
+          </a:fontRef>
+        </p:style>
+        <p:txBody>
+          <a:bodyPr rtlCol="0" anchor="ctr"/>
+          <a:lstStyle/>
+          <a:p>
+            <a:pPr algn="ctr"/>
+            <a:endParaRPr lang="it-IT" dirty="0"/>
+          </a:p>
+        </p:txBody>
+      </p:sp>
+      <p:sp>
+        <p:nvSpPr>
+          <p:cNvPr id="33" name="Segnaposto numero diapositiva 10">
+            <a:extLst>
+              <a:ext uri="{FF2B5EF4-FFF2-40B4-BE49-F238E27FC236}">
+                <a16:creationId xmlns:a16="http://schemas.microsoft.com/office/drawing/2014/main" id="{66DE9E25-FEBB-42B5-A0C1-FC1DD7BE7C3C}"/>
+              </a:ext>
+            </a:extLst>
+          </p:cNvPr>
+          <p:cNvSpPr txBox="1">
+            <a:spLocks/>
+          </p:cNvSpPr>
+          <p:nvPr/>
+        </p:nvSpPr>
+        <p:spPr>
+          <a:xfrm>
+            <a:off x="8007658" y="6391960"/>
+            <a:ext cx="1073774" cy="365125"/>
+          </a:xfrm>
+          <a:prstGeom prst="rect">
+            <a:avLst/>
+          </a:prstGeom>
+        </p:spPr>
+        <p:txBody>
+          <a:bodyPr/>
+          <a:lstStyle>
+            <a:defPPr>
+              <a:defRPr lang="en-US"/>
+            </a:defPPr>
+            <a:lvl1pPr marL="0" algn="l" defTabSz="609630" rtl="0" eaLnBrk="1" latinLnBrk="0" hangingPunct="1">
+              <a:defRPr sz="2400" kern="1200">
+                <a:solidFill>
+                  <a:schemeClr val="tx1"/>
+                </a:solidFill>
+                <a:latin typeface="+mn-lt"/>
+                <a:ea typeface="+mn-ea"/>
+                <a:cs typeface="+mn-cs"/>
+              </a:defRPr>
+            </a:lvl1pPr>
+            <a:lvl2pPr marL="609630" algn="l" defTabSz="609630" rtl="0" eaLnBrk="1" latinLnBrk="0" hangingPunct="1">
+              <a:defRPr sz="2400" kern="1200">
+                <a:solidFill>
+                  <a:schemeClr val="tx1"/>
+                </a:solidFill>
+                <a:latin typeface="+mn-lt"/>
+                <a:ea typeface="+mn-ea"/>
+                <a:cs typeface="+mn-cs"/>
+              </a:defRPr>
+            </a:lvl2pPr>
+            <a:lvl3pPr marL="1219261" algn="l" defTabSz="609630" rtl="0" eaLnBrk="1" latinLnBrk="0" hangingPunct="1">
+              <a:defRPr sz="2400" kern="1200">
+                <a:solidFill>
+                  <a:schemeClr val="tx1"/>
+                </a:solidFill>
+                <a:latin typeface="+mn-lt"/>
+                <a:ea typeface="+mn-ea"/>
+                <a:cs typeface="+mn-cs"/>
+              </a:defRPr>
+            </a:lvl3pPr>
+            <a:lvl4pPr marL="1828891" algn="l" defTabSz="609630" rtl="0" eaLnBrk="1" latinLnBrk="0" hangingPunct="1">
+              <a:defRPr sz="2400" kern="1200">
+                <a:solidFill>
+                  <a:schemeClr val="tx1"/>
+                </a:solidFill>
+                <a:latin typeface="+mn-lt"/>
+                <a:ea typeface="+mn-ea"/>
+                <a:cs typeface="+mn-cs"/>
+              </a:defRPr>
+            </a:lvl4pPr>
+            <a:lvl5pPr marL="2438522" algn="l" defTabSz="609630" rtl="0" eaLnBrk="1" latinLnBrk="0" hangingPunct="1">
+              <a:defRPr sz="2400" kern="1200">
+                <a:solidFill>
+                  <a:schemeClr val="tx1"/>
+                </a:solidFill>
+                <a:latin typeface="+mn-lt"/>
+                <a:ea typeface="+mn-ea"/>
+                <a:cs typeface="+mn-cs"/>
+              </a:defRPr>
+            </a:lvl5pPr>
+            <a:lvl6pPr marL="3048152" algn="l" defTabSz="609630" rtl="0" eaLnBrk="1" latinLnBrk="0" hangingPunct="1">
+              <a:defRPr sz="2400" kern="1200">
+                <a:solidFill>
+                  <a:schemeClr val="tx1"/>
+                </a:solidFill>
+                <a:latin typeface="+mn-lt"/>
+                <a:ea typeface="+mn-ea"/>
+                <a:cs typeface="+mn-cs"/>
+              </a:defRPr>
+            </a:lvl6pPr>
+            <a:lvl7pPr marL="3657783" algn="l" defTabSz="609630" rtl="0" eaLnBrk="1" latinLnBrk="0" hangingPunct="1">
+              <a:defRPr sz="2400" kern="1200">
+                <a:solidFill>
+                  <a:schemeClr val="tx1"/>
+                </a:solidFill>
+                <a:latin typeface="+mn-lt"/>
+                <a:ea typeface="+mn-ea"/>
+                <a:cs typeface="+mn-cs"/>
+              </a:defRPr>
+            </a:lvl7pPr>
+            <a:lvl8pPr marL="4267413" algn="l" defTabSz="609630" rtl="0" eaLnBrk="1" latinLnBrk="0" hangingPunct="1">
+              <a:defRPr sz="2400" kern="1200">
+                <a:solidFill>
+                  <a:schemeClr val="tx1"/>
+                </a:solidFill>
+                <a:latin typeface="+mn-lt"/>
+                <a:ea typeface="+mn-ea"/>
+                <a:cs typeface="+mn-cs"/>
+              </a:defRPr>
+            </a:lvl8pPr>
+            <a:lvl9pPr marL="4877044" algn="l" defTabSz="609630" rtl="0" eaLnBrk="1" latinLnBrk="0" hangingPunct="1">
+              <a:defRPr sz="2400" kern="1200">
+                <a:solidFill>
+                  <a:schemeClr val="tx1"/>
+                </a:solidFill>
+                <a:latin typeface="+mn-lt"/>
+                <a:ea typeface="+mn-ea"/>
+                <a:cs typeface="+mn-cs"/>
+              </a:defRPr>
+            </a:lvl9pPr>
+          </a:lstStyle>
+          <a:p>
+            <a:pPr algn="r"/>
+            <a:fld id="{D02B8B2F-F691-4135-AF04-E5B2EA4DBD49}" type="slidenum">
+              <a:rPr lang="zh-CN" altLang="en-US" smtClean="0">
+                <a:solidFill>
+                  <a:schemeClr val="bg1"/>
+                </a:solidFill>
+              </a:rPr>
+              <a:pPr algn="r"/>
+              <a:t>17</a:t>
+            </a:fld>
+            <a:r>
+              <a:rPr lang="it-IT" altLang="zh-CN" dirty="0">
+                <a:solidFill>
+                  <a:schemeClr val="bg1"/>
+                </a:solidFill>
+              </a:rPr>
+              <a:t>/26</a:t>
+            </a:r>
+            <a:endParaRPr lang="zh-CN" altLang="en-US" dirty="0">
+              <a:solidFill>
+                <a:schemeClr val="bg1"/>
+              </a:solidFill>
+            </a:endParaRPr>
+          </a:p>
+        </p:txBody>
+      </p:sp>
+      <p:sp>
+        <p:nvSpPr>
+          <p:cNvPr id="34" name="Rettangolo arrotondato 45">
+            <a:extLst>
+              <a:ext uri="{FF2B5EF4-FFF2-40B4-BE49-F238E27FC236}">
+                <a16:creationId xmlns:a16="http://schemas.microsoft.com/office/drawing/2014/main" id="{94BC834E-5636-413D-B00A-8FFA07CA0160}"/>
+              </a:ext>
+            </a:extLst>
+          </p:cNvPr>
+          <p:cNvSpPr/>
+          <p:nvPr/>
+        </p:nvSpPr>
+        <p:spPr>
+          <a:xfrm>
+            <a:off x="1557891" y="4274087"/>
+            <a:ext cx="7222871" cy="1674153"/>
+          </a:xfrm>
+          <a:prstGeom prst="roundRect">
+            <a:avLst/>
+          </a:prstGeom>
+          <a:solidFill>
+            <a:srgbClr val="7F1D17">
+              <a:alpha val="66000"/>
+            </a:srgbClr>
+          </a:solidFill>
+          <a:ln>
+            <a:noFill/>
+          </a:ln>
+        </p:spPr>
+        <p:style>
+          <a:lnRef idx="1">
+            <a:schemeClr val="accent1"/>
+          </a:lnRef>
+          <a:fillRef idx="3">
+            <a:schemeClr val="accent1"/>
+          </a:fillRef>
+          <a:effectRef idx="2">
+            <a:schemeClr val="accent1"/>
+          </a:effectRef>
+          <a:fontRef idx="minor">
+            <a:schemeClr val="lt1"/>
+          </a:fontRef>
+        </p:style>
+        <p:txBody>
+          <a:bodyPr rtlCol="0" anchor="ctr"/>
+          <a:lstStyle/>
+          <a:p>
+            <a:pPr algn="ctr"/>
+            <a:endParaRPr lang="it-IT"/>
+          </a:p>
+        </p:txBody>
+      </p:sp>
+      <p:sp>
+        <p:nvSpPr>
+          <p:cNvPr id="35" name="Rettangolo 34">
+            <a:extLst>
+              <a:ext uri="{FF2B5EF4-FFF2-40B4-BE49-F238E27FC236}">
+                <a16:creationId xmlns:a16="http://schemas.microsoft.com/office/drawing/2014/main" id="{C05F7A64-6F64-4D5F-A48A-2352453DC194}"/>
+              </a:ext>
+            </a:extLst>
+          </p:cNvPr>
+          <p:cNvSpPr/>
+          <p:nvPr/>
+        </p:nvSpPr>
+        <p:spPr>
+          <a:xfrm>
+            <a:off x="1861568" y="4295555"/>
+            <a:ext cx="5510463" cy="1631216"/>
+          </a:xfrm>
+          <a:prstGeom prst="rect">
+            <a:avLst/>
+          </a:prstGeom>
+        </p:spPr>
+        <p:txBody>
+          <a:bodyPr wrap="square">
+            <a:spAutoFit/>
+          </a:bodyPr>
+          <a:lstStyle/>
+          <a:p>
+            <a:r>
+              <a:rPr lang="it-IT" sz="2800" b="1" dirty="0">
+                <a:solidFill>
+                  <a:schemeClr val="bg1"/>
+                </a:solidFill>
+              </a:rPr>
+              <a:t>Fonti requisiti</a:t>
+            </a:r>
+          </a:p>
+          <a:p>
+            <a:pPr marL="285750" indent="-285750">
+              <a:buFont typeface="Arial" charset="0"/>
+              <a:buChar char="•"/>
+            </a:pPr>
+            <a:r>
+              <a:rPr lang="it-IT" dirty="0">
+                <a:solidFill>
+                  <a:schemeClr val="bg1"/>
+                </a:solidFill>
+              </a:rPr>
+              <a:t>Capitolato d’appalto</a:t>
+            </a:r>
+          </a:p>
+          <a:p>
+            <a:pPr marL="285750" indent="-285750">
+              <a:buFont typeface="Arial" charset="0"/>
+              <a:buChar char="•"/>
+            </a:pPr>
+            <a:r>
+              <a:rPr lang="it-IT" dirty="0">
+                <a:solidFill>
+                  <a:schemeClr val="bg1"/>
+                </a:solidFill>
+              </a:rPr>
+              <a:t>Videochiamata con Giulio Paci</a:t>
+            </a:r>
+          </a:p>
+          <a:p>
+            <a:pPr marL="285750" indent="-285750">
+              <a:buFont typeface="Arial" charset="0"/>
+              <a:buChar char="•"/>
+            </a:pPr>
+            <a:r>
+              <a:rPr lang="it-IT" dirty="0">
+                <a:solidFill>
+                  <a:schemeClr val="bg1"/>
+                </a:solidFill>
+              </a:rPr>
+              <a:t>Scambio di email</a:t>
+            </a:r>
+            <a:endParaRPr lang="it-IT" sz="2800" dirty="0">
+              <a:solidFill>
+                <a:schemeClr val="bg1"/>
+              </a:solidFill>
+            </a:endParaRPr>
+          </a:p>
+        </p:txBody>
+      </p:sp>
+      <p:cxnSp>
+        <p:nvCxnSpPr>
+          <p:cNvPr id="36" name="直接连接符 84">
+            <a:extLst>
+              <a:ext uri="{FF2B5EF4-FFF2-40B4-BE49-F238E27FC236}">
+                <a16:creationId xmlns:a16="http://schemas.microsoft.com/office/drawing/2014/main" id="{9EA10107-CF59-4538-9DA2-692A854D1CF4}"/>
+              </a:ext>
+            </a:extLst>
+          </p:cNvPr>
+          <p:cNvCxnSpPr>
+            <a:cxnSpLocks/>
+          </p:cNvCxnSpPr>
+          <p:nvPr/>
+        </p:nvCxnSpPr>
+        <p:spPr>
+          <a:xfrm>
+            <a:off x="4016331" y="3027715"/>
+            <a:ext cx="4174023" cy="1"/>
+          </a:xfrm>
+          <a:prstGeom prst="line">
+            <a:avLst/>
+          </a:prstGeom>
+          <a:ln w="25400">
+            <a:solidFill>
+              <a:schemeClr val="tx1"/>
+            </a:solidFill>
+            <a:prstDash val="sysDot"/>
+            <a:headEnd type="oval"/>
+          </a:ln>
+        </p:spPr>
+        <p:style>
+          <a:lnRef idx="1">
+            <a:schemeClr val="accent1"/>
+          </a:lnRef>
+          <a:fillRef idx="0">
+            <a:schemeClr val="accent1"/>
+          </a:fillRef>
+          <a:effectRef idx="0">
+            <a:schemeClr val="accent1"/>
+          </a:effectRef>
+          <a:fontRef idx="minor">
+            <a:schemeClr val="tx1"/>
+          </a:fontRef>
+        </p:style>
+      </p:cxnSp>
       <p:grpSp>
         <p:nvGrpSpPr>
-          <p:cNvPr id="38" name="Gruppo 37"/>
+          <p:cNvPr id="37" name="Gruppo 36">
+            <a:extLst>
+              <a:ext uri="{FF2B5EF4-FFF2-40B4-BE49-F238E27FC236}">
+                <a16:creationId xmlns:a16="http://schemas.microsoft.com/office/drawing/2014/main" id="{E53231AF-D13D-41FA-918C-6D4AEF2B110D}"/>
+              </a:ext>
+            </a:extLst>
+          </p:cNvPr>
           <p:cNvGrpSpPr>
             <a:grpSpLocks noChangeAspect="1"/>
           </p:cNvGrpSpPr>
           <p:nvPr/>
         </p:nvGrpSpPr>
         <p:grpSpPr>
-          <a:xfrm>
-            <a:off x="1502878" y="3909463"/>
+          <a:xfrm flipH="1">
+            <a:off x="8214409" y="2726460"/>
             <a:ext cx="539137" cy="612000"/>
             <a:chOff x="182788" y="1226090"/>
             <a:chExt cx="1064103" cy="1234359"/>
@@ -11923,7 +13141,13 @@
         </p:grpSpPr>
         <p:sp>
           <p:nvSpPr>
-            <p:cNvPr id="39" name="六边形 43"/>
+            <p:cNvPr id="47" name="六边形 43">
+              <a:extLst>
+                <a:ext uri="{FF2B5EF4-FFF2-40B4-BE49-F238E27FC236}">
+                  <a16:creationId xmlns:a16="http://schemas.microsoft.com/office/drawing/2014/main" id="{00CC5644-6D07-4905-8251-B357FEADF0BF}"/>
+                </a:ext>
+              </a:extLst>
+            </p:cNvPr>
             <p:cNvSpPr/>
             <p:nvPr/>
           </p:nvSpPr>
@@ -11979,7 +13203,13 @@
         </p:sp>
         <p:grpSp>
           <p:nvGrpSpPr>
-            <p:cNvPr id="40" name="组合 95"/>
+            <p:cNvPr id="48" name="组合 95">
+              <a:extLst>
+                <a:ext uri="{FF2B5EF4-FFF2-40B4-BE49-F238E27FC236}">
+                  <a16:creationId xmlns:a16="http://schemas.microsoft.com/office/drawing/2014/main" id="{8EFAF8D3-9076-468A-B3A8-A3101A0499AA}"/>
+                </a:ext>
+              </a:extLst>
+            </p:cNvPr>
             <p:cNvGrpSpPr>
               <a:grpSpLocks noChangeAspect="1"/>
             </p:cNvGrpSpPr>
@@ -11998,7 +13228,13 @@
           </p:grpSpPr>
           <p:sp>
             <p:nvSpPr>
-              <p:cNvPr id="41" name="Freeform 11"/>
+              <p:cNvPr id="49" name="Freeform 11">
+                <a:extLst>
+                  <a:ext uri="{FF2B5EF4-FFF2-40B4-BE49-F238E27FC236}">
+                    <a16:creationId xmlns:a16="http://schemas.microsoft.com/office/drawing/2014/main" id="{4B524D3E-7DE4-454E-8661-75C550492478}"/>
+                  </a:ext>
+                </a:extLst>
+              </p:cNvPr>
               <p:cNvSpPr>
                 <a:spLocks/>
               </p:cNvSpPr>
@@ -12133,7 +13369,13 @@
           </p:sp>
           <p:sp>
             <p:nvSpPr>
-              <p:cNvPr id="42" name="Freeform 12"/>
+              <p:cNvPr id="50" name="Freeform 12">
+                <a:extLst>
+                  <a:ext uri="{FF2B5EF4-FFF2-40B4-BE49-F238E27FC236}">
+                    <a16:creationId xmlns:a16="http://schemas.microsoft.com/office/drawing/2014/main" id="{88D06991-AD57-4693-A03A-488915E4EDFE}"/>
+                  </a:ext>
+                </a:extLst>
+              </p:cNvPr>
               <p:cNvSpPr>
                 <a:spLocks/>
               </p:cNvSpPr>
@@ -12268,7 +13510,13 @@
           </p:sp>
           <p:sp>
             <p:nvSpPr>
-              <p:cNvPr id="43" name="Freeform 13"/>
+              <p:cNvPr id="51" name="Freeform 13">
+                <a:extLst>
+                  <a:ext uri="{FF2B5EF4-FFF2-40B4-BE49-F238E27FC236}">
+                    <a16:creationId xmlns:a16="http://schemas.microsoft.com/office/drawing/2014/main" id="{CA99AA65-1716-454C-B35E-D00FB26BAD45}"/>
+                  </a:ext>
+                </a:extLst>
+              </p:cNvPr>
               <p:cNvSpPr>
                 <a:spLocks/>
               </p:cNvSpPr>
@@ -12371,7 +13619,13 @@
           </p:sp>
           <p:sp>
             <p:nvSpPr>
-              <p:cNvPr id="44" name="Freeform 14"/>
+              <p:cNvPr id="52" name="Freeform 14">
+                <a:extLst>
+                  <a:ext uri="{FF2B5EF4-FFF2-40B4-BE49-F238E27FC236}">
+                    <a16:creationId xmlns:a16="http://schemas.microsoft.com/office/drawing/2014/main" id="{03649377-A1CC-4642-942E-209AC288BE96}"/>
+                  </a:ext>
+                </a:extLst>
+              </p:cNvPr>
               <p:cNvSpPr>
                 <a:spLocks noEditPoints="1"/>
               </p:cNvSpPr>
@@ -12515,7 +13769,13 @@
           </p:sp>
           <p:sp>
             <p:nvSpPr>
-              <p:cNvPr id="45" name="Freeform 15"/>
+              <p:cNvPr id="53" name="Freeform 15">
+                <a:extLst>
+                  <a:ext uri="{FF2B5EF4-FFF2-40B4-BE49-F238E27FC236}">
+                    <a16:creationId xmlns:a16="http://schemas.microsoft.com/office/drawing/2014/main" id="{80554ADD-60BF-4196-96A8-C4871DEEAA7B}"/>
+                  </a:ext>
+                </a:extLst>
+              </p:cNvPr>
               <p:cNvSpPr>
                 <a:spLocks/>
               </p:cNvSpPr>
@@ -12705,339 +13965,6 @@
           </p:sp>
         </p:grpSp>
       </p:grpSp>
-      <p:grpSp>
-        <p:nvGrpSpPr>
-          <p:cNvPr id="4" name="Gruppo 3"/>
-          <p:cNvGrpSpPr/>
-          <p:nvPr/>
-        </p:nvGrpSpPr>
-        <p:grpSpPr>
-          <a:xfrm>
-            <a:off x="1674089" y="974143"/>
-            <a:ext cx="7222871" cy="1674153"/>
-            <a:chOff x="1674089" y="974143"/>
-            <a:chExt cx="7222871" cy="1674153"/>
-          </a:xfrm>
-        </p:grpSpPr>
-        <p:sp>
-          <p:nvSpPr>
-            <p:cNvPr id="46" name="Rettangolo arrotondato 45"/>
-            <p:cNvSpPr/>
-            <p:nvPr/>
-          </p:nvSpPr>
-          <p:spPr>
-            <a:xfrm>
-              <a:off x="1674089" y="974143"/>
-              <a:ext cx="7222871" cy="1674153"/>
-            </a:xfrm>
-            <a:prstGeom prst="roundRect">
-              <a:avLst/>
-            </a:prstGeom>
-            <a:solidFill>
-              <a:srgbClr val="7F1D17">
-                <a:alpha val="66000"/>
-              </a:srgbClr>
-            </a:solidFill>
-            <a:ln>
-              <a:noFill/>
-            </a:ln>
-          </p:spPr>
-          <p:style>
-            <a:lnRef idx="1">
-              <a:schemeClr val="accent1"/>
-            </a:lnRef>
-            <a:fillRef idx="3">
-              <a:schemeClr val="accent1"/>
-            </a:fillRef>
-            <a:effectRef idx="2">
-              <a:schemeClr val="accent1"/>
-            </a:effectRef>
-            <a:fontRef idx="minor">
-              <a:schemeClr val="lt1"/>
-            </a:fontRef>
-          </p:style>
-          <p:txBody>
-            <a:bodyPr rtlCol="0" anchor="ctr"/>
-            <a:lstStyle/>
-            <a:p>
-              <a:pPr algn="ctr"/>
-              <a:endParaRPr lang="it-IT"/>
-            </a:p>
-          </p:txBody>
-        </p:sp>
-        <p:sp>
-          <p:nvSpPr>
-            <p:cNvPr id="3" name="Rettangolo 2"/>
-            <p:cNvSpPr/>
-            <p:nvPr/>
-          </p:nvSpPr>
-          <p:spPr>
-            <a:xfrm>
-              <a:off x="1977766" y="995611"/>
-              <a:ext cx="5510463" cy="1631216"/>
-            </a:xfrm>
-            <a:prstGeom prst="rect">
-              <a:avLst/>
-            </a:prstGeom>
-          </p:spPr>
-          <p:txBody>
-            <a:bodyPr wrap="square">
-              <a:spAutoFit/>
-            </a:bodyPr>
-            <a:lstStyle/>
-            <a:p>
-              <a:r>
-                <a:rPr lang="it-IT" sz="2800" b="1" dirty="0">
-                  <a:solidFill>
-                    <a:schemeClr val="bg1"/>
-                  </a:solidFill>
-                </a:rPr>
-                <a:t>Fonti requisiti</a:t>
-              </a:r>
-            </a:p>
-            <a:p>
-              <a:pPr marL="285750" indent="-285750">
-                <a:buFont typeface="Arial" charset="0"/>
-                <a:buChar char="•"/>
-              </a:pPr>
-              <a:r>
-                <a:rPr lang="it-IT" dirty="0">
-                  <a:solidFill>
-                    <a:schemeClr val="bg1"/>
-                  </a:solidFill>
-                </a:rPr>
-                <a:t>Capitolato d’appalto</a:t>
-              </a:r>
-            </a:p>
-            <a:p>
-              <a:pPr marL="285750" indent="-285750">
-                <a:buFont typeface="Arial" charset="0"/>
-                <a:buChar char="•"/>
-              </a:pPr>
-              <a:r>
-                <a:rPr lang="it-IT" dirty="0">
-                  <a:solidFill>
-                    <a:schemeClr val="bg1"/>
-                  </a:solidFill>
-                </a:rPr>
-                <a:t>Videochiamata con Giulio Paci</a:t>
-              </a:r>
-            </a:p>
-            <a:p>
-              <a:pPr marL="285750" indent="-285750">
-                <a:buFont typeface="Arial" charset="0"/>
-                <a:buChar char="•"/>
-              </a:pPr>
-              <a:r>
-                <a:rPr lang="it-IT" dirty="0">
-                  <a:solidFill>
-                    <a:schemeClr val="bg1"/>
-                  </a:solidFill>
-                </a:rPr>
-                <a:t>Scambio di email</a:t>
-              </a:r>
-              <a:endParaRPr lang="it-IT" sz="2800" dirty="0">
-                <a:solidFill>
-                  <a:schemeClr val="bg1"/>
-                </a:solidFill>
-              </a:endParaRPr>
-            </a:p>
-          </p:txBody>
-        </p:sp>
-      </p:grpSp>
-      <p:sp>
-        <p:nvSpPr>
-          <p:cNvPr id="30" name="Triangolo isoscele 29">
-            <a:extLst>
-              <a:ext uri="{FF2B5EF4-FFF2-40B4-BE49-F238E27FC236}">
-                <a16:creationId xmlns:a16="http://schemas.microsoft.com/office/drawing/2014/main" id="{2DC95690-546E-4D14-8BDC-76D1B8FCFE6E}"/>
-              </a:ext>
-            </a:extLst>
-          </p:cNvPr>
-          <p:cNvSpPr/>
-          <p:nvPr/>
-        </p:nvSpPr>
-        <p:spPr>
-          <a:xfrm>
-            <a:off x="8286750" y="6143437"/>
-            <a:ext cx="878889" cy="703983"/>
-          </a:xfrm>
-          <a:prstGeom prst="triangle">
-            <a:avLst>
-              <a:gd name="adj" fmla="val 100000"/>
-            </a:avLst>
-          </a:prstGeom>
-          <a:solidFill>
-            <a:schemeClr val="tx1">
-              <a:alpha val="18000"/>
-            </a:schemeClr>
-          </a:solidFill>
-          <a:ln>
-            <a:noFill/>
-          </a:ln>
-        </p:spPr>
-        <p:style>
-          <a:lnRef idx="1">
-            <a:schemeClr val="accent1"/>
-          </a:lnRef>
-          <a:fillRef idx="3">
-            <a:schemeClr val="accent1"/>
-          </a:fillRef>
-          <a:effectRef idx="2">
-            <a:schemeClr val="accent1"/>
-          </a:effectRef>
-          <a:fontRef idx="minor">
-            <a:schemeClr val="lt1"/>
-          </a:fontRef>
-        </p:style>
-        <p:txBody>
-          <a:bodyPr rtlCol="0" anchor="ctr"/>
-          <a:lstStyle/>
-          <a:p>
-            <a:pPr algn="ctr"/>
-            <a:endParaRPr lang="it-IT" dirty="0"/>
-          </a:p>
-        </p:txBody>
-      </p:sp>
-      <p:sp>
-        <p:nvSpPr>
-          <p:cNvPr id="31" name="Segnaposto numero diapositiva 10">
-            <a:extLst>
-              <a:ext uri="{FF2B5EF4-FFF2-40B4-BE49-F238E27FC236}">
-                <a16:creationId xmlns:a16="http://schemas.microsoft.com/office/drawing/2014/main" id="{601B61F4-1C89-4337-A035-EF5718D4F47B}"/>
-              </a:ext>
-            </a:extLst>
-          </p:cNvPr>
-          <p:cNvSpPr txBox="1">
-            <a:spLocks/>
-          </p:cNvSpPr>
-          <p:nvPr/>
-        </p:nvSpPr>
-        <p:spPr>
-          <a:xfrm>
-            <a:off x="8539236" y="6391960"/>
-            <a:ext cx="637446" cy="365125"/>
-          </a:xfrm>
-          <a:prstGeom prst="rect">
-            <a:avLst/>
-          </a:prstGeom>
-        </p:spPr>
-        <p:txBody>
-          <a:bodyPr/>
-          <a:lstStyle>
-            <a:defPPr>
-              <a:defRPr lang="en-US"/>
-            </a:defPPr>
-            <a:lvl1pPr marL="0" algn="l" defTabSz="609630" rtl="0" eaLnBrk="1" latinLnBrk="0" hangingPunct="1">
-              <a:defRPr sz="2400" kern="1200">
-                <a:solidFill>
-                  <a:schemeClr val="tx1"/>
-                </a:solidFill>
-                <a:latin typeface="+mn-lt"/>
-                <a:ea typeface="+mn-ea"/>
-                <a:cs typeface="+mn-cs"/>
-              </a:defRPr>
-            </a:lvl1pPr>
-            <a:lvl2pPr marL="609630" algn="l" defTabSz="609630" rtl="0" eaLnBrk="1" latinLnBrk="0" hangingPunct="1">
-              <a:defRPr sz="2400" kern="1200">
-                <a:solidFill>
-                  <a:schemeClr val="tx1"/>
-                </a:solidFill>
-                <a:latin typeface="+mn-lt"/>
-                <a:ea typeface="+mn-ea"/>
-                <a:cs typeface="+mn-cs"/>
-              </a:defRPr>
-            </a:lvl2pPr>
-            <a:lvl3pPr marL="1219261" algn="l" defTabSz="609630" rtl="0" eaLnBrk="1" latinLnBrk="0" hangingPunct="1">
-              <a:defRPr sz="2400" kern="1200">
-                <a:solidFill>
-                  <a:schemeClr val="tx1"/>
-                </a:solidFill>
-                <a:latin typeface="+mn-lt"/>
-                <a:ea typeface="+mn-ea"/>
-                <a:cs typeface="+mn-cs"/>
-              </a:defRPr>
-            </a:lvl3pPr>
-            <a:lvl4pPr marL="1828891" algn="l" defTabSz="609630" rtl="0" eaLnBrk="1" latinLnBrk="0" hangingPunct="1">
-              <a:defRPr sz="2400" kern="1200">
-                <a:solidFill>
-                  <a:schemeClr val="tx1"/>
-                </a:solidFill>
-                <a:latin typeface="+mn-lt"/>
-                <a:ea typeface="+mn-ea"/>
-                <a:cs typeface="+mn-cs"/>
-              </a:defRPr>
-            </a:lvl4pPr>
-            <a:lvl5pPr marL="2438522" algn="l" defTabSz="609630" rtl="0" eaLnBrk="1" latinLnBrk="0" hangingPunct="1">
-              <a:defRPr sz="2400" kern="1200">
-                <a:solidFill>
-                  <a:schemeClr val="tx1"/>
-                </a:solidFill>
-                <a:latin typeface="+mn-lt"/>
-                <a:ea typeface="+mn-ea"/>
-                <a:cs typeface="+mn-cs"/>
-              </a:defRPr>
-            </a:lvl5pPr>
-            <a:lvl6pPr marL="3048152" algn="l" defTabSz="609630" rtl="0" eaLnBrk="1" latinLnBrk="0" hangingPunct="1">
-              <a:defRPr sz="2400" kern="1200">
-                <a:solidFill>
-                  <a:schemeClr val="tx1"/>
-                </a:solidFill>
-                <a:latin typeface="+mn-lt"/>
-                <a:ea typeface="+mn-ea"/>
-                <a:cs typeface="+mn-cs"/>
-              </a:defRPr>
-            </a:lvl6pPr>
-            <a:lvl7pPr marL="3657783" algn="l" defTabSz="609630" rtl="0" eaLnBrk="1" latinLnBrk="0" hangingPunct="1">
-              <a:defRPr sz="2400" kern="1200">
-                <a:solidFill>
-                  <a:schemeClr val="tx1"/>
-                </a:solidFill>
-                <a:latin typeface="+mn-lt"/>
-                <a:ea typeface="+mn-ea"/>
-                <a:cs typeface="+mn-cs"/>
-              </a:defRPr>
-            </a:lvl7pPr>
-            <a:lvl8pPr marL="4267413" algn="l" defTabSz="609630" rtl="0" eaLnBrk="1" latinLnBrk="0" hangingPunct="1">
-              <a:defRPr sz="2400" kern="1200">
-                <a:solidFill>
-                  <a:schemeClr val="tx1"/>
-                </a:solidFill>
-                <a:latin typeface="+mn-lt"/>
-                <a:ea typeface="+mn-ea"/>
-                <a:cs typeface="+mn-cs"/>
-              </a:defRPr>
-            </a:lvl8pPr>
-            <a:lvl9pPr marL="4877044" algn="l" defTabSz="609630" rtl="0" eaLnBrk="1" latinLnBrk="0" hangingPunct="1">
-              <a:defRPr sz="2400" kern="1200">
-                <a:solidFill>
-                  <a:schemeClr val="tx1"/>
-                </a:solidFill>
-                <a:latin typeface="+mn-lt"/>
-                <a:ea typeface="+mn-ea"/>
-                <a:cs typeface="+mn-cs"/>
-              </a:defRPr>
-            </a:lvl9pPr>
-          </a:lstStyle>
-          <a:p>
-            <a:pPr algn="r"/>
-            <a:fld id="{D02B8B2F-F691-4135-AF04-E5B2EA4DBD49}" type="slidenum">
-              <a:rPr lang="zh-CN" altLang="en-US" smtClean="0">
-                <a:solidFill>
-                  <a:schemeClr val="bg1"/>
-                </a:solidFill>
-              </a:rPr>
-              <a:pPr algn="r"/>
-              <a:t>17</a:t>
-            </a:fld>
-            <a:endParaRPr lang="zh-CN" altLang="en-US" dirty="0">
-              <a:solidFill>
-                <a:schemeClr val="bg1"/>
-              </a:solidFill>
-            </a:endParaRPr>
-          </a:p>
-        </p:txBody>
-      </p:sp>
     </p:spTree>
     <p:extLst>
       <p:ext uri="{BB962C8B-B14F-4D97-AF65-F5344CB8AC3E}">
@@ -13072,67 +13999,14 @@
                             </p:stCondLst>
                             <p:childTnLst>
                               <p:par>
-                                <p:cTn id="5" presetID="9" presetClass="exit" presetSubtype="0" fill="hold" nodeType="clickEffect">
-                                  <p:stCondLst>
-                                    <p:cond delay="0"/>
-                                  </p:stCondLst>
-                                  <p:childTnLst>
-                                    <p:animEffect transition="out" filter="dissolve">
-                                      <p:cBhvr>
-                                        <p:cTn id="6" dur="500"/>
-                                        <p:tgtEl>
-                                          <p:spTgt spid="4"/>
-                                        </p:tgtEl>
-                                      </p:cBhvr>
-                                    </p:animEffect>
-                                    <p:set>
-                                      <p:cBhvr>
-                                        <p:cTn id="7" dur="1" fill="hold">
-                                          <p:stCondLst>
-                                            <p:cond delay="499"/>
-                                          </p:stCondLst>
-                                        </p:cTn>
-                                        <p:tgtEl>
-                                          <p:spTgt spid="4"/>
-                                        </p:tgtEl>
-                                        <p:attrNameLst>
-                                          <p:attrName>style.visibility</p:attrName>
-                                        </p:attrNameLst>
-                                      </p:cBhvr>
-                                      <p:to>
-                                        <p:strVal val="hidden"/>
-                                      </p:to>
-                                    </p:set>
-                                  </p:childTnLst>
-                                </p:cTn>
-                              </p:par>
-                            </p:childTnLst>
-                          </p:cTn>
-                        </p:par>
-                      </p:childTnLst>
-                    </p:cTn>
-                  </p:par>
-                  <p:par>
-                    <p:cTn id="8" fill="hold">
-                      <p:stCondLst>
-                        <p:cond delay="indefinite"/>
-                      </p:stCondLst>
-                      <p:childTnLst>
-                        <p:par>
-                          <p:cTn id="9" fill="hold">
-                            <p:stCondLst>
-                              <p:cond delay="0"/>
-                            </p:stCondLst>
-                            <p:childTnLst>
-                              <p:par>
-                                <p:cTn id="10" presetID="2" presetClass="entr" presetSubtype="4" fill="hold" grpId="0" nodeType="clickEffect">
+                                <p:cTn id="5" presetID="2" presetClass="entr" presetSubtype="4" fill="hold" grpId="0" nodeType="clickEffect">
                                   <p:stCondLst>
                                     <p:cond delay="0"/>
                                   </p:stCondLst>
                                   <p:childTnLst>
                                     <p:set>
                                       <p:cBhvr>
-                                        <p:cTn id="11" dur="1" fill="hold">
+                                        <p:cTn id="6" dur="1" fill="hold">
                                           <p:stCondLst>
                                             <p:cond delay="0"/>
                                           </p:stCondLst>
@@ -13150,7 +14024,7 @@
                                     </p:set>
                                     <p:anim calcmode="lin" valueType="num">
                                       <p:cBhvr additive="base">
-                                        <p:cTn id="12" dur="500" fill="hold"/>
+                                        <p:cTn id="7" dur="500" fill="hold"/>
                                         <p:tgtEl>
                                           <p:spTgt spid="2"/>
                                         </p:tgtEl>
@@ -13173,7 +14047,7 @@
                                     </p:anim>
                                     <p:anim calcmode="lin" valueType="num">
                                       <p:cBhvr additive="base">
-                                        <p:cTn id="13" dur="500" fill="hold"/>
+                                        <p:cTn id="8" dur="500" fill="hold"/>
                                         <p:tgtEl>
                                           <p:spTgt spid="2"/>
                                         </p:tgtEl>
@@ -13198,14 +14072,14 @@
                                 </p:cTn>
                               </p:par>
                               <p:par>
-                                <p:cTn id="14" presetID="2" presetClass="entr" presetSubtype="4" fill="hold" nodeType="withEffect">
+                                <p:cTn id="9" presetID="2" presetClass="entr" presetSubtype="4" fill="hold" nodeType="withEffect">
                                   <p:stCondLst>
                                     <p:cond delay="0"/>
                                   </p:stCondLst>
                                   <p:childTnLst>
                                     <p:set>
                                       <p:cBhvr>
-                                        <p:cTn id="15" dur="1" fill="hold">
+                                        <p:cTn id="10" dur="1" fill="hold">
                                           <p:stCondLst>
                                             <p:cond delay="0"/>
                                           </p:stCondLst>
@@ -13223,7 +14097,7 @@
                                     </p:set>
                                     <p:anim calcmode="lin" valueType="num">
                                       <p:cBhvr additive="base">
-                                        <p:cTn id="16" dur="500" fill="hold"/>
+                                        <p:cTn id="11" dur="500" fill="hold"/>
                                         <p:tgtEl>
                                           <p:spTgt spid="38"/>
                                         </p:tgtEl>
@@ -13246,7 +14120,7 @@
                                     </p:anim>
                                     <p:anim calcmode="lin" valueType="num">
                                       <p:cBhvr additive="base">
-                                        <p:cTn id="17" dur="500" fill="hold"/>
+                                        <p:cTn id="12" dur="500" fill="hold"/>
                                         <p:tgtEl>
                                           <p:spTgt spid="38"/>
                                         </p:tgtEl>
@@ -13271,14 +14145,14 @@
                                 </p:cTn>
                               </p:par>
                               <p:par>
-                                <p:cTn id="18" presetID="2" presetClass="entr" presetSubtype="4" fill="hold" nodeType="withEffect">
+                                <p:cTn id="13" presetID="2" presetClass="entr" presetSubtype="4" fill="hold" nodeType="withEffect">
                                   <p:stCondLst>
                                     <p:cond delay="0"/>
                                   </p:stCondLst>
                                   <p:childTnLst>
                                     <p:set>
                                       <p:cBhvr>
-                                        <p:cTn id="19" dur="1" fill="hold">
+                                        <p:cTn id="14" dur="1" fill="hold">
                                           <p:stCondLst>
                                             <p:cond delay="0"/>
                                           </p:stCondLst>
@@ -13296,7 +14170,7 @@
                                     </p:set>
                                     <p:anim calcmode="lin" valueType="num">
                                       <p:cBhvr additive="base">
-                                        <p:cTn id="20" dur="500" fill="hold"/>
+                                        <p:cTn id="15" dur="500" fill="hold"/>
                                         <p:tgtEl>
                                           <p:spTgt spid="20"/>
                                         </p:tgtEl>
@@ -13319,7 +14193,7 @@
                                     </p:anim>
                                     <p:anim calcmode="lin" valueType="num">
                                       <p:cBhvr additive="base">
-                                        <p:cTn id="21" dur="500" fill="hold"/>
+                                        <p:cTn id="16" dur="500" fill="hold"/>
                                         <p:tgtEl>
                                           <p:spTgt spid="20"/>
                                         </p:tgtEl>
@@ -13344,20 +14218,20 @@
                                 </p:cTn>
                               </p:par>
                               <p:par>
-                                <p:cTn id="22" presetID="2" presetClass="entr" presetSubtype="4" fill="hold" nodeType="withEffect">
+                                <p:cTn id="17" presetID="2" presetClass="entr" presetSubtype="4" fill="hold" nodeType="withEffect">
                                   <p:stCondLst>
                                     <p:cond delay="0"/>
                                   </p:stCondLst>
                                   <p:childTnLst>
                                     <p:set>
                                       <p:cBhvr>
-                                        <p:cTn id="23" dur="1" fill="hold">
+                                        <p:cTn id="18" dur="1" fill="hold">
                                           <p:stCondLst>
                                             <p:cond delay="0"/>
                                           </p:stCondLst>
                                         </p:cTn>
                                         <p:tgtEl>
-                                          <p:spTgt spid="22"/>
+                                          <p:spTgt spid="37"/>
                                         </p:tgtEl>
                                         <p:attrNameLst>
                                           <p:attrName>style.visibility</p:attrName>
@@ -13369,9 +14243,9 @@
                                     </p:set>
                                     <p:anim calcmode="lin" valueType="num">
                                       <p:cBhvr additive="base">
-                                        <p:cTn id="24" dur="500" fill="hold"/>
+                                        <p:cTn id="19" dur="500" fill="hold"/>
                                         <p:tgtEl>
-                                          <p:spTgt spid="22"/>
+                                          <p:spTgt spid="37"/>
                                         </p:tgtEl>
                                         <p:attrNameLst>
                                           <p:attrName>ppt_x</p:attrName>
@@ -13392,9 +14266,9 @@
                                     </p:anim>
                                     <p:anim calcmode="lin" valueType="num">
                                       <p:cBhvr additive="base">
-                                        <p:cTn id="25" dur="500" fill="hold"/>
+                                        <p:cTn id="20" dur="500" fill="hold"/>
                                         <p:tgtEl>
-                                          <p:spTgt spid="22"/>
+                                          <p:spTgt spid="37"/>
                                         </p:tgtEl>
                                         <p:attrNameLst>
                                           <p:attrName>ppt_y</p:attrName>
@@ -13417,20 +14291,20 @@
                                 </p:cTn>
                               </p:par>
                               <p:par>
-                                <p:cTn id="26" presetID="2" presetClass="entr" presetSubtype="4" fill="hold" nodeType="withEffect">
+                                <p:cTn id="21" presetID="2" presetClass="entr" presetSubtype="4" fill="hold" nodeType="withEffect">
                                   <p:stCondLst>
                                     <p:cond delay="0"/>
                                   </p:stCondLst>
                                   <p:childTnLst>
                                     <p:set>
                                       <p:cBhvr>
-                                        <p:cTn id="27" dur="1" fill="hold">
+                                        <p:cTn id="22" dur="1" fill="hold">
                                           <p:stCondLst>
                                             <p:cond delay="0"/>
                                           </p:stCondLst>
                                         </p:cTn>
                                         <p:tgtEl>
-                                          <p:spTgt spid="21"/>
+                                          <p:spTgt spid="36"/>
                                         </p:tgtEl>
                                         <p:attrNameLst>
                                           <p:attrName>style.visibility</p:attrName>
@@ -13442,9 +14316,9 @@
                                     </p:set>
                                     <p:anim calcmode="lin" valueType="num">
                                       <p:cBhvr additive="base">
-                                        <p:cTn id="28" dur="500" fill="hold"/>
+                                        <p:cTn id="23" dur="500" fill="hold"/>
                                         <p:tgtEl>
-                                          <p:spTgt spid="21"/>
+                                          <p:spTgt spid="36"/>
                                         </p:tgtEl>
                                         <p:attrNameLst>
                                           <p:attrName>ppt_x</p:attrName>
@@ -13465,9 +14339,9 @@
                                     </p:anim>
                                     <p:anim calcmode="lin" valueType="num">
                                       <p:cBhvr additive="base">
-                                        <p:cTn id="29" dur="500" fill="hold"/>
+                                        <p:cTn id="24" dur="500" fill="hold"/>
                                         <p:tgtEl>
-                                          <p:spTgt spid="21"/>
+                                          <p:spTgt spid="36"/>
                                         </p:tgtEl>
                                         <p:attrNameLst>
                                           <p:attrName>ppt_y</p:attrName>
@@ -16048,10 +16922,10 @@
       </p:sp>
       <p:sp>
         <p:nvSpPr>
-          <p:cNvPr id="17" name="Triangolo isoscele 16">
+          <p:cNvPr id="19" name="Triangolo isoscele 18">
             <a:extLst>
               <a:ext uri="{FF2B5EF4-FFF2-40B4-BE49-F238E27FC236}">
-                <a16:creationId xmlns:a16="http://schemas.microsoft.com/office/drawing/2014/main" id="{B4D2913E-060F-4B50-87F7-13E42BB17F91}"/>
+                <a16:creationId xmlns:a16="http://schemas.microsoft.com/office/drawing/2014/main" id="{886D396F-CF2E-4BFD-B2CF-D5DE72B6C571}"/>
               </a:ext>
             </a:extLst>
           </p:cNvPr>
@@ -16060,8 +16934,8 @@
         </p:nvSpPr>
         <p:spPr>
           <a:xfrm>
-            <a:off x="8286750" y="6143437"/>
-            <a:ext cx="878889" cy="703983"/>
+            <a:off x="6054570" y="6134734"/>
+            <a:ext cx="3093314" cy="714563"/>
           </a:xfrm>
           <a:prstGeom prst="triangle">
             <a:avLst>
@@ -16102,10 +16976,10 @@
       </p:sp>
       <p:sp>
         <p:nvSpPr>
-          <p:cNvPr id="18" name="Segnaposto numero diapositiva 10">
+          <p:cNvPr id="21" name="Segnaposto numero diapositiva 10">
             <a:extLst>
               <a:ext uri="{FF2B5EF4-FFF2-40B4-BE49-F238E27FC236}">
-                <a16:creationId xmlns:a16="http://schemas.microsoft.com/office/drawing/2014/main" id="{3315F6DE-FF52-4406-B785-FF1B2EE88267}"/>
+                <a16:creationId xmlns:a16="http://schemas.microsoft.com/office/drawing/2014/main" id="{31A4E0AE-CB2A-497B-986B-E4E20067363E}"/>
               </a:ext>
             </a:extLst>
           </p:cNvPr>
@@ -16116,8 +16990,8 @@
         </p:nvSpPr>
         <p:spPr>
           <a:xfrm>
-            <a:off x="8539236" y="6391960"/>
-            <a:ext cx="637446" cy="365125"/>
+            <a:off x="8007658" y="6391960"/>
+            <a:ext cx="1073774" cy="365125"/>
           </a:xfrm>
           <a:prstGeom prst="rect">
             <a:avLst/>
@@ -16231,6 +17105,14 @@
               <a:pPr algn="r"/>
               <a:t>18</a:t>
             </a:fld>
+            <a:r>
+              <a:rPr lang="it-IT" altLang="zh-CN" dirty="0">
+                <a:solidFill>
+                  <a:schemeClr val="bg1"/>
+                </a:solidFill>
+              </a:rPr>
+              <a:t>/26</a:t>
+            </a:r>
             <a:endParaRPr lang="zh-CN" altLang="en-US" dirty="0">
               <a:solidFill>
                 <a:schemeClr val="bg1"/>
@@ -16417,10 +17299,10 @@
       </p:sp>
       <p:sp>
         <p:nvSpPr>
-          <p:cNvPr id="4" name="Triangolo isoscele 3">
+          <p:cNvPr id="6" name="Triangolo isoscele 5">
             <a:extLst>
               <a:ext uri="{FF2B5EF4-FFF2-40B4-BE49-F238E27FC236}">
-                <a16:creationId xmlns:a16="http://schemas.microsoft.com/office/drawing/2014/main" id="{9E3BA82D-5331-47D4-AFE6-0AB554B0819B}"/>
+                <a16:creationId xmlns:a16="http://schemas.microsoft.com/office/drawing/2014/main" id="{4BE1127C-F1B1-4083-9614-6D5500362401}"/>
               </a:ext>
             </a:extLst>
           </p:cNvPr>
@@ -16429,8 +17311,8 @@
         </p:nvSpPr>
         <p:spPr>
           <a:xfrm>
-            <a:off x="8286750" y="6143437"/>
-            <a:ext cx="878889" cy="703983"/>
+            <a:off x="6054570" y="6134734"/>
+            <a:ext cx="3093314" cy="714563"/>
           </a:xfrm>
           <a:prstGeom prst="triangle">
             <a:avLst>
@@ -16471,10 +17353,10 @@
       </p:sp>
       <p:sp>
         <p:nvSpPr>
-          <p:cNvPr id="5" name="Segnaposto numero diapositiva 10">
+          <p:cNvPr id="7" name="Segnaposto numero diapositiva 10">
             <a:extLst>
               <a:ext uri="{FF2B5EF4-FFF2-40B4-BE49-F238E27FC236}">
-                <a16:creationId xmlns:a16="http://schemas.microsoft.com/office/drawing/2014/main" id="{A68F2F16-28EF-4D7F-BB78-DF83EA86A382}"/>
+                <a16:creationId xmlns:a16="http://schemas.microsoft.com/office/drawing/2014/main" id="{EB0F5E0B-63BD-48A6-8EFC-81C2780A5000}"/>
               </a:ext>
             </a:extLst>
           </p:cNvPr>
@@ -16485,8 +17367,8 @@
         </p:nvSpPr>
         <p:spPr>
           <a:xfrm>
-            <a:off x="8539236" y="6391960"/>
-            <a:ext cx="637446" cy="365125"/>
+            <a:off x="8007658" y="6391960"/>
+            <a:ext cx="1073774" cy="365125"/>
           </a:xfrm>
           <a:prstGeom prst="rect">
             <a:avLst/>
@@ -16600,6 +17482,14 @@
               <a:pPr algn="r"/>
               <a:t>19</a:t>
             </a:fld>
+            <a:r>
+              <a:rPr lang="it-IT" altLang="zh-CN" dirty="0">
+                <a:solidFill>
+                  <a:schemeClr val="bg1"/>
+                </a:solidFill>
+              </a:rPr>
+              <a:t>/26</a:t>
+            </a:r>
             <a:endParaRPr lang="zh-CN" altLang="en-US" dirty="0">
               <a:solidFill>
                 <a:schemeClr val="bg1"/>
@@ -22421,10 +23311,10 @@
       </p:sp>
       <p:sp>
         <p:nvSpPr>
-          <p:cNvPr id="55" name="Triangolo isoscele 54">
+          <p:cNvPr id="59" name="Triangolo isoscele 58">
             <a:extLst>
               <a:ext uri="{FF2B5EF4-FFF2-40B4-BE49-F238E27FC236}">
-                <a16:creationId xmlns:a16="http://schemas.microsoft.com/office/drawing/2014/main" id="{48BE0D64-894C-4F36-8057-913063AD1D02}"/>
+                <a16:creationId xmlns:a16="http://schemas.microsoft.com/office/drawing/2014/main" id="{EB628F44-76F7-4E3B-A7BB-E9A5AF1C8EB9}"/>
               </a:ext>
             </a:extLst>
           </p:cNvPr>
@@ -22433,8 +23323,8 @@
         </p:nvSpPr>
         <p:spPr>
           <a:xfrm>
-            <a:off x="8286750" y="6143437"/>
-            <a:ext cx="878889" cy="703983"/>
+            <a:off x="6054570" y="6134734"/>
+            <a:ext cx="3093314" cy="714563"/>
           </a:xfrm>
           <a:prstGeom prst="triangle">
             <a:avLst>
@@ -22475,10 +23365,10 @@
       </p:sp>
       <p:sp>
         <p:nvSpPr>
-          <p:cNvPr id="56" name="Segnaposto numero diapositiva 10">
+          <p:cNvPr id="60" name="Segnaposto numero diapositiva 10">
             <a:extLst>
               <a:ext uri="{FF2B5EF4-FFF2-40B4-BE49-F238E27FC236}">
-                <a16:creationId xmlns:a16="http://schemas.microsoft.com/office/drawing/2014/main" id="{17178B41-05A8-4BF1-B3C5-78A62782DAA3}"/>
+                <a16:creationId xmlns:a16="http://schemas.microsoft.com/office/drawing/2014/main" id="{62B7F4F2-F7AD-41E3-9CC6-9BA2DD5E9D3B}"/>
               </a:ext>
             </a:extLst>
           </p:cNvPr>
@@ -22489,8 +23379,8 @@
         </p:nvSpPr>
         <p:spPr>
           <a:xfrm>
-            <a:off x="8443986" y="6391960"/>
-            <a:ext cx="637446" cy="365125"/>
+            <a:off x="8193386" y="6391960"/>
+            <a:ext cx="888046" cy="365125"/>
           </a:xfrm>
           <a:prstGeom prst="rect">
             <a:avLst/>
@@ -22604,6 +23494,14 @@
               <a:pPr algn="r"/>
               <a:t>2</a:t>
             </a:fld>
+            <a:r>
+              <a:rPr lang="it-IT" altLang="zh-CN">
+                <a:solidFill>
+                  <a:schemeClr val="bg1"/>
+                </a:solidFill>
+              </a:rPr>
+              <a:t>/26</a:t>
+            </a:r>
             <a:endParaRPr lang="zh-CN" altLang="en-US" dirty="0">
               <a:solidFill>
                 <a:schemeClr val="bg1"/>
@@ -22921,10 +23819,10 @@
       </p:sp>
       <p:sp>
         <p:nvSpPr>
-          <p:cNvPr id="6" name="Triangolo isoscele 5">
+          <p:cNvPr id="8" name="Triangolo isoscele 7">
             <a:extLst>
               <a:ext uri="{FF2B5EF4-FFF2-40B4-BE49-F238E27FC236}">
-                <a16:creationId xmlns:a16="http://schemas.microsoft.com/office/drawing/2014/main" id="{708EA82E-4FC4-4EF9-A5C7-3029AF7D5BE3}"/>
+                <a16:creationId xmlns:a16="http://schemas.microsoft.com/office/drawing/2014/main" id="{130344D1-B9A8-450A-8047-859956AD2B85}"/>
               </a:ext>
             </a:extLst>
           </p:cNvPr>
@@ -22933,8 +23831,8 @@
         </p:nvSpPr>
         <p:spPr>
           <a:xfrm>
-            <a:off x="8286750" y="6143437"/>
-            <a:ext cx="878889" cy="703983"/>
+            <a:off x="6054570" y="6134734"/>
+            <a:ext cx="3093314" cy="714563"/>
           </a:xfrm>
           <a:prstGeom prst="triangle">
             <a:avLst>
@@ -22975,10 +23873,10 @@
       </p:sp>
       <p:sp>
         <p:nvSpPr>
-          <p:cNvPr id="7" name="Segnaposto numero diapositiva 10">
+          <p:cNvPr id="9" name="Segnaposto numero diapositiva 10">
             <a:extLst>
               <a:ext uri="{FF2B5EF4-FFF2-40B4-BE49-F238E27FC236}">
-                <a16:creationId xmlns:a16="http://schemas.microsoft.com/office/drawing/2014/main" id="{6BA64E11-DE94-4C87-8957-BD1E7BC04185}"/>
+                <a16:creationId xmlns:a16="http://schemas.microsoft.com/office/drawing/2014/main" id="{9064E1B8-A626-4255-9DD0-5254B1951127}"/>
               </a:ext>
             </a:extLst>
           </p:cNvPr>
@@ -22989,8 +23887,8 @@
         </p:nvSpPr>
         <p:spPr>
           <a:xfrm>
-            <a:off x="8539236" y="6391960"/>
-            <a:ext cx="637446" cy="365125"/>
+            <a:off x="8007658" y="6391960"/>
+            <a:ext cx="1073774" cy="365125"/>
           </a:xfrm>
           <a:prstGeom prst="rect">
             <a:avLst/>
@@ -23104,6 +24002,14 @@
               <a:pPr algn="r"/>
               <a:t>20</a:t>
             </a:fld>
+            <a:r>
+              <a:rPr lang="it-IT" altLang="zh-CN" dirty="0">
+                <a:solidFill>
+                  <a:schemeClr val="bg1"/>
+                </a:solidFill>
+              </a:rPr>
+              <a:t>/26</a:t>
+            </a:r>
             <a:endParaRPr lang="zh-CN" altLang="en-US" dirty="0">
               <a:solidFill>
                 <a:schemeClr val="bg1"/>
@@ -23554,7 +24460,7 @@
             <a:p>
               <a:pPr algn="just"/>
               <a:r>
-                <a:rPr lang="it-IT" sz="2000" dirty="0">
+                <a:rPr lang="it-IT" sz="2000" b="1" dirty="0">
                   <a:solidFill>
                     <a:schemeClr val="bg1"/>
                   </a:solidFill>
@@ -23568,10 +24474,10 @@
       </p:grpSp>
       <p:sp>
         <p:nvSpPr>
-          <p:cNvPr id="12" name="Triangolo isoscele 11">
+          <p:cNvPr id="14" name="Triangolo isoscele 13">
             <a:extLst>
               <a:ext uri="{FF2B5EF4-FFF2-40B4-BE49-F238E27FC236}">
-                <a16:creationId xmlns:a16="http://schemas.microsoft.com/office/drawing/2014/main" id="{69448F9A-6459-4874-8FE5-4F6291F4CCCC}"/>
+                <a16:creationId xmlns:a16="http://schemas.microsoft.com/office/drawing/2014/main" id="{461C3580-ABA2-4E09-9F40-CF1EF3392E10}"/>
               </a:ext>
             </a:extLst>
           </p:cNvPr>
@@ -23580,8 +24486,8 @@
         </p:nvSpPr>
         <p:spPr>
           <a:xfrm>
-            <a:off x="8286750" y="6143437"/>
-            <a:ext cx="878889" cy="703983"/>
+            <a:off x="6054570" y="6134734"/>
+            <a:ext cx="3093314" cy="714563"/>
           </a:xfrm>
           <a:prstGeom prst="triangle">
             <a:avLst>
@@ -23622,10 +24528,10 @@
       </p:sp>
       <p:sp>
         <p:nvSpPr>
-          <p:cNvPr id="13" name="Segnaposto numero diapositiva 10">
+          <p:cNvPr id="16" name="Segnaposto numero diapositiva 10">
             <a:extLst>
               <a:ext uri="{FF2B5EF4-FFF2-40B4-BE49-F238E27FC236}">
-                <a16:creationId xmlns:a16="http://schemas.microsoft.com/office/drawing/2014/main" id="{1A13698B-F843-4084-A9CD-C063FF90455D}"/>
+                <a16:creationId xmlns:a16="http://schemas.microsoft.com/office/drawing/2014/main" id="{0E2566C5-44DF-4E27-BF90-15EC73220C69}"/>
               </a:ext>
             </a:extLst>
           </p:cNvPr>
@@ -23636,8 +24542,8 @@
         </p:nvSpPr>
         <p:spPr>
           <a:xfrm>
-            <a:off x="8539236" y="6391960"/>
-            <a:ext cx="637446" cy="365125"/>
+            <a:off x="8007658" y="6391960"/>
+            <a:ext cx="1073774" cy="365125"/>
           </a:xfrm>
           <a:prstGeom prst="rect">
             <a:avLst/>
@@ -23751,6 +24657,14 @@
               <a:pPr algn="r"/>
               <a:t>21</a:t>
             </a:fld>
+            <a:r>
+              <a:rPr lang="it-IT" altLang="zh-CN" dirty="0">
+                <a:solidFill>
+                  <a:schemeClr val="bg1"/>
+                </a:solidFill>
+              </a:rPr>
+              <a:t>/26</a:t>
+            </a:r>
             <a:endParaRPr lang="zh-CN" altLang="en-US" dirty="0">
               <a:solidFill>
                 <a:schemeClr val="bg1"/>
@@ -24438,7 +25352,7 @@
             <a:p>
               <a:pPr algn="just"/>
               <a:r>
-                <a:rPr lang="it-IT" sz="2000" dirty="0">
+                <a:rPr lang="it-IT" sz="2000" b="1" dirty="0">
                   <a:solidFill>
                     <a:schemeClr val="bg1"/>
                   </a:solidFill>
@@ -24452,10 +25366,10 @@
       </p:grpSp>
       <p:sp>
         <p:nvSpPr>
-          <p:cNvPr id="12" name="Triangolo isoscele 11">
+          <p:cNvPr id="20" name="Triangolo isoscele 19">
             <a:extLst>
               <a:ext uri="{FF2B5EF4-FFF2-40B4-BE49-F238E27FC236}">
-                <a16:creationId xmlns:a16="http://schemas.microsoft.com/office/drawing/2014/main" id="{CC033BB8-7834-47B3-88F5-BD0657240AF4}"/>
+                <a16:creationId xmlns:a16="http://schemas.microsoft.com/office/drawing/2014/main" id="{787BE6F6-E3E5-4581-ACB5-B4F929DF0488}"/>
               </a:ext>
             </a:extLst>
           </p:cNvPr>
@@ -24464,8 +25378,8 @@
         </p:nvSpPr>
         <p:spPr>
           <a:xfrm>
-            <a:off x="8286750" y="6143437"/>
-            <a:ext cx="878889" cy="703983"/>
+            <a:off x="6054570" y="6134734"/>
+            <a:ext cx="3093314" cy="714563"/>
           </a:xfrm>
           <a:prstGeom prst="triangle">
             <a:avLst>
@@ -24506,10 +25420,10 @@
       </p:sp>
       <p:sp>
         <p:nvSpPr>
-          <p:cNvPr id="19" name="Segnaposto numero diapositiva 10">
+          <p:cNvPr id="21" name="Segnaposto numero diapositiva 10">
             <a:extLst>
               <a:ext uri="{FF2B5EF4-FFF2-40B4-BE49-F238E27FC236}">
-                <a16:creationId xmlns:a16="http://schemas.microsoft.com/office/drawing/2014/main" id="{757E1710-85EC-4DFC-8758-79FA1B0660B9}"/>
+                <a16:creationId xmlns:a16="http://schemas.microsoft.com/office/drawing/2014/main" id="{C67DD8A9-4687-4EA6-BBFE-B4C0CB7EB6CF}"/>
               </a:ext>
             </a:extLst>
           </p:cNvPr>
@@ -24520,8 +25434,8 @@
         </p:nvSpPr>
         <p:spPr>
           <a:xfrm>
-            <a:off x="8539236" y="6391960"/>
-            <a:ext cx="637446" cy="365125"/>
+            <a:off x="8007658" y="6391960"/>
+            <a:ext cx="1073774" cy="365125"/>
           </a:xfrm>
           <a:prstGeom prst="rect">
             <a:avLst/>
@@ -24635,6 +25549,14 @@
               <a:pPr algn="r"/>
               <a:t>22</a:t>
             </a:fld>
+            <a:r>
+              <a:rPr lang="it-IT" altLang="zh-CN" dirty="0">
+                <a:solidFill>
+                  <a:schemeClr val="bg1"/>
+                </a:solidFill>
+              </a:rPr>
+              <a:t>/26</a:t>
+            </a:r>
             <a:endParaRPr lang="zh-CN" altLang="en-US" dirty="0">
               <a:solidFill>
                 <a:schemeClr val="bg1"/>
@@ -25012,10 +25934,10 @@
       </p:sp>
       <p:sp>
         <p:nvSpPr>
-          <p:cNvPr id="4" name="Triangolo isoscele 3">
+          <p:cNvPr id="6" name="Triangolo isoscele 5">
             <a:extLst>
               <a:ext uri="{FF2B5EF4-FFF2-40B4-BE49-F238E27FC236}">
-                <a16:creationId xmlns:a16="http://schemas.microsoft.com/office/drawing/2014/main" id="{CE947E0C-97C8-4D31-BDDD-6253C61BBBCD}"/>
+                <a16:creationId xmlns:a16="http://schemas.microsoft.com/office/drawing/2014/main" id="{043B55D0-150D-477B-9C32-3C2768AD6728}"/>
               </a:ext>
             </a:extLst>
           </p:cNvPr>
@@ -25024,8 +25946,8 @@
         </p:nvSpPr>
         <p:spPr>
           <a:xfrm>
-            <a:off x="8286750" y="6143437"/>
-            <a:ext cx="878889" cy="703983"/>
+            <a:off x="6054570" y="6134734"/>
+            <a:ext cx="3093314" cy="714563"/>
           </a:xfrm>
           <a:prstGeom prst="triangle">
             <a:avLst>
@@ -25066,10 +25988,10 @@
       </p:sp>
       <p:sp>
         <p:nvSpPr>
-          <p:cNvPr id="5" name="Segnaposto numero diapositiva 10">
+          <p:cNvPr id="7" name="Segnaposto numero diapositiva 10">
             <a:extLst>
               <a:ext uri="{FF2B5EF4-FFF2-40B4-BE49-F238E27FC236}">
-                <a16:creationId xmlns:a16="http://schemas.microsoft.com/office/drawing/2014/main" id="{9712F275-03EB-4332-B7E9-E5546C6124DD}"/>
+                <a16:creationId xmlns:a16="http://schemas.microsoft.com/office/drawing/2014/main" id="{D6D5AF10-C54C-4F3C-B044-0B86BE81A3BA}"/>
               </a:ext>
             </a:extLst>
           </p:cNvPr>
@@ -25080,8 +26002,8 @@
         </p:nvSpPr>
         <p:spPr>
           <a:xfrm>
-            <a:off x="8539236" y="6391960"/>
-            <a:ext cx="637446" cy="365125"/>
+            <a:off x="8007658" y="6391960"/>
+            <a:ext cx="1073774" cy="365125"/>
           </a:xfrm>
           <a:prstGeom prst="rect">
             <a:avLst/>
@@ -25195,6 +26117,14 @@
               <a:pPr algn="r"/>
               <a:t>23</a:t>
             </a:fld>
+            <a:r>
+              <a:rPr lang="it-IT" altLang="zh-CN" dirty="0">
+                <a:solidFill>
+                  <a:schemeClr val="bg1"/>
+                </a:solidFill>
+              </a:rPr>
+              <a:t>/26</a:t>
+            </a:r>
             <a:endParaRPr lang="zh-CN" altLang="en-US" dirty="0">
               <a:solidFill>
                 <a:schemeClr val="bg1"/>
@@ -25412,7 +26342,7 @@
           <p:nvPr>
             <p:extLst>
               <p:ext uri="{D42A27DB-BD31-4B8C-83A1-F6EECF244321}">
-                <p14:modId xmlns:p14="http://schemas.microsoft.com/office/powerpoint/2010/main" val="2028247183"/>
+                <p14:modId xmlns:p14="http://schemas.microsoft.com/office/powerpoint/2010/main" val="514466277"/>
               </p:ext>
             </p:extLst>
           </p:nvPr>
@@ -25619,7 +26549,7 @@
                       </a:r>
                       <a:r>
                         <a:rPr lang="it-IT" dirty="0" err="1"/>
-                        <a:t>Focchiati</a:t>
+                        <a:t>Focchiatti</a:t>
                       </a:r>
                       <a:endParaRPr lang="it-IT" dirty="0"/>
                     </a:p>
@@ -26733,10 +27663,10 @@
       </p:graphicFrame>
       <p:sp>
         <p:nvSpPr>
-          <p:cNvPr id="6" name="Triangolo isoscele 5">
+          <p:cNvPr id="8" name="Triangolo isoscele 7">
             <a:extLst>
               <a:ext uri="{FF2B5EF4-FFF2-40B4-BE49-F238E27FC236}">
-                <a16:creationId xmlns:a16="http://schemas.microsoft.com/office/drawing/2014/main" id="{13031C59-E859-4579-AD91-91622DA7291C}"/>
+                <a16:creationId xmlns:a16="http://schemas.microsoft.com/office/drawing/2014/main" id="{17118D43-4CD1-42B4-9FE5-6C88B050F06C}"/>
               </a:ext>
             </a:extLst>
           </p:cNvPr>
@@ -26745,8 +27675,8 @@
         </p:nvSpPr>
         <p:spPr>
           <a:xfrm>
-            <a:off x="8286750" y="6143437"/>
-            <a:ext cx="878889" cy="703983"/>
+            <a:off x="6054570" y="6134734"/>
+            <a:ext cx="3093314" cy="714563"/>
           </a:xfrm>
           <a:prstGeom prst="triangle">
             <a:avLst>
@@ -26787,10 +27717,10 @@
       </p:sp>
       <p:sp>
         <p:nvSpPr>
-          <p:cNvPr id="7" name="Segnaposto numero diapositiva 10">
+          <p:cNvPr id="9" name="Segnaposto numero diapositiva 10">
             <a:extLst>
               <a:ext uri="{FF2B5EF4-FFF2-40B4-BE49-F238E27FC236}">
-                <a16:creationId xmlns:a16="http://schemas.microsoft.com/office/drawing/2014/main" id="{B718A68D-830C-454E-8B2D-BD4EB1813C17}"/>
+                <a16:creationId xmlns:a16="http://schemas.microsoft.com/office/drawing/2014/main" id="{E11C4CB8-D568-4EA1-9684-D8AA90FBCDD4}"/>
               </a:ext>
             </a:extLst>
           </p:cNvPr>
@@ -26801,8 +27731,8 @@
         </p:nvSpPr>
         <p:spPr>
           <a:xfrm>
-            <a:off x="8539236" y="6391960"/>
-            <a:ext cx="637446" cy="365125"/>
+            <a:off x="8007658" y="6391960"/>
+            <a:ext cx="1073774" cy="365125"/>
           </a:xfrm>
           <a:prstGeom prst="rect">
             <a:avLst/>
@@ -26916,6 +27846,14 @@
               <a:pPr algn="r"/>
               <a:t>24</a:t>
             </a:fld>
+            <a:r>
+              <a:rPr lang="it-IT" altLang="zh-CN" dirty="0">
+                <a:solidFill>
+                  <a:schemeClr val="bg1"/>
+                </a:solidFill>
+              </a:rPr>
+              <a:t>/26</a:t>
+            </a:r>
             <a:endParaRPr lang="zh-CN" altLang="en-US" dirty="0">
               <a:solidFill>
                 <a:schemeClr val="bg1"/>
@@ -27124,7 +28062,7 @@
           <p:nvPr>
             <p:extLst>
               <p:ext uri="{D42A27DB-BD31-4B8C-83A1-F6EECF244321}">
-                <p14:modId xmlns:p14="http://schemas.microsoft.com/office/powerpoint/2010/main" val="3462257258"/>
+                <p14:modId xmlns:p14="http://schemas.microsoft.com/office/powerpoint/2010/main" val="3067989508"/>
               </p:ext>
             </p:extLst>
           </p:nvPr>
@@ -27140,14 +28078,14 @@
                 <a:tableStyleId>{5C22544A-7EE6-4342-B048-85BDC9FD1C3A}</a:tableStyleId>
               </a:tblPr>
               <a:tblGrid>
-                <a:gridCol w="2965388">
+                <a:gridCol w="2211797">
                   <a:extLst>
                     <a:ext uri="{9D8B030D-6E8A-4147-A177-3AD203B41FA5}">
                       <a16:colId xmlns:a16="http://schemas.microsoft.com/office/drawing/2014/main" val="20000"/>
                     </a:ext>
                   </a:extLst>
                 </a:gridCol>
-                <a:gridCol w="706704">
+                <a:gridCol w="1460295">
                   <a:extLst>
                     <a:ext uri="{9D8B030D-6E8A-4147-A177-3AD203B41FA5}">
                       <a16:colId xmlns:a16="http://schemas.microsoft.com/office/drawing/2014/main" val="20001"/>
@@ -27192,7 +28130,7 @@
                       <a:pPr algn="ctr"/>
                       <a:r>
                         <a:rPr lang="it-IT" dirty="0"/>
-                        <a:t>Ore</a:t>
+                        <a:t>Ore effettive</a:t>
                       </a:r>
                     </a:p>
                   </a:txBody>
@@ -27615,7 +28553,7 @@
                       <a:pPr algn="ctr"/>
                       <a:r>
                         <a:rPr lang="it-IT" dirty="0"/>
-                        <a:t>151</a:t>
+                        <a:t>156</a:t>
                       </a:r>
                     </a:p>
                   </a:txBody>
@@ -27682,10 +28620,10 @@
       </p:graphicFrame>
       <p:sp>
         <p:nvSpPr>
-          <p:cNvPr id="6" name="Triangolo isoscele 5">
+          <p:cNvPr id="9" name="Triangolo isoscele 8">
             <a:extLst>
               <a:ext uri="{FF2B5EF4-FFF2-40B4-BE49-F238E27FC236}">
-                <a16:creationId xmlns:a16="http://schemas.microsoft.com/office/drawing/2014/main" id="{7B633744-0388-4BC3-A49E-7A9D67C5612B}"/>
+                <a16:creationId xmlns:a16="http://schemas.microsoft.com/office/drawing/2014/main" id="{D08C2A72-4069-4883-ACBE-83F2C6709040}"/>
               </a:ext>
             </a:extLst>
           </p:cNvPr>
@@ -27694,8 +28632,8 @@
         </p:nvSpPr>
         <p:spPr>
           <a:xfrm>
-            <a:off x="8286750" y="6143437"/>
-            <a:ext cx="878889" cy="703983"/>
+            <a:off x="6054570" y="6134734"/>
+            <a:ext cx="3093314" cy="714563"/>
           </a:xfrm>
           <a:prstGeom prst="triangle">
             <a:avLst>
@@ -27736,10 +28674,10 @@
       </p:sp>
       <p:sp>
         <p:nvSpPr>
-          <p:cNvPr id="8" name="Segnaposto numero diapositiva 10">
+          <p:cNvPr id="10" name="Segnaposto numero diapositiva 10">
             <a:extLst>
               <a:ext uri="{FF2B5EF4-FFF2-40B4-BE49-F238E27FC236}">
-                <a16:creationId xmlns:a16="http://schemas.microsoft.com/office/drawing/2014/main" id="{622323D8-46BF-4815-959B-765DA801A1C3}"/>
+                <a16:creationId xmlns:a16="http://schemas.microsoft.com/office/drawing/2014/main" id="{E88F6BC4-BD9D-4616-AE47-E8EED0CFD33F}"/>
               </a:ext>
             </a:extLst>
           </p:cNvPr>
@@ -27750,8 +28688,8 @@
         </p:nvSpPr>
         <p:spPr>
           <a:xfrm>
-            <a:off x="8539236" y="6391960"/>
-            <a:ext cx="637446" cy="365125"/>
+            <a:off x="8007658" y="6391960"/>
+            <a:ext cx="1073774" cy="365125"/>
           </a:xfrm>
           <a:prstGeom prst="rect">
             <a:avLst/>
@@ -27865,6 +28803,14 @@
               <a:pPr algn="r"/>
               <a:t>25</a:t>
             </a:fld>
+            <a:r>
+              <a:rPr lang="it-IT" altLang="zh-CN" dirty="0">
+                <a:solidFill>
+                  <a:schemeClr val="bg1"/>
+                </a:solidFill>
+              </a:rPr>
+              <a:t>/26</a:t>
+            </a:r>
             <a:endParaRPr lang="zh-CN" altLang="en-US" dirty="0">
               <a:solidFill>
                 <a:schemeClr val="bg1"/>
@@ -28274,10 +29220,10 @@
       </p:sp>
       <p:sp>
         <p:nvSpPr>
-          <p:cNvPr id="10" name="Triangolo isoscele 9">
+          <p:cNvPr id="12" name="Triangolo isoscele 11">
             <a:extLst>
               <a:ext uri="{FF2B5EF4-FFF2-40B4-BE49-F238E27FC236}">
-                <a16:creationId xmlns:a16="http://schemas.microsoft.com/office/drawing/2014/main" id="{FA827243-4C19-405D-967C-4182EC6F7DC7}"/>
+                <a16:creationId xmlns:a16="http://schemas.microsoft.com/office/drawing/2014/main" id="{FD4006DD-6B02-4027-9334-B638108CAB04}"/>
               </a:ext>
             </a:extLst>
           </p:cNvPr>
@@ -28286,8 +29232,8 @@
         </p:nvSpPr>
         <p:spPr>
           <a:xfrm>
-            <a:off x="8286750" y="6143437"/>
-            <a:ext cx="878889" cy="703983"/>
+            <a:off x="6054570" y="6134734"/>
+            <a:ext cx="3093314" cy="714563"/>
           </a:xfrm>
           <a:prstGeom prst="triangle">
             <a:avLst>
@@ -28328,10 +29274,10 @@
       </p:sp>
       <p:sp>
         <p:nvSpPr>
-          <p:cNvPr id="11" name="Segnaposto numero diapositiva 10">
+          <p:cNvPr id="13" name="Segnaposto numero diapositiva 10">
             <a:extLst>
               <a:ext uri="{FF2B5EF4-FFF2-40B4-BE49-F238E27FC236}">
-                <a16:creationId xmlns:a16="http://schemas.microsoft.com/office/drawing/2014/main" id="{54CC62D4-2D4F-4EF0-B935-7060381FD73A}"/>
+                <a16:creationId xmlns:a16="http://schemas.microsoft.com/office/drawing/2014/main" id="{9D926147-570D-4E23-8BE3-ECEB41E8C091}"/>
               </a:ext>
             </a:extLst>
           </p:cNvPr>
@@ -28342,8 +29288,8 @@
         </p:nvSpPr>
         <p:spPr>
           <a:xfrm>
-            <a:off x="8539236" y="6391960"/>
-            <a:ext cx="637446" cy="365125"/>
+            <a:off x="8007658" y="6391960"/>
+            <a:ext cx="1073774" cy="365125"/>
           </a:xfrm>
           <a:prstGeom prst="rect">
             <a:avLst/>
@@ -28457,6 +29403,14 @@
               <a:pPr algn="r"/>
               <a:t>26</a:t>
             </a:fld>
+            <a:r>
+              <a:rPr lang="it-IT" altLang="zh-CN" dirty="0">
+                <a:solidFill>
+                  <a:schemeClr val="bg1"/>
+                </a:solidFill>
+              </a:rPr>
+              <a:t>/26</a:t>
+            </a:r>
             <a:endParaRPr lang="zh-CN" altLang="en-US" dirty="0">
               <a:solidFill>
                 <a:schemeClr val="bg1"/>
@@ -28774,7 +29728,7 @@
         </p:blipFill>
         <p:spPr bwMode="auto">
           <a:xfrm>
-            <a:off x="5980670" y="5912492"/>
+            <a:off x="5563419" y="5690550"/>
             <a:ext cx="2806359" cy="724330"/>
           </a:xfrm>
           <a:prstGeom prst="rect">
@@ -28861,10 +29815,10 @@
       </p:sp>
       <p:sp>
         <p:nvSpPr>
-          <p:cNvPr id="54" name="Rettangolo 53">
+          <p:cNvPr id="24" name="Triangolo isoscele 23">
             <a:extLst>
               <a:ext uri="{FF2B5EF4-FFF2-40B4-BE49-F238E27FC236}">
-                <a16:creationId xmlns:a16="http://schemas.microsoft.com/office/drawing/2014/main" id="{A1836862-E234-4AC0-BE9F-2FB9E5414792}"/>
+                <a16:creationId xmlns:a16="http://schemas.microsoft.com/office/drawing/2014/main" id="{7017C721-CD8F-4865-9C40-A16E42167D8F}"/>
               </a:ext>
             </a:extLst>
           </p:cNvPr>
@@ -28873,111 +29827,8 @@
         </p:nvSpPr>
         <p:spPr>
           <a:xfrm>
-            <a:off x="1119412" y="3510847"/>
-            <a:ext cx="8024588" cy="830997"/>
-          </a:xfrm>
-          <a:prstGeom prst="rect">
-            <a:avLst/>
-          </a:prstGeom>
-        </p:spPr>
-        <p:txBody>
-          <a:bodyPr wrap="square">
-            <a:spAutoFit/>
-          </a:bodyPr>
-          <a:lstStyle/>
-          <a:p>
-            <a:pPr defTabSz="609630"/>
-            <a:r>
-              <a:rPr lang="it-IT" sz="2400" dirty="0">
-                <a:solidFill>
-                  <a:schemeClr val="bg1"/>
-                </a:solidFill>
-              </a:rPr>
-              <a:t>Libreria </a:t>
-            </a:r>
-            <a:r>
-              <a:rPr lang="it-IT" sz="2400" dirty="0" err="1">
-                <a:solidFill>
-                  <a:schemeClr val="bg1"/>
-                </a:solidFill>
-              </a:rPr>
-              <a:t>opensource</a:t>
-            </a:r>
-            <a:r>
-              <a:rPr lang="it-IT" sz="2400" dirty="0">
-                <a:solidFill>
-                  <a:schemeClr val="bg1"/>
-                </a:solidFill>
-              </a:rPr>
-              <a:t> per lo sviluppo di un sistema di sintesi vocale multilingua</a:t>
-            </a:r>
-          </a:p>
-        </p:txBody>
-      </p:sp>
-      <p:sp>
-        <p:nvSpPr>
-          <p:cNvPr id="2" name="Rettangolo 1"/>
-          <p:cNvSpPr/>
-          <p:nvPr/>
-        </p:nvSpPr>
-        <p:spPr>
-          <a:xfrm>
-            <a:off x="1053078" y="4712163"/>
-            <a:ext cx="7880856" cy="1200329"/>
-          </a:xfrm>
-          <a:prstGeom prst="rect">
-            <a:avLst/>
-          </a:prstGeom>
-        </p:spPr>
-        <p:txBody>
-          <a:bodyPr wrap="square">
-            <a:spAutoFit/>
-          </a:bodyPr>
-          <a:lstStyle/>
-          <a:p>
-            <a:r>
-              <a:rPr lang="it-IT" dirty="0">
-                <a:solidFill>
-                  <a:schemeClr val="bg1"/>
-                </a:solidFill>
-              </a:rPr>
-              <a:t>Sistema scritto in C</a:t>
-            </a:r>
-            <a:r>
-              <a:rPr lang="zh-CN" altLang="en-US" dirty="0">
-                <a:solidFill>
-                  <a:schemeClr val="bg1"/>
-                </a:solidFill>
-              </a:rPr>
-              <a:t>， </a:t>
-            </a:r>
-            <a:r>
-              <a:rPr lang="it-IT" dirty="0">
-                <a:solidFill>
-                  <a:schemeClr val="bg1"/>
-                </a:solidFill>
-              </a:rPr>
-              <a:t>progettato cercando di consentire la massima portabilità su differenti piattaforme</a:t>
-            </a:r>
-          </a:p>
-        </p:txBody>
-      </p:sp>
-      <p:sp>
-        <p:nvSpPr>
-          <p:cNvPr id="12" name="Triangolo isoscele 11">
-            <a:extLst>
-              <a:ext uri="{FF2B5EF4-FFF2-40B4-BE49-F238E27FC236}">
-                <a16:creationId xmlns:a16="http://schemas.microsoft.com/office/drawing/2014/main" id="{D50A4ADB-377A-4C7F-A063-73512827AF45}"/>
-              </a:ext>
-            </a:extLst>
-          </p:cNvPr>
-          <p:cNvSpPr/>
-          <p:nvPr/>
-        </p:nvSpPr>
-        <p:spPr>
-          <a:xfrm>
-            <a:off x="8286750" y="6143437"/>
-            <a:ext cx="878889" cy="703983"/>
+            <a:off x="6054570" y="6134734"/>
+            <a:ext cx="3093314" cy="714563"/>
           </a:xfrm>
           <a:prstGeom prst="triangle">
             <a:avLst>
@@ -29018,10 +29869,113 @@
       </p:sp>
       <p:sp>
         <p:nvSpPr>
-          <p:cNvPr id="13" name="Segnaposto numero diapositiva 10">
+          <p:cNvPr id="54" name="Rettangolo 53">
             <a:extLst>
               <a:ext uri="{FF2B5EF4-FFF2-40B4-BE49-F238E27FC236}">
-                <a16:creationId xmlns:a16="http://schemas.microsoft.com/office/drawing/2014/main" id="{336356C0-69D3-4F98-9BA3-D9CD427D3FB1}"/>
+                <a16:creationId xmlns:a16="http://schemas.microsoft.com/office/drawing/2014/main" id="{A1836862-E234-4AC0-BE9F-2FB9E5414792}"/>
+              </a:ext>
+            </a:extLst>
+          </p:cNvPr>
+          <p:cNvSpPr/>
+          <p:nvPr/>
+        </p:nvSpPr>
+        <p:spPr>
+          <a:xfrm>
+            <a:off x="1119412" y="3510847"/>
+            <a:ext cx="8024588" cy="830997"/>
+          </a:xfrm>
+          <a:prstGeom prst="rect">
+            <a:avLst/>
+          </a:prstGeom>
+        </p:spPr>
+        <p:txBody>
+          <a:bodyPr wrap="square">
+            <a:spAutoFit/>
+          </a:bodyPr>
+          <a:lstStyle/>
+          <a:p>
+            <a:pPr defTabSz="609630"/>
+            <a:r>
+              <a:rPr lang="it-IT" sz="2400" dirty="0">
+                <a:solidFill>
+                  <a:schemeClr val="bg1"/>
+                </a:solidFill>
+              </a:rPr>
+              <a:t>Libreria </a:t>
+            </a:r>
+            <a:r>
+              <a:rPr lang="it-IT" sz="2400" dirty="0" err="1">
+                <a:solidFill>
+                  <a:schemeClr val="bg1"/>
+                </a:solidFill>
+              </a:rPr>
+              <a:t>opensource</a:t>
+            </a:r>
+            <a:r>
+              <a:rPr lang="it-IT" sz="2400" dirty="0">
+                <a:solidFill>
+                  <a:schemeClr val="bg1"/>
+                </a:solidFill>
+              </a:rPr>
+              <a:t> per lo sviluppo di un sistema di sintesi vocale multilingua</a:t>
+            </a:r>
+          </a:p>
+        </p:txBody>
+      </p:sp>
+      <p:sp>
+        <p:nvSpPr>
+          <p:cNvPr id="2" name="Rettangolo 1"/>
+          <p:cNvSpPr/>
+          <p:nvPr/>
+        </p:nvSpPr>
+        <p:spPr>
+          <a:xfrm>
+            <a:off x="1053078" y="4712163"/>
+            <a:ext cx="7880856" cy="1200329"/>
+          </a:xfrm>
+          <a:prstGeom prst="rect">
+            <a:avLst/>
+          </a:prstGeom>
+        </p:spPr>
+        <p:txBody>
+          <a:bodyPr wrap="square">
+            <a:spAutoFit/>
+          </a:bodyPr>
+          <a:lstStyle/>
+          <a:p>
+            <a:r>
+              <a:rPr lang="it-IT" dirty="0">
+                <a:solidFill>
+                  <a:schemeClr val="bg1"/>
+                </a:solidFill>
+              </a:rPr>
+              <a:t>Sistema scritto in C</a:t>
+            </a:r>
+            <a:r>
+              <a:rPr lang="zh-CN" altLang="en-US" dirty="0">
+                <a:solidFill>
+                  <a:schemeClr val="bg1"/>
+                </a:solidFill>
+              </a:rPr>
+              <a:t>， </a:t>
+            </a:r>
+            <a:r>
+              <a:rPr lang="it-IT" dirty="0">
+                <a:solidFill>
+                  <a:schemeClr val="bg1"/>
+                </a:solidFill>
+              </a:rPr>
+              <a:t>progettato cercando di consentire la massima portabilità su differenti piattaforme</a:t>
+            </a:r>
+          </a:p>
+        </p:txBody>
+      </p:sp>
+      <p:sp>
+        <p:nvSpPr>
+          <p:cNvPr id="26" name="Segnaposto numero diapositiva 10">
+            <a:extLst>
+              <a:ext uri="{FF2B5EF4-FFF2-40B4-BE49-F238E27FC236}">
+                <a16:creationId xmlns:a16="http://schemas.microsoft.com/office/drawing/2014/main" id="{1999CE91-4021-4783-8DD2-3C197A9E97B8}"/>
               </a:ext>
             </a:extLst>
           </p:cNvPr>
@@ -29032,8 +29986,8 @@
         </p:nvSpPr>
         <p:spPr>
           <a:xfrm>
-            <a:off x="8443986" y="6391960"/>
-            <a:ext cx="637446" cy="365125"/>
+            <a:off x="8193386" y="6391960"/>
+            <a:ext cx="888046" cy="365125"/>
           </a:xfrm>
           <a:prstGeom prst="rect">
             <a:avLst/>
@@ -29147,6 +30101,14 @@
               <a:pPr algn="r"/>
               <a:t>3</a:t>
             </a:fld>
+            <a:r>
+              <a:rPr lang="it-IT" altLang="zh-CN">
+                <a:solidFill>
+                  <a:schemeClr val="bg1"/>
+                </a:solidFill>
+              </a:rPr>
+              <a:t>/26</a:t>
+            </a:r>
             <a:endParaRPr lang="zh-CN" altLang="en-US" dirty="0">
               <a:solidFill>
                 <a:schemeClr val="bg1"/>
@@ -29535,10 +30497,10 @@
       </p:sp>
       <p:sp>
         <p:nvSpPr>
-          <p:cNvPr id="8" name="Triangolo isoscele 7">
+          <p:cNvPr id="13" name="Triangolo isoscele 12">
             <a:extLst>
               <a:ext uri="{FF2B5EF4-FFF2-40B4-BE49-F238E27FC236}">
-                <a16:creationId xmlns:a16="http://schemas.microsoft.com/office/drawing/2014/main" id="{5731464A-34B6-46DD-B4D6-BC60B5D2CD73}"/>
+                <a16:creationId xmlns:a16="http://schemas.microsoft.com/office/drawing/2014/main" id="{26A70CA5-7776-4DFD-BFE5-8383DD3CC225}"/>
               </a:ext>
             </a:extLst>
           </p:cNvPr>
@@ -29547,8 +30509,8 @@
         </p:nvSpPr>
         <p:spPr>
           <a:xfrm>
-            <a:off x="8286750" y="6143437"/>
-            <a:ext cx="878889" cy="703983"/>
+            <a:off x="6054570" y="6134734"/>
+            <a:ext cx="3093314" cy="714563"/>
           </a:xfrm>
           <a:prstGeom prst="triangle">
             <a:avLst>
@@ -29589,10 +30551,10 @@
       </p:sp>
       <p:sp>
         <p:nvSpPr>
-          <p:cNvPr id="9" name="Segnaposto numero diapositiva 10">
+          <p:cNvPr id="14" name="Segnaposto numero diapositiva 10">
             <a:extLst>
               <a:ext uri="{FF2B5EF4-FFF2-40B4-BE49-F238E27FC236}">
-                <a16:creationId xmlns:a16="http://schemas.microsoft.com/office/drawing/2014/main" id="{0F91B99E-E673-4A93-AF45-AC74B5C1C33B}"/>
+                <a16:creationId xmlns:a16="http://schemas.microsoft.com/office/drawing/2014/main" id="{BA6CB8CC-10B4-44E6-B0BF-20EDFE9680AE}"/>
               </a:ext>
             </a:extLst>
           </p:cNvPr>
@@ -29603,8 +30565,8 @@
         </p:nvSpPr>
         <p:spPr>
           <a:xfrm>
-            <a:off x="8443986" y="6391960"/>
-            <a:ext cx="637446" cy="365125"/>
+            <a:off x="8193386" y="6391960"/>
+            <a:ext cx="888046" cy="365125"/>
           </a:xfrm>
           <a:prstGeom prst="rect">
             <a:avLst/>
@@ -29718,6 +30680,14 @@
               <a:pPr algn="r"/>
               <a:t>4</a:t>
             </a:fld>
+            <a:r>
+              <a:rPr lang="it-IT" altLang="zh-CN">
+                <a:solidFill>
+                  <a:schemeClr val="bg1"/>
+                </a:solidFill>
+              </a:rPr>
+              <a:t>/26</a:t>
+            </a:r>
             <a:endParaRPr lang="zh-CN" altLang="en-US" dirty="0">
               <a:solidFill>
                 <a:schemeClr val="bg1"/>
@@ -30871,42 +31841,12 @@
           </a:p>
         </p:txBody>
       </p:sp>
-      <p:pic>
-        <p:nvPicPr>
-          <p:cNvPr id="47" name="Immagine 46">
+      <p:sp>
+        <p:nvSpPr>
+          <p:cNvPr id="21" name="Triangolo isoscele 20">
             <a:extLst>
               <a:ext uri="{FF2B5EF4-FFF2-40B4-BE49-F238E27FC236}">
-                <a16:creationId xmlns:a16="http://schemas.microsoft.com/office/drawing/2014/main" id="{DBE4A87A-594F-49D4-9E4E-B73D2844B748}"/>
-              </a:ext>
-            </a:extLst>
-          </p:cNvPr>
-          <p:cNvPicPr>
-            <a:picLocks noChangeAspect="1"/>
-          </p:cNvPicPr>
-          <p:nvPr/>
-        </p:nvPicPr>
-        <p:blipFill>
-          <a:blip r:embed="rId2"/>
-          <a:stretch>
-            <a:fillRect/>
-          </a:stretch>
-        </p:blipFill>
-        <p:spPr>
-          <a:xfrm>
-            <a:off x="1530535" y="2471762"/>
-            <a:ext cx="6702424" cy="4240763"/>
-          </a:xfrm>
-          <a:prstGeom prst="rect">
-            <a:avLst/>
-          </a:prstGeom>
-        </p:spPr>
-      </p:pic>
-      <p:sp>
-        <p:nvSpPr>
-          <p:cNvPr id="18" name="Triangolo isoscele 17">
-            <a:extLst>
-              <a:ext uri="{FF2B5EF4-FFF2-40B4-BE49-F238E27FC236}">
-                <a16:creationId xmlns:a16="http://schemas.microsoft.com/office/drawing/2014/main" id="{B68FC554-5306-41FC-81B8-51C139A6A873}"/>
+                <a16:creationId xmlns:a16="http://schemas.microsoft.com/office/drawing/2014/main" id="{84ED0244-C11B-4CC0-BD3A-1EF319525473}"/>
               </a:ext>
             </a:extLst>
           </p:cNvPr>
@@ -30915,8 +31855,8 @@
         </p:nvSpPr>
         <p:spPr>
           <a:xfrm>
-            <a:off x="8286750" y="6143437"/>
-            <a:ext cx="878889" cy="703983"/>
+            <a:off x="6054570" y="6134734"/>
+            <a:ext cx="3093314" cy="714563"/>
           </a:xfrm>
           <a:prstGeom prst="triangle">
             <a:avLst>
@@ -30955,12 +31895,42 @@
           </a:p>
         </p:txBody>
       </p:sp>
+      <p:pic>
+        <p:nvPicPr>
+          <p:cNvPr id="47" name="Immagine 46">
+            <a:extLst>
+              <a:ext uri="{FF2B5EF4-FFF2-40B4-BE49-F238E27FC236}">
+                <a16:creationId xmlns:a16="http://schemas.microsoft.com/office/drawing/2014/main" id="{DBE4A87A-594F-49D4-9E4E-B73D2844B748}"/>
+              </a:ext>
+            </a:extLst>
+          </p:cNvPr>
+          <p:cNvPicPr>
+            <a:picLocks noChangeAspect="1"/>
+          </p:cNvPicPr>
+          <p:nvPr/>
+        </p:nvPicPr>
+        <p:blipFill>
+          <a:blip r:embed="rId2"/>
+          <a:stretch>
+            <a:fillRect/>
+          </a:stretch>
+        </p:blipFill>
+        <p:spPr>
+          <a:xfrm>
+            <a:off x="1530535" y="2471762"/>
+            <a:ext cx="6702424" cy="4240763"/>
+          </a:xfrm>
+          <a:prstGeom prst="rect">
+            <a:avLst/>
+          </a:prstGeom>
+        </p:spPr>
+      </p:pic>
       <p:sp>
         <p:nvSpPr>
-          <p:cNvPr id="19" name="Segnaposto numero diapositiva 10">
+          <p:cNvPr id="22" name="Segnaposto numero diapositiva 10">
             <a:extLst>
               <a:ext uri="{FF2B5EF4-FFF2-40B4-BE49-F238E27FC236}">
-                <a16:creationId xmlns:a16="http://schemas.microsoft.com/office/drawing/2014/main" id="{0FAF21A0-BAC6-4352-92F9-C42232A50EE7}"/>
+                <a16:creationId xmlns:a16="http://schemas.microsoft.com/office/drawing/2014/main" id="{A39037B3-2E23-4E36-9255-8EEBC8FAE820}"/>
               </a:ext>
             </a:extLst>
           </p:cNvPr>
@@ -30971,8 +31941,8 @@
         </p:nvSpPr>
         <p:spPr>
           <a:xfrm>
-            <a:off x="8443986" y="6391960"/>
-            <a:ext cx="637446" cy="365125"/>
+            <a:off x="8193386" y="6391960"/>
+            <a:ext cx="888046" cy="365125"/>
           </a:xfrm>
           <a:prstGeom prst="rect">
             <a:avLst/>
@@ -31086,6 +32056,14 @@
               <a:pPr algn="r"/>
               <a:t>5</a:t>
             </a:fld>
+            <a:r>
+              <a:rPr lang="it-IT" altLang="zh-CN">
+                <a:solidFill>
+                  <a:schemeClr val="bg1"/>
+                </a:solidFill>
+              </a:rPr>
+              <a:t>/26</a:t>
+            </a:r>
             <a:endParaRPr lang="zh-CN" altLang="en-US" dirty="0">
               <a:solidFill>
                 <a:schemeClr val="bg1"/>
@@ -33948,6 +34926,60 @@
           </p:txBody>
         </p:sp>
       </p:grpSp>
+      <p:sp>
+        <p:nvSpPr>
+          <p:cNvPr id="36" name="Triangolo isoscele 35">
+            <a:extLst>
+              <a:ext uri="{FF2B5EF4-FFF2-40B4-BE49-F238E27FC236}">
+                <a16:creationId xmlns:a16="http://schemas.microsoft.com/office/drawing/2014/main" id="{2598B2BD-BDB9-4047-A4A5-C5AAA388F1D1}"/>
+              </a:ext>
+            </a:extLst>
+          </p:cNvPr>
+          <p:cNvSpPr/>
+          <p:nvPr/>
+        </p:nvSpPr>
+        <p:spPr>
+          <a:xfrm>
+            <a:off x="6054570" y="6134734"/>
+            <a:ext cx="3093314" cy="714563"/>
+          </a:xfrm>
+          <a:prstGeom prst="triangle">
+            <a:avLst>
+              <a:gd name="adj" fmla="val 100000"/>
+            </a:avLst>
+          </a:prstGeom>
+          <a:solidFill>
+            <a:schemeClr val="tx1">
+              <a:alpha val="18000"/>
+            </a:schemeClr>
+          </a:solidFill>
+          <a:ln>
+            <a:noFill/>
+          </a:ln>
+        </p:spPr>
+        <p:style>
+          <a:lnRef idx="1">
+            <a:schemeClr val="accent1"/>
+          </a:lnRef>
+          <a:fillRef idx="3">
+            <a:schemeClr val="accent1"/>
+          </a:fillRef>
+          <a:effectRef idx="2">
+            <a:schemeClr val="accent1"/>
+          </a:effectRef>
+          <a:fontRef idx="minor">
+            <a:schemeClr val="lt1"/>
+          </a:fontRef>
+        </p:style>
+        <p:txBody>
+          <a:bodyPr rtlCol="0" anchor="ctr"/>
+          <a:lstStyle/>
+          <a:p>
+            <a:pPr algn="ctr"/>
+            <a:endParaRPr lang="it-IT" dirty="0"/>
+          </a:p>
+        </p:txBody>
+      </p:sp>
       <p:pic>
         <p:nvPicPr>
           <p:cNvPr id="31" name="Immagine 30">
@@ -33986,64 +35018,10 @@
       </p:pic>
       <p:sp>
         <p:nvSpPr>
-          <p:cNvPr id="33" name="Triangolo isoscele 32">
+          <p:cNvPr id="37" name="Segnaposto numero diapositiva 10">
             <a:extLst>
               <a:ext uri="{FF2B5EF4-FFF2-40B4-BE49-F238E27FC236}">
-                <a16:creationId xmlns:a16="http://schemas.microsoft.com/office/drawing/2014/main" id="{21DADF2E-BE56-46F5-93AA-6CF311334060}"/>
-              </a:ext>
-            </a:extLst>
-          </p:cNvPr>
-          <p:cNvSpPr/>
-          <p:nvPr/>
-        </p:nvSpPr>
-        <p:spPr>
-          <a:xfrm>
-            <a:off x="8286750" y="6143437"/>
-            <a:ext cx="878889" cy="703983"/>
-          </a:xfrm>
-          <a:prstGeom prst="triangle">
-            <a:avLst>
-              <a:gd name="adj" fmla="val 100000"/>
-            </a:avLst>
-          </a:prstGeom>
-          <a:solidFill>
-            <a:schemeClr val="tx1">
-              <a:alpha val="18000"/>
-            </a:schemeClr>
-          </a:solidFill>
-          <a:ln>
-            <a:noFill/>
-          </a:ln>
-        </p:spPr>
-        <p:style>
-          <a:lnRef idx="1">
-            <a:schemeClr val="accent1"/>
-          </a:lnRef>
-          <a:fillRef idx="3">
-            <a:schemeClr val="accent1"/>
-          </a:fillRef>
-          <a:effectRef idx="2">
-            <a:schemeClr val="accent1"/>
-          </a:effectRef>
-          <a:fontRef idx="minor">
-            <a:schemeClr val="lt1"/>
-          </a:fontRef>
-        </p:style>
-        <p:txBody>
-          <a:bodyPr rtlCol="0" anchor="ctr"/>
-          <a:lstStyle/>
-          <a:p>
-            <a:pPr algn="ctr"/>
-            <a:endParaRPr lang="it-IT" dirty="0"/>
-          </a:p>
-        </p:txBody>
-      </p:sp>
-      <p:sp>
-        <p:nvSpPr>
-          <p:cNvPr id="35" name="Segnaposto numero diapositiva 10">
-            <a:extLst>
-              <a:ext uri="{FF2B5EF4-FFF2-40B4-BE49-F238E27FC236}">
-                <a16:creationId xmlns:a16="http://schemas.microsoft.com/office/drawing/2014/main" id="{4AA8E067-8062-43A2-B816-4E48EA7B7BF2}"/>
+                <a16:creationId xmlns:a16="http://schemas.microsoft.com/office/drawing/2014/main" id="{03463C9E-032E-4413-BD87-6CB97A6D733F}"/>
               </a:ext>
             </a:extLst>
           </p:cNvPr>
@@ -34054,8 +35032,8 @@
         </p:nvSpPr>
         <p:spPr>
           <a:xfrm>
-            <a:off x="8443986" y="6391960"/>
-            <a:ext cx="637446" cy="365125"/>
+            <a:off x="8193386" y="6391960"/>
+            <a:ext cx="888046" cy="365125"/>
           </a:xfrm>
           <a:prstGeom prst="rect">
             <a:avLst/>
@@ -34169,6 +35147,14 @@
               <a:pPr algn="r"/>
               <a:t>6</a:t>
             </a:fld>
+            <a:r>
+              <a:rPr lang="it-IT" altLang="zh-CN">
+                <a:solidFill>
+                  <a:schemeClr val="bg1"/>
+                </a:solidFill>
+              </a:rPr>
+              <a:t>/26</a:t>
+            </a:r>
             <a:endParaRPr lang="zh-CN" altLang="en-US" dirty="0">
               <a:solidFill>
                 <a:schemeClr val="bg1"/>
@@ -37000,10 +37986,10 @@
       </p:pic>
       <p:sp>
         <p:nvSpPr>
-          <p:cNvPr id="20" name="Triangolo isoscele 19">
+          <p:cNvPr id="23" name="Triangolo isoscele 22">
             <a:extLst>
               <a:ext uri="{FF2B5EF4-FFF2-40B4-BE49-F238E27FC236}">
-                <a16:creationId xmlns:a16="http://schemas.microsoft.com/office/drawing/2014/main" id="{8CF9B273-C103-4D07-BF71-9B9AAEB1DFE3}"/>
+                <a16:creationId xmlns:a16="http://schemas.microsoft.com/office/drawing/2014/main" id="{8C61CE34-221C-4ADA-81F5-CC7468FD28E0}"/>
               </a:ext>
             </a:extLst>
           </p:cNvPr>
@@ -37012,8 +37998,8 @@
         </p:nvSpPr>
         <p:spPr>
           <a:xfrm>
-            <a:off x="8286750" y="6143437"/>
-            <a:ext cx="878889" cy="703983"/>
+            <a:off x="6054570" y="6134734"/>
+            <a:ext cx="3093314" cy="714563"/>
           </a:xfrm>
           <a:prstGeom prst="triangle">
             <a:avLst>
@@ -37054,10 +38040,10 @@
       </p:sp>
       <p:sp>
         <p:nvSpPr>
-          <p:cNvPr id="21" name="Segnaposto numero diapositiva 10">
+          <p:cNvPr id="24" name="Segnaposto numero diapositiva 10">
             <a:extLst>
               <a:ext uri="{FF2B5EF4-FFF2-40B4-BE49-F238E27FC236}">
-                <a16:creationId xmlns:a16="http://schemas.microsoft.com/office/drawing/2014/main" id="{AEF53ABF-FDB2-4278-9412-9FD436D2206E}"/>
+                <a16:creationId xmlns:a16="http://schemas.microsoft.com/office/drawing/2014/main" id="{A2F8AE38-4679-4156-9C2C-8FCD184D3A97}"/>
               </a:ext>
             </a:extLst>
           </p:cNvPr>
@@ -37068,8 +38054,8 @@
         </p:nvSpPr>
         <p:spPr>
           <a:xfrm>
-            <a:off x="8443986" y="6391960"/>
-            <a:ext cx="637446" cy="365125"/>
+            <a:off x="8193386" y="6391960"/>
+            <a:ext cx="888046" cy="365125"/>
           </a:xfrm>
           <a:prstGeom prst="rect">
             <a:avLst/>
@@ -37183,6 +38169,14 @@
               <a:pPr algn="r"/>
               <a:t>7</a:t>
             </a:fld>
+            <a:r>
+              <a:rPr lang="it-IT" altLang="zh-CN">
+                <a:solidFill>
+                  <a:schemeClr val="bg1"/>
+                </a:solidFill>
+              </a:rPr>
+              <a:t>/26</a:t>
+            </a:r>
             <a:endParaRPr lang="zh-CN" altLang="en-US" dirty="0">
               <a:solidFill>
                 <a:schemeClr val="bg1"/>
@@ -45287,10 +46281,10 @@
       </p:sp>
       <p:sp>
         <p:nvSpPr>
-          <p:cNvPr id="73" name="Triangolo isoscele 72">
+          <p:cNvPr id="76" name="Triangolo isoscele 75">
             <a:extLst>
               <a:ext uri="{FF2B5EF4-FFF2-40B4-BE49-F238E27FC236}">
-                <a16:creationId xmlns:a16="http://schemas.microsoft.com/office/drawing/2014/main" id="{F06A42AC-3796-4738-9BD3-5E784390933B}"/>
+                <a16:creationId xmlns:a16="http://schemas.microsoft.com/office/drawing/2014/main" id="{727CF4DD-5C59-49FC-8C74-EC5B84F1BB4A}"/>
               </a:ext>
             </a:extLst>
           </p:cNvPr>
@@ -45299,8 +46293,8 @@
         </p:nvSpPr>
         <p:spPr>
           <a:xfrm>
-            <a:off x="8286750" y="6143437"/>
-            <a:ext cx="878889" cy="703983"/>
+            <a:off x="6054570" y="6134734"/>
+            <a:ext cx="3093314" cy="714563"/>
           </a:xfrm>
           <a:prstGeom prst="triangle">
             <a:avLst>
@@ -45341,10 +46335,10 @@
       </p:sp>
       <p:sp>
         <p:nvSpPr>
-          <p:cNvPr id="74" name="Segnaposto numero diapositiva 10">
+          <p:cNvPr id="77" name="Segnaposto numero diapositiva 10">
             <a:extLst>
               <a:ext uri="{FF2B5EF4-FFF2-40B4-BE49-F238E27FC236}">
-                <a16:creationId xmlns:a16="http://schemas.microsoft.com/office/drawing/2014/main" id="{58B16EDB-E9EE-45C2-8824-232000731AD5}"/>
+                <a16:creationId xmlns:a16="http://schemas.microsoft.com/office/drawing/2014/main" id="{F3746F82-D6E2-40FA-AE11-BDC04DF79574}"/>
               </a:ext>
             </a:extLst>
           </p:cNvPr>
@@ -45355,8 +46349,8 @@
         </p:nvSpPr>
         <p:spPr>
           <a:xfrm>
-            <a:off x="8443986" y="6391960"/>
-            <a:ext cx="637446" cy="365125"/>
+            <a:off x="8193386" y="6391960"/>
+            <a:ext cx="888046" cy="365125"/>
           </a:xfrm>
           <a:prstGeom prst="rect">
             <a:avLst/>
@@ -45470,6 +46464,14 @@
               <a:pPr algn="r"/>
               <a:t>8</a:t>
             </a:fld>
+            <a:r>
+              <a:rPr lang="it-IT" altLang="zh-CN">
+                <a:solidFill>
+                  <a:schemeClr val="bg1"/>
+                </a:solidFill>
+              </a:rPr>
+              <a:t>/26</a:t>
+            </a:r>
             <a:endParaRPr lang="zh-CN" altLang="en-US" dirty="0">
               <a:solidFill>
                 <a:schemeClr val="bg1"/>
@@ -47204,10 +48206,10 @@
       </p:grpSp>
       <p:sp>
         <p:nvSpPr>
-          <p:cNvPr id="7" name="Triangolo isoscele 6">
+          <p:cNvPr id="10" name="Triangolo isoscele 9">
             <a:extLst>
               <a:ext uri="{FF2B5EF4-FFF2-40B4-BE49-F238E27FC236}">
-                <a16:creationId xmlns:a16="http://schemas.microsoft.com/office/drawing/2014/main" id="{8E0FA9C0-03B2-45B7-B85B-768204A9A9E2}"/>
+                <a16:creationId xmlns:a16="http://schemas.microsoft.com/office/drawing/2014/main" id="{03F84236-AAE5-4AA5-A256-9598FE830521}"/>
               </a:ext>
             </a:extLst>
           </p:cNvPr>
@@ -47216,8 +48218,8 @@
         </p:nvSpPr>
         <p:spPr>
           <a:xfrm>
-            <a:off x="8286750" y="6143437"/>
-            <a:ext cx="878889" cy="703983"/>
+            <a:off x="6054570" y="6134734"/>
+            <a:ext cx="3093314" cy="714563"/>
           </a:xfrm>
           <a:prstGeom prst="triangle">
             <a:avLst>
@@ -47258,10 +48260,10 @@
       </p:sp>
       <p:sp>
         <p:nvSpPr>
-          <p:cNvPr id="8" name="Segnaposto numero diapositiva 10">
+          <p:cNvPr id="11" name="Segnaposto numero diapositiva 10">
             <a:extLst>
               <a:ext uri="{FF2B5EF4-FFF2-40B4-BE49-F238E27FC236}">
-                <a16:creationId xmlns:a16="http://schemas.microsoft.com/office/drawing/2014/main" id="{D069E102-5C0B-4E7E-B3C9-317DF5E487E8}"/>
+                <a16:creationId xmlns:a16="http://schemas.microsoft.com/office/drawing/2014/main" id="{17326FAA-ACF6-45D0-A005-AC0335FB7A01}"/>
               </a:ext>
             </a:extLst>
           </p:cNvPr>
@@ -47272,8 +48274,8 @@
         </p:nvSpPr>
         <p:spPr>
           <a:xfrm>
-            <a:off x="8443986" y="6391960"/>
-            <a:ext cx="637446" cy="365125"/>
+            <a:off x="8193386" y="6391960"/>
+            <a:ext cx="888046" cy="365125"/>
           </a:xfrm>
           <a:prstGeom prst="rect">
             <a:avLst/>
@@ -47387,6 +48389,14 @@
               <a:pPr algn="r"/>
               <a:t>9</a:t>
             </a:fld>
+            <a:r>
+              <a:rPr lang="it-IT" altLang="zh-CN">
+                <a:solidFill>
+                  <a:schemeClr val="bg1"/>
+                </a:solidFill>
+              </a:rPr>
+              <a:t>/26</a:t>
+            </a:r>
             <a:endParaRPr lang="zh-CN" altLang="en-US" dirty="0">
               <a:solidFill>
                 <a:schemeClr val="bg1"/>
@@ -48001,6 +49011,15 @@
 </file>
 
 <file path=customXml/item1.xml><?xml version="1.0" encoding="utf-8"?>
+<p:properties xmlns:p="http://schemas.microsoft.com/office/2006/metadata/properties" xmlns:xsi="http://www.w3.org/2001/XMLSchema-instance" xmlns:pc="http://schemas.microsoft.com/office/infopath/2007/PartnerControls">
+  <documentManagement>
+    <_Version xmlns="http://schemas.microsoft.com/sharepoint/v3/fields" xsi:nil="true"/>
+    <_Status xmlns="http://schemas.microsoft.com/sharepoint/v3/fields">Not Started</_Status>
+  </documentManagement>
+</p:properties>
+</file>
+
+<file path=customXml/item2.xml><?xml version="1.0" encoding="utf-8"?>
 <ct:contentTypeSchema xmlns:ct="http://schemas.microsoft.com/office/2006/metadata/contentType" xmlns:ma="http://schemas.microsoft.com/office/2006/metadata/properties/metaAttributes" ct:_="" ma:_="" ma:contentTypeName="Document" ma:contentTypeID="0x0101000DE64AEEDD9B7A4D93545ACBE97D4615" ma:contentTypeVersion="2" ma:contentTypeDescription="Create a new document." ma:contentTypeScope="" ma:versionID="f49002b78e3a4a71b814eef46a983816">
   <xsd:schema xmlns:xsd="http://www.w3.org/2001/XMLSchema" xmlns:xs="http://www.w3.org/2001/XMLSchema" xmlns:p="http://schemas.microsoft.com/office/2006/metadata/properties" xmlns:ns2="http://schemas.microsoft.com/sharepoint/v3/fields" targetNamespace="http://schemas.microsoft.com/office/2006/metadata/properties" ma:root="true" ma:fieldsID="38f6db2dd0d9a0cf6a8dc37be32b365b" ns2:_="">
     <xsd:import namespace="http://schemas.microsoft.com/sharepoint/v3/fields"/>
@@ -48144,15 +49163,6 @@
 </ct:contentTypeSchema>
 </file>
 
-<file path=customXml/item2.xml><?xml version="1.0" encoding="utf-8"?>
-<p:properties xmlns:p="http://schemas.microsoft.com/office/2006/metadata/properties" xmlns:xsi="http://www.w3.org/2001/XMLSchema-instance" xmlns:pc="http://schemas.microsoft.com/office/infopath/2007/PartnerControls">
-  <documentManagement>
-    <_Version xmlns="http://schemas.microsoft.com/sharepoint/v3/fields" xsi:nil="true"/>
-    <_Status xmlns="http://schemas.microsoft.com/sharepoint/v3/fields">Not Started</_Status>
-  </documentManagement>
-</p:properties>
-</file>
-
 <file path=customXml/item3.xml><?xml version="1.0" encoding="utf-8"?>
 <?mso-contentType ?>
 <FormTemplates xmlns="http://schemas.microsoft.com/sharepoint/v3/contenttype/forms">
@@ -48163,6 +49173,16 @@
 </file>
 
 <file path=customXml/itemProps1.xml><?xml version="1.0" encoding="utf-8"?>
+<ds:datastoreItem xmlns:ds="http://schemas.openxmlformats.org/officeDocument/2006/customXml" ds:itemID="{7B6F2769-7194-4217-93D3-3AF3A4742282}">
+  <ds:schemaRefs>
+    <ds:schemaRef ds:uri="http://schemas.microsoft.com/office/2006/metadata/properties"/>
+    <ds:schemaRef ds:uri="http://schemas.microsoft.com/office/infopath/2007/PartnerControls"/>
+    <ds:schemaRef ds:uri="http://schemas.microsoft.com/sharepoint/v3/fields"/>
+  </ds:schemaRefs>
+</ds:datastoreItem>
+</file>
+
+<file path=customXml/itemProps2.xml><?xml version="1.0" encoding="utf-8"?>
 <ds:datastoreItem xmlns:ds="http://schemas.openxmlformats.org/officeDocument/2006/customXml" ds:itemID="{E4214858-785C-42F7-BE66-6D0E79395FC8}">
   <ds:schemaRefs>
     <ds:schemaRef ds:uri="http://schemas.microsoft.com/office/2006/metadata/contentType"/>
@@ -48180,22 +49200,6 @@
 </ds:datastoreItem>
 </file>
 
-<file path=customXml/itemProps2.xml><?xml version="1.0" encoding="utf-8"?>
-<ds:datastoreItem xmlns:ds="http://schemas.openxmlformats.org/officeDocument/2006/customXml" ds:itemID="{7B6F2769-7194-4217-93D3-3AF3A4742282}">
-  <ds:schemaRefs>
-    <ds:schemaRef ds:uri="http://schemas.microsoft.com/office/2006/documentManagement/types"/>
-    <ds:schemaRef ds:uri="http://schemas.openxmlformats.org/package/2006/metadata/core-properties"/>
-    <ds:schemaRef ds:uri="http://purl.org/dc/dcmitype/"/>
-    <ds:schemaRef ds:uri="http://schemas.microsoft.com/office/infopath/2007/PartnerControls"/>
-    <ds:schemaRef ds:uri="http://purl.org/dc/elements/1.1/"/>
-    <ds:schemaRef ds:uri="http://schemas.microsoft.com/office/2006/metadata/properties"/>
-    <ds:schemaRef ds:uri="http://schemas.microsoft.com/sharepoint/v3/fields"/>
-    <ds:schemaRef ds:uri="http://www.w3.org/XML/1998/namespace"/>
-    <ds:schemaRef ds:uri="http://purl.org/dc/terms/"/>
-  </ds:schemaRefs>
-</ds:datastoreItem>
-</file>
-
 <file path=customXml/itemProps3.xml><?xml version="1.0" encoding="utf-8"?>
 <ds:datastoreItem xmlns:ds="http://schemas.openxmlformats.org/officeDocument/2006/customXml" ds:itemID="{87D2A1B0-FF3E-4009-940D-AED0EB70AA20}">
   <ds:schemaRefs>

--- a/Presentazione/Presentazione 26-01-2018.pptx
+++ b/Presentazione/Presentazione 26-01-2018.pptx
@@ -27,7 +27,7 @@
     <p:sldId id="302" r:id="rId21"/>
     <p:sldId id="304" r:id="rId22"/>
     <p:sldId id="267" r:id="rId23"/>
-    <p:sldId id="305" r:id="rId24"/>
+    <p:sldId id="314" r:id="rId24"/>
     <p:sldId id="306" r:id="rId25"/>
     <p:sldId id="307" r:id="rId26"/>
     <p:sldId id="308" r:id="rId27"/>
@@ -12130,7 +12130,7 @@
               </a:ln>
               <a:extLst>
                 <a:ext uri="{91240B29-F687-4f45-9708-019B960494DF}">
-                  <a14:hiddenLine xmlns:a14="http://schemas.microsoft.com/office/drawing/2010/main" xmlns="" w="9525">
+                  <a14:hiddenLine xmlns="" xmlns:a14="http://schemas.microsoft.com/office/drawing/2010/main" w="9525">
                     <a:solidFill>
                       <a:srgbClr val="000000"/>
                     </a:solidFill>
@@ -12265,7 +12265,7 @@
               </a:ln>
               <a:extLst>
                 <a:ext uri="{91240B29-F687-4f45-9708-019B960494DF}">
-                  <a14:hiddenLine xmlns:a14="http://schemas.microsoft.com/office/drawing/2010/main" xmlns="" w="9525">
+                  <a14:hiddenLine xmlns="" xmlns:a14="http://schemas.microsoft.com/office/drawing/2010/main" w="9525">
                     <a:solidFill>
                       <a:srgbClr val="000000"/>
                     </a:solidFill>
@@ -12368,7 +12368,7 @@
               </a:ln>
               <a:extLst>
                 <a:ext uri="{91240B29-F687-4f45-9708-019B960494DF}">
-                  <a14:hiddenLine xmlns:a14="http://schemas.microsoft.com/office/drawing/2010/main" xmlns="" w="9525">
+                  <a14:hiddenLine xmlns="" xmlns:a14="http://schemas.microsoft.com/office/drawing/2010/main" w="9525">
                     <a:solidFill>
                       <a:srgbClr val="000000"/>
                     </a:solidFill>
@@ -12512,7 +12512,7 @@
               </a:ln>
               <a:extLst>
                 <a:ext uri="{91240B29-F687-4f45-9708-019B960494DF}">
-                  <a14:hiddenLine xmlns:a14="http://schemas.microsoft.com/office/drawing/2010/main" xmlns="" w="9525">
+                  <a14:hiddenLine xmlns="" xmlns:a14="http://schemas.microsoft.com/office/drawing/2010/main" w="9525">
                     <a:solidFill>
                       <a:srgbClr val="000000"/>
                     </a:solidFill>
@@ -12702,7 +12702,7 @@
               </a:ln>
               <a:extLst>
                 <a:ext uri="{91240B29-F687-4f45-9708-019B960494DF}">
-                  <a14:hiddenLine xmlns:a14="http://schemas.microsoft.com/office/drawing/2010/main" xmlns="" w="9525">
+                  <a14:hiddenLine xmlns="" xmlns:a14="http://schemas.microsoft.com/office/drawing/2010/main" w="9525">
                     <a:solidFill>
                       <a:srgbClr val="000000"/>
                     </a:solidFill>
@@ -13337,7 +13337,7 @@
               </a:ln>
               <a:extLst>
                 <a:ext uri="{91240B29-F687-4f45-9708-019B960494DF}">
-                  <a14:hiddenLine xmlns:a14="http://schemas.microsoft.com/office/drawing/2010/main" xmlns="" w="9525">
+                  <a14:hiddenLine xmlns="" xmlns:a14="http://schemas.microsoft.com/office/drawing/2010/main" w="9525">
                     <a:solidFill>
                       <a:srgbClr val="000000"/>
                     </a:solidFill>
@@ -13478,7 +13478,7 @@
               </a:ln>
               <a:extLst>
                 <a:ext uri="{91240B29-F687-4f45-9708-019B960494DF}">
-                  <a14:hiddenLine xmlns:a14="http://schemas.microsoft.com/office/drawing/2010/main" xmlns="" w="9525">
+                  <a14:hiddenLine xmlns="" xmlns:a14="http://schemas.microsoft.com/office/drawing/2010/main" w="9525">
                     <a:solidFill>
                       <a:srgbClr val="000000"/>
                     </a:solidFill>
@@ -13587,7 +13587,7 @@
               </a:ln>
               <a:extLst>
                 <a:ext uri="{91240B29-F687-4f45-9708-019B960494DF}">
-                  <a14:hiddenLine xmlns:a14="http://schemas.microsoft.com/office/drawing/2010/main" xmlns="" w="9525">
+                  <a14:hiddenLine xmlns="" xmlns:a14="http://schemas.microsoft.com/office/drawing/2010/main" w="9525">
                     <a:solidFill>
                       <a:srgbClr val="000000"/>
                     </a:solidFill>
@@ -13737,7 +13737,7 @@
               </a:ln>
               <a:extLst>
                 <a:ext uri="{91240B29-F687-4f45-9708-019B960494DF}">
-                  <a14:hiddenLine xmlns:a14="http://schemas.microsoft.com/office/drawing/2010/main" xmlns="" w="9525">
+                  <a14:hiddenLine xmlns="" xmlns:a14="http://schemas.microsoft.com/office/drawing/2010/main" w="9525">
                     <a:solidFill>
                       <a:srgbClr val="000000"/>
                     </a:solidFill>
@@ -13933,7 +13933,7 @@
               </a:ln>
               <a:extLst>
                 <a:ext uri="{91240B29-F687-4f45-9708-019B960494DF}">
-                  <a14:hiddenLine xmlns:a14="http://schemas.microsoft.com/office/drawing/2010/main" xmlns="" w="9525">
+                  <a14:hiddenLine xmlns="" xmlns:a14="http://schemas.microsoft.com/office/drawing/2010/main" w="9525">
                     <a:solidFill>
                       <a:srgbClr val="000000"/>
                     </a:solidFill>
@@ -18418,7 +18418,7 @@
                 </a:ln>
                 <a:extLst>
                   <a:ext uri="{91240B29-F687-4f45-9708-019B960494DF}">
-                    <a14:hiddenLine xmlns:a14="http://schemas.microsoft.com/office/drawing/2010/main" xmlns="" w="9525">
+                    <a14:hiddenLine xmlns="" xmlns:a14="http://schemas.microsoft.com/office/drawing/2010/main" w="9525">
                       <a:solidFill>
                         <a:srgbClr val="000000"/>
                       </a:solidFill>
@@ -18470,7 +18470,7 @@
                 </a:ln>
                 <a:extLst>
                   <a:ext uri="{91240B29-F687-4f45-9708-019B960494DF}">
-                    <a14:hiddenLine xmlns:a14="http://schemas.microsoft.com/office/drawing/2010/main" xmlns="" w="9525">
+                    <a14:hiddenLine xmlns="" xmlns:a14="http://schemas.microsoft.com/office/drawing/2010/main" w="9525">
                       <a:solidFill>
                         <a:srgbClr val="000000"/>
                       </a:solidFill>
@@ -18522,7 +18522,7 @@
                 </a:ln>
                 <a:extLst>
                   <a:ext uri="{91240B29-F687-4f45-9708-019B960494DF}">
-                    <a14:hiddenLine xmlns:a14="http://schemas.microsoft.com/office/drawing/2010/main" xmlns="" w="9525">
+                    <a14:hiddenLine xmlns="" xmlns:a14="http://schemas.microsoft.com/office/drawing/2010/main" w="9525">
                       <a:solidFill>
                         <a:srgbClr val="000000"/>
                       </a:solidFill>
@@ -18574,7 +18574,7 @@
                 </a:ln>
                 <a:extLst>
                   <a:ext uri="{91240B29-F687-4f45-9708-019B960494DF}">
-                    <a14:hiddenLine xmlns:a14="http://schemas.microsoft.com/office/drawing/2010/main" xmlns="" w="9525">
+                    <a14:hiddenLine xmlns="" xmlns:a14="http://schemas.microsoft.com/office/drawing/2010/main" w="9525">
                       <a:solidFill>
                         <a:srgbClr val="000000"/>
                       </a:solidFill>
@@ -18626,7 +18626,7 @@
                 </a:ln>
                 <a:extLst>
                   <a:ext uri="{91240B29-F687-4f45-9708-019B960494DF}">
-                    <a14:hiddenLine xmlns:a14="http://schemas.microsoft.com/office/drawing/2010/main" xmlns="" w="9525">
+                    <a14:hiddenLine xmlns="" xmlns:a14="http://schemas.microsoft.com/office/drawing/2010/main" w="9525">
                       <a:solidFill>
                         <a:srgbClr val="000000"/>
                       </a:solidFill>
@@ -18761,7 +18761,7 @@
                 </a:ln>
                 <a:extLst>
                   <a:ext uri="{91240B29-F687-4f45-9708-019B960494DF}">
-                    <a14:hiddenLine xmlns:a14="http://schemas.microsoft.com/office/drawing/2010/main" xmlns="" w="9525">
+                    <a14:hiddenLine xmlns="" xmlns:a14="http://schemas.microsoft.com/office/drawing/2010/main" w="9525">
                       <a:solidFill>
                         <a:srgbClr val="000000"/>
                       </a:solidFill>
@@ -22660,7 +22660,7 @@
               </a:ln>
               <a:extLst>
                 <a:ext uri="{91240B29-F687-4f45-9708-019B960494DF}">
-                  <a14:hiddenLine xmlns:a14="http://schemas.microsoft.com/office/drawing/2010/main" xmlns="" w="9525">
+                  <a14:hiddenLine xmlns="" xmlns:a14="http://schemas.microsoft.com/office/drawing/2010/main" w="9525">
                     <a:solidFill>
                       <a:srgbClr val="000000"/>
                     </a:solidFill>
@@ -22795,7 +22795,7 @@
               </a:ln>
               <a:extLst>
                 <a:ext uri="{91240B29-F687-4f45-9708-019B960494DF}">
-                  <a14:hiddenLine xmlns:a14="http://schemas.microsoft.com/office/drawing/2010/main" xmlns="" w="9525">
+                  <a14:hiddenLine xmlns="" xmlns:a14="http://schemas.microsoft.com/office/drawing/2010/main" w="9525">
                     <a:solidFill>
                       <a:srgbClr val="000000"/>
                     </a:solidFill>
@@ -22898,7 +22898,7 @@
               </a:ln>
               <a:extLst>
                 <a:ext uri="{91240B29-F687-4f45-9708-019B960494DF}">
-                  <a14:hiddenLine xmlns:a14="http://schemas.microsoft.com/office/drawing/2010/main" xmlns="" w="9525">
+                  <a14:hiddenLine xmlns="" xmlns:a14="http://schemas.microsoft.com/office/drawing/2010/main" w="9525">
                     <a:solidFill>
                       <a:srgbClr val="000000"/>
                     </a:solidFill>
@@ -23042,7 +23042,7 @@
               </a:ln>
               <a:extLst>
                 <a:ext uri="{91240B29-F687-4f45-9708-019B960494DF}">
-                  <a14:hiddenLine xmlns:a14="http://schemas.microsoft.com/office/drawing/2010/main" xmlns="" w="9525">
+                  <a14:hiddenLine xmlns="" xmlns:a14="http://schemas.microsoft.com/office/drawing/2010/main" w="9525">
                     <a:solidFill>
                       <a:srgbClr val="000000"/>
                     </a:solidFill>
@@ -23232,7 +23232,7 @@
               </a:ln>
               <a:extLst>
                 <a:ext uri="{91240B29-F687-4f45-9708-019B960494DF}">
-                  <a14:hiddenLine xmlns:a14="http://schemas.microsoft.com/office/drawing/2010/main" xmlns="" w="9525">
+                  <a14:hiddenLine xmlns="" xmlns:a14="http://schemas.microsoft.com/office/drawing/2010/main" w="9525">
                     <a:solidFill>
                       <a:srgbClr val="000000"/>
                     </a:solidFill>
@@ -23552,6 +23552,36 @@
           <a:chExt cx="0" cy="0"/>
         </a:xfrm>
       </p:grpSpPr>
+      <p:pic>
+        <p:nvPicPr>
+          <p:cNvPr id="6" name="图片 3" descr="64.jpg"/>
+          <p:cNvPicPr>
+            <a:picLocks noChangeAspect="1"/>
+          </p:cNvPicPr>
+          <p:nvPr/>
+        </p:nvPicPr>
+        <p:blipFill rotWithShape="1">
+          <a:blip r:embed="rId2">
+            <a:alphaModFix amt="18000"/>
+            <a:extLst>
+              <a:ext uri="{28A0092B-C50C-407E-A947-70E740481C1C}">
+                <a14:useLocalDpi xmlns:a14="http://schemas.microsoft.com/office/drawing/2010/main" val="0"/>
+              </a:ext>
+            </a:extLst>
+          </a:blip>
+          <a:srcRect l="20007" t="8790" r="14818" b="9077"/>
+          <a:stretch/>
+        </p:blipFill>
+        <p:spPr>
+          <a:xfrm>
+            <a:off x="1208760" y="0"/>
+            <a:ext cx="7935240" cy="6858000"/>
+          </a:xfrm>
+          <a:prstGeom prst="rect">
+            <a:avLst/>
+          </a:prstGeom>
+        </p:spPr>
+      </p:pic>
       <p:sp>
         <p:nvSpPr>
           <p:cNvPr id="15" name="Rettangolo 14"/>
@@ -23718,8 +23748,8 @@
         </p:nvSpPr>
         <p:spPr>
           <a:xfrm>
-            <a:off x="2057400" y="2033906"/>
-            <a:ext cx="6051884" cy="2790187"/>
+            <a:off x="2153653" y="1173765"/>
+            <a:ext cx="6051884" cy="3667351"/>
           </a:xfrm>
           <a:prstGeom prst="rect">
             <a:avLst/>
@@ -23733,7 +23763,7 @@
           <a:p>
             <a:pPr marL="285750" indent="-285750">
               <a:lnSpc>
-                <a:spcPct val="150000"/>
+                <a:spcPct val="200000"/>
               </a:lnSpc>
               <a:buFont typeface="Arial" charset="0"/>
               <a:buChar char="•"/>
@@ -23750,7 +23780,7 @@
           <a:p>
             <a:pPr marL="285750" indent="-285750">
               <a:lnSpc>
-                <a:spcPct val="150000"/>
+                <a:spcPct val="200000"/>
               </a:lnSpc>
               <a:buFont typeface="Arial" charset="0"/>
               <a:buChar char="•"/>
@@ -23767,7 +23797,7 @@
           <a:p>
             <a:pPr marL="285750" indent="-285750">
               <a:lnSpc>
-                <a:spcPct val="150000"/>
+                <a:spcPct val="200000"/>
               </a:lnSpc>
               <a:buFont typeface="Arial" charset="0"/>
               <a:buChar char="•"/>
@@ -23784,7 +23814,7 @@
           <a:p>
             <a:pPr marL="285750" indent="-285750">
               <a:lnSpc>
-                <a:spcPct val="150000"/>
+                <a:spcPct val="200000"/>
               </a:lnSpc>
               <a:buFont typeface="Arial" charset="0"/>
               <a:buChar char="•"/>
@@ -23801,7 +23831,7 @@
           <a:p>
             <a:pPr marL="285750" indent="-285750">
               <a:lnSpc>
-                <a:spcPct val="150000"/>
+                <a:spcPct val="200000"/>
               </a:lnSpc>
               <a:buFont typeface="Arial" charset="0"/>
               <a:buChar char="•"/>
@@ -23817,12 +23847,3560 @@
           </a:p>
         </p:txBody>
       </p:sp>
+      <p:grpSp>
+        <p:nvGrpSpPr>
+          <p:cNvPr id="26" name="组合 34"/>
+          <p:cNvGrpSpPr/>
+          <p:nvPr/>
+        </p:nvGrpSpPr>
+        <p:grpSpPr>
+          <a:xfrm flipH="1">
+            <a:off x="1624758" y="5143305"/>
+            <a:ext cx="3116098" cy="1402155"/>
+            <a:chOff x="7841693" y="2948007"/>
+            <a:chExt cx="3967223" cy="1830871"/>
+          </a:xfrm>
+          <a:solidFill>
+            <a:schemeClr val="accent6">
+              <a:lumMod val="75000"/>
+            </a:schemeClr>
+          </a:solidFill>
+        </p:grpSpPr>
+        <p:grpSp>
+          <p:nvGrpSpPr>
+            <p:cNvPr id="27" name="Group 11"/>
+            <p:cNvGrpSpPr>
+              <a:grpSpLocks noChangeAspect="1"/>
+            </p:cNvGrpSpPr>
+            <p:nvPr/>
+          </p:nvGrpSpPr>
+          <p:grpSpPr bwMode="auto">
+            <a:xfrm>
+              <a:off x="7841693" y="3896163"/>
+              <a:ext cx="1243260" cy="882715"/>
+              <a:chOff x="1407" y="1098"/>
+              <a:chExt cx="800" cy="568"/>
+            </a:xfrm>
+            <a:grpFill/>
+          </p:grpSpPr>
+          <p:sp>
+            <p:nvSpPr>
+              <p:cNvPr id="42" name="Freeform 12"/>
+              <p:cNvSpPr>
+                <a:spLocks noEditPoints="1"/>
+              </p:cNvSpPr>
+              <p:nvPr/>
+            </p:nvSpPr>
+            <p:spPr bwMode="auto">
+              <a:xfrm>
+                <a:off x="1494" y="1098"/>
+                <a:ext cx="626" cy="423"/>
+              </a:xfrm>
+              <a:custGeom>
+                <a:avLst/>
+                <a:gdLst>
+                  <a:gd name="T0" fmla="*/ 621 w 628"/>
+                  <a:gd name="T1" fmla="*/ 7 h 423"/>
+                  <a:gd name="T2" fmla="*/ 605 w 628"/>
+                  <a:gd name="T3" fmla="*/ 0 h 423"/>
+                  <a:gd name="T4" fmla="*/ 23 w 628"/>
+                  <a:gd name="T5" fmla="*/ 0 h 423"/>
+                  <a:gd name="T6" fmla="*/ 7 w 628"/>
+                  <a:gd name="T7" fmla="*/ 7 h 423"/>
+                  <a:gd name="T8" fmla="*/ 0 w 628"/>
+                  <a:gd name="T9" fmla="*/ 23 h 423"/>
+                  <a:gd name="T10" fmla="*/ 0 w 628"/>
+                  <a:gd name="T11" fmla="*/ 423 h 423"/>
+                  <a:gd name="T12" fmla="*/ 628 w 628"/>
+                  <a:gd name="T13" fmla="*/ 423 h 423"/>
+                  <a:gd name="T14" fmla="*/ 628 w 628"/>
+                  <a:gd name="T15" fmla="*/ 23 h 423"/>
+                  <a:gd name="T16" fmla="*/ 621 w 628"/>
+                  <a:gd name="T17" fmla="*/ 7 h 423"/>
+                  <a:gd name="T18" fmla="*/ 314 w 628"/>
+                  <a:gd name="T19" fmla="*/ 13 h 423"/>
+                  <a:gd name="T20" fmla="*/ 321 w 628"/>
+                  <a:gd name="T21" fmla="*/ 20 h 423"/>
+                  <a:gd name="T22" fmla="*/ 314 w 628"/>
+                  <a:gd name="T23" fmla="*/ 27 h 423"/>
+                  <a:gd name="T24" fmla="*/ 307 w 628"/>
+                  <a:gd name="T25" fmla="*/ 20 h 423"/>
+                  <a:gd name="T26" fmla="*/ 314 w 628"/>
+                  <a:gd name="T27" fmla="*/ 13 h 423"/>
+                  <a:gd name="T28" fmla="*/ 587 w 628"/>
+                  <a:gd name="T29" fmla="*/ 382 h 423"/>
+                  <a:gd name="T30" fmla="*/ 41 w 628"/>
+                  <a:gd name="T31" fmla="*/ 382 h 423"/>
+                  <a:gd name="T32" fmla="*/ 41 w 628"/>
+                  <a:gd name="T33" fmla="*/ 41 h 423"/>
+                  <a:gd name="T34" fmla="*/ 587 w 628"/>
+                  <a:gd name="T35" fmla="*/ 41 h 423"/>
+                  <a:gd name="T36" fmla="*/ 587 w 628"/>
+                  <a:gd name="T37" fmla="*/ 382 h 423"/>
+                </a:gdLst>
+                <a:ahLst/>
+                <a:cxnLst>
+                  <a:cxn ang="0">
+                    <a:pos x="T0" y="T1"/>
+                  </a:cxn>
+                  <a:cxn ang="0">
+                    <a:pos x="T2" y="T3"/>
+                  </a:cxn>
+                  <a:cxn ang="0">
+                    <a:pos x="T4" y="T5"/>
+                  </a:cxn>
+                  <a:cxn ang="0">
+                    <a:pos x="T6" y="T7"/>
+                  </a:cxn>
+                  <a:cxn ang="0">
+                    <a:pos x="T8" y="T9"/>
+                  </a:cxn>
+                  <a:cxn ang="0">
+                    <a:pos x="T10" y="T11"/>
+                  </a:cxn>
+                  <a:cxn ang="0">
+                    <a:pos x="T12" y="T13"/>
+                  </a:cxn>
+                  <a:cxn ang="0">
+                    <a:pos x="T14" y="T15"/>
+                  </a:cxn>
+                  <a:cxn ang="0">
+                    <a:pos x="T16" y="T17"/>
+                  </a:cxn>
+                  <a:cxn ang="0">
+                    <a:pos x="T18" y="T19"/>
+                  </a:cxn>
+                  <a:cxn ang="0">
+                    <a:pos x="T20" y="T21"/>
+                  </a:cxn>
+                  <a:cxn ang="0">
+                    <a:pos x="T22" y="T23"/>
+                  </a:cxn>
+                  <a:cxn ang="0">
+                    <a:pos x="T24" y="T25"/>
+                  </a:cxn>
+                  <a:cxn ang="0">
+                    <a:pos x="T26" y="T27"/>
+                  </a:cxn>
+                  <a:cxn ang="0">
+                    <a:pos x="T28" y="T29"/>
+                  </a:cxn>
+                  <a:cxn ang="0">
+                    <a:pos x="T30" y="T31"/>
+                  </a:cxn>
+                  <a:cxn ang="0">
+                    <a:pos x="T32" y="T33"/>
+                  </a:cxn>
+                  <a:cxn ang="0">
+                    <a:pos x="T34" y="T35"/>
+                  </a:cxn>
+                  <a:cxn ang="0">
+                    <a:pos x="T36" y="T37"/>
+                  </a:cxn>
+                </a:cxnLst>
+                <a:rect l="0" t="0" r="r" b="b"/>
+                <a:pathLst>
+                  <a:path w="628" h="423">
+                    <a:moveTo>
+                      <a:pt x="621" y="7"/>
+                    </a:moveTo>
+                    <a:cubicBezTo>
+                      <a:pt x="617" y="2"/>
+                      <a:pt x="611" y="0"/>
+                      <a:pt x="605" y="0"/>
+                    </a:cubicBezTo>
+                    <a:cubicBezTo>
+                      <a:pt x="23" y="0"/>
+                      <a:pt x="23" y="0"/>
+                      <a:pt x="23" y="0"/>
+                    </a:cubicBezTo>
+                    <a:cubicBezTo>
+                      <a:pt x="17" y="0"/>
+                      <a:pt x="11" y="2"/>
+                      <a:pt x="7" y="7"/>
+                    </a:cubicBezTo>
+                    <a:cubicBezTo>
+                      <a:pt x="2" y="11"/>
+                      <a:pt x="0" y="17"/>
+                      <a:pt x="0" y="23"/>
+                    </a:cubicBezTo>
+                    <a:cubicBezTo>
+                      <a:pt x="0" y="423"/>
+                      <a:pt x="0" y="423"/>
+                      <a:pt x="0" y="423"/>
+                    </a:cubicBezTo>
+                    <a:cubicBezTo>
+                      <a:pt x="628" y="423"/>
+                      <a:pt x="628" y="423"/>
+                      <a:pt x="628" y="423"/>
+                    </a:cubicBezTo>
+                    <a:cubicBezTo>
+                      <a:pt x="628" y="23"/>
+                      <a:pt x="628" y="23"/>
+                      <a:pt x="628" y="23"/>
+                    </a:cubicBezTo>
+                    <a:cubicBezTo>
+                      <a:pt x="628" y="17"/>
+                      <a:pt x="626" y="11"/>
+                      <a:pt x="621" y="7"/>
+                    </a:cubicBezTo>
+                    <a:close/>
+                    <a:moveTo>
+                      <a:pt x="314" y="13"/>
+                    </a:moveTo>
+                    <a:cubicBezTo>
+                      <a:pt x="318" y="13"/>
+                      <a:pt x="321" y="16"/>
+                      <a:pt x="321" y="20"/>
+                    </a:cubicBezTo>
+                    <a:cubicBezTo>
+                      <a:pt x="321" y="24"/>
+                      <a:pt x="318" y="27"/>
+                      <a:pt x="314" y="27"/>
+                    </a:cubicBezTo>
+                    <a:cubicBezTo>
+                      <a:pt x="310" y="27"/>
+                      <a:pt x="307" y="24"/>
+                      <a:pt x="307" y="20"/>
+                    </a:cubicBezTo>
+                    <a:cubicBezTo>
+                      <a:pt x="307" y="16"/>
+                      <a:pt x="310" y="13"/>
+                      <a:pt x="314" y="13"/>
+                    </a:cubicBezTo>
+                    <a:close/>
+                    <a:moveTo>
+                      <a:pt x="587" y="382"/>
+                    </a:moveTo>
+                    <a:cubicBezTo>
+                      <a:pt x="41" y="382"/>
+                      <a:pt x="41" y="382"/>
+                      <a:pt x="41" y="382"/>
+                    </a:cubicBezTo>
+                    <a:cubicBezTo>
+                      <a:pt x="41" y="41"/>
+                      <a:pt x="41" y="41"/>
+                      <a:pt x="41" y="41"/>
+                    </a:cubicBezTo>
+                    <a:cubicBezTo>
+                      <a:pt x="587" y="41"/>
+                      <a:pt x="587" y="41"/>
+                      <a:pt x="587" y="41"/>
+                    </a:cubicBezTo>
+                    <a:lnTo>
+                      <a:pt x="587" y="382"/>
+                    </a:lnTo>
+                    <a:close/>
+                  </a:path>
+                </a:pathLst>
+              </a:custGeom>
+              <a:grpFill/>
+              <a:ln>
+                <a:noFill/>
+              </a:ln>
+              <a:extLst>
+                <a:ext uri="{91240B29-F687-4F45-9708-019B960494DF}">
+                  <a14:hiddenLine xmlns:a14="http://schemas.microsoft.com/office/drawing/2010/main" w="9525">
+                    <a:solidFill>
+                      <a:srgbClr val="000000"/>
+                    </a:solidFill>
+                    <a:round/>
+                    <a:headEnd/>
+                    <a:tailEnd/>
+                  </a14:hiddenLine>
+                </a:ext>
+              </a:extLst>
+            </p:spPr>
+            <p:txBody>
+              <a:bodyPr vert="horz" wrap="square" lIns="91440" tIns="45720" rIns="91440" bIns="45720" numCol="1" anchor="t" anchorCtr="0" compatLnSpc="1">
+                <a:prstTxWarp prst="textNoShape">
+                  <a:avLst/>
+                </a:prstTxWarp>
+              </a:bodyPr>
+              <a:lstStyle/>
+              <a:p>
+                <a:endParaRPr lang="zh-CN" altLang="en-US"/>
+              </a:p>
+            </p:txBody>
+          </p:sp>
+          <p:sp>
+            <p:nvSpPr>
+              <p:cNvPr id="43" name="Freeform 13"/>
+              <p:cNvSpPr>
+                <a:spLocks noEditPoints="1"/>
+              </p:cNvSpPr>
+              <p:nvPr/>
+            </p:nvSpPr>
+            <p:spPr bwMode="auto">
+              <a:xfrm>
+                <a:off x="1407" y="1538"/>
+                <a:ext cx="800" cy="97"/>
+              </a:xfrm>
+              <a:custGeom>
+                <a:avLst/>
+                <a:gdLst>
+                  <a:gd name="T0" fmla="*/ 87 w 802"/>
+                  <a:gd name="T1" fmla="*/ 0 h 97"/>
+                  <a:gd name="T2" fmla="*/ 4 w 802"/>
+                  <a:gd name="T3" fmla="*/ 83 h 97"/>
+                  <a:gd name="T4" fmla="*/ 2 w 802"/>
+                  <a:gd name="T5" fmla="*/ 92 h 97"/>
+                  <a:gd name="T6" fmla="*/ 10 w 802"/>
+                  <a:gd name="T7" fmla="*/ 97 h 97"/>
+                  <a:gd name="T8" fmla="*/ 792 w 802"/>
+                  <a:gd name="T9" fmla="*/ 97 h 97"/>
+                  <a:gd name="T10" fmla="*/ 800 w 802"/>
+                  <a:gd name="T11" fmla="*/ 92 h 97"/>
+                  <a:gd name="T12" fmla="*/ 798 w 802"/>
+                  <a:gd name="T13" fmla="*/ 83 h 97"/>
+                  <a:gd name="T14" fmla="*/ 715 w 802"/>
+                  <a:gd name="T15" fmla="*/ 0 h 97"/>
+                  <a:gd name="T16" fmla="*/ 87 w 802"/>
+                  <a:gd name="T17" fmla="*/ 0 h 97"/>
+                  <a:gd name="T18" fmla="*/ 711 w 802"/>
+                  <a:gd name="T19" fmla="*/ 47 h 97"/>
+                  <a:gd name="T20" fmla="*/ 712 w 802"/>
+                  <a:gd name="T21" fmla="*/ 54 h 97"/>
+                  <a:gd name="T22" fmla="*/ 706 w 802"/>
+                  <a:gd name="T23" fmla="*/ 58 h 97"/>
+                  <a:gd name="T24" fmla="*/ 484 w 802"/>
+                  <a:gd name="T25" fmla="*/ 58 h 97"/>
+                  <a:gd name="T26" fmla="*/ 485 w 802"/>
+                  <a:gd name="T27" fmla="*/ 64 h 97"/>
+                  <a:gd name="T28" fmla="*/ 484 w 802"/>
+                  <a:gd name="T29" fmla="*/ 67 h 97"/>
+                  <a:gd name="T30" fmla="*/ 481 w 802"/>
+                  <a:gd name="T31" fmla="*/ 69 h 97"/>
+                  <a:gd name="T32" fmla="*/ 321 w 802"/>
+                  <a:gd name="T33" fmla="*/ 69 h 97"/>
+                  <a:gd name="T34" fmla="*/ 318 w 802"/>
+                  <a:gd name="T35" fmla="*/ 67 h 97"/>
+                  <a:gd name="T36" fmla="*/ 317 w 802"/>
+                  <a:gd name="T37" fmla="*/ 64 h 97"/>
+                  <a:gd name="T38" fmla="*/ 318 w 802"/>
+                  <a:gd name="T39" fmla="*/ 58 h 97"/>
+                  <a:gd name="T40" fmla="*/ 96 w 802"/>
+                  <a:gd name="T41" fmla="*/ 58 h 97"/>
+                  <a:gd name="T42" fmla="*/ 90 w 802"/>
+                  <a:gd name="T43" fmla="*/ 54 h 97"/>
+                  <a:gd name="T44" fmla="*/ 91 w 802"/>
+                  <a:gd name="T45" fmla="*/ 47 h 97"/>
+                  <a:gd name="T46" fmla="*/ 113 w 802"/>
+                  <a:gd name="T47" fmla="*/ 20 h 97"/>
+                  <a:gd name="T48" fmla="*/ 689 w 802"/>
+                  <a:gd name="T49" fmla="*/ 20 h 97"/>
+                  <a:gd name="T50" fmla="*/ 711 w 802"/>
+                  <a:gd name="T51" fmla="*/ 47 h 97"/>
+                </a:gdLst>
+                <a:ahLst/>
+                <a:cxnLst>
+                  <a:cxn ang="0">
+                    <a:pos x="T0" y="T1"/>
+                  </a:cxn>
+                  <a:cxn ang="0">
+                    <a:pos x="T2" y="T3"/>
+                  </a:cxn>
+                  <a:cxn ang="0">
+                    <a:pos x="T4" y="T5"/>
+                  </a:cxn>
+                  <a:cxn ang="0">
+                    <a:pos x="T6" y="T7"/>
+                  </a:cxn>
+                  <a:cxn ang="0">
+                    <a:pos x="T8" y="T9"/>
+                  </a:cxn>
+                  <a:cxn ang="0">
+                    <a:pos x="T10" y="T11"/>
+                  </a:cxn>
+                  <a:cxn ang="0">
+                    <a:pos x="T12" y="T13"/>
+                  </a:cxn>
+                  <a:cxn ang="0">
+                    <a:pos x="T14" y="T15"/>
+                  </a:cxn>
+                  <a:cxn ang="0">
+                    <a:pos x="T16" y="T17"/>
+                  </a:cxn>
+                  <a:cxn ang="0">
+                    <a:pos x="T18" y="T19"/>
+                  </a:cxn>
+                  <a:cxn ang="0">
+                    <a:pos x="T20" y="T21"/>
+                  </a:cxn>
+                  <a:cxn ang="0">
+                    <a:pos x="T22" y="T23"/>
+                  </a:cxn>
+                  <a:cxn ang="0">
+                    <a:pos x="T24" y="T25"/>
+                  </a:cxn>
+                  <a:cxn ang="0">
+                    <a:pos x="T26" y="T27"/>
+                  </a:cxn>
+                  <a:cxn ang="0">
+                    <a:pos x="T28" y="T29"/>
+                  </a:cxn>
+                  <a:cxn ang="0">
+                    <a:pos x="T30" y="T31"/>
+                  </a:cxn>
+                  <a:cxn ang="0">
+                    <a:pos x="T32" y="T33"/>
+                  </a:cxn>
+                  <a:cxn ang="0">
+                    <a:pos x="T34" y="T35"/>
+                  </a:cxn>
+                  <a:cxn ang="0">
+                    <a:pos x="T36" y="T37"/>
+                  </a:cxn>
+                  <a:cxn ang="0">
+                    <a:pos x="T38" y="T39"/>
+                  </a:cxn>
+                  <a:cxn ang="0">
+                    <a:pos x="T40" y="T41"/>
+                  </a:cxn>
+                  <a:cxn ang="0">
+                    <a:pos x="T42" y="T43"/>
+                  </a:cxn>
+                  <a:cxn ang="0">
+                    <a:pos x="T44" y="T45"/>
+                  </a:cxn>
+                  <a:cxn ang="0">
+                    <a:pos x="T46" y="T47"/>
+                  </a:cxn>
+                  <a:cxn ang="0">
+                    <a:pos x="T48" y="T49"/>
+                  </a:cxn>
+                  <a:cxn ang="0">
+                    <a:pos x="T50" y="T51"/>
+                  </a:cxn>
+                </a:cxnLst>
+                <a:rect l="0" t="0" r="r" b="b"/>
+                <a:pathLst>
+                  <a:path w="802" h="97">
+                    <a:moveTo>
+                      <a:pt x="87" y="0"/>
+                    </a:moveTo>
+                    <a:cubicBezTo>
+                      <a:pt x="4" y="83"/>
+                      <a:pt x="4" y="83"/>
+                      <a:pt x="4" y="83"/>
+                    </a:cubicBezTo>
+                    <a:cubicBezTo>
+                      <a:pt x="1" y="85"/>
+                      <a:pt x="0" y="89"/>
+                      <a:pt x="2" y="92"/>
+                    </a:cubicBezTo>
+                    <a:cubicBezTo>
+                      <a:pt x="3" y="95"/>
+                      <a:pt x="6" y="97"/>
+                      <a:pt x="10" y="97"/>
+                    </a:cubicBezTo>
+                    <a:cubicBezTo>
+                      <a:pt x="792" y="97"/>
+                      <a:pt x="792" y="97"/>
+                      <a:pt x="792" y="97"/>
+                    </a:cubicBezTo>
+                    <a:cubicBezTo>
+                      <a:pt x="796" y="97"/>
+                      <a:pt x="799" y="95"/>
+                      <a:pt x="800" y="92"/>
+                    </a:cubicBezTo>
+                    <a:cubicBezTo>
+                      <a:pt x="802" y="89"/>
+                      <a:pt x="801" y="85"/>
+                      <a:pt x="798" y="83"/>
+                    </a:cubicBezTo>
+                    <a:cubicBezTo>
+                      <a:pt x="715" y="0"/>
+                      <a:pt x="715" y="0"/>
+                      <a:pt x="715" y="0"/>
+                    </a:cubicBezTo>
+                    <a:lnTo>
+                      <a:pt x="87" y="0"/>
+                    </a:lnTo>
+                    <a:close/>
+                    <a:moveTo>
+                      <a:pt x="711" y="47"/>
+                    </a:moveTo>
+                    <a:cubicBezTo>
+                      <a:pt x="713" y="49"/>
+                      <a:pt x="713" y="51"/>
+                      <a:pt x="712" y="54"/>
+                    </a:cubicBezTo>
+                    <a:cubicBezTo>
+                      <a:pt x="711" y="56"/>
+                      <a:pt x="709" y="58"/>
+                      <a:pt x="706" y="58"/>
+                    </a:cubicBezTo>
+                    <a:cubicBezTo>
+                      <a:pt x="484" y="58"/>
+                      <a:pt x="484" y="58"/>
+                      <a:pt x="484" y="58"/>
+                    </a:cubicBezTo>
+                    <a:cubicBezTo>
+                      <a:pt x="485" y="64"/>
+                      <a:pt x="485" y="64"/>
+                      <a:pt x="485" y="64"/>
+                    </a:cubicBezTo>
+                    <a:cubicBezTo>
+                      <a:pt x="485" y="65"/>
+                      <a:pt x="485" y="66"/>
+                      <a:pt x="484" y="67"/>
+                    </a:cubicBezTo>
+                    <a:cubicBezTo>
+                      <a:pt x="483" y="68"/>
+                      <a:pt x="482" y="69"/>
+                      <a:pt x="481" y="69"/>
+                    </a:cubicBezTo>
+                    <a:cubicBezTo>
+                      <a:pt x="321" y="69"/>
+                      <a:pt x="321" y="69"/>
+                      <a:pt x="321" y="69"/>
+                    </a:cubicBezTo>
+                    <a:cubicBezTo>
+                      <a:pt x="320" y="69"/>
+                      <a:pt x="319" y="68"/>
+                      <a:pt x="318" y="67"/>
+                    </a:cubicBezTo>
+                    <a:cubicBezTo>
+                      <a:pt x="317" y="66"/>
+                      <a:pt x="317" y="65"/>
+                      <a:pt x="317" y="64"/>
+                    </a:cubicBezTo>
+                    <a:cubicBezTo>
+                      <a:pt x="318" y="58"/>
+                      <a:pt x="318" y="58"/>
+                      <a:pt x="318" y="58"/>
+                    </a:cubicBezTo>
+                    <a:cubicBezTo>
+                      <a:pt x="96" y="58"/>
+                      <a:pt x="96" y="58"/>
+                      <a:pt x="96" y="58"/>
+                    </a:cubicBezTo>
+                    <a:cubicBezTo>
+                      <a:pt x="93" y="58"/>
+                      <a:pt x="91" y="56"/>
+                      <a:pt x="90" y="54"/>
+                    </a:cubicBezTo>
+                    <a:cubicBezTo>
+                      <a:pt x="89" y="51"/>
+                      <a:pt x="89" y="49"/>
+                      <a:pt x="91" y="47"/>
+                    </a:cubicBezTo>
+                    <a:cubicBezTo>
+                      <a:pt x="113" y="20"/>
+                      <a:pt x="113" y="20"/>
+                      <a:pt x="113" y="20"/>
+                    </a:cubicBezTo>
+                    <a:cubicBezTo>
+                      <a:pt x="689" y="20"/>
+                      <a:pt x="689" y="20"/>
+                      <a:pt x="689" y="20"/>
+                    </a:cubicBezTo>
+                    <a:lnTo>
+                      <a:pt x="711" y="47"/>
+                    </a:lnTo>
+                    <a:close/>
+                  </a:path>
+                </a:pathLst>
+              </a:custGeom>
+              <a:grpFill/>
+              <a:ln>
+                <a:noFill/>
+              </a:ln>
+              <a:extLst>
+                <a:ext uri="{91240B29-F687-4F45-9708-019B960494DF}">
+                  <a14:hiddenLine xmlns:a14="http://schemas.microsoft.com/office/drawing/2010/main" w="9525">
+                    <a:solidFill>
+                      <a:srgbClr val="000000"/>
+                    </a:solidFill>
+                    <a:round/>
+                    <a:headEnd/>
+                    <a:tailEnd/>
+                  </a14:hiddenLine>
+                </a:ext>
+              </a:extLst>
+            </p:spPr>
+            <p:txBody>
+              <a:bodyPr vert="horz" wrap="square" lIns="91440" tIns="45720" rIns="91440" bIns="45720" numCol="1" anchor="t" anchorCtr="0" compatLnSpc="1">
+                <a:prstTxWarp prst="textNoShape">
+                  <a:avLst/>
+                </a:prstTxWarp>
+              </a:bodyPr>
+              <a:lstStyle/>
+              <a:p>
+                <a:endParaRPr lang="zh-CN" altLang="en-US"/>
+              </a:p>
+            </p:txBody>
+          </p:sp>
+          <p:sp>
+            <p:nvSpPr>
+              <p:cNvPr id="44" name="Freeform 14"/>
+              <p:cNvSpPr>
+                <a:spLocks noEditPoints="1"/>
+              </p:cNvSpPr>
+              <p:nvPr/>
+            </p:nvSpPr>
+            <p:spPr bwMode="auto">
+              <a:xfrm>
+                <a:off x="1408" y="1637"/>
+                <a:ext cx="798" cy="29"/>
+              </a:xfrm>
+              <a:custGeom>
+                <a:avLst/>
+                <a:gdLst>
+                  <a:gd name="T0" fmla="*/ 791 w 800"/>
+                  <a:gd name="T1" fmla="*/ 3 h 29"/>
+                  <a:gd name="T2" fmla="*/ 469 w 800"/>
+                  <a:gd name="T3" fmla="*/ 3 h 29"/>
+                  <a:gd name="T4" fmla="*/ 468 w 800"/>
+                  <a:gd name="T5" fmla="*/ 6 h 29"/>
+                  <a:gd name="T6" fmla="*/ 461 w 800"/>
+                  <a:gd name="T7" fmla="*/ 9 h 29"/>
+                  <a:gd name="T8" fmla="*/ 339 w 800"/>
+                  <a:gd name="T9" fmla="*/ 9 h 29"/>
+                  <a:gd name="T10" fmla="*/ 332 w 800"/>
+                  <a:gd name="T11" fmla="*/ 6 h 29"/>
+                  <a:gd name="T12" fmla="*/ 331 w 800"/>
+                  <a:gd name="T13" fmla="*/ 3 h 29"/>
+                  <a:gd name="T14" fmla="*/ 9 w 800"/>
+                  <a:gd name="T15" fmla="*/ 3 h 29"/>
+                  <a:gd name="T16" fmla="*/ 0 w 800"/>
+                  <a:gd name="T17" fmla="*/ 0 h 29"/>
+                  <a:gd name="T18" fmla="*/ 0 w 800"/>
+                  <a:gd name="T19" fmla="*/ 9 h 29"/>
+                  <a:gd name="T20" fmla="*/ 6 w 800"/>
+                  <a:gd name="T21" fmla="*/ 23 h 29"/>
+                  <a:gd name="T22" fmla="*/ 21 w 800"/>
+                  <a:gd name="T23" fmla="*/ 29 h 29"/>
+                  <a:gd name="T24" fmla="*/ 779 w 800"/>
+                  <a:gd name="T25" fmla="*/ 29 h 29"/>
+                  <a:gd name="T26" fmla="*/ 794 w 800"/>
+                  <a:gd name="T27" fmla="*/ 23 h 29"/>
+                  <a:gd name="T28" fmla="*/ 800 w 800"/>
+                  <a:gd name="T29" fmla="*/ 9 h 29"/>
+                  <a:gd name="T30" fmla="*/ 800 w 800"/>
+                  <a:gd name="T31" fmla="*/ 0 h 29"/>
+                  <a:gd name="T32" fmla="*/ 791 w 800"/>
+                  <a:gd name="T33" fmla="*/ 3 h 29"/>
+                  <a:gd name="T34" fmla="*/ 72 w 800"/>
+                  <a:gd name="T35" fmla="*/ 21 h 29"/>
+                  <a:gd name="T36" fmla="*/ 68 w 800"/>
+                  <a:gd name="T37" fmla="*/ 16 h 29"/>
+                  <a:gd name="T38" fmla="*/ 72 w 800"/>
+                  <a:gd name="T39" fmla="*/ 12 h 29"/>
+                  <a:gd name="T40" fmla="*/ 77 w 800"/>
+                  <a:gd name="T41" fmla="*/ 16 h 29"/>
+                  <a:gd name="T42" fmla="*/ 72 w 800"/>
+                  <a:gd name="T43" fmla="*/ 21 h 29"/>
+                  <a:gd name="T44" fmla="*/ 94 w 800"/>
+                  <a:gd name="T45" fmla="*/ 21 h 29"/>
+                  <a:gd name="T46" fmla="*/ 89 w 800"/>
+                  <a:gd name="T47" fmla="*/ 16 h 29"/>
+                  <a:gd name="T48" fmla="*/ 94 w 800"/>
+                  <a:gd name="T49" fmla="*/ 12 h 29"/>
+                  <a:gd name="T50" fmla="*/ 98 w 800"/>
+                  <a:gd name="T51" fmla="*/ 16 h 29"/>
+                  <a:gd name="T52" fmla="*/ 94 w 800"/>
+                  <a:gd name="T53" fmla="*/ 21 h 29"/>
+                  <a:gd name="T54" fmla="*/ 115 w 800"/>
+                  <a:gd name="T55" fmla="*/ 21 h 29"/>
+                  <a:gd name="T56" fmla="*/ 111 w 800"/>
+                  <a:gd name="T57" fmla="*/ 16 h 29"/>
+                  <a:gd name="T58" fmla="*/ 115 w 800"/>
+                  <a:gd name="T59" fmla="*/ 12 h 29"/>
+                  <a:gd name="T60" fmla="*/ 120 w 800"/>
+                  <a:gd name="T61" fmla="*/ 16 h 29"/>
+                  <a:gd name="T62" fmla="*/ 115 w 800"/>
+                  <a:gd name="T63" fmla="*/ 21 h 29"/>
+                </a:gdLst>
+                <a:ahLst/>
+                <a:cxnLst>
+                  <a:cxn ang="0">
+                    <a:pos x="T0" y="T1"/>
+                  </a:cxn>
+                  <a:cxn ang="0">
+                    <a:pos x="T2" y="T3"/>
+                  </a:cxn>
+                  <a:cxn ang="0">
+                    <a:pos x="T4" y="T5"/>
+                  </a:cxn>
+                  <a:cxn ang="0">
+                    <a:pos x="T6" y="T7"/>
+                  </a:cxn>
+                  <a:cxn ang="0">
+                    <a:pos x="T8" y="T9"/>
+                  </a:cxn>
+                  <a:cxn ang="0">
+                    <a:pos x="T10" y="T11"/>
+                  </a:cxn>
+                  <a:cxn ang="0">
+                    <a:pos x="T12" y="T13"/>
+                  </a:cxn>
+                  <a:cxn ang="0">
+                    <a:pos x="T14" y="T15"/>
+                  </a:cxn>
+                  <a:cxn ang="0">
+                    <a:pos x="T16" y="T17"/>
+                  </a:cxn>
+                  <a:cxn ang="0">
+                    <a:pos x="T18" y="T19"/>
+                  </a:cxn>
+                  <a:cxn ang="0">
+                    <a:pos x="T20" y="T21"/>
+                  </a:cxn>
+                  <a:cxn ang="0">
+                    <a:pos x="T22" y="T23"/>
+                  </a:cxn>
+                  <a:cxn ang="0">
+                    <a:pos x="T24" y="T25"/>
+                  </a:cxn>
+                  <a:cxn ang="0">
+                    <a:pos x="T26" y="T27"/>
+                  </a:cxn>
+                  <a:cxn ang="0">
+                    <a:pos x="T28" y="T29"/>
+                  </a:cxn>
+                  <a:cxn ang="0">
+                    <a:pos x="T30" y="T31"/>
+                  </a:cxn>
+                  <a:cxn ang="0">
+                    <a:pos x="T32" y="T33"/>
+                  </a:cxn>
+                  <a:cxn ang="0">
+                    <a:pos x="T34" y="T35"/>
+                  </a:cxn>
+                  <a:cxn ang="0">
+                    <a:pos x="T36" y="T37"/>
+                  </a:cxn>
+                  <a:cxn ang="0">
+                    <a:pos x="T38" y="T39"/>
+                  </a:cxn>
+                  <a:cxn ang="0">
+                    <a:pos x="T40" y="T41"/>
+                  </a:cxn>
+                  <a:cxn ang="0">
+                    <a:pos x="T42" y="T43"/>
+                  </a:cxn>
+                  <a:cxn ang="0">
+                    <a:pos x="T44" y="T45"/>
+                  </a:cxn>
+                  <a:cxn ang="0">
+                    <a:pos x="T46" y="T47"/>
+                  </a:cxn>
+                  <a:cxn ang="0">
+                    <a:pos x="T48" y="T49"/>
+                  </a:cxn>
+                  <a:cxn ang="0">
+                    <a:pos x="T50" y="T51"/>
+                  </a:cxn>
+                  <a:cxn ang="0">
+                    <a:pos x="T52" y="T53"/>
+                  </a:cxn>
+                  <a:cxn ang="0">
+                    <a:pos x="T54" y="T55"/>
+                  </a:cxn>
+                  <a:cxn ang="0">
+                    <a:pos x="T56" y="T57"/>
+                  </a:cxn>
+                  <a:cxn ang="0">
+                    <a:pos x="T58" y="T59"/>
+                  </a:cxn>
+                  <a:cxn ang="0">
+                    <a:pos x="T60" y="T61"/>
+                  </a:cxn>
+                  <a:cxn ang="0">
+                    <a:pos x="T62" y="T63"/>
+                  </a:cxn>
+                </a:cxnLst>
+                <a:rect l="0" t="0" r="r" b="b"/>
+                <a:pathLst>
+                  <a:path w="800" h="29">
+                    <a:moveTo>
+                      <a:pt x="791" y="3"/>
+                    </a:moveTo>
+                    <a:cubicBezTo>
+                      <a:pt x="469" y="3"/>
+                      <a:pt x="469" y="3"/>
+                      <a:pt x="469" y="3"/>
+                    </a:cubicBezTo>
+                    <a:cubicBezTo>
+                      <a:pt x="469" y="4"/>
+                      <a:pt x="468" y="5"/>
+                      <a:pt x="468" y="6"/>
+                    </a:cubicBezTo>
+                    <a:cubicBezTo>
+                      <a:pt x="466" y="8"/>
+                      <a:pt x="463" y="9"/>
+                      <a:pt x="461" y="9"/>
+                    </a:cubicBezTo>
+                    <a:cubicBezTo>
+                      <a:pt x="339" y="9"/>
+                      <a:pt x="339" y="9"/>
+                      <a:pt x="339" y="9"/>
+                    </a:cubicBezTo>
+                    <a:cubicBezTo>
+                      <a:pt x="337" y="9"/>
+                      <a:pt x="334" y="8"/>
+                      <a:pt x="332" y="6"/>
+                    </a:cubicBezTo>
+                    <a:cubicBezTo>
+                      <a:pt x="332" y="5"/>
+                      <a:pt x="331" y="4"/>
+                      <a:pt x="331" y="3"/>
+                    </a:cubicBezTo>
+                    <a:cubicBezTo>
+                      <a:pt x="9" y="3"/>
+                      <a:pt x="9" y="3"/>
+                      <a:pt x="9" y="3"/>
+                    </a:cubicBezTo>
+                    <a:cubicBezTo>
+                      <a:pt x="5" y="3"/>
+                      <a:pt x="2" y="2"/>
+                      <a:pt x="0" y="0"/>
+                    </a:cubicBezTo>
+                    <a:cubicBezTo>
+                      <a:pt x="0" y="9"/>
+                      <a:pt x="0" y="9"/>
+                      <a:pt x="0" y="9"/>
+                    </a:cubicBezTo>
+                    <a:cubicBezTo>
+                      <a:pt x="0" y="14"/>
+                      <a:pt x="2" y="19"/>
+                      <a:pt x="6" y="23"/>
+                    </a:cubicBezTo>
+                    <a:cubicBezTo>
+                      <a:pt x="10" y="27"/>
+                      <a:pt x="15" y="29"/>
+                      <a:pt x="21" y="29"/>
+                    </a:cubicBezTo>
+                    <a:cubicBezTo>
+                      <a:pt x="779" y="29"/>
+                      <a:pt x="779" y="29"/>
+                      <a:pt x="779" y="29"/>
+                    </a:cubicBezTo>
+                    <a:cubicBezTo>
+                      <a:pt x="785" y="29"/>
+                      <a:pt x="790" y="27"/>
+                      <a:pt x="794" y="23"/>
+                    </a:cubicBezTo>
+                    <a:cubicBezTo>
+                      <a:pt x="798" y="19"/>
+                      <a:pt x="800" y="14"/>
+                      <a:pt x="800" y="9"/>
+                    </a:cubicBezTo>
+                    <a:cubicBezTo>
+                      <a:pt x="800" y="0"/>
+                      <a:pt x="800" y="0"/>
+                      <a:pt x="800" y="0"/>
+                    </a:cubicBezTo>
+                    <a:cubicBezTo>
+                      <a:pt x="798" y="2"/>
+                      <a:pt x="795" y="3"/>
+                      <a:pt x="791" y="3"/>
+                    </a:cubicBezTo>
+                    <a:close/>
+                    <a:moveTo>
+                      <a:pt x="72" y="21"/>
+                    </a:moveTo>
+                    <a:cubicBezTo>
+                      <a:pt x="70" y="21"/>
+                      <a:pt x="68" y="19"/>
+                      <a:pt x="68" y="16"/>
+                    </a:cubicBezTo>
+                    <a:cubicBezTo>
+                      <a:pt x="68" y="14"/>
+                      <a:pt x="70" y="12"/>
+                      <a:pt x="72" y="12"/>
+                    </a:cubicBezTo>
+                    <a:cubicBezTo>
+                      <a:pt x="75" y="12"/>
+                      <a:pt x="77" y="14"/>
+                      <a:pt x="77" y="16"/>
+                    </a:cubicBezTo>
+                    <a:cubicBezTo>
+                      <a:pt x="77" y="19"/>
+                      <a:pt x="75" y="21"/>
+                      <a:pt x="72" y="21"/>
+                    </a:cubicBezTo>
+                    <a:close/>
+                    <a:moveTo>
+                      <a:pt x="94" y="21"/>
+                    </a:moveTo>
+                    <a:cubicBezTo>
+                      <a:pt x="91" y="21"/>
+                      <a:pt x="89" y="19"/>
+                      <a:pt x="89" y="16"/>
+                    </a:cubicBezTo>
+                    <a:cubicBezTo>
+                      <a:pt x="89" y="14"/>
+                      <a:pt x="91" y="12"/>
+                      <a:pt x="94" y="12"/>
+                    </a:cubicBezTo>
+                    <a:cubicBezTo>
+                      <a:pt x="96" y="12"/>
+                      <a:pt x="98" y="14"/>
+                      <a:pt x="98" y="16"/>
+                    </a:cubicBezTo>
+                    <a:cubicBezTo>
+                      <a:pt x="98" y="19"/>
+                      <a:pt x="96" y="21"/>
+                      <a:pt x="94" y="21"/>
+                    </a:cubicBezTo>
+                    <a:close/>
+                    <a:moveTo>
+                      <a:pt x="115" y="21"/>
+                    </a:moveTo>
+                    <a:cubicBezTo>
+                      <a:pt x="113" y="21"/>
+                      <a:pt x="111" y="19"/>
+                      <a:pt x="111" y="16"/>
+                    </a:cubicBezTo>
+                    <a:cubicBezTo>
+                      <a:pt x="111" y="14"/>
+                      <a:pt x="113" y="12"/>
+                      <a:pt x="115" y="12"/>
+                    </a:cubicBezTo>
+                    <a:cubicBezTo>
+                      <a:pt x="118" y="12"/>
+                      <a:pt x="120" y="14"/>
+                      <a:pt x="120" y="16"/>
+                    </a:cubicBezTo>
+                    <a:cubicBezTo>
+                      <a:pt x="120" y="19"/>
+                      <a:pt x="118" y="21"/>
+                      <a:pt x="115" y="21"/>
+                    </a:cubicBezTo>
+                    <a:close/>
+                  </a:path>
+                </a:pathLst>
+              </a:custGeom>
+              <a:grpFill/>
+              <a:ln>
+                <a:noFill/>
+              </a:ln>
+              <a:extLst>
+                <a:ext uri="{91240B29-F687-4F45-9708-019B960494DF}">
+                  <a14:hiddenLine xmlns:a14="http://schemas.microsoft.com/office/drawing/2010/main" w="9525">
+                    <a:solidFill>
+                      <a:srgbClr val="000000"/>
+                    </a:solidFill>
+                    <a:round/>
+                    <a:headEnd/>
+                    <a:tailEnd/>
+                  </a14:hiddenLine>
+                </a:ext>
+              </a:extLst>
+            </p:spPr>
+            <p:txBody>
+              <a:bodyPr vert="horz" wrap="square" lIns="91440" tIns="45720" rIns="91440" bIns="45720" numCol="1" anchor="t" anchorCtr="0" compatLnSpc="1">
+                <a:prstTxWarp prst="textNoShape">
+                  <a:avLst/>
+                </a:prstTxWarp>
+              </a:bodyPr>
+              <a:lstStyle/>
+              <a:p>
+                <a:endParaRPr lang="zh-CN" altLang="en-US"/>
+              </a:p>
+            </p:txBody>
+          </p:sp>
+          <p:sp>
+            <p:nvSpPr>
+              <p:cNvPr id="45" name="Freeform 15"/>
+              <p:cNvSpPr>
+                <a:spLocks/>
+              </p:cNvSpPr>
+              <p:nvPr/>
+            </p:nvSpPr>
+            <p:spPr bwMode="auto">
+              <a:xfrm>
+                <a:off x="1624" y="1386"/>
+                <a:ext cx="48" cy="56"/>
+              </a:xfrm>
+              <a:custGeom>
+                <a:avLst/>
+                <a:gdLst>
+                  <a:gd name="T0" fmla="*/ 48 w 48"/>
+                  <a:gd name="T1" fmla="*/ 56 h 56"/>
+                  <a:gd name="T2" fmla="*/ 0 w 48"/>
+                  <a:gd name="T3" fmla="*/ 56 h 56"/>
+                  <a:gd name="T4" fmla="*/ 0 w 48"/>
+                  <a:gd name="T5" fmla="*/ 5 h 56"/>
+                  <a:gd name="T6" fmla="*/ 2 w 48"/>
+                  <a:gd name="T7" fmla="*/ 2 h 56"/>
+                  <a:gd name="T8" fmla="*/ 5 w 48"/>
+                  <a:gd name="T9" fmla="*/ 0 h 56"/>
+                  <a:gd name="T10" fmla="*/ 43 w 48"/>
+                  <a:gd name="T11" fmla="*/ 0 h 56"/>
+                  <a:gd name="T12" fmla="*/ 47 w 48"/>
+                  <a:gd name="T13" fmla="*/ 2 h 56"/>
+                  <a:gd name="T14" fmla="*/ 48 w 48"/>
+                  <a:gd name="T15" fmla="*/ 5 h 56"/>
+                  <a:gd name="T16" fmla="*/ 48 w 48"/>
+                  <a:gd name="T17" fmla="*/ 56 h 56"/>
+                </a:gdLst>
+                <a:ahLst/>
+                <a:cxnLst>
+                  <a:cxn ang="0">
+                    <a:pos x="T0" y="T1"/>
+                  </a:cxn>
+                  <a:cxn ang="0">
+                    <a:pos x="T2" y="T3"/>
+                  </a:cxn>
+                  <a:cxn ang="0">
+                    <a:pos x="T4" y="T5"/>
+                  </a:cxn>
+                  <a:cxn ang="0">
+                    <a:pos x="T6" y="T7"/>
+                  </a:cxn>
+                  <a:cxn ang="0">
+                    <a:pos x="T8" y="T9"/>
+                  </a:cxn>
+                  <a:cxn ang="0">
+                    <a:pos x="T10" y="T11"/>
+                  </a:cxn>
+                  <a:cxn ang="0">
+                    <a:pos x="T12" y="T13"/>
+                  </a:cxn>
+                  <a:cxn ang="0">
+                    <a:pos x="T14" y="T15"/>
+                  </a:cxn>
+                  <a:cxn ang="0">
+                    <a:pos x="T16" y="T17"/>
+                  </a:cxn>
+                </a:cxnLst>
+                <a:rect l="0" t="0" r="r" b="b"/>
+                <a:pathLst>
+                  <a:path w="48" h="56">
+                    <a:moveTo>
+                      <a:pt x="48" y="56"/>
+                    </a:moveTo>
+                    <a:cubicBezTo>
+                      <a:pt x="0" y="56"/>
+                      <a:pt x="0" y="56"/>
+                      <a:pt x="0" y="56"/>
+                    </a:cubicBezTo>
+                    <a:cubicBezTo>
+                      <a:pt x="0" y="5"/>
+                      <a:pt x="0" y="5"/>
+                      <a:pt x="0" y="5"/>
+                    </a:cubicBezTo>
+                    <a:cubicBezTo>
+                      <a:pt x="0" y="4"/>
+                      <a:pt x="1" y="3"/>
+                      <a:pt x="2" y="2"/>
+                    </a:cubicBezTo>
+                    <a:cubicBezTo>
+                      <a:pt x="3" y="1"/>
+                      <a:pt x="4" y="0"/>
+                      <a:pt x="5" y="0"/>
+                    </a:cubicBezTo>
+                    <a:cubicBezTo>
+                      <a:pt x="43" y="0"/>
+                      <a:pt x="43" y="0"/>
+                      <a:pt x="43" y="0"/>
+                    </a:cubicBezTo>
+                    <a:cubicBezTo>
+                      <a:pt x="44" y="0"/>
+                      <a:pt x="46" y="1"/>
+                      <a:pt x="47" y="2"/>
+                    </a:cubicBezTo>
+                    <a:cubicBezTo>
+                      <a:pt x="48" y="3"/>
+                      <a:pt x="48" y="4"/>
+                      <a:pt x="48" y="5"/>
+                    </a:cubicBezTo>
+                    <a:cubicBezTo>
+                      <a:pt x="48" y="56"/>
+                      <a:pt x="48" y="56"/>
+                      <a:pt x="48" y="56"/>
+                    </a:cubicBezTo>
+                    <a:close/>
+                  </a:path>
+                </a:pathLst>
+              </a:custGeom>
+              <a:grpFill/>
+              <a:ln>
+                <a:noFill/>
+              </a:ln>
+              <a:extLst>
+                <a:ext uri="{91240B29-F687-4F45-9708-019B960494DF}">
+                  <a14:hiddenLine xmlns:a14="http://schemas.microsoft.com/office/drawing/2010/main" w="9525">
+                    <a:solidFill>
+                      <a:srgbClr val="000000"/>
+                    </a:solidFill>
+                    <a:round/>
+                    <a:headEnd/>
+                    <a:tailEnd/>
+                  </a14:hiddenLine>
+                </a:ext>
+              </a:extLst>
+            </p:spPr>
+            <p:txBody>
+              <a:bodyPr vert="horz" wrap="square" lIns="91440" tIns="45720" rIns="91440" bIns="45720" numCol="1" anchor="t" anchorCtr="0" compatLnSpc="1">
+                <a:prstTxWarp prst="textNoShape">
+                  <a:avLst/>
+                </a:prstTxWarp>
+              </a:bodyPr>
+              <a:lstStyle/>
+              <a:p>
+                <a:endParaRPr lang="zh-CN" altLang="en-US"/>
+              </a:p>
+            </p:txBody>
+          </p:sp>
+          <p:sp>
+            <p:nvSpPr>
+              <p:cNvPr id="46" name="Freeform 16"/>
+              <p:cNvSpPr>
+                <a:spLocks/>
+              </p:cNvSpPr>
+              <p:nvPr/>
+            </p:nvSpPr>
+            <p:spPr bwMode="auto">
+              <a:xfrm>
+                <a:off x="1723" y="1314"/>
+                <a:ext cx="47" cy="128"/>
+              </a:xfrm>
+              <a:custGeom>
+                <a:avLst/>
+                <a:gdLst>
+                  <a:gd name="T0" fmla="*/ 47 w 47"/>
+                  <a:gd name="T1" fmla="*/ 128 h 128"/>
+                  <a:gd name="T2" fmla="*/ 0 w 47"/>
+                  <a:gd name="T3" fmla="*/ 128 h 128"/>
+                  <a:gd name="T4" fmla="*/ 0 w 47"/>
+                  <a:gd name="T5" fmla="*/ 5 h 128"/>
+                  <a:gd name="T6" fmla="*/ 1 w 47"/>
+                  <a:gd name="T7" fmla="*/ 2 h 128"/>
+                  <a:gd name="T8" fmla="*/ 5 w 47"/>
+                  <a:gd name="T9" fmla="*/ 0 h 128"/>
+                  <a:gd name="T10" fmla="*/ 42 w 47"/>
+                  <a:gd name="T11" fmla="*/ 0 h 128"/>
+                  <a:gd name="T12" fmla="*/ 46 w 47"/>
+                  <a:gd name="T13" fmla="*/ 2 h 128"/>
+                  <a:gd name="T14" fmla="*/ 47 w 47"/>
+                  <a:gd name="T15" fmla="*/ 5 h 128"/>
+                  <a:gd name="T16" fmla="*/ 47 w 47"/>
+                  <a:gd name="T17" fmla="*/ 128 h 128"/>
+                </a:gdLst>
+                <a:ahLst/>
+                <a:cxnLst>
+                  <a:cxn ang="0">
+                    <a:pos x="T0" y="T1"/>
+                  </a:cxn>
+                  <a:cxn ang="0">
+                    <a:pos x="T2" y="T3"/>
+                  </a:cxn>
+                  <a:cxn ang="0">
+                    <a:pos x="T4" y="T5"/>
+                  </a:cxn>
+                  <a:cxn ang="0">
+                    <a:pos x="T6" y="T7"/>
+                  </a:cxn>
+                  <a:cxn ang="0">
+                    <a:pos x="T8" y="T9"/>
+                  </a:cxn>
+                  <a:cxn ang="0">
+                    <a:pos x="T10" y="T11"/>
+                  </a:cxn>
+                  <a:cxn ang="0">
+                    <a:pos x="T12" y="T13"/>
+                  </a:cxn>
+                  <a:cxn ang="0">
+                    <a:pos x="T14" y="T15"/>
+                  </a:cxn>
+                  <a:cxn ang="0">
+                    <a:pos x="T16" y="T17"/>
+                  </a:cxn>
+                </a:cxnLst>
+                <a:rect l="0" t="0" r="r" b="b"/>
+                <a:pathLst>
+                  <a:path w="47" h="128">
+                    <a:moveTo>
+                      <a:pt x="47" y="128"/>
+                    </a:moveTo>
+                    <a:cubicBezTo>
+                      <a:pt x="0" y="128"/>
+                      <a:pt x="0" y="128"/>
+                      <a:pt x="0" y="128"/>
+                    </a:cubicBezTo>
+                    <a:cubicBezTo>
+                      <a:pt x="0" y="5"/>
+                      <a:pt x="0" y="5"/>
+                      <a:pt x="0" y="5"/>
+                    </a:cubicBezTo>
+                    <a:cubicBezTo>
+                      <a:pt x="0" y="4"/>
+                      <a:pt x="0" y="3"/>
+                      <a:pt x="1" y="2"/>
+                    </a:cubicBezTo>
+                    <a:cubicBezTo>
+                      <a:pt x="2" y="1"/>
+                      <a:pt x="3" y="0"/>
+                      <a:pt x="5" y="0"/>
+                    </a:cubicBezTo>
+                    <a:cubicBezTo>
+                      <a:pt x="42" y="0"/>
+                      <a:pt x="42" y="0"/>
+                      <a:pt x="42" y="0"/>
+                    </a:cubicBezTo>
+                    <a:cubicBezTo>
+                      <a:pt x="44" y="0"/>
+                      <a:pt x="45" y="1"/>
+                      <a:pt x="46" y="2"/>
+                    </a:cubicBezTo>
+                    <a:cubicBezTo>
+                      <a:pt x="47" y="3"/>
+                      <a:pt x="47" y="4"/>
+                      <a:pt x="47" y="5"/>
+                    </a:cubicBezTo>
+                    <a:lnTo>
+                      <a:pt x="47" y="128"/>
+                    </a:lnTo>
+                    <a:close/>
+                  </a:path>
+                </a:pathLst>
+              </a:custGeom>
+              <a:grpFill/>
+              <a:ln>
+                <a:noFill/>
+              </a:ln>
+              <a:extLst>
+                <a:ext uri="{91240B29-F687-4F45-9708-019B960494DF}">
+                  <a14:hiddenLine xmlns:a14="http://schemas.microsoft.com/office/drawing/2010/main" w="9525">
+                    <a:solidFill>
+                      <a:srgbClr val="000000"/>
+                    </a:solidFill>
+                    <a:round/>
+                    <a:headEnd/>
+                    <a:tailEnd/>
+                  </a14:hiddenLine>
+                </a:ext>
+              </a:extLst>
+            </p:spPr>
+            <p:txBody>
+              <a:bodyPr vert="horz" wrap="square" lIns="91440" tIns="45720" rIns="91440" bIns="45720" numCol="1" anchor="t" anchorCtr="0" compatLnSpc="1">
+                <a:prstTxWarp prst="textNoShape">
+                  <a:avLst/>
+                </a:prstTxWarp>
+              </a:bodyPr>
+              <a:lstStyle/>
+              <a:p>
+                <a:endParaRPr lang="zh-CN" altLang="en-US"/>
+              </a:p>
+            </p:txBody>
+          </p:sp>
+          <p:sp>
+            <p:nvSpPr>
+              <p:cNvPr id="47" name="Freeform 17"/>
+              <p:cNvSpPr>
+                <a:spLocks/>
+              </p:cNvSpPr>
+              <p:nvPr/>
+            </p:nvSpPr>
+            <p:spPr bwMode="auto">
+              <a:xfrm>
+                <a:off x="1821" y="1353"/>
+                <a:ext cx="48" cy="89"/>
+              </a:xfrm>
+              <a:custGeom>
+                <a:avLst/>
+                <a:gdLst>
+                  <a:gd name="T0" fmla="*/ 48 w 48"/>
+                  <a:gd name="T1" fmla="*/ 89 h 89"/>
+                  <a:gd name="T2" fmla="*/ 0 w 48"/>
+                  <a:gd name="T3" fmla="*/ 89 h 89"/>
+                  <a:gd name="T4" fmla="*/ 0 w 48"/>
+                  <a:gd name="T5" fmla="*/ 6 h 89"/>
+                  <a:gd name="T6" fmla="*/ 1 w 48"/>
+                  <a:gd name="T7" fmla="*/ 2 h 89"/>
+                  <a:gd name="T8" fmla="*/ 5 w 48"/>
+                  <a:gd name="T9" fmla="*/ 0 h 89"/>
+                  <a:gd name="T10" fmla="*/ 43 w 48"/>
+                  <a:gd name="T11" fmla="*/ 0 h 89"/>
+                  <a:gd name="T12" fmla="*/ 46 w 48"/>
+                  <a:gd name="T13" fmla="*/ 2 h 89"/>
+                  <a:gd name="T14" fmla="*/ 48 w 48"/>
+                  <a:gd name="T15" fmla="*/ 6 h 89"/>
+                  <a:gd name="T16" fmla="*/ 48 w 48"/>
+                  <a:gd name="T17" fmla="*/ 89 h 89"/>
+                </a:gdLst>
+                <a:ahLst/>
+                <a:cxnLst>
+                  <a:cxn ang="0">
+                    <a:pos x="T0" y="T1"/>
+                  </a:cxn>
+                  <a:cxn ang="0">
+                    <a:pos x="T2" y="T3"/>
+                  </a:cxn>
+                  <a:cxn ang="0">
+                    <a:pos x="T4" y="T5"/>
+                  </a:cxn>
+                  <a:cxn ang="0">
+                    <a:pos x="T6" y="T7"/>
+                  </a:cxn>
+                  <a:cxn ang="0">
+                    <a:pos x="T8" y="T9"/>
+                  </a:cxn>
+                  <a:cxn ang="0">
+                    <a:pos x="T10" y="T11"/>
+                  </a:cxn>
+                  <a:cxn ang="0">
+                    <a:pos x="T12" y="T13"/>
+                  </a:cxn>
+                  <a:cxn ang="0">
+                    <a:pos x="T14" y="T15"/>
+                  </a:cxn>
+                  <a:cxn ang="0">
+                    <a:pos x="T16" y="T17"/>
+                  </a:cxn>
+                </a:cxnLst>
+                <a:rect l="0" t="0" r="r" b="b"/>
+                <a:pathLst>
+                  <a:path w="48" h="89">
+                    <a:moveTo>
+                      <a:pt x="48" y="89"/>
+                    </a:moveTo>
+                    <a:cubicBezTo>
+                      <a:pt x="0" y="89"/>
+                      <a:pt x="0" y="89"/>
+                      <a:pt x="0" y="89"/>
+                    </a:cubicBezTo>
+                    <a:cubicBezTo>
+                      <a:pt x="0" y="6"/>
+                      <a:pt x="0" y="6"/>
+                      <a:pt x="0" y="6"/>
+                    </a:cubicBezTo>
+                    <a:cubicBezTo>
+                      <a:pt x="0" y="4"/>
+                      <a:pt x="0" y="3"/>
+                      <a:pt x="1" y="2"/>
+                    </a:cubicBezTo>
+                    <a:cubicBezTo>
+                      <a:pt x="2" y="1"/>
+                      <a:pt x="4" y="0"/>
+                      <a:pt x="5" y="0"/>
+                    </a:cubicBezTo>
+                    <a:cubicBezTo>
+                      <a:pt x="43" y="0"/>
+                      <a:pt x="43" y="0"/>
+                      <a:pt x="43" y="0"/>
+                    </a:cubicBezTo>
+                    <a:cubicBezTo>
+                      <a:pt x="44" y="0"/>
+                      <a:pt x="45" y="1"/>
+                      <a:pt x="46" y="2"/>
+                    </a:cubicBezTo>
+                    <a:cubicBezTo>
+                      <a:pt x="47" y="3"/>
+                      <a:pt x="48" y="4"/>
+                      <a:pt x="48" y="6"/>
+                    </a:cubicBezTo>
+                    <a:cubicBezTo>
+                      <a:pt x="48" y="89"/>
+                      <a:pt x="48" y="89"/>
+                      <a:pt x="48" y="89"/>
+                    </a:cubicBezTo>
+                    <a:close/>
+                  </a:path>
+                </a:pathLst>
+              </a:custGeom>
+              <a:grpFill/>
+              <a:ln>
+                <a:noFill/>
+              </a:ln>
+              <a:extLst>
+                <a:ext uri="{91240B29-F687-4F45-9708-019B960494DF}">
+                  <a14:hiddenLine xmlns:a14="http://schemas.microsoft.com/office/drawing/2010/main" w="9525">
+                    <a:solidFill>
+                      <a:srgbClr val="000000"/>
+                    </a:solidFill>
+                    <a:round/>
+                    <a:headEnd/>
+                    <a:tailEnd/>
+                  </a14:hiddenLine>
+                </a:ext>
+              </a:extLst>
+            </p:spPr>
+            <p:txBody>
+              <a:bodyPr vert="horz" wrap="square" lIns="91440" tIns="45720" rIns="91440" bIns="45720" numCol="1" anchor="t" anchorCtr="0" compatLnSpc="1">
+                <a:prstTxWarp prst="textNoShape">
+                  <a:avLst/>
+                </a:prstTxWarp>
+              </a:bodyPr>
+              <a:lstStyle/>
+              <a:p>
+                <a:endParaRPr lang="zh-CN" altLang="en-US"/>
+              </a:p>
+            </p:txBody>
+          </p:sp>
+          <p:sp>
+            <p:nvSpPr>
+              <p:cNvPr id="48" name="Freeform 18"/>
+              <p:cNvSpPr>
+                <a:spLocks/>
+              </p:cNvSpPr>
+              <p:nvPr/>
+            </p:nvSpPr>
+            <p:spPr bwMode="auto">
+              <a:xfrm>
+                <a:off x="1901" y="1205"/>
+                <a:ext cx="84" cy="237"/>
+              </a:xfrm>
+              <a:custGeom>
+                <a:avLst/>
+                <a:gdLst>
+                  <a:gd name="T0" fmla="*/ 79 w 84"/>
+                  <a:gd name="T1" fmla="*/ 64 h 237"/>
+                  <a:gd name="T2" fmla="*/ 84 w 84"/>
+                  <a:gd name="T3" fmla="*/ 62 h 237"/>
+                  <a:gd name="T4" fmla="*/ 83 w 84"/>
+                  <a:gd name="T5" fmla="*/ 56 h 237"/>
+                  <a:gd name="T6" fmla="*/ 46 w 84"/>
+                  <a:gd name="T7" fmla="*/ 2 h 237"/>
+                  <a:gd name="T8" fmla="*/ 42 w 84"/>
+                  <a:gd name="T9" fmla="*/ 0 h 237"/>
+                  <a:gd name="T10" fmla="*/ 38 w 84"/>
+                  <a:gd name="T11" fmla="*/ 2 h 237"/>
+                  <a:gd name="T12" fmla="*/ 1 w 84"/>
+                  <a:gd name="T13" fmla="*/ 56 h 237"/>
+                  <a:gd name="T14" fmla="*/ 1 w 84"/>
+                  <a:gd name="T15" fmla="*/ 62 h 237"/>
+                  <a:gd name="T16" fmla="*/ 5 w 84"/>
+                  <a:gd name="T17" fmla="*/ 64 h 237"/>
+                  <a:gd name="T18" fmla="*/ 18 w 84"/>
+                  <a:gd name="T19" fmla="*/ 64 h 237"/>
+                  <a:gd name="T20" fmla="*/ 18 w 84"/>
+                  <a:gd name="T21" fmla="*/ 237 h 237"/>
+                  <a:gd name="T22" fmla="*/ 66 w 84"/>
+                  <a:gd name="T23" fmla="*/ 237 h 237"/>
+                  <a:gd name="T24" fmla="*/ 66 w 84"/>
+                  <a:gd name="T25" fmla="*/ 64 h 237"/>
+                  <a:gd name="T26" fmla="*/ 79 w 84"/>
+                  <a:gd name="T27" fmla="*/ 64 h 237"/>
+                </a:gdLst>
+                <a:ahLst/>
+                <a:cxnLst>
+                  <a:cxn ang="0">
+                    <a:pos x="T0" y="T1"/>
+                  </a:cxn>
+                  <a:cxn ang="0">
+                    <a:pos x="T2" y="T3"/>
+                  </a:cxn>
+                  <a:cxn ang="0">
+                    <a:pos x="T4" y="T5"/>
+                  </a:cxn>
+                  <a:cxn ang="0">
+                    <a:pos x="T6" y="T7"/>
+                  </a:cxn>
+                  <a:cxn ang="0">
+                    <a:pos x="T8" y="T9"/>
+                  </a:cxn>
+                  <a:cxn ang="0">
+                    <a:pos x="T10" y="T11"/>
+                  </a:cxn>
+                  <a:cxn ang="0">
+                    <a:pos x="T12" y="T13"/>
+                  </a:cxn>
+                  <a:cxn ang="0">
+                    <a:pos x="T14" y="T15"/>
+                  </a:cxn>
+                  <a:cxn ang="0">
+                    <a:pos x="T16" y="T17"/>
+                  </a:cxn>
+                  <a:cxn ang="0">
+                    <a:pos x="T18" y="T19"/>
+                  </a:cxn>
+                  <a:cxn ang="0">
+                    <a:pos x="T20" y="T21"/>
+                  </a:cxn>
+                  <a:cxn ang="0">
+                    <a:pos x="T22" y="T23"/>
+                  </a:cxn>
+                  <a:cxn ang="0">
+                    <a:pos x="T24" y="T25"/>
+                  </a:cxn>
+                  <a:cxn ang="0">
+                    <a:pos x="T26" y="T27"/>
+                  </a:cxn>
+                </a:cxnLst>
+                <a:rect l="0" t="0" r="r" b="b"/>
+                <a:pathLst>
+                  <a:path w="84" h="237">
+                    <a:moveTo>
+                      <a:pt x="79" y="64"/>
+                    </a:moveTo>
+                    <a:cubicBezTo>
+                      <a:pt x="81" y="64"/>
+                      <a:pt x="83" y="63"/>
+                      <a:pt x="84" y="62"/>
+                    </a:cubicBezTo>
+                    <a:cubicBezTo>
+                      <a:pt x="84" y="60"/>
+                      <a:pt x="84" y="58"/>
+                      <a:pt x="83" y="56"/>
+                    </a:cubicBezTo>
+                    <a:cubicBezTo>
+                      <a:pt x="46" y="2"/>
+                      <a:pt x="46" y="2"/>
+                      <a:pt x="46" y="2"/>
+                    </a:cubicBezTo>
+                    <a:cubicBezTo>
+                      <a:pt x="45" y="1"/>
+                      <a:pt x="44" y="0"/>
+                      <a:pt x="42" y="0"/>
+                    </a:cubicBezTo>
+                    <a:cubicBezTo>
+                      <a:pt x="40" y="0"/>
+                      <a:pt x="39" y="1"/>
+                      <a:pt x="38" y="2"/>
+                    </a:cubicBezTo>
+                    <a:cubicBezTo>
+                      <a:pt x="1" y="56"/>
+                      <a:pt x="1" y="56"/>
+                      <a:pt x="1" y="56"/>
+                    </a:cubicBezTo>
+                    <a:cubicBezTo>
+                      <a:pt x="0" y="58"/>
+                      <a:pt x="0" y="60"/>
+                      <a:pt x="1" y="62"/>
+                    </a:cubicBezTo>
+                    <a:cubicBezTo>
+                      <a:pt x="1" y="63"/>
+                      <a:pt x="3" y="64"/>
+                      <a:pt x="5" y="64"/>
+                    </a:cubicBezTo>
+                    <a:cubicBezTo>
+                      <a:pt x="18" y="64"/>
+                      <a:pt x="18" y="64"/>
+                      <a:pt x="18" y="64"/>
+                    </a:cubicBezTo>
+                    <a:cubicBezTo>
+                      <a:pt x="18" y="237"/>
+                      <a:pt x="18" y="237"/>
+                      <a:pt x="18" y="237"/>
+                    </a:cubicBezTo>
+                    <a:cubicBezTo>
+                      <a:pt x="66" y="237"/>
+                      <a:pt x="66" y="237"/>
+                      <a:pt x="66" y="237"/>
+                    </a:cubicBezTo>
+                    <a:cubicBezTo>
+                      <a:pt x="66" y="64"/>
+                      <a:pt x="66" y="64"/>
+                      <a:pt x="66" y="64"/>
+                    </a:cubicBezTo>
+                    <a:lnTo>
+                      <a:pt x="79" y="64"/>
+                    </a:lnTo>
+                    <a:close/>
+                  </a:path>
+                </a:pathLst>
+              </a:custGeom>
+              <a:grpFill/>
+              <a:ln>
+                <a:noFill/>
+              </a:ln>
+              <a:extLst>
+                <a:ext uri="{91240B29-F687-4F45-9708-019B960494DF}">
+                  <a14:hiddenLine xmlns:a14="http://schemas.microsoft.com/office/drawing/2010/main" w="9525">
+                    <a:solidFill>
+                      <a:srgbClr val="000000"/>
+                    </a:solidFill>
+                    <a:round/>
+                    <a:headEnd/>
+                    <a:tailEnd/>
+                  </a14:hiddenLine>
+                </a:ext>
+              </a:extLst>
+            </p:spPr>
+            <p:txBody>
+              <a:bodyPr vert="horz" wrap="square" lIns="91440" tIns="45720" rIns="91440" bIns="45720" numCol="1" anchor="t" anchorCtr="0" compatLnSpc="1">
+                <a:prstTxWarp prst="textNoShape">
+                  <a:avLst/>
+                </a:prstTxWarp>
+              </a:bodyPr>
+              <a:lstStyle/>
+              <a:p>
+                <a:endParaRPr lang="zh-CN" altLang="en-US"/>
+              </a:p>
+            </p:txBody>
+          </p:sp>
+          <p:sp>
+            <p:nvSpPr>
+              <p:cNvPr id="49" name="Freeform 19"/>
+              <p:cNvSpPr>
+                <a:spLocks/>
+              </p:cNvSpPr>
+              <p:nvPr/>
+            </p:nvSpPr>
+            <p:spPr bwMode="auto">
+              <a:xfrm>
+                <a:off x="1552" y="1187"/>
+                <a:ext cx="510" cy="276"/>
+              </a:xfrm>
+              <a:custGeom>
+                <a:avLst/>
+                <a:gdLst>
+                  <a:gd name="T0" fmla="*/ 8 w 512"/>
+                  <a:gd name="T1" fmla="*/ 268 h 276"/>
+                  <a:gd name="T2" fmla="*/ 8 w 512"/>
+                  <a:gd name="T3" fmla="*/ 4 h 276"/>
+                  <a:gd name="T4" fmla="*/ 7 w 512"/>
+                  <a:gd name="T5" fmla="*/ 1 h 276"/>
+                  <a:gd name="T6" fmla="*/ 4 w 512"/>
+                  <a:gd name="T7" fmla="*/ 0 h 276"/>
+                  <a:gd name="T8" fmla="*/ 4 w 512"/>
+                  <a:gd name="T9" fmla="*/ 0 h 276"/>
+                  <a:gd name="T10" fmla="*/ 1 w 512"/>
+                  <a:gd name="T11" fmla="*/ 1 h 276"/>
+                  <a:gd name="T12" fmla="*/ 0 w 512"/>
+                  <a:gd name="T13" fmla="*/ 4 h 276"/>
+                  <a:gd name="T14" fmla="*/ 0 w 512"/>
+                  <a:gd name="T15" fmla="*/ 276 h 276"/>
+                  <a:gd name="T16" fmla="*/ 508 w 512"/>
+                  <a:gd name="T17" fmla="*/ 276 h 276"/>
+                  <a:gd name="T18" fmla="*/ 511 w 512"/>
+                  <a:gd name="T19" fmla="*/ 275 h 276"/>
+                  <a:gd name="T20" fmla="*/ 512 w 512"/>
+                  <a:gd name="T21" fmla="*/ 272 h 276"/>
+                  <a:gd name="T22" fmla="*/ 512 w 512"/>
+                  <a:gd name="T23" fmla="*/ 272 h 276"/>
+                  <a:gd name="T24" fmla="*/ 511 w 512"/>
+                  <a:gd name="T25" fmla="*/ 269 h 276"/>
+                  <a:gd name="T26" fmla="*/ 508 w 512"/>
+                  <a:gd name="T27" fmla="*/ 268 h 276"/>
+                  <a:gd name="T28" fmla="*/ 8 w 512"/>
+                  <a:gd name="T29" fmla="*/ 268 h 276"/>
+                </a:gdLst>
+                <a:ahLst/>
+                <a:cxnLst>
+                  <a:cxn ang="0">
+                    <a:pos x="T0" y="T1"/>
+                  </a:cxn>
+                  <a:cxn ang="0">
+                    <a:pos x="T2" y="T3"/>
+                  </a:cxn>
+                  <a:cxn ang="0">
+                    <a:pos x="T4" y="T5"/>
+                  </a:cxn>
+                  <a:cxn ang="0">
+                    <a:pos x="T6" y="T7"/>
+                  </a:cxn>
+                  <a:cxn ang="0">
+                    <a:pos x="T8" y="T9"/>
+                  </a:cxn>
+                  <a:cxn ang="0">
+                    <a:pos x="T10" y="T11"/>
+                  </a:cxn>
+                  <a:cxn ang="0">
+                    <a:pos x="T12" y="T13"/>
+                  </a:cxn>
+                  <a:cxn ang="0">
+                    <a:pos x="T14" y="T15"/>
+                  </a:cxn>
+                  <a:cxn ang="0">
+                    <a:pos x="T16" y="T17"/>
+                  </a:cxn>
+                  <a:cxn ang="0">
+                    <a:pos x="T18" y="T19"/>
+                  </a:cxn>
+                  <a:cxn ang="0">
+                    <a:pos x="T20" y="T21"/>
+                  </a:cxn>
+                  <a:cxn ang="0">
+                    <a:pos x="T22" y="T23"/>
+                  </a:cxn>
+                  <a:cxn ang="0">
+                    <a:pos x="T24" y="T25"/>
+                  </a:cxn>
+                  <a:cxn ang="0">
+                    <a:pos x="T26" y="T27"/>
+                  </a:cxn>
+                  <a:cxn ang="0">
+                    <a:pos x="T28" y="T29"/>
+                  </a:cxn>
+                </a:cxnLst>
+                <a:rect l="0" t="0" r="r" b="b"/>
+                <a:pathLst>
+                  <a:path w="512" h="276">
+                    <a:moveTo>
+                      <a:pt x="8" y="268"/>
+                    </a:moveTo>
+                    <a:cubicBezTo>
+                      <a:pt x="8" y="4"/>
+                      <a:pt x="8" y="4"/>
+                      <a:pt x="8" y="4"/>
+                    </a:cubicBezTo>
+                    <a:cubicBezTo>
+                      <a:pt x="8" y="3"/>
+                      <a:pt x="8" y="2"/>
+                      <a:pt x="7" y="1"/>
+                    </a:cubicBezTo>
+                    <a:cubicBezTo>
+                      <a:pt x="6" y="1"/>
+                      <a:pt x="5" y="0"/>
+                      <a:pt x="4" y="0"/>
+                    </a:cubicBezTo>
+                    <a:cubicBezTo>
+                      <a:pt x="4" y="0"/>
+                      <a:pt x="4" y="0"/>
+                      <a:pt x="4" y="0"/>
+                    </a:cubicBezTo>
+                    <a:cubicBezTo>
+                      <a:pt x="3" y="0"/>
+                      <a:pt x="2" y="1"/>
+                      <a:pt x="1" y="1"/>
+                    </a:cubicBezTo>
+                    <a:cubicBezTo>
+                      <a:pt x="0" y="2"/>
+                      <a:pt x="0" y="3"/>
+                      <a:pt x="0" y="4"/>
+                    </a:cubicBezTo>
+                    <a:cubicBezTo>
+                      <a:pt x="0" y="276"/>
+                      <a:pt x="0" y="276"/>
+                      <a:pt x="0" y="276"/>
+                    </a:cubicBezTo>
+                    <a:cubicBezTo>
+                      <a:pt x="508" y="276"/>
+                      <a:pt x="508" y="276"/>
+                      <a:pt x="508" y="276"/>
+                    </a:cubicBezTo>
+                    <a:cubicBezTo>
+                      <a:pt x="509" y="276"/>
+                      <a:pt x="510" y="276"/>
+                      <a:pt x="511" y="275"/>
+                    </a:cubicBezTo>
+                    <a:cubicBezTo>
+                      <a:pt x="512" y="274"/>
+                      <a:pt x="512" y="273"/>
+                      <a:pt x="512" y="272"/>
+                    </a:cubicBezTo>
+                    <a:cubicBezTo>
+                      <a:pt x="512" y="272"/>
+                      <a:pt x="512" y="272"/>
+                      <a:pt x="512" y="272"/>
+                    </a:cubicBezTo>
+                    <a:cubicBezTo>
+                      <a:pt x="512" y="271"/>
+                      <a:pt x="512" y="270"/>
+                      <a:pt x="511" y="269"/>
+                    </a:cubicBezTo>
+                    <a:cubicBezTo>
+                      <a:pt x="510" y="268"/>
+                      <a:pt x="509" y="268"/>
+                      <a:pt x="508" y="268"/>
+                    </a:cubicBezTo>
+                    <a:cubicBezTo>
+                      <a:pt x="8" y="268"/>
+                      <a:pt x="8" y="268"/>
+                      <a:pt x="8" y="268"/>
+                    </a:cubicBezTo>
+                    <a:close/>
+                  </a:path>
+                </a:pathLst>
+              </a:custGeom>
+              <a:grpFill/>
+              <a:ln>
+                <a:noFill/>
+              </a:ln>
+              <a:extLst>
+                <a:ext uri="{91240B29-F687-4F45-9708-019B960494DF}">
+                  <a14:hiddenLine xmlns:a14="http://schemas.microsoft.com/office/drawing/2010/main" w="9525">
+                    <a:solidFill>
+                      <a:srgbClr val="000000"/>
+                    </a:solidFill>
+                    <a:round/>
+                    <a:headEnd/>
+                    <a:tailEnd/>
+                  </a14:hiddenLine>
+                </a:ext>
+              </a:extLst>
+            </p:spPr>
+            <p:txBody>
+              <a:bodyPr vert="horz" wrap="square" lIns="91440" tIns="45720" rIns="91440" bIns="45720" numCol="1" anchor="t" anchorCtr="0" compatLnSpc="1">
+                <a:prstTxWarp prst="textNoShape">
+                  <a:avLst/>
+                </a:prstTxWarp>
+              </a:bodyPr>
+              <a:lstStyle/>
+              <a:p>
+                <a:endParaRPr lang="zh-CN" altLang="en-US"/>
+              </a:p>
+            </p:txBody>
+          </p:sp>
+        </p:grpSp>
+        <p:grpSp>
+          <p:nvGrpSpPr>
+            <p:cNvPr id="28" name="Group 11"/>
+            <p:cNvGrpSpPr>
+              <a:grpSpLocks noChangeAspect="1"/>
+            </p:cNvGrpSpPr>
+            <p:nvPr/>
+          </p:nvGrpSpPr>
+          <p:grpSpPr bwMode="auto">
+            <a:xfrm>
+              <a:off x="9230226" y="2948007"/>
+              <a:ext cx="2578690" cy="1830871"/>
+              <a:chOff x="1407" y="1098"/>
+              <a:chExt cx="800" cy="568"/>
+            </a:xfrm>
+            <a:grpFill/>
+          </p:grpSpPr>
+          <p:sp>
+            <p:nvSpPr>
+              <p:cNvPr id="34" name="Freeform 12"/>
+              <p:cNvSpPr>
+                <a:spLocks noEditPoints="1"/>
+              </p:cNvSpPr>
+              <p:nvPr/>
+            </p:nvSpPr>
+            <p:spPr bwMode="auto">
+              <a:xfrm>
+                <a:off x="1494" y="1098"/>
+                <a:ext cx="626" cy="423"/>
+              </a:xfrm>
+              <a:custGeom>
+                <a:avLst/>
+                <a:gdLst>
+                  <a:gd name="T0" fmla="*/ 621 w 628"/>
+                  <a:gd name="T1" fmla="*/ 7 h 423"/>
+                  <a:gd name="T2" fmla="*/ 605 w 628"/>
+                  <a:gd name="T3" fmla="*/ 0 h 423"/>
+                  <a:gd name="T4" fmla="*/ 23 w 628"/>
+                  <a:gd name="T5" fmla="*/ 0 h 423"/>
+                  <a:gd name="T6" fmla="*/ 7 w 628"/>
+                  <a:gd name="T7" fmla="*/ 7 h 423"/>
+                  <a:gd name="T8" fmla="*/ 0 w 628"/>
+                  <a:gd name="T9" fmla="*/ 23 h 423"/>
+                  <a:gd name="T10" fmla="*/ 0 w 628"/>
+                  <a:gd name="T11" fmla="*/ 423 h 423"/>
+                  <a:gd name="T12" fmla="*/ 628 w 628"/>
+                  <a:gd name="T13" fmla="*/ 423 h 423"/>
+                  <a:gd name="T14" fmla="*/ 628 w 628"/>
+                  <a:gd name="T15" fmla="*/ 23 h 423"/>
+                  <a:gd name="T16" fmla="*/ 621 w 628"/>
+                  <a:gd name="T17" fmla="*/ 7 h 423"/>
+                  <a:gd name="T18" fmla="*/ 314 w 628"/>
+                  <a:gd name="T19" fmla="*/ 13 h 423"/>
+                  <a:gd name="T20" fmla="*/ 321 w 628"/>
+                  <a:gd name="T21" fmla="*/ 20 h 423"/>
+                  <a:gd name="T22" fmla="*/ 314 w 628"/>
+                  <a:gd name="T23" fmla="*/ 27 h 423"/>
+                  <a:gd name="T24" fmla="*/ 307 w 628"/>
+                  <a:gd name="T25" fmla="*/ 20 h 423"/>
+                  <a:gd name="T26" fmla="*/ 314 w 628"/>
+                  <a:gd name="T27" fmla="*/ 13 h 423"/>
+                  <a:gd name="T28" fmla="*/ 587 w 628"/>
+                  <a:gd name="T29" fmla="*/ 382 h 423"/>
+                  <a:gd name="T30" fmla="*/ 41 w 628"/>
+                  <a:gd name="T31" fmla="*/ 382 h 423"/>
+                  <a:gd name="T32" fmla="*/ 41 w 628"/>
+                  <a:gd name="T33" fmla="*/ 41 h 423"/>
+                  <a:gd name="T34" fmla="*/ 587 w 628"/>
+                  <a:gd name="T35" fmla="*/ 41 h 423"/>
+                  <a:gd name="T36" fmla="*/ 587 w 628"/>
+                  <a:gd name="T37" fmla="*/ 382 h 423"/>
+                </a:gdLst>
+                <a:ahLst/>
+                <a:cxnLst>
+                  <a:cxn ang="0">
+                    <a:pos x="T0" y="T1"/>
+                  </a:cxn>
+                  <a:cxn ang="0">
+                    <a:pos x="T2" y="T3"/>
+                  </a:cxn>
+                  <a:cxn ang="0">
+                    <a:pos x="T4" y="T5"/>
+                  </a:cxn>
+                  <a:cxn ang="0">
+                    <a:pos x="T6" y="T7"/>
+                  </a:cxn>
+                  <a:cxn ang="0">
+                    <a:pos x="T8" y="T9"/>
+                  </a:cxn>
+                  <a:cxn ang="0">
+                    <a:pos x="T10" y="T11"/>
+                  </a:cxn>
+                  <a:cxn ang="0">
+                    <a:pos x="T12" y="T13"/>
+                  </a:cxn>
+                  <a:cxn ang="0">
+                    <a:pos x="T14" y="T15"/>
+                  </a:cxn>
+                  <a:cxn ang="0">
+                    <a:pos x="T16" y="T17"/>
+                  </a:cxn>
+                  <a:cxn ang="0">
+                    <a:pos x="T18" y="T19"/>
+                  </a:cxn>
+                  <a:cxn ang="0">
+                    <a:pos x="T20" y="T21"/>
+                  </a:cxn>
+                  <a:cxn ang="0">
+                    <a:pos x="T22" y="T23"/>
+                  </a:cxn>
+                  <a:cxn ang="0">
+                    <a:pos x="T24" y="T25"/>
+                  </a:cxn>
+                  <a:cxn ang="0">
+                    <a:pos x="T26" y="T27"/>
+                  </a:cxn>
+                  <a:cxn ang="0">
+                    <a:pos x="T28" y="T29"/>
+                  </a:cxn>
+                  <a:cxn ang="0">
+                    <a:pos x="T30" y="T31"/>
+                  </a:cxn>
+                  <a:cxn ang="0">
+                    <a:pos x="T32" y="T33"/>
+                  </a:cxn>
+                  <a:cxn ang="0">
+                    <a:pos x="T34" y="T35"/>
+                  </a:cxn>
+                  <a:cxn ang="0">
+                    <a:pos x="T36" y="T37"/>
+                  </a:cxn>
+                </a:cxnLst>
+                <a:rect l="0" t="0" r="r" b="b"/>
+                <a:pathLst>
+                  <a:path w="628" h="423">
+                    <a:moveTo>
+                      <a:pt x="621" y="7"/>
+                    </a:moveTo>
+                    <a:cubicBezTo>
+                      <a:pt x="617" y="2"/>
+                      <a:pt x="611" y="0"/>
+                      <a:pt x="605" y="0"/>
+                    </a:cubicBezTo>
+                    <a:cubicBezTo>
+                      <a:pt x="23" y="0"/>
+                      <a:pt x="23" y="0"/>
+                      <a:pt x="23" y="0"/>
+                    </a:cubicBezTo>
+                    <a:cubicBezTo>
+                      <a:pt x="17" y="0"/>
+                      <a:pt x="11" y="2"/>
+                      <a:pt x="7" y="7"/>
+                    </a:cubicBezTo>
+                    <a:cubicBezTo>
+                      <a:pt x="2" y="11"/>
+                      <a:pt x="0" y="17"/>
+                      <a:pt x="0" y="23"/>
+                    </a:cubicBezTo>
+                    <a:cubicBezTo>
+                      <a:pt x="0" y="423"/>
+                      <a:pt x="0" y="423"/>
+                      <a:pt x="0" y="423"/>
+                    </a:cubicBezTo>
+                    <a:cubicBezTo>
+                      <a:pt x="628" y="423"/>
+                      <a:pt x="628" y="423"/>
+                      <a:pt x="628" y="423"/>
+                    </a:cubicBezTo>
+                    <a:cubicBezTo>
+                      <a:pt x="628" y="23"/>
+                      <a:pt x="628" y="23"/>
+                      <a:pt x="628" y="23"/>
+                    </a:cubicBezTo>
+                    <a:cubicBezTo>
+                      <a:pt x="628" y="17"/>
+                      <a:pt x="626" y="11"/>
+                      <a:pt x="621" y="7"/>
+                    </a:cubicBezTo>
+                    <a:close/>
+                    <a:moveTo>
+                      <a:pt x="314" y="13"/>
+                    </a:moveTo>
+                    <a:cubicBezTo>
+                      <a:pt x="318" y="13"/>
+                      <a:pt x="321" y="16"/>
+                      <a:pt x="321" y="20"/>
+                    </a:cubicBezTo>
+                    <a:cubicBezTo>
+                      <a:pt x="321" y="24"/>
+                      <a:pt x="318" y="27"/>
+                      <a:pt x="314" y="27"/>
+                    </a:cubicBezTo>
+                    <a:cubicBezTo>
+                      <a:pt x="310" y="27"/>
+                      <a:pt x="307" y="24"/>
+                      <a:pt x="307" y="20"/>
+                    </a:cubicBezTo>
+                    <a:cubicBezTo>
+                      <a:pt x="307" y="16"/>
+                      <a:pt x="310" y="13"/>
+                      <a:pt x="314" y="13"/>
+                    </a:cubicBezTo>
+                    <a:close/>
+                    <a:moveTo>
+                      <a:pt x="587" y="382"/>
+                    </a:moveTo>
+                    <a:cubicBezTo>
+                      <a:pt x="41" y="382"/>
+                      <a:pt x="41" y="382"/>
+                      <a:pt x="41" y="382"/>
+                    </a:cubicBezTo>
+                    <a:cubicBezTo>
+                      <a:pt x="41" y="41"/>
+                      <a:pt x="41" y="41"/>
+                      <a:pt x="41" y="41"/>
+                    </a:cubicBezTo>
+                    <a:cubicBezTo>
+                      <a:pt x="587" y="41"/>
+                      <a:pt x="587" y="41"/>
+                      <a:pt x="587" y="41"/>
+                    </a:cubicBezTo>
+                    <a:lnTo>
+                      <a:pt x="587" y="382"/>
+                    </a:lnTo>
+                    <a:close/>
+                  </a:path>
+                </a:pathLst>
+              </a:custGeom>
+              <a:grpFill/>
+              <a:ln>
+                <a:noFill/>
+              </a:ln>
+              <a:extLst>
+                <a:ext uri="{91240B29-F687-4F45-9708-019B960494DF}">
+                  <a14:hiddenLine xmlns:a14="http://schemas.microsoft.com/office/drawing/2010/main" w="9525">
+                    <a:solidFill>
+                      <a:srgbClr val="000000"/>
+                    </a:solidFill>
+                    <a:round/>
+                    <a:headEnd/>
+                    <a:tailEnd/>
+                  </a14:hiddenLine>
+                </a:ext>
+              </a:extLst>
+            </p:spPr>
+            <p:txBody>
+              <a:bodyPr vert="horz" wrap="square" lIns="91440" tIns="45720" rIns="91440" bIns="45720" numCol="1" anchor="t" anchorCtr="0" compatLnSpc="1">
+                <a:prstTxWarp prst="textNoShape">
+                  <a:avLst/>
+                </a:prstTxWarp>
+              </a:bodyPr>
+              <a:lstStyle/>
+              <a:p>
+                <a:endParaRPr lang="zh-CN" altLang="en-US"/>
+              </a:p>
+            </p:txBody>
+          </p:sp>
+          <p:sp>
+            <p:nvSpPr>
+              <p:cNvPr id="35" name="Freeform 13"/>
+              <p:cNvSpPr>
+                <a:spLocks noEditPoints="1"/>
+              </p:cNvSpPr>
+              <p:nvPr/>
+            </p:nvSpPr>
+            <p:spPr bwMode="auto">
+              <a:xfrm>
+                <a:off x="1407" y="1538"/>
+                <a:ext cx="800" cy="97"/>
+              </a:xfrm>
+              <a:custGeom>
+                <a:avLst/>
+                <a:gdLst>
+                  <a:gd name="T0" fmla="*/ 87 w 802"/>
+                  <a:gd name="T1" fmla="*/ 0 h 97"/>
+                  <a:gd name="T2" fmla="*/ 4 w 802"/>
+                  <a:gd name="T3" fmla="*/ 83 h 97"/>
+                  <a:gd name="T4" fmla="*/ 2 w 802"/>
+                  <a:gd name="T5" fmla="*/ 92 h 97"/>
+                  <a:gd name="T6" fmla="*/ 10 w 802"/>
+                  <a:gd name="T7" fmla="*/ 97 h 97"/>
+                  <a:gd name="T8" fmla="*/ 792 w 802"/>
+                  <a:gd name="T9" fmla="*/ 97 h 97"/>
+                  <a:gd name="T10" fmla="*/ 800 w 802"/>
+                  <a:gd name="T11" fmla="*/ 92 h 97"/>
+                  <a:gd name="T12" fmla="*/ 798 w 802"/>
+                  <a:gd name="T13" fmla="*/ 83 h 97"/>
+                  <a:gd name="T14" fmla="*/ 715 w 802"/>
+                  <a:gd name="T15" fmla="*/ 0 h 97"/>
+                  <a:gd name="T16" fmla="*/ 87 w 802"/>
+                  <a:gd name="T17" fmla="*/ 0 h 97"/>
+                  <a:gd name="T18" fmla="*/ 711 w 802"/>
+                  <a:gd name="T19" fmla="*/ 47 h 97"/>
+                  <a:gd name="T20" fmla="*/ 712 w 802"/>
+                  <a:gd name="T21" fmla="*/ 54 h 97"/>
+                  <a:gd name="T22" fmla="*/ 706 w 802"/>
+                  <a:gd name="T23" fmla="*/ 58 h 97"/>
+                  <a:gd name="T24" fmla="*/ 484 w 802"/>
+                  <a:gd name="T25" fmla="*/ 58 h 97"/>
+                  <a:gd name="T26" fmla="*/ 485 w 802"/>
+                  <a:gd name="T27" fmla="*/ 64 h 97"/>
+                  <a:gd name="T28" fmla="*/ 484 w 802"/>
+                  <a:gd name="T29" fmla="*/ 67 h 97"/>
+                  <a:gd name="T30" fmla="*/ 481 w 802"/>
+                  <a:gd name="T31" fmla="*/ 69 h 97"/>
+                  <a:gd name="T32" fmla="*/ 321 w 802"/>
+                  <a:gd name="T33" fmla="*/ 69 h 97"/>
+                  <a:gd name="T34" fmla="*/ 318 w 802"/>
+                  <a:gd name="T35" fmla="*/ 67 h 97"/>
+                  <a:gd name="T36" fmla="*/ 317 w 802"/>
+                  <a:gd name="T37" fmla="*/ 64 h 97"/>
+                  <a:gd name="T38" fmla="*/ 318 w 802"/>
+                  <a:gd name="T39" fmla="*/ 58 h 97"/>
+                  <a:gd name="T40" fmla="*/ 96 w 802"/>
+                  <a:gd name="T41" fmla="*/ 58 h 97"/>
+                  <a:gd name="T42" fmla="*/ 90 w 802"/>
+                  <a:gd name="T43" fmla="*/ 54 h 97"/>
+                  <a:gd name="T44" fmla="*/ 91 w 802"/>
+                  <a:gd name="T45" fmla="*/ 47 h 97"/>
+                  <a:gd name="T46" fmla="*/ 113 w 802"/>
+                  <a:gd name="T47" fmla="*/ 20 h 97"/>
+                  <a:gd name="T48" fmla="*/ 689 w 802"/>
+                  <a:gd name="T49" fmla="*/ 20 h 97"/>
+                  <a:gd name="T50" fmla="*/ 711 w 802"/>
+                  <a:gd name="T51" fmla="*/ 47 h 97"/>
+                </a:gdLst>
+                <a:ahLst/>
+                <a:cxnLst>
+                  <a:cxn ang="0">
+                    <a:pos x="T0" y="T1"/>
+                  </a:cxn>
+                  <a:cxn ang="0">
+                    <a:pos x="T2" y="T3"/>
+                  </a:cxn>
+                  <a:cxn ang="0">
+                    <a:pos x="T4" y="T5"/>
+                  </a:cxn>
+                  <a:cxn ang="0">
+                    <a:pos x="T6" y="T7"/>
+                  </a:cxn>
+                  <a:cxn ang="0">
+                    <a:pos x="T8" y="T9"/>
+                  </a:cxn>
+                  <a:cxn ang="0">
+                    <a:pos x="T10" y="T11"/>
+                  </a:cxn>
+                  <a:cxn ang="0">
+                    <a:pos x="T12" y="T13"/>
+                  </a:cxn>
+                  <a:cxn ang="0">
+                    <a:pos x="T14" y="T15"/>
+                  </a:cxn>
+                  <a:cxn ang="0">
+                    <a:pos x="T16" y="T17"/>
+                  </a:cxn>
+                  <a:cxn ang="0">
+                    <a:pos x="T18" y="T19"/>
+                  </a:cxn>
+                  <a:cxn ang="0">
+                    <a:pos x="T20" y="T21"/>
+                  </a:cxn>
+                  <a:cxn ang="0">
+                    <a:pos x="T22" y="T23"/>
+                  </a:cxn>
+                  <a:cxn ang="0">
+                    <a:pos x="T24" y="T25"/>
+                  </a:cxn>
+                  <a:cxn ang="0">
+                    <a:pos x="T26" y="T27"/>
+                  </a:cxn>
+                  <a:cxn ang="0">
+                    <a:pos x="T28" y="T29"/>
+                  </a:cxn>
+                  <a:cxn ang="0">
+                    <a:pos x="T30" y="T31"/>
+                  </a:cxn>
+                  <a:cxn ang="0">
+                    <a:pos x="T32" y="T33"/>
+                  </a:cxn>
+                  <a:cxn ang="0">
+                    <a:pos x="T34" y="T35"/>
+                  </a:cxn>
+                  <a:cxn ang="0">
+                    <a:pos x="T36" y="T37"/>
+                  </a:cxn>
+                  <a:cxn ang="0">
+                    <a:pos x="T38" y="T39"/>
+                  </a:cxn>
+                  <a:cxn ang="0">
+                    <a:pos x="T40" y="T41"/>
+                  </a:cxn>
+                  <a:cxn ang="0">
+                    <a:pos x="T42" y="T43"/>
+                  </a:cxn>
+                  <a:cxn ang="0">
+                    <a:pos x="T44" y="T45"/>
+                  </a:cxn>
+                  <a:cxn ang="0">
+                    <a:pos x="T46" y="T47"/>
+                  </a:cxn>
+                  <a:cxn ang="0">
+                    <a:pos x="T48" y="T49"/>
+                  </a:cxn>
+                  <a:cxn ang="0">
+                    <a:pos x="T50" y="T51"/>
+                  </a:cxn>
+                </a:cxnLst>
+                <a:rect l="0" t="0" r="r" b="b"/>
+                <a:pathLst>
+                  <a:path w="802" h="97">
+                    <a:moveTo>
+                      <a:pt x="87" y="0"/>
+                    </a:moveTo>
+                    <a:cubicBezTo>
+                      <a:pt x="4" y="83"/>
+                      <a:pt x="4" y="83"/>
+                      <a:pt x="4" y="83"/>
+                    </a:cubicBezTo>
+                    <a:cubicBezTo>
+                      <a:pt x="1" y="85"/>
+                      <a:pt x="0" y="89"/>
+                      <a:pt x="2" y="92"/>
+                    </a:cubicBezTo>
+                    <a:cubicBezTo>
+                      <a:pt x="3" y="95"/>
+                      <a:pt x="6" y="97"/>
+                      <a:pt x="10" y="97"/>
+                    </a:cubicBezTo>
+                    <a:cubicBezTo>
+                      <a:pt x="792" y="97"/>
+                      <a:pt x="792" y="97"/>
+                      <a:pt x="792" y="97"/>
+                    </a:cubicBezTo>
+                    <a:cubicBezTo>
+                      <a:pt x="796" y="97"/>
+                      <a:pt x="799" y="95"/>
+                      <a:pt x="800" y="92"/>
+                    </a:cubicBezTo>
+                    <a:cubicBezTo>
+                      <a:pt x="802" y="89"/>
+                      <a:pt x="801" y="85"/>
+                      <a:pt x="798" y="83"/>
+                    </a:cubicBezTo>
+                    <a:cubicBezTo>
+                      <a:pt x="715" y="0"/>
+                      <a:pt x="715" y="0"/>
+                      <a:pt x="715" y="0"/>
+                    </a:cubicBezTo>
+                    <a:lnTo>
+                      <a:pt x="87" y="0"/>
+                    </a:lnTo>
+                    <a:close/>
+                    <a:moveTo>
+                      <a:pt x="711" y="47"/>
+                    </a:moveTo>
+                    <a:cubicBezTo>
+                      <a:pt x="713" y="49"/>
+                      <a:pt x="713" y="51"/>
+                      <a:pt x="712" y="54"/>
+                    </a:cubicBezTo>
+                    <a:cubicBezTo>
+                      <a:pt x="711" y="56"/>
+                      <a:pt x="709" y="58"/>
+                      <a:pt x="706" y="58"/>
+                    </a:cubicBezTo>
+                    <a:cubicBezTo>
+                      <a:pt x="484" y="58"/>
+                      <a:pt x="484" y="58"/>
+                      <a:pt x="484" y="58"/>
+                    </a:cubicBezTo>
+                    <a:cubicBezTo>
+                      <a:pt x="485" y="64"/>
+                      <a:pt x="485" y="64"/>
+                      <a:pt x="485" y="64"/>
+                    </a:cubicBezTo>
+                    <a:cubicBezTo>
+                      <a:pt x="485" y="65"/>
+                      <a:pt x="485" y="66"/>
+                      <a:pt x="484" y="67"/>
+                    </a:cubicBezTo>
+                    <a:cubicBezTo>
+                      <a:pt x="483" y="68"/>
+                      <a:pt x="482" y="69"/>
+                      <a:pt x="481" y="69"/>
+                    </a:cubicBezTo>
+                    <a:cubicBezTo>
+                      <a:pt x="321" y="69"/>
+                      <a:pt x="321" y="69"/>
+                      <a:pt x="321" y="69"/>
+                    </a:cubicBezTo>
+                    <a:cubicBezTo>
+                      <a:pt x="320" y="69"/>
+                      <a:pt x="319" y="68"/>
+                      <a:pt x="318" y="67"/>
+                    </a:cubicBezTo>
+                    <a:cubicBezTo>
+                      <a:pt x="317" y="66"/>
+                      <a:pt x="317" y="65"/>
+                      <a:pt x="317" y="64"/>
+                    </a:cubicBezTo>
+                    <a:cubicBezTo>
+                      <a:pt x="318" y="58"/>
+                      <a:pt x="318" y="58"/>
+                      <a:pt x="318" y="58"/>
+                    </a:cubicBezTo>
+                    <a:cubicBezTo>
+                      <a:pt x="96" y="58"/>
+                      <a:pt x="96" y="58"/>
+                      <a:pt x="96" y="58"/>
+                    </a:cubicBezTo>
+                    <a:cubicBezTo>
+                      <a:pt x="93" y="58"/>
+                      <a:pt x="91" y="56"/>
+                      <a:pt x="90" y="54"/>
+                    </a:cubicBezTo>
+                    <a:cubicBezTo>
+                      <a:pt x="89" y="51"/>
+                      <a:pt x="89" y="49"/>
+                      <a:pt x="91" y="47"/>
+                    </a:cubicBezTo>
+                    <a:cubicBezTo>
+                      <a:pt x="113" y="20"/>
+                      <a:pt x="113" y="20"/>
+                      <a:pt x="113" y="20"/>
+                    </a:cubicBezTo>
+                    <a:cubicBezTo>
+                      <a:pt x="689" y="20"/>
+                      <a:pt x="689" y="20"/>
+                      <a:pt x="689" y="20"/>
+                    </a:cubicBezTo>
+                    <a:lnTo>
+                      <a:pt x="711" y="47"/>
+                    </a:lnTo>
+                    <a:close/>
+                  </a:path>
+                </a:pathLst>
+              </a:custGeom>
+              <a:grpFill/>
+              <a:ln>
+                <a:noFill/>
+              </a:ln>
+              <a:extLst>
+                <a:ext uri="{91240B29-F687-4F45-9708-019B960494DF}">
+                  <a14:hiddenLine xmlns:a14="http://schemas.microsoft.com/office/drawing/2010/main" w="9525">
+                    <a:solidFill>
+                      <a:srgbClr val="000000"/>
+                    </a:solidFill>
+                    <a:round/>
+                    <a:headEnd/>
+                    <a:tailEnd/>
+                  </a14:hiddenLine>
+                </a:ext>
+              </a:extLst>
+            </p:spPr>
+            <p:txBody>
+              <a:bodyPr vert="horz" wrap="square" lIns="91440" tIns="45720" rIns="91440" bIns="45720" numCol="1" anchor="t" anchorCtr="0" compatLnSpc="1">
+                <a:prstTxWarp prst="textNoShape">
+                  <a:avLst/>
+                </a:prstTxWarp>
+              </a:bodyPr>
+              <a:lstStyle/>
+              <a:p>
+                <a:endParaRPr lang="zh-CN" altLang="en-US"/>
+              </a:p>
+            </p:txBody>
+          </p:sp>
+          <p:sp>
+            <p:nvSpPr>
+              <p:cNvPr id="36" name="Freeform 14"/>
+              <p:cNvSpPr>
+                <a:spLocks noEditPoints="1"/>
+              </p:cNvSpPr>
+              <p:nvPr/>
+            </p:nvSpPr>
+            <p:spPr bwMode="auto">
+              <a:xfrm>
+                <a:off x="1408" y="1637"/>
+                <a:ext cx="798" cy="29"/>
+              </a:xfrm>
+              <a:custGeom>
+                <a:avLst/>
+                <a:gdLst>
+                  <a:gd name="T0" fmla="*/ 791 w 800"/>
+                  <a:gd name="T1" fmla="*/ 3 h 29"/>
+                  <a:gd name="T2" fmla="*/ 469 w 800"/>
+                  <a:gd name="T3" fmla="*/ 3 h 29"/>
+                  <a:gd name="T4" fmla="*/ 468 w 800"/>
+                  <a:gd name="T5" fmla="*/ 6 h 29"/>
+                  <a:gd name="T6" fmla="*/ 461 w 800"/>
+                  <a:gd name="T7" fmla="*/ 9 h 29"/>
+                  <a:gd name="T8" fmla="*/ 339 w 800"/>
+                  <a:gd name="T9" fmla="*/ 9 h 29"/>
+                  <a:gd name="T10" fmla="*/ 332 w 800"/>
+                  <a:gd name="T11" fmla="*/ 6 h 29"/>
+                  <a:gd name="T12" fmla="*/ 331 w 800"/>
+                  <a:gd name="T13" fmla="*/ 3 h 29"/>
+                  <a:gd name="T14" fmla="*/ 9 w 800"/>
+                  <a:gd name="T15" fmla="*/ 3 h 29"/>
+                  <a:gd name="T16" fmla="*/ 0 w 800"/>
+                  <a:gd name="T17" fmla="*/ 0 h 29"/>
+                  <a:gd name="T18" fmla="*/ 0 w 800"/>
+                  <a:gd name="T19" fmla="*/ 9 h 29"/>
+                  <a:gd name="T20" fmla="*/ 6 w 800"/>
+                  <a:gd name="T21" fmla="*/ 23 h 29"/>
+                  <a:gd name="T22" fmla="*/ 21 w 800"/>
+                  <a:gd name="T23" fmla="*/ 29 h 29"/>
+                  <a:gd name="T24" fmla="*/ 779 w 800"/>
+                  <a:gd name="T25" fmla="*/ 29 h 29"/>
+                  <a:gd name="T26" fmla="*/ 794 w 800"/>
+                  <a:gd name="T27" fmla="*/ 23 h 29"/>
+                  <a:gd name="T28" fmla="*/ 800 w 800"/>
+                  <a:gd name="T29" fmla="*/ 9 h 29"/>
+                  <a:gd name="T30" fmla="*/ 800 w 800"/>
+                  <a:gd name="T31" fmla="*/ 0 h 29"/>
+                  <a:gd name="T32" fmla="*/ 791 w 800"/>
+                  <a:gd name="T33" fmla="*/ 3 h 29"/>
+                  <a:gd name="T34" fmla="*/ 72 w 800"/>
+                  <a:gd name="T35" fmla="*/ 21 h 29"/>
+                  <a:gd name="T36" fmla="*/ 68 w 800"/>
+                  <a:gd name="T37" fmla="*/ 16 h 29"/>
+                  <a:gd name="T38" fmla="*/ 72 w 800"/>
+                  <a:gd name="T39" fmla="*/ 12 h 29"/>
+                  <a:gd name="T40" fmla="*/ 77 w 800"/>
+                  <a:gd name="T41" fmla="*/ 16 h 29"/>
+                  <a:gd name="T42" fmla="*/ 72 w 800"/>
+                  <a:gd name="T43" fmla="*/ 21 h 29"/>
+                  <a:gd name="T44" fmla="*/ 94 w 800"/>
+                  <a:gd name="T45" fmla="*/ 21 h 29"/>
+                  <a:gd name="T46" fmla="*/ 89 w 800"/>
+                  <a:gd name="T47" fmla="*/ 16 h 29"/>
+                  <a:gd name="T48" fmla="*/ 94 w 800"/>
+                  <a:gd name="T49" fmla="*/ 12 h 29"/>
+                  <a:gd name="T50" fmla="*/ 98 w 800"/>
+                  <a:gd name="T51" fmla="*/ 16 h 29"/>
+                  <a:gd name="T52" fmla="*/ 94 w 800"/>
+                  <a:gd name="T53" fmla="*/ 21 h 29"/>
+                  <a:gd name="T54" fmla="*/ 115 w 800"/>
+                  <a:gd name="T55" fmla="*/ 21 h 29"/>
+                  <a:gd name="T56" fmla="*/ 111 w 800"/>
+                  <a:gd name="T57" fmla="*/ 16 h 29"/>
+                  <a:gd name="T58" fmla="*/ 115 w 800"/>
+                  <a:gd name="T59" fmla="*/ 12 h 29"/>
+                  <a:gd name="T60" fmla="*/ 120 w 800"/>
+                  <a:gd name="T61" fmla="*/ 16 h 29"/>
+                  <a:gd name="T62" fmla="*/ 115 w 800"/>
+                  <a:gd name="T63" fmla="*/ 21 h 29"/>
+                </a:gdLst>
+                <a:ahLst/>
+                <a:cxnLst>
+                  <a:cxn ang="0">
+                    <a:pos x="T0" y="T1"/>
+                  </a:cxn>
+                  <a:cxn ang="0">
+                    <a:pos x="T2" y="T3"/>
+                  </a:cxn>
+                  <a:cxn ang="0">
+                    <a:pos x="T4" y="T5"/>
+                  </a:cxn>
+                  <a:cxn ang="0">
+                    <a:pos x="T6" y="T7"/>
+                  </a:cxn>
+                  <a:cxn ang="0">
+                    <a:pos x="T8" y="T9"/>
+                  </a:cxn>
+                  <a:cxn ang="0">
+                    <a:pos x="T10" y="T11"/>
+                  </a:cxn>
+                  <a:cxn ang="0">
+                    <a:pos x="T12" y="T13"/>
+                  </a:cxn>
+                  <a:cxn ang="0">
+                    <a:pos x="T14" y="T15"/>
+                  </a:cxn>
+                  <a:cxn ang="0">
+                    <a:pos x="T16" y="T17"/>
+                  </a:cxn>
+                  <a:cxn ang="0">
+                    <a:pos x="T18" y="T19"/>
+                  </a:cxn>
+                  <a:cxn ang="0">
+                    <a:pos x="T20" y="T21"/>
+                  </a:cxn>
+                  <a:cxn ang="0">
+                    <a:pos x="T22" y="T23"/>
+                  </a:cxn>
+                  <a:cxn ang="0">
+                    <a:pos x="T24" y="T25"/>
+                  </a:cxn>
+                  <a:cxn ang="0">
+                    <a:pos x="T26" y="T27"/>
+                  </a:cxn>
+                  <a:cxn ang="0">
+                    <a:pos x="T28" y="T29"/>
+                  </a:cxn>
+                  <a:cxn ang="0">
+                    <a:pos x="T30" y="T31"/>
+                  </a:cxn>
+                  <a:cxn ang="0">
+                    <a:pos x="T32" y="T33"/>
+                  </a:cxn>
+                  <a:cxn ang="0">
+                    <a:pos x="T34" y="T35"/>
+                  </a:cxn>
+                  <a:cxn ang="0">
+                    <a:pos x="T36" y="T37"/>
+                  </a:cxn>
+                  <a:cxn ang="0">
+                    <a:pos x="T38" y="T39"/>
+                  </a:cxn>
+                  <a:cxn ang="0">
+                    <a:pos x="T40" y="T41"/>
+                  </a:cxn>
+                  <a:cxn ang="0">
+                    <a:pos x="T42" y="T43"/>
+                  </a:cxn>
+                  <a:cxn ang="0">
+                    <a:pos x="T44" y="T45"/>
+                  </a:cxn>
+                  <a:cxn ang="0">
+                    <a:pos x="T46" y="T47"/>
+                  </a:cxn>
+                  <a:cxn ang="0">
+                    <a:pos x="T48" y="T49"/>
+                  </a:cxn>
+                  <a:cxn ang="0">
+                    <a:pos x="T50" y="T51"/>
+                  </a:cxn>
+                  <a:cxn ang="0">
+                    <a:pos x="T52" y="T53"/>
+                  </a:cxn>
+                  <a:cxn ang="0">
+                    <a:pos x="T54" y="T55"/>
+                  </a:cxn>
+                  <a:cxn ang="0">
+                    <a:pos x="T56" y="T57"/>
+                  </a:cxn>
+                  <a:cxn ang="0">
+                    <a:pos x="T58" y="T59"/>
+                  </a:cxn>
+                  <a:cxn ang="0">
+                    <a:pos x="T60" y="T61"/>
+                  </a:cxn>
+                  <a:cxn ang="0">
+                    <a:pos x="T62" y="T63"/>
+                  </a:cxn>
+                </a:cxnLst>
+                <a:rect l="0" t="0" r="r" b="b"/>
+                <a:pathLst>
+                  <a:path w="800" h="29">
+                    <a:moveTo>
+                      <a:pt x="791" y="3"/>
+                    </a:moveTo>
+                    <a:cubicBezTo>
+                      <a:pt x="469" y="3"/>
+                      <a:pt x="469" y="3"/>
+                      <a:pt x="469" y="3"/>
+                    </a:cubicBezTo>
+                    <a:cubicBezTo>
+                      <a:pt x="469" y="4"/>
+                      <a:pt x="468" y="5"/>
+                      <a:pt x="468" y="6"/>
+                    </a:cubicBezTo>
+                    <a:cubicBezTo>
+                      <a:pt x="466" y="8"/>
+                      <a:pt x="463" y="9"/>
+                      <a:pt x="461" y="9"/>
+                    </a:cubicBezTo>
+                    <a:cubicBezTo>
+                      <a:pt x="339" y="9"/>
+                      <a:pt x="339" y="9"/>
+                      <a:pt x="339" y="9"/>
+                    </a:cubicBezTo>
+                    <a:cubicBezTo>
+                      <a:pt x="337" y="9"/>
+                      <a:pt x="334" y="8"/>
+                      <a:pt x="332" y="6"/>
+                    </a:cubicBezTo>
+                    <a:cubicBezTo>
+                      <a:pt x="332" y="5"/>
+                      <a:pt x="331" y="4"/>
+                      <a:pt x="331" y="3"/>
+                    </a:cubicBezTo>
+                    <a:cubicBezTo>
+                      <a:pt x="9" y="3"/>
+                      <a:pt x="9" y="3"/>
+                      <a:pt x="9" y="3"/>
+                    </a:cubicBezTo>
+                    <a:cubicBezTo>
+                      <a:pt x="5" y="3"/>
+                      <a:pt x="2" y="2"/>
+                      <a:pt x="0" y="0"/>
+                    </a:cubicBezTo>
+                    <a:cubicBezTo>
+                      <a:pt x="0" y="9"/>
+                      <a:pt x="0" y="9"/>
+                      <a:pt x="0" y="9"/>
+                    </a:cubicBezTo>
+                    <a:cubicBezTo>
+                      <a:pt x="0" y="14"/>
+                      <a:pt x="2" y="19"/>
+                      <a:pt x="6" y="23"/>
+                    </a:cubicBezTo>
+                    <a:cubicBezTo>
+                      <a:pt x="10" y="27"/>
+                      <a:pt x="15" y="29"/>
+                      <a:pt x="21" y="29"/>
+                    </a:cubicBezTo>
+                    <a:cubicBezTo>
+                      <a:pt x="779" y="29"/>
+                      <a:pt x="779" y="29"/>
+                      <a:pt x="779" y="29"/>
+                    </a:cubicBezTo>
+                    <a:cubicBezTo>
+                      <a:pt x="785" y="29"/>
+                      <a:pt x="790" y="27"/>
+                      <a:pt x="794" y="23"/>
+                    </a:cubicBezTo>
+                    <a:cubicBezTo>
+                      <a:pt x="798" y="19"/>
+                      <a:pt x="800" y="14"/>
+                      <a:pt x="800" y="9"/>
+                    </a:cubicBezTo>
+                    <a:cubicBezTo>
+                      <a:pt x="800" y="0"/>
+                      <a:pt x="800" y="0"/>
+                      <a:pt x="800" y="0"/>
+                    </a:cubicBezTo>
+                    <a:cubicBezTo>
+                      <a:pt x="798" y="2"/>
+                      <a:pt x="795" y="3"/>
+                      <a:pt x="791" y="3"/>
+                    </a:cubicBezTo>
+                    <a:close/>
+                    <a:moveTo>
+                      <a:pt x="72" y="21"/>
+                    </a:moveTo>
+                    <a:cubicBezTo>
+                      <a:pt x="70" y="21"/>
+                      <a:pt x="68" y="19"/>
+                      <a:pt x="68" y="16"/>
+                    </a:cubicBezTo>
+                    <a:cubicBezTo>
+                      <a:pt x="68" y="14"/>
+                      <a:pt x="70" y="12"/>
+                      <a:pt x="72" y="12"/>
+                    </a:cubicBezTo>
+                    <a:cubicBezTo>
+                      <a:pt x="75" y="12"/>
+                      <a:pt x="77" y="14"/>
+                      <a:pt x="77" y="16"/>
+                    </a:cubicBezTo>
+                    <a:cubicBezTo>
+                      <a:pt x="77" y="19"/>
+                      <a:pt x="75" y="21"/>
+                      <a:pt x="72" y="21"/>
+                    </a:cubicBezTo>
+                    <a:close/>
+                    <a:moveTo>
+                      <a:pt x="94" y="21"/>
+                    </a:moveTo>
+                    <a:cubicBezTo>
+                      <a:pt x="91" y="21"/>
+                      <a:pt x="89" y="19"/>
+                      <a:pt x="89" y="16"/>
+                    </a:cubicBezTo>
+                    <a:cubicBezTo>
+                      <a:pt x="89" y="14"/>
+                      <a:pt x="91" y="12"/>
+                      <a:pt x="94" y="12"/>
+                    </a:cubicBezTo>
+                    <a:cubicBezTo>
+                      <a:pt x="96" y="12"/>
+                      <a:pt x="98" y="14"/>
+                      <a:pt x="98" y="16"/>
+                    </a:cubicBezTo>
+                    <a:cubicBezTo>
+                      <a:pt x="98" y="19"/>
+                      <a:pt x="96" y="21"/>
+                      <a:pt x="94" y="21"/>
+                    </a:cubicBezTo>
+                    <a:close/>
+                    <a:moveTo>
+                      <a:pt x="115" y="21"/>
+                    </a:moveTo>
+                    <a:cubicBezTo>
+                      <a:pt x="113" y="21"/>
+                      <a:pt x="111" y="19"/>
+                      <a:pt x="111" y="16"/>
+                    </a:cubicBezTo>
+                    <a:cubicBezTo>
+                      <a:pt x="111" y="14"/>
+                      <a:pt x="113" y="12"/>
+                      <a:pt x="115" y="12"/>
+                    </a:cubicBezTo>
+                    <a:cubicBezTo>
+                      <a:pt x="118" y="12"/>
+                      <a:pt x="120" y="14"/>
+                      <a:pt x="120" y="16"/>
+                    </a:cubicBezTo>
+                    <a:cubicBezTo>
+                      <a:pt x="120" y="19"/>
+                      <a:pt x="118" y="21"/>
+                      <a:pt x="115" y="21"/>
+                    </a:cubicBezTo>
+                    <a:close/>
+                  </a:path>
+                </a:pathLst>
+              </a:custGeom>
+              <a:grpFill/>
+              <a:ln>
+                <a:noFill/>
+              </a:ln>
+              <a:extLst>
+                <a:ext uri="{91240B29-F687-4F45-9708-019B960494DF}">
+                  <a14:hiddenLine xmlns:a14="http://schemas.microsoft.com/office/drawing/2010/main" w="9525">
+                    <a:solidFill>
+                      <a:srgbClr val="000000"/>
+                    </a:solidFill>
+                    <a:round/>
+                    <a:headEnd/>
+                    <a:tailEnd/>
+                  </a14:hiddenLine>
+                </a:ext>
+              </a:extLst>
+            </p:spPr>
+            <p:txBody>
+              <a:bodyPr vert="horz" wrap="square" lIns="91440" tIns="45720" rIns="91440" bIns="45720" numCol="1" anchor="t" anchorCtr="0" compatLnSpc="1">
+                <a:prstTxWarp prst="textNoShape">
+                  <a:avLst/>
+                </a:prstTxWarp>
+              </a:bodyPr>
+              <a:lstStyle/>
+              <a:p>
+                <a:endParaRPr lang="zh-CN" altLang="en-US"/>
+              </a:p>
+            </p:txBody>
+          </p:sp>
+          <p:sp>
+            <p:nvSpPr>
+              <p:cNvPr id="37" name="Freeform 15"/>
+              <p:cNvSpPr>
+                <a:spLocks/>
+              </p:cNvSpPr>
+              <p:nvPr/>
+            </p:nvSpPr>
+            <p:spPr bwMode="auto">
+              <a:xfrm>
+                <a:off x="1624" y="1386"/>
+                <a:ext cx="48" cy="56"/>
+              </a:xfrm>
+              <a:custGeom>
+                <a:avLst/>
+                <a:gdLst>
+                  <a:gd name="T0" fmla="*/ 48 w 48"/>
+                  <a:gd name="T1" fmla="*/ 56 h 56"/>
+                  <a:gd name="T2" fmla="*/ 0 w 48"/>
+                  <a:gd name="T3" fmla="*/ 56 h 56"/>
+                  <a:gd name="T4" fmla="*/ 0 w 48"/>
+                  <a:gd name="T5" fmla="*/ 5 h 56"/>
+                  <a:gd name="T6" fmla="*/ 2 w 48"/>
+                  <a:gd name="T7" fmla="*/ 2 h 56"/>
+                  <a:gd name="T8" fmla="*/ 5 w 48"/>
+                  <a:gd name="T9" fmla="*/ 0 h 56"/>
+                  <a:gd name="T10" fmla="*/ 43 w 48"/>
+                  <a:gd name="T11" fmla="*/ 0 h 56"/>
+                  <a:gd name="T12" fmla="*/ 47 w 48"/>
+                  <a:gd name="T13" fmla="*/ 2 h 56"/>
+                  <a:gd name="T14" fmla="*/ 48 w 48"/>
+                  <a:gd name="T15" fmla="*/ 5 h 56"/>
+                  <a:gd name="T16" fmla="*/ 48 w 48"/>
+                  <a:gd name="T17" fmla="*/ 56 h 56"/>
+                </a:gdLst>
+                <a:ahLst/>
+                <a:cxnLst>
+                  <a:cxn ang="0">
+                    <a:pos x="T0" y="T1"/>
+                  </a:cxn>
+                  <a:cxn ang="0">
+                    <a:pos x="T2" y="T3"/>
+                  </a:cxn>
+                  <a:cxn ang="0">
+                    <a:pos x="T4" y="T5"/>
+                  </a:cxn>
+                  <a:cxn ang="0">
+                    <a:pos x="T6" y="T7"/>
+                  </a:cxn>
+                  <a:cxn ang="0">
+                    <a:pos x="T8" y="T9"/>
+                  </a:cxn>
+                  <a:cxn ang="0">
+                    <a:pos x="T10" y="T11"/>
+                  </a:cxn>
+                  <a:cxn ang="0">
+                    <a:pos x="T12" y="T13"/>
+                  </a:cxn>
+                  <a:cxn ang="0">
+                    <a:pos x="T14" y="T15"/>
+                  </a:cxn>
+                  <a:cxn ang="0">
+                    <a:pos x="T16" y="T17"/>
+                  </a:cxn>
+                </a:cxnLst>
+                <a:rect l="0" t="0" r="r" b="b"/>
+                <a:pathLst>
+                  <a:path w="48" h="56">
+                    <a:moveTo>
+                      <a:pt x="48" y="56"/>
+                    </a:moveTo>
+                    <a:cubicBezTo>
+                      <a:pt x="0" y="56"/>
+                      <a:pt x="0" y="56"/>
+                      <a:pt x="0" y="56"/>
+                    </a:cubicBezTo>
+                    <a:cubicBezTo>
+                      <a:pt x="0" y="5"/>
+                      <a:pt x="0" y="5"/>
+                      <a:pt x="0" y="5"/>
+                    </a:cubicBezTo>
+                    <a:cubicBezTo>
+                      <a:pt x="0" y="4"/>
+                      <a:pt x="1" y="3"/>
+                      <a:pt x="2" y="2"/>
+                    </a:cubicBezTo>
+                    <a:cubicBezTo>
+                      <a:pt x="3" y="1"/>
+                      <a:pt x="4" y="0"/>
+                      <a:pt x="5" y="0"/>
+                    </a:cubicBezTo>
+                    <a:cubicBezTo>
+                      <a:pt x="43" y="0"/>
+                      <a:pt x="43" y="0"/>
+                      <a:pt x="43" y="0"/>
+                    </a:cubicBezTo>
+                    <a:cubicBezTo>
+                      <a:pt x="44" y="0"/>
+                      <a:pt x="46" y="1"/>
+                      <a:pt x="47" y="2"/>
+                    </a:cubicBezTo>
+                    <a:cubicBezTo>
+                      <a:pt x="48" y="3"/>
+                      <a:pt x="48" y="4"/>
+                      <a:pt x="48" y="5"/>
+                    </a:cubicBezTo>
+                    <a:cubicBezTo>
+                      <a:pt x="48" y="56"/>
+                      <a:pt x="48" y="56"/>
+                      <a:pt x="48" y="56"/>
+                    </a:cubicBezTo>
+                    <a:close/>
+                  </a:path>
+                </a:pathLst>
+              </a:custGeom>
+              <a:grpFill/>
+              <a:ln>
+                <a:noFill/>
+              </a:ln>
+              <a:extLst>
+                <a:ext uri="{91240B29-F687-4F45-9708-019B960494DF}">
+                  <a14:hiddenLine xmlns:a14="http://schemas.microsoft.com/office/drawing/2010/main" w="9525">
+                    <a:solidFill>
+                      <a:srgbClr val="000000"/>
+                    </a:solidFill>
+                    <a:round/>
+                    <a:headEnd/>
+                    <a:tailEnd/>
+                  </a14:hiddenLine>
+                </a:ext>
+              </a:extLst>
+            </p:spPr>
+            <p:txBody>
+              <a:bodyPr vert="horz" wrap="square" lIns="91440" tIns="45720" rIns="91440" bIns="45720" numCol="1" anchor="t" anchorCtr="0" compatLnSpc="1">
+                <a:prstTxWarp prst="textNoShape">
+                  <a:avLst/>
+                </a:prstTxWarp>
+              </a:bodyPr>
+              <a:lstStyle/>
+              <a:p>
+                <a:endParaRPr lang="zh-CN" altLang="en-US"/>
+              </a:p>
+            </p:txBody>
+          </p:sp>
+          <p:sp>
+            <p:nvSpPr>
+              <p:cNvPr id="38" name="Freeform 16"/>
+              <p:cNvSpPr>
+                <a:spLocks/>
+              </p:cNvSpPr>
+              <p:nvPr/>
+            </p:nvSpPr>
+            <p:spPr bwMode="auto">
+              <a:xfrm>
+                <a:off x="1723" y="1314"/>
+                <a:ext cx="47" cy="128"/>
+              </a:xfrm>
+              <a:custGeom>
+                <a:avLst/>
+                <a:gdLst>
+                  <a:gd name="T0" fmla="*/ 47 w 47"/>
+                  <a:gd name="T1" fmla="*/ 128 h 128"/>
+                  <a:gd name="T2" fmla="*/ 0 w 47"/>
+                  <a:gd name="T3" fmla="*/ 128 h 128"/>
+                  <a:gd name="T4" fmla="*/ 0 w 47"/>
+                  <a:gd name="T5" fmla="*/ 5 h 128"/>
+                  <a:gd name="T6" fmla="*/ 1 w 47"/>
+                  <a:gd name="T7" fmla="*/ 2 h 128"/>
+                  <a:gd name="T8" fmla="*/ 5 w 47"/>
+                  <a:gd name="T9" fmla="*/ 0 h 128"/>
+                  <a:gd name="T10" fmla="*/ 42 w 47"/>
+                  <a:gd name="T11" fmla="*/ 0 h 128"/>
+                  <a:gd name="T12" fmla="*/ 46 w 47"/>
+                  <a:gd name="T13" fmla="*/ 2 h 128"/>
+                  <a:gd name="T14" fmla="*/ 47 w 47"/>
+                  <a:gd name="T15" fmla="*/ 5 h 128"/>
+                  <a:gd name="T16" fmla="*/ 47 w 47"/>
+                  <a:gd name="T17" fmla="*/ 128 h 128"/>
+                </a:gdLst>
+                <a:ahLst/>
+                <a:cxnLst>
+                  <a:cxn ang="0">
+                    <a:pos x="T0" y="T1"/>
+                  </a:cxn>
+                  <a:cxn ang="0">
+                    <a:pos x="T2" y="T3"/>
+                  </a:cxn>
+                  <a:cxn ang="0">
+                    <a:pos x="T4" y="T5"/>
+                  </a:cxn>
+                  <a:cxn ang="0">
+                    <a:pos x="T6" y="T7"/>
+                  </a:cxn>
+                  <a:cxn ang="0">
+                    <a:pos x="T8" y="T9"/>
+                  </a:cxn>
+                  <a:cxn ang="0">
+                    <a:pos x="T10" y="T11"/>
+                  </a:cxn>
+                  <a:cxn ang="0">
+                    <a:pos x="T12" y="T13"/>
+                  </a:cxn>
+                  <a:cxn ang="0">
+                    <a:pos x="T14" y="T15"/>
+                  </a:cxn>
+                  <a:cxn ang="0">
+                    <a:pos x="T16" y="T17"/>
+                  </a:cxn>
+                </a:cxnLst>
+                <a:rect l="0" t="0" r="r" b="b"/>
+                <a:pathLst>
+                  <a:path w="47" h="128">
+                    <a:moveTo>
+                      <a:pt x="47" y="128"/>
+                    </a:moveTo>
+                    <a:cubicBezTo>
+                      <a:pt x="0" y="128"/>
+                      <a:pt x="0" y="128"/>
+                      <a:pt x="0" y="128"/>
+                    </a:cubicBezTo>
+                    <a:cubicBezTo>
+                      <a:pt x="0" y="5"/>
+                      <a:pt x="0" y="5"/>
+                      <a:pt x="0" y="5"/>
+                    </a:cubicBezTo>
+                    <a:cubicBezTo>
+                      <a:pt x="0" y="4"/>
+                      <a:pt x="0" y="3"/>
+                      <a:pt x="1" y="2"/>
+                    </a:cubicBezTo>
+                    <a:cubicBezTo>
+                      <a:pt x="2" y="1"/>
+                      <a:pt x="3" y="0"/>
+                      <a:pt x="5" y="0"/>
+                    </a:cubicBezTo>
+                    <a:cubicBezTo>
+                      <a:pt x="42" y="0"/>
+                      <a:pt x="42" y="0"/>
+                      <a:pt x="42" y="0"/>
+                    </a:cubicBezTo>
+                    <a:cubicBezTo>
+                      <a:pt x="44" y="0"/>
+                      <a:pt x="45" y="1"/>
+                      <a:pt x="46" y="2"/>
+                    </a:cubicBezTo>
+                    <a:cubicBezTo>
+                      <a:pt x="47" y="3"/>
+                      <a:pt x="47" y="4"/>
+                      <a:pt x="47" y="5"/>
+                    </a:cubicBezTo>
+                    <a:lnTo>
+                      <a:pt x="47" y="128"/>
+                    </a:lnTo>
+                    <a:close/>
+                  </a:path>
+                </a:pathLst>
+              </a:custGeom>
+              <a:grpFill/>
+              <a:ln>
+                <a:noFill/>
+              </a:ln>
+              <a:extLst>
+                <a:ext uri="{91240B29-F687-4F45-9708-019B960494DF}">
+                  <a14:hiddenLine xmlns:a14="http://schemas.microsoft.com/office/drawing/2010/main" w="9525">
+                    <a:solidFill>
+                      <a:srgbClr val="000000"/>
+                    </a:solidFill>
+                    <a:round/>
+                    <a:headEnd/>
+                    <a:tailEnd/>
+                  </a14:hiddenLine>
+                </a:ext>
+              </a:extLst>
+            </p:spPr>
+            <p:txBody>
+              <a:bodyPr vert="horz" wrap="square" lIns="91440" tIns="45720" rIns="91440" bIns="45720" numCol="1" anchor="t" anchorCtr="0" compatLnSpc="1">
+                <a:prstTxWarp prst="textNoShape">
+                  <a:avLst/>
+                </a:prstTxWarp>
+              </a:bodyPr>
+              <a:lstStyle/>
+              <a:p>
+                <a:endParaRPr lang="zh-CN" altLang="en-US"/>
+              </a:p>
+            </p:txBody>
+          </p:sp>
+          <p:sp>
+            <p:nvSpPr>
+              <p:cNvPr id="39" name="Freeform 17"/>
+              <p:cNvSpPr>
+                <a:spLocks/>
+              </p:cNvSpPr>
+              <p:nvPr/>
+            </p:nvSpPr>
+            <p:spPr bwMode="auto">
+              <a:xfrm>
+                <a:off x="1821" y="1353"/>
+                <a:ext cx="48" cy="89"/>
+              </a:xfrm>
+              <a:custGeom>
+                <a:avLst/>
+                <a:gdLst>
+                  <a:gd name="T0" fmla="*/ 48 w 48"/>
+                  <a:gd name="T1" fmla="*/ 89 h 89"/>
+                  <a:gd name="T2" fmla="*/ 0 w 48"/>
+                  <a:gd name="T3" fmla="*/ 89 h 89"/>
+                  <a:gd name="T4" fmla="*/ 0 w 48"/>
+                  <a:gd name="T5" fmla="*/ 6 h 89"/>
+                  <a:gd name="T6" fmla="*/ 1 w 48"/>
+                  <a:gd name="T7" fmla="*/ 2 h 89"/>
+                  <a:gd name="T8" fmla="*/ 5 w 48"/>
+                  <a:gd name="T9" fmla="*/ 0 h 89"/>
+                  <a:gd name="T10" fmla="*/ 43 w 48"/>
+                  <a:gd name="T11" fmla="*/ 0 h 89"/>
+                  <a:gd name="T12" fmla="*/ 46 w 48"/>
+                  <a:gd name="T13" fmla="*/ 2 h 89"/>
+                  <a:gd name="T14" fmla="*/ 48 w 48"/>
+                  <a:gd name="T15" fmla="*/ 6 h 89"/>
+                  <a:gd name="T16" fmla="*/ 48 w 48"/>
+                  <a:gd name="T17" fmla="*/ 89 h 89"/>
+                </a:gdLst>
+                <a:ahLst/>
+                <a:cxnLst>
+                  <a:cxn ang="0">
+                    <a:pos x="T0" y="T1"/>
+                  </a:cxn>
+                  <a:cxn ang="0">
+                    <a:pos x="T2" y="T3"/>
+                  </a:cxn>
+                  <a:cxn ang="0">
+                    <a:pos x="T4" y="T5"/>
+                  </a:cxn>
+                  <a:cxn ang="0">
+                    <a:pos x="T6" y="T7"/>
+                  </a:cxn>
+                  <a:cxn ang="0">
+                    <a:pos x="T8" y="T9"/>
+                  </a:cxn>
+                  <a:cxn ang="0">
+                    <a:pos x="T10" y="T11"/>
+                  </a:cxn>
+                  <a:cxn ang="0">
+                    <a:pos x="T12" y="T13"/>
+                  </a:cxn>
+                  <a:cxn ang="0">
+                    <a:pos x="T14" y="T15"/>
+                  </a:cxn>
+                  <a:cxn ang="0">
+                    <a:pos x="T16" y="T17"/>
+                  </a:cxn>
+                </a:cxnLst>
+                <a:rect l="0" t="0" r="r" b="b"/>
+                <a:pathLst>
+                  <a:path w="48" h="89">
+                    <a:moveTo>
+                      <a:pt x="48" y="89"/>
+                    </a:moveTo>
+                    <a:cubicBezTo>
+                      <a:pt x="0" y="89"/>
+                      <a:pt x="0" y="89"/>
+                      <a:pt x="0" y="89"/>
+                    </a:cubicBezTo>
+                    <a:cubicBezTo>
+                      <a:pt x="0" y="6"/>
+                      <a:pt x="0" y="6"/>
+                      <a:pt x="0" y="6"/>
+                    </a:cubicBezTo>
+                    <a:cubicBezTo>
+                      <a:pt x="0" y="4"/>
+                      <a:pt x="0" y="3"/>
+                      <a:pt x="1" y="2"/>
+                    </a:cubicBezTo>
+                    <a:cubicBezTo>
+                      <a:pt x="2" y="1"/>
+                      <a:pt x="4" y="0"/>
+                      <a:pt x="5" y="0"/>
+                    </a:cubicBezTo>
+                    <a:cubicBezTo>
+                      <a:pt x="43" y="0"/>
+                      <a:pt x="43" y="0"/>
+                      <a:pt x="43" y="0"/>
+                    </a:cubicBezTo>
+                    <a:cubicBezTo>
+                      <a:pt x="44" y="0"/>
+                      <a:pt x="45" y="1"/>
+                      <a:pt x="46" y="2"/>
+                    </a:cubicBezTo>
+                    <a:cubicBezTo>
+                      <a:pt x="47" y="3"/>
+                      <a:pt x="48" y="4"/>
+                      <a:pt x="48" y="6"/>
+                    </a:cubicBezTo>
+                    <a:cubicBezTo>
+                      <a:pt x="48" y="89"/>
+                      <a:pt x="48" y="89"/>
+                      <a:pt x="48" y="89"/>
+                    </a:cubicBezTo>
+                    <a:close/>
+                  </a:path>
+                </a:pathLst>
+              </a:custGeom>
+              <a:grpFill/>
+              <a:ln>
+                <a:noFill/>
+              </a:ln>
+              <a:extLst>
+                <a:ext uri="{91240B29-F687-4F45-9708-019B960494DF}">
+                  <a14:hiddenLine xmlns:a14="http://schemas.microsoft.com/office/drawing/2010/main" w="9525">
+                    <a:solidFill>
+                      <a:srgbClr val="000000"/>
+                    </a:solidFill>
+                    <a:round/>
+                    <a:headEnd/>
+                    <a:tailEnd/>
+                  </a14:hiddenLine>
+                </a:ext>
+              </a:extLst>
+            </p:spPr>
+            <p:txBody>
+              <a:bodyPr vert="horz" wrap="square" lIns="91440" tIns="45720" rIns="91440" bIns="45720" numCol="1" anchor="t" anchorCtr="0" compatLnSpc="1">
+                <a:prstTxWarp prst="textNoShape">
+                  <a:avLst/>
+                </a:prstTxWarp>
+              </a:bodyPr>
+              <a:lstStyle/>
+              <a:p>
+                <a:endParaRPr lang="zh-CN" altLang="en-US"/>
+              </a:p>
+            </p:txBody>
+          </p:sp>
+          <p:sp>
+            <p:nvSpPr>
+              <p:cNvPr id="40" name="Freeform 18"/>
+              <p:cNvSpPr>
+                <a:spLocks/>
+              </p:cNvSpPr>
+              <p:nvPr/>
+            </p:nvSpPr>
+            <p:spPr bwMode="auto">
+              <a:xfrm>
+                <a:off x="1901" y="1205"/>
+                <a:ext cx="84" cy="237"/>
+              </a:xfrm>
+              <a:custGeom>
+                <a:avLst/>
+                <a:gdLst>
+                  <a:gd name="T0" fmla="*/ 79 w 84"/>
+                  <a:gd name="T1" fmla="*/ 64 h 237"/>
+                  <a:gd name="T2" fmla="*/ 84 w 84"/>
+                  <a:gd name="T3" fmla="*/ 62 h 237"/>
+                  <a:gd name="T4" fmla="*/ 83 w 84"/>
+                  <a:gd name="T5" fmla="*/ 56 h 237"/>
+                  <a:gd name="T6" fmla="*/ 46 w 84"/>
+                  <a:gd name="T7" fmla="*/ 2 h 237"/>
+                  <a:gd name="T8" fmla="*/ 42 w 84"/>
+                  <a:gd name="T9" fmla="*/ 0 h 237"/>
+                  <a:gd name="T10" fmla="*/ 38 w 84"/>
+                  <a:gd name="T11" fmla="*/ 2 h 237"/>
+                  <a:gd name="T12" fmla="*/ 1 w 84"/>
+                  <a:gd name="T13" fmla="*/ 56 h 237"/>
+                  <a:gd name="T14" fmla="*/ 1 w 84"/>
+                  <a:gd name="T15" fmla="*/ 62 h 237"/>
+                  <a:gd name="T16" fmla="*/ 5 w 84"/>
+                  <a:gd name="T17" fmla="*/ 64 h 237"/>
+                  <a:gd name="T18" fmla="*/ 18 w 84"/>
+                  <a:gd name="T19" fmla="*/ 64 h 237"/>
+                  <a:gd name="T20" fmla="*/ 18 w 84"/>
+                  <a:gd name="T21" fmla="*/ 237 h 237"/>
+                  <a:gd name="T22" fmla="*/ 66 w 84"/>
+                  <a:gd name="T23" fmla="*/ 237 h 237"/>
+                  <a:gd name="T24" fmla="*/ 66 w 84"/>
+                  <a:gd name="T25" fmla="*/ 64 h 237"/>
+                  <a:gd name="T26" fmla="*/ 79 w 84"/>
+                  <a:gd name="T27" fmla="*/ 64 h 237"/>
+                </a:gdLst>
+                <a:ahLst/>
+                <a:cxnLst>
+                  <a:cxn ang="0">
+                    <a:pos x="T0" y="T1"/>
+                  </a:cxn>
+                  <a:cxn ang="0">
+                    <a:pos x="T2" y="T3"/>
+                  </a:cxn>
+                  <a:cxn ang="0">
+                    <a:pos x="T4" y="T5"/>
+                  </a:cxn>
+                  <a:cxn ang="0">
+                    <a:pos x="T6" y="T7"/>
+                  </a:cxn>
+                  <a:cxn ang="0">
+                    <a:pos x="T8" y="T9"/>
+                  </a:cxn>
+                  <a:cxn ang="0">
+                    <a:pos x="T10" y="T11"/>
+                  </a:cxn>
+                  <a:cxn ang="0">
+                    <a:pos x="T12" y="T13"/>
+                  </a:cxn>
+                  <a:cxn ang="0">
+                    <a:pos x="T14" y="T15"/>
+                  </a:cxn>
+                  <a:cxn ang="0">
+                    <a:pos x="T16" y="T17"/>
+                  </a:cxn>
+                  <a:cxn ang="0">
+                    <a:pos x="T18" y="T19"/>
+                  </a:cxn>
+                  <a:cxn ang="0">
+                    <a:pos x="T20" y="T21"/>
+                  </a:cxn>
+                  <a:cxn ang="0">
+                    <a:pos x="T22" y="T23"/>
+                  </a:cxn>
+                  <a:cxn ang="0">
+                    <a:pos x="T24" y="T25"/>
+                  </a:cxn>
+                  <a:cxn ang="0">
+                    <a:pos x="T26" y="T27"/>
+                  </a:cxn>
+                </a:cxnLst>
+                <a:rect l="0" t="0" r="r" b="b"/>
+                <a:pathLst>
+                  <a:path w="84" h="237">
+                    <a:moveTo>
+                      <a:pt x="79" y="64"/>
+                    </a:moveTo>
+                    <a:cubicBezTo>
+                      <a:pt x="81" y="64"/>
+                      <a:pt x="83" y="63"/>
+                      <a:pt x="84" y="62"/>
+                    </a:cubicBezTo>
+                    <a:cubicBezTo>
+                      <a:pt x="84" y="60"/>
+                      <a:pt x="84" y="58"/>
+                      <a:pt x="83" y="56"/>
+                    </a:cubicBezTo>
+                    <a:cubicBezTo>
+                      <a:pt x="46" y="2"/>
+                      <a:pt x="46" y="2"/>
+                      <a:pt x="46" y="2"/>
+                    </a:cubicBezTo>
+                    <a:cubicBezTo>
+                      <a:pt x="45" y="1"/>
+                      <a:pt x="44" y="0"/>
+                      <a:pt x="42" y="0"/>
+                    </a:cubicBezTo>
+                    <a:cubicBezTo>
+                      <a:pt x="40" y="0"/>
+                      <a:pt x="39" y="1"/>
+                      <a:pt x="38" y="2"/>
+                    </a:cubicBezTo>
+                    <a:cubicBezTo>
+                      <a:pt x="1" y="56"/>
+                      <a:pt x="1" y="56"/>
+                      <a:pt x="1" y="56"/>
+                    </a:cubicBezTo>
+                    <a:cubicBezTo>
+                      <a:pt x="0" y="58"/>
+                      <a:pt x="0" y="60"/>
+                      <a:pt x="1" y="62"/>
+                    </a:cubicBezTo>
+                    <a:cubicBezTo>
+                      <a:pt x="1" y="63"/>
+                      <a:pt x="3" y="64"/>
+                      <a:pt x="5" y="64"/>
+                    </a:cubicBezTo>
+                    <a:cubicBezTo>
+                      <a:pt x="18" y="64"/>
+                      <a:pt x="18" y="64"/>
+                      <a:pt x="18" y="64"/>
+                    </a:cubicBezTo>
+                    <a:cubicBezTo>
+                      <a:pt x="18" y="237"/>
+                      <a:pt x="18" y="237"/>
+                      <a:pt x="18" y="237"/>
+                    </a:cubicBezTo>
+                    <a:cubicBezTo>
+                      <a:pt x="66" y="237"/>
+                      <a:pt x="66" y="237"/>
+                      <a:pt x="66" y="237"/>
+                    </a:cubicBezTo>
+                    <a:cubicBezTo>
+                      <a:pt x="66" y="64"/>
+                      <a:pt x="66" y="64"/>
+                      <a:pt x="66" y="64"/>
+                    </a:cubicBezTo>
+                    <a:lnTo>
+                      <a:pt x="79" y="64"/>
+                    </a:lnTo>
+                    <a:close/>
+                  </a:path>
+                </a:pathLst>
+              </a:custGeom>
+              <a:grpFill/>
+              <a:ln>
+                <a:noFill/>
+              </a:ln>
+              <a:extLst>
+                <a:ext uri="{91240B29-F687-4F45-9708-019B960494DF}">
+                  <a14:hiddenLine xmlns:a14="http://schemas.microsoft.com/office/drawing/2010/main" w="9525">
+                    <a:solidFill>
+                      <a:srgbClr val="000000"/>
+                    </a:solidFill>
+                    <a:round/>
+                    <a:headEnd/>
+                    <a:tailEnd/>
+                  </a14:hiddenLine>
+                </a:ext>
+              </a:extLst>
+            </p:spPr>
+            <p:txBody>
+              <a:bodyPr vert="horz" wrap="square" lIns="91440" tIns="45720" rIns="91440" bIns="45720" numCol="1" anchor="t" anchorCtr="0" compatLnSpc="1">
+                <a:prstTxWarp prst="textNoShape">
+                  <a:avLst/>
+                </a:prstTxWarp>
+              </a:bodyPr>
+              <a:lstStyle/>
+              <a:p>
+                <a:endParaRPr lang="zh-CN" altLang="en-US"/>
+              </a:p>
+            </p:txBody>
+          </p:sp>
+          <p:sp>
+            <p:nvSpPr>
+              <p:cNvPr id="41" name="Freeform 19"/>
+              <p:cNvSpPr>
+                <a:spLocks/>
+              </p:cNvSpPr>
+              <p:nvPr/>
+            </p:nvSpPr>
+            <p:spPr bwMode="auto">
+              <a:xfrm>
+                <a:off x="1552" y="1187"/>
+                <a:ext cx="510" cy="276"/>
+              </a:xfrm>
+              <a:custGeom>
+                <a:avLst/>
+                <a:gdLst>
+                  <a:gd name="T0" fmla="*/ 8 w 512"/>
+                  <a:gd name="T1" fmla="*/ 268 h 276"/>
+                  <a:gd name="T2" fmla="*/ 8 w 512"/>
+                  <a:gd name="T3" fmla="*/ 4 h 276"/>
+                  <a:gd name="T4" fmla="*/ 7 w 512"/>
+                  <a:gd name="T5" fmla="*/ 1 h 276"/>
+                  <a:gd name="T6" fmla="*/ 4 w 512"/>
+                  <a:gd name="T7" fmla="*/ 0 h 276"/>
+                  <a:gd name="T8" fmla="*/ 4 w 512"/>
+                  <a:gd name="T9" fmla="*/ 0 h 276"/>
+                  <a:gd name="T10" fmla="*/ 1 w 512"/>
+                  <a:gd name="T11" fmla="*/ 1 h 276"/>
+                  <a:gd name="T12" fmla="*/ 0 w 512"/>
+                  <a:gd name="T13" fmla="*/ 4 h 276"/>
+                  <a:gd name="T14" fmla="*/ 0 w 512"/>
+                  <a:gd name="T15" fmla="*/ 276 h 276"/>
+                  <a:gd name="T16" fmla="*/ 508 w 512"/>
+                  <a:gd name="T17" fmla="*/ 276 h 276"/>
+                  <a:gd name="T18" fmla="*/ 511 w 512"/>
+                  <a:gd name="T19" fmla="*/ 275 h 276"/>
+                  <a:gd name="T20" fmla="*/ 512 w 512"/>
+                  <a:gd name="T21" fmla="*/ 272 h 276"/>
+                  <a:gd name="T22" fmla="*/ 512 w 512"/>
+                  <a:gd name="T23" fmla="*/ 272 h 276"/>
+                  <a:gd name="T24" fmla="*/ 511 w 512"/>
+                  <a:gd name="T25" fmla="*/ 269 h 276"/>
+                  <a:gd name="T26" fmla="*/ 508 w 512"/>
+                  <a:gd name="T27" fmla="*/ 268 h 276"/>
+                  <a:gd name="T28" fmla="*/ 8 w 512"/>
+                  <a:gd name="T29" fmla="*/ 268 h 276"/>
+                </a:gdLst>
+                <a:ahLst/>
+                <a:cxnLst>
+                  <a:cxn ang="0">
+                    <a:pos x="T0" y="T1"/>
+                  </a:cxn>
+                  <a:cxn ang="0">
+                    <a:pos x="T2" y="T3"/>
+                  </a:cxn>
+                  <a:cxn ang="0">
+                    <a:pos x="T4" y="T5"/>
+                  </a:cxn>
+                  <a:cxn ang="0">
+                    <a:pos x="T6" y="T7"/>
+                  </a:cxn>
+                  <a:cxn ang="0">
+                    <a:pos x="T8" y="T9"/>
+                  </a:cxn>
+                  <a:cxn ang="0">
+                    <a:pos x="T10" y="T11"/>
+                  </a:cxn>
+                  <a:cxn ang="0">
+                    <a:pos x="T12" y="T13"/>
+                  </a:cxn>
+                  <a:cxn ang="0">
+                    <a:pos x="T14" y="T15"/>
+                  </a:cxn>
+                  <a:cxn ang="0">
+                    <a:pos x="T16" y="T17"/>
+                  </a:cxn>
+                  <a:cxn ang="0">
+                    <a:pos x="T18" y="T19"/>
+                  </a:cxn>
+                  <a:cxn ang="0">
+                    <a:pos x="T20" y="T21"/>
+                  </a:cxn>
+                  <a:cxn ang="0">
+                    <a:pos x="T22" y="T23"/>
+                  </a:cxn>
+                  <a:cxn ang="0">
+                    <a:pos x="T24" y="T25"/>
+                  </a:cxn>
+                  <a:cxn ang="0">
+                    <a:pos x="T26" y="T27"/>
+                  </a:cxn>
+                  <a:cxn ang="0">
+                    <a:pos x="T28" y="T29"/>
+                  </a:cxn>
+                </a:cxnLst>
+                <a:rect l="0" t="0" r="r" b="b"/>
+                <a:pathLst>
+                  <a:path w="512" h="276">
+                    <a:moveTo>
+                      <a:pt x="8" y="268"/>
+                    </a:moveTo>
+                    <a:cubicBezTo>
+                      <a:pt x="8" y="4"/>
+                      <a:pt x="8" y="4"/>
+                      <a:pt x="8" y="4"/>
+                    </a:cubicBezTo>
+                    <a:cubicBezTo>
+                      <a:pt x="8" y="3"/>
+                      <a:pt x="8" y="2"/>
+                      <a:pt x="7" y="1"/>
+                    </a:cubicBezTo>
+                    <a:cubicBezTo>
+                      <a:pt x="6" y="1"/>
+                      <a:pt x="5" y="0"/>
+                      <a:pt x="4" y="0"/>
+                    </a:cubicBezTo>
+                    <a:cubicBezTo>
+                      <a:pt x="4" y="0"/>
+                      <a:pt x="4" y="0"/>
+                      <a:pt x="4" y="0"/>
+                    </a:cubicBezTo>
+                    <a:cubicBezTo>
+                      <a:pt x="3" y="0"/>
+                      <a:pt x="2" y="1"/>
+                      <a:pt x="1" y="1"/>
+                    </a:cubicBezTo>
+                    <a:cubicBezTo>
+                      <a:pt x="0" y="2"/>
+                      <a:pt x="0" y="3"/>
+                      <a:pt x="0" y="4"/>
+                    </a:cubicBezTo>
+                    <a:cubicBezTo>
+                      <a:pt x="0" y="276"/>
+                      <a:pt x="0" y="276"/>
+                      <a:pt x="0" y="276"/>
+                    </a:cubicBezTo>
+                    <a:cubicBezTo>
+                      <a:pt x="508" y="276"/>
+                      <a:pt x="508" y="276"/>
+                      <a:pt x="508" y="276"/>
+                    </a:cubicBezTo>
+                    <a:cubicBezTo>
+                      <a:pt x="509" y="276"/>
+                      <a:pt x="510" y="276"/>
+                      <a:pt x="511" y="275"/>
+                    </a:cubicBezTo>
+                    <a:cubicBezTo>
+                      <a:pt x="512" y="274"/>
+                      <a:pt x="512" y="273"/>
+                      <a:pt x="512" y="272"/>
+                    </a:cubicBezTo>
+                    <a:cubicBezTo>
+                      <a:pt x="512" y="272"/>
+                      <a:pt x="512" y="272"/>
+                      <a:pt x="512" y="272"/>
+                    </a:cubicBezTo>
+                    <a:cubicBezTo>
+                      <a:pt x="512" y="271"/>
+                      <a:pt x="512" y="270"/>
+                      <a:pt x="511" y="269"/>
+                    </a:cubicBezTo>
+                    <a:cubicBezTo>
+                      <a:pt x="510" y="268"/>
+                      <a:pt x="509" y="268"/>
+                      <a:pt x="508" y="268"/>
+                    </a:cubicBezTo>
+                    <a:cubicBezTo>
+                      <a:pt x="8" y="268"/>
+                      <a:pt x="8" y="268"/>
+                      <a:pt x="8" y="268"/>
+                    </a:cubicBezTo>
+                    <a:close/>
+                  </a:path>
+                </a:pathLst>
+              </a:custGeom>
+              <a:grpFill/>
+              <a:ln>
+                <a:noFill/>
+              </a:ln>
+              <a:extLst>
+                <a:ext uri="{91240B29-F687-4F45-9708-019B960494DF}">
+                  <a14:hiddenLine xmlns:a14="http://schemas.microsoft.com/office/drawing/2010/main" w="9525">
+                    <a:solidFill>
+                      <a:srgbClr val="000000"/>
+                    </a:solidFill>
+                    <a:round/>
+                    <a:headEnd/>
+                    <a:tailEnd/>
+                  </a14:hiddenLine>
+                </a:ext>
+              </a:extLst>
+            </p:spPr>
+            <p:txBody>
+              <a:bodyPr vert="horz" wrap="square" lIns="91440" tIns="45720" rIns="91440" bIns="45720" numCol="1" anchor="t" anchorCtr="0" compatLnSpc="1">
+                <a:prstTxWarp prst="textNoShape">
+                  <a:avLst/>
+                </a:prstTxWarp>
+              </a:bodyPr>
+              <a:lstStyle/>
+              <a:p>
+                <a:endParaRPr lang="zh-CN" altLang="en-US"/>
+              </a:p>
+            </p:txBody>
+          </p:sp>
+        </p:grpSp>
+      </p:grpSp>
       <p:sp>
         <p:nvSpPr>
-          <p:cNvPr id="8" name="Triangolo isoscele 7">
+          <p:cNvPr id="29" name="Triangolo isoscele 28">
             <a:extLst>
               <a:ext uri="{FF2B5EF4-FFF2-40B4-BE49-F238E27FC236}">
-                <a16:creationId xmlns:a16="http://schemas.microsoft.com/office/drawing/2014/main" id="{130344D1-B9A8-450A-8047-859956AD2B85}"/>
+                <a16:creationId xmlns:a16="http://schemas.microsoft.com/office/drawing/2014/main" id="{EF28CAB7-E20C-4A06-BE21-0583312161C0}"/>
               </a:ext>
             </a:extLst>
           </p:cNvPr>
@@ -23873,10 +27451,10 @@
       </p:sp>
       <p:sp>
         <p:nvSpPr>
-          <p:cNvPr id="9" name="Segnaposto numero diapositiva 10">
+          <p:cNvPr id="30" name="Segnaposto numero diapositiva 10">
             <a:extLst>
               <a:ext uri="{FF2B5EF4-FFF2-40B4-BE49-F238E27FC236}">
-                <a16:creationId xmlns:a16="http://schemas.microsoft.com/office/drawing/2014/main" id="{9064E1B8-A626-4255-9DD0-5254B1951127}"/>
+                <a16:creationId xmlns:a16="http://schemas.microsoft.com/office/drawing/2014/main" id="{A5D5F524-96F8-4AC9-8D52-157FAC9507F6}"/>
               </a:ext>
             </a:extLst>
           </p:cNvPr>
@@ -24021,7 +27599,7 @@
     </p:spTree>
     <p:extLst>
       <p:ext uri="{BB962C8B-B14F-4D97-AF65-F5344CB8AC3E}">
-        <p14:creationId xmlns:p14="http://schemas.microsoft.com/office/powerpoint/2010/main" val="16807"/>
+        <p14:creationId xmlns:p14="http://schemas.microsoft.com/office/powerpoint/2010/main" val="1042196309"/>
       </p:ext>
     </p:extLst>
   </p:cSld>
@@ -31111,7 +34689,7 @@
               </a:ln>
               <a:extLst>
                 <a:ext uri="{91240B29-F687-4f45-9708-019B960494DF}">
-                  <a14:hiddenLine xmlns:a14="http://schemas.microsoft.com/office/drawing/2010/main" xmlns="" w="9525">
+                  <a14:hiddenLine xmlns="" xmlns:a14="http://schemas.microsoft.com/office/drawing/2010/main" w="9525">
                     <a:solidFill>
                       <a:srgbClr val="000000"/>
                     </a:solidFill>
@@ -31246,7 +34824,7 @@
               </a:ln>
               <a:extLst>
                 <a:ext uri="{91240B29-F687-4f45-9708-019B960494DF}">
-                  <a14:hiddenLine xmlns:a14="http://schemas.microsoft.com/office/drawing/2010/main" xmlns="" w="9525">
+                  <a14:hiddenLine xmlns="" xmlns:a14="http://schemas.microsoft.com/office/drawing/2010/main" w="9525">
                     <a:solidFill>
                       <a:srgbClr val="000000"/>
                     </a:solidFill>
@@ -31349,7 +34927,7 @@
               </a:ln>
               <a:extLst>
                 <a:ext uri="{91240B29-F687-4f45-9708-019B960494DF}">
-                  <a14:hiddenLine xmlns:a14="http://schemas.microsoft.com/office/drawing/2010/main" xmlns="" w="9525">
+                  <a14:hiddenLine xmlns="" xmlns:a14="http://schemas.microsoft.com/office/drawing/2010/main" w="9525">
                     <a:solidFill>
                       <a:srgbClr val="000000"/>
                     </a:solidFill>
@@ -31493,7 +35071,7 @@
               </a:ln>
               <a:extLst>
                 <a:ext uri="{91240B29-F687-4f45-9708-019B960494DF}">
-                  <a14:hiddenLine xmlns:a14="http://schemas.microsoft.com/office/drawing/2010/main" xmlns="" w="9525">
+                  <a14:hiddenLine xmlns="" xmlns:a14="http://schemas.microsoft.com/office/drawing/2010/main" w="9525">
                     <a:solidFill>
                       <a:srgbClr val="000000"/>
                     </a:solidFill>
@@ -31683,7 +35261,7 @@
               </a:ln>
               <a:extLst>
                 <a:ext uri="{91240B29-F687-4f45-9708-019B960494DF}">
-                  <a14:hiddenLine xmlns:a14="http://schemas.microsoft.com/office/drawing/2010/main" xmlns="" w="9525">
+                  <a14:hiddenLine xmlns="" xmlns:a14="http://schemas.microsoft.com/office/drawing/2010/main" w="9525">
                     <a:solidFill>
                       <a:srgbClr val="000000"/>
                     </a:solidFill>
@@ -39454,7 +43032,7 @@
               </a:ln>
               <a:extLst>
                 <a:ext uri="{91240B29-F687-4f45-9708-019B960494DF}">
-                  <a14:hiddenLine xmlns:a14="http://schemas.microsoft.com/office/drawing/2010/main" xmlns="" w="9525">
+                  <a14:hiddenLine xmlns="" xmlns:a14="http://schemas.microsoft.com/office/drawing/2010/main" w="9525">
                     <a:solidFill>
                       <a:srgbClr val="000000"/>
                     </a:solidFill>
@@ -39506,7 +43084,7 @@
               </a:ln>
               <a:extLst>
                 <a:ext uri="{91240B29-F687-4f45-9708-019B960494DF}">
-                  <a14:hiddenLine xmlns:a14="http://schemas.microsoft.com/office/drawing/2010/main" xmlns="" w="9525">
+                  <a14:hiddenLine xmlns="" xmlns:a14="http://schemas.microsoft.com/office/drawing/2010/main" w="9525">
                     <a:solidFill>
                       <a:srgbClr val="000000"/>
                     </a:solidFill>
@@ -39558,7 +43136,7 @@
               </a:ln>
               <a:extLst>
                 <a:ext uri="{91240B29-F687-4f45-9708-019B960494DF}">
-                  <a14:hiddenLine xmlns:a14="http://schemas.microsoft.com/office/drawing/2010/main" xmlns="" w="9525">
+                  <a14:hiddenLine xmlns="" xmlns:a14="http://schemas.microsoft.com/office/drawing/2010/main" w="9525">
                     <a:solidFill>
                       <a:srgbClr val="000000"/>
                     </a:solidFill>
@@ -39610,7 +43188,7 @@
               </a:ln>
               <a:extLst>
                 <a:ext uri="{91240B29-F687-4f45-9708-019B960494DF}">
-                  <a14:hiddenLine xmlns:a14="http://schemas.microsoft.com/office/drawing/2010/main" xmlns="" w="9525">
+                  <a14:hiddenLine xmlns="" xmlns:a14="http://schemas.microsoft.com/office/drawing/2010/main" w="9525">
                     <a:solidFill>
                       <a:srgbClr val="000000"/>
                     </a:solidFill>
@@ -39662,7 +43240,7 @@
               </a:ln>
               <a:extLst>
                 <a:ext uri="{91240B29-F687-4f45-9708-019B960494DF}">
-                  <a14:hiddenLine xmlns:a14="http://schemas.microsoft.com/office/drawing/2010/main" xmlns="" w="9525">
+                  <a14:hiddenLine xmlns="" xmlns:a14="http://schemas.microsoft.com/office/drawing/2010/main" w="9525">
                     <a:solidFill>
                       <a:srgbClr val="000000"/>
                     </a:solidFill>
@@ -39797,7 +43375,7 @@
               </a:ln>
               <a:extLst>
                 <a:ext uri="{91240B29-F687-4f45-9708-019B960494DF}">
-                  <a14:hiddenLine xmlns:a14="http://schemas.microsoft.com/office/drawing/2010/main" xmlns="" w="9525">
+                  <a14:hiddenLine xmlns="" xmlns:a14="http://schemas.microsoft.com/office/drawing/2010/main" w="9525">
                     <a:solidFill>
                       <a:srgbClr val="000000"/>
                     </a:solidFill>
@@ -43696,7 +47274,7 @@
             </a:ln>
             <a:extLst>
               <a:ext uri="{91240B29-F687-4f45-9708-019B960494DF}">
-                <a14:hiddenLine xmlns:a14="http://schemas.microsoft.com/office/drawing/2010/main" xmlns="" w="9525">
+                <a14:hiddenLine xmlns="" xmlns:a14="http://schemas.microsoft.com/office/drawing/2010/main" w="9525">
                   <a:solidFill>
                     <a:srgbClr val="000000"/>
                   </a:solidFill>
@@ -43831,7 +47409,7 @@
             </a:ln>
             <a:extLst>
               <a:ext uri="{91240B29-F687-4f45-9708-019B960494DF}">
-                <a14:hiddenLine xmlns:a14="http://schemas.microsoft.com/office/drawing/2010/main" xmlns="" w="9525">
+                <a14:hiddenLine xmlns="" xmlns:a14="http://schemas.microsoft.com/office/drawing/2010/main" w="9525">
                   <a:solidFill>
                     <a:srgbClr val="000000"/>
                   </a:solidFill>
@@ -43934,7 +47512,7 @@
             </a:ln>
             <a:extLst>
               <a:ext uri="{91240B29-F687-4f45-9708-019B960494DF}">
-                <a14:hiddenLine xmlns:a14="http://schemas.microsoft.com/office/drawing/2010/main" xmlns="" w="9525">
+                <a14:hiddenLine xmlns="" xmlns:a14="http://schemas.microsoft.com/office/drawing/2010/main" w="9525">
                   <a:solidFill>
                     <a:srgbClr val="000000"/>
                   </a:solidFill>
@@ -44078,7 +47656,7 @@
             </a:ln>
             <a:extLst>
               <a:ext uri="{91240B29-F687-4f45-9708-019B960494DF}">
-                <a14:hiddenLine xmlns:a14="http://schemas.microsoft.com/office/drawing/2010/main" xmlns="" w="9525">
+                <a14:hiddenLine xmlns="" xmlns:a14="http://schemas.microsoft.com/office/drawing/2010/main" w="9525">
                   <a:solidFill>
                     <a:srgbClr val="000000"/>
                   </a:solidFill>
@@ -44268,7 +47846,7 @@
             </a:ln>
             <a:extLst>
               <a:ext uri="{91240B29-F687-4f45-9708-019B960494DF}">
-                <a14:hiddenLine xmlns:a14="http://schemas.microsoft.com/office/drawing/2010/main" xmlns="" w="9525">
+                <a14:hiddenLine xmlns="" xmlns:a14="http://schemas.microsoft.com/office/drawing/2010/main" w="9525">
                   <a:solidFill>
                     <a:srgbClr val="000000"/>
                   </a:solidFill>
